--- a/mysql-index.pptx
+++ b/mysql-index.pptx
@@ -17017,7 +17017,7 @@
               <a:rPr lang="en-US" altLang="zh-CN" b="1" dirty="0" smtClean="0">
                 <a:latin typeface="+mn-ea"/>
               </a:rPr>
-              <a:t>row:</a:t>
+              <a:t>rows:</a:t>
             </a:r>
             <a:endParaRPr lang="en-US" altLang="zh-CN" b="1" dirty="0">
               <a:latin typeface="+mn-ea"/>

--- a/mysql-index.pptx
+++ b/mysql-index.pptx
@@ -5,36 +5,38 @@
     <p:sldMasterId id="2147483648" r:id="rId1"/>
   </p:sldMasterIdLst>
   <p:notesMasterIdLst>
-    <p:notesMasterId r:id="rId24"/>
+    <p:notesMasterId r:id="rId26"/>
   </p:notesMasterIdLst>
   <p:sldIdLst>
     <p:sldId id="257" r:id="rId2"/>
     <p:sldId id="263" r:id="rId3"/>
     <p:sldId id="264" r:id="rId4"/>
-    <p:sldId id="276" r:id="rId5"/>
-    <p:sldId id="287" r:id="rId6"/>
-    <p:sldId id="275" r:id="rId7"/>
-    <p:sldId id="277" r:id="rId8"/>
+    <p:sldId id="291" r:id="rId5"/>
+    <p:sldId id="275" r:id="rId6"/>
+    <p:sldId id="277" r:id="rId7"/>
+    <p:sldId id="295" r:id="rId8"/>
     <p:sldId id="286" r:id="rId9"/>
-    <p:sldId id="271" r:id="rId10"/>
-    <p:sldId id="273" r:id="rId11"/>
-    <p:sldId id="265" r:id="rId12"/>
-    <p:sldId id="278" r:id="rId13"/>
-    <p:sldId id="279" r:id="rId14"/>
-    <p:sldId id="281" r:id="rId15"/>
-    <p:sldId id="283" r:id="rId16"/>
-    <p:sldId id="284" r:id="rId17"/>
+    <p:sldId id="265" r:id="rId10"/>
+    <p:sldId id="278" r:id="rId11"/>
+    <p:sldId id="279" r:id="rId12"/>
+    <p:sldId id="281" r:id="rId13"/>
+    <p:sldId id="283" r:id="rId14"/>
+    <p:sldId id="284" r:id="rId15"/>
+    <p:sldId id="293" r:id="rId16"/>
+    <p:sldId id="294" r:id="rId17"/>
     <p:sldId id="266" r:id="rId18"/>
     <p:sldId id="282" r:id="rId19"/>
     <p:sldId id="285" r:id="rId20"/>
-    <p:sldId id="267" r:id="rId21"/>
-    <p:sldId id="268" r:id="rId22"/>
-    <p:sldId id="261" r:id="rId23"/>
+    <p:sldId id="290" r:id="rId21"/>
+    <p:sldId id="292" r:id="rId22"/>
+    <p:sldId id="267" r:id="rId23"/>
+    <p:sldId id="268" r:id="rId24"/>
+    <p:sldId id="261" r:id="rId25"/>
   </p:sldIdLst>
   <p:sldSz cx="12192000" cy="6858000"/>
   <p:notesSz cx="6858000" cy="9144000"/>
   <p:custDataLst>
-    <p:tags r:id="rId25"/>
+    <p:tags r:id="rId27"/>
   </p:custDataLst>
   <p:defaultTextStyle>
     <a:defPPr>
@@ -2455,37 +2457,37 @@
     </dgm:pt>
   </dgm:ptLst>
   <dgm:cxnLst>
-    <dgm:cxn modelId="{5C7300E9-1F20-40BE-89D5-E1D491AFB673}" type="presOf" srcId="{0FA9E4F8-D936-44A6-8EEC-1DD8D5516831}" destId="{07140409-63E5-41F1-8748-17B5F6062E7A}" srcOrd="0" destOrd="0" presId="urn:microsoft.com/office/officeart/2005/8/layout/vList2"/>
+    <dgm:cxn modelId="{45B6D1F5-2F4C-4813-8775-1A2B34AA7269}" type="presOf" srcId="{0FA9E4F8-D936-44A6-8EEC-1DD8D5516831}" destId="{07140409-63E5-41F1-8748-17B5F6062E7A}" srcOrd="0" destOrd="0" presId="urn:microsoft.com/office/officeart/2005/8/layout/vList2"/>
+    <dgm:cxn modelId="{4DF9F87A-3A75-41A2-AD0E-7DE3AFC82A88}" type="presOf" srcId="{3CBA6E75-B103-4827-8B9B-E799FCA4B6A7}" destId="{4DBBB41F-80A8-4D02-AA6B-A39BDD7EC647}" srcOrd="0" destOrd="3" presId="urn:microsoft.com/office/officeart/2005/8/layout/vList2"/>
+    <dgm:cxn modelId="{6EDC2FE8-B8E3-4291-BB3A-225F6933DF63}" type="presOf" srcId="{D987A8F7-675F-4DB8-927E-4A9DFCAF598F}" destId="{07140409-63E5-41F1-8748-17B5F6062E7A}" srcOrd="0" destOrd="1" presId="urn:microsoft.com/office/officeart/2005/8/layout/vList2"/>
     <dgm:cxn modelId="{25108019-C5BC-4999-8FD9-1CDD5EDED85A}" srcId="{3385ECA4-BE99-4663-A1DD-9A21EF985FD6}" destId="{C49B825D-86F6-4ABB-90D4-E6397D9CCFA6}" srcOrd="5" destOrd="0" parTransId="{E1EC66F3-B517-4466-9B25-7C48337B65C6}" sibTransId="{6CB2A0C1-BCBD-4200-9A07-12EAE76D7EC5}"/>
-    <dgm:cxn modelId="{56531A20-A9DB-475E-B7B0-F3E6579BE864}" type="presOf" srcId="{FD56C2DD-C4A2-44A5-86FC-8C4EF4796350}" destId="{4DBBB41F-80A8-4D02-AA6B-A39BDD7EC647}" srcOrd="0" destOrd="6" presId="urn:microsoft.com/office/officeart/2005/8/layout/vList2"/>
-    <dgm:cxn modelId="{09884FAA-537D-4B36-916C-EC6D9EA24394}" type="presOf" srcId="{D987A8F7-675F-4DB8-927E-4A9DFCAF598F}" destId="{07140409-63E5-41F1-8748-17B5F6062E7A}" srcOrd="0" destOrd="1" presId="urn:microsoft.com/office/officeart/2005/8/layout/vList2"/>
-    <dgm:cxn modelId="{908BF6F0-4BCC-478F-B5C0-522B9216C4C5}" type="presOf" srcId="{C49B825D-86F6-4ABB-90D4-E6397D9CCFA6}" destId="{4DBBB41F-80A8-4D02-AA6B-A39BDD7EC647}" srcOrd="0" destOrd="5" presId="urn:microsoft.com/office/officeart/2005/8/layout/vList2"/>
+    <dgm:cxn modelId="{75CF44FE-05DD-460E-A6A8-D7B612E4D763}" type="presOf" srcId="{5E5BDDA8-FD9E-472F-B9AC-D1F7D9E53285}" destId="{07140409-63E5-41F1-8748-17B5F6062E7A}" srcOrd="0" destOrd="3" presId="urn:microsoft.com/office/officeart/2005/8/layout/vList2"/>
+    <dgm:cxn modelId="{5F0DBEC5-9106-4688-BED5-C7DB9F7E6A05}" type="presOf" srcId="{3385ECA4-BE99-4663-A1DD-9A21EF985FD6}" destId="{2287F4FD-CD4B-4DBF-99A4-A3F5AA8590C9}" srcOrd="0" destOrd="0" presId="urn:microsoft.com/office/officeart/2005/8/layout/vList2"/>
+    <dgm:cxn modelId="{BDD9DD17-172B-4F62-9911-0D40E9AC7D27}" type="presOf" srcId="{2CCA6318-5E9B-4A45-BE56-891ED3B49920}" destId="{6E1F3A8F-979A-4968-9990-6D26FA552F18}" srcOrd="0" destOrd="0" presId="urn:microsoft.com/office/officeart/2005/8/layout/vList2"/>
+    <dgm:cxn modelId="{EC57E4CA-63CD-412D-B18F-5707012EA5CD}" type="presOf" srcId="{FD56C2DD-C4A2-44A5-86FC-8C4EF4796350}" destId="{4DBBB41F-80A8-4D02-AA6B-A39BDD7EC647}" srcOrd="0" destOrd="6" presId="urn:microsoft.com/office/officeart/2005/8/layout/vList2"/>
     <dgm:cxn modelId="{FC845E37-728B-4CDB-8684-1C39C7FCF165}" srcId="{7F2245EF-9A35-424B-99E0-2B6079103238}" destId="{D987A8F7-675F-4DB8-927E-4A9DFCAF598F}" srcOrd="1" destOrd="0" parTransId="{21DF3851-3B70-43ED-9D0F-E3F2B744FE5F}" sibTransId="{18576584-ADBB-4BDA-AB38-3978D691A5E3}"/>
-    <dgm:cxn modelId="{887022CD-27B8-4FFD-8C27-362AA8B5C5F3}" type="presOf" srcId="{2CCA6318-5E9B-4A45-BE56-891ED3B49920}" destId="{6E1F3A8F-979A-4968-9990-6D26FA552F18}" srcOrd="0" destOrd="0" presId="urn:microsoft.com/office/officeart/2005/8/layout/vList2"/>
     <dgm:cxn modelId="{71F5AC6E-8418-4DB5-81B2-01A55E2DEB8B}" srcId="{3385ECA4-BE99-4663-A1DD-9A21EF985FD6}" destId="{0133647A-87DD-4920-9547-E61D17553F6D}" srcOrd="2" destOrd="0" parTransId="{6676F62A-CCAD-4438-84FF-8E7889EAD447}" sibTransId="{8D5A0964-F5D5-4601-8CC8-2D453ACA3D50}"/>
+    <dgm:cxn modelId="{0905A968-0E0C-4482-8D8E-98D9151F48B8}" type="presOf" srcId="{7F2245EF-9A35-424B-99E0-2B6079103238}" destId="{9EF64D39-2BD6-4A08-B253-92A3AC0498DB}" srcOrd="0" destOrd="0" presId="urn:microsoft.com/office/officeart/2005/8/layout/vList2"/>
     <dgm:cxn modelId="{01E9BD75-2418-4C2D-BEBE-68B8A28D3C89}" srcId="{7F2245EF-9A35-424B-99E0-2B6079103238}" destId="{0FA9E4F8-D936-44A6-8EEC-1DD8D5516831}" srcOrd="0" destOrd="0" parTransId="{FB64B962-2F81-4D2E-AED6-0B77E723F401}" sibTransId="{ABCCE2D4-49EA-4350-84BD-C623DC166250}"/>
+    <dgm:cxn modelId="{407D4C35-BCEB-43A7-ABB7-81C1C6FC46A6}" type="presOf" srcId="{6C31571E-3342-4494-A557-A938A29921A0}" destId="{4DBBB41F-80A8-4D02-AA6B-A39BDD7EC647}" srcOrd="0" destOrd="0" presId="urn:microsoft.com/office/officeart/2005/8/layout/vList2"/>
     <dgm:cxn modelId="{92B62E78-F630-4B6C-B66E-C3C16E00C3F8}" srcId="{7F2245EF-9A35-424B-99E0-2B6079103238}" destId="{5E5BDDA8-FD9E-472F-B9AC-D1F7D9E53285}" srcOrd="3" destOrd="0" parTransId="{DB23B85C-AE51-4184-BFAD-59386AFD55AF}" sibTransId="{93AB36F6-FC50-4AE4-8D87-E2B682502D39}"/>
     <dgm:cxn modelId="{AB692C16-554C-4919-A416-4E7559E4188A}" srcId="{2CCA6318-5E9B-4A45-BE56-891ED3B49920}" destId="{7F2245EF-9A35-424B-99E0-2B6079103238}" srcOrd="0" destOrd="0" parTransId="{05FE3518-BD60-4F5F-A16A-5FD36A8E4D5D}" sibTransId="{07ED5521-3657-4F5E-A884-F7FB4F0D9425}"/>
-    <dgm:cxn modelId="{EDCE2C11-7FA3-4F01-AE9B-D927CBC95C47}" type="presOf" srcId="{7F2245EF-9A35-424B-99E0-2B6079103238}" destId="{9EF64D39-2BD6-4A08-B253-92A3AC0498DB}" srcOrd="0" destOrd="0" presId="urn:microsoft.com/office/officeart/2005/8/layout/vList2"/>
     <dgm:cxn modelId="{F24C0B7E-BC98-4583-8DD0-8F8E91CF53BE}" srcId="{3385ECA4-BE99-4663-A1DD-9A21EF985FD6}" destId="{D37594E3-DF3B-41D6-9217-4D71F51FD930}" srcOrd="1" destOrd="0" parTransId="{6A0CE409-8AA4-4593-94FF-B08BA9702D8E}" sibTransId="{EAB60271-0336-43D2-988D-73913CDF88FE}"/>
-    <dgm:cxn modelId="{2370CBAC-B2B2-4DAC-A19D-977A92B8D857}" type="presOf" srcId="{E5CDD162-6C65-4083-A6B5-F5FBD3F468FE}" destId="{07140409-63E5-41F1-8748-17B5F6062E7A}" srcOrd="0" destOrd="2" presId="urn:microsoft.com/office/officeart/2005/8/layout/vList2"/>
     <dgm:cxn modelId="{7D98821C-ECF9-4736-8AE4-2D7D05D81DF1}" srcId="{3385ECA4-BE99-4663-A1DD-9A21EF985FD6}" destId="{6C31571E-3342-4494-A557-A938A29921A0}" srcOrd="0" destOrd="0" parTransId="{8BBCFF37-0475-4407-B442-7083B19B2B00}" sibTransId="{1A1DA4B3-B013-4D14-8F60-4EE4E6F560FD}"/>
-    <dgm:cxn modelId="{E30761C6-F005-4A7E-8BA0-22B72BB3E6CC}" type="presOf" srcId="{3385ECA4-BE99-4663-A1DD-9A21EF985FD6}" destId="{2287F4FD-CD4B-4DBF-99A4-A3F5AA8590C9}" srcOrd="0" destOrd="0" presId="urn:microsoft.com/office/officeart/2005/8/layout/vList2"/>
+    <dgm:cxn modelId="{5B46992D-976F-410A-B1FB-936B109C479C}" type="presOf" srcId="{7A969AAA-0DCE-4A18-BAFD-FA6343058C3E}" destId="{4DBBB41F-80A8-4D02-AA6B-A39BDD7EC647}" srcOrd="0" destOrd="4" presId="urn:microsoft.com/office/officeart/2005/8/layout/vList2"/>
     <dgm:cxn modelId="{1A0E0E22-5B74-4FDA-AE64-2E28C5F75B4B}" srcId="{7F2245EF-9A35-424B-99E0-2B6079103238}" destId="{E5CDD162-6C65-4083-A6B5-F5FBD3F468FE}" srcOrd="2" destOrd="0" parTransId="{F49F4014-EB76-435F-82F7-B5BD34D88823}" sibTransId="{2E189530-56D3-4A08-8CA8-46DE174EE077}"/>
-    <dgm:cxn modelId="{713366C9-704E-4C27-ABAE-01D516406291}" type="presOf" srcId="{D37594E3-DF3B-41D6-9217-4D71F51FD930}" destId="{4DBBB41F-80A8-4D02-AA6B-A39BDD7EC647}" srcOrd="0" destOrd="1" presId="urn:microsoft.com/office/officeart/2005/8/layout/vList2"/>
     <dgm:cxn modelId="{2B8C36B2-ED75-4F85-9306-D503885BC68F}" srcId="{3385ECA4-BE99-4663-A1DD-9A21EF985FD6}" destId="{FD56C2DD-C4A2-44A5-86FC-8C4EF4796350}" srcOrd="6" destOrd="0" parTransId="{01A5F5C0-7601-4226-84BC-5F982F4BB2AB}" sibTransId="{23DFBDF2-877E-477D-9549-2F31ADA28667}"/>
     <dgm:cxn modelId="{2A65A245-BABE-4CFB-B0DC-CF0C1C9B157E}" srcId="{3385ECA4-BE99-4663-A1DD-9A21EF985FD6}" destId="{3CBA6E75-B103-4827-8B9B-E799FCA4B6A7}" srcOrd="3" destOrd="0" parTransId="{AA04F833-B268-4B1F-9A2F-0A950ECAB920}" sibTransId="{39C2692F-49B1-4EF2-9FE1-BD3CA95DB2F1}"/>
     <dgm:cxn modelId="{88316963-EAC1-4D96-9CAE-0E3BEC7DB6BD}" srcId="{3385ECA4-BE99-4663-A1DD-9A21EF985FD6}" destId="{7A969AAA-0DCE-4A18-BAFD-FA6343058C3E}" srcOrd="4" destOrd="0" parTransId="{A2C69C00-6C6A-4D02-AB26-ADC82E22BAA2}" sibTransId="{8CC86EF6-ADE5-40DC-B049-D26498488975}"/>
-    <dgm:cxn modelId="{BE236137-8B98-4EE5-9423-5B8417B1645E}" type="presOf" srcId="{7A969AAA-0DCE-4A18-BAFD-FA6343058C3E}" destId="{4DBBB41F-80A8-4D02-AA6B-A39BDD7EC647}" srcOrd="0" destOrd="4" presId="urn:microsoft.com/office/officeart/2005/8/layout/vList2"/>
-    <dgm:cxn modelId="{B4988DA0-E310-4C97-B20D-5B112C0A62D9}" type="presOf" srcId="{0133647A-87DD-4920-9547-E61D17553F6D}" destId="{4DBBB41F-80A8-4D02-AA6B-A39BDD7EC647}" srcOrd="0" destOrd="2" presId="urn:microsoft.com/office/officeart/2005/8/layout/vList2"/>
-    <dgm:cxn modelId="{F2121A15-3669-4B1A-89C6-F06898C38D31}" type="presOf" srcId="{3CBA6E75-B103-4827-8B9B-E799FCA4B6A7}" destId="{4DBBB41F-80A8-4D02-AA6B-A39BDD7EC647}" srcOrd="0" destOrd="3" presId="urn:microsoft.com/office/officeart/2005/8/layout/vList2"/>
-    <dgm:cxn modelId="{0B3BCF87-E2E7-4814-9BF2-D92D55F42EFA}" type="presOf" srcId="{5E5BDDA8-FD9E-472F-B9AC-D1F7D9E53285}" destId="{07140409-63E5-41F1-8748-17B5F6062E7A}" srcOrd="0" destOrd="3" presId="urn:microsoft.com/office/officeart/2005/8/layout/vList2"/>
-    <dgm:cxn modelId="{4EA1E964-2F68-460C-8C47-91AB9F812BB3}" type="presOf" srcId="{6C31571E-3342-4494-A557-A938A29921A0}" destId="{4DBBB41F-80A8-4D02-AA6B-A39BDD7EC647}" srcOrd="0" destOrd="0" presId="urn:microsoft.com/office/officeart/2005/8/layout/vList2"/>
+    <dgm:cxn modelId="{C9632BA6-17C6-4ABD-A891-144435B0D5E2}" type="presOf" srcId="{D37594E3-DF3B-41D6-9217-4D71F51FD930}" destId="{4DBBB41F-80A8-4D02-AA6B-A39BDD7EC647}" srcOrd="0" destOrd="1" presId="urn:microsoft.com/office/officeart/2005/8/layout/vList2"/>
+    <dgm:cxn modelId="{31AC7ECC-CB0E-45AC-94C1-C4122C4A6708}" type="presOf" srcId="{C49B825D-86F6-4ABB-90D4-E6397D9CCFA6}" destId="{4DBBB41F-80A8-4D02-AA6B-A39BDD7EC647}" srcOrd="0" destOrd="5" presId="urn:microsoft.com/office/officeart/2005/8/layout/vList2"/>
+    <dgm:cxn modelId="{0B60DD63-4890-42A4-B6B4-912E12D8BD8E}" type="presOf" srcId="{0133647A-87DD-4920-9547-E61D17553F6D}" destId="{4DBBB41F-80A8-4D02-AA6B-A39BDD7EC647}" srcOrd="0" destOrd="2" presId="urn:microsoft.com/office/officeart/2005/8/layout/vList2"/>
     <dgm:cxn modelId="{2EE4BBAC-CA65-4614-9DD1-A25E34F796C0}" srcId="{2CCA6318-5E9B-4A45-BE56-891ED3B49920}" destId="{3385ECA4-BE99-4663-A1DD-9A21EF985FD6}" srcOrd="1" destOrd="0" parTransId="{EFC10703-E6D5-4F47-8100-F5835E9E68F9}" sibTransId="{689350F0-7B5E-410C-AB07-83EBC0CE06CA}"/>
-    <dgm:cxn modelId="{DB47B272-D9AE-4A6D-AB4E-9AF222E1786E}" type="presParOf" srcId="{6E1F3A8F-979A-4968-9990-6D26FA552F18}" destId="{9EF64D39-2BD6-4A08-B253-92A3AC0498DB}" srcOrd="0" destOrd="0" presId="urn:microsoft.com/office/officeart/2005/8/layout/vList2"/>
-    <dgm:cxn modelId="{CE792BDE-477D-4FCC-B7F8-81CE5B855CA2}" type="presParOf" srcId="{6E1F3A8F-979A-4968-9990-6D26FA552F18}" destId="{07140409-63E5-41F1-8748-17B5F6062E7A}" srcOrd="1" destOrd="0" presId="urn:microsoft.com/office/officeart/2005/8/layout/vList2"/>
-    <dgm:cxn modelId="{913DA9C5-F68C-4643-AAB1-C50BD609914A}" type="presParOf" srcId="{6E1F3A8F-979A-4968-9990-6D26FA552F18}" destId="{2287F4FD-CD4B-4DBF-99A4-A3F5AA8590C9}" srcOrd="2" destOrd="0" presId="urn:microsoft.com/office/officeart/2005/8/layout/vList2"/>
-    <dgm:cxn modelId="{3D8E6219-E7BD-4672-9A04-ECF113686B94}" type="presParOf" srcId="{6E1F3A8F-979A-4968-9990-6D26FA552F18}" destId="{4DBBB41F-80A8-4D02-AA6B-A39BDD7EC647}" srcOrd="3" destOrd="0" presId="urn:microsoft.com/office/officeart/2005/8/layout/vList2"/>
+    <dgm:cxn modelId="{99A4B5F1-7E43-45E0-87C7-D3B599D12711}" type="presOf" srcId="{E5CDD162-6C65-4083-A6B5-F5FBD3F468FE}" destId="{07140409-63E5-41F1-8748-17B5F6062E7A}" srcOrd="0" destOrd="2" presId="urn:microsoft.com/office/officeart/2005/8/layout/vList2"/>
+    <dgm:cxn modelId="{076060D3-898F-412B-A12B-94BDA4C21A48}" type="presParOf" srcId="{6E1F3A8F-979A-4968-9990-6D26FA552F18}" destId="{9EF64D39-2BD6-4A08-B253-92A3AC0498DB}" srcOrd="0" destOrd="0" presId="urn:microsoft.com/office/officeart/2005/8/layout/vList2"/>
+    <dgm:cxn modelId="{F9588B4F-49E3-4CBE-A5EA-3857BD220B9E}" type="presParOf" srcId="{6E1F3A8F-979A-4968-9990-6D26FA552F18}" destId="{07140409-63E5-41F1-8748-17B5F6062E7A}" srcOrd="1" destOrd="0" presId="urn:microsoft.com/office/officeart/2005/8/layout/vList2"/>
+    <dgm:cxn modelId="{CA63CDF4-797B-4118-A174-7780522370F1}" type="presParOf" srcId="{6E1F3A8F-979A-4968-9990-6D26FA552F18}" destId="{2287F4FD-CD4B-4DBF-99A4-A3F5AA8590C9}" srcOrd="2" destOrd="0" presId="urn:microsoft.com/office/officeart/2005/8/layout/vList2"/>
+    <dgm:cxn modelId="{C39837DE-7E68-43C6-9860-C6293375AE24}" type="presParOf" srcId="{6E1F3A8F-979A-4968-9990-6D26FA552F18}" destId="{4DBBB41F-80A8-4D02-AA6B-A39BDD7EC647}" srcOrd="3" destOrd="0" presId="urn:microsoft.com/office/officeart/2005/8/layout/vList2"/>
   </dgm:cxnLst>
   <dgm:bg/>
   <dgm:whole/>
@@ -3009,26 +3011,26 @@
   </dgm:ptLst>
   <dgm:cxnLst>
     <dgm:cxn modelId="{74A928F6-E8B0-4DB4-BE3B-8963B59F0689}" srcId="{9D11A879-CA9F-44CB-BCA4-05EC7A62A9DB}" destId="{43750A68-495F-49E5-BC60-BCB31FEF9CDC}" srcOrd="1" destOrd="0" parTransId="{B794EFCA-5813-49EB-8F0A-9DC76834E54F}" sibTransId="{127D949C-9DE2-4483-8691-D34A330E12E4}"/>
-    <dgm:cxn modelId="{BEACF246-56AB-4995-BA55-146A5BDF3898}" type="presOf" srcId="{51118769-7369-4E6D-863B-19E4D6A4DD57}" destId="{ED8ADFA8-D73D-4B2D-AE18-C587F2E4C0E4}" srcOrd="0" destOrd="0" presId="urn:microsoft.com/office/officeart/2005/8/layout/vList2"/>
-    <dgm:cxn modelId="{04EC0584-3CCD-4855-B06D-046BB45E66A6}" type="presOf" srcId="{38C9EA59-EC06-4208-A673-F424C869F168}" destId="{CA554754-7DFF-4D28-9E8E-4D05F4E62715}" srcOrd="0" destOrd="0" presId="urn:microsoft.com/office/officeart/2005/8/layout/vList2"/>
     <dgm:cxn modelId="{C60A27D0-7AE3-45DE-8833-9F8112CEC39E}" srcId="{51118769-7369-4E6D-863B-19E4D6A4DD57}" destId="{CE3ED9F5-F484-4655-9517-5C029FC86C92}" srcOrd="0" destOrd="0" parTransId="{61979BA2-BA03-43CE-AACA-931B22D841BB}" sibTransId="{22B542D1-9710-4DE9-823A-A3055072AD08}"/>
     <dgm:cxn modelId="{ACD708EF-E018-44E2-B890-29162413FF07}" srcId="{38C9EA59-EC06-4208-A673-F424C869F168}" destId="{9D11A879-CA9F-44CB-BCA4-05EC7A62A9DB}" srcOrd="0" destOrd="0" parTransId="{12782FA1-900D-41C4-9801-66885A59FA8E}" sibTransId="{F32CBAC8-5065-4F71-AE2E-07B473080B72}"/>
-    <dgm:cxn modelId="{054BD5DA-B106-4594-A643-B3C4FDF8954F}" type="presOf" srcId="{CE3ED9F5-F484-4655-9517-5C029FC86C92}" destId="{A75B27A3-4934-4CB1-83B2-AA1BE44627B9}" srcOrd="0" destOrd="0" presId="urn:microsoft.com/office/officeart/2005/8/layout/vList2"/>
-    <dgm:cxn modelId="{402A9408-2325-4C32-BBE3-97E1A2EB5DD0}" type="presOf" srcId="{FD934861-5BE1-4638-90AD-4BE439F88EAC}" destId="{B30CACC8-869E-4846-BE7C-1A57834182B3}" srcOrd="0" destOrd="0" presId="urn:microsoft.com/office/officeart/2005/8/layout/vList2"/>
-    <dgm:cxn modelId="{0E58E007-8493-4E9C-8606-44A442828AF9}" type="presOf" srcId="{2D1E39C6-DFE2-4A71-A091-F8133B853E19}" destId="{A75B27A3-4934-4CB1-83B2-AA1BE44627B9}" srcOrd="0" destOrd="2" presId="urn:microsoft.com/office/officeart/2005/8/layout/vList2"/>
+    <dgm:cxn modelId="{D945C73D-7674-44F8-8F60-6CB28EAEC40F}" type="presOf" srcId="{1C954093-F46B-4506-99BA-92F256664AA4}" destId="{B30CACC8-869E-4846-BE7C-1A57834182B3}" srcOrd="0" destOrd="2" presId="urn:microsoft.com/office/officeart/2005/8/layout/vList2"/>
+    <dgm:cxn modelId="{8647795F-686D-4A57-91FF-52B5CCB233A1}" type="presOf" srcId="{CE3ED9F5-F484-4655-9517-5C029FC86C92}" destId="{A75B27A3-4934-4CB1-83B2-AA1BE44627B9}" srcOrd="0" destOrd="0" presId="urn:microsoft.com/office/officeart/2005/8/layout/vList2"/>
+    <dgm:cxn modelId="{B14A9B6D-4755-4EAC-B78F-3E6C2F152250}" type="presOf" srcId="{FD934861-5BE1-4638-90AD-4BE439F88EAC}" destId="{B30CACC8-869E-4846-BE7C-1A57834182B3}" srcOrd="0" destOrd="0" presId="urn:microsoft.com/office/officeart/2005/8/layout/vList2"/>
     <dgm:cxn modelId="{37712E34-C32E-47B8-A976-27504BC1CC36}" srcId="{9D11A879-CA9F-44CB-BCA4-05EC7A62A9DB}" destId="{FD934861-5BE1-4638-90AD-4BE439F88EAC}" srcOrd="0" destOrd="0" parTransId="{5A4B0339-8A92-421A-86E2-012DC39E8C4A}" sibTransId="{3F95F3E5-7AA1-44DD-8791-A064347B8E54}"/>
     <dgm:cxn modelId="{2F7505EB-F6C5-44DF-921D-A4DA30B20C57}" srcId="{51118769-7369-4E6D-863B-19E4D6A4DD57}" destId="{3A6CC848-8D82-478C-8E9C-E55B6C04B54E}" srcOrd="1" destOrd="0" parTransId="{82CF67C8-E531-4C8D-8B92-E538572DB31A}" sibTransId="{A0014EF4-C32A-4DCF-ABB3-B9A83B57D3B9}"/>
-    <dgm:cxn modelId="{326573C7-37FA-4899-8F64-94761CFF8A69}" type="presOf" srcId="{3A6CC848-8D82-478C-8E9C-E55B6C04B54E}" destId="{A75B27A3-4934-4CB1-83B2-AA1BE44627B9}" srcOrd="0" destOrd="1" presId="urn:microsoft.com/office/officeart/2005/8/layout/vList2"/>
-    <dgm:cxn modelId="{AAF3B2CC-38BD-4690-A57F-59926F5560B8}" type="presOf" srcId="{1C954093-F46B-4506-99BA-92F256664AA4}" destId="{B30CACC8-869E-4846-BE7C-1A57834182B3}" srcOrd="0" destOrd="2" presId="urn:microsoft.com/office/officeart/2005/8/layout/vList2"/>
-    <dgm:cxn modelId="{49862A41-679D-4984-AF89-C330E72AC829}" type="presOf" srcId="{43750A68-495F-49E5-BC60-BCB31FEF9CDC}" destId="{B30CACC8-869E-4846-BE7C-1A57834182B3}" srcOrd="0" destOrd="1" presId="urn:microsoft.com/office/officeart/2005/8/layout/vList2"/>
+    <dgm:cxn modelId="{586E57C4-04BB-4E19-97CE-ECEB9FA823C8}" type="presOf" srcId="{38C9EA59-EC06-4208-A673-F424C869F168}" destId="{CA554754-7DFF-4D28-9E8E-4D05F4E62715}" srcOrd="0" destOrd="0" presId="urn:microsoft.com/office/officeart/2005/8/layout/vList2"/>
+    <dgm:cxn modelId="{D999F62B-12EF-4119-89F4-CE280D369B77}" type="presOf" srcId="{51118769-7369-4E6D-863B-19E4D6A4DD57}" destId="{ED8ADFA8-D73D-4B2D-AE18-C587F2E4C0E4}" srcOrd="0" destOrd="0" presId="urn:microsoft.com/office/officeart/2005/8/layout/vList2"/>
     <dgm:cxn modelId="{CAB4C91E-51BB-49A8-B6DD-2F97DCC606F2}" srcId="{38C9EA59-EC06-4208-A673-F424C869F168}" destId="{51118769-7369-4E6D-863B-19E4D6A4DD57}" srcOrd="1" destOrd="0" parTransId="{6C7825EC-CAC7-4005-805B-28192E7B0233}" sibTransId="{42EEE914-8812-48AF-8FD8-FCDF48750AE4}"/>
     <dgm:cxn modelId="{25C397E4-E566-4277-A675-21B82FACC7AB}" srcId="{9D11A879-CA9F-44CB-BCA4-05EC7A62A9DB}" destId="{1C954093-F46B-4506-99BA-92F256664AA4}" srcOrd="2" destOrd="0" parTransId="{2B20952A-4F3E-43B9-B04B-100A5A57860E}" sibTransId="{CA22BC63-C2C8-4313-8603-1093004C61F8}"/>
+    <dgm:cxn modelId="{281CDDCB-C9AD-498F-B39C-AF9637C2F70F}" type="presOf" srcId="{43750A68-495F-49E5-BC60-BCB31FEF9CDC}" destId="{B30CACC8-869E-4846-BE7C-1A57834182B3}" srcOrd="0" destOrd="1" presId="urn:microsoft.com/office/officeart/2005/8/layout/vList2"/>
+    <dgm:cxn modelId="{E4D1082B-EA71-47EF-BDC3-197CBF9F2AF5}" type="presOf" srcId="{2D1E39C6-DFE2-4A71-A091-F8133B853E19}" destId="{A75B27A3-4934-4CB1-83B2-AA1BE44627B9}" srcOrd="0" destOrd="2" presId="urn:microsoft.com/office/officeart/2005/8/layout/vList2"/>
+    <dgm:cxn modelId="{932FEB1A-5C27-4364-ABDE-4D595694082B}" type="presOf" srcId="{9D11A879-CA9F-44CB-BCA4-05EC7A62A9DB}" destId="{1207BED0-0FB0-48A1-9A04-AC4D4A2EAFBD}" srcOrd="0" destOrd="0" presId="urn:microsoft.com/office/officeart/2005/8/layout/vList2"/>
+    <dgm:cxn modelId="{F8AD6E50-B2C6-4EAA-A51E-8F2F5160017D}" type="presOf" srcId="{3A6CC848-8D82-478C-8E9C-E55B6C04B54E}" destId="{A75B27A3-4934-4CB1-83B2-AA1BE44627B9}" srcOrd="0" destOrd="1" presId="urn:microsoft.com/office/officeart/2005/8/layout/vList2"/>
     <dgm:cxn modelId="{5155404F-FA24-4AC2-840E-596A20329347}" srcId="{51118769-7369-4E6D-863B-19E4D6A4DD57}" destId="{2D1E39C6-DFE2-4A71-A091-F8133B853E19}" srcOrd="2" destOrd="0" parTransId="{DE494B7E-6219-40D0-8DE4-9A292EC1706F}" sibTransId="{182ACE88-CA36-4D6A-A928-62FFEA45F140}"/>
-    <dgm:cxn modelId="{CE4B254E-E39B-4E51-B011-138252B632BB}" type="presOf" srcId="{9D11A879-CA9F-44CB-BCA4-05EC7A62A9DB}" destId="{1207BED0-0FB0-48A1-9A04-AC4D4A2EAFBD}" srcOrd="0" destOrd="0" presId="urn:microsoft.com/office/officeart/2005/8/layout/vList2"/>
-    <dgm:cxn modelId="{2B3230DB-D9E9-4D3C-A67F-1D912183A596}" type="presParOf" srcId="{CA554754-7DFF-4D28-9E8E-4D05F4E62715}" destId="{1207BED0-0FB0-48A1-9A04-AC4D4A2EAFBD}" srcOrd="0" destOrd="0" presId="urn:microsoft.com/office/officeart/2005/8/layout/vList2"/>
-    <dgm:cxn modelId="{C7394841-2C53-466E-8988-3C0B370ADFA9}" type="presParOf" srcId="{CA554754-7DFF-4D28-9E8E-4D05F4E62715}" destId="{B30CACC8-869E-4846-BE7C-1A57834182B3}" srcOrd="1" destOrd="0" presId="urn:microsoft.com/office/officeart/2005/8/layout/vList2"/>
-    <dgm:cxn modelId="{FAFBF633-D1C3-4272-BE93-B30AB6191B28}" type="presParOf" srcId="{CA554754-7DFF-4D28-9E8E-4D05F4E62715}" destId="{ED8ADFA8-D73D-4B2D-AE18-C587F2E4C0E4}" srcOrd="2" destOrd="0" presId="urn:microsoft.com/office/officeart/2005/8/layout/vList2"/>
-    <dgm:cxn modelId="{9BDC9986-0596-4AA5-9D40-A76B1E95592E}" type="presParOf" srcId="{CA554754-7DFF-4D28-9E8E-4D05F4E62715}" destId="{A75B27A3-4934-4CB1-83B2-AA1BE44627B9}" srcOrd="3" destOrd="0" presId="urn:microsoft.com/office/officeart/2005/8/layout/vList2"/>
+    <dgm:cxn modelId="{2294AE9E-503B-4CD2-A7AD-BA302EC4065A}" type="presParOf" srcId="{CA554754-7DFF-4D28-9E8E-4D05F4E62715}" destId="{1207BED0-0FB0-48A1-9A04-AC4D4A2EAFBD}" srcOrd="0" destOrd="0" presId="urn:microsoft.com/office/officeart/2005/8/layout/vList2"/>
+    <dgm:cxn modelId="{62833CCE-9B0C-4C23-BE64-F0CC385A4C7D}" type="presParOf" srcId="{CA554754-7DFF-4D28-9E8E-4D05F4E62715}" destId="{B30CACC8-869E-4846-BE7C-1A57834182B3}" srcOrd="1" destOrd="0" presId="urn:microsoft.com/office/officeart/2005/8/layout/vList2"/>
+    <dgm:cxn modelId="{0F8B3E7C-727D-4315-8A9E-804869B8864D}" type="presParOf" srcId="{CA554754-7DFF-4D28-9E8E-4D05F4E62715}" destId="{ED8ADFA8-D73D-4B2D-AE18-C587F2E4C0E4}" srcOrd="2" destOrd="0" presId="urn:microsoft.com/office/officeart/2005/8/layout/vList2"/>
+    <dgm:cxn modelId="{9A9CC6D3-12BD-49A0-87C8-AC4C4082194A}" type="presParOf" srcId="{CA554754-7DFF-4D28-9E8E-4D05F4E62715}" destId="{A75B27A3-4934-4CB1-83B2-AA1BE44627B9}" srcOrd="3" destOrd="0" presId="urn:microsoft.com/office/officeart/2005/8/layout/vList2"/>
   </dgm:cxnLst>
   <dgm:bg/>
   <dgm:whole/>
@@ -3682,7 +3684,7 @@
       <dsp:spPr>
         <a:xfrm>
           <a:off x="0" y="56222"/>
-          <a:ext cx="8655803" cy="625788"/>
+          <a:ext cx="11117523" cy="625788"/>
         </a:xfrm>
         <a:prstGeom prst="roundRect">
           <a:avLst/>
@@ -3741,7 +3743,7 @@
       </dsp:txBody>
       <dsp:txXfrm>
         <a:off x="30548" y="86770"/>
-        <a:ext cx="8594707" cy="564692"/>
+        <a:ext cx="11056427" cy="564692"/>
       </dsp:txXfrm>
     </dsp:sp>
     <dsp:sp modelId="{B30CACC8-869E-4846-BE7C-1A57834182B3}">
@@ -3752,7 +3754,7 @@
       <dsp:spPr>
         <a:xfrm>
           <a:off x="0" y="783589"/>
-          <a:ext cx="8655803" cy="1076400"/>
+          <a:ext cx="11117523" cy="1076400"/>
         </a:xfrm>
         <a:prstGeom prst="rect">
           <a:avLst/>
@@ -3776,7 +3778,7 @@
         <a:fontRef idx="minor"/>
       </dsp:style>
       <dsp:txBody>
-        <a:bodyPr spcFirstLastPara="0" vert="horz" wrap="square" lIns="274822" tIns="20320" rIns="113792" bIns="20320" numCol="1" spcCol="1270" anchor="t" anchorCtr="0">
+        <a:bodyPr spcFirstLastPara="0" vert="horz" wrap="square" lIns="352981" tIns="20320" rIns="113792" bIns="20320" numCol="1" spcCol="1270" anchor="t" anchorCtr="0">
           <a:noAutofit/>
         </a:bodyPr>
         <a:lstStyle/>
@@ -3886,7 +3888,7 @@
       </dsp:txBody>
       <dsp:txXfrm>
         <a:off x="0" y="783589"/>
-        <a:ext cx="8655803" cy="1076400"/>
+        <a:ext cx="11117523" cy="1076400"/>
       </dsp:txXfrm>
     </dsp:sp>
     <dsp:sp modelId="{ED8ADFA8-D73D-4B2D-AE18-C587F2E4C0E4}">
@@ -3897,7 +3899,7 @@
       <dsp:spPr>
         <a:xfrm>
           <a:off x="0" y="1817106"/>
-          <a:ext cx="8655803" cy="618268"/>
+          <a:ext cx="11117523" cy="618268"/>
         </a:xfrm>
         <a:prstGeom prst="roundRect">
           <a:avLst/>
@@ -3960,7 +3962,7 @@
       </dsp:txBody>
       <dsp:txXfrm>
         <a:off x="30181" y="1847287"/>
-        <a:ext cx="8595441" cy="557906"/>
+        <a:ext cx="11057161" cy="557906"/>
       </dsp:txXfrm>
     </dsp:sp>
     <dsp:sp modelId="{A75B27A3-4934-4CB1-83B2-AA1BE44627B9}">
@@ -3971,7 +3973,7 @@
       <dsp:spPr>
         <a:xfrm>
           <a:off x="0" y="2529874"/>
-          <a:ext cx="8655803" cy="1076400"/>
+          <a:ext cx="11117523" cy="1076400"/>
         </a:xfrm>
         <a:prstGeom prst="rect">
           <a:avLst/>
@@ -3995,7 +3997,7 @@
         <a:fontRef idx="minor"/>
       </dsp:style>
       <dsp:txBody>
-        <a:bodyPr spcFirstLastPara="0" vert="horz" wrap="square" lIns="274822" tIns="20320" rIns="113792" bIns="20320" numCol="1" spcCol="1270" anchor="t" anchorCtr="0">
+        <a:bodyPr spcFirstLastPara="0" vert="horz" wrap="square" lIns="352981" tIns="20320" rIns="113792" bIns="20320" numCol="1" spcCol="1270" anchor="t" anchorCtr="0">
           <a:noAutofit/>
         </a:bodyPr>
         <a:lstStyle/>
@@ -4077,7 +4079,7 @@
       </dsp:txBody>
       <dsp:txXfrm>
         <a:off x="0" y="2529874"/>
-        <a:ext cx="8655803" cy="1076400"/>
+        <a:ext cx="11117523" cy="1076400"/>
       </dsp:txXfrm>
     </dsp:sp>
   </dsp:spTree>
@@ -6568,7 +6570,7 @@
           <a:p>
             <a:fld id="{42DEEEDC-3B1A-456B-A805-9352A83802C8}" type="datetimeFigureOut">
               <a:rPr lang="zh-CN" altLang="en-US" smtClean="0"/>
-              <a:t>2019/4/11</a:t>
+              <a:t>2019/4/12</a:t>
             </a:fld>
             <a:endParaRPr lang="zh-CN" altLang="en-US"/>
           </a:p>
@@ -6964,6 +6966,31 @@
           <a:bodyPr/>
           <a:lstStyle/>
           <a:p>
+            <a:r>
+              <a:rPr lang="zh-CN" altLang="en-US" dirty="0" smtClean="0"/>
+              <a:t>过多的索引的会造成数据空间增大，查询插入变慢</a:t>
+            </a:r>
+            <a:endParaRPr lang="en-US" altLang="zh-CN" dirty="0" smtClean="0"/>
+          </a:p>
+          <a:p>
+            <a:r>
+              <a:rPr lang="en-US" altLang="zh-CN" dirty="0" smtClean="0"/>
+              <a:t>Use</a:t>
+            </a:r>
+            <a:r>
+              <a:rPr lang="en-US" altLang="zh-CN" baseline="0" dirty="0" smtClean="0"/>
+              <a:t> index</a:t>
+            </a:r>
+          </a:p>
+          <a:p>
+            <a:r>
+              <a:rPr lang="en-US" altLang="zh-CN" baseline="0" dirty="0" err="1" smtClean="0"/>
+              <a:t>Forse</a:t>
+            </a:r>
+            <a:r>
+              <a:rPr lang="en-US" altLang="zh-CN" baseline="0" dirty="0" smtClean="0"/>
+              <a:t> index</a:t>
+            </a:r>
             <a:endParaRPr lang="zh-CN" altLang="en-US" dirty="0"/>
           </a:p>
         </p:txBody>
@@ -6994,7 +7021,7 @@
     </p:spTree>
     <p:extLst>
       <p:ext uri="{BB962C8B-B14F-4D97-AF65-F5344CB8AC3E}">
-        <p14:creationId xmlns:p14="http://schemas.microsoft.com/office/powerpoint/2010/main" val="1645636628"/>
+        <p14:creationId xmlns:p14="http://schemas.microsoft.com/office/powerpoint/2010/main" val="2038760665"/>
       </p:ext>
     </p:extLst>
   </p:cSld>
@@ -7048,7 +7075,41 @@
           <a:bodyPr/>
           <a:lstStyle/>
           <a:p>
-            <a:endParaRPr lang="zh-CN" altLang="en-US" dirty="0"/>
+            <a:r>
+              <a:rPr lang="zh-CN" altLang="en-US" dirty="0" smtClean="0"/>
+              <a:t>设计索引规则：</a:t>
+            </a:r>
+            <a:endParaRPr lang="en-US" altLang="zh-CN" dirty="0" smtClean="0"/>
+          </a:p>
+          <a:p>
+            <a:pPr marL="228600" indent="-228600">
+              <a:buAutoNum type="arabicPeriod"/>
+            </a:pPr>
+            <a:r>
+              <a:rPr lang="zh-CN" altLang="en-US" dirty="0" smtClean="0"/>
+              <a:t>每张表不超过五个索引</a:t>
+            </a:r>
+            <a:endParaRPr lang="en-US" altLang="zh-CN" dirty="0" smtClean="0"/>
+          </a:p>
+          <a:p>
+            <a:pPr marL="228600" indent="-228600">
+              <a:buAutoNum type="arabicPeriod"/>
+            </a:pPr>
+            <a:r>
+              <a:rPr lang="zh-CN" altLang="en-US" dirty="0" smtClean="0"/>
+              <a:t>复合索引不超过三列</a:t>
+            </a:r>
+            <a:endParaRPr lang="en-US" altLang="zh-CN" dirty="0" smtClean="0"/>
+          </a:p>
+          <a:p>
+            <a:pPr marL="228600" indent="-228600">
+              <a:buAutoNum type="arabicPeriod"/>
+            </a:pPr>
+            <a:r>
+              <a:rPr lang="zh-CN" altLang="en-US" dirty="0" smtClean="0"/>
+              <a:t>避免重复索引和离散度低的索引</a:t>
+            </a:r>
+            <a:endParaRPr lang="en-US" altLang="zh-CN" dirty="0" smtClean="0"/>
           </a:p>
         </p:txBody>
       </p:sp>
@@ -7078,7 +7139,7 @@
     </p:spTree>
     <p:extLst>
       <p:ext uri="{BB962C8B-B14F-4D97-AF65-F5344CB8AC3E}">
-        <p14:creationId xmlns:p14="http://schemas.microsoft.com/office/powerpoint/2010/main" val="535965594"/>
+        <p14:creationId xmlns:p14="http://schemas.microsoft.com/office/powerpoint/2010/main" val="82197963"/>
       </p:ext>
     </p:extLst>
   </p:cSld>
@@ -7132,31 +7193,21 @@
           <a:bodyPr/>
           <a:lstStyle/>
           <a:p>
+            <a:pPr marL="228600" indent="-228600">
+              <a:buFont typeface="+mj-lt"/>
+              <a:buAutoNum type="arabicPeriod"/>
+            </a:pPr>
             <a:r>
               <a:rPr lang="zh-CN" altLang="en-US" dirty="0" smtClean="0"/>
-              <a:t>过多的索引的会造成数据空间增大，查询插入变慢</a:t>
+              <a:t>逻辑删除而非物理删除</a:t>
             </a:r>
             <a:endParaRPr lang="en-US" altLang="zh-CN" dirty="0" smtClean="0"/>
           </a:p>
           <a:p>
-            <a:r>
-              <a:rPr lang="en-US" altLang="zh-CN" dirty="0" smtClean="0"/>
-              <a:t>Use</a:t>
-            </a:r>
-            <a:r>
-              <a:rPr lang="en-US" altLang="zh-CN" baseline="0" dirty="0" smtClean="0"/>
-              <a:t> index</a:t>
-            </a:r>
-          </a:p>
-          <a:p>
-            <a:r>
-              <a:rPr lang="en-US" altLang="zh-CN" baseline="0" dirty="0" err="1" smtClean="0"/>
-              <a:t>Forse</a:t>
-            </a:r>
-            <a:r>
-              <a:rPr lang="en-US" altLang="zh-CN" baseline="0" dirty="0" smtClean="0"/>
-              <a:t> index</a:t>
-            </a:r>
+            <a:pPr marL="228600" indent="-228600">
+              <a:buFont typeface="+mj-lt"/>
+              <a:buAutoNum type="arabicPeriod"/>
+            </a:pPr>
             <a:endParaRPr lang="zh-CN" altLang="en-US" dirty="0"/>
           </a:p>
         </p:txBody>
@@ -7187,7 +7238,7 @@
     </p:spTree>
     <p:extLst>
       <p:ext uri="{BB962C8B-B14F-4D97-AF65-F5344CB8AC3E}">
-        <p14:creationId xmlns:p14="http://schemas.microsoft.com/office/powerpoint/2010/main" val="2038760665"/>
+        <p14:creationId xmlns:p14="http://schemas.microsoft.com/office/powerpoint/2010/main" val="315115879"/>
       </p:ext>
     </p:extLst>
   </p:cSld>
@@ -7241,41 +7292,7 @@
           <a:bodyPr/>
           <a:lstStyle/>
           <a:p>
-            <a:r>
-              <a:rPr lang="zh-CN" altLang="en-US" dirty="0" smtClean="0"/>
-              <a:t>设计索引规则：</a:t>
-            </a:r>
-            <a:endParaRPr lang="en-US" altLang="zh-CN" dirty="0" smtClean="0"/>
-          </a:p>
-          <a:p>
-            <a:pPr marL="228600" indent="-228600">
-              <a:buAutoNum type="arabicPeriod"/>
-            </a:pPr>
-            <a:r>
-              <a:rPr lang="zh-CN" altLang="en-US" dirty="0" smtClean="0"/>
-              <a:t>每张表不超过五个索引</a:t>
-            </a:r>
-            <a:endParaRPr lang="en-US" altLang="zh-CN" dirty="0" smtClean="0"/>
-          </a:p>
-          <a:p>
-            <a:pPr marL="228600" indent="-228600">
-              <a:buAutoNum type="arabicPeriod"/>
-            </a:pPr>
-            <a:r>
-              <a:rPr lang="zh-CN" altLang="en-US" dirty="0" smtClean="0"/>
-              <a:t>复合索引不超过三列</a:t>
-            </a:r>
-            <a:endParaRPr lang="en-US" altLang="zh-CN" dirty="0" smtClean="0"/>
-          </a:p>
-          <a:p>
-            <a:pPr marL="228600" indent="-228600">
-              <a:buAutoNum type="arabicPeriod"/>
-            </a:pPr>
-            <a:r>
-              <a:rPr lang="zh-CN" altLang="en-US" dirty="0" smtClean="0"/>
-              <a:t>避免重复索引和离散度低的索引</a:t>
-            </a:r>
-            <a:endParaRPr lang="en-US" altLang="zh-CN" dirty="0" smtClean="0"/>
+            <a:endParaRPr lang="zh-CN" altLang="en-US" dirty="0"/>
           </a:p>
         </p:txBody>
       </p:sp>
@@ -7305,7 +7322,7 @@
     </p:spTree>
     <p:extLst>
       <p:ext uri="{BB962C8B-B14F-4D97-AF65-F5344CB8AC3E}">
-        <p14:creationId xmlns:p14="http://schemas.microsoft.com/office/powerpoint/2010/main" val="82197963"/>
+        <p14:creationId xmlns:p14="http://schemas.microsoft.com/office/powerpoint/2010/main" val="4113132336"/>
       </p:ext>
     </p:extLst>
   </p:cSld>
@@ -7554,77 +7571,6 @@
                 <a:cs typeface="+mn-cs"/>
               </a:rPr>
               <a:t>数据库中的系统表或者包含任何列级别权限的表，都不会被缓存。</a:t>
-            </a:r>
-            <a:endParaRPr lang="en-US" altLang="zh-CN" dirty="0" smtClean="0"/>
-          </a:p>
-          <a:p>
-            <a:pPr marL="0" marR="0" indent="0" algn="l" defTabSz="914400" rtl="0" eaLnBrk="1" fontAlgn="auto" latinLnBrk="0" hangingPunct="1">
-              <a:lnSpc>
-                <a:spcPct val="100000"/>
-              </a:lnSpc>
-              <a:spcBef>
-                <a:spcPts val="0"/>
-              </a:spcBef>
-              <a:spcAft>
-                <a:spcPts val="0"/>
-              </a:spcAft>
-              <a:buClrTx/>
-              <a:buSzTx/>
-              <a:buFontTx/>
-              <a:buNone/>
-              <a:tabLst/>
-              <a:defRPr/>
-            </a:pPr>
-            <a:endParaRPr lang="en-US" altLang="zh-CN" dirty="0" smtClean="0"/>
-          </a:p>
-          <a:p>
-            <a:pPr marL="0" marR="0" indent="0" algn="l" defTabSz="914400" rtl="0" eaLnBrk="1" fontAlgn="auto" latinLnBrk="0" hangingPunct="1">
-              <a:lnSpc>
-                <a:spcPct val="100000"/>
-              </a:lnSpc>
-              <a:spcBef>
-                <a:spcPts val="0"/>
-              </a:spcBef>
-              <a:spcAft>
-                <a:spcPts val="0"/>
-              </a:spcAft>
-              <a:buClrTx/>
-              <a:buSzTx/>
-              <a:buFontTx/>
-              <a:buNone/>
-              <a:tabLst/>
-              <a:defRPr/>
-            </a:pPr>
-            <a:r>
-              <a:rPr lang="zh-CN" altLang="en-US" dirty="0" smtClean="0"/>
-              <a:t>查看</a:t>
-            </a:r>
-            <a:r>
-              <a:rPr lang="zh-CN" altLang="en-US" dirty="0" smtClean="0"/>
-              <a:t>优化后的语句：</a:t>
-            </a:r>
-            <a:r>
-              <a:rPr lang="en-US" altLang="zh-CN" dirty="0" smtClean="0"/>
-              <a:t>EXPLAIN EXTENDED &lt;SQL&gt;; SHOW</a:t>
-            </a:r>
-            <a:r>
-              <a:rPr lang="en-US" altLang="zh-CN" baseline="0" dirty="0" smtClean="0"/>
-              <a:t> WARNING;</a:t>
-            </a:r>
-            <a:endParaRPr lang="zh-CN" altLang="en-US" dirty="0" smtClean="0"/>
-          </a:p>
-          <a:p>
-            <a:r>
-              <a:rPr lang="zh-CN" altLang="en-US" dirty="0" smtClean="0"/>
-              <a:t>查询缓存：包含函数的</a:t>
-            </a:r>
-            <a:r>
-              <a:rPr lang="en-US" altLang="zh-CN" dirty="0" smtClean="0"/>
-              <a:t>SQL</a:t>
-            </a:r>
-            <a:r>
-              <a:rPr lang="zh-CN" altLang="en-US" dirty="0" smtClean="0"/>
-              <a:t>语句。</a:t>
             </a:r>
             <a:endParaRPr lang="en-US" altLang="zh-CN" dirty="0" smtClean="0"/>
           </a:p>
@@ -7710,12 +7656,6 @@
           <a:bodyPr/>
           <a:lstStyle/>
           <a:p>
-            <a:r>
-              <a:rPr lang="en-US" altLang="zh-CN" dirty="0" smtClean="0">
-                <a:hlinkClick r:id="rId3"/>
-              </a:rPr>
-              <a:t>https://www.cnblogs.com/wangfengming/articles/8275448.html</a:t>
-            </a:r>
             <a:endParaRPr lang="zh-CN" altLang="en-US" dirty="0"/>
           </a:p>
         </p:txBody>
@@ -7747,6 +7687,184 @@
     <p:extLst>
       <p:ext uri="{BB962C8B-B14F-4D97-AF65-F5344CB8AC3E}">
         <p14:creationId xmlns:p14="http://schemas.microsoft.com/office/powerpoint/2010/main" val="3669327390"/>
+      </p:ext>
+    </p:extLst>
+  </p:cSld>
+  <p:clrMapOvr>
+    <a:masterClrMapping/>
+  </p:clrMapOvr>
+</p:notes>
+</file>
+
+<file path=ppt/notesSlides/notesSlide16.xml><?xml version="1.0" encoding="utf-8"?>
+<p:notes xmlns:a="http://schemas.openxmlformats.org/drawingml/2006/main" xmlns:r="http://schemas.openxmlformats.org/officeDocument/2006/relationships" xmlns:p="http://schemas.openxmlformats.org/presentationml/2006/main">
+  <p:cSld>
+    <p:spTree>
+      <p:nvGrpSpPr>
+        <p:cNvPr id="1" name=""/>
+        <p:cNvGrpSpPr/>
+        <p:nvPr/>
+      </p:nvGrpSpPr>
+      <p:grpSpPr>
+        <a:xfrm>
+          <a:off x="0" y="0"/>
+          <a:ext cx="0" cy="0"/>
+          <a:chOff x="0" y="0"/>
+          <a:chExt cx="0" cy="0"/>
+        </a:xfrm>
+      </p:grpSpPr>
+      <p:sp>
+        <p:nvSpPr>
+          <p:cNvPr id="2" name="幻灯片图像占位符 1"/>
+          <p:cNvSpPr>
+            <a:spLocks noGrp="1" noRot="1" noChangeAspect="1"/>
+          </p:cNvSpPr>
+          <p:nvPr>
+            <p:ph type="sldImg"/>
+          </p:nvPr>
+        </p:nvSpPr>
+        <p:spPr/>
+      </p:sp>
+      <p:sp>
+        <p:nvSpPr>
+          <p:cNvPr id="3" name="备注占位符 2"/>
+          <p:cNvSpPr>
+            <a:spLocks noGrp="1"/>
+          </p:cNvSpPr>
+          <p:nvPr>
+            <p:ph type="body" idx="1"/>
+          </p:nvPr>
+        </p:nvSpPr>
+        <p:spPr/>
+        <p:txBody>
+          <a:bodyPr/>
+          <a:lstStyle/>
+          <a:p>
+            <a:r>
+              <a:rPr lang="en-US" altLang="zh-CN" dirty="0" smtClean="0">
+                <a:hlinkClick r:id="rId3"/>
+              </a:rPr>
+              <a:t>https://dev.mysql.com/doc/refman/8.0/en/explain-output.html</a:t>
+            </a:r>
+            <a:endParaRPr lang="zh-CN" altLang="en-US" dirty="0"/>
+          </a:p>
+        </p:txBody>
+      </p:sp>
+      <p:sp>
+        <p:nvSpPr>
+          <p:cNvPr id="4" name="灯片编号占位符 3"/>
+          <p:cNvSpPr>
+            <a:spLocks noGrp="1"/>
+          </p:cNvSpPr>
+          <p:nvPr>
+            <p:ph type="sldNum" sz="quarter" idx="10"/>
+          </p:nvPr>
+        </p:nvSpPr>
+        <p:spPr/>
+        <p:txBody>
+          <a:bodyPr/>
+          <a:lstStyle/>
+          <a:p>
+            <a:fld id="{469FB7A9-FBDD-4835-A7AE-7F4237A28786}" type="slidenum">
+              <a:rPr lang="zh-CN" altLang="en-US" smtClean="0"/>
+              <a:t>20</a:t>
+            </a:fld>
+            <a:endParaRPr lang="zh-CN" altLang="en-US"/>
+          </a:p>
+        </p:txBody>
+      </p:sp>
+    </p:spTree>
+    <p:extLst>
+      <p:ext uri="{BB962C8B-B14F-4D97-AF65-F5344CB8AC3E}">
+        <p14:creationId xmlns:p14="http://schemas.microsoft.com/office/powerpoint/2010/main" val="3177753436"/>
+      </p:ext>
+    </p:extLst>
+  </p:cSld>
+  <p:clrMapOvr>
+    <a:masterClrMapping/>
+  </p:clrMapOvr>
+</p:notes>
+</file>
+
+<file path=ppt/notesSlides/notesSlide17.xml><?xml version="1.0" encoding="utf-8"?>
+<p:notes xmlns:a="http://schemas.openxmlformats.org/drawingml/2006/main" xmlns:r="http://schemas.openxmlformats.org/officeDocument/2006/relationships" xmlns:p="http://schemas.openxmlformats.org/presentationml/2006/main">
+  <p:cSld>
+    <p:spTree>
+      <p:nvGrpSpPr>
+        <p:cNvPr id="1" name=""/>
+        <p:cNvGrpSpPr/>
+        <p:nvPr/>
+      </p:nvGrpSpPr>
+      <p:grpSpPr>
+        <a:xfrm>
+          <a:off x="0" y="0"/>
+          <a:ext cx="0" cy="0"/>
+          <a:chOff x="0" y="0"/>
+          <a:chExt cx="0" cy="0"/>
+        </a:xfrm>
+      </p:grpSpPr>
+      <p:sp>
+        <p:nvSpPr>
+          <p:cNvPr id="2" name="幻灯片图像占位符 1"/>
+          <p:cNvSpPr>
+            <a:spLocks noGrp="1" noRot="1" noChangeAspect="1"/>
+          </p:cNvSpPr>
+          <p:nvPr>
+            <p:ph type="sldImg"/>
+          </p:nvPr>
+        </p:nvSpPr>
+        <p:spPr/>
+      </p:sp>
+      <p:sp>
+        <p:nvSpPr>
+          <p:cNvPr id="3" name="备注占位符 2"/>
+          <p:cNvSpPr>
+            <a:spLocks noGrp="1"/>
+          </p:cNvSpPr>
+          <p:nvPr>
+            <p:ph type="body" idx="1"/>
+          </p:nvPr>
+        </p:nvSpPr>
+        <p:spPr/>
+        <p:txBody>
+          <a:bodyPr/>
+          <a:lstStyle/>
+          <a:p>
+            <a:pPr marL="0" indent="0">
+              <a:buFont typeface="+mj-lt"/>
+              <a:buNone/>
+            </a:pPr>
+            <a:endParaRPr lang="zh-CN" altLang="en-US" dirty="0"/>
+          </a:p>
+        </p:txBody>
+      </p:sp>
+      <p:sp>
+        <p:nvSpPr>
+          <p:cNvPr id="4" name="灯片编号占位符 3"/>
+          <p:cNvSpPr>
+            <a:spLocks noGrp="1"/>
+          </p:cNvSpPr>
+          <p:nvPr>
+            <p:ph type="sldNum" sz="quarter" idx="10"/>
+          </p:nvPr>
+        </p:nvSpPr>
+        <p:spPr/>
+        <p:txBody>
+          <a:bodyPr/>
+          <a:lstStyle/>
+          <a:p>
+            <a:fld id="{469FB7A9-FBDD-4835-A7AE-7F4237A28786}" type="slidenum">
+              <a:rPr lang="zh-CN" altLang="en-US" smtClean="0"/>
+              <a:t>21</a:t>
+            </a:fld>
+            <a:endParaRPr lang="zh-CN" altLang="en-US"/>
+          </a:p>
+        </p:txBody>
+      </p:sp>
+    </p:spTree>
+    <p:extLst>
+      <p:ext uri="{BB962C8B-B14F-4D97-AF65-F5344CB8AC3E}">
+        <p14:creationId xmlns:p14="http://schemas.microsoft.com/office/powerpoint/2010/main" val="2031233509"/>
       </p:ext>
     </p:extLst>
   </p:cSld>
@@ -7963,7 +8081,7 @@
     </p:spTree>
     <p:extLst>
       <p:ext uri="{BB962C8B-B14F-4D97-AF65-F5344CB8AC3E}">
-        <p14:creationId xmlns:p14="http://schemas.microsoft.com/office/powerpoint/2010/main" val="4264701024"/>
+        <p14:creationId xmlns:p14="http://schemas.microsoft.com/office/powerpoint/2010/main" val="3158857463"/>
       </p:ext>
     </p:extLst>
   </p:cSld>
@@ -8017,11 +8135,31 @@
           <a:bodyPr/>
           <a:lstStyle/>
           <a:p>
-            <a:pPr marL="0" indent="0">
-              <a:buFont typeface="+mj-lt"/>
-              <a:buNone/>
+            <a:pPr marL="228600" indent="-228600">
+              <a:buAutoNum type="arabicPeriod"/>
             </a:pPr>
-            <a:endParaRPr lang="zh-CN" altLang="en-US" dirty="0"/>
+            <a:r>
+              <a:rPr lang="zh-CN" altLang="en-US" dirty="0" smtClean="0"/>
+              <a:t>主键为什么使用自增</a:t>
+            </a:r>
+            <a:r>
+              <a:rPr lang="en-US" altLang="zh-CN" dirty="0" smtClean="0"/>
+              <a:t>Id</a:t>
+            </a:r>
+            <a:r>
+              <a:rPr lang="en-US" altLang="zh-CN" baseline="0" dirty="0" smtClean="0"/>
+              <a:t> </a:t>
+            </a:r>
+          </a:p>
+          <a:p>
+            <a:pPr marL="228600" indent="-228600">
+              <a:buAutoNum type="arabicPeriod"/>
+            </a:pPr>
+            <a:r>
+              <a:rPr lang="zh-CN" altLang="en-US" baseline="0" dirty="0" smtClean="0"/>
+              <a:t>词典，拼音查找和偏旁查找</a:t>
+            </a:r>
+            <a:endParaRPr lang="en-US" altLang="zh-CN" baseline="0" dirty="0" smtClean="0"/>
           </a:p>
         </p:txBody>
       </p:sp>
@@ -8051,7 +8189,7 @@
     </p:spTree>
     <p:extLst>
       <p:ext uri="{BB962C8B-B14F-4D97-AF65-F5344CB8AC3E}">
-        <p14:creationId xmlns:p14="http://schemas.microsoft.com/office/powerpoint/2010/main" val="3966346851"/>
+        <p14:creationId xmlns:p14="http://schemas.microsoft.com/office/powerpoint/2010/main" val="3861282610"/>
       </p:ext>
     </p:extLst>
   </p:cSld>
@@ -8105,31 +8243,11 @@
           <a:bodyPr/>
           <a:lstStyle/>
           <a:p>
-            <a:pPr marL="228600" indent="-228600">
-              <a:buAutoNum type="arabicPeriod"/>
+            <a:pPr marL="0" indent="0">
+              <a:buFont typeface="+mj-lt"/>
+              <a:buNone/>
             </a:pPr>
-            <a:r>
-              <a:rPr lang="zh-CN" altLang="en-US" dirty="0" smtClean="0"/>
-              <a:t>主键为什么使用自增</a:t>
-            </a:r>
-            <a:r>
-              <a:rPr lang="en-US" altLang="zh-CN" dirty="0" smtClean="0"/>
-              <a:t>Id</a:t>
-            </a:r>
-            <a:r>
-              <a:rPr lang="en-US" altLang="zh-CN" baseline="0" dirty="0" smtClean="0"/>
-              <a:t> </a:t>
-            </a:r>
-          </a:p>
-          <a:p>
-            <a:pPr marL="228600" indent="-228600">
-              <a:buAutoNum type="arabicPeriod"/>
-            </a:pPr>
-            <a:r>
-              <a:rPr lang="zh-CN" altLang="en-US" baseline="0" dirty="0" smtClean="0"/>
-              <a:t>词典，拼音查找和偏旁查找</a:t>
-            </a:r>
-            <a:endParaRPr lang="en-US" altLang="zh-CN" baseline="0" dirty="0" smtClean="0"/>
+            <a:endParaRPr lang="zh-CN" altLang="en-US" dirty="0"/>
           </a:p>
         </p:txBody>
       </p:sp>
@@ -8159,7 +8277,7 @@
     </p:spTree>
     <p:extLst>
       <p:ext uri="{BB962C8B-B14F-4D97-AF65-F5344CB8AC3E}">
-        <p14:creationId xmlns:p14="http://schemas.microsoft.com/office/powerpoint/2010/main" val="3861282610"/>
+        <p14:creationId xmlns:p14="http://schemas.microsoft.com/office/powerpoint/2010/main" val="307782448"/>
       </p:ext>
     </p:extLst>
   </p:cSld>
@@ -8247,7 +8365,7 @@
     </p:spTree>
     <p:extLst>
       <p:ext uri="{BB962C8B-B14F-4D97-AF65-F5344CB8AC3E}">
-        <p14:creationId xmlns:p14="http://schemas.microsoft.com/office/powerpoint/2010/main" val="307782448"/>
+        <p14:creationId xmlns:p14="http://schemas.microsoft.com/office/powerpoint/2010/main" val="2475885646"/>
       </p:ext>
     </p:extLst>
   </p:cSld>
@@ -8389,22 +8507,71 @@
           <a:bodyPr/>
           <a:lstStyle/>
           <a:p>
-            <a:pPr marL="228600" indent="-228600">
-              <a:buFont typeface="+mj-lt"/>
-              <a:buAutoNum type="arabicPeriod"/>
-            </a:pPr>
             <a:r>
               <a:rPr lang="zh-CN" altLang="en-US" dirty="0" smtClean="0"/>
-              <a:t>逻辑删除而非物理删除</a:t>
-            </a:r>
-            <a:endParaRPr lang="en-US" altLang="zh-CN" dirty="0" smtClean="0"/>
-          </a:p>
-          <a:p>
-            <a:pPr marL="228600" indent="-228600">
-              <a:buFont typeface="+mj-lt"/>
-              <a:buAutoNum type="arabicPeriod"/>
-            </a:pPr>
-            <a:endParaRPr lang="zh-CN" altLang="en-US" dirty="0"/>
+              <a:t>全列选择性：</a:t>
+            </a:r>
+            <a:br>
+              <a:rPr lang="zh-CN" altLang="en-US" dirty="0" smtClean="0"/>
+            </a:br>
+            <a:r>
+              <a:rPr lang="en-US" altLang="zh-CN" dirty="0" smtClean="0"/>
+              <a:t>SELECT COUNT(DISTINCT </a:t>
+            </a:r>
+            <a:r>
+              <a:rPr lang="en-US" altLang="zh-CN" dirty="0" err="1" smtClean="0"/>
+              <a:t>column_name</a:t>
+            </a:r>
+            <a:r>
+              <a:rPr lang="en-US" altLang="zh-CN" dirty="0" smtClean="0"/>
+              <a:t>) / COUNT(*) FROM </a:t>
+            </a:r>
+            <a:r>
+              <a:rPr lang="en-US" altLang="zh-CN" dirty="0" err="1" smtClean="0"/>
+              <a:t>table_name</a:t>
+            </a:r>
+            <a:r>
+              <a:rPr lang="en-US" altLang="zh-CN" dirty="0" smtClean="0"/>
+              <a:t>;</a:t>
+            </a:r>
+            <a:br>
+              <a:rPr lang="en-US" altLang="zh-CN" dirty="0" smtClean="0"/>
+            </a:br>
+            <a:r>
+              <a:rPr lang="zh-CN" altLang="en-US" dirty="0" smtClean="0"/>
+              <a:t>某一长度前缀的选择性</a:t>
+            </a:r>
+            <a:br>
+              <a:rPr lang="zh-CN" altLang="en-US" dirty="0" smtClean="0"/>
+            </a:br>
+            <a:r>
+              <a:rPr lang="en-US" altLang="zh-CN" dirty="0" smtClean="0"/>
+              <a:t>SELECT COUNT(DISTINCT LEFT(</a:t>
+            </a:r>
+            <a:r>
+              <a:rPr lang="en-US" altLang="zh-CN" dirty="0" err="1" smtClean="0"/>
+              <a:t>column_name</a:t>
+            </a:r>
+            <a:r>
+              <a:rPr lang="en-US" altLang="zh-CN" dirty="0" smtClean="0"/>
+              <a:t>, </a:t>
+            </a:r>
+            <a:r>
+              <a:rPr lang="en-US" altLang="zh-CN" dirty="0" err="1" smtClean="0"/>
+              <a:t>prefix_length</a:t>
+            </a:r>
+            <a:r>
+              <a:rPr lang="en-US" altLang="zh-CN" dirty="0" smtClean="0"/>
+              <a:t>)) / COUNT(*) FROM </a:t>
+            </a:r>
+            <a:r>
+              <a:rPr lang="en-US" altLang="zh-CN" dirty="0" err="1" smtClean="0"/>
+              <a:t>table_name</a:t>
+            </a:r>
+            <a:r>
+              <a:rPr lang="en-US" altLang="zh-CN" dirty="0" smtClean="0"/>
+              <a:t>;</a:t>
+            </a:r>
           </a:p>
         </p:txBody>
       </p:sp>
@@ -8425,7 +8592,7 @@
           <a:p>
             <a:fld id="{469FB7A9-FBDD-4835-A7AE-7F4237A28786}" type="slidenum">
               <a:rPr lang="zh-CN" altLang="en-US" smtClean="0"/>
-              <a:t>9</a:t>
+              <a:t>10</a:t>
             </a:fld>
             <a:endParaRPr lang="zh-CN" altLang="en-US"/>
           </a:p>
@@ -8434,7 +8601,7 @@
     </p:spTree>
     <p:extLst>
       <p:ext uri="{BB962C8B-B14F-4D97-AF65-F5344CB8AC3E}">
-        <p14:creationId xmlns:p14="http://schemas.microsoft.com/office/powerpoint/2010/main" val="2286484898"/>
+        <p14:creationId xmlns:p14="http://schemas.microsoft.com/office/powerpoint/2010/main" val="3706308525"/>
       </p:ext>
     </p:extLst>
   </p:cSld>
@@ -8509,7 +8676,7 @@
           <a:p>
             <a:fld id="{469FB7A9-FBDD-4835-A7AE-7F4237A28786}" type="slidenum">
               <a:rPr lang="zh-CN" altLang="en-US" smtClean="0"/>
-              <a:t>10</a:t>
+              <a:t>11</a:t>
             </a:fld>
             <a:endParaRPr lang="zh-CN" altLang="en-US"/>
           </a:p>
@@ -8518,7 +8685,7 @@
     </p:spTree>
     <p:extLst>
       <p:ext uri="{BB962C8B-B14F-4D97-AF65-F5344CB8AC3E}">
-        <p14:creationId xmlns:p14="http://schemas.microsoft.com/office/powerpoint/2010/main" val="3092208980"/>
+        <p14:creationId xmlns:p14="http://schemas.microsoft.com/office/powerpoint/2010/main" val="1645636628"/>
       </p:ext>
     </p:extLst>
   </p:cSld>
@@ -8572,71 +8739,7 @@
           <a:bodyPr/>
           <a:lstStyle/>
           <a:p>
-            <a:r>
-              <a:rPr lang="zh-CN" altLang="en-US" dirty="0" smtClean="0"/>
-              <a:t>全列选择性：</a:t>
-            </a:r>
-            <a:br>
-              <a:rPr lang="zh-CN" altLang="en-US" dirty="0" smtClean="0"/>
-            </a:br>
-            <a:r>
-              <a:rPr lang="en-US" altLang="zh-CN" dirty="0" smtClean="0"/>
-              <a:t>SELECT COUNT(DISTINCT </a:t>
-            </a:r>
-            <a:r>
-              <a:rPr lang="en-US" altLang="zh-CN" dirty="0" err="1" smtClean="0"/>
-              <a:t>column_name</a:t>
-            </a:r>
-            <a:r>
-              <a:rPr lang="en-US" altLang="zh-CN" dirty="0" smtClean="0"/>
-              <a:t>) / COUNT(*) FROM </a:t>
-            </a:r>
-            <a:r>
-              <a:rPr lang="en-US" altLang="zh-CN" dirty="0" err="1" smtClean="0"/>
-              <a:t>table_name</a:t>
-            </a:r>
-            <a:r>
-              <a:rPr lang="en-US" altLang="zh-CN" dirty="0" smtClean="0"/>
-              <a:t>;</a:t>
-            </a:r>
-            <a:br>
-              <a:rPr lang="en-US" altLang="zh-CN" dirty="0" smtClean="0"/>
-            </a:br>
-            <a:r>
-              <a:rPr lang="zh-CN" altLang="en-US" dirty="0" smtClean="0"/>
-              <a:t>某一长度前缀的选择性</a:t>
-            </a:r>
-            <a:br>
-              <a:rPr lang="zh-CN" altLang="en-US" dirty="0" smtClean="0"/>
-            </a:br>
-            <a:r>
-              <a:rPr lang="en-US" altLang="zh-CN" dirty="0" smtClean="0"/>
-              <a:t>SELECT COUNT(DISTINCT LEFT(</a:t>
-            </a:r>
-            <a:r>
-              <a:rPr lang="en-US" altLang="zh-CN" dirty="0" err="1" smtClean="0"/>
-              <a:t>column_name</a:t>
-            </a:r>
-            <a:r>
-              <a:rPr lang="en-US" altLang="zh-CN" dirty="0" smtClean="0"/>
-              <a:t>, </a:t>
-            </a:r>
-            <a:r>
-              <a:rPr lang="en-US" altLang="zh-CN" dirty="0" err="1" smtClean="0"/>
-              <a:t>prefix_length</a:t>
-            </a:r>
-            <a:r>
-              <a:rPr lang="en-US" altLang="zh-CN" dirty="0" smtClean="0"/>
-              <a:t>)) / COUNT(*) FROM </a:t>
-            </a:r>
-            <a:r>
-              <a:rPr lang="en-US" altLang="zh-CN" dirty="0" err="1" smtClean="0"/>
-              <a:t>table_name</a:t>
-            </a:r>
-            <a:r>
-              <a:rPr lang="en-US" altLang="zh-CN" dirty="0" smtClean="0"/>
-              <a:t>;</a:t>
-            </a:r>
+            <a:endParaRPr lang="zh-CN" altLang="en-US" dirty="0"/>
           </a:p>
         </p:txBody>
       </p:sp>
@@ -8666,7 +8769,7 @@
     </p:spTree>
     <p:extLst>
       <p:ext uri="{BB962C8B-B14F-4D97-AF65-F5344CB8AC3E}">
-        <p14:creationId xmlns:p14="http://schemas.microsoft.com/office/powerpoint/2010/main" val="3706308525"/>
+        <p14:creationId xmlns:p14="http://schemas.microsoft.com/office/powerpoint/2010/main" val="535965594"/>
       </p:ext>
     </p:extLst>
   </p:cSld>
@@ -8807,7 +8910,7 @@
           <a:p>
             <a:fld id="{B5272197-5A8C-4597-A36D-FCE48F5DD269}" type="datetimeFigureOut">
               <a:rPr lang="zh-CN" altLang="en-US" smtClean="0"/>
-              <a:t>2019/4/11</a:t>
+              <a:t>2019/4/12</a:t>
             </a:fld>
             <a:endParaRPr lang="zh-CN" altLang="en-US"/>
           </a:p>
@@ -8977,7 +9080,7 @@
           <a:p>
             <a:fld id="{B5272197-5A8C-4597-A36D-FCE48F5DD269}" type="datetimeFigureOut">
               <a:rPr lang="zh-CN" altLang="en-US" smtClean="0"/>
-              <a:t>2019/4/11</a:t>
+              <a:t>2019/4/12</a:t>
             </a:fld>
             <a:endParaRPr lang="zh-CN" altLang="en-US"/>
           </a:p>
@@ -9157,7 +9260,7 @@
           <a:p>
             <a:fld id="{B5272197-5A8C-4597-A36D-FCE48F5DD269}" type="datetimeFigureOut">
               <a:rPr lang="zh-CN" altLang="en-US" smtClean="0"/>
-              <a:t>2019/4/11</a:t>
+              <a:t>2019/4/12</a:t>
             </a:fld>
             <a:endParaRPr lang="zh-CN" altLang="en-US"/>
           </a:p>
@@ -9493,7 +9596,7 @@
           <a:p>
             <a:fld id="{B5272197-5A8C-4597-A36D-FCE48F5DD269}" type="datetimeFigureOut">
               <a:rPr lang="zh-CN" altLang="en-US" smtClean="0"/>
-              <a:t>2019/4/11</a:t>
+              <a:t>2019/4/12</a:t>
             </a:fld>
             <a:endParaRPr lang="zh-CN" altLang="en-US"/>
           </a:p>
@@ -9739,7 +9842,7 @@
           <a:p>
             <a:fld id="{B5272197-5A8C-4597-A36D-FCE48F5DD269}" type="datetimeFigureOut">
               <a:rPr lang="zh-CN" altLang="en-US" smtClean="0"/>
-              <a:t>2019/4/11</a:t>
+              <a:t>2019/4/12</a:t>
             </a:fld>
             <a:endParaRPr lang="zh-CN" altLang="en-US"/>
           </a:p>
@@ -9971,7 +10074,7 @@
           <a:p>
             <a:fld id="{B5272197-5A8C-4597-A36D-FCE48F5DD269}" type="datetimeFigureOut">
               <a:rPr lang="zh-CN" altLang="en-US" smtClean="0"/>
-              <a:t>2019/4/11</a:t>
+              <a:t>2019/4/12</a:t>
             </a:fld>
             <a:endParaRPr lang="zh-CN" altLang="en-US"/>
           </a:p>
@@ -10338,7 +10441,7 @@
           <a:p>
             <a:fld id="{B5272197-5A8C-4597-A36D-FCE48F5DD269}" type="datetimeFigureOut">
               <a:rPr lang="zh-CN" altLang="en-US" smtClean="0"/>
-              <a:t>2019/4/11</a:t>
+              <a:t>2019/4/12</a:t>
             </a:fld>
             <a:endParaRPr lang="zh-CN" altLang="en-US"/>
           </a:p>
@@ -10456,7 +10559,7 @@
           <a:p>
             <a:fld id="{B5272197-5A8C-4597-A36D-FCE48F5DD269}" type="datetimeFigureOut">
               <a:rPr lang="zh-CN" altLang="en-US" smtClean="0"/>
-              <a:t>2019/4/11</a:t>
+              <a:t>2019/4/12</a:t>
             </a:fld>
             <a:endParaRPr lang="zh-CN" altLang="en-US"/>
           </a:p>
@@ -10551,7 +10654,7 @@
           <a:p>
             <a:fld id="{B5272197-5A8C-4597-A36D-FCE48F5DD269}" type="datetimeFigureOut">
               <a:rPr lang="zh-CN" altLang="en-US" smtClean="0"/>
-              <a:t>2019/4/11</a:t>
+              <a:t>2019/4/12</a:t>
             </a:fld>
             <a:endParaRPr lang="zh-CN" altLang="en-US"/>
           </a:p>
@@ -10828,7 +10931,7 @@
           <a:p>
             <a:fld id="{B5272197-5A8C-4597-A36D-FCE48F5DD269}" type="datetimeFigureOut">
               <a:rPr lang="zh-CN" altLang="en-US" smtClean="0"/>
-              <a:t>2019/4/11</a:t>
+              <a:t>2019/4/12</a:t>
             </a:fld>
             <a:endParaRPr lang="zh-CN" altLang="en-US"/>
           </a:p>
@@ -11081,7 +11184,7 @@
           <a:p>
             <a:fld id="{B5272197-5A8C-4597-A36D-FCE48F5DD269}" type="datetimeFigureOut">
               <a:rPr lang="zh-CN" altLang="en-US" smtClean="0"/>
-              <a:t>2019/4/11</a:t>
+              <a:t>2019/4/12</a:t>
             </a:fld>
             <a:endParaRPr lang="zh-CN" altLang="en-US"/>
           </a:p>
@@ -11294,7 +11397,7 @@
           <a:p>
             <a:fld id="{B5272197-5A8C-4597-A36D-FCE48F5DD269}" type="datetimeFigureOut">
               <a:rPr lang="zh-CN" altLang="en-US" smtClean="0"/>
-              <a:t>2019/4/11</a:t>
+              <a:t>2019/4/12</a:t>
             </a:fld>
             <a:endParaRPr lang="zh-CN" altLang="en-US"/>
           </a:p>
@@ -11869,7 +11972,1347 @@
                 </a:solidFill>
                 <a:latin typeface="+mn-ea"/>
               </a:rPr>
-              <a:t>为什么要使用索引？</a:t>
+              <a:t>索引</a:t>
+            </a:r>
+            <a:r>
+              <a:rPr lang="zh-CN" altLang="en-US" sz="3200" b="1" dirty="0">
+                <a:solidFill>
+                  <a:srgbClr val="52C018"/>
+                </a:solidFill>
+                <a:latin typeface="+mn-ea"/>
+              </a:rPr>
+              <a:t>应用</a:t>
+            </a:r>
+          </a:p>
+        </p:txBody>
+      </p:sp>
+      <p:grpSp>
+        <p:nvGrpSpPr>
+          <p:cNvPr id="5" name="组合 4"/>
+          <p:cNvGrpSpPr/>
+          <p:nvPr/>
+        </p:nvGrpSpPr>
+        <p:grpSpPr>
+          <a:xfrm>
+            <a:off x="249160" y="1023865"/>
+            <a:ext cx="11322412" cy="548914"/>
+            <a:chOff x="0" y="0"/>
+            <a:chExt cx="8656876" cy="548914"/>
+          </a:xfrm>
+        </p:grpSpPr>
+        <p:sp>
+          <p:nvSpPr>
+            <p:cNvPr id="6" name="圆角矩形 5"/>
+            <p:cNvSpPr/>
+            <p:nvPr/>
+          </p:nvSpPr>
+          <p:spPr>
+            <a:xfrm>
+              <a:off x="0" y="0"/>
+              <a:ext cx="8656876" cy="548914"/>
+            </a:xfrm>
+            <a:prstGeom prst="roundRect">
+              <a:avLst/>
+            </a:prstGeom>
+            <a:solidFill>
+              <a:schemeClr val="accent6"/>
+            </a:solidFill>
+            <a:ln>
+              <a:noFill/>
+            </a:ln>
+          </p:spPr>
+          <p:style>
+            <a:lnRef idx="0">
+              <a:scrgbClr r="0" g="0" b="0"/>
+            </a:lnRef>
+            <a:fillRef idx="0">
+              <a:scrgbClr r="0" g="0" b="0"/>
+            </a:fillRef>
+            <a:effectRef idx="0">
+              <a:scrgbClr r="0" g="0" b="0"/>
+            </a:effectRef>
+            <a:fontRef idx="minor">
+              <a:schemeClr val="lt1"/>
+            </a:fontRef>
+          </p:style>
+        </p:sp>
+        <p:sp>
+          <p:nvSpPr>
+            <p:cNvPr id="7" name="圆角矩形 4"/>
+            <p:cNvSpPr txBox="1"/>
+            <p:nvPr/>
+          </p:nvSpPr>
+          <p:spPr>
+            <a:xfrm>
+              <a:off x="53592" y="26796"/>
+              <a:ext cx="8603284" cy="495322"/>
+            </a:xfrm>
+            <a:prstGeom prst="rect">
+              <a:avLst/>
+            </a:prstGeom>
+          </p:spPr>
+          <p:style>
+            <a:lnRef idx="0">
+              <a:scrgbClr r="0" g="0" b="0"/>
+            </a:lnRef>
+            <a:fillRef idx="0">
+              <a:scrgbClr r="0" g="0" b="0"/>
+            </a:fillRef>
+            <a:effectRef idx="0">
+              <a:scrgbClr r="0" g="0" b="0"/>
+            </a:effectRef>
+            <a:fontRef idx="minor">
+              <a:schemeClr val="lt1"/>
+            </a:fontRef>
+          </p:style>
+          <p:txBody>
+            <a:bodyPr spcFirstLastPara="0" vert="horz" wrap="square" lIns="60960" tIns="60960" rIns="60960" bIns="60960" numCol="1" spcCol="1270" anchor="ctr" anchorCtr="0">
+              <a:noAutofit/>
+            </a:bodyPr>
+            <a:lstStyle/>
+            <a:p>
+              <a:pPr defTabSz="711200">
+                <a:lnSpc>
+                  <a:spcPct val="90000"/>
+                </a:lnSpc>
+                <a:spcBef>
+                  <a:spcPct val="0"/>
+                </a:spcBef>
+                <a:spcAft>
+                  <a:spcPct val="35000"/>
+                </a:spcAft>
+              </a:pPr>
+              <a:r>
+                <a:rPr lang="zh-CN" altLang="en-US" b="1" dirty="0" smtClean="0"/>
+                <a:t>独立的列</a:t>
+              </a:r>
+              <a:endParaRPr lang="zh-CN" altLang="zh-CN" b="1" dirty="0">
+                <a:latin typeface="+mn-ea"/>
+              </a:endParaRPr>
+            </a:p>
+          </p:txBody>
+        </p:sp>
+      </p:grpSp>
+      <p:sp>
+        <p:nvSpPr>
+          <p:cNvPr id="4" name="文本框 3"/>
+          <p:cNvSpPr txBox="1"/>
+          <p:nvPr/>
+        </p:nvSpPr>
+        <p:spPr>
+          <a:xfrm>
+            <a:off x="319252" y="1779587"/>
+            <a:ext cx="11252319" cy="1477328"/>
+          </a:xfrm>
+          <a:prstGeom prst="rect">
+            <a:avLst/>
+          </a:prstGeom>
+          <a:noFill/>
+        </p:spPr>
+        <p:txBody>
+          <a:bodyPr wrap="square" rtlCol="0">
+            <a:spAutoFit/>
+          </a:bodyPr>
+          <a:lstStyle/>
+          <a:p>
+            <a:pPr marL="285750" indent="-285750">
+              <a:buFont typeface="Arial" panose="020B0604020202020204" pitchFamily="34" charset="0"/>
+              <a:buChar char="•"/>
+            </a:pPr>
+            <a:r>
+              <a:rPr lang="zh-CN" altLang="en-US" dirty="0" smtClean="0"/>
+              <a:t>索引字段不能是函数的参数，也不能是表达式的一部分。</a:t>
+            </a:r>
+            <a:endParaRPr lang="en-US" altLang="zh-CN" dirty="0" smtClean="0"/>
+          </a:p>
+          <a:p>
+            <a:pPr marL="285750" indent="-285750">
+              <a:buFont typeface="Arial" panose="020B0604020202020204" pitchFamily="34" charset="0"/>
+              <a:buChar char="•"/>
+            </a:pPr>
+            <a:r>
+              <a:rPr lang="zh-CN" altLang="en-US" dirty="0"/>
+              <a:t>如果一定要进行计算，把计算放在谓词的右边</a:t>
+            </a:r>
+            <a:r>
+              <a:rPr lang="zh-CN" altLang="en-US" dirty="0" smtClean="0"/>
+              <a:t>。</a:t>
+            </a:r>
+            <a:endParaRPr lang="en-US" altLang="zh-CN" dirty="0" smtClean="0"/>
+          </a:p>
+          <a:p>
+            <a:pPr marL="285750" indent="-285750">
+              <a:buFont typeface="Arial" panose="020B0604020202020204" pitchFamily="34" charset="0"/>
+              <a:buChar char="•"/>
+            </a:pPr>
+            <a:r>
+              <a:rPr lang="zh-CN" altLang="en-US" dirty="0"/>
+              <a:t>不均匀数据的列索引原则，如状态</a:t>
+            </a:r>
+            <a:r>
+              <a:rPr lang="en-US" altLang="zh-CN" dirty="0"/>
+              <a:t>0</a:t>
+            </a:r>
+            <a:r>
+              <a:rPr lang="zh-CN" altLang="en-US" dirty="0"/>
+              <a:t>和</a:t>
+            </a:r>
+            <a:r>
+              <a:rPr lang="en-US" altLang="zh-CN" dirty="0"/>
+              <a:t>1</a:t>
+            </a:r>
+            <a:r>
+              <a:rPr lang="zh-CN" altLang="en-US" dirty="0"/>
+              <a:t>，</a:t>
+            </a:r>
+            <a:r>
+              <a:rPr lang="en-US" altLang="zh-CN" dirty="0"/>
+              <a:t>0</a:t>
+            </a:r>
+            <a:r>
+              <a:rPr lang="zh-CN" altLang="en-US" dirty="0"/>
+              <a:t>占</a:t>
+            </a:r>
+            <a:r>
+              <a:rPr lang="en-US" altLang="zh-CN" dirty="0"/>
+              <a:t>95%</a:t>
+            </a:r>
+            <a:r>
+              <a:rPr lang="zh-CN" altLang="en-US" dirty="0"/>
+              <a:t>，</a:t>
+            </a:r>
+            <a:r>
+              <a:rPr lang="en-US" altLang="zh-CN" dirty="0"/>
+              <a:t>1</a:t>
+            </a:r>
+            <a:r>
+              <a:rPr lang="zh-CN" altLang="en-US" dirty="0"/>
+              <a:t>占</a:t>
+            </a:r>
+            <a:r>
+              <a:rPr lang="en-US" altLang="zh-CN" dirty="0"/>
+              <a:t>5%</a:t>
+            </a:r>
+            <a:r>
+              <a:rPr lang="zh-CN" altLang="en-US" dirty="0"/>
+              <a:t>，利用数据倾斜</a:t>
+            </a:r>
+            <a:r>
+              <a:rPr lang="zh-CN" altLang="en-US" dirty="0" smtClean="0"/>
+              <a:t>特性。</a:t>
+            </a:r>
+            <a:endParaRPr lang="zh-CN" altLang="en-US" dirty="0"/>
+          </a:p>
+          <a:p>
+            <a:pPr marL="285750" indent="-285750">
+              <a:buFont typeface="Arial" panose="020B0604020202020204" pitchFamily="34" charset="0"/>
+              <a:buChar char="•"/>
+            </a:pPr>
+            <a:endParaRPr lang="zh-CN" altLang="en-US" dirty="0" smtClean="0"/>
+          </a:p>
+          <a:p>
+            <a:endParaRPr lang="zh-CN" altLang="en-US" dirty="0"/>
+          </a:p>
+        </p:txBody>
+      </p:sp>
+      <p:grpSp>
+        <p:nvGrpSpPr>
+          <p:cNvPr id="8" name="组合 7"/>
+          <p:cNvGrpSpPr/>
+          <p:nvPr/>
+        </p:nvGrpSpPr>
+        <p:grpSpPr>
+          <a:xfrm>
+            <a:off x="249160" y="2969255"/>
+            <a:ext cx="11322412" cy="548914"/>
+            <a:chOff x="0" y="0"/>
+            <a:chExt cx="8656876" cy="548914"/>
+          </a:xfrm>
+        </p:grpSpPr>
+        <p:sp>
+          <p:nvSpPr>
+            <p:cNvPr id="9" name="圆角矩形 8"/>
+            <p:cNvSpPr/>
+            <p:nvPr/>
+          </p:nvSpPr>
+          <p:spPr>
+            <a:xfrm>
+              <a:off x="0" y="0"/>
+              <a:ext cx="8656876" cy="548914"/>
+            </a:xfrm>
+            <a:prstGeom prst="roundRect">
+              <a:avLst/>
+            </a:prstGeom>
+            <a:solidFill>
+              <a:schemeClr val="accent6"/>
+            </a:solidFill>
+            <a:ln>
+              <a:noFill/>
+            </a:ln>
+          </p:spPr>
+          <p:style>
+            <a:lnRef idx="0">
+              <a:scrgbClr r="0" g="0" b="0"/>
+            </a:lnRef>
+            <a:fillRef idx="0">
+              <a:scrgbClr r="0" g="0" b="0"/>
+            </a:fillRef>
+            <a:effectRef idx="0">
+              <a:scrgbClr r="0" g="0" b="0"/>
+            </a:effectRef>
+            <a:fontRef idx="minor">
+              <a:schemeClr val="lt1"/>
+            </a:fontRef>
+          </p:style>
+        </p:sp>
+        <p:sp>
+          <p:nvSpPr>
+            <p:cNvPr id="10" name="圆角矩形 4"/>
+            <p:cNvSpPr txBox="1"/>
+            <p:nvPr/>
+          </p:nvSpPr>
+          <p:spPr>
+            <a:xfrm>
+              <a:off x="53592" y="26796"/>
+              <a:ext cx="8603284" cy="495322"/>
+            </a:xfrm>
+            <a:prstGeom prst="rect">
+              <a:avLst/>
+            </a:prstGeom>
+          </p:spPr>
+          <p:style>
+            <a:lnRef idx="0">
+              <a:scrgbClr r="0" g="0" b="0"/>
+            </a:lnRef>
+            <a:fillRef idx="0">
+              <a:scrgbClr r="0" g="0" b="0"/>
+            </a:fillRef>
+            <a:effectRef idx="0">
+              <a:scrgbClr r="0" g="0" b="0"/>
+            </a:effectRef>
+            <a:fontRef idx="minor">
+              <a:schemeClr val="lt1"/>
+            </a:fontRef>
+          </p:style>
+          <p:txBody>
+            <a:bodyPr spcFirstLastPara="0" vert="horz" wrap="square" lIns="60960" tIns="60960" rIns="60960" bIns="60960" numCol="1" spcCol="1270" anchor="ctr" anchorCtr="0">
+              <a:noAutofit/>
+            </a:bodyPr>
+            <a:lstStyle/>
+            <a:p>
+              <a:pPr defTabSz="711200">
+                <a:lnSpc>
+                  <a:spcPct val="90000"/>
+                </a:lnSpc>
+                <a:spcBef>
+                  <a:spcPct val="0"/>
+                </a:spcBef>
+                <a:spcAft>
+                  <a:spcPct val="35000"/>
+                </a:spcAft>
+              </a:pPr>
+              <a:r>
+                <a:rPr lang="zh-CN" altLang="en-US" b="1" dirty="0" smtClean="0"/>
+                <a:t>前缀索引和索引选择性</a:t>
+              </a:r>
+              <a:endParaRPr lang="zh-CN" altLang="zh-CN" b="1" dirty="0">
+                <a:latin typeface="+mn-ea"/>
+              </a:endParaRPr>
+            </a:p>
+          </p:txBody>
+        </p:sp>
+      </p:grpSp>
+      <p:sp>
+        <p:nvSpPr>
+          <p:cNvPr id="3" name="文本框 2"/>
+          <p:cNvSpPr txBox="1"/>
+          <p:nvPr/>
+        </p:nvSpPr>
+        <p:spPr>
+          <a:xfrm>
+            <a:off x="319252" y="3776228"/>
+            <a:ext cx="10568539" cy="1754326"/>
+          </a:xfrm>
+          <a:prstGeom prst="rect">
+            <a:avLst/>
+          </a:prstGeom>
+          <a:noFill/>
+        </p:spPr>
+        <p:txBody>
+          <a:bodyPr wrap="square" rtlCol="0">
+            <a:spAutoFit/>
+          </a:bodyPr>
+          <a:lstStyle/>
+          <a:p>
+            <a:pPr marL="285750" indent="-285750">
+              <a:buFont typeface="Arial" panose="020B0604020202020204" pitchFamily="34" charset="0"/>
+              <a:buChar char="•"/>
+            </a:pPr>
+            <a:r>
+              <a:rPr lang="zh-CN" altLang="en-US" dirty="0"/>
+              <a:t>索引的选择性是指，不重复的索引值</a:t>
+            </a:r>
+            <a:r>
+              <a:rPr lang="en-US" altLang="zh-CN" dirty="0"/>
+              <a:t>(</a:t>
+            </a:r>
+            <a:r>
+              <a:rPr lang="zh-CN" altLang="en-US" dirty="0"/>
+              <a:t>也称为基数</a:t>
+            </a:r>
+            <a:r>
+              <a:rPr lang="en-US" altLang="zh-CN" dirty="0"/>
+              <a:t>)</a:t>
+            </a:r>
+            <a:r>
+              <a:rPr lang="zh-CN" altLang="en-US" dirty="0"/>
+              <a:t>和数据表的记录总数</a:t>
+            </a:r>
+            <a:r>
+              <a:rPr lang="zh-CN" altLang="en-US" dirty="0" smtClean="0"/>
+              <a:t>比值。</a:t>
+            </a:r>
+            <a:endParaRPr lang="en-US" altLang="zh-CN" dirty="0"/>
+          </a:p>
+          <a:p>
+            <a:pPr marL="285750" indent="-285750">
+              <a:buFont typeface="Arial" panose="020B0604020202020204" pitchFamily="34" charset="0"/>
+              <a:buChar char="•"/>
+            </a:pPr>
+            <a:r>
+              <a:rPr lang="zh-CN" altLang="en-US" dirty="0" smtClean="0"/>
+              <a:t>索引</a:t>
+            </a:r>
+            <a:r>
+              <a:rPr lang="zh-CN" altLang="en-US" dirty="0"/>
+              <a:t>的选择性越高则查询效率越高，因为选择性高的索引可以让</a:t>
+            </a:r>
+            <a:r>
+              <a:rPr lang="en-US" altLang="zh-CN" dirty="0"/>
+              <a:t>MySQL</a:t>
+            </a:r>
+            <a:r>
+              <a:rPr lang="zh-CN" altLang="en-US" dirty="0"/>
+              <a:t>在查找时过滤掉更多的</a:t>
+            </a:r>
+            <a:r>
+              <a:rPr lang="zh-CN" altLang="en-US" dirty="0" smtClean="0"/>
+              <a:t>行。</a:t>
+            </a:r>
+            <a:endParaRPr lang="en-US" altLang="zh-CN" dirty="0" smtClean="0"/>
+          </a:p>
+          <a:p>
+            <a:pPr marL="285750" indent="-285750">
+              <a:buFont typeface="Arial" panose="020B0604020202020204" pitchFamily="34" charset="0"/>
+              <a:buChar char="•"/>
+            </a:pPr>
+            <a:r>
+              <a:rPr lang="zh-CN" altLang="en-US" dirty="0" smtClean="0"/>
+              <a:t>唯一</a:t>
+            </a:r>
+            <a:r>
+              <a:rPr lang="zh-CN" altLang="en-US" dirty="0"/>
+              <a:t>索引的选择性是</a:t>
+            </a:r>
+            <a:r>
+              <a:rPr lang="en-US" altLang="zh-CN" dirty="0"/>
+              <a:t>1</a:t>
+            </a:r>
+            <a:r>
+              <a:rPr lang="zh-CN" altLang="en-US" dirty="0"/>
+              <a:t>，这是最好的索引选择性，性能也是最好</a:t>
+            </a:r>
+            <a:r>
+              <a:rPr lang="zh-CN" altLang="en-US" dirty="0" smtClean="0"/>
+              <a:t>的。</a:t>
+            </a:r>
+            <a:endParaRPr lang="en-US" altLang="zh-CN" dirty="0" smtClean="0"/>
+          </a:p>
+          <a:p>
+            <a:pPr marL="285750" indent="-285750">
+              <a:buFont typeface="Arial" panose="020B0604020202020204" pitchFamily="34" charset="0"/>
+              <a:buChar char="•"/>
+            </a:pPr>
+            <a:r>
+              <a:rPr lang="zh-CN" altLang="en-US" dirty="0" smtClean="0"/>
+              <a:t>前缀</a:t>
+            </a:r>
+            <a:r>
+              <a:rPr lang="zh-CN" altLang="en-US" dirty="0"/>
+              <a:t>索引是一种能使索引更小、更快的有效</a:t>
+            </a:r>
+            <a:r>
+              <a:rPr lang="zh-CN" altLang="en-US" dirty="0" smtClean="0"/>
+              <a:t>办法。</a:t>
+            </a:r>
+            <a:endParaRPr lang="en-US" altLang="zh-CN" dirty="0" smtClean="0"/>
+          </a:p>
+          <a:p>
+            <a:pPr marL="285750" indent="-285750">
+              <a:buFont typeface="Arial" panose="020B0604020202020204" pitchFamily="34" charset="0"/>
+              <a:buChar char="•"/>
+            </a:pPr>
+            <a:r>
+              <a:rPr lang="en-US" altLang="zh-CN" dirty="0"/>
+              <a:t>MySQL</a:t>
+            </a:r>
+            <a:r>
+              <a:rPr lang="zh-CN" altLang="en-US" dirty="0"/>
+              <a:t>无法使用前缀索引做</a:t>
+            </a:r>
+            <a:r>
+              <a:rPr lang="en-US" altLang="zh-CN" dirty="0"/>
+              <a:t>ORDER BY</a:t>
+            </a:r>
+            <a:r>
+              <a:rPr lang="zh-CN" altLang="en-US" dirty="0"/>
+              <a:t>和</a:t>
+            </a:r>
+            <a:r>
+              <a:rPr lang="en-US" altLang="zh-CN" dirty="0"/>
+              <a:t>GROUP BY , </a:t>
+            </a:r>
+            <a:r>
+              <a:rPr lang="zh-CN" altLang="en-US" dirty="0"/>
+              <a:t>也无法使用前缀索引做覆盖扫描。</a:t>
+            </a:r>
+          </a:p>
+          <a:p>
+            <a:pPr marL="285750" indent="-285750">
+              <a:buFont typeface="Arial" panose="020B0604020202020204" pitchFamily="34" charset="0"/>
+              <a:buChar char="•"/>
+            </a:pPr>
+            <a:endParaRPr lang="zh-CN" altLang="en-US" dirty="0"/>
+          </a:p>
+        </p:txBody>
+      </p:sp>
+    </p:spTree>
+    <p:extLst>
+      <p:ext uri="{BB962C8B-B14F-4D97-AF65-F5344CB8AC3E}">
+        <p14:creationId xmlns:p14="http://schemas.microsoft.com/office/powerpoint/2010/main" val="2867669750"/>
+      </p:ext>
+    </p:extLst>
+  </p:cSld>
+  <p:clrMapOvr>
+    <a:masterClrMapping/>
+  </p:clrMapOvr>
+  <p:timing>
+    <p:tnLst>
+      <p:par>
+        <p:cTn id="1" dur="indefinite" restart="never" nodeType="tmRoot"/>
+      </p:par>
+    </p:tnLst>
+  </p:timing>
+</p:sld>
+</file>
+
+<file path=ppt/slides/slide11.xml><?xml version="1.0" encoding="utf-8"?>
+<p:sld xmlns:a="http://schemas.openxmlformats.org/drawingml/2006/main" xmlns:r="http://schemas.openxmlformats.org/officeDocument/2006/relationships" xmlns:p="http://schemas.openxmlformats.org/presentationml/2006/main">
+  <p:cSld>
+    <p:spTree>
+      <p:nvGrpSpPr>
+        <p:cNvPr id="1" name=""/>
+        <p:cNvGrpSpPr/>
+        <p:nvPr/>
+      </p:nvGrpSpPr>
+      <p:grpSpPr>
+        <a:xfrm>
+          <a:off x="0" y="0"/>
+          <a:ext cx="0" cy="0"/>
+          <a:chOff x="0" y="0"/>
+          <a:chExt cx="0" cy="0"/>
+        </a:xfrm>
+      </p:grpSpPr>
+      <p:sp>
+        <p:nvSpPr>
+          <p:cNvPr id="2" name="文本框 1"/>
+          <p:cNvSpPr txBox="1"/>
+          <p:nvPr/>
+        </p:nvSpPr>
+        <p:spPr>
+          <a:xfrm flipH="1">
+            <a:off x="249160" y="177836"/>
+            <a:ext cx="6492298" cy="584775"/>
+          </a:xfrm>
+          <a:prstGeom prst="rect">
+            <a:avLst/>
+          </a:prstGeom>
+          <a:noFill/>
+        </p:spPr>
+        <p:txBody>
+          <a:bodyPr wrap="square" rtlCol="0">
+            <a:spAutoFit/>
+          </a:bodyPr>
+          <a:lstStyle/>
+          <a:p>
+            <a:r>
+              <a:rPr lang="zh-CN" altLang="en-US" sz="3200" b="1" dirty="0" smtClean="0">
+                <a:solidFill>
+                  <a:srgbClr val="52C018"/>
+                </a:solidFill>
+                <a:latin typeface="+mn-ea"/>
+              </a:rPr>
+              <a:t>索引</a:t>
+            </a:r>
+            <a:r>
+              <a:rPr lang="zh-CN" altLang="en-US" sz="3200" b="1" dirty="0">
+                <a:solidFill>
+                  <a:srgbClr val="52C018"/>
+                </a:solidFill>
+                <a:latin typeface="+mn-ea"/>
+              </a:rPr>
+              <a:t>应用</a:t>
+            </a:r>
+          </a:p>
+        </p:txBody>
+      </p:sp>
+      <p:grpSp>
+        <p:nvGrpSpPr>
+          <p:cNvPr id="5" name="组合 4"/>
+          <p:cNvGrpSpPr/>
+          <p:nvPr/>
+        </p:nvGrpSpPr>
+        <p:grpSpPr>
+          <a:xfrm>
+            <a:off x="249160" y="1023865"/>
+            <a:ext cx="11322412" cy="548914"/>
+            <a:chOff x="0" y="0"/>
+            <a:chExt cx="8656876" cy="548914"/>
+          </a:xfrm>
+        </p:grpSpPr>
+        <p:sp>
+          <p:nvSpPr>
+            <p:cNvPr id="6" name="圆角矩形 5"/>
+            <p:cNvSpPr/>
+            <p:nvPr/>
+          </p:nvSpPr>
+          <p:spPr>
+            <a:xfrm>
+              <a:off x="0" y="0"/>
+              <a:ext cx="8656876" cy="548914"/>
+            </a:xfrm>
+            <a:prstGeom prst="roundRect">
+              <a:avLst/>
+            </a:prstGeom>
+            <a:solidFill>
+              <a:schemeClr val="accent6"/>
+            </a:solidFill>
+            <a:ln>
+              <a:noFill/>
+            </a:ln>
+          </p:spPr>
+          <p:style>
+            <a:lnRef idx="0">
+              <a:scrgbClr r="0" g="0" b="0"/>
+            </a:lnRef>
+            <a:fillRef idx="0">
+              <a:scrgbClr r="0" g="0" b="0"/>
+            </a:fillRef>
+            <a:effectRef idx="0">
+              <a:scrgbClr r="0" g="0" b="0"/>
+            </a:effectRef>
+            <a:fontRef idx="minor">
+              <a:schemeClr val="lt1"/>
+            </a:fontRef>
+          </p:style>
+        </p:sp>
+        <p:sp>
+          <p:nvSpPr>
+            <p:cNvPr id="7" name="圆角矩形 4"/>
+            <p:cNvSpPr txBox="1"/>
+            <p:nvPr/>
+          </p:nvSpPr>
+          <p:spPr>
+            <a:xfrm>
+              <a:off x="53592" y="26796"/>
+              <a:ext cx="8603284" cy="495322"/>
+            </a:xfrm>
+            <a:prstGeom prst="rect">
+              <a:avLst/>
+            </a:prstGeom>
+          </p:spPr>
+          <p:style>
+            <a:lnRef idx="0">
+              <a:scrgbClr r="0" g="0" b="0"/>
+            </a:lnRef>
+            <a:fillRef idx="0">
+              <a:scrgbClr r="0" g="0" b="0"/>
+            </a:fillRef>
+            <a:effectRef idx="0">
+              <a:scrgbClr r="0" g="0" b="0"/>
+            </a:effectRef>
+            <a:fontRef idx="minor">
+              <a:schemeClr val="lt1"/>
+            </a:fontRef>
+          </p:style>
+          <p:txBody>
+            <a:bodyPr spcFirstLastPara="0" vert="horz" wrap="square" lIns="60960" tIns="60960" rIns="60960" bIns="60960" numCol="1" spcCol="1270" anchor="ctr" anchorCtr="0">
+              <a:noAutofit/>
+            </a:bodyPr>
+            <a:lstStyle/>
+            <a:p>
+              <a:pPr defTabSz="711200">
+                <a:lnSpc>
+                  <a:spcPct val="90000"/>
+                </a:lnSpc>
+                <a:spcBef>
+                  <a:spcPct val="0"/>
+                </a:spcBef>
+                <a:spcAft>
+                  <a:spcPct val="35000"/>
+                </a:spcAft>
+              </a:pPr>
+              <a:r>
+                <a:rPr lang="zh-CN" altLang="en-US" b="1" dirty="0">
+                  <a:latin typeface="+mn-ea"/>
+                </a:rPr>
+                <a:t>多列</a:t>
+              </a:r>
+              <a:r>
+                <a:rPr lang="zh-CN" altLang="en-US" b="1" dirty="0" smtClean="0">
+                  <a:latin typeface="+mn-ea"/>
+                </a:rPr>
+                <a:t>索引</a:t>
+              </a:r>
+              <a:endParaRPr lang="zh-CN" altLang="zh-CN" b="1" dirty="0">
+                <a:latin typeface="+mn-ea"/>
+              </a:endParaRPr>
+            </a:p>
+          </p:txBody>
+        </p:sp>
+      </p:grpSp>
+      <p:sp>
+        <p:nvSpPr>
+          <p:cNvPr id="4" name="文本框 3"/>
+          <p:cNvSpPr txBox="1"/>
+          <p:nvPr/>
+        </p:nvSpPr>
+        <p:spPr>
+          <a:xfrm>
+            <a:off x="319253" y="1934678"/>
+            <a:ext cx="11173311" cy="1477328"/>
+          </a:xfrm>
+          <a:prstGeom prst="rect">
+            <a:avLst/>
+          </a:prstGeom>
+          <a:noFill/>
+        </p:spPr>
+        <p:txBody>
+          <a:bodyPr wrap="square" rtlCol="0">
+            <a:spAutoFit/>
+          </a:bodyPr>
+          <a:lstStyle/>
+          <a:p>
+            <a:pPr marL="285750" indent="-285750">
+              <a:buFont typeface="Arial" panose="020B0604020202020204" pitchFamily="34" charset="0"/>
+              <a:buChar char="•"/>
+            </a:pPr>
+            <a:r>
+              <a:rPr lang="zh-CN" altLang="en-US" dirty="0"/>
+              <a:t>在</a:t>
+            </a:r>
+            <a:r>
+              <a:rPr lang="en-US" altLang="zh-CN" dirty="0" smtClean="0"/>
+              <a:t>MySQL5.1</a:t>
+            </a:r>
+            <a:r>
+              <a:rPr lang="zh-CN" altLang="en-US" dirty="0" smtClean="0"/>
+              <a:t>及以上新</a:t>
+            </a:r>
+            <a:r>
+              <a:rPr lang="zh-CN" altLang="en-US" dirty="0"/>
+              <a:t>的版本中，会使用</a:t>
+            </a:r>
+            <a:r>
+              <a:rPr lang="en-US" altLang="zh-CN" dirty="0"/>
+              <a:t>"</a:t>
+            </a:r>
+            <a:r>
+              <a:rPr lang="zh-CN" altLang="en-US" dirty="0"/>
+              <a:t>索引合并</a:t>
+            </a:r>
+            <a:r>
+              <a:rPr lang="en-US" altLang="zh-CN" dirty="0"/>
+              <a:t>"</a:t>
+            </a:r>
+            <a:r>
+              <a:rPr lang="zh-CN" altLang="en-US" dirty="0"/>
+              <a:t>策略，查询能同时使用两个单列索引进行扫描，并将结果进行合并。</a:t>
+            </a:r>
+          </a:p>
+          <a:p>
+            <a:pPr marL="285750" indent="-285750">
+              <a:buFont typeface="Arial" panose="020B0604020202020204" pitchFamily="34" charset="0"/>
+              <a:buChar char="•"/>
+            </a:pPr>
+            <a:r>
+              <a:rPr lang="zh-CN" altLang="en-US" dirty="0"/>
+              <a:t>索引合并实际上说明索引设计不合理，考虑主动合并</a:t>
+            </a:r>
+            <a:r>
+              <a:rPr lang="zh-CN" altLang="en-US" dirty="0" smtClean="0"/>
+              <a:t>索引。</a:t>
+            </a:r>
+            <a:endParaRPr lang="en-US" altLang="zh-CN" dirty="0" smtClean="0"/>
+          </a:p>
+          <a:p>
+            <a:pPr marL="285750" indent="-285750">
+              <a:buFont typeface="Arial" panose="020B0604020202020204" pitchFamily="34" charset="0"/>
+              <a:buChar char="•"/>
+            </a:pPr>
+            <a:r>
+              <a:rPr lang="zh-CN" altLang="en-US" dirty="0" smtClean="0"/>
+              <a:t>如</a:t>
+            </a:r>
+            <a:r>
+              <a:rPr lang="zh-CN" altLang="en-US" dirty="0"/>
+              <a:t>有可能设计成覆盖</a:t>
+            </a:r>
+            <a:r>
+              <a:rPr lang="zh-CN" altLang="en-US" dirty="0" smtClean="0"/>
+              <a:t>索引。</a:t>
+            </a:r>
+            <a:endParaRPr lang="zh-CN" altLang="en-US" dirty="0"/>
+          </a:p>
+          <a:p>
+            <a:pPr marL="285750" indent="-285750">
+              <a:buFont typeface="Arial" panose="020B0604020202020204" pitchFamily="34" charset="0"/>
+              <a:buChar char="•"/>
+            </a:pPr>
+            <a:r>
+              <a:rPr lang="zh-CN" altLang="en-US" dirty="0"/>
+              <a:t>主键列是自动包含在二级索引中的</a:t>
+            </a:r>
+            <a:r>
+              <a:rPr lang="zh-CN" altLang="en-US" dirty="0" smtClean="0"/>
+              <a:t>，</a:t>
+            </a:r>
+            <a:r>
+              <a:rPr lang="zh-CN" altLang="en-US" dirty="0"/>
+              <a:t>复合</a:t>
+            </a:r>
+            <a:r>
+              <a:rPr lang="zh-CN" altLang="en-US" dirty="0" smtClean="0"/>
+              <a:t>索引</a:t>
+            </a:r>
+            <a:r>
+              <a:rPr lang="zh-CN" altLang="en-US" dirty="0"/>
+              <a:t>无须包含主键</a:t>
+            </a:r>
+            <a:r>
+              <a:rPr lang="zh-CN" altLang="en-US" dirty="0" smtClean="0"/>
+              <a:t>列。</a:t>
+            </a:r>
+            <a:endParaRPr lang="zh-CN" altLang="en-US" dirty="0"/>
+          </a:p>
+        </p:txBody>
+      </p:sp>
+    </p:spTree>
+    <p:extLst>
+      <p:ext uri="{BB962C8B-B14F-4D97-AF65-F5344CB8AC3E}">
+        <p14:creationId xmlns:p14="http://schemas.microsoft.com/office/powerpoint/2010/main" val="3158565271"/>
+      </p:ext>
+    </p:extLst>
+  </p:cSld>
+  <p:clrMapOvr>
+    <a:masterClrMapping/>
+  </p:clrMapOvr>
+  <p:timing>
+    <p:tnLst>
+      <p:par>
+        <p:cTn id="1" dur="indefinite" restart="never" nodeType="tmRoot"/>
+      </p:par>
+    </p:tnLst>
+  </p:timing>
+</p:sld>
+</file>
+
+<file path=ppt/slides/slide12.xml><?xml version="1.0" encoding="utf-8"?>
+<p:sld xmlns:a="http://schemas.openxmlformats.org/drawingml/2006/main" xmlns:r="http://schemas.openxmlformats.org/officeDocument/2006/relationships" xmlns:p="http://schemas.openxmlformats.org/presentationml/2006/main">
+  <p:cSld>
+    <p:spTree>
+      <p:nvGrpSpPr>
+        <p:cNvPr id="1" name=""/>
+        <p:cNvGrpSpPr/>
+        <p:nvPr/>
+      </p:nvGrpSpPr>
+      <p:grpSpPr>
+        <a:xfrm>
+          <a:off x="0" y="0"/>
+          <a:ext cx="0" cy="0"/>
+          <a:chOff x="0" y="0"/>
+          <a:chExt cx="0" cy="0"/>
+        </a:xfrm>
+      </p:grpSpPr>
+      <p:sp>
+        <p:nvSpPr>
+          <p:cNvPr id="2" name="文本框 1"/>
+          <p:cNvSpPr txBox="1"/>
+          <p:nvPr/>
+        </p:nvSpPr>
+        <p:spPr>
+          <a:xfrm flipH="1">
+            <a:off x="249160" y="177836"/>
+            <a:ext cx="6492298" cy="584775"/>
+          </a:xfrm>
+          <a:prstGeom prst="rect">
+            <a:avLst/>
+          </a:prstGeom>
+          <a:noFill/>
+        </p:spPr>
+        <p:txBody>
+          <a:bodyPr wrap="square" rtlCol="0">
+            <a:spAutoFit/>
+          </a:bodyPr>
+          <a:lstStyle/>
+          <a:p>
+            <a:r>
+              <a:rPr lang="zh-CN" altLang="en-US" sz="3200" b="1" dirty="0" smtClean="0">
+                <a:solidFill>
+                  <a:srgbClr val="52C018"/>
+                </a:solidFill>
+                <a:latin typeface="+mn-ea"/>
+              </a:rPr>
+              <a:t>索引</a:t>
+            </a:r>
+            <a:r>
+              <a:rPr lang="zh-CN" altLang="en-US" sz="3200" b="1" dirty="0">
+                <a:solidFill>
+                  <a:srgbClr val="52C018"/>
+                </a:solidFill>
+                <a:latin typeface="+mn-ea"/>
+              </a:rPr>
+              <a:t>应用</a:t>
+            </a:r>
+          </a:p>
+        </p:txBody>
+      </p:sp>
+      <p:grpSp>
+        <p:nvGrpSpPr>
+          <p:cNvPr id="5" name="组合 4"/>
+          <p:cNvGrpSpPr/>
+          <p:nvPr/>
+        </p:nvGrpSpPr>
+        <p:grpSpPr>
+          <a:xfrm>
+            <a:off x="249160" y="1023865"/>
+            <a:ext cx="11322412" cy="548914"/>
+            <a:chOff x="0" y="0"/>
+            <a:chExt cx="8656876" cy="548914"/>
+          </a:xfrm>
+        </p:grpSpPr>
+        <p:sp>
+          <p:nvSpPr>
+            <p:cNvPr id="6" name="圆角矩形 5"/>
+            <p:cNvSpPr/>
+            <p:nvPr/>
+          </p:nvSpPr>
+          <p:spPr>
+            <a:xfrm>
+              <a:off x="0" y="0"/>
+              <a:ext cx="8656876" cy="548914"/>
+            </a:xfrm>
+            <a:prstGeom prst="roundRect">
+              <a:avLst/>
+            </a:prstGeom>
+            <a:solidFill>
+              <a:schemeClr val="accent6"/>
+            </a:solidFill>
+            <a:ln>
+              <a:noFill/>
+            </a:ln>
+          </p:spPr>
+          <p:style>
+            <a:lnRef idx="0">
+              <a:scrgbClr r="0" g="0" b="0"/>
+            </a:lnRef>
+            <a:fillRef idx="0">
+              <a:scrgbClr r="0" g="0" b="0"/>
+            </a:fillRef>
+            <a:effectRef idx="0">
+              <a:scrgbClr r="0" g="0" b="0"/>
+            </a:effectRef>
+            <a:fontRef idx="minor">
+              <a:schemeClr val="lt1"/>
+            </a:fontRef>
+          </p:style>
+        </p:sp>
+        <p:sp>
+          <p:nvSpPr>
+            <p:cNvPr id="7" name="圆角矩形 4"/>
+            <p:cNvSpPr txBox="1"/>
+            <p:nvPr/>
+          </p:nvSpPr>
+          <p:spPr>
+            <a:xfrm>
+              <a:off x="53592" y="26796"/>
+              <a:ext cx="8603284" cy="495322"/>
+            </a:xfrm>
+            <a:prstGeom prst="rect">
+              <a:avLst/>
+            </a:prstGeom>
+          </p:spPr>
+          <p:style>
+            <a:lnRef idx="0">
+              <a:scrgbClr r="0" g="0" b="0"/>
+            </a:lnRef>
+            <a:fillRef idx="0">
+              <a:scrgbClr r="0" g="0" b="0"/>
+            </a:fillRef>
+            <a:effectRef idx="0">
+              <a:scrgbClr r="0" g="0" b="0"/>
+            </a:effectRef>
+            <a:fontRef idx="minor">
+              <a:schemeClr val="lt1"/>
+            </a:fontRef>
+          </p:style>
+          <p:txBody>
+            <a:bodyPr spcFirstLastPara="0" vert="horz" wrap="square" lIns="60960" tIns="60960" rIns="60960" bIns="60960" numCol="1" spcCol="1270" anchor="ctr" anchorCtr="0">
+              <a:noAutofit/>
+            </a:bodyPr>
+            <a:lstStyle/>
+            <a:p>
+              <a:pPr defTabSz="711200">
+                <a:lnSpc>
+                  <a:spcPct val="90000"/>
+                </a:lnSpc>
+                <a:spcBef>
+                  <a:spcPct val="0"/>
+                </a:spcBef>
+                <a:spcAft>
+                  <a:spcPct val="35000"/>
+                </a:spcAft>
+              </a:pPr>
+              <a:r>
+                <a:rPr lang="zh-CN" altLang="en-US" b="1" dirty="0" smtClean="0">
+                  <a:latin typeface="+mn-ea"/>
+                </a:rPr>
+                <a:t>如何选择合适的索引列顺序</a:t>
+              </a:r>
+              <a:endParaRPr lang="zh-CN" altLang="zh-CN" b="1" dirty="0">
+                <a:latin typeface="+mn-ea"/>
+              </a:endParaRPr>
+            </a:p>
+          </p:txBody>
+        </p:sp>
+      </p:grpSp>
+      <p:sp>
+        <p:nvSpPr>
+          <p:cNvPr id="3" name="文本框 2"/>
+          <p:cNvSpPr txBox="1"/>
+          <p:nvPr/>
+        </p:nvSpPr>
+        <p:spPr>
+          <a:xfrm>
+            <a:off x="249160" y="1834033"/>
+            <a:ext cx="11115560" cy="1200329"/>
+          </a:xfrm>
+          <a:prstGeom prst="rect">
+            <a:avLst/>
+          </a:prstGeom>
+          <a:noFill/>
+        </p:spPr>
+        <p:txBody>
+          <a:bodyPr wrap="square" rtlCol="0">
+            <a:spAutoFit/>
+          </a:bodyPr>
+          <a:lstStyle/>
+          <a:p>
+            <a:pPr marL="285750" indent="-285750">
+              <a:buFont typeface="Arial" panose="020B0604020202020204" pitchFamily="34" charset="0"/>
+              <a:buChar char="•"/>
+            </a:pPr>
+            <a:r>
+              <a:rPr lang="zh-CN" altLang="en-US" dirty="0" smtClean="0">
+                <a:latin typeface="+mn-ea"/>
+              </a:rPr>
+              <a:t>依赖</a:t>
+            </a:r>
+            <a:r>
+              <a:rPr lang="zh-CN" altLang="en-US" dirty="0">
+                <a:latin typeface="+mn-ea"/>
+              </a:rPr>
+              <a:t>于使用该索引的查询，并且同时需要考虑如何更好地满足排序和分组的需要。</a:t>
+            </a:r>
+          </a:p>
+          <a:p>
+            <a:pPr marL="285750" indent="-285750">
+              <a:buFont typeface="Arial" panose="020B0604020202020204" pitchFamily="34" charset="0"/>
+              <a:buChar char="•"/>
+            </a:pPr>
+            <a:r>
+              <a:rPr lang="zh-CN" altLang="en-US" dirty="0" smtClean="0">
+                <a:latin typeface="+mn-ea"/>
+              </a:rPr>
+              <a:t>在</a:t>
+            </a:r>
+            <a:r>
+              <a:rPr lang="zh-CN" altLang="en-US" dirty="0">
+                <a:latin typeface="+mn-ea"/>
+              </a:rPr>
+              <a:t>一个多列</a:t>
+            </a:r>
+            <a:r>
+              <a:rPr lang="en-US" altLang="zh-CN" dirty="0" err="1">
+                <a:latin typeface="+mn-ea"/>
+              </a:rPr>
+              <a:t>B+Tree</a:t>
+            </a:r>
+            <a:r>
+              <a:rPr lang="zh-CN" altLang="en-US" dirty="0">
+                <a:latin typeface="+mn-ea"/>
+              </a:rPr>
+              <a:t>中，索引列的顺序首先按照最左列进行排序，其次是第二列。</a:t>
+            </a:r>
+          </a:p>
+          <a:p>
+            <a:pPr marL="285750" indent="-285750">
+              <a:buFont typeface="Arial" panose="020B0604020202020204" pitchFamily="34" charset="0"/>
+              <a:buChar char="•"/>
+            </a:pPr>
+            <a:r>
+              <a:rPr lang="zh-CN" altLang="en-US" dirty="0" smtClean="0">
+                <a:latin typeface="+mn-ea"/>
+              </a:rPr>
+              <a:t>经验法则</a:t>
+            </a:r>
+            <a:r>
+              <a:rPr lang="zh-CN" altLang="en-US" dirty="0">
+                <a:latin typeface="+mn-ea"/>
+              </a:rPr>
+              <a:t>：将索引性最高的列放到索引最前列。可能需要根据那些运行频率最高的查询来调整索引列的顺序。</a:t>
+            </a:r>
+          </a:p>
+        </p:txBody>
+      </p:sp>
+      <p:grpSp>
+        <p:nvGrpSpPr>
+          <p:cNvPr id="8" name="组合 7"/>
+          <p:cNvGrpSpPr/>
+          <p:nvPr/>
+        </p:nvGrpSpPr>
+        <p:grpSpPr>
+          <a:xfrm>
+            <a:off x="284206" y="3447827"/>
+            <a:ext cx="11322412" cy="548914"/>
+            <a:chOff x="0" y="0"/>
+            <a:chExt cx="8656876" cy="548914"/>
+          </a:xfrm>
+        </p:grpSpPr>
+        <p:sp>
+          <p:nvSpPr>
+            <p:cNvPr id="9" name="圆角矩形 8"/>
+            <p:cNvSpPr/>
+            <p:nvPr/>
+          </p:nvSpPr>
+          <p:spPr>
+            <a:xfrm>
+              <a:off x="0" y="0"/>
+              <a:ext cx="8656876" cy="548914"/>
+            </a:xfrm>
+            <a:prstGeom prst="roundRect">
+              <a:avLst/>
+            </a:prstGeom>
+            <a:solidFill>
+              <a:schemeClr val="accent6"/>
+            </a:solidFill>
+            <a:ln>
+              <a:noFill/>
+            </a:ln>
+          </p:spPr>
+          <p:style>
+            <a:lnRef idx="0">
+              <a:scrgbClr r="0" g="0" b="0"/>
+            </a:lnRef>
+            <a:fillRef idx="0">
+              <a:scrgbClr r="0" g="0" b="0"/>
+            </a:fillRef>
+            <a:effectRef idx="0">
+              <a:scrgbClr r="0" g="0" b="0"/>
+            </a:effectRef>
+            <a:fontRef idx="minor">
+              <a:schemeClr val="lt1"/>
+            </a:fontRef>
+          </p:style>
+        </p:sp>
+        <p:sp>
+          <p:nvSpPr>
+            <p:cNvPr id="10" name="圆角矩形 4"/>
+            <p:cNvSpPr txBox="1"/>
+            <p:nvPr/>
+          </p:nvSpPr>
+          <p:spPr>
+            <a:xfrm>
+              <a:off x="53592" y="26796"/>
+              <a:ext cx="8603284" cy="495322"/>
+            </a:xfrm>
+            <a:prstGeom prst="rect">
+              <a:avLst/>
+            </a:prstGeom>
+          </p:spPr>
+          <p:style>
+            <a:lnRef idx="0">
+              <a:scrgbClr r="0" g="0" b="0"/>
+            </a:lnRef>
+            <a:fillRef idx="0">
+              <a:scrgbClr r="0" g="0" b="0"/>
+            </a:fillRef>
+            <a:effectRef idx="0">
+              <a:scrgbClr r="0" g="0" b="0"/>
+            </a:effectRef>
+            <a:fontRef idx="minor">
+              <a:schemeClr val="lt1"/>
+            </a:fontRef>
+          </p:style>
+          <p:txBody>
+            <a:bodyPr spcFirstLastPara="0" vert="horz" wrap="square" lIns="60960" tIns="60960" rIns="60960" bIns="60960" numCol="1" spcCol="1270" anchor="ctr" anchorCtr="0">
+              <a:noAutofit/>
+            </a:bodyPr>
+            <a:lstStyle/>
+            <a:p>
+              <a:pPr defTabSz="711200">
+                <a:lnSpc>
+                  <a:spcPct val="90000"/>
+                </a:lnSpc>
+                <a:spcBef>
+                  <a:spcPct val="0"/>
+                </a:spcBef>
+                <a:spcAft>
+                  <a:spcPct val="35000"/>
+                </a:spcAft>
+              </a:pPr>
+              <a:r>
+                <a:rPr lang="zh-CN" altLang="en-US" b="1" dirty="0" smtClean="0">
+                  <a:latin typeface="+mn-ea"/>
+                </a:rPr>
+                <a:t>覆盖索引</a:t>
+              </a:r>
+              <a:endParaRPr lang="zh-CN" altLang="zh-CN" b="1" dirty="0">
+                <a:latin typeface="+mn-ea"/>
+              </a:endParaRPr>
+            </a:p>
+          </p:txBody>
+        </p:sp>
+      </p:grpSp>
+      <p:sp>
+        <p:nvSpPr>
+          <p:cNvPr id="11" name="文本框 10"/>
+          <p:cNvSpPr txBox="1"/>
+          <p:nvPr/>
+        </p:nvSpPr>
+        <p:spPr>
+          <a:xfrm>
+            <a:off x="284206" y="4225540"/>
+            <a:ext cx="8321509" cy="923330"/>
+          </a:xfrm>
+          <a:prstGeom prst="rect">
+            <a:avLst/>
+          </a:prstGeom>
+          <a:noFill/>
+        </p:spPr>
+        <p:txBody>
+          <a:bodyPr wrap="none" rtlCol="0">
+            <a:spAutoFit/>
+          </a:bodyPr>
+          <a:lstStyle/>
+          <a:p>
+            <a:pPr marL="285750" indent="-285750">
+              <a:buFont typeface="Arial" panose="020B0604020202020204" pitchFamily="34" charset="0"/>
+              <a:buChar char="•"/>
+            </a:pPr>
+            <a:r>
+              <a:rPr lang="zh-CN" altLang="en-US" dirty="0"/>
+              <a:t>如果一个索引包含（或者说覆盖）所有需要查询的字段的值，则为覆盖索引</a:t>
+            </a:r>
+            <a:r>
+              <a:rPr lang="zh-CN" altLang="en-US" dirty="0" smtClean="0"/>
+              <a:t>。</a:t>
+            </a:r>
+            <a:endParaRPr lang="en-US" altLang="zh-CN" dirty="0" smtClean="0"/>
+          </a:p>
+          <a:p>
+            <a:pPr marL="285750" indent="-285750">
+              <a:buFont typeface="Arial" panose="020B0604020202020204" pitchFamily="34" charset="0"/>
+              <a:buChar char="•"/>
+            </a:pPr>
+            <a:r>
+              <a:rPr lang="zh-CN" altLang="en-US" dirty="0" smtClean="0"/>
+              <a:t>覆盖索引不需要利用主键回表查询数据。</a:t>
+            </a:r>
+            <a:endParaRPr lang="en-US" altLang="zh-CN" dirty="0" smtClean="0"/>
+          </a:p>
+          <a:p>
+            <a:endParaRPr lang="zh-CN" altLang="en-US" dirty="0"/>
+          </a:p>
+        </p:txBody>
+      </p:sp>
+    </p:spTree>
+    <p:extLst>
+      <p:ext uri="{BB962C8B-B14F-4D97-AF65-F5344CB8AC3E}">
+        <p14:creationId xmlns:p14="http://schemas.microsoft.com/office/powerpoint/2010/main" val="577266009"/>
+      </p:ext>
+    </p:extLst>
+  </p:cSld>
+  <p:clrMapOvr>
+    <a:masterClrMapping/>
+  </p:clrMapOvr>
+  <p:timing>
+    <p:tnLst>
+      <p:par>
+        <p:cTn id="1" dur="indefinite" restart="never" nodeType="tmRoot"/>
+      </p:par>
+    </p:tnLst>
+  </p:timing>
+</p:sld>
+</file>
+
+<file path=ppt/slides/slide13.xml><?xml version="1.0" encoding="utf-8"?>
+<p:sld xmlns:a="http://schemas.openxmlformats.org/drawingml/2006/main" xmlns:r="http://schemas.openxmlformats.org/officeDocument/2006/relationships" xmlns:p="http://schemas.openxmlformats.org/presentationml/2006/main">
+  <p:cSld>
+    <p:spTree>
+      <p:nvGrpSpPr>
+        <p:cNvPr id="1" name=""/>
+        <p:cNvGrpSpPr/>
+        <p:nvPr/>
+      </p:nvGrpSpPr>
+      <p:grpSpPr>
+        <a:xfrm>
+          <a:off x="0" y="0"/>
+          <a:ext cx="0" cy="0"/>
+          <a:chOff x="0" y="0"/>
+          <a:chExt cx="0" cy="0"/>
+        </a:xfrm>
+      </p:grpSpPr>
+      <p:sp>
+        <p:nvSpPr>
+          <p:cNvPr id="2" name="文本框 1"/>
+          <p:cNvSpPr txBox="1"/>
+          <p:nvPr/>
+        </p:nvSpPr>
+        <p:spPr>
+          <a:xfrm flipH="1">
+            <a:off x="249160" y="177836"/>
+            <a:ext cx="6492298" cy="584775"/>
+          </a:xfrm>
+          <a:prstGeom prst="rect">
+            <a:avLst/>
+          </a:prstGeom>
+          <a:noFill/>
+        </p:spPr>
+        <p:txBody>
+          <a:bodyPr wrap="square" rtlCol="0">
+            <a:spAutoFit/>
+          </a:bodyPr>
+          <a:lstStyle/>
+          <a:p>
+            <a:r>
+              <a:rPr lang="zh-CN" altLang="en-US" sz="3200" b="1" dirty="0" smtClean="0">
+                <a:solidFill>
+                  <a:srgbClr val="52C018"/>
+                </a:solidFill>
+                <a:latin typeface="+mn-ea"/>
+              </a:rPr>
+              <a:t>索引应用</a:t>
             </a:r>
             <a:endParaRPr lang="zh-CN" altLang="en-US" sz="3200" b="1" dirty="0">
               <a:solidFill>
@@ -11880,23 +13323,1006 @@
           </a:p>
         </p:txBody>
       </p:sp>
+      <p:sp>
+        <p:nvSpPr>
+          <p:cNvPr id="14" name="内容占位符 2"/>
+          <p:cNvSpPr txBox="1">
+            <a:spLocks/>
+          </p:cNvSpPr>
+          <p:nvPr/>
+        </p:nvSpPr>
+        <p:spPr>
+          <a:xfrm>
+            <a:off x="386011" y="1456879"/>
+            <a:ext cx="11433812" cy="3999865"/>
+          </a:xfrm>
+          <a:prstGeom prst="rect">
+            <a:avLst/>
+          </a:prstGeom>
+        </p:spPr>
+        <p:txBody>
+          <a:bodyPr/>
+          <a:lstStyle>
+            <a:lvl1pPr marL="228600" indent="-228600" algn="l" defTabSz="914400" rtl="0" eaLnBrk="1" latinLnBrk="0" hangingPunct="1">
+              <a:lnSpc>
+                <a:spcPct val="90000"/>
+              </a:lnSpc>
+              <a:spcBef>
+                <a:spcPts val="1000"/>
+              </a:spcBef>
+              <a:buFont typeface="Arial" panose="020B0604020202020204" pitchFamily="34" charset="0"/>
+              <a:buChar char="•"/>
+              <a:defRPr sz="2800" kern="1200">
+                <a:solidFill>
+                  <a:schemeClr val="tx1"/>
+                </a:solidFill>
+                <a:latin typeface="+mn-lt"/>
+                <a:ea typeface="+mn-ea"/>
+                <a:cs typeface="+mn-cs"/>
+              </a:defRPr>
+            </a:lvl1pPr>
+            <a:lvl2pPr marL="685800" indent="-228600" algn="l" defTabSz="914400" rtl="0" eaLnBrk="1" latinLnBrk="0" hangingPunct="1">
+              <a:lnSpc>
+                <a:spcPct val="90000"/>
+              </a:lnSpc>
+              <a:spcBef>
+                <a:spcPts val="500"/>
+              </a:spcBef>
+              <a:buFont typeface="Arial" panose="020B0604020202020204" pitchFamily="34" charset="0"/>
+              <a:buChar char="•"/>
+              <a:defRPr sz="2400" kern="1200">
+                <a:solidFill>
+                  <a:schemeClr val="tx1"/>
+                </a:solidFill>
+                <a:latin typeface="+mn-lt"/>
+                <a:ea typeface="+mn-ea"/>
+                <a:cs typeface="+mn-cs"/>
+              </a:defRPr>
+            </a:lvl2pPr>
+            <a:lvl3pPr marL="1143000" indent="-228600" algn="l" defTabSz="914400" rtl="0" eaLnBrk="1" latinLnBrk="0" hangingPunct="1">
+              <a:lnSpc>
+                <a:spcPct val="90000"/>
+              </a:lnSpc>
+              <a:spcBef>
+                <a:spcPts val="500"/>
+              </a:spcBef>
+              <a:buFont typeface="Arial" panose="020B0604020202020204" pitchFamily="34" charset="0"/>
+              <a:buChar char="•"/>
+              <a:defRPr sz="2000" kern="1200">
+                <a:solidFill>
+                  <a:schemeClr val="tx1"/>
+                </a:solidFill>
+                <a:latin typeface="+mn-lt"/>
+                <a:ea typeface="+mn-ea"/>
+                <a:cs typeface="+mn-cs"/>
+              </a:defRPr>
+            </a:lvl3pPr>
+            <a:lvl4pPr marL="1600200" indent="-228600" algn="l" defTabSz="914400" rtl="0" eaLnBrk="1" latinLnBrk="0" hangingPunct="1">
+              <a:lnSpc>
+                <a:spcPct val="90000"/>
+              </a:lnSpc>
+              <a:spcBef>
+                <a:spcPts val="500"/>
+              </a:spcBef>
+              <a:buFont typeface="Arial" panose="020B0604020202020204" pitchFamily="34" charset="0"/>
+              <a:buChar char="•"/>
+              <a:defRPr sz="1800" kern="1200">
+                <a:solidFill>
+                  <a:schemeClr val="tx1"/>
+                </a:solidFill>
+                <a:latin typeface="+mn-lt"/>
+                <a:ea typeface="+mn-ea"/>
+                <a:cs typeface="+mn-cs"/>
+              </a:defRPr>
+            </a:lvl4pPr>
+            <a:lvl5pPr marL="2057400" indent="-228600" algn="l" defTabSz="914400" rtl="0" eaLnBrk="1" latinLnBrk="0" hangingPunct="1">
+              <a:lnSpc>
+                <a:spcPct val="90000"/>
+              </a:lnSpc>
+              <a:spcBef>
+                <a:spcPts val="500"/>
+              </a:spcBef>
+              <a:buFont typeface="Arial" panose="020B0604020202020204" pitchFamily="34" charset="0"/>
+              <a:buChar char="•"/>
+              <a:defRPr sz="1800" kern="1200">
+                <a:solidFill>
+                  <a:schemeClr val="tx1"/>
+                </a:solidFill>
+                <a:latin typeface="+mn-lt"/>
+                <a:ea typeface="+mn-ea"/>
+                <a:cs typeface="+mn-cs"/>
+              </a:defRPr>
+            </a:lvl5pPr>
+            <a:lvl6pPr marL="2514600" indent="-228600" algn="l" defTabSz="914400" rtl="0" eaLnBrk="1" latinLnBrk="0" hangingPunct="1">
+              <a:lnSpc>
+                <a:spcPct val="90000"/>
+              </a:lnSpc>
+              <a:spcBef>
+                <a:spcPts val="500"/>
+              </a:spcBef>
+              <a:buFont typeface="Arial" panose="020B0604020202020204" pitchFamily="34" charset="0"/>
+              <a:buChar char="•"/>
+              <a:defRPr sz="1800" kern="1200">
+                <a:solidFill>
+                  <a:schemeClr val="tx1"/>
+                </a:solidFill>
+                <a:latin typeface="+mn-lt"/>
+                <a:ea typeface="+mn-ea"/>
+                <a:cs typeface="+mn-cs"/>
+              </a:defRPr>
+            </a:lvl6pPr>
+            <a:lvl7pPr marL="2971800" indent="-228600" algn="l" defTabSz="914400" rtl="0" eaLnBrk="1" latinLnBrk="0" hangingPunct="1">
+              <a:lnSpc>
+                <a:spcPct val="90000"/>
+              </a:lnSpc>
+              <a:spcBef>
+                <a:spcPts val="500"/>
+              </a:spcBef>
+              <a:buFont typeface="Arial" panose="020B0604020202020204" pitchFamily="34" charset="0"/>
+              <a:buChar char="•"/>
+              <a:defRPr sz="1800" kern="1200">
+                <a:solidFill>
+                  <a:schemeClr val="tx1"/>
+                </a:solidFill>
+                <a:latin typeface="+mn-lt"/>
+                <a:ea typeface="+mn-ea"/>
+                <a:cs typeface="+mn-cs"/>
+              </a:defRPr>
+            </a:lvl7pPr>
+            <a:lvl8pPr marL="3429000" indent="-228600" algn="l" defTabSz="914400" rtl="0" eaLnBrk="1" latinLnBrk="0" hangingPunct="1">
+              <a:lnSpc>
+                <a:spcPct val="90000"/>
+              </a:lnSpc>
+              <a:spcBef>
+                <a:spcPts val="500"/>
+              </a:spcBef>
+              <a:buFont typeface="Arial" panose="020B0604020202020204" pitchFamily="34" charset="0"/>
+              <a:buChar char="•"/>
+              <a:defRPr sz="1800" kern="1200">
+                <a:solidFill>
+                  <a:schemeClr val="tx1"/>
+                </a:solidFill>
+                <a:latin typeface="+mn-lt"/>
+                <a:ea typeface="+mn-ea"/>
+                <a:cs typeface="+mn-cs"/>
+              </a:defRPr>
+            </a:lvl8pPr>
+            <a:lvl9pPr marL="3886200" indent="-228600" algn="l" defTabSz="914400" rtl="0" eaLnBrk="1" latinLnBrk="0" hangingPunct="1">
+              <a:lnSpc>
+                <a:spcPct val="90000"/>
+              </a:lnSpc>
+              <a:spcBef>
+                <a:spcPts val="500"/>
+              </a:spcBef>
+              <a:buFont typeface="Arial" panose="020B0604020202020204" pitchFamily="34" charset="0"/>
+              <a:buChar char="•"/>
+              <a:defRPr sz="1800" kern="1200">
+                <a:solidFill>
+                  <a:schemeClr val="tx1"/>
+                </a:solidFill>
+                <a:latin typeface="+mn-lt"/>
+                <a:ea typeface="+mn-ea"/>
+                <a:cs typeface="+mn-cs"/>
+              </a:defRPr>
+            </a:lvl9pPr>
+          </a:lstStyle>
+          <a:p>
+            <a:r>
+              <a:rPr lang="zh-CN" altLang="en-US" sz="1600" b="1" dirty="0" smtClean="0">
+                <a:latin typeface="+mn-ea"/>
+              </a:rPr>
+              <a:t>冗余索引</a:t>
+            </a:r>
+            <a:endParaRPr lang="en-US" altLang="zh-CN" sz="1600" b="1" dirty="0" smtClean="0">
+              <a:latin typeface="+mn-ea"/>
+            </a:endParaRPr>
+          </a:p>
+          <a:p>
+            <a:pPr lvl="1"/>
+            <a:r>
+              <a:rPr lang="zh-CN" altLang="en-US" sz="1600" dirty="0" smtClean="0">
+                <a:latin typeface="+mn-ea"/>
+              </a:rPr>
+              <a:t>如果创建了索引</a:t>
+            </a:r>
+            <a:r>
+              <a:rPr lang="en-US" altLang="zh-CN" sz="1600" dirty="0" smtClean="0">
+                <a:latin typeface="+mn-ea"/>
+              </a:rPr>
+              <a:t>(A,B),</a:t>
+            </a:r>
+            <a:r>
+              <a:rPr lang="zh-CN" altLang="en-US" sz="1600" dirty="0" smtClean="0">
+                <a:latin typeface="+mn-ea"/>
+              </a:rPr>
+              <a:t>再创建索引</a:t>
+            </a:r>
+            <a:r>
+              <a:rPr lang="en-US" altLang="zh-CN" sz="1600" dirty="0" smtClean="0">
+                <a:latin typeface="+mn-ea"/>
+              </a:rPr>
+              <a:t>(A)</a:t>
+            </a:r>
+            <a:r>
+              <a:rPr lang="zh-CN" altLang="en-US" sz="1600" dirty="0" smtClean="0">
+                <a:latin typeface="+mn-ea"/>
+              </a:rPr>
+              <a:t>就是冗余索引，因为这只是前一个索引的前缀索引。</a:t>
+            </a:r>
+            <a:endParaRPr lang="en-US" altLang="zh-CN" sz="1600" dirty="0" smtClean="0">
+              <a:latin typeface="+mn-ea"/>
+            </a:endParaRPr>
+          </a:p>
+          <a:p>
+            <a:pPr lvl="1"/>
+            <a:r>
+              <a:rPr lang="zh-CN" altLang="en-US" sz="1600" dirty="0" smtClean="0">
+                <a:latin typeface="+mn-ea"/>
+              </a:rPr>
+              <a:t>例如：有人可能会增加一个新的索引</a:t>
+            </a:r>
+            <a:r>
+              <a:rPr lang="en-US" altLang="zh-CN" sz="1600" dirty="0" smtClean="0">
+                <a:latin typeface="+mn-ea"/>
+              </a:rPr>
+              <a:t>(A</a:t>
+            </a:r>
+            <a:r>
+              <a:rPr lang="zh-CN" altLang="en-US" sz="1600" dirty="0" smtClean="0">
+                <a:latin typeface="+mn-ea"/>
+              </a:rPr>
+              <a:t>，</a:t>
+            </a:r>
+            <a:r>
+              <a:rPr lang="en-US" altLang="zh-CN" sz="1600" dirty="0" smtClean="0">
+                <a:latin typeface="+mn-ea"/>
+              </a:rPr>
+              <a:t>B)</a:t>
+            </a:r>
+            <a:r>
+              <a:rPr lang="zh-CN" altLang="en-US" sz="1600" dirty="0" smtClean="0">
+                <a:latin typeface="+mn-ea"/>
+              </a:rPr>
+              <a:t>而不是扩展已有的索引</a:t>
+            </a:r>
+            <a:r>
+              <a:rPr lang="en-US" altLang="zh-CN" sz="1600" dirty="0" smtClean="0">
+                <a:latin typeface="+mn-ea"/>
+              </a:rPr>
+              <a:t>(A)</a:t>
+            </a:r>
+            <a:r>
+              <a:rPr lang="zh-CN" altLang="en-US" sz="1600" dirty="0" smtClean="0">
+                <a:latin typeface="+mn-ea"/>
+              </a:rPr>
+              <a:t>。</a:t>
+            </a:r>
+            <a:endParaRPr lang="en-US" altLang="zh-CN" sz="1600" dirty="0" smtClean="0">
+              <a:latin typeface="+mn-ea"/>
+            </a:endParaRPr>
+          </a:p>
+          <a:p>
+            <a:pPr lvl="1"/>
+            <a:r>
+              <a:rPr lang="zh-CN" altLang="en-US" sz="1600" dirty="0" smtClean="0">
+                <a:latin typeface="+mn-ea"/>
+              </a:rPr>
+              <a:t>例如：还有一种情况是将一个索引扩展为</a:t>
+            </a:r>
+            <a:r>
+              <a:rPr lang="en-US" altLang="zh-CN" sz="1600" dirty="0" smtClean="0">
+                <a:latin typeface="+mn-ea"/>
+              </a:rPr>
+              <a:t>(A,ID),</a:t>
+            </a:r>
+            <a:r>
+              <a:rPr lang="zh-CN" altLang="en-US" sz="1600" dirty="0" smtClean="0">
+                <a:latin typeface="+mn-ea"/>
+              </a:rPr>
+              <a:t>其中</a:t>
+            </a:r>
+            <a:r>
+              <a:rPr lang="en-US" altLang="zh-CN" sz="1600" dirty="0" smtClean="0">
+                <a:latin typeface="+mn-ea"/>
+              </a:rPr>
+              <a:t>ID</a:t>
+            </a:r>
+            <a:r>
+              <a:rPr lang="zh-CN" altLang="en-US" sz="1600" dirty="0" smtClean="0">
+                <a:latin typeface="+mn-ea"/>
+              </a:rPr>
+              <a:t>是主键，对于</a:t>
+            </a:r>
+            <a:r>
+              <a:rPr lang="en-US" altLang="zh-CN" sz="1600" dirty="0" err="1" smtClean="0">
+                <a:latin typeface="+mn-ea"/>
+              </a:rPr>
+              <a:t>InnoDB</a:t>
+            </a:r>
+            <a:r>
+              <a:rPr lang="zh-CN" altLang="en-US" sz="1600" dirty="0" smtClean="0">
+                <a:latin typeface="+mn-ea"/>
+              </a:rPr>
+              <a:t>来说主键已经包含在二级索引中了，所以这也是冗余的。</a:t>
+            </a:r>
+            <a:endParaRPr lang="en-US" altLang="zh-CN" sz="1600" dirty="0" smtClean="0">
+              <a:latin typeface="+mn-ea"/>
+            </a:endParaRPr>
+          </a:p>
+          <a:p>
+            <a:pPr marL="285750" lvl="1" indent="-285750"/>
+            <a:r>
+              <a:rPr lang="zh-CN" altLang="en-US" sz="1600" b="1" dirty="0" smtClean="0">
+                <a:latin typeface="+mn-ea"/>
+              </a:rPr>
+              <a:t>重复索引</a:t>
+            </a:r>
+            <a:endParaRPr lang="en-US" altLang="zh-CN" sz="1600" b="1" dirty="0" smtClean="0">
+              <a:latin typeface="+mn-ea"/>
+            </a:endParaRPr>
+          </a:p>
+          <a:p>
+            <a:pPr lvl="1"/>
+            <a:r>
+              <a:rPr lang="zh-CN" altLang="en-US" sz="1600" dirty="0" smtClean="0">
+                <a:latin typeface="+mn-ea"/>
+              </a:rPr>
+              <a:t>例如如下代码：</a:t>
+            </a:r>
+            <a:r>
+              <a:rPr lang="en-US" altLang="zh-CN" sz="1600" dirty="0" smtClean="0">
+                <a:latin typeface="+mn-ea"/>
+              </a:rPr>
+              <a:t>CREATE TABLE test (ID INT NOT NULL PRIMARY KEY, A INT NOT NULL,B INT NOT NULL,UNIQUE(ID),INDEX(ID)) ENGINE = </a:t>
+            </a:r>
+            <a:r>
+              <a:rPr lang="en-US" altLang="zh-CN" sz="1600" dirty="0" err="1" smtClean="0">
+                <a:latin typeface="+mn-ea"/>
+              </a:rPr>
+              <a:t>InnoDB</a:t>
+            </a:r>
+            <a:r>
+              <a:rPr lang="zh-CN" altLang="en-US" sz="1600" dirty="0" smtClean="0">
+                <a:latin typeface="+mn-ea"/>
+              </a:rPr>
+              <a:t>创建三个相同的索引</a:t>
+            </a:r>
+            <a:endParaRPr lang="en-US" altLang="zh-CN" sz="1600" dirty="0" smtClean="0">
+              <a:latin typeface="+mn-ea"/>
+            </a:endParaRPr>
+          </a:p>
+          <a:p>
+            <a:pPr lvl="1"/>
+            <a:r>
+              <a:rPr lang="zh-CN" altLang="en-US" sz="1600" dirty="0" smtClean="0">
+                <a:latin typeface="+mn-ea"/>
+              </a:rPr>
+              <a:t>通常并没有理由这样做，除非是在同一列上创建不同类型的索引来满足不同的查询需求。</a:t>
+            </a:r>
+            <a:endParaRPr lang="en-US" altLang="zh-CN" sz="1600" dirty="0" smtClean="0">
+              <a:latin typeface="+mn-ea"/>
+            </a:endParaRPr>
+          </a:p>
+          <a:p>
+            <a:r>
+              <a:rPr lang="zh-CN" altLang="en-US" sz="1600" b="1" dirty="0" smtClean="0">
+                <a:latin typeface="+mn-ea"/>
+              </a:rPr>
+              <a:t>未使用的索引</a:t>
+            </a:r>
+            <a:endParaRPr lang="en-US" altLang="zh-CN" sz="1600" b="1" dirty="0" smtClean="0">
+              <a:latin typeface="+mn-ea"/>
+            </a:endParaRPr>
+          </a:p>
+          <a:p>
+            <a:pPr lvl="1"/>
+            <a:r>
+              <a:rPr lang="zh-CN" altLang="en-US" sz="1600" dirty="0" smtClean="0">
+                <a:latin typeface="+mn-ea"/>
+              </a:rPr>
+              <a:t>对于服务器上一些永远不用的索引，完全是累赘，建议考虑删除。</a:t>
+            </a:r>
+            <a:endParaRPr lang="en-US" altLang="zh-CN" sz="1600" dirty="0">
+              <a:latin typeface="+mn-ea"/>
+            </a:endParaRPr>
+          </a:p>
+        </p:txBody>
+      </p:sp>
+    </p:spTree>
+    <p:extLst>
+      <p:ext uri="{BB962C8B-B14F-4D97-AF65-F5344CB8AC3E}">
+        <p14:creationId xmlns:p14="http://schemas.microsoft.com/office/powerpoint/2010/main" val="562850250"/>
+      </p:ext>
+    </p:extLst>
+  </p:cSld>
+  <p:clrMapOvr>
+    <a:masterClrMapping/>
+  </p:clrMapOvr>
+  <p:timing>
+    <p:tnLst>
+      <p:par>
+        <p:cTn id="1" dur="indefinite" restart="never" nodeType="tmRoot"/>
+      </p:par>
+    </p:tnLst>
+  </p:timing>
+</p:sld>
+</file>
+
+<file path=ppt/slides/slide14.xml><?xml version="1.0" encoding="utf-8"?>
+<p:sld xmlns:a="http://schemas.openxmlformats.org/drawingml/2006/main" xmlns:r="http://schemas.openxmlformats.org/officeDocument/2006/relationships" xmlns:p="http://schemas.openxmlformats.org/presentationml/2006/main">
+  <p:cSld>
+    <p:spTree>
+      <p:nvGrpSpPr>
+        <p:cNvPr id="1" name=""/>
+        <p:cNvGrpSpPr/>
+        <p:nvPr/>
+      </p:nvGrpSpPr>
+      <p:grpSpPr>
+        <a:xfrm>
+          <a:off x="0" y="0"/>
+          <a:ext cx="0" cy="0"/>
+          <a:chOff x="0" y="0"/>
+          <a:chExt cx="0" cy="0"/>
+        </a:xfrm>
+      </p:grpSpPr>
+      <p:sp>
+        <p:nvSpPr>
+          <p:cNvPr id="2" name="文本框 1"/>
+          <p:cNvSpPr txBox="1"/>
+          <p:nvPr/>
+        </p:nvSpPr>
+        <p:spPr>
+          <a:xfrm flipH="1">
+            <a:off x="249160" y="177836"/>
+            <a:ext cx="6492298" cy="584775"/>
+          </a:xfrm>
+          <a:prstGeom prst="rect">
+            <a:avLst/>
+          </a:prstGeom>
+          <a:noFill/>
+        </p:spPr>
+        <p:txBody>
+          <a:bodyPr wrap="square" rtlCol="0">
+            <a:spAutoFit/>
+          </a:bodyPr>
+          <a:lstStyle/>
+          <a:p>
+            <a:r>
+              <a:rPr lang="zh-CN" altLang="en-US" sz="3200" b="1" dirty="0" smtClean="0">
+                <a:solidFill>
+                  <a:srgbClr val="52C018"/>
+                </a:solidFill>
+                <a:latin typeface="+mn-ea"/>
+              </a:rPr>
+              <a:t>索引应用</a:t>
+            </a:r>
+            <a:endParaRPr lang="zh-CN" altLang="en-US" sz="3200" b="1" dirty="0">
+              <a:solidFill>
+                <a:srgbClr val="52C018"/>
+              </a:solidFill>
+              <a:latin typeface="+mn-ea"/>
+            </a:endParaRPr>
+          </a:p>
+        </p:txBody>
+      </p:sp>
+      <p:sp>
+        <p:nvSpPr>
+          <p:cNvPr id="4" name="内容占位符 2"/>
+          <p:cNvSpPr txBox="1">
+            <a:spLocks/>
+          </p:cNvSpPr>
+          <p:nvPr/>
+        </p:nvSpPr>
+        <p:spPr>
+          <a:xfrm>
+            <a:off x="528684" y="1333662"/>
+            <a:ext cx="10547878" cy="5115264"/>
+          </a:xfrm>
+          <a:prstGeom prst="rect">
+            <a:avLst/>
+          </a:prstGeom>
+        </p:spPr>
+        <p:txBody>
+          <a:bodyPr/>
+          <a:lstStyle>
+            <a:lvl1pPr marL="228600" indent="-228600" algn="l" defTabSz="914400" rtl="0" eaLnBrk="1" latinLnBrk="0" hangingPunct="1">
+              <a:lnSpc>
+                <a:spcPct val="90000"/>
+              </a:lnSpc>
+              <a:spcBef>
+                <a:spcPts val="1000"/>
+              </a:spcBef>
+              <a:buFont typeface="Arial" panose="020B0604020202020204" pitchFamily="34" charset="0"/>
+              <a:buChar char="•"/>
+              <a:defRPr sz="2800" kern="1200">
+                <a:solidFill>
+                  <a:schemeClr val="tx1"/>
+                </a:solidFill>
+                <a:latin typeface="+mn-lt"/>
+                <a:ea typeface="+mn-ea"/>
+                <a:cs typeface="+mn-cs"/>
+              </a:defRPr>
+            </a:lvl1pPr>
+            <a:lvl2pPr marL="685800" indent="-228600" algn="l" defTabSz="914400" rtl="0" eaLnBrk="1" latinLnBrk="0" hangingPunct="1">
+              <a:lnSpc>
+                <a:spcPct val="90000"/>
+              </a:lnSpc>
+              <a:spcBef>
+                <a:spcPts val="500"/>
+              </a:spcBef>
+              <a:buFont typeface="Arial" panose="020B0604020202020204" pitchFamily="34" charset="0"/>
+              <a:buChar char="•"/>
+              <a:defRPr sz="2400" kern="1200">
+                <a:solidFill>
+                  <a:schemeClr val="tx1"/>
+                </a:solidFill>
+                <a:latin typeface="+mn-lt"/>
+                <a:ea typeface="+mn-ea"/>
+                <a:cs typeface="+mn-cs"/>
+              </a:defRPr>
+            </a:lvl2pPr>
+            <a:lvl3pPr marL="1143000" indent="-228600" algn="l" defTabSz="914400" rtl="0" eaLnBrk="1" latinLnBrk="0" hangingPunct="1">
+              <a:lnSpc>
+                <a:spcPct val="90000"/>
+              </a:lnSpc>
+              <a:spcBef>
+                <a:spcPts val="500"/>
+              </a:spcBef>
+              <a:buFont typeface="Arial" panose="020B0604020202020204" pitchFamily="34" charset="0"/>
+              <a:buChar char="•"/>
+              <a:defRPr sz="2000" kern="1200">
+                <a:solidFill>
+                  <a:schemeClr val="tx1"/>
+                </a:solidFill>
+                <a:latin typeface="+mn-lt"/>
+                <a:ea typeface="+mn-ea"/>
+                <a:cs typeface="+mn-cs"/>
+              </a:defRPr>
+            </a:lvl3pPr>
+            <a:lvl4pPr marL="1600200" indent="-228600" algn="l" defTabSz="914400" rtl="0" eaLnBrk="1" latinLnBrk="0" hangingPunct="1">
+              <a:lnSpc>
+                <a:spcPct val="90000"/>
+              </a:lnSpc>
+              <a:spcBef>
+                <a:spcPts val="500"/>
+              </a:spcBef>
+              <a:buFont typeface="Arial" panose="020B0604020202020204" pitchFamily="34" charset="0"/>
+              <a:buChar char="•"/>
+              <a:defRPr sz="1800" kern="1200">
+                <a:solidFill>
+                  <a:schemeClr val="tx1"/>
+                </a:solidFill>
+                <a:latin typeface="+mn-lt"/>
+                <a:ea typeface="+mn-ea"/>
+                <a:cs typeface="+mn-cs"/>
+              </a:defRPr>
+            </a:lvl4pPr>
+            <a:lvl5pPr marL="2057400" indent="-228600" algn="l" defTabSz="914400" rtl="0" eaLnBrk="1" latinLnBrk="0" hangingPunct="1">
+              <a:lnSpc>
+                <a:spcPct val="90000"/>
+              </a:lnSpc>
+              <a:spcBef>
+                <a:spcPts val="500"/>
+              </a:spcBef>
+              <a:buFont typeface="Arial" panose="020B0604020202020204" pitchFamily="34" charset="0"/>
+              <a:buChar char="•"/>
+              <a:defRPr sz="1800" kern="1200">
+                <a:solidFill>
+                  <a:schemeClr val="tx1"/>
+                </a:solidFill>
+                <a:latin typeface="+mn-lt"/>
+                <a:ea typeface="+mn-ea"/>
+                <a:cs typeface="+mn-cs"/>
+              </a:defRPr>
+            </a:lvl5pPr>
+            <a:lvl6pPr marL="2514600" indent="-228600" algn="l" defTabSz="914400" rtl="0" eaLnBrk="1" latinLnBrk="0" hangingPunct="1">
+              <a:lnSpc>
+                <a:spcPct val="90000"/>
+              </a:lnSpc>
+              <a:spcBef>
+                <a:spcPts val="500"/>
+              </a:spcBef>
+              <a:buFont typeface="Arial" panose="020B0604020202020204" pitchFamily="34" charset="0"/>
+              <a:buChar char="•"/>
+              <a:defRPr sz="1800" kern="1200">
+                <a:solidFill>
+                  <a:schemeClr val="tx1"/>
+                </a:solidFill>
+                <a:latin typeface="+mn-lt"/>
+                <a:ea typeface="+mn-ea"/>
+                <a:cs typeface="+mn-cs"/>
+              </a:defRPr>
+            </a:lvl6pPr>
+            <a:lvl7pPr marL="2971800" indent="-228600" algn="l" defTabSz="914400" rtl="0" eaLnBrk="1" latinLnBrk="0" hangingPunct="1">
+              <a:lnSpc>
+                <a:spcPct val="90000"/>
+              </a:lnSpc>
+              <a:spcBef>
+                <a:spcPts val="500"/>
+              </a:spcBef>
+              <a:buFont typeface="Arial" panose="020B0604020202020204" pitchFamily="34" charset="0"/>
+              <a:buChar char="•"/>
+              <a:defRPr sz="1800" kern="1200">
+                <a:solidFill>
+                  <a:schemeClr val="tx1"/>
+                </a:solidFill>
+                <a:latin typeface="+mn-lt"/>
+                <a:ea typeface="+mn-ea"/>
+                <a:cs typeface="+mn-cs"/>
+              </a:defRPr>
+            </a:lvl7pPr>
+            <a:lvl8pPr marL="3429000" indent="-228600" algn="l" defTabSz="914400" rtl="0" eaLnBrk="1" latinLnBrk="0" hangingPunct="1">
+              <a:lnSpc>
+                <a:spcPct val="90000"/>
+              </a:lnSpc>
+              <a:spcBef>
+                <a:spcPts val="500"/>
+              </a:spcBef>
+              <a:buFont typeface="Arial" panose="020B0604020202020204" pitchFamily="34" charset="0"/>
+              <a:buChar char="•"/>
+              <a:defRPr sz="1800" kern="1200">
+                <a:solidFill>
+                  <a:schemeClr val="tx1"/>
+                </a:solidFill>
+                <a:latin typeface="+mn-lt"/>
+                <a:ea typeface="+mn-ea"/>
+                <a:cs typeface="+mn-cs"/>
+              </a:defRPr>
+            </a:lvl8pPr>
+            <a:lvl9pPr marL="3886200" indent="-228600" algn="l" defTabSz="914400" rtl="0" eaLnBrk="1" latinLnBrk="0" hangingPunct="1">
+              <a:lnSpc>
+                <a:spcPct val="90000"/>
+              </a:lnSpc>
+              <a:spcBef>
+                <a:spcPts val="500"/>
+              </a:spcBef>
+              <a:buFont typeface="Arial" panose="020B0604020202020204" pitchFamily="34" charset="0"/>
+              <a:buChar char="•"/>
+              <a:defRPr sz="1800" kern="1200">
+                <a:solidFill>
+                  <a:schemeClr val="tx1"/>
+                </a:solidFill>
+                <a:latin typeface="+mn-lt"/>
+                <a:ea typeface="+mn-ea"/>
+                <a:cs typeface="+mn-cs"/>
+              </a:defRPr>
+            </a:lvl9pPr>
+          </a:lstStyle>
+          <a:p>
+            <a:r>
+              <a:rPr lang="zh-CN" altLang="en-US" sz="1600" b="1" dirty="0" smtClean="0">
+                <a:latin typeface="+mn-ea"/>
+              </a:rPr>
+              <a:t>过滤条件</a:t>
+            </a:r>
+            <a:endParaRPr lang="en-US" altLang="zh-CN" sz="1600" b="1" dirty="0" smtClean="0">
+              <a:latin typeface="+mn-ea"/>
+            </a:endParaRPr>
+          </a:p>
+          <a:p>
+            <a:pPr lvl="1"/>
+            <a:r>
+              <a:rPr lang="zh-CN" altLang="en-US" sz="1600" dirty="0" smtClean="0">
+                <a:latin typeface="+mn-ea"/>
+              </a:rPr>
+              <a:t>可以通过使用</a:t>
+            </a:r>
+            <a:r>
+              <a:rPr lang="en-US" altLang="zh-CN" sz="1600" dirty="0" smtClean="0">
+                <a:latin typeface="+mn-ea"/>
+              </a:rPr>
+              <a:t>IN</a:t>
+            </a:r>
+            <a:r>
+              <a:rPr lang="zh-CN" altLang="en-US" sz="1600" dirty="0" smtClean="0">
+                <a:latin typeface="+mn-ea"/>
+              </a:rPr>
+              <a:t>语句让</a:t>
+            </a:r>
+            <a:r>
+              <a:rPr lang="en-US" altLang="zh-CN" sz="1600" dirty="0" smtClean="0">
+                <a:latin typeface="+mn-ea"/>
+              </a:rPr>
+              <a:t>MySQL</a:t>
+            </a:r>
+            <a:r>
+              <a:rPr lang="zh-CN" altLang="en-US" sz="1600" dirty="0" smtClean="0">
+                <a:latin typeface="+mn-ea"/>
+              </a:rPr>
+              <a:t>使用索引，避免使用范围查询导致</a:t>
+            </a:r>
+            <a:r>
+              <a:rPr lang="en-US" altLang="zh-CN" sz="1600" dirty="0" smtClean="0">
+                <a:latin typeface="+mn-ea"/>
+              </a:rPr>
+              <a:t>SQL</a:t>
+            </a:r>
+            <a:r>
+              <a:rPr lang="zh-CN" altLang="en-US" sz="1600" dirty="0" smtClean="0">
+                <a:latin typeface="+mn-ea"/>
+              </a:rPr>
+              <a:t>语句无法使用索引。</a:t>
+            </a:r>
+            <a:endParaRPr lang="en-US" altLang="zh-CN" sz="1600" dirty="0" smtClean="0">
+              <a:latin typeface="+mn-ea"/>
+            </a:endParaRPr>
+          </a:p>
+          <a:p>
+            <a:pPr lvl="1"/>
+            <a:r>
+              <a:rPr lang="zh-CN" altLang="en-US" sz="1600" dirty="0" smtClean="0">
+                <a:latin typeface="+mn-ea"/>
+              </a:rPr>
+              <a:t>在有更多不同值的列上创建索引的选择性会更好。一般来说这样做都是对的，因为可以让</a:t>
+            </a:r>
+            <a:r>
+              <a:rPr lang="en-US" altLang="zh-CN" sz="1600" dirty="0" smtClean="0">
+                <a:latin typeface="+mn-ea"/>
+              </a:rPr>
+              <a:t>MySQL</a:t>
+            </a:r>
+            <a:r>
+              <a:rPr lang="zh-CN" altLang="en-US" sz="1600" dirty="0" smtClean="0">
+                <a:latin typeface="+mn-ea"/>
+              </a:rPr>
+              <a:t>更有效的过滤掉不需要的行。</a:t>
+            </a:r>
+            <a:endParaRPr lang="en-US" altLang="zh-CN" sz="1600" dirty="0" smtClean="0">
+              <a:latin typeface="+mn-ea"/>
+            </a:endParaRPr>
+          </a:p>
+          <a:p>
+            <a:pPr lvl="1"/>
+            <a:r>
+              <a:rPr lang="zh-CN" altLang="en-US" sz="1600" dirty="0" smtClean="0">
+                <a:latin typeface="+mn-ea"/>
+              </a:rPr>
+              <a:t>尽可能将需要做范围查询的列放到索引的后面，以便优化器能使用尽可能多的索引列。</a:t>
+            </a:r>
+            <a:endParaRPr lang="en-US" altLang="zh-CN" sz="1600" dirty="0" smtClean="0">
+              <a:latin typeface="+mn-ea"/>
+            </a:endParaRPr>
+          </a:p>
+          <a:p>
+            <a:pPr lvl="1"/>
+            <a:r>
+              <a:rPr lang="zh-CN" altLang="en-US" sz="1600" dirty="0" smtClean="0">
+                <a:latin typeface="+mn-ea"/>
+              </a:rPr>
+              <a:t>考虑表上的所有选项。当设计索引时，不要只为现有的查询考虑需要哪些索引，还需要考虑对查询进行优化。</a:t>
+            </a:r>
+            <a:endParaRPr lang="en-US" altLang="zh-CN" sz="1600" dirty="0" smtClean="0">
+              <a:latin typeface="+mn-ea"/>
+            </a:endParaRPr>
+          </a:p>
+          <a:p>
+            <a:pPr marL="285750" lvl="1" indent="-285750"/>
+            <a:r>
+              <a:rPr lang="zh-CN" altLang="en-US" sz="1600" b="1" dirty="0" smtClean="0">
+                <a:latin typeface="+mn-ea"/>
+              </a:rPr>
+              <a:t>避免多个范围条件</a:t>
+            </a:r>
+            <a:endParaRPr lang="en-US" altLang="zh-CN" sz="1600" b="1" dirty="0" smtClean="0">
+              <a:latin typeface="+mn-ea"/>
+            </a:endParaRPr>
+          </a:p>
+          <a:p>
+            <a:pPr lvl="1"/>
+            <a:r>
+              <a:rPr lang="zh-CN" altLang="en-US" sz="1600" dirty="0" smtClean="0">
+                <a:latin typeface="+mn-ea"/>
+              </a:rPr>
+              <a:t>多个范围查找只能使用其中一个索引，无法同时使用</a:t>
+            </a:r>
+            <a:endParaRPr lang="en-US" altLang="zh-CN" sz="1600" dirty="0" smtClean="0">
+              <a:latin typeface="+mn-ea"/>
+            </a:endParaRPr>
+          </a:p>
+          <a:p>
+            <a:pPr lvl="1"/>
+            <a:r>
+              <a:rPr lang="en-US" altLang="zh-CN" sz="1600" dirty="0" smtClean="0">
+                <a:latin typeface="+mn-ea"/>
+              </a:rPr>
+              <a:t>MySQL</a:t>
+            </a:r>
+            <a:r>
+              <a:rPr lang="zh-CN" altLang="en-US" sz="1600" dirty="0" smtClean="0">
+                <a:latin typeface="+mn-ea"/>
+              </a:rPr>
+              <a:t>无法再使用范围列后面的其他索引列了，但是对于</a:t>
+            </a:r>
+            <a:r>
+              <a:rPr lang="en-US" altLang="zh-CN" sz="1600" dirty="0" smtClean="0">
+                <a:latin typeface="+mn-ea"/>
+              </a:rPr>
+              <a:t>"</a:t>
+            </a:r>
+            <a:r>
+              <a:rPr lang="zh-CN" altLang="en-US" sz="1600" dirty="0" smtClean="0">
+                <a:latin typeface="+mn-ea"/>
+              </a:rPr>
+              <a:t>多个等值条件查询</a:t>
+            </a:r>
+            <a:r>
+              <a:rPr lang="en-US" altLang="zh-CN" sz="1600" dirty="0" smtClean="0">
+                <a:latin typeface="+mn-ea"/>
+              </a:rPr>
+              <a:t>"</a:t>
+            </a:r>
+            <a:r>
+              <a:rPr lang="zh-CN" altLang="en-US" sz="1600" dirty="0" smtClean="0">
+                <a:latin typeface="+mn-ea"/>
+              </a:rPr>
+              <a:t>则没有这个限制。</a:t>
+            </a:r>
+            <a:endParaRPr lang="en-US" altLang="zh-CN" sz="1600" dirty="0" smtClean="0">
+              <a:latin typeface="+mn-ea"/>
+            </a:endParaRPr>
+          </a:p>
+          <a:p>
+            <a:r>
+              <a:rPr lang="zh-CN" altLang="en-US" sz="1600" b="1" dirty="0" smtClean="0">
+                <a:latin typeface="+mn-ea"/>
+              </a:rPr>
+              <a:t>优化排序</a:t>
+            </a:r>
+            <a:endParaRPr lang="en-US" altLang="zh-CN" sz="1600" b="1" dirty="0" smtClean="0">
+              <a:latin typeface="+mn-ea"/>
+            </a:endParaRPr>
+          </a:p>
+          <a:p>
+            <a:pPr lvl="1"/>
+            <a:r>
+              <a:rPr lang="zh-CN" altLang="en-US" sz="1600" dirty="0" smtClean="0">
+                <a:latin typeface="+mn-ea"/>
+              </a:rPr>
+              <a:t>对于那些选择性非常低的列，可以增加一些特殊的索引</a:t>
+            </a:r>
+            <a:r>
+              <a:rPr lang="zh-CN" altLang="en-US" sz="1600" dirty="0" smtClean="0">
+                <a:latin typeface="+mn-ea"/>
+              </a:rPr>
+              <a:t>来排序</a:t>
+            </a:r>
+            <a:r>
+              <a:rPr lang="zh-CN" altLang="en-US" sz="1600" dirty="0" smtClean="0">
+                <a:latin typeface="+mn-ea"/>
+              </a:rPr>
+              <a:t>。</a:t>
+            </a:r>
+            <a:endParaRPr lang="en-US" altLang="zh-CN" sz="1600" dirty="0" smtClean="0">
+              <a:latin typeface="+mn-ea"/>
+            </a:endParaRPr>
+          </a:p>
+          <a:p>
+            <a:r>
+              <a:rPr lang="zh-CN" altLang="en-US" sz="1600" b="1" dirty="0" smtClean="0">
+                <a:latin typeface="+mn-ea"/>
+              </a:rPr>
+              <a:t>延迟关联</a:t>
+            </a:r>
+            <a:endParaRPr lang="en-US" altLang="zh-CN" sz="1600" dirty="0" smtClean="0">
+              <a:latin typeface="+mn-ea"/>
+            </a:endParaRPr>
+          </a:p>
+          <a:p>
+            <a:pPr lvl="1"/>
+            <a:r>
+              <a:rPr lang="zh-CN" altLang="en-US" sz="1600" dirty="0" smtClean="0">
+                <a:latin typeface="+mn-ea"/>
+              </a:rPr>
+              <a:t>优化索引另一个比较好的策略是使用延迟关联，通过使用覆盖索引查询返回需要的主键，再根据这些主键关联原表获得需要的行。这可以减少</a:t>
+            </a:r>
+            <a:r>
+              <a:rPr lang="en-US" altLang="zh-CN" sz="1600" dirty="0" smtClean="0">
+                <a:latin typeface="+mn-ea"/>
+              </a:rPr>
+              <a:t>MySQL</a:t>
+            </a:r>
+            <a:r>
+              <a:rPr lang="zh-CN" altLang="en-US" sz="1600" dirty="0" smtClean="0">
+                <a:latin typeface="+mn-ea"/>
+              </a:rPr>
+              <a:t>扫描那些需要丢弃的行数。</a:t>
+            </a:r>
+            <a:endParaRPr lang="en-US" altLang="zh-CN" sz="1600" dirty="0">
+              <a:latin typeface="+mn-ea"/>
+            </a:endParaRPr>
+          </a:p>
+        </p:txBody>
+      </p:sp>
+    </p:spTree>
+    <p:extLst>
+      <p:ext uri="{BB962C8B-B14F-4D97-AF65-F5344CB8AC3E}">
+        <p14:creationId xmlns:p14="http://schemas.microsoft.com/office/powerpoint/2010/main" val="3053393940"/>
+      </p:ext>
+    </p:extLst>
+  </p:cSld>
+  <p:clrMapOvr>
+    <a:masterClrMapping/>
+  </p:clrMapOvr>
+  <p:timing>
+    <p:tnLst>
+      <p:par>
+        <p:cTn id="1" dur="indefinite" restart="never" nodeType="tmRoot"/>
+      </p:par>
+    </p:tnLst>
+  </p:timing>
+</p:sld>
+</file>
+
+<file path=ppt/slides/slide15.xml><?xml version="1.0" encoding="utf-8"?>
+<p:sld xmlns:a="http://schemas.openxmlformats.org/drawingml/2006/main" xmlns:r="http://schemas.openxmlformats.org/officeDocument/2006/relationships" xmlns:p="http://schemas.openxmlformats.org/presentationml/2006/main">
+  <p:cSld>
+    <p:spTree>
+      <p:nvGrpSpPr>
+        <p:cNvPr id="1" name=""/>
+        <p:cNvGrpSpPr/>
+        <p:nvPr/>
+      </p:nvGrpSpPr>
+      <p:grpSpPr>
+        <a:xfrm>
+          <a:off x="0" y="0"/>
+          <a:ext cx="0" cy="0"/>
+          <a:chOff x="0" y="0"/>
+          <a:chExt cx="0" cy="0"/>
+        </a:xfrm>
+      </p:grpSpPr>
+      <p:sp>
+        <p:nvSpPr>
+          <p:cNvPr id="2" name="文本框 1"/>
+          <p:cNvSpPr txBox="1"/>
+          <p:nvPr/>
+        </p:nvSpPr>
+        <p:spPr>
+          <a:xfrm flipH="1">
+            <a:off x="249160" y="177836"/>
+            <a:ext cx="6492298" cy="584775"/>
+          </a:xfrm>
+          <a:prstGeom prst="rect">
+            <a:avLst/>
+          </a:prstGeom>
+          <a:noFill/>
+        </p:spPr>
+        <p:txBody>
+          <a:bodyPr wrap="square" rtlCol="0">
+            <a:spAutoFit/>
+          </a:bodyPr>
+          <a:lstStyle/>
+          <a:p>
+            <a:r>
+              <a:rPr lang="zh-CN" altLang="en-US" sz="3200" b="1" dirty="0" smtClean="0">
+                <a:solidFill>
+                  <a:srgbClr val="52C018"/>
+                </a:solidFill>
+                <a:latin typeface="+mn-ea"/>
+              </a:rPr>
+              <a:t>索引基础</a:t>
+            </a:r>
+            <a:endParaRPr lang="zh-CN" altLang="en-US" sz="3200" b="1" dirty="0">
+              <a:solidFill>
+                <a:srgbClr val="52C018"/>
+              </a:solidFill>
+              <a:latin typeface="+mn-ea"/>
+            </a:endParaRPr>
+          </a:p>
+        </p:txBody>
+      </p:sp>
       <p:graphicFrame>
         <p:nvGraphicFramePr>
-          <p:cNvPr id="4" name="内容占位符 4"/>
+          <p:cNvPr id="9" name="内容占位符 2"/>
           <p:cNvGraphicFramePr>
             <a:graphicFrameLocks/>
           </p:cNvGraphicFramePr>
           <p:nvPr>
-            <p:extLst>
-              <p:ext uri="{D42A27DB-BD31-4B8C-83A1-F6EECF244321}">
-                <p14:modId xmlns:p14="http://schemas.microsoft.com/office/powerpoint/2010/main" val="3873492404"/>
-              </p:ext>
-            </p:extLst>
+            <p:extLst/>
           </p:nvPr>
         </p:nvGraphicFramePr>
         <p:xfrm>
-          <a:off x="413542" y="1128358"/>
-          <a:ext cx="8655803" cy="4144033"/>
+          <a:off x="419542" y="1144397"/>
+          <a:ext cx="11137720" cy="5275257"/>
         </p:xfrm>
         <a:graphic>
           <a:graphicData uri="http://schemas.openxmlformats.org/drawingml/2006/diagram">
@@ -11907,7 +14333,112 @@
     </p:spTree>
     <p:extLst>
       <p:ext uri="{BB962C8B-B14F-4D97-AF65-F5344CB8AC3E}">
-        <p14:creationId xmlns:p14="http://schemas.microsoft.com/office/powerpoint/2010/main" val="1253081990"/>
+        <p14:creationId xmlns:p14="http://schemas.microsoft.com/office/powerpoint/2010/main" val="987098492"/>
+      </p:ext>
+    </p:extLst>
+  </p:cSld>
+  <p:clrMapOvr>
+    <a:masterClrMapping/>
+  </p:clrMapOvr>
+  <mc:AlternateContent xmlns:mc="http://schemas.openxmlformats.org/markup-compatibility/2006">
+    <mc:Choice xmlns:p14="http://schemas.microsoft.com/office/powerpoint/2010/main" Requires="p14">
+      <p:transition spd="slow" p14:dur="2000"/>
+    </mc:Choice>
+    <mc:Fallback>
+      <p:transition spd="slow"/>
+    </mc:Fallback>
+  </mc:AlternateContent>
+  <p:timing>
+    <p:tnLst>
+      <p:par>
+        <p:cTn id="1" dur="indefinite" restart="never" nodeType="tmRoot"/>
+      </p:par>
+    </p:tnLst>
+  </p:timing>
+</p:sld>
+</file>
+
+<file path=ppt/slides/slide16.xml><?xml version="1.0" encoding="utf-8"?>
+<p:sld xmlns:a="http://schemas.openxmlformats.org/drawingml/2006/main" xmlns:r="http://schemas.openxmlformats.org/officeDocument/2006/relationships" xmlns:p="http://schemas.openxmlformats.org/presentationml/2006/main">
+  <p:cSld>
+    <p:spTree>
+      <p:nvGrpSpPr>
+        <p:cNvPr id="1" name=""/>
+        <p:cNvGrpSpPr/>
+        <p:nvPr/>
+      </p:nvGrpSpPr>
+      <p:grpSpPr>
+        <a:xfrm>
+          <a:off x="0" y="0"/>
+          <a:ext cx="0" cy="0"/>
+          <a:chOff x="0" y="0"/>
+          <a:chExt cx="0" cy="0"/>
+        </a:xfrm>
+      </p:grpSpPr>
+      <p:sp>
+        <p:nvSpPr>
+          <p:cNvPr id="2" name="文本框 1"/>
+          <p:cNvSpPr txBox="1"/>
+          <p:nvPr/>
+        </p:nvSpPr>
+        <p:spPr>
+          <a:xfrm flipH="1">
+            <a:off x="249160" y="177836"/>
+            <a:ext cx="6492298" cy="584775"/>
+          </a:xfrm>
+          <a:prstGeom prst="rect">
+            <a:avLst/>
+          </a:prstGeom>
+          <a:noFill/>
+        </p:spPr>
+        <p:txBody>
+          <a:bodyPr wrap="square" rtlCol="0">
+            <a:spAutoFit/>
+          </a:bodyPr>
+          <a:lstStyle/>
+          <a:p>
+            <a:r>
+              <a:rPr lang="zh-CN" altLang="en-US" sz="3200" b="1" dirty="0" smtClean="0">
+                <a:solidFill>
+                  <a:srgbClr val="52C018"/>
+                </a:solidFill>
+                <a:latin typeface="+mn-ea"/>
+              </a:rPr>
+              <a:t>为什么要使用索引？</a:t>
+            </a:r>
+            <a:endParaRPr lang="zh-CN" altLang="en-US" sz="3200" b="1" dirty="0">
+              <a:solidFill>
+                <a:srgbClr val="52C018"/>
+              </a:solidFill>
+              <a:latin typeface="+mn-ea"/>
+            </a:endParaRPr>
+          </a:p>
+        </p:txBody>
+      </p:sp>
+      <p:graphicFrame>
+        <p:nvGraphicFramePr>
+          <p:cNvPr id="4" name="内容占位符 4"/>
+          <p:cNvGraphicFramePr>
+            <a:graphicFrameLocks/>
+          </p:cNvGraphicFramePr>
+          <p:nvPr>
+            <p:extLst/>
+          </p:nvPr>
+        </p:nvGraphicFramePr>
+        <p:xfrm>
+          <a:off x="413542" y="1128358"/>
+          <a:ext cx="11117523" cy="4144033"/>
+        </p:xfrm>
+        <a:graphic>
+          <a:graphicData uri="http://schemas.openxmlformats.org/drawingml/2006/diagram">
+            <dgm:relIds xmlns:dgm="http://schemas.openxmlformats.org/drawingml/2006/diagram" xmlns:r="http://schemas.openxmlformats.org/officeDocument/2006/relationships" r:dm="rId3" r:lo="rId4" r:qs="rId5" r:cs="rId6"/>
+          </a:graphicData>
+        </a:graphic>
+      </p:graphicFrame>
+    </p:spTree>
+    <p:extLst>
+      <p:ext uri="{BB962C8B-B14F-4D97-AF65-F5344CB8AC3E}">
+        <p14:creationId xmlns:p14="http://schemas.microsoft.com/office/powerpoint/2010/main" val="2784271394"/>
       </p:ext>
     </p:extLst>
   </p:cSld>
@@ -12150,7 +14681,7 @@
 </p:sld>
 </file>
 
-<file path=ppt/slides/slide11.xml><?xml version="1.0" encoding="utf-8"?>
+<file path=ppt/slides/slide17.xml><?xml version="1.0" encoding="utf-8"?>
 <p:sld xmlns:a="http://schemas.openxmlformats.org/drawingml/2006/main" xmlns:r="http://schemas.openxmlformats.org/officeDocument/2006/relationships" xmlns:p="http://schemas.openxmlformats.org/presentationml/2006/main">
   <p:cSld>
     <p:spTree>
@@ -12280,23 +14811,22 @@
           <a:p>
             <a:pPr algn="ctr"/>
             <a:r>
-              <a:rPr lang="zh-CN" altLang="en-US" sz="4000" b="1" dirty="0" smtClean="0">
+              <a:rPr lang="zh-CN" altLang="en-US" sz="4000" b="1" smtClean="0">
                 <a:solidFill>
                   <a:srgbClr val="FFFFFF"/>
                 </a:solidFill>
-                <a:latin typeface="+mn-ea"/>
+                <a:latin typeface="华文细黑" panose="02010600040101010101" pitchFamily="2" charset="-122"/>
+                <a:ea typeface="华文细黑" panose="02010600040101010101" pitchFamily="2" charset="-122"/>
               </a:rPr>
-              <a:t>索引</a:t>
-            </a:r>
-            <a:r>
-              <a:rPr lang="zh-CN" altLang="en-US" sz="4000" b="1" dirty="0">
-                <a:solidFill>
-                  <a:srgbClr val="FFFFFF"/>
-                </a:solidFill>
-                <a:latin typeface="+mn-ea"/>
-              </a:rPr>
-              <a:t>应用</a:t>
-            </a:r>
+              <a:t>索引优化</a:t>
+            </a:r>
+            <a:endParaRPr lang="zh-CN" altLang="en-US" sz="4000" b="1" dirty="0">
+              <a:solidFill>
+                <a:srgbClr val="FFFFFF"/>
+              </a:solidFill>
+              <a:latin typeface="华文细黑" panose="02010600040101010101" pitchFamily="2" charset="-122"/>
+              <a:ea typeface="华文细黑" panose="02010600040101010101" pitchFamily="2" charset="-122"/>
+            </a:endParaRPr>
           </a:p>
         </p:txBody>
       </p:sp>
@@ -13023,14 +15553,14 @@
           <a:lstStyle/>
           <a:p>
             <a:r>
-              <a:rPr lang="en-US" altLang="zh-CN" sz="4000" b="1" dirty="0" smtClean="0">
+              <a:rPr lang="en-US" altLang="zh-CN" sz="4000" b="1" smtClean="0">
                 <a:solidFill>
                   <a:srgbClr val="C2E49C"/>
                 </a:solidFill>
                 <a:latin typeface="微软雅黑" panose="020B0503020204020204" pitchFamily="34" charset="-122"/>
                 <a:ea typeface="微软雅黑" panose="020B0503020204020204" pitchFamily="34" charset="-122"/>
               </a:rPr>
-              <a:t>2</a:t>
+              <a:t>3</a:t>
             </a:r>
             <a:endParaRPr lang="zh-CN" altLang="en-US" sz="4000" b="1" dirty="0">
               <a:solidFill>
@@ -13055,3247 +15585,14 @@
   <p:clrMapOvr>
     <a:masterClrMapping/>
   </p:clrMapOvr>
-  <p:timing>
-    <p:tnLst>
-      <p:par>
-        <p:cTn id="1" dur="indefinite" restart="never" nodeType="tmRoot"/>
-      </p:par>
-    </p:tnLst>
-  </p:timing>
-</p:sld>
-</file>
-
-<file path=ppt/slides/slide12.xml><?xml version="1.0" encoding="utf-8"?>
-<p:sld xmlns:a="http://schemas.openxmlformats.org/drawingml/2006/main" xmlns:r="http://schemas.openxmlformats.org/officeDocument/2006/relationships" xmlns:p="http://schemas.openxmlformats.org/presentationml/2006/main">
-  <p:cSld>
-    <p:spTree>
-      <p:nvGrpSpPr>
-        <p:cNvPr id="1" name=""/>
-        <p:cNvGrpSpPr/>
-        <p:nvPr/>
-      </p:nvGrpSpPr>
-      <p:grpSpPr>
-        <a:xfrm>
-          <a:off x="0" y="0"/>
-          <a:ext cx="0" cy="0"/>
-          <a:chOff x="0" y="0"/>
-          <a:chExt cx="0" cy="0"/>
-        </a:xfrm>
-      </p:grpSpPr>
-      <p:sp>
-        <p:nvSpPr>
-          <p:cNvPr id="2" name="文本框 1"/>
-          <p:cNvSpPr txBox="1"/>
-          <p:nvPr/>
-        </p:nvSpPr>
-        <p:spPr>
-          <a:xfrm flipH="1">
-            <a:off x="249160" y="177836"/>
-            <a:ext cx="6492298" cy="584775"/>
-          </a:xfrm>
-          <a:prstGeom prst="rect">
-            <a:avLst/>
-          </a:prstGeom>
-          <a:noFill/>
-        </p:spPr>
-        <p:txBody>
-          <a:bodyPr wrap="square" rtlCol="0">
-            <a:spAutoFit/>
-          </a:bodyPr>
-          <a:lstStyle/>
-          <a:p>
-            <a:r>
-              <a:rPr lang="zh-CN" altLang="en-US" sz="3200" b="1" dirty="0" smtClean="0">
-                <a:solidFill>
-                  <a:srgbClr val="52C018"/>
-                </a:solidFill>
-                <a:latin typeface="+mn-ea"/>
-              </a:rPr>
-              <a:t>索引</a:t>
-            </a:r>
-            <a:r>
-              <a:rPr lang="zh-CN" altLang="en-US" sz="3200" b="1" dirty="0">
-                <a:solidFill>
-                  <a:srgbClr val="52C018"/>
-                </a:solidFill>
-                <a:latin typeface="+mn-ea"/>
-              </a:rPr>
-              <a:t>应用</a:t>
-            </a:r>
-          </a:p>
-        </p:txBody>
-      </p:sp>
-      <p:grpSp>
-        <p:nvGrpSpPr>
-          <p:cNvPr id="5" name="组合 4"/>
-          <p:cNvGrpSpPr/>
-          <p:nvPr/>
-        </p:nvGrpSpPr>
-        <p:grpSpPr>
-          <a:xfrm>
-            <a:off x="249160" y="1023865"/>
-            <a:ext cx="11322412" cy="548914"/>
-            <a:chOff x="0" y="0"/>
-            <a:chExt cx="8656876" cy="548914"/>
-          </a:xfrm>
-        </p:grpSpPr>
-        <p:sp>
-          <p:nvSpPr>
-            <p:cNvPr id="6" name="圆角矩形 5"/>
-            <p:cNvSpPr/>
-            <p:nvPr/>
-          </p:nvSpPr>
-          <p:spPr>
-            <a:xfrm>
-              <a:off x="0" y="0"/>
-              <a:ext cx="8656876" cy="548914"/>
-            </a:xfrm>
-            <a:prstGeom prst="roundRect">
-              <a:avLst/>
-            </a:prstGeom>
-            <a:solidFill>
-              <a:schemeClr val="accent6"/>
-            </a:solidFill>
-            <a:ln>
-              <a:noFill/>
-            </a:ln>
-          </p:spPr>
-          <p:style>
-            <a:lnRef idx="0">
-              <a:scrgbClr r="0" g="0" b="0"/>
-            </a:lnRef>
-            <a:fillRef idx="0">
-              <a:scrgbClr r="0" g="0" b="0"/>
-            </a:fillRef>
-            <a:effectRef idx="0">
-              <a:scrgbClr r="0" g="0" b="0"/>
-            </a:effectRef>
-            <a:fontRef idx="minor">
-              <a:schemeClr val="lt1"/>
-            </a:fontRef>
-          </p:style>
-        </p:sp>
-        <p:sp>
-          <p:nvSpPr>
-            <p:cNvPr id="7" name="圆角矩形 4"/>
-            <p:cNvSpPr txBox="1"/>
-            <p:nvPr/>
-          </p:nvSpPr>
-          <p:spPr>
-            <a:xfrm>
-              <a:off x="53592" y="26796"/>
-              <a:ext cx="8603284" cy="495322"/>
-            </a:xfrm>
-            <a:prstGeom prst="rect">
-              <a:avLst/>
-            </a:prstGeom>
-          </p:spPr>
-          <p:style>
-            <a:lnRef idx="0">
-              <a:scrgbClr r="0" g="0" b="0"/>
-            </a:lnRef>
-            <a:fillRef idx="0">
-              <a:scrgbClr r="0" g="0" b="0"/>
-            </a:fillRef>
-            <a:effectRef idx="0">
-              <a:scrgbClr r="0" g="0" b="0"/>
-            </a:effectRef>
-            <a:fontRef idx="minor">
-              <a:schemeClr val="lt1"/>
-            </a:fontRef>
-          </p:style>
-          <p:txBody>
-            <a:bodyPr spcFirstLastPara="0" vert="horz" wrap="square" lIns="60960" tIns="60960" rIns="60960" bIns="60960" numCol="1" spcCol="1270" anchor="ctr" anchorCtr="0">
-              <a:noAutofit/>
-            </a:bodyPr>
-            <a:lstStyle/>
-            <a:p>
-              <a:pPr defTabSz="711200">
-                <a:lnSpc>
-                  <a:spcPct val="90000"/>
-                </a:lnSpc>
-                <a:spcBef>
-                  <a:spcPct val="0"/>
-                </a:spcBef>
-                <a:spcAft>
-                  <a:spcPct val="35000"/>
-                </a:spcAft>
-              </a:pPr>
-              <a:r>
-                <a:rPr lang="zh-CN" altLang="en-US" b="1" dirty="0" smtClean="0"/>
-                <a:t>独立的列</a:t>
-              </a:r>
-              <a:endParaRPr lang="zh-CN" altLang="zh-CN" b="1" dirty="0">
-                <a:latin typeface="+mn-ea"/>
-              </a:endParaRPr>
-            </a:p>
-          </p:txBody>
-        </p:sp>
-      </p:grpSp>
-      <p:sp>
-        <p:nvSpPr>
-          <p:cNvPr id="4" name="文本框 3"/>
-          <p:cNvSpPr txBox="1"/>
-          <p:nvPr/>
-        </p:nvSpPr>
-        <p:spPr>
-          <a:xfrm>
-            <a:off x="319252" y="1779587"/>
-            <a:ext cx="11252319" cy="1477328"/>
-          </a:xfrm>
-          <a:prstGeom prst="rect">
-            <a:avLst/>
-          </a:prstGeom>
-          <a:noFill/>
-        </p:spPr>
-        <p:txBody>
-          <a:bodyPr wrap="square" rtlCol="0">
-            <a:spAutoFit/>
-          </a:bodyPr>
-          <a:lstStyle/>
-          <a:p>
-            <a:pPr marL="285750" indent="-285750">
-              <a:buFont typeface="Arial" panose="020B0604020202020204" pitchFamily="34" charset="0"/>
-              <a:buChar char="•"/>
-            </a:pPr>
-            <a:r>
-              <a:rPr lang="zh-CN" altLang="en-US" dirty="0" smtClean="0"/>
-              <a:t>索引字段不能是函数的参数，也不能是表达式的一部分。</a:t>
-            </a:r>
-            <a:endParaRPr lang="en-US" altLang="zh-CN" dirty="0" smtClean="0"/>
-          </a:p>
-          <a:p>
-            <a:pPr marL="285750" indent="-285750">
-              <a:buFont typeface="Arial" panose="020B0604020202020204" pitchFamily="34" charset="0"/>
-              <a:buChar char="•"/>
-            </a:pPr>
-            <a:r>
-              <a:rPr lang="zh-CN" altLang="en-US" dirty="0"/>
-              <a:t>如果一定要进行计算，把计算放在谓词的右边</a:t>
-            </a:r>
-            <a:r>
-              <a:rPr lang="zh-CN" altLang="en-US" dirty="0" smtClean="0"/>
-              <a:t>。</a:t>
-            </a:r>
-            <a:endParaRPr lang="en-US" altLang="zh-CN" dirty="0" smtClean="0"/>
-          </a:p>
-          <a:p>
-            <a:pPr marL="285750" indent="-285750">
-              <a:buFont typeface="Arial" panose="020B0604020202020204" pitchFamily="34" charset="0"/>
-              <a:buChar char="•"/>
-            </a:pPr>
-            <a:r>
-              <a:rPr lang="zh-CN" altLang="en-US" dirty="0"/>
-              <a:t>不均匀数据的列索引原则，如状态</a:t>
-            </a:r>
-            <a:r>
-              <a:rPr lang="en-US" altLang="zh-CN" dirty="0"/>
-              <a:t>0</a:t>
-            </a:r>
-            <a:r>
-              <a:rPr lang="zh-CN" altLang="en-US" dirty="0"/>
-              <a:t>和</a:t>
-            </a:r>
-            <a:r>
-              <a:rPr lang="en-US" altLang="zh-CN" dirty="0"/>
-              <a:t>1</a:t>
-            </a:r>
-            <a:r>
-              <a:rPr lang="zh-CN" altLang="en-US" dirty="0"/>
-              <a:t>，</a:t>
-            </a:r>
-            <a:r>
-              <a:rPr lang="en-US" altLang="zh-CN" dirty="0"/>
-              <a:t>0</a:t>
-            </a:r>
-            <a:r>
-              <a:rPr lang="zh-CN" altLang="en-US" dirty="0"/>
-              <a:t>占</a:t>
-            </a:r>
-            <a:r>
-              <a:rPr lang="en-US" altLang="zh-CN" dirty="0"/>
-              <a:t>95%</a:t>
-            </a:r>
-            <a:r>
-              <a:rPr lang="zh-CN" altLang="en-US" dirty="0"/>
-              <a:t>，</a:t>
-            </a:r>
-            <a:r>
-              <a:rPr lang="en-US" altLang="zh-CN" dirty="0"/>
-              <a:t>1</a:t>
-            </a:r>
-            <a:r>
-              <a:rPr lang="zh-CN" altLang="en-US" dirty="0"/>
-              <a:t>占</a:t>
-            </a:r>
-            <a:r>
-              <a:rPr lang="en-US" altLang="zh-CN" dirty="0"/>
-              <a:t>5%</a:t>
-            </a:r>
-            <a:r>
-              <a:rPr lang="zh-CN" altLang="en-US" dirty="0"/>
-              <a:t>，利用数据倾斜</a:t>
-            </a:r>
-            <a:r>
-              <a:rPr lang="zh-CN" altLang="en-US" dirty="0" smtClean="0"/>
-              <a:t>特性。</a:t>
-            </a:r>
-            <a:endParaRPr lang="zh-CN" altLang="en-US" dirty="0"/>
-          </a:p>
-          <a:p>
-            <a:pPr marL="285750" indent="-285750">
-              <a:buFont typeface="Arial" panose="020B0604020202020204" pitchFamily="34" charset="0"/>
-              <a:buChar char="•"/>
-            </a:pPr>
-            <a:endParaRPr lang="zh-CN" altLang="en-US" dirty="0" smtClean="0"/>
-          </a:p>
-          <a:p>
-            <a:endParaRPr lang="zh-CN" altLang="en-US" dirty="0"/>
-          </a:p>
-        </p:txBody>
-      </p:sp>
-      <p:grpSp>
-        <p:nvGrpSpPr>
-          <p:cNvPr id="8" name="组合 7"/>
-          <p:cNvGrpSpPr/>
-          <p:nvPr/>
-        </p:nvGrpSpPr>
-        <p:grpSpPr>
-          <a:xfrm>
-            <a:off x="249160" y="2969255"/>
-            <a:ext cx="11322412" cy="548914"/>
-            <a:chOff x="0" y="0"/>
-            <a:chExt cx="8656876" cy="548914"/>
-          </a:xfrm>
-        </p:grpSpPr>
-        <p:sp>
-          <p:nvSpPr>
-            <p:cNvPr id="9" name="圆角矩形 8"/>
-            <p:cNvSpPr/>
-            <p:nvPr/>
-          </p:nvSpPr>
-          <p:spPr>
-            <a:xfrm>
-              <a:off x="0" y="0"/>
-              <a:ext cx="8656876" cy="548914"/>
-            </a:xfrm>
-            <a:prstGeom prst="roundRect">
-              <a:avLst/>
-            </a:prstGeom>
-            <a:solidFill>
-              <a:schemeClr val="accent6"/>
-            </a:solidFill>
-            <a:ln>
-              <a:noFill/>
-            </a:ln>
-          </p:spPr>
-          <p:style>
-            <a:lnRef idx="0">
-              <a:scrgbClr r="0" g="0" b="0"/>
-            </a:lnRef>
-            <a:fillRef idx="0">
-              <a:scrgbClr r="0" g="0" b="0"/>
-            </a:fillRef>
-            <a:effectRef idx="0">
-              <a:scrgbClr r="0" g="0" b="0"/>
-            </a:effectRef>
-            <a:fontRef idx="minor">
-              <a:schemeClr val="lt1"/>
-            </a:fontRef>
-          </p:style>
-        </p:sp>
-        <p:sp>
-          <p:nvSpPr>
-            <p:cNvPr id="10" name="圆角矩形 4"/>
-            <p:cNvSpPr txBox="1"/>
-            <p:nvPr/>
-          </p:nvSpPr>
-          <p:spPr>
-            <a:xfrm>
-              <a:off x="53592" y="26796"/>
-              <a:ext cx="8603284" cy="495322"/>
-            </a:xfrm>
-            <a:prstGeom prst="rect">
-              <a:avLst/>
-            </a:prstGeom>
-          </p:spPr>
-          <p:style>
-            <a:lnRef idx="0">
-              <a:scrgbClr r="0" g="0" b="0"/>
-            </a:lnRef>
-            <a:fillRef idx="0">
-              <a:scrgbClr r="0" g="0" b="0"/>
-            </a:fillRef>
-            <a:effectRef idx="0">
-              <a:scrgbClr r="0" g="0" b="0"/>
-            </a:effectRef>
-            <a:fontRef idx="minor">
-              <a:schemeClr val="lt1"/>
-            </a:fontRef>
-          </p:style>
-          <p:txBody>
-            <a:bodyPr spcFirstLastPara="0" vert="horz" wrap="square" lIns="60960" tIns="60960" rIns="60960" bIns="60960" numCol="1" spcCol="1270" anchor="ctr" anchorCtr="0">
-              <a:noAutofit/>
-            </a:bodyPr>
-            <a:lstStyle/>
-            <a:p>
-              <a:pPr defTabSz="711200">
-                <a:lnSpc>
-                  <a:spcPct val="90000"/>
-                </a:lnSpc>
-                <a:spcBef>
-                  <a:spcPct val="0"/>
-                </a:spcBef>
-                <a:spcAft>
-                  <a:spcPct val="35000"/>
-                </a:spcAft>
-              </a:pPr>
-              <a:r>
-                <a:rPr lang="zh-CN" altLang="en-US" b="1" dirty="0" smtClean="0"/>
-                <a:t>前缀索引和索引选择性</a:t>
-              </a:r>
-              <a:endParaRPr lang="zh-CN" altLang="zh-CN" b="1" dirty="0">
-                <a:latin typeface="+mn-ea"/>
-              </a:endParaRPr>
-            </a:p>
-          </p:txBody>
-        </p:sp>
-      </p:grpSp>
-      <p:sp>
-        <p:nvSpPr>
-          <p:cNvPr id="3" name="文本框 2"/>
-          <p:cNvSpPr txBox="1"/>
-          <p:nvPr/>
-        </p:nvSpPr>
-        <p:spPr>
-          <a:xfrm>
-            <a:off x="319252" y="3776228"/>
-            <a:ext cx="10568539" cy="1754326"/>
-          </a:xfrm>
-          <a:prstGeom prst="rect">
-            <a:avLst/>
-          </a:prstGeom>
-          <a:noFill/>
-        </p:spPr>
-        <p:txBody>
-          <a:bodyPr wrap="square" rtlCol="0">
-            <a:spAutoFit/>
-          </a:bodyPr>
-          <a:lstStyle/>
-          <a:p>
-            <a:pPr marL="285750" indent="-285750">
-              <a:buFont typeface="Arial" panose="020B0604020202020204" pitchFamily="34" charset="0"/>
-              <a:buChar char="•"/>
-            </a:pPr>
-            <a:r>
-              <a:rPr lang="zh-CN" altLang="en-US" dirty="0"/>
-              <a:t>索引的选择性是指，不重复的索引值</a:t>
-            </a:r>
-            <a:r>
-              <a:rPr lang="en-US" altLang="zh-CN" dirty="0"/>
-              <a:t>(</a:t>
-            </a:r>
-            <a:r>
-              <a:rPr lang="zh-CN" altLang="en-US" dirty="0"/>
-              <a:t>也称为基数</a:t>
-            </a:r>
-            <a:r>
-              <a:rPr lang="en-US" altLang="zh-CN" dirty="0"/>
-              <a:t>)</a:t>
-            </a:r>
-            <a:r>
-              <a:rPr lang="zh-CN" altLang="en-US" dirty="0"/>
-              <a:t>和数据表的记录总数</a:t>
-            </a:r>
-            <a:r>
-              <a:rPr lang="zh-CN" altLang="en-US" dirty="0" smtClean="0"/>
-              <a:t>比值。</a:t>
-            </a:r>
-            <a:endParaRPr lang="en-US" altLang="zh-CN" dirty="0"/>
-          </a:p>
-          <a:p>
-            <a:pPr marL="285750" indent="-285750">
-              <a:buFont typeface="Arial" panose="020B0604020202020204" pitchFamily="34" charset="0"/>
-              <a:buChar char="•"/>
-            </a:pPr>
-            <a:r>
-              <a:rPr lang="zh-CN" altLang="en-US" dirty="0" smtClean="0"/>
-              <a:t>索引</a:t>
-            </a:r>
-            <a:r>
-              <a:rPr lang="zh-CN" altLang="en-US" dirty="0"/>
-              <a:t>的选择性越高则查询效率越高，因为选择性高的索引可以让</a:t>
-            </a:r>
-            <a:r>
-              <a:rPr lang="en-US" altLang="zh-CN" dirty="0"/>
-              <a:t>MySQL</a:t>
-            </a:r>
-            <a:r>
-              <a:rPr lang="zh-CN" altLang="en-US" dirty="0"/>
-              <a:t>在查找时过滤掉更多的</a:t>
-            </a:r>
-            <a:r>
-              <a:rPr lang="zh-CN" altLang="en-US" dirty="0" smtClean="0"/>
-              <a:t>行。</a:t>
-            </a:r>
-            <a:endParaRPr lang="en-US" altLang="zh-CN" dirty="0" smtClean="0"/>
-          </a:p>
-          <a:p>
-            <a:pPr marL="285750" indent="-285750">
-              <a:buFont typeface="Arial" panose="020B0604020202020204" pitchFamily="34" charset="0"/>
-              <a:buChar char="•"/>
-            </a:pPr>
-            <a:r>
-              <a:rPr lang="zh-CN" altLang="en-US" dirty="0" smtClean="0"/>
-              <a:t>唯一</a:t>
-            </a:r>
-            <a:r>
-              <a:rPr lang="zh-CN" altLang="en-US" dirty="0"/>
-              <a:t>索引的选择性是</a:t>
-            </a:r>
-            <a:r>
-              <a:rPr lang="en-US" altLang="zh-CN" dirty="0"/>
-              <a:t>1</a:t>
-            </a:r>
-            <a:r>
-              <a:rPr lang="zh-CN" altLang="en-US" dirty="0"/>
-              <a:t>，这是最好的索引选择性，性能也是最好</a:t>
-            </a:r>
-            <a:r>
-              <a:rPr lang="zh-CN" altLang="en-US" dirty="0" smtClean="0"/>
-              <a:t>的。</a:t>
-            </a:r>
-            <a:endParaRPr lang="en-US" altLang="zh-CN" dirty="0" smtClean="0"/>
-          </a:p>
-          <a:p>
-            <a:pPr marL="285750" indent="-285750">
-              <a:buFont typeface="Arial" panose="020B0604020202020204" pitchFamily="34" charset="0"/>
-              <a:buChar char="•"/>
-            </a:pPr>
-            <a:r>
-              <a:rPr lang="zh-CN" altLang="en-US" dirty="0" smtClean="0"/>
-              <a:t>前缀</a:t>
-            </a:r>
-            <a:r>
-              <a:rPr lang="zh-CN" altLang="en-US" dirty="0"/>
-              <a:t>索引是一种能使索引更小、更快的有效</a:t>
-            </a:r>
-            <a:r>
-              <a:rPr lang="zh-CN" altLang="en-US" dirty="0" smtClean="0"/>
-              <a:t>办法。</a:t>
-            </a:r>
-            <a:endParaRPr lang="en-US" altLang="zh-CN" dirty="0" smtClean="0"/>
-          </a:p>
-          <a:p>
-            <a:pPr marL="285750" indent="-285750">
-              <a:buFont typeface="Arial" panose="020B0604020202020204" pitchFamily="34" charset="0"/>
-              <a:buChar char="•"/>
-            </a:pPr>
-            <a:r>
-              <a:rPr lang="en-US" altLang="zh-CN" dirty="0"/>
-              <a:t>MySQL</a:t>
-            </a:r>
-            <a:r>
-              <a:rPr lang="zh-CN" altLang="en-US" dirty="0"/>
-              <a:t>无法使用前缀索引做</a:t>
-            </a:r>
-            <a:r>
-              <a:rPr lang="en-US" altLang="zh-CN" dirty="0"/>
-              <a:t>ORDER BY</a:t>
-            </a:r>
-            <a:r>
-              <a:rPr lang="zh-CN" altLang="en-US" dirty="0"/>
-              <a:t>和</a:t>
-            </a:r>
-            <a:r>
-              <a:rPr lang="en-US" altLang="zh-CN" dirty="0"/>
-              <a:t>GROUP BY , </a:t>
-            </a:r>
-            <a:r>
-              <a:rPr lang="zh-CN" altLang="en-US" dirty="0"/>
-              <a:t>也无法使用前缀索引做覆盖扫描。</a:t>
-            </a:r>
-          </a:p>
-          <a:p>
-            <a:pPr marL="285750" indent="-285750">
-              <a:buFont typeface="Arial" panose="020B0604020202020204" pitchFamily="34" charset="0"/>
-              <a:buChar char="•"/>
-            </a:pPr>
-            <a:endParaRPr lang="zh-CN" altLang="en-US" dirty="0"/>
-          </a:p>
-        </p:txBody>
-      </p:sp>
-    </p:spTree>
-    <p:extLst>
-      <p:ext uri="{BB962C8B-B14F-4D97-AF65-F5344CB8AC3E}">
-        <p14:creationId xmlns:p14="http://schemas.microsoft.com/office/powerpoint/2010/main" val="2867669750"/>
-      </p:ext>
-    </p:extLst>
-  </p:cSld>
-  <p:clrMapOvr>
-    <a:masterClrMapping/>
-  </p:clrMapOvr>
-  <p:timing>
-    <p:tnLst>
-      <p:par>
-        <p:cTn id="1" dur="indefinite" restart="never" nodeType="tmRoot"/>
-      </p:par>
-    </p:tnLst>
-  </p:timing>
-</p:sld>
-</file>
-
-<file path=ppt/slides/slide13.xml><?xml version="1.0" encoding="utf-8"?>
-<p:sld xmlns:a="http://schemas.openxmlformats.org/drawingml/2006/main" xmlns:r="http://schemas.openxmlformats.org/officeDocument/2006/relationships" xmlns:p="http://schemas.openxmlformats.org/presentationml/2006/main">
-  <p:cSld>
-    <p:spTree>
-      <p:nvGrpSpPr>
-        <p:cNvPr id="1" name=""/>
-        <p:cNvGrpSpPr/>
-        <p:nvPr/>
-      </p:nvGrpSpPr>
-      <p:grpSpPr>
-        <a:xfrm>
-          <a:off x="0" y="0"/>
-          <a:ext cx="0" cy="0"/>
-          <a:chOff x="0" y="0"/>
-          <a:chExt cx="0" cy="0"/>
-        </a:xfrm>
-      </p:grpSpPr>
-      <p:sp>
-        <p:nvSpPr>
-          <p:cNvPr id="2" name="文本框 1"/>
-          <p:cNvSpPr txBox="1"/>
-          <p:nvPr/>
-        </p:nvSpPr>
-        <p:spPr>
-          <a:xfrm flipH="1">
-            <a:off x="249160" y="177836"/>
-            <a:ext cx="6492298" cy="584775"/>
-          </a:xfrm>
-          <a:prstGeom prst="rect">
-            <a:avLst/>
-          </a:prstGeom>
-          <a:noFill/>
-        </p:spPr>
-        <p:txBody>
-          <a:bodyPr wrap="square" rtlCol="0">
-            <a:spAutoFit/>
-          </a:bodyPr>
-          <a:lstStyle/>
-          <a:p>
-            <a:r>
-              <a:rPr lang="zh-CN" altLang="en-US" sz="3200" b="1" dirty="0" smtClean="0">
-                <a:solidFill>
-                  <a:srgbClr val="52C018"/>
-                </a:solidFill>
-                <a:latin typeface="+mn-ea"/>
-              </a:rPr>
-              <a:t>索引</a:t>
-            </a:r>
-            <a:r>
-              <a:rPr lang="zh-CN" altLang="en-US" sz="3200" b="1" dirty="0">
-                <a:solidFill>
-                  <a:srgbClr val="52C018"/>
-                </a:solidFill>
-                <a:latin typeface="+mn-ea"/>
-              </a:rPr>
-              <a:t>应用</a:t>
-            </a:r>
-          </a:p>
-        </p:txBody>
-      </p:sp>
-      <p:grpSp>
-        <p:nvGrpSpPr>
-          <p:cNvPr id="5" name="组合 4"/>
-          <p:cNvGrpSpPr/>
-          <p:nvPr/>
-        </p:nvGrpSpPr>
-        <p:grpSpPr>
-          <a:xfrm>
-            <a:off x="249160" y="1023865"/>
-            <a:ext cx="11322412" cy="548914"/>
-            <a:chOff x="0" y="0"/>
-            <a:chExt cx="8656876" cy="548914"/>
-          </a:xfrm>
-        </p:grpSpPr>
-        <p:sp>
-          <p:nvSpPr>
-            <p:cNvPr id="6" name="圆角矩形 5"/>
-            <p:cNvSpPr/>
-            <p:nvPr/>
-          </p:nvSpPr>
-          <p:spPr>
-            <a:xfrm>
-              <a:off x="0" y="0"/>
-              <a:ext cx="8656876" cy="548914"/>
-            </a:xfrm>
-            <a:prstGeom prst="roundRect">
-              <a:avLst/>
-            </a:prstGeom>
-            <a:solidFill>
-              <a:schemeClr val="accent6"/>
-            </a:solidFill>
-            <a:ln>
-              <a:noFill/>
-            </a:ln>
-          </p:spPr>
-          <p:style>
-            <a:lnRef idx="0">
-              <a:scrgbClr r="0" g="0" b="0"/>
-            </a:lnRef>
-            <a:fillRef idx="0">
-              <a:scrgbClr r="0" g="0" b="0"/>
-            </a:fillRef>
-            <a:effectRef idx="0">
-              <a:scrgbClr r="0" g="0" b="0"/>
-            </a:effectRef>
-            <a:fontRef idx="minor">
-              <a:schemeClr val="lt1"/>
-            </a:fontRef>
-          </p:style>
-        </p:sp>
-        <p:sp>
-          <p:nvSpPr>
-            <p:cNvPr id="7" name="圆角矩形 4"/>
-            <p:cNvSpPr txBox="1"/>
-            <p:nvPr/>
-          </p:nvSpPr>
-          <p:spPr>
-            <a:xfrm>
-              <a:off x="53592" y="26796"/>
-              <a:ext cx="8603284" cy="495322"/>
-            </a:xfrm>
-            <a:prstGeom prst="rect">
-              <a:avLst/>
-            </a:prstGeom>
-          </p:spPr>
-          <p:style>
-            <a:lnRef idx="0">
-              <a:scrgbClr r="0" g="0" b="0"/>
-            </a:lnRef>
-            <a:fillRef idx="0">
-              <a:scrgbClr r="0" g="0" b="0"/>
-            </a:fillRef>
-            <a:effectRef idx="0">
-              <a:scrgbClr r="0" g="0" b="0"/>
-            </a:effectRef>
-            <a:fontRef idx="minor">
-              <a:schemeClr val="lt1"/>
-            </a:fontRef>
-          </p:style>
-          <p:txBody>
-            <a:bodyPr spcFirstLastPara="0" vert="horz" wrap="square" lIns="60960" tIns="60960" rIns="60960" bIns="60960" numCol="1" spcCol="1270" anchor="ctr" anchorCtr="0">
-              <a:noAutofit/>
-            </a:bodyPr>
-            <a:lstStyle/>
-            <a:p>
-              <a:pPr defTabSz="711200">
-                <a:lnSpc>
-                  <a:spcPct val="90000"/>
-                </a:lnSpc>
-                <a:spcBef>
-                  <a:spcPct val="0"/>
-                </a:spcBef>
-                <a:spcAft>
-                  <a:spcPct val="35000"/>
-                </a:spcAft>
-              </a:pPr>
-              <a:r>
-                <a:rPr lang="zh-CN" altLang="en-US" b="1" dirty="0">
-                  <a:latin typeface="+mn-ea"/>
-                </a:rPr>
-                <a:t>多列</a:t>
-              </a:r>
-              <a:r>
-                <a:rPr lang="zh-CN" altLang="en-US" b="1" dirty="0" smtClean="0">
-                  <a:latin typeface="+mn-ea"/>
-                </a:rPr>
-                <a:t>索引</a:t>
-              </a:r>
-              <a:endParaRPr lang="zh-CN" altLang="zh-CN" b="1" dirty="0">
-                <a:latin typeface="+mn-ea"/>
-              </a:endParaRPr>
-            </a:p>
-          </p:txBody>
-        </p:sp>
-      </p:grpSp>
-      <p:sp>
-        <p:nvSpPr>
-          <p:cNvPr id="4" name="文本框 3"/>
-          <p:cNvSpPr txBox="1"/>
-          <p:nvPr/>
-        </p:nvSpPr>
-        <p:spPr>
-          <a:xfrm>
-            <a:off x="319253" y="1934678"/>
-            <a:ext cx="11173311" cy="1477328"/>
-          </a:xfrm>
-          <a:prstGeom prst="rect">
-            <a:avLst/>
-          </a:prstGeom>
-          <a:noFill/>
-        </p:spPr>
-        <p:txBody>
-          <a:bodyPr wrap="square" rtlCol="0">
-            <a:spAutoFit/>
-          </a:bodyPr>
-          <a:lstStyle/>
-          <a:p>
-            <a:pPr marL="285750" indent="-285750">
-              <a:buFont typeface="Arial" panose="020B0604020202020204" pitchFamily="34" charset="0"/>
-              <a:buChar char="•"/>
-            </a:pPr>
-            <a:r>
-              <a:rPr lang="zh-CN" altLang="en-US" dirty="0"/>
-              <a:t>在</a:t>
-            </a:r>
-            <a:r>
-              <a:rPr lang="en-US" altLang="zh-CN" dirty="0" smtClean="0"/>
-              <a:t>MySQL5.1</a:t>
-            </a:r>
-            <a:r>
-              <a:rPr lang="zh-CN" altLang="en-US" dirty="0" smtClean="0"/>
-              <a:t>及以上新</a:t>
-            </a:r>
-            <a:r>
-              <a:rPr lang="zh-CN" altLang="en-US" dirty="0"/>
-              <a:t>的版本中，会使用</a:t>
-            </a:r>
-            <a:r>
-              <a:rPr lang="en-US" altLang="zh-CN" dirty="0"/>
-              <a:t>"</a:t>
-            </a:r>
-            <a:r>
-              <a:rPr lang="zh-CN" altLang="en-US" dirty="0"/>
-              <a:t>索引合并</a:t>
-            </a:r>
-            <a:r>
-              <a:rPr lang="en-US" altLang="zh-CN" dirty="0"/>
-              <a:t>"</a:t>
-            </a:r>
-            <a:r>
-              <a:rPr lang="zh-CN" altLang="en-US" dirty="0"/>
-              <a:t>策略，查询能同时使用两个单列索引进行扫描，并将结果进行合并。</a:t>
-            </a:r>
-          </a:p>
-          <a:p>
-            <a:pPr marL="285750" indent="-285750">
-              <a:buFont typeface="Arial" panose="020B0604020202020204" pitchFamily="34" charset="0"/>
-              <a:buChar char="•"/>
-            </a:pPr>
-            <a:r>
-              <a:rPr lang="zh-CN" altLang="en-US" dirty="0"/>
-              <a:t>索引合并实际上说明索引设计不合理，考虑主动合并</a:t>
-            </a:r>
-            <a:r>
-              <a:rPr lang="zh-CN" altLang="en-US" dirty="0" smtClean="0"/>
-              <a:t>索引。</a:t>
-            </a:r>
-            <a:endParaRPr lang="en-US" altLang="zh-CN" dirty="0" smtClean="0"/>
-          </a:p>
-          <a:p>
-            <a:pPr marL="285750" indent="-285750">
-              <a:buFont typeface="Arial" panose="020B0604020202020204" pitchFamily="34" charset="0"/>
-              <a:buChar char="•"/>
-            </a:pPr>
-            <a:r>
-              <a:rPr lang="zh-CN" altLang="en-US" dirty="0" smtClean="0"/>
-              <a:t>如</a:t>
-            </a:r>
-            <a:r>
-              <a:rPr lang="zh-CN" altLang="en-US" dirty="0"/>
-              <a:t>有可能设计成覆盖</a:t>
-            </a:r>
-            <a:r>
-              <a:rPr lang="zh-CN" altLang="en-US" dirty="0" smtClean="0"/>
-              <a:t>索引。</a:t>
-            </a:r>
-            <a:endParaRPr lang="zh-CN" altLang="en-US" dirty="0"/>
-          </a:p>
-          <a:p>
-            <a:pPr marL="285750" indent="-285750">
-              <a:buFont typeface="Arial" panose="020B0604020202020204" pitchFamily="34" charset="0"/>
-              <a:buChar char="•"/>
-            </a:pPr>
-            <a:r>
-              <a:rPr lang="zh-CN" altLang="en-US" dirty="0"/>
-              <a:t>主键列是自动包含在二级索引中的</a:t>
-            </a:r>
-            <a:r>
-              <a:rPr lang="zh-CN" altLang="en-US" dirty="0" smtClean="0"/>
-              <a:t>，</a:t>
-            </a:r>
-            <a:r>
-              <a:rPr lang="zh-CN" altLang="en-US" dirty="0"/>
-              <a:t>复合</a:t>
-            </a:r>
-            <a:r>
-              <a:rPr lang="zh-CN" altLang="en-US" dirty="0" smtClean="0"/>
-              <a:t>索引</a:t>
-            </a:r>
-            <a:r>
-              <a:rPr lang="zh-CN" altLang="en-US" dirty="0"/>
-              <a:t>无须包含主键</a:t>
-            </a:r>
-            <a:r>
-              <a:rPr lang="zh-CN" altLang="en-US" dirty="0" smtClean="0"/>
-              <a:t>列。</a:t>
-            </a:r>
-            <a:endParaRPr lang="zh-CN" altLang="en-US" dirty="0"/>
-          </a:p>
-        </p:txBody>
-      </p:sp>
-    </p:spTree>
-    <p:extLst>
-      <p:ext uri="{BB962C8B-B14F-4D97-AF65-F5344CB8AC3E}">
-        <p14:creationId xmlns:p14="http://schemas.microsoft.com/office/powerpoint/2010/main" val="3158565271"/>
-      </p:ext>
-    </p:extLst>
-  </p:cSld>
-  <p:clrMapOvr>
-    <a:masterClrMapping/>
-  </p:clrMapOvr>
-  <p:timing>
-    <p:tnLst>
-      <p:par>
-        <p:cTn id="1" dur="indefinite" restart="never" nodeType="tmRoot"/>
-      </p:par>
-    </p:tnLst>
-  </p:timing>
-</p:sld>
-</file>
-
-<file path=ppt/slides/slide14.xml><?xml version="1.0" encoding="utf-8"?>
-<p:sld xmlns:a="http://schemas.openxmlformats.org/drawingml/2006/main" xmlns:r="http://schemas.openxmlformats.org/officeDocument/2006/relationships" xmlns:p="http://schemas.openxmlformats.org/presentationml/2006/main">
-  <p:cSld>
-    <p:spTree>
-      <p:nvGrpSpPr>
-        <p:cNvPr id="1" name=""/>
-        <p:cNvGrpSpPr/>
-        <p:nvPr/>
-      </p:nvGrpSpPr>
-      <p:grpSpPr>
-        <a:xfrm>
-          <a:off x="0" y="0"/>
-          <a:ext cx="0" cy="0"/>
-          <a:chOff x="0" y="0"/>
-          <a:chExt cx="0" cy="0"/>
-        </a:xfrm>
-      </p:grpSpPr>
-      <p:sp>
-        <p:nvSpPr>
-          <p:cNvPr id="2" name="文本框 1"/>
-          <p:cNvSpPr txBox="1"/>
-          <p:nvPr/>
-        </p:nvSpPr>
-        <p:spPr>
-          <a:xfrm flipH="1">
-            <a:off x="249160" y="177836"/>
-            <a:ext cx="6492298" cy="584775"/>
-          </a:xfrm>
-          <a:prstGeom prst="rect">
-            <a:avLst/>
-          </a:prstGeom>
-          <a:noFill/>
-        </p:spPr>
-        <p:txBody>
-          <a:bodyPr wrap="square" rtlCol="0">
-            <a:spAutoFit/>
-          </a:bodyPr>
-          <a:lstStyle/>
-          <a:p>
-            <a:r>
-              <a:rPr lang="zh-CN" altLang="en-US" sz="3200" b="1" dirty="0" smtClean="0">
-                <a:solidFill>
-                  <a:srgbClr val="52C018"/>
-                </a:solidFill>
-                <a:latin typeface="+mn-ea"/>
-              </a:rPr>
-              <a:t>索引</a:t>
-            </a:r>
-            <a:r>
-              <a:rPr lang="zh-CN" altLang="en-US" sz="3200" b="1" dirty="0">
-                <a:solidFill>
-                  <a:srgbClr val="52C018"/>
-                </a:solidFill>
-                <a:latin typeface="+mn-ea"/>
-              </a:rPr>
-              <a:t>应用</a:t>
-            </a:r>
-          </a:p>
-        </p:txBody>
-      </p:sp>
-      <p:grpSp>
-        <p:nvGrpSpPr>
-          <p:cNvPr id="5" name="组合 4"/>
-          <p:cNvGrpSpPr/>
-          <p:nvPr/>
-        </p:nvGrpSpPr>
-        <p:grpSpPr>
-          <a:xfrm>
-            <a:off x="249160" y="1023865"/>
-            <a:ext cx="11322412" cy="548914"/>
-            <a:chOff x="0" y="0"/>
-            <a:chExt cx="8656876" cy="548914"/>
-          </a:xfrm>
-        </p:grpSpPr>
-        <p:sp>
-          <p:nvSpPr>
-            <p:cNvPr id="6" name="圆角矩形 5"/>
-            <p:cNvSpPr/>
-            <p:nvPr/>
-          </p:nvSpPr>
-          <p:spPr>
-            <a:xfrm>
-              <a:off x="0" y="0"/>
-              <a:ext cx="8656876" cy="548914"/>
-            </a:xfrm>
-            <a:prstGeom prst="roundRect">
-              <a:avLst/>
-            </a:prstGeom>
-            <a:solidFill>
-              <a:schemeClr val="accent6"/>
-            </a:solidFill>
-            <a:ln>
-              <a:noFill/>
-            </a:ln>
-          </p:spPr>
-          <p:style>
-            <a:lnRef idx="0">
-              <a:scrgbClr r="0" g="0" b="0"/>
-            </a:lnRef>
-            <a:fillRef idx="0">
-              <a:scrgbClr r="0" g="0" b="0"/>
-            </a:fillRef>
-            <a:effectRef idx="0">
-              <a:scrgbClr r="0" g="0" b="0"/>
-            </a:effectRef>
-            <a:fontRef idx="minor">
-              <a:schemeClr val="lt1"/>
-            </a:fontRef>
-          </p:style>
-        </p:sp>
-        <p:sp>
-          <p:nvSpPr>
-            <p:cNvPr id="7" name="圆角矩形 4"/>
-            <p:cNvSpPr txBox="1"/>
-            <p:nvPr/>
-          </p:nvSpPr>
-          <p:spPr>
-            <a:xfrm>
-              <a:off x="53592" y="26796"/>
-              <a:ext cx="8603284" cy="495322"/>
-            </a:xfrm>
-            <a:prstGeom prst="rect">
-              <a:avLst/>
-            </a:prstGeom>
-          </p:spPr>
-          <p:style>
-            <a:lnRef idx="0">
-              <a:scrgbClr r="0" g="0" b="0"/>
-            </a:lnRef>
-            <a:fillRef idx="0">
-              <a:scrgbClr r="0" g="0" b="0"/>
-            </a:fillRef>
-            <a:effectRef idx="0">
-              <a:scrgbClr r="0" g="0" b="0"/>
-            </a:effectRef>
-            <a:fontRef idx="minor">
-              <a:schemeClr val="lt1"/>
-            </a:fontRef>
-          </p:style>
-          <p:txBody>
-            <a:bodyPr spcFirstLastPara="0" vert="horz" wrap="square" lIns="60960" tIns="60960" rIns="60960" bIns="60960" numCol="1" spcCol="1270" anchor="ctr" anchorCtr="0">
-              <a:noAutofit/>
-            </a:bodyPr>
-            <a:lstStyle/>
-            <a:p>
-              <a:pPr defTabSz="711200">
-                <a:lnSpc>
-                  <a:spcPct val="90000"/>
-                </a:lnSpc>
-                <a:spcBef>
-                  <a:spcPct val="0"/>
-                </a:spcBef>
-                <a:spcAft>
-                  <a:spcPct val="35000"/>
-                </a:spcAft>
-              </a:pPr>
-              <a:r>
-                <a:rPr lang="zh-CN" altLang="en-US" b="1" dirty="0" smtClean="0">
-                  <a:latin typeface="+mn-ea"/>
-                </a:rPr>
-                <a:t>如何选择合适的索引列顺序</a:t>
-              </a:r>
-              <a:endParaRPr lang="zh-CN" altLang="zh-CN" b="1" dirty="0">
-                <a:latin typeface="+mn-ea"/>
-              </a:endParaRPr>
-            </a:p>
-          </p:txBody>
-        </p:sp>
-      </p:grpSp>
-      <p:sp>
-        <p:nvSpPr>
-          <p:cNvPr id="3" name="文本框 2"/>
-          <p:cNvSpPr txBox="1"/>
-          <p:nvPr/>
-        </p:nvSpPr>
-        <p:spPr>
-          <a:xfrm>
-            <a:off x="249160" y="1834033"/>
-            <a:ext cx="11115560" cy="1200329"/>
-          </a:xfrm>
-          <a:prstGeom prst="rect">
-            <a:avLst/>
-          </a:prstGeom>
-          <a:noFill/>
-        </p:spPr>
-        <p:txBody>
-          <a:bodyPr wrap="square" rtlCol="0">
-            <a:spAutoFit/>
-          </a:bodyPr>
-          <a:lstStyle/>
-          <a:p>
-            <a:pPr marL="285750" indent="-285750">
-              <a:buFont typeface="Arial" panose="020B0604020202020204" pitchFamily="34" charset="0"/>
-              <a:buChar char="•"/>
-            </a:pPr>
-            <a:r>
-              <a:rPr lang="zh-CN" altLang="en-US" dirty="0" smtClean="0">
-                <a:latin typeface="+mn-ea"/>
-              </a:rPr>
-              <a:t>依赖</a:t>
-            </a:r>
-            <a:r>
-              <a:rPr lang="zh-CN" altLang="en-US" dirty="0">
-                <a:latin typeface="+mn-ea"/>
-              </a:rPr>
-              <a:t>于使用该索引的查询，并且同时需要考虑如何更好地满足排序和分组的需要。</a:t>
-            </a:r>
-          </a:p>
-          <a:p>
-            <a:pPr marL="285750" indent="-285750">
-              <a:buFont typeface="Arial" panose="020B0604020202020204" pitchFamily="34" charset="0"/>
-              <a:buChar char="•"/>
-            </a:pPr>
-            <a:r>
-              <a:rPr lang="zh-CN" altLang="en-US" dirty="0" smtClean="0">
-                <a:latin typeface="+mn-ea"/>
-              </a:rPr>
-              <a:t>在</a:t>
-            </a:r>
-            <a:r>
-              <a:rPr lang="zh-CN" altLang="en-US" dirty="0">
-                <a:latin typeface="+mn-ea"/>
-              </a:rPr>
-              <a:t>一个多列</a:t>
-            </a:r>
-            <a:r>
-              <a:rPr lang="en-US" altLang="zh-CN" dirty="0" err="1">
-                <a:latin typeface="+mn-ea"/>
-              </a:rPr>
-              <a:t>B+Tree</a:t>
-            </a:r>
-            <a:r>
-              <a:rPr lang="zh-CN" altLang="en-US" dirty="0">
-                <a:latin typeface="+mn-ea"/>
-              </a:rPr>
-              <a:t>中，索引列的顺序首先按照最左列进行排序，其次是第二列。</a:t>
-            </a:r>
-          </a:p>
-          <a:p>
-            <a:pPr marL="285750" indent="-285750">
-              <a:buFont typeface="Arial" panose="020B0604020202020204" pitchFamily="34" charset="0"/>
-              <a:buChar char="•"/>
-            </a:pPr>
-            <a:r>
-              <a:rPr lang="zh-CN" altLang="en-US" dirty="0" smtClean="0">
-                <a:latin typeface="+mn-ea"/>
-              </a:rPr>
-              <a:t>经验法则</a:t>
-            </a:r>
-            <a:r>
-              <a:rPr lang="zh-CN" altLang="en-US" dirty="0">
-                <a:latin typeface="+mn-ea"/>
-              </a:rPr>
-              <a:t>：将索引性最高的列放到索引最前列。可能需要根据那些运行频率最高的查询来调整索引列的顺序。</a:t>
-            </a:r>
-          </a:p>
-        </p:txBody>
-      </p:sp>
-      <p:grpSp>
-        <p:nvGrpSpPr>
-          <p:cNvPr id="8" name="组合 7"/>
-          <p:cNvGrpSpPr/>
-          <p:nvPr/>
-        </p:nvGrpSpPr>
-        <p:grpSpPr>
-          <a:xfrm>
-            <a:off x="284206" y="3447827"/>
-            <a:ext cx="11322412" cy="548914"/>
-            <a:chOff x="0" y="0"/>
-            <a:chExt cx="8656876" cy="548914"/>
-          </a:xfrm>
-        </p:grpSpPr>
-        <p:sp>
-          <p:nvSpPr>
-            <p:cNvPr id="9" name="圆角矩形 8"/>
-            <p:cNvSpPr/>
-            <p:nvPr/>
-          </p:nvSpPr>
-          <p:spPr>
-            <a:xfrm>
-              <a:off x="0" y="0"/>
-              <a:ext cx="8656876" cy="548914"/>
-            </a:xfrm>
-            <a:prstGeom prst="roundRect">
-              <a:avLst/>
-            </a:prstGeom>
-            <a:solidFill>
-              <a:schemeClr val="accent6"/>
-            </a:solidFill>
-            <a:ln>
-              <a:noFill/>
-            </a:ln>
-          </p:spPr>
-          <p:style>
-            <a:lnRef idx="0">
-              <a:scrgbClr r="0" g="0" b="0"/>
-            </a:lnRef>
-            <a:fillRef idx="0">
-              <a:scrgbClr r="0" g="0" b="0"/>
-            </a:fillRef>
-            <a:effectRef idx="0">
-              <a:scrgbClr r="0" g="0" b="0"/>
-            </a:effectRef>
-            <a:fontRef idx="minor">
-              <a:schemeClr val="lt1"/>
-            </a:fontRef>
-          </p:style>
-        </p:sp>
-        <p:sp>
-          <p:nvSpPr>
-            <p:cNvPr id="10" name="圆角矩形 4"/>
-            <p:cNvSpPr txBox="1"/>
-            <p:nvPr/>
-          </p:nvSpPr>
-          <p:spPr>
-            <a:xfrm>
-              <a:off x="53592" y="26796"/>
-              <a:ext cx="8603284" cy="495322"/>
-            </a:xfrm>
-            <a:prstGeom prst="rect">
-              <a:avLst/>
-            </a:prstGeom>
-          </p:spPr>
-          <p:style>
-            <a:lnRef idx="0">
-              <a:scrgbClr r="0" g="0" b="0"/>
-            </a:lnRef>
-            <a:fillRef idx="0">
-              <a:scrgbClr r="0" g="0" b="0"/>
-            </a:fillRef>
-            <a:effectRef idx="0">
-              <a:scrgbClr r="0" g="0" b="0"/>
-            </a:effectRef>
-            <a:fontRef idx="minor">
-              <a:schemeClr val="lt1"/>
-            </a:fontRef>
-          </p:style>
-          <p:txBody>
-            <a:bodyPr spcFirstLastPara="0" vert="horz" wrap="square" lIns="60960" tIns="60960" rIns="60960" bIns="60960" numCol="1" spcCol="1270" anchor="ctr" anchorCtr="0">
-              <a:noAutofit/>
-            </a:bodyPr>
-            <a:lstStyle/>
-            <a:p>
-              <a:pPr defTabSz="711200">
-                <a:lnSpc>
-                  <a:spcPct val="90000"/>
-                </a:lnSpc>
-                <a:spcBef>
-                  <a:spcPct val="0"/>
-                </a:spcBef>
-                <a:spcAft>
-                  <a:spcPct val="35000"/>
-                </a:spcAft>
-              </a:pPr>
-              <a:r>
-                <a:rPr lang="zh-CN" altLang="en-US" b="1" dirty="0" smtClean="0">
-                  <a:latin typeface="+mn-ea"/>
-                </a:rPr>
-                <a:t>覆盖索引</a:t>
-              </a:r>
-              <a:endParaRPr lang="zh-CN" altLang="zh-CN" b="1" dirty="0">
-                <a:latin typeface="+mn-ea"/>
-              </a:endParaRPr>
-            </a:p>
-          </p:txBody>
-        </p:sp>
-      </p:grpSp>
-      <p:sp>
-        <p:nvSpPr>
-          <p:cNvPr id="11" name="文本框 10"/>
-          <p:cNvSpPr txBox="1"/>
-          <p:nvPr/>
-        </p:nvSpPr>
-        <p:spPr>
-          <a:xfrm>
-            <a:off x="284206" y="4225540"/>
-            <a:ext cx="8321509" cy="923330"/>
-          </a:xfrm>
-          <a:prstGeom prst="rect">
-            <a:avLst/>
-          </a:prstGeom>
-          <a:noFill/>
-        </p:spPr>
-        <p:txBody>
-          <a:bodyPr wrap="none" rtlCol="0">
-            <a:spAutoFit/>
-          </a:bodyPr>
-          <a:lstStyle/>
-          <a:p>
-            <a:pPr marL="285750" indent="-285750">
-              <a:buFont typeface="Arial" panose="020B0604020202020204" pitchFamily="34" charset="0"/>
-              <a:buChar char="•"/>
-            </a:pPr>
-            <a:r>
-              <a:rPr lang="zh-CN" altLang="en-US" dirty="0"/>
-              <a:t>如果一个索引包含（或者说覆盖）所有需要查询的字段的值，则为覆盖索引</a:t>
-            </a:r>
-            <a:r>
-              <a:rPr lang="zh-CN" altLang="en-US" dirty="0" smtClean="0"/>
-              <a:t>。</a:t>
-            </a:r>
-            <a:endParaRPr lang="en-US" altLang="zh-CN" dirty="0" smtClean="0"/>
-          </a:p>
-          <a:p>
-            <a:pPr marL="285750" indent="-285750">
-              <a:buFont typeface="Arial" panose="020B0604020202020204" pitchFamily="34" charset="0"/>
-              <a:buChar char="•"/>
-            </a:pPr>
-            <a:r>
-              <a:rPr lang="zh-CN" altLang="en-US" dirty="0" smtClean="0"/>
-              <a:t>覆盖索引不需要利用主键回表查询数据。</a:t>
-            </a:r>
-            <a:endParaRPr lang="en-US" altLang="zh-CN" dirty="0" smtClean="0"/>
-          </a:p>
-          <a:p>
-            <a:endParaRPr lang="zh-CN" altLang="en-US" dirty="0"/>
-          </a:p>
-        </p:txBody>
-      </p:sp>
-    </p:spTree>
-    <p:extLst>
-      <p:ext uri="{BB962C8B-B14F-4D97-AF65-F5344CB8AC3E}">
-        <p14:creationId xmlns:p14="http://schemas.microsoft.com/office/powerpoint/2010/main" val="577266009"/>
-      </p:ext>
-    </p:extLst>
-  </p:cSld>
-  <p:clrMapOvr>
-    <a:masterClrMapping/>
-  </p:clrMapOvr>
-  <p:timing>
-    <p:tnLst>
-      <p:par>
-        <p:cTn id="1" dur="indefinite" restart="never" nodeType="tmRoot"/>
-      </p:par>
-    </p:tnLst>
-  </p:timing>
-</p:sld>
-</file>
-
-<file path=ppt/slides/slide15.xml><?xml version="1.0" encoding="utf-8"?>
-<p:sld xmlns:a="http://schemas.openxmlformats.org/drawingml/2006/main" xmlns:r="http://schemas.openxmlformats.org/officeDocument/2006/relationships" xmlns:p="http://schemas.openxmlformats.org/presentationml/2006/main">
-  <p:cSld>
-    <p:spTree>
-      <p:nvGrpSpPr>
-        <p:cNvPr id="1" name=""/>
-        <p:cNvGrpSpPr/>
-        <p:nvPr/>
-      </p:nvGrpSpPr>
-      <p:grpSpPr>
-        <a:xfrm>
-          <a:off x="0" y="0"/>
-          <a:ext cx="0" cy="0"/>
-          <a:chOff x="0" y="0"/>
-          <a:chExt cx="0" cy="0"/>
-        </a:xfrm>
-      </p:grpSpPr>
-      <p:sp>
-        <p:nvSpPr>
-          <p:cNvPr id="2" name="文本框 1"/>
-          <p:cNvSpPr txBox="1"/>
-          <p:nvPr/>
-        </p:nvSpPr>
-        <p:spPr>
-          <a:xfrm flipH="1">
-            <a:off x="249160" y="177836"/>
-            <a:ext cx="6492298" cy="584775"/>
-          </a:xfrm>
-          <a:prstGeom prst="rect">
-            <a:avLst/>
-          </a:prstGeom>
-          <a:noFill/>
-        </p:spPr>
-        <p:txBody>
-          <a:bodyPr wrap="square" rtlCol="0">
-            <a:spAutoFit/>
-          </a:bodyPr>
-          <a:lstStyle/>
-          <a:p>
-            <a:r>
-              <a:rPr lang="zh-CN" altLang="en-US" sz="3200" b="1" dirty="0" smtClean="0">
-                <a:solidFill>
-                  <a:srgbClr val="52C018"/>
-                </a:solidFill>
-                <a:latin typeface="+mn-ea"/>
-              </a:rPr>
-              <a:t>索引应用</a:t>
-            </a:r>
-            <a:endParaRPr lang="zh-CN" altLang="en-US" sz="3200" b="1" dirty="0">
-              <a:solidFill>
-                <a:srgbClr val="52C018"/>
-              </a:solidFill>
-              <a:latin typeface="+mn-ea"/>
-            </a:endParaRPr>
-          </a:p>
-        </p:txBody>
-      </p:sp>
-      <p:sp>
-        <p:nvSpPr>
-          <p:cNvPr id="14" name="内容占位符 2"/>
-          <p:cNvSpPr txBox="1">
-            <a:spLocks/>
-          </p:cNvSpPr>
-          <p:nvPr/>
-        </p:nvSpPr>
-        <p:spPr>
-          <a:xfrm>
-            <a:off x="386011" y="1456879"/>
-            <a:ext cx="11433812" cy="3999865"/>
-          </a:xfrm>
-          <a:prstGeom prst="rect">
-            <a:avLst/>
-          </a:prstGeom>
-        </p:spPr>
-        <p:txBody>
-          <a:bodyPr/>
-          <a:lstStyle>
-            <a:lvl1pPr marL="228600" indent="-228600" algn="l" defTabSz="914400" rtl="0" eaLnBrk="1" latinLnBrk="0" hangingPunct="1">
-              <a:lnSpc>
-                <a:spcPct val="90000"/>
-              </a:lnSpc>
-              <a:spcBef>
-                <a:spcPts val="1000"/>
-              </a:spcBef>
-              <a:buFont typeface="Arial" panose="020B0604020202020204" pitchFamily="34" charset="0"/>
-              <a:buChar char="•"/>
-              <a:defRPr sz="2800" kern="1200">
-                <a:solidFill>
-                  <a:schemeClr val="tx1"/>
-                </a:solidFill>
-                <a:latin typeface="+mn-lt"/>
-                <a:ea typeface="+mn-ea"/>
-                <a:cs typeface="+mn-cs"/>
-              </a:defRPr>
-            </a:lvl1pPr>
-            <a:lvl2pPr marL="685800" indent="-228600" algn="l" defTabSz="914400" rtl="0" eaLnBrk="1" latinLnBrk="0" hangingPunct="1">
-              <a:lnSpc>
-                <a:spcPct val="90000"/>
-              </a:lnSpc>
-              <a:spcBef>
-                <a:spcPts val="500"/>
-              </a:spcBef>
-              <a:buFont typeface="Arial" panose="020B0604020202020204" pitchFamily="34" charset="0"/>
-              <a:buChar char="•"/>
-              <a:defRPr sz="2400" kern="1200">
-                <a:solidFill>
-                  <a:schemeClr val="tx1"/>
-                </a:solidFill>
-                <a:latin typeface="+mn-lt"/>
-                <a:ea typeface="+mn-ea"/>
-                <a:cs typeface="+mn-cs"/>
-              </a:defRPr>
-            </a:lvl2pPr>
-            <a:lvl3pPr marL="1143000" indent="-228600" algn="l" defTabSz="914400" rtl="0" eaLnBrk="1" latinLnBrk="0" hangingPunct="1">
-              <a:lnSpc>
-                <a:spcPct val="90000"/>
-              </a:lnSpc>
-              <a:spcBef>
-                <a:spcPts val="500"/>
-              </a:spcBef>
-              <a:buFont typeface="Arial" panose="020B0604020202020204" pitchFamily="34" charset="0"/>
-              <a:buChar char="•"/>
-              <a:defRPr sz="2000" kern="1200">
-                <a:solidFill>
-                  <a:schemeClr val="tx1"/>
-                </a:solidFill>
-                <a:latin typeface="+mn-lt"/>
-                <a:ea typeface="+mn-ea"/>
-                <a:cs typeface="+mn-cs"/>
-              </a:defRPr>
-            </a:lvl3pPr>
-            <a:lvl4pPr marL="1600200" indent="-228600" algn="l" defTabSz="914400" rtl="0" eaLnBrk="1" latinLnBrk="0" hangingPunct="1">
-              <a:lnSpc>
-                <a:spcPct val="90000"/>
-              </a:lnSpc>
-              <a:spcBef>
-                <a:spcPts val="500"/>
-              </a:spcBef>
-              <a:buFont typeface="Arial" panose="020B0604020202020204" pitchFamily="34" charset="0"/>
-              <a:buChar char="•"/>
-              <a:defRPr sz="1800" kern="1200">
-                <a:solidFill>
-                  <a:schemeClr val="tx1"/>
-                </a:solidFill>
-                <a:latin typeface="+mn-lt"/>
-                <a:ea typeface="+mn-ea"/>
-                <a:cs typeface="+mn-cs"/>
-              </a:defRPr>
-            </a:lvl4pPr>
-            <a:lvl5pPr marL="2057400" indent="-228600" algn="l" defTabSz="914400" rtl="0" eaLnBrk="1" latinLnBrk="0" hangingPunct="1">
-              <a:lnSpc>
-                <a:spcPct val="90000"/>
-              </a:lnSpc>
-              <a:spcBef>
-                <a:spcPts val="500"/>
-              </a:spcBef>
-              <a:buFont typeface="Arial" panose="020B0604020202020204" pitchFamily="34" charset="0"/>
-              <a:buChar char="•"/>
-              <a:defRPr sz="1800" kern="1200">
-                <a:solidFill>
-                  <a:schemeClr val="tx1"/>
-                </a:solidFill>
-                <a:latin typeface="+mn-lt"/>
-                <a:ea typeface="+mn-ea"/>
-                <a:cs typeface="+mn-cs"/>
-              </a:defRPr>
-            </a:lvl5pPr>
-            <a:lvl6pPr marL="2514600" indent="-228600" algn="l" defTabSz="914400" rtl="0" eaLnBrk="1" latinLnBrk="0" hangingPunct="1">
-              <a:lnSpc>
-                <a:spcPct val="90000"/>
-              </a:lnSpc>
-              <a:spcBef>
-                <a:spcPts val="500"/>
-              </a:spcBef>
-              <a:buFont typeface="Arial" panose="020B0604020202020204" pitchFamily="34" charset="0"/>
-              <a:buChar char="•"/>
-              <a:defRPr sz="1800" kern="1200">
-                <a:solidFill>
-                  <a:schemeClr val="tx1"/>
-                </a:solidFill>
-                <a:latin typeface="+mn-lt"/>
-                <a:ea typeface="+mn-ea"/>
-                <a:cs typeface="+mn-cs"/>
-              </a:defRPr>
-            </a:lvl6pPr>
-            <a:lvl7pPr marL="2971800" indent="-228600" algn="l" defTabSz="914400" rtl="0" eaLnBrk="1" latinLnBrk="0" hangingPunct="1">
-              <a:lnSpc>
-                <a:spcPct val="90000"/>
-              </a:lnSpc>
-              <a:spcBef>
-                <a:spcPts val="500"/>
-              </a:spcBef>
-              <a:buFont typeface="Arial" panose="020B0604020202020204" pitchFamily="34" charset="0"/>
-              <a:buChar char="•"/>
-              <a:defRPr sz="1800" kern="1200">
-                <a:solidFill>
-                  <a:schemeClr val="tx1"/>
-                </a:solidFill>
-                <a:latin typeface="+mn-lt"/>
-                <a:ea typeface="+mn-ea"/>
-                <a:cs typeface="+mn-cs"/>
-              </a:defRPr>
-            </a:lvl7pPr>
-            <a:lvl8pPr marL="3429000" indent="-228600" algn="l" defTabSz="914400" rtl="0" eaLnBrk="1" latinLnBrk="0" hangingPunct="1">
-              <a:lnSpc>
-                <a:spcPct val="90000"/>
-              </a:lnSpc>
-              <a:spcBef>
-                <a:spcPts val="500"/>
-              </a:spcBef>
-              <a:buFont typeface="Arial" panose="020B0604020202020204" pitchFamily="34" charset="0"/>
-              <a:buChar char="•"/>
-              <a:defRPr sz="1800" kern="1200">
-                <a:solidFill>
-                  <a:schemeClr val="tx1"/>
-                </a:solidFill>
-                <a:latin typeface="+mn-lt"/>
-                <a:ea typeface="+mn-ea"/>
-                <a:cs typeface="+mn-cs"/>
-              </a:defRPr>
-            </a:lvl8pPr>
-            <a:lvl9pPr marL="3886200" indent="-228600" algn="l" defTabSz="914400" rtl="0" eaLnBrk="1" latinLnBrk="0" hangingPunct="1">
-              <a:lnSpc>
-                <a:spcPct val="90000"/>
-              </a:lnSpc>
-              <a:spcBef>
-                <a:spcPts val="500"/>
-              </a:spcBef>
-              <a:buFont typeface="Arial" panose="020B0604020202020204" pitchFamily="34" charset="0"/>
-              <a:buChar char="•"/>
-              <a:defRPr sz="1800" kern="1200">
-                <a:solidFill>
-                  <a:schemeClr val="tx1"/>
-                </a:solidFill>
-                <a:latin typeface="+mn-lt"/>
-                <a:ea typeface="+mn-ea"/>
-                <a:cs typeface="+mn-cs"/>
-              </a:defRPr>
-            </a:lvl9pPr>
-          </a:lstStyle>
-          <a:p>
-            <a:r>
-              <a:rPr lang="zh-CN" altLang="en-US" sz="1600" b="1" dirty="0" smtClean="0">
-                <a:latin typeface="+mn-ea"/>
-              </a:rPr>
-              <a:t>冗余索引</a:t>
-            </a:r>
-            <a:endParaRPr lang="en-US" altLang="zh-CN" sz="1600" b="1" dirty="0" smtClean="0">
-              <a:latin typeface="+mn-ea"/>
-            </a:endParaRPr>
-          </a:p>
-          <a:p>
-            <a:pPr lvl="1"/>
-            <a:r>
-              <a:rPr lang="zh-CN" altLang="en-US" sz="1600" dirty="0" smtClean="0">
-                <a:latin typeface="+mn-ea"/>
-              </a:rPr>
-              <a:t>如果创建了索引</a:t>
-            </a:r>
-            <a:r>
-              <a:rPr lang="en-US" altLang="zh-CN" sz="1600" dirty="0" smtClean="0">
-                <a:latin typeface="+mn-ea"/>
-              </a:rPr>
-              <a:t>(A,B),</a:t>
-            </a:r>
-            <a:r>
-              <a:rPr lang="zh-CN" altLang="en-US" sz="1600" dirty="0" smtClean="0">
-                <a:latin typeface="+mn-ea"/>
-              </a:rPr>
-              <a:t>再创建索引</a:t>
-            </a:r>
-            <a:r>
-              <a:rPr lang="en-US" altLang="zh-CN" sz="1600" dirty="0" smtClean="0">
-                <a:latin typeface="+mn-ea"/>
-              </a:rPr>
-              <a:t>(A)</a:t>
-            </a:r>
-            <a:r>
-              <a:rPr lang="zh-CN" altLang="en-US" sz="1600" dirty="0" smtClean="0">
-                <a:latin typeface="+mn-ea"/>
-              </a:rPr>
-              <a:t>就是冗余索引，因为这只是前一个索引的前缀索引。</a:t>
-            </a:r>
-            <a:endParaRPr lang="en-US" altLang="zh-CN" sz="1600" dirty="0" smtClean="0">
-              <a:latin typeface="+mn-ea"/>
-            </a:endParaRPr>
-          </a:p>
-          <a:p>
-            <a:pPr lvl="1"/>
-            <a:r>
-              <a:rPr lang="zh-CN" altLang="en-US" sz="1600" dirty="0" smtClean="0">
-                <a:latin typeface="+mn-ea"/>
-              </a:rPr>
-              <a:t>例如：有人可能会增加一个新的索引</a:t>
-            </a:r>
-            <a:r>
-              <a:rPr lang="en-US" altLang="zh-CN" sz="1600" dirty="0" smtClean="0">
-                <a:latin typeface="+mn-ea"/>
-              </a:rPr>
-              <a:t>(A</a:t>
-            </a:r>
-            <a:r>
-              <a:rPr lang="zh-CN" altLang="en-US" sz="1600" dirty="0" smtClean="0">
-                <a:latin typeface="+mn-ea"/>
-              </a:rPr>
-              <a:t>，</a:t>
-            </a:r>
-            <a:r>
-              <a:rPr lang="en-US" altLang="zh-CN" sz="1600" dirty="0" smtClean="0">
-                <a:latin typeface="+mn-ea"/>
-              </a:rPr>
-              <a:t>B)</a:t>
-            </a:r>
-            <a:r>
-              <a:rPr lang="zh-CN" altLang="en-US" sz="1600" dirty="0" smtClean="0">
-                <a:latin typeface="+mn-ea"/>
-              </a:rPr>
-              <a:t>而不是扩展已有的索引</a:t>
-            </a:r>
-            <a:r>
-              <a:rPr lang="en-US" altLang="zh-CN" sz="1600" dirty="0" smtClean="0">
-                <a:latin typeface="+mn-ea"/>
-              </a:rPr>
-              <a:t>(A)</a:t>
-            </a:r>
-            <a:r>
-              <a:rPr lang="zh-CN" altLang="en-US" sz="1600" dirty="0" smtClean="0">
-                <a:latin typeface="+mn-ea"/>
-              </a:rPr>
-              <a:t>。</a:t>
-            </a:r>
-            <a:endParaRPr lang="en-US" altLang="zh-CN" sz="1600" dirty="0" smtClean="0">
-              <a:latin typeface="+mn-ea"/>
-            </a:endParaRPr>
-          </a:p>
-          <a:p>
-            <a:pPr lvl="1"/>
-            <a:r>
-              <a:rPr lang="zh-CN" altLang="en-US" sz="1600" dirty="0" smtClean="0">
-                <a:latin typeface="+mn-ea"/>
-              </a:rPr>
-              <a:t>例如：还有一种情况是将一个索引扩展为</a:t>
-            </a:r>
-            <a:r>
-              <a:rPr lang="en-US" altLang="zh-CN" sz="1600" dirty="0" smtClean="0">
-                <a:latin typeface="+mn-ea"/>
-              </a:rPr>
-              <a:t>(A,ID),</a:t>
-            </a:r>
-            <a:r>
-              <a:rPr lang="zh-CN" altLang="en-US" sz="1600" dirty="0" smtClean="0">
-                <a:latin typeface="+mn-ea"/>
-              </a:rPr>
-              <a:t>其中</a:t>
-            </a:r>
-            <a:r>
-              <a:rPr lang="en-US" altLang="zh-CN" sz="1600" dirty="0" smtClean="0">
-                <a:latin typeface="+mn-ea"/>
-              </a:rPr>
-              <a:t>ID</a:t>
-            </a:r>
-            <a:r>
-              <a:rPr lang="zh-CN" altLang="en-US" sz="1600" dirty="0" smtClean="0">
-                <a:latin typeface="+mn-ea"/>
-              </a:rPr>
-              <a:t>是主键，对于</a:t>
-            </a:r>
-            <a:r>
-              <a:rPr lang="en-US" altLang="zh-CN" sz="1600" dirty="0" err="1" smtClean="0">
-                <a:latin typeface="+mn-ea"/>
-              </a:rPr>
-              <a:t>InnoDB</a:t>
-            </a:r>
-            <a:r>
-              <a:rPr lang="zh-CN" altLang="en-US" sz="1600" dirty="0" smtClean="0">
-                <a:latin typeface="+mn-ea"/>
-              </a:rPr>
-              <a:t>来说主键已经包含在二级索引中了，所以这也是冗余</a:t>
-            </a:r>
-            <a:r>
-              <a:rPr lang="zh-CN" altLang="en-US" sz="1600" dirty="0" smtClean="0">
-                <a:latin typeface="+mn-ea"/>
-              </a:rPr>
-              <a:t>的。</a:t>
-            </a:r>
-            <a:endParaRPr lang="en-US" altLang="zh-CN" sz="1600" dirty="0" smtClean="0">
-              <a:latin typeface="+mn-ea"/>
-            </a:endParaRPr>
-          </a:p>
-          <a:p>
-            <a:pPr marL="285750" lvl="1" indent="-285750"/>
-            <a:r>
-              <a:rPr lang="zh-CN" altLang="en-US" sz="1600" b="1" dirty="0" smtClean="0">
-                <a:latin typeface="+mn-ea"/>
-              </a:rPr>
-              <a:t>重复索引</a:t>
-            </a:r>
-            <a:endParaRPr lang="en-US" altLang="zh-CN" sz="1600" b="1" dirty="0" smtClean="0">
-              <a:latin typeface="+mn-ea"/>
-            </a:endParaRPr>
-          </a:p>
-          <a:p>
-            <a:pPr lvl="1"/>
-            <a:r>
-              <a:rPr lang="zh-CN" altLang="en-US" sz="1600" dirty="0" smtClean="0">
-                <a:latin typeface="+mn-ea"/>
-              </a:rPr>
-              <a:t>例如</a:t>
-            </a:r>
-            <a:r>
-              <a:rPr lang="zh-CN" altLang="en-US" sz="1600" dirty="0" smtClean="0">
-                <a:latin typeface="+mn-ea"/>
-              </a:rPr>
-              <a:t>如下代码：</a:t>
-            </a:r>
-            <a:r>
-              <a:rPr lang="en-US" altLang="zh-CN" sz="1600" dirty="0" smtClean="0">
-                <a:latin typeface="+mn-ea"/>
-              </a:rPr>
-              <a:t>CREATE TABLE test (ID INT NOT NULL PRIMARY KEY, A INT NOT NULL,B INT NOT NULL,UNIQUE(ID),INDEX(ID)) ENGINE = </a:t>
-            </a:r>
-            <a:r>
-              <a:rPr lang="en-US" altLang="zh-CN" sz="1600" dirty="0" err="1" smtClean="0">
-                <a:latin typeface="+mn-ea"/>
-              </a:rPr>
-              <a:t>InnoDB</a:t>
-            </a:r>
-            <a:r>
-              <a:rPr lang="zh-CN" altLang="en-US" sz="1600" dirty="0" smtClean="0">
-                <a:latin typeface="+mn-ea"/>
-              </a:rPr>
-              <a:t>创建三个相同的索引</a:t>
-            </a:r>
-            <a:endParaRPr lang="en-US" altLang="zh-CN" sz="1600" dirty="0" smtClean="0">
-              <a:latin typeface="+mn-ea"/>
-            </a:endParaRPr>
-          </a:p>
-          <a:p>
-            <a:pPr lvl="1"/>
-            <a:r>
-              <a:rPr lang="zh-CN" altLang="en-US" sz="1600" dirty="0" smtClean="0">
-                <a:latin typeface="+mn-ea"/>
-              </a:rPr>
-              <a:t>通常并没有理由这样做，除非是在同一列上创建不同类型的索引来满足不同的查询需求。</a:t>
-            </a:r>
-            <a:endParaRPr lang="en-US" altLang="zh-CN" sz="1600" dirty="0" smtClean="0">
-              <a:latin typeface="+mn-ea"/>
-            </a:endParaRPr>
-          </a:p>
-          <a:p>
-            <a:r>
-              <a:rPr lang="zh-CN" altLang="en-US" sz="1600" b="1" dirty="0" smtClean="0">
-                <a:latin typeface="+mn-ea"/>
-              </a:rPr>
-              <a:t>未使用的索引</a:t>
-            </a:r>
-            <a:endParaRPr lang="en-US" altLang="zh-CN" sz="1600" b="1" dirty="0" smtClean="0">
-              <a:latin typeface="+mn-ea"/>
-            </a:endParaRPr>
-          </a:p>
-          <a:p>
-            <a:pPr lvl="1"/>
-            <a:r>
-              <a:rPr lang="zh-CN" altLang="en-US" sz="1600" dirty="0" smtClean="0">
-                <a:latin typeface="+mn-ea"/>
-              </a:rPr>
-              <a:t>对于服务器上一些永远不用的索引，完全是累赘，建议考虑删除。</a:t>
-            </a:r>
-            <a:endParaRPr lang="en-US" altLang="zh-CN" sz="1600" dirty="0">
-              <a:latin typeface="+mn-ea"/>
-            </a:endParaRPr>
-          </a:p>
-        </p:txBody>
-      </p:sp>
-    </p:spTree>
-    <p:extLst>
-      <p:ext uri="{BB962C8B-B14F-4D97-AF65-F5344CB8AC3E}">
-        <p14:creationId xmlns:p14="http://schemas.microsoft.com/office/powerpoint/2010/main" val="562850250"/>
-      </p:ext>
-    </p:extLst>
-  </p:cSld>
-  <p:clrMapOvr>
-    <a:masterClrMapping/>
-  </p:clrMapOvr>
-  <p:timing>
-    <p:tnLst>
-      <p:par>
-        <p:cTn id="1" dur="indefinite" restart="never" nodeType="tmRoot"/>
-      </p:par>
-    </p:tnLst>
-  </p:timing>
-</p:sld>
-</file>
-
-<file path=ppt/slides/slide16.xml><?xml version="1.0" encoding="utf-8"?>
-<p:sld xmlns:a="http://schemas.openxmlformats.org/drawingml/2006/main" xmlns:r="http://schemas.openxmlformats.org/officeDocument/2006/relationships" xmlns:p="http://schemas.openxmlformats.org/presentationml/2006/main">
-  <p:cSld>
-    <p:spTree>
-      <p:nvGrpSpPr>
-        <p:cNvPr id="1" name=""/>
-        <p:cNvGrpSpPr/>
-        <p:nvPr/>
-      </p:nvGrpSpPr>
-      <p:grpSpPr>
-        <a:xfrm>
-          <a:off x="0" y="0"/>
-          <a:ext cx="0" cy="0"/>
-          <a:chOff x="0" y="0"/>
-          <a:chExt cx="0" cy="0"/>
-        </a:xfrm>
-      </p:grpSpPr>
-      <p:sp>
-        <p:nvSpPr>
-          <p:cNvPr id="2" name="文本框 1"/>
-          <p:cNvSpPr txBox="1"/>
-          <p:nvPr/>
-        </p:nvSpPr>
-        <p:spPr>
-          <a:xfrm flipH="1">
-            <a:off x="249160" y="177836"/>
-            <a:ext cx="6492298" cy="584775"/>
-          </a:xfrm>
-          <a:prstGeom prst="rect">
-            <a:avLst/>
-          </a:prstGeom>
-          <a:noFill/>
-        </p:spPr>
-        <p:txBody>
-          <a:bodyPr wrap="square" rtlCol="0">
-            <a:spAutoFit/>
-          </a:bodyPr>
-          <a:lstStyle/>
-          <a:p>
-            <a:r>
-              <a:rPr lang="zh-CN" altLang="en-US" sz="3200" b="1" dirty="0" smtClean="0">
-                <a:solidFill>
-                  <a:srgbClr val="52C018"/>
-                </a:solidFill>
-                <a:latin typeface="+mn-ea"/>
-              </a:rPr>
-              <a:t>索引应用</a:t>
-            </a:r>
-            <a:endParaRPr lang="zh-CN" altLang="en-US" sz="3200" b="1" dirty="0">
-              <a:solidFill>
-                <a:srgbClr val="52C018"/>
-              </a:solidFill>
-              <a:latin typeface="+mn-ea"/>
-            </a:endParaRPr>
-          </a:p>
-        </p:txBody>
-      </p:sp>
-      <p:sp>
-        <p:nvSpPr>
-          <p:cNvPr id="4" name="内容占位符 2"/>
-          <p:cNvSpPr txBox="1">
-            <a:spLocks/>
-          </p:cNvSpPr>
-          <p:nvPr/>
-        </p:nvSpPr>
-        <p:spPr>
-          <a:xfrm>
-            <a:off x="528684" y="1333662"/>
-            <a:ext cx="10547878" cy="5115264"/>
-          </a:xfrm>
-          <a:prstGeom prst="rect">
-            <a:avLst/>
-          </a:prstGeom>
-        </p:spPr>
-        <p:txBody>
-          <a:bodyPr/>
-          <a:lstStyle>
-            <a:lvl1pPr marL="228600" indent="-228600" algn="l" defTabSz="914400" rtl="0" eaLnBrk="1" latinLnBrk="0" hangingPunct="1">
-              <a:lnSpc>
-                <a:spcPct val="90000"/>
-              </a:lnSpc>
-              <a:spcBef>
-                <a:spcPts val="1000"/>
-              </a:spcBef>
-              <a:buFont typeface="Arial" panose="020B0604020202020204" pitchFamily="34" charset="0"/>
-              <a:buChar char="•"/>
-              <a:defRPr sz="2800" kern="1200">
-                <a:solidFill>
-                  <a:schemeClr val="tx1"/>
-                </a:solidFill>
-                <a:latin typeface="+mn-lt"/>
-                <a:ea typeface="+mn-ea"/>
-                <a:cs typeface="+mn-cs"/>
-              </a:defRPr>
-            </a:lvl1pPr>
-            <a:lvl2pPr marL="685800" indent="-228600" algn="l" defTabSz="914400" rtl="0" eaLnBrk="1" latinLnBrk="0" hangingPunct="1">
-              <a:lnSpc>
-                <a:spcPct val="90000"/>
-              </a:lnSpc>
-              <a:spcBef>
-                <a:spcPts val="500"/>
-              </a:spcBef>
-              <a:buFont typeface="Arial" panose="020B0604020202020204" pitchFamily="34" charset="0"/>
-              <a:buChar char="•"/>
-              <a:defRPr sz="2400" kern="1200">
-                <a:solidFill>
-                  <a:schemeClr val="tx1"/>
-                </a:solidFill>
-                <a:latin typeface="+mn-lt"/>
-                <a:ea typeface="+mn-ea"/>
-                <a:cs typeface="+mn-cs"/>
-              </a:defRPr>
-            </a:lvl2pPr>
-            <a:lvl3pPr marL="1143000" indent="-228600" algn="l" defTabSz="914400" rtl="0" eaLnBrk="1" latinLnBrk="0" hangingPunct="1">
-              <a:lnSpc>
-                <a:spcPct val="90000"/>
-              </a:lnSpc>
-              <a:spcBef>
-                <a:spcPts val="500"/>
-              </a:spcBef>
-              <a:buFont typeface="Arial" panose="020B0604020202020204" pitchFamily="34" charset="0"/>
-              <a:buChar char="•"/>
-              <a:defRPr sz="2000" kern="1200">
-                <a:solidFill>
-                  <a:schemeClr val="tx1"/>
-                </a:solidFill>
-                <a:latin typeface="+mn-lt"/>
-                <a:ea typeface="+mn-ea"/>
-                <a:cs typeface="+mn-cs"/>
-              </a:defRPr>
-            </a:lvl3pPr>
-            <a:lvl4pPr marL="1600200" indent="-228600" algn="l" defTabSz="914400" rtl="0" eaLnBrk="1" latinLnBrk="0" hangingPunct="1">
-              <a:lnSpc>
-                <a:spcPct val="90000"/>
-              </a:lnSpc>
-              <a:spcBef>
-                <a:spcPts val="500"/>
-              </a:spcBef>
-              <a:buFont typeface="Arial" panose="020B0604020202020204" pitchFamily="34" charset="0"/>
-              <a:buChar char="•"/>
-              <a:defRPr sz="1800" kern="1200">
-                <a:solidFill>
-                  <a:schemeClr val="tx1"/>
-                </a:solidFill>
-                <a:latin typeface="+mn-lt"/>
-                <a:ea typeface="+mn-ea"/>
-                <a:cs typeface="+mn-cs"/>
-              </a:defRPr>
-            </a:lvl4pPr>
-            <a:lvl5pPr marL="2057400" indent="-228600" algn="l" defTabSz="914400" rtl="0" eaLnBrk="1" latinLnBrk="0" hangingPunct="1">
-              <a:lnSpc>
-                <a:spcPct val="90000"/>
-              </a:lnSpc>
-              <a:spcBef>
-                <a:spcPts val="500"/>
-              </a:spcBef>
-              <a:buFont typeface="Arial" panose="020B0604020202020204" pitchFamily="34" charset="0"/>
-              <a:buChar char="•"/>
-              <a:defRPr sz="1800" kern="1200">
-                <a:solidFill>
-                  <a:schemeClr val="tx1"/>
-                </a:solidFill>
-                <a:latin typeface="+mn-lt"/>
-                <a:ea typeface="+mn-ea"/>
-                <a:cs typeface="+mn-cs"/>
-              </a:defRPr>
-            </a:lvl5pPr>
-            <a:lvl6pPr marL="2514600" indent="-228600" algn="l" defTabSz="914400" rtl="0" eaLnBrk="1" latinLnBrk="0" hangingPunct="1">
-              <a:lnSpc>
-                <a:spcPct val="90000"/>
-              </a:lnSpc>
-              <a:spcBef>
-                <a:spcPts val="500"/>
-              </a:spcBef>
-              <a:buFont typeface="Arial" panose="020B0604020202020204" pitchFamily="34" charset="0"/>
-              <a:buChar char="•"/>
-              <a:defRPr sz="1800" kern="1200">
-                <a:solidFill>
-                  <a:schemeClr val="tx1"/>
-                </a:solidFill>
-                <a:latin typeface="+mn-lt"/>
-                <a:ea typeface="+mn-ea"/>
-                <a:cs typeface="+mn-cs"/>
-              </a:defRPr>
-            </a:lvl6pPr>
-            <a:lvl7pPr marL="2971800" indent="-228600" algn="l" defTabSz="914400" rtl="0" eaLnBrk="1" latinLnBrk="0" hangingPunct="1">
-              <a:lnSpc>
-                <a:spcPct val="90000"/>
-              </a:lnSpc>
-              <a:spcBef>
-                <a:spcPts val="500"/>
-              </a:spcBef>
-              <a:buFont typeface="Arial" panose="020B0604020202020204" pitchFamily="34" charset="0"/>
-              <a:buChar char="•"/>
-              <a:defRPr sz="1800" kern="1200">
-                <a:solidFill>
-                  <a:schemeClr val="tx1"/>
-                </a:solidFill>
-                <a:latin typeface="+mn-lt"/>
-                <a:ea typeface="+mn-ea"/>
-                <a:cs typeface="+mn-cs"/>
-              </a:defRPr>
-            </a:lvl7pPr>
-            <a:lvl8pPr marL="3429000" indent="-228600" algn="l" defTabSz="914400" rtl="0" eaLnBrk="1" latinLnBrk="0" hangingPunct="1">
-              <a:lnSpc>
-                <a:spcPct val="90000"/>
-              </a:lnSpc>
-              <a:spcBef>
-                <a:spcPts val="500"/>
-              </a:spcBef>
-              <a:buFont typeface="Arial" panose="020B0604020202020204" pitchFamily="34" charset="0"/>
-              <a:buChar char="•"/>
-              <a:defRPr sz="1800" kern="1200">
-                <a:solidFill>
-                  <a:schemeClr val="tx1"/>
-                </a:solidFill>
-                <a:latin typeface="+mn-lt"/>
-                <a:ea typeface="+mn-ea"/>
-                <a:cs typeface="+mn-cs"/>
-              </a:defRPr>
-            </a:lvl8pPr>
-            <a:lvl9pPr marL="3886200" indent="-228600" algn="l" defTabSz="914400" rtl="0" eaLnBrk="1" latinLnBrk="0" hangingPunct="1">
-              <a:lnSpc>
-                <a:spcPct val="90000"/>
-              </a:lnSpc>
-              <a:spcBef>
-                <a:spcPts val="500"/>
-              </a:spcBef>
-              <a:buFont typeface="Arial" panose="020B0604020202020204" pitchFamily="34" charset="0"/>
-              <a:buChar char="•"/>
-              <a:defRPr sz="1800" kern="1200">
-                <a:solidFill>
-                  <a:schemeClr val="tx1"/>
-                </a:solidFill>
-                <a:latin typeface="+mn-lt"/>
-                <a:ea typeface="+mn-ea"/>
-                <a:cs typeface="+mn-cs"/>
-              </a:defRPr>
-            </a:lvl9pPr>
-          </a:lstStyle>
-          <a:p>
-            <a:r>
-              <a:rPr lang="zh-CN" altLang="en-US" sz="1600" b="1" dirty="0" smtClean="0">
-                <a:latin typeface="+mn-ea"/>
-              </a:rPr>
-              <a:t>过滤条件</a:t>
-            </a:r>
-            <a:endParaRPr lang="en-US" altLang="zh-CN" sz="1600" b="1" dirty="0" smtClean="0">
-              <a:latin typeface="+mn-ea"/>
-            </a:endParaRPr>
-          </a:p>
-          <a:p>
-            <a:pPr lvl="1"/>
-            <a:r>
-              <a:rPr lang="zh-CN" altLang="en-US" sz="1600" dirty="0" smtClean="0">
-                <a:latin typeface="+mn-ea"/>
-              </a:rPr>
-              <a:t>可以通过使用</a:t>
-            </a:r>
-            <a:r>
-              <a:rPr lang="en-US" altLang="zh-CN" sz="1600" dirty="0" smtClean="0">
-                <a:latin typeface="+mn-ea"/>
-              </a:rPr>
-              <a:t>IN</a:t>
-            </a:r>
-            <a:r>
-              <a:rPr lang="zh-CN" altLang="en-US" sz="1600" dirty="0" smtClean="0">
-                <a:latin typeface="+mn-ea"/>
-              </a:rPr>
-              <a:t>语句让</a:t>
-            </a:r>
-            <a:r>
-              <a:rPr lang="en-US" altLang="zh-CN" sz="1600" dirty="0" smtClean="0">
-                <a:latin typeface="+mn-ea"/>
-              </a:rPr>
-              <a:t>MySQL</a:t>
-            </a:r>
-            <a:r>
-              <a:rPr lang="zh-CN" altLang="en-US" sz="1600" dirty="0" smtClean="0">
-                <a:latin typeface="+mn-ea"/>
-              </a:rPr>
-              <a:t>使用索引，避免使用范围查询导致</a:t>
-            </a:r>
-            <a:r>
-              <a:rPr lang="en-US" altLang="zh-CN" sz="1600" dirty="0" smtClean="0">
-                <a:latin typeface="+mn-ea"/>
-              </a:rPr>
-              <a:t>SQL</a:t>
-            </a:r>
-            <a:r>
-              <a:rPr lang="zh-CN" altLang="en-US" sz="1600" dirty="0" smtClean="0">
-                <a:latin typeface="+mn-ea"/>
-              </a:rPr>
-              <a:t>语句无法使用索引。</a:t>
-            </a:r>
-            <a:endParaRPr lang="en-US" altLang="zh-CN" sz="1600" dirty="0" smtClean="0">
-              <a:latin typeface="+mn-ea"/>
-            </a:endParaRPr>
-          </a:p>
-          <a:p>
-            <a:pPr lvl="1"/>
-            <a:r>
-              <a:rPr lang="zh-CN" altLang="en-US" sz="1600" dirty="0" smtClean="0">
-                <a:latin typeface="+mn-ea"/>
-              </a:rPr>
-              <a:t>在有更多不同值的列上创建索引的选择性会更好。一般来说这样做都是对的，因为可以让</a:t>
-            </a:r>
-            <a:r>
-              <a:rPr lang="en-US" altLang="zh-CN" sz="1600" dirty="0" smtClean="0">
-                <a:latin typeface="+mn-ea"/>
-              </a:rPr>
-              <a:t>MySQL</a:t>
-            </a:r>
-            <a:r>
-              <a:rPr lang="zh-CN" altLang="en-US" sz="1600" dirty="0" smtClean="0">
-                <a:latin typeface="+mn-ea"/>
-              </a:rPr>
-              <a:t>更有效的过滤掉不需要的行。</a:t>
-            </a:r>
-            <a:endParaRPr lang="en-US" altLang="zh-CN" sz="1600" dirty="0" smtClean="0">
-              <a:latin typeface="+mn-ea"/>
-            </a:endParaRPr>
-          </a:p>
-          <a:p>
-            <a:pPr lvl="1"/>
-            <a:r>
-              <a:rPr lang="zh-CN" altLang="en-US" sz="1600" dirty="0" smtClean="0">
-                <a:latin typeface="+mn-ea"/>
-              </a:rPr>
-              <a:t>尽可能将需要做范围查询的列放到索引的后面，以便优化器能使用尽可能多的索引列。</a:t>
-            </a:r>
-            <a:endParaRPr lang="en-US" altLang="zh-CN" sz="1600" dirty="0" smtClean="0">
-              <a:latin typeface="+mn-ea"/>
-            </a:endParaRPr>
-          </a:p>
-          <a:p>
-            <a:pPr lvl="1"/>
-            <a:r>
-              <a:rPr lang="zh-CN" altLang="en-US" sz="1600" dirty="0" smtClean="0">
-                <a:latin typeface="+mn-ea"/>
-              </a:rPr>
-              <a:t>考虑表上的所有选项。当设计索引时，不要只为现有的查询考虑需要哪些索引，还需要考虑对查询进行优化。</a:t>
-            </a:r>
-            <a:endParaRPr lang="en-US" altLang="zh-CN" sz="1600" dirty="0" smtClean="0">
-              <a:latin typeface="+mn-ea"/>
-            </a:endParaRPr>
-          </a:p>
-          <a:p>
-            <a:pPr marL="285750" lvl="1" indent="-285750"/>
-            <a:r>
-              <a:rPr lang="zh-CN" altLang="en-US" sz="1600" b="1" dirty="0" smtClean="0">
-                <a:latin typeface="+mn-ea"/>
-              </a:rPr>
-              <a:t>避免多个范围条件</a:t>
-            </a:r>
-            <a:endParaRPr lang="en-US" altLang="zh-CN" sz="1600" b="1" dirty="0" smtClean="0">
-              <a:latin typeface="+mn-ea"/>
-            </a:endParaRPr>
-          </a:p>
-          <a:p>
-            <a:pPr lvl="1"/>
-            <a:r>
-              <a:rPr lang="zh-CN" altLang="en-US" sz="1600" dirty="0" smtClean="0">
-                <a:latin typeface="+mn-ea"/>
-              </a:rPr>
-              <a:t>多个范围查找只能使用其中一个索引，无法同时使用</a:t>
-            </a:r>
-            <a:endParaRPr lang="en-US" altLang="zh-CN" sz="1600" dirty="0" smtClean="0">
-              <a:latin typeface="+mn-ea"/>
-            </a:endParaRPr>
-          </a:p>
-          <a:p>
-            <a:pPr lvl="1"/>
-            <a:r>
-              <a:rPr lang="en-US" altLang="zh-CN" sz="1600" dirty="0" smtClean="0">
-                <a:latin typeface="+mn-ea"/>
-              </a:rPr>
-              <a:t>MySQL</a:t>
-            </a:r>
-            <a:r>
-              <a:rPr lang="zh-CN" altLang="en-US" sz="1600" dirty="0" smtClean="0">
-                <a:latin typeface="+mn-ea"/>
-              </a:rPr>
-              <a:t>无法再使用范围列后面的其他索引列了，但是对于</a:t>
-            </a:r>
-            <a:r>
-              <a:rPr lang="en-US" altLang="zh-CN" sz="1600" dirty="0" smtClean="0">
-                <a:latin typeface="+mn-ea"/>
-              </a:rPr>
-              <a:t>"</a:t>
-            </a:r>
-            <a:r>
-              <a:rPr lang="zh-CN" altLang="en-US" sz="1600" dirty="0" smtClean="0">
-                <a:latin typeface="+mn-ea"/>
-              </a:rPr>
-              <a:t>多个等值条件查询</a:t>
-            </a:r>
-            <a:r>
-              <a:rPr lang="en-US" altLang="zh-CN" sz="1600" dirty="0" smtClean="0">
-                <a:latin typeface="+mn-ea"/>
-              </a:rPr>
-              <a:t>"</a:t>
-            </a:r>
-            <a:r>
-              <a:rPr lang="zh-CN" altLang="en-US" sz="1600" dirty="0" smtClean="0">
-                <a:latin typeface="+mn-ea"/>
-              </a:rPr>
-              <a:t>则没有这个限制。</a:t>
-            </a:r>
-            <a:endParaRPr lang="en-US" altLang="zh-CN" sz="1600" dirty="0" smtClean="0">
-              <a:latin typeface="+mn-ea"/>
-            </a:endParaRPr>
-          </a:p>
-          <a:p>
-            <a:r>
-              <a:rPr lang="zh-CN" altLang="en-US" sz="1600" b="1" dirty="0" smtClean="0">
-                <a:latin typeface="+mn-ea"/>
-              </a:rPr>
-              <a:t>优化排序</a:t>
-            </a:r>
-            <a:endParaRPr lang="en-US" altLang="zh-CN" sz="1600" b="1" dirty="0" smtClean="0">
-              <a:latin typeface="+mn-ea"/>
-            </a:endParaRPr>
-          </a:p>
-          <a:p>
-            <a:pPr lvl="1"/>
-            <a:r>
-              <a:rPr lang="zh-CN" altLang="en-US" sz="1600" dirty="0" smtClean="0">
-                <a:latin typeface="+mn-ea"/>
-              </a:rPr>
-              <a:t>对于那些选择性非常低的列，可以增加一些特殊的索引来锁排序。</a:t>
-            </a:r>
-            <a:endParaRPr lang="en-US" altLang="zh-CN" sz="1600" dirty="0" smtClean="0">
-              <a:latin typeface="+mn-ea"/>
-            </a:endParaRPr>
-          </a:p>
-          <a:p>
-            <a:r>
-              <a:rPr lang="zh-CN" altLang="en-US" sz="1600" b="1" dirty="0" smtClean="0">
-                <a:latin typeface="+mn-ea"/>
-              </a:rPr>
-              <a:t>延迟关联</a:t>
-            </a:r>
-            <a:endParaRPr lang="en-US" altLang="zh-CN" sz="1600" dirty="0" smtClean="0">
-              <a:latin typeface="+mn-ea"/>
-            </a:endParaRPr>
-          </a:p>
-          <a:p>
-            <a:pPr lvl="1"/>
-            <a:r>
-              <a:rPr lang="zh-CN" altLang="en-US" sz="1600" dirty="0" smtClean="0">
-                <a:latin typeface="+mn-ea"/>
-              </a:rPr>
-              <a:t>优化索引另一个比较好的策略是使用延迟关联，通过使用覆盖索引查询返回需要的主键，再根据这些主键关联原表获得需要的行。这可以减少</a:t>
-            </a:r>
-            <a:r>
-              <a:rPr lang="en-US" altLang="zh-CN" sz="1600" dirty="0" smtClean="0">
-                <a:latin typeface="+mn-ea"/>
-              </a:rPr>
-              <a:t>MySQL</a:t>
-            </a:r>
-            <a:r>
-              <a:rPr lang="zh-CN" altLang="en-US" sz="1600" dirty="0" smtClean="0">
-                <a:latin typeface="+mn-ea"/>
-              </a:rPr>
-              <a:t>扫描那些需要丢弃的行数。</a:t>
-            </a:r>
-            <a:endParaRPr lang="en-US" altLang="zh-CN" sz="1600" dirty="0">
-              <a:latin typeface="+mn-ea"/>
-            </a:endParaRPr>
-          </a:p>
-        </p:txBody>
-      </p:sp>
-    </p:spTree>
-    <p:extLst>
-      <p:ext uri="{BB962C8B-B14F-4D97-AF65-F5344CB8AC3E}">
-        <p14:creationId xmlns:p14="http://schemas.microsoft.com/office/powerpoint/2010/main" val="3053393940"/>
-      </p:ext>
-    </p:extLst>
-  </p:cSld>
-  <p:clrMapOvr>
-    <a:masterClrMapping/>
-  </p:clrMapOvr>
-  <p:timing>
-    <p:tnLst>
-      <p:par>
-        <p:cTn id="1" dur="indefinite" restart="never" nodeType="tmRoot"/>
-      </p:par>
-    </p:tnLst>
-  </p:timing>
-</p:sld>
-</file>
-
-<file path=ppt/slides/slide17.xml><?xml version="1.0" encoding="utf-8"?>
-<p:sld xmlns:a="http://schemas.openxmlformats.org/drawingml/2006/main" xmlns:r="http://schemas.openxmlformats.org/officeDocument/2006/relationships" xmlns:p="http://schemas.openxmlformats.org/presentationml/2006/main">
-  <p:cSld>
-    <p:spTree>
-      <p:nvGrpSpPr>
-        <p:cNvPr id="1" name=""/>
-        <p:cNvGrpSpPr/>
-        <p:nvPr/>
-      </p:nvGrpSpPr>
-      <p:grpSpPr>
-        <a:xfrm>
-          <a:off x="0" y="0"/>
-          <a:ext cx="0" cy="0"/>
-          <a:chOff x="0" y="0"/>
-          <a:chExt cx="0" cy="0"/>
-        </a:xfrm>
-      </p:grpSpPr>
-      <p:sp>
-        <p:nvSpPr>
-          <p:cNvPr id="2" name="MH_Title"/>
-          <p:cNvSpPr/>
-          <p:nvPr>
-            <p:custDataLst>
-              <p:tags r:id="rId2"/>
-            </p:custDataLst>
-          </p:nvPr>
-        </p:nvSpPr>
-        <p:spPr>
-          <a:xfrm>
-            <a:off x="4707738" y="3108897"/>
-            <a:ext cx="7484262" cy="737389"/>
-          </a:xfrm>
-          <a:custGeom>
-            <a:avLst/>
-            <a:gdLst>
-              <a:gd name="connsiteX0" fmla="*/ 0 w 5609212"/>
-              <a:gd name="connsiteY0" fmla="*/ 0 h 504056"/>
-              <a:gd name="connsiteX1" fmla="*/ 5609212 w 5609212"/>
-              <a:gd name="connsiteY1" fmla="*/ 0 h 504056"/>
-              <a:gd name="connsiteX2" fmla="*/ 5609212 w 5609212"/>
-              <a:gd name="connsiteY2" fmla="*/ 504056 h 504056"/>
-              <a:gd name="connsiteX3" fmla="*/ 0 w 5609212"/>
-              <a:gd name="connsiteY3" fmla="*/ 504056 h 504056"/>
-              <a:gd name="connsiteX4" fmla="*/ 0 w 5609212"/>
-              <a:gd name="connsiteY4" fmla="*/ 0 h 504056"/>
-              <a:gd name="connsiteX0" fmla="*/ 0 w 5609212"/>
-              <a:gd name="connsiteY0" fmla="*/ 0 h 504056"/>
-              <a:gd name="connsiteX1" fmla="*/ 5609212 w 5609212"/>
-              <a:gd name="connsiteY1" fmla="*/ 0 h 504056"/>
-              <a:gd name="connsiteX2" fmla="*/ 5609212 w 5609212"/>
-              <a:gd name="connsiteY2" fmla="*/ 504056 h 504056"/>
-              <a:gd name="connsiteX3" fmla="*/ 128954 w 5609212"/>
-              <a:gd name="connsiteY3" fmla="*/ 504056 h 504056"/>
-              <a:gd name="connsiteX4" fmla="*/ 0 w 5609212"/>
-              <a:gd name="connsiteY4" fmla="*/ 0 h 504056"/>
-            </a:gdLst>
-            <a:ahLst/>
-            <a:cxnLst>
-              <a:cxn ang="0">
-                <a:pos x="connsiteX0" y="connsiteY0"/>
-              </a:cxn>
-              <a:cxn ang="0">
-                <a:pos x="connsiteX1" y="connsiteY1"/>
-              </a:cxn>
-              <a:cxn ang="0">
-                <a:pos x="connsiteX2" y="connsiteY2"/>
-              </a:cxn>
-              <a:cxn ang="0">
-                <a:pos x="connsiteX3" y="connsiteY3"/>
-              </a:cxn>
-              <a:cxn ang="0">
-                <a:pos x="connsiteX4" y="connsiteY4"/>
-              </a:cxn>
-            </a:cxnLst>
-            <a:rect l="l" t="t" r="r" b="b"/>
-            <a:pathLst>
-              <a:path w="5609212" h="504056">
-                <a:moveTo>
-                  <a:pt x="0" y="0"/>
-                </a:moveTo>
-                <a:lnTo>
-                  <a:pt x="5609212" y="0"/>
-                </a:lnTo>
-                <a:lnTo>
-                  <a:pt x="5609212" y="504056"/>
-                </a:lnTo>
-                <a:lnTo>
-                  <a:pt x="128954" y="504056"/>
-                </a:lnTo>
-                <a:lnTo>
-                  <a:pt x="0" y="0"/>
-                </a:lnTo>
-                <a:close/>
-              </a:path>
-            </a:pathLst>
-          </a:custGeom>
-          <a:solidFill>
-            <a:srgbClr val="7EC234"/>
-          </a:solidFill>
-          <a:ln>
-            <a:noFill/>
-          </a:ln>
-        </p:spPr>
-        <p:style>
-          <a:lnRef idx="2">
-            <a:schemeClr val="accent1">
-              <a:shade val="50000"/>
-            </a:schemeClr>
-          </a:lnRef>
-          <a:fillRef idx="1">
-            <a:schemeClr val="accent1"/>
-          </a:fillRef>
-          <a:effectRef idx="0">
-            <a:schemeClr val="accent1"/>
-          </a:effectRef>
-          <a:fontRef idx="minor">
-            <a:schemeClr val="lt1"/>
-          </a:fontRef>
-        </p:style>
-        <p:txBody>
-          <a:bodyPr rot="0" spcFirstLastPara="0" vertOverflow="overflow" horzOverflow="overflow" vert="horz" wrap="square" lIns="0" tIns="0" rIns="0" bIns="36000" numCol="1" spcCol="0" rtlCol="0" fromWordArt="0" anchor="ctr" anchorCtr="0" forceAA="0" compatLnSpc="1">
-            <a:prstTxWarp prst="textNoShape">
-              <a:avLst/>
-            </a:prstTxWarp>
-            <a:normAutofit/>
-          </a:bodyPr>
-          <a:lstStyle/>
-          <a:p>
-            <a:pPr algn="ctr"/>
-            <a:r>
-              <a:rPr lang="zh-CN" altLang="en-US" sz="4000" b="1" smtClean="0">
-                <a:solidFill>
-                  <a:srgbClr val="FFFFFF"/>
-                </a:solidFill>
-                <a:latin typeface="华文细黑" panose="02010600040101010101" pitchFamily="2" charset="-122"/>
-                <a:ea typeface="华文细黑" panose="02010600040101010101" pitchFamily="2" charset="-122"/>
-              </a:rPr>
-              <a:t>索引优化</a:t>
-            </a:r>
-            <a:endParaRPr lang="zh-CN" altLang="en-US" sz="4000" b="1" dirty="0">
-              <a:solidFill>
-                <a:srgbClr val="FFFFFF"/>
-              </a:solidFill>
-              <a:latin typeface="华文细黑" panose="02010600040101010101" pitchFamily="2" charset="-122"/>
-              <a:ea typeface="华文细黑" panose="02010600040101010101" pitchFamily="2" charset="-122"/>
-            </a:endParaRPr>
-          </a:p>
-        </p:txBody>
-      </p:sp>
-      <p:sp>
-        <p:nvSpPr>
-          <p:cNvPr id="3" name="MH_Others_1"/>
-          <p:cNvSpPr txBox="1"/>
-          <p:nvPr>
-            <p:custDataLst>
-              <p:tags r:id="rId3"/>
-            </p:custDataLst>
-          </p:nvPr>
-        </p:nvSpPr>
-        <p:spPr>
-          <a:xfrm>
-            <a:off x="4635538" y="2356577"/>
-            <a:ext cx="2324157" cy="773189"/>
-          </a:xfrm>
-          <a:prstGeom prst="rect">
-            <a:avLst/>
-          </a:prstGeom>
-          <a:noFill/>
-        </p:spPr>
-        <p:txBody>
-          <a:bodyPr wrap="square" rtlCol="0">
-            <a:normAutofit/>
-          </a:bodyPr>
-          <a:lstStyle/>
-          <a:p>
-            <a:pPr algn="r"/>
-            <a:r>
-              <a:rPr lang="en-US" altLang="zh-CN" sz="3200" b="1" dirty="0">
-                <a:solidFill>
-                  <a:srgbClr val="C2E49C"/>
-                </a:solidFill>
-                <a:latin typeface="微软雅黑" panose="020B0503020204020204" pitchFamily="34" charset="-122"/>
-                <a:ea typeface="微软雅黑" panose="020B0503020204020204" pitchFamily="34" charset="-122"/>
-              </a:rPr>
-              <a:t>Chapter</a:t>
-            </a:r>
-            <a:endParaRPr lang="zh-CN" altLang="en-US" sz="3200" b="1" dirty="0">
-              <a:solidFill>
-                <a:srgbClr val="C2E49C"/>
-              </a:solidFill>
-              <a:latin typeface="微软雅黑" panose="020B0503020204020204" pitchFamily="34" charset="-122"/>
-              <a:ea typeface="微软雅黑" panose="020B0503020204020204" pitchFamily="34" charset="-122"/>
-            </a:endParaRPr>
-          </a:p>
-        </p:txBody>
-      </p:sp>
-      <p:sp>
-        <p:nvSpPr>
-          <p:cNvPr id="9" name="MH_Others_2"/>
-          <p:cNvSpPr/>
-          <p:nvPr>
-            <p:custDataLst>
-              <p:tags r:id="rId4"/>
-            </p:custDataLst>
-          </p:nvPr>
-        </p:nvSpPr>
-        <p:spPr>
-          <a:xfrm>
-            <a:off x="-3365" y="2058898"/>
-            <a:ext cx="4391004" cy="1049999"/>
-          </a:xfrm>
-          <a:custGeom>
-            <a:avLst/>
-            <a:gdLst>
-              <a:gd name="connsiteX0" fmla="*/ 0 w 3297310"/>
-              <a:gd name="connsiteY0" fmla="*/ 0 h 794131"/>
-              <a:gd name="connsiteX1" fmla="*/ 3095277 w 3297310"/>
-              <a:gd name="connsiteY1" fmla="*/ 0 h 794131"/>
-              <a:gd name="connsiteX2" fmla="*/ 3297310 w 3297310"/>
-              <a:gd name="connsiteY2" fmla="*/ 794131 h 794131"/>
-              <a:gd name="connsiteX3" fmla="*/ 0 w 3297310"/>
-              <a:gd name="connsiteY3" fmla="*/ 794131 h 794131"/>
-            </a:gdLst>
-            <a:ahLst/>
-            <a:cxnLst>
-              <a:cxn ang="0">
-                <a:pos x="connsiteX0" y="connsiteY0"/>
-              </a:cxn>
-              <a:cxn ang="0">
-                <a:pos x="connsiteX1" y="connsiteY1"/>
-              </a:cxn>
-              <a:cxn ang="0">
-                <a:pos x="connsiteX2" y="connsiteY2"/>
-              </a:cxn>
-              <a:cxn ang="0">
-                <a:pos x="connsiteX3" y="connsiteY3"/>
-              </a:cxn>
-            </a:cxnLst>
-            <a:rect l="l" t="t" r="r" b="b"/>
-            <a:pathLst>
-              <a:path w="3297310" h="794131">
-                <a:moveTo>
-                  <a:pt x="0" y="0"/>
-                </a:moveTo>
-                <a:lnTo>
-                  <a:pt x="3095277" y="0"/>
-                </a:lnTo>
-                <a:lnTo>
-                  <a:pt x="3297310" y="794131"/>
-                </a:lnTo>
-                <a:lnTo>
-                  <a:pt x="0" y="794131"/>
-                </a:lnTo>
-                <a:close/>
-              </a:path>
-            </a:pathLst>
-          </a:custGeom>
-          <a:solidFill>
-            <a:srgbClr val="7EC234"/>
-          </a:solidFill>
-          <a:ln>
-            <a:noFill/>
-          </a:ln>
-        </p:spPr>
-        <p:style>
-          <a:lnRef idx="2">
-            <a:schemeClr val="accent1">
-              <a:shade val="50000"/>
-            </a:schemeClr>
-          </a:lnRef>
-          <a:fillRef idx="1">
-            <a:schemeClr val="accent1"/>
-          </a:fillRef>
-          <a:effectRef idx="0">
-            <a:schemeClr val="accent1"/>
-          </a:effectRef>
-          <a:fontRef idx="minor">
-            <a:schemeClr val="lt1"/>
-          </a:fontRef>
-        </p:style>
-        <p:txBody>
-          <a:bodyPr rot="0" spcFirstLastPara="0" vertOverflow="overflow" horzOverflow="overflow" vert="horz" wrap="square" lIns="91440" tIns="45720" rIns="91440" bIns="45720" numCol="1" spcCol="0" rtlCol="0" fromWordArt="0" anchor="ctr" anchorCtr="0" forceAA="0" compatLnSpc="1">
-            <a:prstTxWarp prst="textNoShape">
-              <a:avLst/>
-            </a:prstTxWarp>
-            <a:noAutofit/>
-          </a:bodyPr>
-          <a:lstStyle/>
-          <a:p>
-            <a:pPr algn="ctr"/>
-            <a:endParaRPr lang="zh-CN" altLang="en-US" dirty="0"/>
-          </a:p>
-        </p:txBody>
-      </p:sp>
-      <p:sp>
-        <p:nvSpPr>
-          <p:cNvPr id="5" name="MH_Others_3"/>
-          <p:cNvSpPr/>
-          <p:nvPr>
-            <p:custDataLst>
-              <p:tags r:id="rId5"/>
-            </p:custDataLst>
-          </p:nvPr>
-        </p:nvSpPr>
-        <p:spPr>
-          <a:xfrm>
-            <a:off x="-14514" y="2305236"/>
-            <a:ext cx="4065717" cy="531044"/>
-          </a:xfrm>
-          <a:custGeom>
-            <a:avLst/>
-            <a:gdLst>
-              <a:gd name="connsiteX0" fmla="*/ 1857013 w 3156552"/>
-              <a:gd name="connsiteY0" fmla="*/ 104678 h 401637"/>
-              <a:gd name="connsiteX1" fmla="*/ 1929021 w 3156552"/>
-              <a:gd name="connsiteY1" fmla="*/ 104678 h 401637"/>
-              <a:gd name="connsiteX2" fmla="*/ 1929021 w 3156552"/>
-              <a:gd name="connsiteY2" fmla="*/ 297257 h 401637"/>
-              <a:gd name="connsiteX3" fmla="*/ 1857013 w 3156552"/>
-              <a:gd name="connsiteY3" fmla="*/ 297257 h 401637"/>
-              <a:gd name="connsiteX4" fmla="*/ 1702944 w 3156552"/>
-              <a:gd name="connsiteY4" fmla="*/ 104678 h 401637"/>
-              <a:gd name="connsiteX5" fmla="*/ 1774952 w 3156552"/>
-              <a:gd name="connsiteY5" fmla="*/ 104678 h 401637"/>
-              <a:gd name="connsiteX6" fmla="*/ 1774952 w 3156552"/>
-              <a:gd name="connsiteY6" fmla="*/ 297257 h 401637"/>
-              <a:gd name="connsiteX7" fmla="*/ 1702944 w 3156552"/>
-              <a:gd name="connsiteY7" fmla="*/ 297257 h 401637"/>
-              <a:gd name="connsiteX8" fmla="*/ 1548875 w 3156552"/>
-              <a:gd name="connsiteY8" fmla="*/ 104678 h 401637"/>
-              <a:gd name="connsiteX9" fmla="*/ 1620883 w 3156552"/>
-              <a:gd name="connsiteY9" fmla="*/ 104678 h 401637"/>
-              <a:gd name="connsiteX10" fmla="*/ 1620883 w 3156552"/>
-              <a:gd name="connsiteY10" fmla="*/ 297257 h 401637"/>
-              <a:gd name="connsiteX11" fmla="*/ 1548875 w 3156552"/>
-              <a:gd name="connsiteY11" fmla="*/ 297257 h 401637"/>
-              <a:gd name="connsiteX12" fmla="*/ 1394806 w 3156552"/>
-              <a:gd name="connsiteY12" fmla="*/ 104678 h 401637"/>
-              <a:gd name="connsiteX13" fmla="*/ 1466814 w 3156552"/>
-              <a:gd name="connsiteY13" fmla="*/ 104678 h 401637"/>
-              <a:gd name="connsiteX14" fmla="*/ 1466814 w 3156552"/>
-              <a:gd name="connsiteY14" fmla="*/ 297257 h 401637"/>
-              <a:gd name="connsiteX15" fmla="*/ 1394806 w 3156552"/>
-              <a:gd name="connsiteY15" fmla="*/ 297257 h 401637"/>
-              <a:gd name="connsiteX16" fmla="*/ 1240737 w 3156552"/>
-              <a:gd name="connsiteY16" fmla="*/ 104678 h 401637"/>
-              <a:gd name="connsiteX17" fmla="*/ 1312745 w 3156552"/>
-              <a:gd name="connsiteY17" fmla="*/ 104678 h 401637"/>
-              <a:gd name="connsiteX18" fmla="*/ 1312745 w 3156552"/>
-              <a:gd name="connsiteY18" fmla="*/ 297257 h 401637"/>
-              <a:gd name="connsiteX19" fmla="*/ 1240737 w 3156552"/>
-              <a:gd name="connsiteY19" fmla="*/ 297257 h 401637"/>
-              <a:gd name="connsiteX20" fmla="*/ 1086668 w 3156552"/>
-              <a:gd name="connsiteY20" fmla="*/ 104678 h 401637"/>
-              <a:gd name="connsiteX21" fmla="*/ 1158676 w 3156552"/>
-              <a:gd name="connsiteY21" fmla="*/ 104678 h 401637"/>
-              <a:gd name="connsiteX22" fmla="*/ 1158676 w 3156552"/>
-              <a:gd name="connsiteY22" fmla="*/ 297257 h 401637"/>
-              <a:gd name="connsiteX23" fmla="*/ 1086668 w 3156552"/>
-              <a:gd name="connsiteY23" fmla="*/ 297257 h 401637"/>
-              <a:gd name="connsiteX24" fmla="*/ 932599 w 3156552"/>
-              <a:gd name="connsiteY24" fmla="*/ 104678 h 401637"/>
-              <a:gd name="connsiteX25" fmla="*/ 1004607 w 3156552"/>
-              <a:gd name="connsiteY25" fmla="*/ 104678 h 401637"/>
-              <a:gd name="connsiteX26" fmla="*/ 1004607 w 3156552"/>
-              <a:gd name="connsiteY26" fmla="*/ 297257 h 401637"/>
-              <a:gd name="connsiteX27" fmla="*/ 932599 w 3156552"/>
-              <a:gd name="connsiteY27" fmla="*/ 297257 h 401637"/>
-              <a:gd name="connsiteX28" fmla="*/ 778530 w 3156552"/>
-              <a:gd name="connsiteY28" fmla="*/ 104678 h 401637"/>
-              <a:gd name="connsiteX29" fmla="*/ 850538 w 3156552"/>
-              <a:gd name="connsiteY29" fmla="*/ 104678 h 401637"/>
-              <a:gd name="connsiteX30" fmla="*/ 850538 w 3156552"/>
-              <a:gd name="connsiteY30" fmla="*/ 297257 h 401637"/>
-              <a:gd name="connsiteX31" fmla="*/ 778530 w 3156552"/>
-              <a:gd name="connsiteY31" fmla="*/ 297257 h 401637"/>
-              <a:gd name="connsiteX32" fmla="*/ 622824 w 3156552"/>
-              <a:gd name="connsiteY32" fmla="*/ 104678 h 401637"/>
-              <a:gd name="connsiteX33" fmla="*/ 694832 w 3156552"/>
-              <a:gd name="connsiteY33" fmla="*/ 104678 h 401637"/>
-              <a:gd name="connsiteX34" fmla="*/ 694832 w 3156552"/>
-              <a:gd name="connsiteY34" fmla="*/ 297257 h 401637"/>
-              <a:gd name="connsiteX35" fmla="*/ 622824 w 3156552"/>
-              <a:gd name="connsiteY35" fmla="*/ 297257 h 401637"/>
-              <a:gd name="connsiteX36" fmla="*/ 467118 w 3156552"/>
-              <a:gd name="connsiteY36" fmla="*/ 104678 h 401637"/>
-              <a:gd name="connsiteX37" fmla="*/ 539126 w 3156552"/>
-              <a:gd name="connsiteY37" fmla="*/ 104678 h 401637"/>
-              <a:gd name="connsiteX38" fmla="*/ 539126 w 3156552"/>
-              <a:gd name="connsiteY38" fmla="*/ 297257 h 401637"/>
-              <a:gd name="connsiteX39" fmla="*/ 467118 w 3156552"/>
-              <a:gd name="connsiteY39" fmla="*/ 297257 h 401637"/>
-              <a:gd name="connsiteX40" fmla="*/ 311412 w 3156552"/>
-              <a:gd name="connsiteY40" fmla="*/ 104678 h 401637"/>
-              <a:gd name="connsiteX41" fmla="*/ 383420 w 3156552"/>
-              <a:gd name="connsiteY41" fmla="*/ 104678 h 401637"/>
-              <a:gd name="connsiteX42" fmla="*/ 383420 w 3156552"/>
-              <a:gd name="connsiteY42" fmla="*/ 297257 h 401637"/>
-              <a:gd name="connsiteX43" fmla="*/ 311412 w 3156552"/>
-              <a:gd name="connsiteY43" fmla="*/ 297257 h 401637"/>
-              <a:gd name="connsiteX44" fmla="*/ 155706 w 3156552"/>
-              <a:gd name="connsiteY44" fmla="*/ 104678 h 401637"/>
-              <a:gd name="connsiteX45" fmla="*/ 227714 w 3156552"/>
-              <a:gd name="connsiteY45" fmla="*/ 104678 h 401637"/>
-              <a:gd name="connsiteX46" fmla="*/ 227714 w 3156552"/>
-              <a:gd name="connsiteY46" fmla="*/ 297257 h 401637"/>
-              <a:gd name="connsiteX47" fmla="*/ 155706 w 3156552"/>
-              <a:gd name="connsiteY47" fmla="*/ 297257 h 401637"/>
-              <a:gd name="connsiteX48" fmla="*/ 0 w 3156552"/>
-              <a:gd name="connsiteY48" fmla="*/ 104678 h 401637"/>
-              <a:gd name="connsiteX49" fmla="*/ 72008 w 3156552"/>
-              <a:gd name="connsiteY49" fmla="*/ 104678 h 401637"/>
-              <a:gd name="connsiteX50" fmla="*/ 72008 w 3156552"/>
-              <a:gd name="connsiteY50" fmla="*/ 297257 h 401637"/>
-              <a:gd name="connsiteX51" fmla="*/ 0 w 3156552"/>
-              <a:gd name="connsiteY51" fmla="*/ 297257 h 401637"/>
-              <a:gd name="connsiteX52" fmla="*/ 2955734 w 3156552"/>
-              <a:gd name="connsiteY52" fmla="*/ 0 h 401637"/>
-              <a:gd name="connsiteX53" fmla="*/ 3156552 w 3156552"/>
-              <a:gd name="connsiteY53" fmla="*/ 200819 h 401637"/>
-              <a:gd name="connsiteX54" fmla="*/ 2955734 w 3156552"/>
-              <a:gd name="connsiteY54" fmla="*/ 401637 h 401637"/>
-              <a:gd name="connsiteX55" fmla="*/ 2955734 w 3156552"/>
-              <a:gd name="connsiteY55" fmla="*/ 301228 h 401637"/>
-              <a:gd name="connsiteX56" fmla="*/ 2004424 w 3156552"/>
-              <a:gd name="connsiteY56" fmla="*/ 301228 h 401637"/>
-              <a:gd name="connsiteX57" fmla="*/ 2004424 w 3156552"/>
-              <a:gd name="connsiteY57" fmla="*/ 100409 h 401637"/>
-              <a:gd name="connsiteX58" fmla="*/ 2955734 w 3156552"/>
-              <a:gd name="connsiteY58" fmla="*/ 100409 h 401637"/>
-            </a:gdLst>
-            <a:ahLst/>
-            <a:cxnLst>
-              <a:cxn ang="0">
-                <a:pos x="connsiteX0" y="connsiteY0"/>
-              </a:cxn>
-              <a:cxn ang="0">
-                <a:pos x="connsiteX1" y="connsiteY1"/>
-              </a:cxn>
-              <a:cxn ang="0">
-                <a:pos x="connsiteX2" y="connsiteY2"/>
-              </a:cxn>
-              <a:cxn ang="0">
-                <a:pos x="connsiteX3" y="connsiteY3"/>
-              </a:cxn>
-              <a:cxn ang="0">
-                <a:pos x="connsiteX4" y="connsiteY4"/>
-              </a:cxn>
-              <a:cxn ang="0">
-                <a:pos x="connsiteX5" y="connsiteY5"/>
-              </a:cxn>
-              <a:cxn ang="0">
-                <a:pos x="connsiteX6" y="connsiteY6"/>
-              </a:cxn>
-              <a:cxn ang="0">
-                <a:pos x="connsiteX7" y="connsiteY7"/>
-              </a:cxn>
-              <a:cxn ang="0">
-                <a:pos x="connsiteX8" y="connsiteY8"/>
-              </a:cxn>
-              <a:cxn ang="0">
-                <a:pos x="connsiteX9" y="connsiteY9"/>
-              </a:cxn>
-              <a:cxn ang="0">
-                <a:pos x="connsiteX10" y="connsiteY10"/>
-              </a:cxn>
-              <a:cxn ang="0">
-                <a:pos x="connsiteX11" y="connsiteY11"/>
-              </a:cxn>
-              <a:cxn ang="0">
-                <a:pos x="connsiteX12" y="connsiteY12"/>
-              </a:cxn>
-              <a:cxn ang="0">
-                <a:pos x="connsiteX13" y="connsiteY13"/>
-              </a:cxn>
-              <a:cxn ang="0">
-                <a:pos x="connsiteX14" y="connsiteY14"/>
-              </a:cxn>
-              <a:cxn ang="0">
-                <a:pos x="connsiteX15" y="connsiteY15"/>
-              </a:cxn>
-              <a:cxn ang="0">
-                <a:pos x="connsiteX16" y="connsiteY16"/>
-              </a:cxn>
-              <a:cxn ang="0">
-                <a:pos x="connsiteX17" y="connsiteY17"/>
-              </a:cxn>
-              <a:cxn ang="0">
-                <a:pos x="connsiteX18" y="connsiteY18"/>
-              </a:cxn>
-              <a:cxn ang="0">
-                <a:pos x="connsiteX19" y="connsiteY19"/>
-              </a:cxn>
-              <a:cxn ang="0">
-                <a:pos x="connsiteX20" y="connsiteY20"/>
-              </a:cxn>
-              <a:cxn ang="0">
-                <a:pos x="connsiteX21" y="connsiteY21"/>
-              </a:cxn>
-              <a:cxn ang="0">
-                <a:pos x="connsiteX22" y="connsiteY22"/>
-              </a:cxn>
-              <a:cxn ang="0">
-                <a:pos x="connsiteX23" y="connsiteY23"/>
-              </a:cxn>
-              <a:cxn ang="0">
-                <a:pos x="connsiteX24" y="connsiteY24"/>
-              </a:cxn>
-              <a:cxn ang="0">
-                <a:pos x="connsiteX25" y="connsiteY25"/>
-              </a:cxn>
-              <a:cxn ang="0">
-                <a:pos x="connsiteX26" y="connsiteY26"/>
-              </a:cxn>
-              <a:cxn ang="0">
-                <a:pos x="connsiteX27" y="connsiteY27"/>
-              </a:cxn>
-              <a:cxn ang="0">
-                <a:pos x="connsiteX28" y="connsiteY28"/>
-              </a:cxn>
-              <a:cxn ang="0">
-                <a:pos x="connsiteX29" y="connsiteY29"/>
-              </a:cxn>
-              <a:cxn ang="0">
-                <a:pos x="connsiteX30" y="connsiteY30"/>
-              </a:cxn>
-              <a:cxn ang="0">
-                <a:pos x="connsiteX31" y="connsiteY31"/>
-              </a:cxn>
-              <a:cxn ang="0">
-                <a:pos x="connsiteX32" y="connsiteY32"/>
-              </a:cxn>
-              <a:cxn ang="0">
-                <a:pos x="connsiteX33" y="connsiteY33"/>
-              </a:cxn>
-              <a:cxn ang="0">
-                <a:pos x="connsiteX34" y="connsiteY34"/>
-              </a:cxn>
-              <a:cxn ang="0">
-                <a:pos x="connsiteX35" y="connsiteY35"/>
-              </a:cxn>
-              <a:cxn ang="0">
-                <a:pos x="connsiteX36" y="connsiteY36"/>
-              </a:cxn>
-              <a:cxn ang="0">
-                <a:pos x="connsiteX37" y="connsiteY37"/>
-              </a:cxn>
-              <a:cxn ang="0">
-                <a:pos x="connsiteX38" y="connsiteY38"/>
-              </a:cxn>
-              <a:cxn ang="0">
-                <a:pos x="connsiteX39" y="connsiteY39"/>
-              </a:cxn>
-              <a:cxn ang="0">
-                <a:pos x="connsiteX40" y="connsiteY40"/>
-              </a:cxn>
-              <a:cxn ang="0">
-                <a:pos x="connsiteX41" y="connsiteY41"/>
-              </a:cxn>
-              <a:cxn ang="0">
-                <a:pos x="connsiteX42" y="connsiteY42"/>
-              </a:cxn>
-              <a:cxn ang="0">
-                <a:pos x="connsiteX43" y="connsiteY43"/>
-              </a:cxn>
-              <a:cxn ang="0">
-                <a:pos x="connsiteX44" y="connsiteY44"/>
-              </a:cxn>
-              <a:cxn ang="0">
-                <a:pos x="connsiteX45" y="connsiteY45"/>
-              </a:cxn>
-              <a:cxn ang="0">
-                <a:pos x="connsiteX46" y="connsiteY46"/>
-              </a:cxn>
-              <a:cxn ang="0">
-                <a:pos x="connsiteX47" y="connsiteY47"/>
-              </a:cxn>
-              <a:cxn ang="0">
-                <a:pos x="connsiteX48" y="connsiteY48"/>
-              </a:cxn>
-              <a:cxn ang="0">
-                <a:pos x="connsiteX49" y="connsiteY49"/>
-              </a:cxn>
-              <a:cxn ang="0">
-                <a:pos x="connsiteX50" y="connsiteY50"/>
-              </a:cxn>
-              <a:cxn ang="0">
-                <a:pos x="connsiteX51" y="connsiteY51"/>
-              </a:cxn>
-              <a:cxn ang="0">
-                <a:pos x="connsiteX52" y="connsiteY52"/>
-              </a:cxn>
-              <a:cxn ang="0">
-                <a:pos x="connsiteX53" y="connsiteY53"/>
-              </a:cxn>
-              <a:cxn ang="0">
-                <a:pos x="connsiteX54" y="connsiteY54"/>
-              </a:cxn>
-              <a:cxn ang="0">
-                <a:pos x="connsiteX55" y="connsiteY55"/>
-              </a:cxn>
-              <a:cxn ang="0">
-                <a:pos x="connsiteX56" y="connsiteY56"/>
-              </a:cxn>
-              <a:cxn ang="0">
-                <a:pos x="connsiteX57" y="connsiteY57"/>
-              </a:cxn>
-              <a:cxn ang="0">
-                <a:pos x="connsiteX58" y="connsiteY58"/>
-              </a:cxn>
-            </a:cxnLst>
-            <a:rect l="l" t="t" r="r" b="b"/>
-            <a:pathLst>
-              <a:path w="3156552" h="401637">
-                <a:moveTo>
-                  <a:pt x="1857013" y="104678"/>
-                </a:moveTo>
-                <a:lnTo>
-                  <a:pt x="1929021" y="104678"/>
-                </a:lnTo>
-                <a:lnTo>
-                  <a:pt x="1929021" y="297257"/>
-                </a:lnTo>
-                <a:lnTo>
-                  <a:pt x="1857013" y="297257"/>
-                </a:lnTo>
-                <a:close/>
-                <a:moveTo>
-                  <a:pt x="1702944" y="104678"/>
-                </a:moveTo>
-                <a:lnTo>
-                  <a:pt x="1774952" y="104678"/>
-                </a:lnTo>
-                <a:lnTo>
-                  <a:pt x="1774952" y="297257"/>
-                </a:lnTo>
-                <a:lnTo>
-                  <a:pt x="1702944" y="297257"/>
-                </a:lnTo>
-                <a:close/>
-                <a:moveTo>
-                  <a:pt x="1548875" y="104678"/>
-                </a:moveTo>
-                <a:lnTo>
-                  <a:pt x="1620883" y="104678"/>
-                </a:lnTo>
-                <a:lnTo>
-                  <a:pt x="1620883" y="297257"/>
-                </a:lnTo>
-                <a:lnTo>
-                  <a:pt x="1548875" y="297257"/>
-                </a:lnTo>
-                <a:close/>
-                <a:moveTo>
-                  <a:pt x="1394806" y="104678"/>
-                </a:moveTo>
-                <a:lnTo>
-                  <a:pt x="1466814" y="104678"/>
-                </a:lnTo>
-                <a:lnTo>
-                  <a:pt x="1466814" y="297257"/>
-                </a:lnTo>
-                <a:lnTo>
-                  <a:pt x="1394806" y="297257"/>
-                </a:lnTo>
-                <a:close/>
-                <a:moveTo>
-                  <a:pt x="1240737" y="104678"/>
-                </a:moveTo>
-                <a:lnTo>
-                  <a:pt x="1312745" y="104678"/>
-                </a:lnTo>
-                <a:lnTo>
-                  <a:pt x="1312745" y="297257"/>
-                </a:lnTo>
-                <a:lnTo>
-                  <a:pt x="1240737" y="297257"/>
-                </a:lnTo>
-                <a:close/>
-                <a:moveTo>
-                  <a:pt x="1086668" y="104678"/>
-                </a:moveTo>
-                <a:lnTo>
-                  <a:pt x="1158676" y="104678"/>
-                </a:lnTo>
-                <a:lnTo>
-                  <a:pt x="1158676" y="297257"/>
-                </a:lnTo>
-                <a:lnTo>
-                  <a:pt x="1086668" y="297257"/>
-                </a:lnTo>
-                <a:close/>
-                <a:moveTo>
-                  <a:pt x="932599" y="104678"/>
-                </a:moveTo>
-                <a:lnTo>
-                  <a:pt x="1004607" y="104678"/>
-                </a:lnTo>
-                <a:lnTo>
-                  <a:pt x="1004607" y="297257"/>
-                </a:lnTo>
-                <a:lnTo>
-                  <a:pt x="932599" y="297257"/>
-                </a:lnTo>
-                <a:close/>
-                <a:moveTo>
-                  <a:pt x="778530" y="104678"/>
-                </a:moveTo>
-                <a:lnTo>
-                  <a:pt x="850538" y="104678"/>
-                </a:lnTo>
-                <a:lnTo>
-                  <a:pt x="850538" y="297257"/>
-                </a:lnTo>
-                <a:lnTo>
-                  <a:pt x="778530" y="297257"/>
-                </a:lnTo>
-                <a:close/>
-                <a:moveTo>
-                  <a:pt x="622824" y="104678"/>
-                </a:moveTo>
-                <a:lnTo>
-                  <a:pt x="694832" y="104678"/>
-                </a:lnTo>
-                <a:lnTo>
-                  <a:pt x="694832" y="297257"/>
-                </a:lnTo>
-                <a:lnTo>
-                  <a:pt x="622824" y="297257"/>
-                </a:lnTo>
-                <a:close/>
-                <a:moveTo>
-                  <a:pt x="467118" y="104678"/>
-                </a:moveTo>
-                <a:lnTo>
-                  <a:pt x="539126" y="104678"/>
-                </a:lnTo>
-                <a:lnTo>
-                  <a:pt x="539126" y="297257"/>
-                </a:lnTo>
-                <a:lnTo>
-                  <a:pt x="467118" y="297257"/>
-                </a:lnTo>
-                <a:close/>
-                <a:moveTo>
-                  <a:pt x="311412" y="104678"/>
-                </a:moveTo>
-                <a:lnTo>
-                  <a:pt x="383420" y="104678"/>
-                </a:lnTo>
-                <a:lnTo>
-                  <a:pt x="383420" y="297257"/>
-                </a:lnTo>
-                <a:lnTo>
-                  <a:pt x="311412" y="297257"/>
-                </a:lnTo>
-                <a:close/>
-                <a:moveTo>
-                  <a:pt x="155706" y="104678"/>
-                </a:moveTo>
-                <a:lnTo>
-                  <a:pt x="227714" y="104678"/>
-                </a:lnTo>
-                <a:lnTo>
-                  <a:pt x="227714" y="297257"/>
-                </a:lnTo>
-                <a:lnTo>
-                  <a:pt x="155706" y="297257"/>
-                </a:lnTo>
-                <a:close/>
-                <a:moveTo>
-                  <a:pt x="0" y="104678"/>
-                </a:moveTo>
-                <a:lnTo>
-                  <a:pt x="72008" y="104678"/>
-                </a:lnTo>
-                <a:lnTo>
-                  <a:pt x="72008" y="297257"/>
-                </a:lnTo>
-                <a:lnTo>
-                  <a:pt x="0" y="297257"/>
-                </a:lnTo>
-                <a:close/>
-                <a:moveTo>
-                  <a:pt x="2955734" y="0"/>
-                </a:moveTo>
-                <a:lnTo>
-                  <a:pt x="3156552" y="200819"/>
-                </a:lnTo>
-                <a:lnTo>
-                  <a:pt x="2955734" y="401637"/>
-                </a:lnTo>
-                <a:lnTo>
-                  <a:pt x="2955734" y="301228"/>
-                </a:lnTo>
-                <a:lnTo>
-                  <a:pt x="2004424" y="301228"/>
-                </a:lnTo>
-                <a:lnTo>
-                  <a:pt x="2004424" y="100409"/>
-                </a:lnTo>
-                <a:lnTo>
-                  <a:pt x="2955734" y="100409"/>
-                </a:lnTo>
-                <a:close/>
-              </a:path>
-            </a:pathLst>
-          </a:custGeom>
-          <a:solidFill>
-            <a:srgbClr val="FFFFFF"/>
-          </a:solidFill>
-          <a:ln>
-            <a:noFill/>
-          </a:ln>
-        </p:spPr>
-        <p:style>
-          <a:lnRef idx="2">
-            <a:schemeClr val="accent1">
-              <a:shade val="50000"/>
-            </a:schemeClr>
-          </a:lnRef>
-          <a:fillRef idx="1">
-            <a:schemeClr val="accent1"/>
-          </a:fillRef>
-          <a:effectRef idx="0">
-            <a:schemeClr val="accent1"/>
-          </a:effectRef>
-          <a:fontRef idx="minor">
-            <a:schemeClr val="lt1"/>
-          </a:fontRef>
-        </p:style>
-        <p:txBody>
-          <a:bodyPr rot="0" spcFirstLastPara="0" vertOverflow="overflow" horzOverflow="overflow" vert="horz" wrap="square" lIns="91440" tIns="45720" rIns="91440" bIns="45720" numCol="1" spcCol="0" rtlCol="0" fromWordArt="0" anchor="ctr" anchorCtr="0" forceAA="0" compatLnSpc="1">
-            <a:prstTxWarp prst="textNoShape">
-              <a:avLst/>
-            </a:prstTxWarp>
-            <a:noAutofit/>
-          </a:bodyPr>
-          <a:lstStyle/>
-          <a:p>
-            <a:pPr algn="ctr"/>
-            <a:endParaRPr lang="zh-CN" altLang="en-US"/>
-          </a:p>
-        </p:txBody>
-      </p:sp>
-      <p:sp>
-        <p:nvSpPr>
-          <p:cNvPr id="10" name="MH_Number"/>
-          <p:cNvSpPr txBox="1"/>
-          <p:nvPr>
-            <p:custDataLst>
-              <p:tags r:id="rId6"/>
-            </p:custDataLst>
-          </p:nvPr>
-        </p:nvSpPr>
-        <p:spPr>
-          <a:xfrm>
-            <a:off x="6959694" y="2296793"/>
-            <a:ext cx="1396905" cy="773189"/>
-          </a:xfrm>
-          <a:prstGeom prst="rect">
-            <a:avLst/>
-          </a:prstGeom>
-          <a:noFill/>
-        </p:spPr>
-        <p:txBody>
-          <a:bodyPr wrap="square" rtlCol="0">
-            <a:noAutofit/>
-          </a:bodyPr>
-          <a:lstStyle/>
-          <a:p>
-            <a:r>
-              <a:rPr lang="en-US" altLang="zh-CN" sz="4000" b="1" smtClean="0">
-                <a:solidFill>
-                  <a:srgbClr val="C2E49C"/>
-                </a:solidFill>
-                <a:latin typeface="微软雅黑" panose="020B0503020204020204" pitchFamily="34" charset="-122"/>
-                <a:ea typeface="微软雅黑" panose="020B0503020204020204" pitchFamily="34" charset="-122"/>
-              </a:rPr>
-              <a:t>3</a:t>
-            </a:r>
-            <a:endParaRPr lang="zh-CN" altLang="en-US" sz="4000" b="1" dirty="0">
-              <a:solidFill>
-                <a:srgbClr val="C2E49C"/>
-              </a:solidFill>
-              <a:latin typeface="微软雅黑" panose="020B0503020204020204" pitchFamily="34" charset="-122"/>
-              <a:ea typeface="微软雅黑" panose="020B0503020204020204" pitchFamily="34" charset="-122"/>
-            </a:endParaRPr>
-          </a:p>
-        </p:txBody>
-      </p:sp>
-    </p:spTree>
-    <p:custDataLst>
-      <p:tags r:id="rId1"/>
-    </p:custDataLst>
-    <p:extLst>
-      <p:ext uri="{BB962C8B-B14F-4D97-AF65-F5344CB8AC3E}">
-        <p14:creationId xmlns:p14="http://schemas.microsoft.com/office/powerpoint/2010/main" val="3681707752"/>
-      </p:ext>
-    </p:extLst>
-  </p:cSld>
-  <p:clrMapOvr>
-    <a:masterClrMapping/>
-  </p:clrMapOvr>
+  <mc:AlternateContent xmlns:mc="http://schemas.openxmlformats.org/markup-compatibility/2006" xmlns:p14="http://schemas.microsoft.com/office/powerpoint/2010/main">
+    <mc:Choice Requires="p14">
+      <p:transition spd="slow" p14:dur="2000"/>
+    </mc:Choice>
+    <mc:Fallback xmlns="">
+      <p:transition spd="slow"/>
+    </mc:Fallback>
+  </mc:AlternateContent>
   <p:timing>
     <p:tnLst>
       <p:par>
@@ -16553,7 +15850,7 @@
         </p:blipFill>
         <p:spPr>
           <a:xfrm>
-            <a:off x="2168949" y="1735165"/>
+            <a:off x="425874" y="1814986"/>
             <a:ext cx="6647791" cy="4964248"/>
           </a:xfrm>
           <a:prstGeom prst="rect">
@@ -16561,6 +15858,80 @@
           </a:prstGeom>
         </p:spPr>
       </p:pic>
+      <p:sp>
+        <p:nvSpPr>
+          <p:cNvPr id="3" name="文本框 2"/>
+          <p:cNvSpPr txBox="1"/>
+          <p:nvPr/>
+        </p:nvSpPr>
+        <p:spPr>
+          <a:xfrm>
+            <a:off x="7543800" y="2014861"/>
+            <a:ext cx="4095750" cy="923330"/>
+          </a:xfrm>
+          <a:prstGeom prst="rect">
+            <a:avLst/>
+          </a:prstGeom>
+          <a:noFill/>
+        </p:spPr>
+        <p:txBody>
+          <a:bodyPr wrap="square" rtlCol="0">
+            <a:spAutoFit/>
+          </a:bodyPr>
+          <a:lstStyle/>
+          <a:p>
+            <a:r>
+              <a:rPr lang="zh-CN" altLang="en-US" dirty="0"/>
+              <a:t>查看优化后的语句</a:t>
+            </a:r>
+            <a:r>
+              <a:rPr lang="zh-CN" altLang="en-US" dirty="0" smtClean="0"/>
+              <a:t>：</a:t>
+            </a:r>
+            <a:endParaRPr lang="en-US" altLang="zh-CN" dirty="0" smtClean="0"/>
+          </a:p>
+          <a:p>
+            <a:r>
+              <a:rPr lang="en-US" altLang="zh-CN" dirty="0" smtClean="0">
+                <a:latin typeface="+mn-ea"/>
+              </a:rPr>
+              <a:t>EXPLAIN </a:t>
+            </a:r>
+            <a:r>
+              <a:rPr lang="en-US" altLang="zh-CN" dirty="0">
+                <a:latin typeface="+mn-ea"/>
+              </a:rPr>
+              <a:t>EXTENDED &lt;SQL&gt;; </a:t>
+            </a:r>
+            <a:endParaRPr lang="en-US" altLang="zh-CN" dirty="0" smtClean="0">
+              <a:latin typeface="+mn-ea"/>
+            </a:endParaRPr>
+          </a:p>
+          <a:p>
+            <a:r>
+              <a:rPr lang="en-US" altLang="zh-CN" dirty="0" smtClean="0">
+                <a:latin typeface="+mn-ea"/>
+              </a:rPr>
+              <a:t>SHOW </a:t>
+            </a:r>
+            <a:r>
+              <a:rPr lang="en-US" altLang="zh-CN" dirty="0">
+                <a:latin typeface="+mn-ea"/>
+              </a:rPr>
+              <a:t>WARNING</a:t>
+            </a:r>
+            <a:r>
+              <a:rPr lang="en-US" altLang="zh-CN" dirty="0" smtClean="0">
+                <a:latin typeface="+mn-ea"/>
+              </a:rPr>
+              <a:t>;</a:t>
+            </a:r>
+            <a:endParaRPr lang="zh-CN" altLang="en-US" dirty="0">
+              <a:latin typeface="+mn-ea"/>
+            </a:endParaRPr>
+          </a:p>
+        </p:txBody>
+      </p:sp>
     </p:spTree>
     <p:extLst>
       <p:ext uri="{BB962C8B-B14F-4D97-AF65-F5344CB8AC3E}">
@@ -16761,7 +16132,7 @@
         </p:nvSpPr>
         <p:spPr>
           <a:xfrm>
-            <a:off x="249160" y="1926077"/>
+            <a:off x="249160" y="1649367"/>
             <a:ext cx="5431467" cy="369332"/>
           </a:xfrm>
           <a:prstGeom prst="rect">
@@ -16787,261 +16158,33 @@
               </a:rPr>
               <a:t>EXPLAIN &lt;SQL&gt; </a:t>
             </a:r>
-            <a:endParaRPr lang="zh-CN" altLang="en-US" dirty="0">
-              <a:latin typeface="+mn-ea"/>
-            </a:endParaRPr>
           </a:p>
         </p:txBody>
       </p:sp>
-      <p:sp>
-        <p:nvSpPr>
-          <p:cNvPr id="9" name="矩形 8"/>
-          <p:cNvSpPr/>
+      <p:pic>
+        <p:nvPicPr>
+          <p:cNvPr id="8" name="图片 7"/>
+          <p:cNvPicPr>
+            <a:picLocks noChangeAspect="1"/>
+          </p:cNvPicPr>
           <p:nvPr/>
-        </p:nvSpPr>
+        </p:nvPicPr>
+        <p:blipFill>
+          <a:blip r:embed="rId3"/>
+          <a:stretch>
+            <a:fillRect/>
+          </a:stretch>
+        </p:blipFill>
         <p:spPr>
           <a:xfrm>
-            <a:off x="1790700" y="1831418"/>
-            <a:ext cx="8610600" cy="3195164"/>
+            <a:off x="319253" y="2190149"/>
+            <a:ext cx="8905875" cy="485775"/>
           </a:xfrm>
           <a:prstGeom prst="rect">
             <a:avLst/>
           </a:prstGeom>
         </p:spPr>
-        <p:style>
-          <a:lnRef idx="0">
-            <a:schemeClr val="dk1">
-              <a:alpha val="0"/>
-              <a:hueOff val="0"/>
-              <a:satOff val="0"/>
-              <a:lumOff val="0"/>
-              <a:alphaOff val="0"/>
-            </a:schemeClr>
-          </a:lnRef>
-          <a:fillRef idx="0">
-            <a:schemeClr val="lt1">
-              <a:alpha val="0"/>
-              <a:hueOff val="0"/>
-              <a:satOff val="0"/>
-              <a:lumOff val="0"/>
-              <a:alphaOff val="0"/>
-            </a:schemeClr>
-          </a:fillRef>
-          <a:effectRef idx="0">
-            <a:schemeClr val="lt1">
-              <a:alpha val="0"/>
-              <a:hueOff val="0"/>
-              <a:satOff val="0"/>
-              <a:lumOff val="0"/>
-              <a:alphaOff val="0"/>
-            </a:schemeClr>
-          </a:effectRef>
-          <a:fontRef idx="minor">
-            <a:schemeClr val="tx1">
-              <a:hueOff val="0"/>
-              <a:satOff val="0"/>
-              <a:lumOff val="0"/>
-              <a:alphaOff val="0"/>
-            </a:schemeClr>
-          </a:fontRef>
-        </p:style>
-      </p:sp>
-      <p:sp>
-        <p:nvSpPr>
-          <p:cNvPr id="4" name="文本框 3"/>
-          <p:cNvSpPr txBox="1"/>
-          <p:nvPr/>
-        </p:nvSpPr>
-        <p:spPr>
-          <a:xfrm>
-            <a:off x="319253" y="2555132"/>
-            <a:ext cx="11252319" cy="2862322"/>
-          </a:xfrm>
-          <a:prstGeom prst="rect">
-            <a:avLst/>
-          </a:prstGeom>
-          <a:noFill/>
-        </p:spPr>
-        <p:txBody>
-          <a:bodyPr wrap="square" rtlCol="0">
-            <a:spAutoFit/>
-          </a:bodyPr>
-          <a:lstStyle/>
-          <a:p>
-            <a:r>
-              <a:rPr lang="en-US" altLang="zh-CN" b="1" dirty="0" smtClean="0">
-                <a:latin typeface="+mn-ea"/>
-              </a:rPr>
-              <a:t>id:</a:t>
-            </a:r>
-            <a:r>
-              <a:rPr lang="zh-CN" altLang="en-US" b="1" dirty="0" smtClean="0">
-                <a:latin typeface="+mn-ea"/>
-              </a:rPr>
-              <a:t>查询</a:t>
-            </a:r>
-            <a:r>
-              <a:rPr lang="zh-CN" altLang="en-US" b="1" dirty="0">
-                <a:latin typeface="+mn-ea"/>
-              </a:rPr>
-              <a:t>序列号</a:t>
-            </a:r>
-          </a:p>
-          <a:p>
-            <a:r>
-              <a:rPr lang="en-US" altLang="zh-CN" b="1" dirty="0" err="1" smtClean="0">
-                <a:latin typeface="+mn-ea"/>
-              </a:rPr>
-              <a:t>select_type</a:t>
-            </a:r>
-            <a:r>
-              <a:rPr lang="en-US" altLang="zh-CN" b="1" dirty="0" smtClean="0">
-                <a:latin typeface="+mn-ea"/>
-              </a:rPr>
-              <a:t>:</a:t>
-            </a:r>
-            <a:r>
-              <a:rPr lang="zh-CN" altLang="en-US" b="1" dirty="0" smtClean="0">
-                <a:latin typeface="+mn-ea"/>
-              </a:rPr>
-              <a:t>查询</a:t>
-            </a:r>
-            <a:r>
-              <a:rPr lang="zh-CN" altLang="en-US" b="1" dirty="0">
-                <a:latin typeface="+mn-ea"/>
-              </a:rPr>
-              <a:t>类型</a:t>
-            </a:r>
-          </a:p>
-          <a:p>
-            <a:r>
-              <a:rPr lang="en-US" altLang="zh-CN" b="1" dirty="0" smtClean="0">
-                <a:latin typeface="+mn-ea"/>
-              </a:rPr>
-              <a:t>table:</a:t>
-            </a:r>
-            <a:r>
-              <a:rPr lang="zh-CN" altLang="en-US" b="1" dirty="0" smtClean="0">
-                <a:latin typeface="+mn-ea"/>
-              </a:rPr>
-              <a:t>输出</a:t>
-            </a:r>
-            <a:r>
-              <a:rPr lang="zh-CN" altLang="en-US" b="1" dirty="0">
-                <a:latin typeface="+mn-ea"/>
-              </a:rPr>
-              <a:t>的行所用的表</a:t>
-            </a:r>
-          </a:p>
-          <a:p>
-            <a:r>
-              <a:rPr lang="en-US" altLang="zh-CN" b="1" dirty="0" smtClean="0">
-                <a:latin typeface="+mn-ea"/>
-              </a:rPr>
-              <a:t>type:</a:t>
-            </a:r>
-            <a:r>
-              <a:rPr lang="zh-CN" altLang="en-US" b="1" dirty="0" smtClean="0">
-                <a:latin typeface="+mn-ea"/>
-              </a:rPr>
-              <a:t>连接</a:t>
-            </a:r>
-            <a:r>
-              <a:rPr lang="zh-CN" altLang="en-US" b="1" dirty="0">
-                <a:latin typeface="+mn-ea"/>
-              </a:rPr>
-              <a:t>类型</a:t>
-            </a:r>
-          </a:p>
-          <a:p>
-            <a:r>
-              <a:rPr lang="en-US" altLang="zh-CN" b="1" dirty="0" err="1" smtClean="0">
-                <a:latin typeface="+mn-ea"/>
-              </a:rPr>
-              <a:t>possible_keys</a:t>
-            </a:r>
-            <a:r>
-              <a:rPr lang="en-US" altLang="zh-CN" b="1" dirty="0" smtClean="0">
-                <a:latin typeface="+mn-ea"/>
-              </a:rPr>
-              <a:t>:</a:t>
-            </a:r>
-            <a:endParaRPr lang="en-US" altLang="zh-CN" b="1" dirty="0">
-              <a:latin typeface="+mn-ea"/>
-            </a:endParaRPr>
-          </a:p>
-          <a:p>
-            <a:r>
-              <a:rPr lang="en-US" altLang="zh-CN" b="1" dirty="0" smtClean="0">
-                <a:latin typeface="+mn-ea"/>
-              </a:rPr>
-              <a:t>key:</a:t>
-            </a:r>
-            <a:endParaRPr lang="en-US" altLang="zh-CN" b="1" dirty="0">
-              <a:latin typeface="+mn-ea"/>
-            </a:endParaRPr>
-          </a:p>
-          <a:p>
-            <a:r>
-              <a:rPr lang="en-US" altLang="zh-CN" b="1" dirty="0" err="1" smtClean="0">
-                <a:latin typeface="+mn-ea"/>
-              </a:rPr>
-              <a:t>key_len</a:t>
-            </a:r>
-            <a:r>
-              <a:rPr lang="en-US" altLang="zh-CN" b="1" dirty="0" smtClean="0">
-                <a:latin typeface="+mn-ea"/>
-              </a:rPr>
-              <a:t>:</a:t>
-            </a:r>
-            <a:endParaRPr lang="en-US" altLang="zh-CN" b="1" dirty="0">
-              <a:latin typeface="+mn-ea"/>
-            </a:endParaRPr>
-          </a:p>
-          <a:p>
-            <a:r>
-              <a:rPr lang="en-US" altLang="zh-CN" b="1" dirty="0" smtClean="0">
-                <a:latin typeface="+mn-ea"/>
-              </a:rPr>
-              <a:t>ref:</a:t>
-            </a:r>
-            <a:r>
-              <a:rPr lang="en-US" altLang="zh-CN" b="1" dirty="0">
-                <a:latin typeface="+mn-ea"/>
-              </a:rPr>
-              <a:t> </a:t>
-            </a:r>
-          </a:p>
-          <a:p>
-            <a:r>
-              <a:rPr lang="en-US" altLang="zh-CN" b="1" dirty="0" smtClean="0">
-                <a:latin typeface="+mn-ea"/>
-              </a:rPr>
-              <a:t>rows:</a:t>
-            </a:r>
-            <a:endParaRPr lang="en-US" altLang="zh-CN" b="1" dirty="0">
-              <a:latin typeface="+mn-ea"/>
-            </a:endParaRPr>
-          </a:p>
-          <a:p>
-            <a:r>
-              <a:rPr lang="en-US" altLang="zh-CN" b="1" dirty="0">
-                <a:latin typeface="+mn-ea"/>
-              </a:rPr>
-              <a:t>Extra</a:t>
-            </a:r>
-            <a:r>
-              <a:rPr lang="en-US" altLang="zh-CN" b="1" dirty="0" smtClean="0">
-                <a:latin typeface="+mn-ea"/>
-              </a:rPr>
-              <a:t>:</a:t>
-            </a:r>
-            <a:endParaRPr lang="en-US" altLang="zh-CN" b="1" dirty="0">
-              <a:latin typeface="+mn-ea"/>
-            </a:endParaRPr>
-          </a:p>
-        </p:txBody>
-      </p:sp>
+      </p:pic>
     </p:spTree>
     <p:extLst>
       <p:ext uri="{BB962C8B-B14F-4D97-AF65-F5344CB8AC3E}">
@@ -18845,6 +17988,872 @@
       </p:grpSpPr>
       <p:sp>
         <p:nvSpPr>
+          <p:cNvPr id="2" name="文本框 1"/>
+          <p:cNvSpPr txBox="1"/>
+          <p:nvPr/>
+        </p:nvSpPr>
+        <p:spPr>
+          <a:xfrm flipH="1">
+            <a:off x="249160" y="177836"/>
+            <a:ext cx="6492298" cy="584775"/>
+          </a:xfrm>
+          <a:prstGeom prst="rect">
+            <a:avLst/>
+          </a:prstGeom>
+          <a:noFill/>
+        </p:spPr>
+        <p:txBody>
+          <a:bodyPr wrap="square" rtlCol="0">
+            <a:spAutoFit/>
+          </a:bodyPr>
+          <a:lstStyle/>
+          <a:p>
+            <a:r>
+              <a:rPr lang="zh-CN" altLang="en-US" sz="3200" b="1" dirty="0" smtClean="0">
+                <a:solidFill>
+                  <a:srgbClr val="52C018"/>
+                </a:solidFill>
+                <a:latin typeface="+mn-ea"/>
+              </a:rPr>
+              <a:t>索引优化</a:t>
+            </a:r>
+            <a:endParaRPr lang="zh-CN" altLang="en-US" sz="3200" b="1" dirty="0">
+              <a:solidFill>
+                <a:srgbClr val="52C018"/>
+              </a:solidFill>
+              <a:latin typeface="+mn-ea"/>
+            </a:endParaRPr>
+          </a:p>
+        </p:txBody>
+      </p:sp>
+      <p:grpSp>
+        <p:nvGrpSpPr>
+          <p:cNvPr id="5" name="组合 4"/>
+          <p:cNvGrpSpPr/>
+          <p:nvPr/>
+        </p:nvGrpSpPr>
+        <p:grpSpPr>
+          <a:xfrm>
+            <a:off x="249160" y="1023865"/>
+            <a:ext cx="11322412" cy="548914"/>
+            <a:chOff x="0" y="0"/>
+            <a:chExt cx="8656876" cy="548914"/>
+          </a:xfrm>
+        </p:grpSpPr>
+        <p:sp>
+          <p:nvSpPr>
+            <p:cNvPr id="6" name="圆角矩形 5"/>
+            <p:cNvSpPr/>
+            <p:nvPr/>
+          </p:nvSpPr>
+          <p:spPr>
+            <a:xfrm>
+              <a:off x="0" y="0"/>
+              <a:ext cx="8656876" cy="548914"/>
+            </a:xfrm>
+            <a:prstGeom prst="roundRect">
+              <a:avLst/>
+            </a:prstGeom>
+            <a:solidFill>
+              <a:schemeClr val="accent6"/>
+            </a:solidFill>
+            <a:ln>
+              <a:noFill/>
+            </a:ln>
+          </p:spPr>
+          <p:style>
+            <a:lnRef idx="0">
+              <a:scrgbClr r="0" g="0" b="0"/>
+            </a:lnRef>
+            <a:fillRef idx="0">
+              <a:scrgbClr r="0" g="0" b="0"/>
+            </a:fillRef>
+            <a:effectRef idx="0">
+              <a:scrgbClr r="0" g="0" b="0"/>
+            </a:effectRef>
+            <a:fontRef idx="minor">
+              <a:schemeClr val="lt1"/>
+            </a:fontRef>
+          </p:style>
+        </p:sp>
+        <p:sp>
+          <p:nvSpPr>
+            <p:cNvPr id="7" name="圆角矩形 4"/>
+            <p:cNvSpPr txBox="1"/>
+            <p:nvPr/>
+          </p:nvSpPr>
+          <p:spPr>
+            <a:xfrm>
+              <a:off x="53592" y="26796"/>
+              <a:ext cx="8603284" cy="495322"/>
+            </a:xfrm>
+            <a:prstGeom prst="rect">
+              <a:avLst/>
+            </a:prstGeom>
+          </p:spPr>
+          <p:style>
+            <a:lnRef idx="0">
+              <a:scrgbClr r="0" g="0" b="0"/>
+            </a:lnRef>
+            <a:fillRef idx="0">
+              <a:scrgbClr r="0" g="0" b="0"/>
+            </a:fillRef>
+            <a:effectRef idx="0">
+              <a:scrgbClr r="0" g="0" b="0"/>
+            </a:effectRef>
+            <a:fontRef idx="minor">
+              <a:schemeClr val="lt1"/>
+            </a:fontRef>
+          </p:style>
+          <p:txBody>
+            <a:bodyPr spcFirstLastPara="0" vert="horz" wrap="square" lIns="60960" tIns="60960" rIns="60960" bIns="60960" numCol="1" spcCol="1270" anchor="ctr" anchorCtr="0">
+              <a:noAutofit/>
+            </a:bodyPr>
+            <a:lstStyle/>
+            <a:p>
+              <a:pPr defTabSz="711200">
+                <a:lnSpc>
+                  <a:spcPct val="90000"/>
+                </a:lnSpc>
+                <a:spcBef>
+                  <a:spcPct val="0"/>
+                </a:spcBef>
+                <a:spcAft>
+                  <a:spcPct val="35000"/>
+                </a:spcAft>
+              </a:pPr>
+              <a:r>
+                <a:rPr lang="en-US" altLang="zh-CN" b="1" dirty="0" smtClean="0">
+                  <a:latin typeface="+mn-ea"/>
+                </a:rPr>
+                <a:t>MYSQL</a:t>
+              </a:r>
+              <a:r>
+                <a:rPr lang="zh-CN" altLang="en-US" b="1" dirty="0" smtClean="0">
+                  <a:latin typeface="+mn-ea"/>
+                </a:rPr>
+                <a:t>执行计划</a:t>
+              </a:r>
+              <a:endParaRPr lang="zh-CN" altLang="zh-CN" b="1" dirty="0">
+                <a:latin typeface="+mn-ea"/>
+              </a:endParaRPr>
+            </a:p>
+          </p:txBody>
+        </p:sp>
+      </p:grpSp>
+      <p:graphicFrame>
+        <p:nvGraphicFramePr>
+          <p:cNvPr id="3" name="表格 2"/>
+          <p:cNvGraphicFramePr>
+            <a:graphicFrameLocks noGrp="1"/>
+          </p:cNvGraphicFramePr>
+          <p:nvPr>
+            <p:extLst>
+              <p:ext uri="{D42A27DB-BD31-4B8C-83A1-F6EECF244321}">
+                <p14:modId xmlns:p14="http://schemas.microsoft.com/office/powerpoint/2010/main" val="2655721514"/>
+              </p:ext>
+            </p:extLst>
+          </p:nvPr>
+        </p:nvGraphicFramePr>
+        <p:xfrm>
+          <a:off x="249160" y="1572779"/>
+          <a:ext cx="11333240" cy="4886960"/>
+        </p:xfrm>
+        <a:graphic>
+          <a:graphicData uri="http://schemas.openxmlformats.org/drawingml/2006/table">
+            <a:tbl>
+              <a:tblPr firstRow="1" bandRow="1">
+                <a:tableStyleId>{93296810-A885-4BE3-A3E7-6D5BEEA58F35}</a:tableStyleId>
+              </a:tblPr>
+              <a:tblGrid>
+                <a:gridCol w="1693941"/>
+                <a:gridCol w="9639299"/>
+              </a:tblGrid>
+              <a:tr h="370840">
+                <a:tc>
+                  <a:txBody>
+                    <a:bodyPr/>
+                    <a:lstStyle/>
+                    <a:p>
+                      <a:r>
+                        <a:rPr lang="zh-CN" altLang="en-US" dirty="0"/>
+                        <a:t>列名</a:t>
+                      </a:r>
+                    </a:p>
+                  </a:txBody>
+                  <a:tcPr anchor="ctr"/>
+                </a:tc>
+                <a:tc>
+                  <a:txBody>
+                    <a:bodyPr/>
+                    <a:lstStyle/>
+                    <a:p>
+                      <a:r>
+                        <a:rPr lang="zh-CN" altLang="en-US"/>
+                        <a:t>说明</a:t>
+                      </a:r>
+                    </a:p>
+                  </a:txBody>
+                  <a:tcPr anchor="ctr"/>
+                </a:tc>
+              </a:tr>
+              <a:tr h="370840">
+                <a:tc>
+                  <a:txBody>
+                    <a:bodyPr/>
+                    <a:lstStyle/>
+                    <a:p>
+                      <a:r>
+                        <a:rPr lang="en-US" dirty="0"/>
+                        <a:t>id</a:t>
+                      </a:r>
+                    </a:p>
+                  </a:txBody>
+                  <a:tcPr anchor="ctr"/>
+                </a:tc>
+                <a:tc>
+                  <a:txBody>
+                    <a:bodyPr/>
+                    <a:lstStyle/>
+                    <a:p>
+                      <a:r>
+                        <a:rPr lang="zh-CN" altLang="en-US" dirty="0"/>
+                        <a:t>执行编号，标识</a:t>
+                      </a:r>
+                      <a:r>
+                        <a:rPr lang="en-US" altLang="zh-CN" dirty="0"/>
+                        <a:t>select</a:t>
+                      </a:r>
+                      <a:r>
+                        <a:rPr lang="zh-CN" altLang="en-US" dirty="0"/>
+                        <a:t>所属的行。如果在语句中没子查询或关联查询，只有唯一的</a:t>
+                      </a:r>
+                      <a:r>
+                        <a:rPr lang="en-US" altLang="zh-CN" dirty="0"/>
+                        <a:t>select</a:t>
+                      </a:r>
+                      <a:r>
+                        <a:rPr lang="zh-CN" altLang="en-US" dirty="0"/>
+                        <a:t>，每行都将显示</a:t>
+                      </a:r>
+                      <a:r>
+                        <a:rPr lang="en-US" altLang="zh-CN" dirty="0"/>
+                        <a:t>1</a:t>
+                      </a:r>
+                      <a:r>
+                        <a:rPr lang="zh-CN" altLang="en-US" dirty="0"/>
+                        <a:t>。否则，内层的</a:t>
+                      </a:r>
+                      <a:r>
+                        <a:rPr lang="en-US" altLang="zh-CN" dirty="0"/>
+                        <a:t>select</a:t>
+                      </a:r>
+                      <a:r>
+                        <a:rPr lang="zh-CN" altLang="en-US" dirty="0"/>
+                        <a:t>语句一般会顺序编号，对应于其在原始语句中的位置</a:t>
+                      </a:r>
+                    </a:p>
+                  </a:txBody>
+                  <a:tcPr anchor="ctr"/>
+                </a:tc>
+              </a:tr>
+              <a:tr h="370840">
+                <a:tc>
+                  <a:txBody>
+                    <a:bodyPr/>
+                    <a:lstStyle/>
+                    <a:p>
+                      <a:r>
+                        <a:rPr lang="en-US" dirty="0" err="1"/>
+                        <a:t>select_type</a:t>
+                      </a:r>
+                      <a:endParaRPr lang="en-US" dirty="0"/>
+                    </a:p>
+                  </a:txBody>
+                  <a:tcPr anchor="ctr"/>
+                </a:tc>
+                <a:tc>
+                  <a:txBody>
+                    <a:bodyPr/>
+                    <a:lstStyle/>
+                    <a:p>
+                      <a:r>
+                        <a:rPr lang="zh-CN" altLang="en-US" dirty="0"/>
+                        <a:t>显示本行是简单或复杂</a:t>
+                      </a:r>
+                      <a:r>
+                        <a:rPr lang="en-US" dirty="0"/>
+                        <a:t>select。</a:t>
+                      </a:r>
+                      <a:r>
+                        <a:rPr lang="zh-CN" altLang="en-US" dirty="0"/>
+                        <a:t>如果查询有任何复杂的子查询，则最外层标记为</a:t>
+                      </a:r>
+                      <a:r>
+                        <a:rPr lang="en-US" dirty="0"/>
+                        <a:t>PRIMARY（DERIVED、UNION、UNION </a:t>
+                      </a:r>
+                      <a:r>
+                        <a:rPr lang="en-US" dirty="0" err="1"/>
+                        <a:t>RESUlT</a:t>
+                      </a:r>
+                      <a:r>
+                        <a:rPr lang="en-US" dirty="0"/>
+                        <a:t>）</a:t>
+                      </a:r>
+                    </a:p>
+                  </a:txBody>
+                  <a:tcPr anchor="ctr"/>
+                </a:tc>
+              </a:tr>
+              <a:tr h="370840">
+                <a:tc>
+                  <a:txBody>
+                    <a:bodyPr/>
+                    <a:lstStyle/>
+                    <a:p>
+                      <a:r>
+                        <a:rPr lang="en-US"/>
+                        <a:t>table</a:t>
+                      </a:r>
+                    </a:p>
+                  </a:txBody>
+                  <a:tcPr anchor="ctr"/>
+                </a:tc>
+                <a:tc>
+                  <a:txBody>
+                    <a:bodyPr/>
+                    <a:lstStyle/>
+                    <a:p>
+                      <a:r>
+                        <a:rPr lang="zh-CN" altLang="en-US" dirty="0"/>
+                        <a:t>访问引用哪个表（引用某个查询，如“</a:t>
+                      </a:r>
+                      <a:r>
+                        <a:rPr lang="en-US" altLang="zh-CN" dirty="0"/>
+                        <a:t>derived3”</a:t>
+                      </a:r>
+                      <a:r>
+                        <a:rPr lang="zh-CN" altLang="en-US" dirty="0"/>
+                        <a:t>）</a:t>
+                      </a:r>
+                    </a:p>
+                  </a:txBody>
+                  <a:tcPr anchor="ctr"/>
+                </a:tc>
+              </a:tr>
+              <a:tr h="370840">
+                <a:tc>
+                  <a:txBody>
+                    <a:bodyPr/>
+                    <a:lstStyle/>
+                    <a:p>
+                      <a:r>
+                        <a:rPr lang="en-US"/>
+                        <a:t>type</a:t>
+                      </a:r>
+                    </a:p>
+                  </a:txBody>
+                  <a:tcPr anchor="ctr"/>
+                </a:tc>
+                <a:tc>
+                  <a:txBody>
+                    <a:bodyPr/>
+                    <a:lstStyle/>
+                    <a:p>
+                      <a:r>
+                        <a:rPr lang="zh-CN" altLang="en-US" dirty="0"/>
+                        <a:t>数据访问</a:t>
+                      </a:r>
+                      <a:r>
+                        <a:rPr lang="en-US" altLang="zh-CN" dirty="0"/>
+                        <a:t>/</a:t>
+                      </a:r>
+                      <a:r>
+                        <a:rPr lang="zh-CN" altLang="en-US" dirty="0"/>
+                        <a:t>读取操作类型（</a:t>
+                      </a:r>
+                      <a:r>
+                        <a:rPr lang="en-US" dirty="0" err="1"/>
+                        <a:t>ALL、index、range、ref、eq_ref、const</a:t>
+                      </a:r>
+                      <a:r>
+                        <a:rPr lang="en-US" dirty="0"/>
+                        <a:t>/</a:t>
+                      </a:r>
+                      <a:r>
+                        <a:rPr lang="en-US" dirty="0" err="1"/>
+                        <a:t>system、NULL</a:t>
+                      </a:r>
+                      <a:r>
+                        <a:rPr lang="en-US" dirty="0"/>
+                        <a:t>）</a:t>
+                      </a:r>
+                    </a:p>
+                  </a:txBody>
+                  <a:tcPr anchor="ctr"/>
+                </a:tc>
+              </a:tr>
+              <a:tr h="370840">
+                <a:tc>
+                  <a:txBody>
+                    <a:bodyPr/>
+                    <a:lstStyle/>
+                    <a:p>
+                      <a:r>
+                        <a:rPr lang="en-US"/>
+                        <a:t>possible_keys</a:t>
+                      </a:r>
+                    </a:p>
+                  </a:txBody>
+                  <a:tcPr anchor="ctr"/>
+                </a:tc>
+                <a:tc>
+                  <a:txBody>
+                    <a:bodyPr/>
+                    <a:lstStyle/>
+                    <a:p>
+                      <a:r>
+                        <a:rPr lang="zh-CN" altLang="en-US" dirty="0"/>
+                        <a:t>揭示哪一些索引可能有利于高效的查找</a:t>
+                      </a:r>
+                    </a:p>
+                  </a:txBody>
+                  <a:tcPr anchor="ctr"/>
+                </a:tc>
+              </a:tr>
+              <a:tr h="370840">
+                <a:tc>
+                  <a:txBody>
+                    <a:bodyPr/>
+                    <a:lstStyle/>
+                    <a:p>
+                      <a:r>
+                        <a:rPr lang="en-US"/>
+                        <a:t>key</a:t>
+                      </a:r>
+                    </a:p>
+                  </a:txBody>
+                  <a:tcPr anchor="ctr"/>
+                </a:tc>
+                <a:tc>
+                  <a:txBody>
+                    <a:bodyPr/>
+                    <a:lstStyle/>
+                    <a:p>
+                      <a:r>
+                        <a:rPr lang="zh-CN" altLang="en-US" dirty="0"/>
+                        <a:t>显示</a:t>
+                      </a:r>
+                      <a:r>
+                        <a:rPr lang="en-US" altLang="zh-CN" dirty="0" err="1"/>
+                        <a:t>mysql</a:t>
+                      </a:r>
+                      <a:r>
+                        <a:rPr lang="zh-CN" altLang="en-US" dirty="0"/>
+                        <a:t>决定采用哪个索引来优化查询</a:t>
+                      </a:r>
+                    </a:p>
+                  </a:txBody>
+                  <a:tcPr anchor="ctr"/>
+                </a:tc>
+              </a:tr>
+              <a:tr h="370840">
+                <a:tc>
+                  <a:txBody>
+                    <a:bodyPr/>
+                    <a:lstStyle/>
+                    <a:p>
+                      <a:r>
+                        <a:rPr lang="en-US"/>
+                        <a:t>key_len</a:t>
+                      </a:r>
+                    </a:p>
+                  </a:txBody>
+                  <a:tcPr anchor="ctr"/>
+                </a:tc>
+                <a:tc>
+                  <a:txBody>
+                    <a:bodyPr/>
+                    <a:lstStyle/>
+                    <a:p>
+                      <a:r>
+                        <a:rPr lang="zh-CN" altLang="en-US" dirty="0"/>
+                        <a:t>显示</a:t>
+                      </a:r>
+                      <a:r>
+                        <a:rPr lang="en-US" altLang="zh-CN" dirty="0" err="1"/>
+                        <a:t>mysql</a:t>
+                      </a:r>
+                      <a:r>
+                        <a:rPr lang="zh-CN" altLang="en-US" dirty="0"/>
+                        <a:t>在索引里使用的字节数</a:t>
+                      </a:r>
+                    </a:p>
+                  </a:txBody>
+                  <a:tcPr anchor="ctr"/>
+                </a:tc>
+              </a:tr>
+              <a:tr h="370840">
+                <a:tc>
+                  <a:txBody>
+                    <a:bodyPr/>
+                    <a:lstStyle/>
+                    <a:p>
+                      <a:r>
+                        <a:rPr lang="en-US"/>
+                        <a:t>ref</a:t>
+                      </a:r>
+                    </a:p>
+                  </a:txBody>
+                  <a:tcPr anchor="ctr"/>
+                </a:tc>
+                <a:tc>
+                  <a:txBody>
+                    <a:bodyPr/>
+                    <a:lstStyle/>
+                    <a:p>
+                      <a:r>
+                        <a:rPr lang="zh-CN" altLang="en-US"/>
+                        <a:t>显示了之前的表在</a:t>
+                      </a:r>
+                      <a:r>
+                        <a:rPr lang="en-US" altLang="zh-CN"/>
+                        <a:t>key</a:t>
+                      </a:r>
+                      <a:r>
+                        <a:rPr lang="zh-CN" altLang="en-US"/>
+                        <a:t>列记录的索引中查找值所用的列或常量</a:t>
+                      </a:r>
+                    </a:p>
+                  </a:txBody>
+                  <a:tcPr anchor="ctr"/>
+                </a:tc>
+              </a:tr>
+              <a:tr h="370840">
+                <a:tc>
+                  <a:txBody>
+                    <a:bodyPr/>
+                    <a:lstStyle/>
+                    <a:p>
+                      <a:r>
+                        <a:rPr lang="en-US"/>
+                        <a:t>rows</a:t>
+                      </a:r>
+                    </a:p>
+                  </a:txBody>
+                  <a:tcPr anchor="ctr"/>
+                </a:tc>
+                <a:tc>
+                  <a:txBody>
+                    <a:bodyPr/>
+                    <a:lstStyle/>
+                    <a:p>
+                      <a:r>
+                        <a:rPr lang="zh-CN" altLang="en-US"/>
+                        <a:t>为了找到所需的行而需要读取的行数，估算值，不精确。通过把所有</a:t>
+                      </a:r>
+                      <a:r>
+                        <a:rPr lang="en-US" altLang="zh-CN"/>
+                        <a:t>rows</a:t>
+                      </a:r>
+                      <a:r>
+                        <a:rPr lang="zh-CN" altLang="en-US"/>
+                        <a:t>列值相乘，可粗略估算整个查询会检查的行数</a:t>
+                      </a:r>
+                    </a:p>
+                  </a:txBody>
+                  <a:tcPr anchor="ctr"/>
+                </a:tc>
+              </a:tr>
+              <a:tr h="370840">
+                <a:tc>
+                  <a:txBody>
+                    <a:bodyPr/>
+                    <a:lstStyle/>
+                    <a:p>
+                      <a:r>
+                        <a:rPr lang="en-US"/>
+                        <a:t>Extra</a:t>
+                      </a:r>
+                    </a:p>
+                  </a:txBody>
+                  <a:tcPr anchor="ctr"/>
+                </a:tc>
+                <a:tc>
+                  <a:txBody>
+                    <a:bodyPr/>
+                    <a:lstStyle/>
+                    <a:p>
+                      <a:r>
+                        <a:rPr lang="zh-CN" altLang="en-US" dirty="0"/>
+                        <a:t>额外信息，如</a:t>
+                      </a:r>
+                      <a:r>
+                        <a:rPr lang="en-US" dirty="0"/>
+                        <a:t>using </a:t>
+                      </a:r>
+                      <a:r>
+                        <a:rPr lang="en-US" dirty="0" err="1"/>
+                        <a:t>index、filesort</a:t>
+                      </a:r>
+                      <a:r>
+                        <a:rPr lang="zh-CN" altLang="en-US" dirty="0"/>
+                        <a:t>等</a:t>
+                      </a:r>
+                    </a:p>
+                  </a:txBody>
+                  <a:tcPr anchor="ctr"/>
+                </a:tc>
+              </a:tr>
+            </a:tbl>
+          </a:graphicData>
+        </a:graphic>
+      </p:graphicFrame>
+    </p:spTree>
+    <p:extLst>
+      <p:ext uri="{BB962C8B-B14F-4D97-AF65-F5344CB8AC3E}">
+        <p14:creationId xmlns:p14="http://schemas.microsoft.com/office/powerpoint/2010/main" val="3385759536"/>
+      </p:ext>
+    </p:extLst>
+  </p:cSld>
+  <p:clrMapOvr>
+    <a:masterClrMapping/>
+  </p:clrMapOvr>
+  <p:timing>
+    <p:tnLst>
+      <p:par>
+        <p:cTn id="1" dur="indefinite" restart="never" nodeType="tmRoot"/>
+      </p:par>
+    </p:tnLst>
+  </p:timing>
+</p:sld>
+</file>
+
+<file path=ppt/slides/slide21.xml><?xml version="1.0" encoding="utf-8"?>
+<p:sld xmlns:a="http://schemas.openxmlformats.org/drawingml/2006/main" xmlns:r="http://schemas.openxmlformats.org/officeDocument/2006/relationships" xmlns:p="http://schemas.openxmlformats.org/presentationml/2006/main">
+  <p:cSld>
+    <p:spTree>
+      <p:nvGrpSpPr>
+        <p:cNvPr id="1" name=""/>
+        <p:cNvGrpSpPr/>
+        <p:nvPr/>
+      </p:nvGrpSpPr>
+      <p:grpSpPr>
+        <a:xfrm>
+          <a:off x="0" y="0"/>
+          <a:ext cx="0" cy="0"/>
+          <a:chOff x="0" y="0"/>
+          <a:chExt cx="0" cy="0"/>
+        </a:xfrm>
+      </p:grpSpPr>
+      <p:sp>
+        <p:nvSpPr>
+          <p:cNvPr id="2" name="文本框 1"/>
+          <p:cNvSpPr txBox="1"/>
+          <p:nvPr/>
+        </p:nvSpPr>
+        <p:spPr>
+          <a:xfrm flipH="1">
+            <a:off x="249160" y="177836"/>
+            <a:ext cx="6492298" cy="584775"/>
+          </a:xfrm>
+          <a:prstGeom prst="rect">
+            <a:avLst/>
+          </a:prstGeom>
+          <a:noFill/>
+        </p:spPr>
+        <p:txBody>
+          <a:bodyPr wrap="square" rtlCol="0">
+            <a:spAutoFit/>
+          </a:bodyPr>
+          <a:lstStyle/>
+          <a:p>
+            <a:r>
+              <a:rPr lang="zh-CN" altLang="en-US" sz="3200" b="1" dirty="0" smtClean="0">
+                <a:solidFill>
+                  <a:srgbClr val="52C018"/>
+                </a:solidFill>
+                <a:latin typeface="+mn-ea"/>
+              </a:rPr>
+              <a:t>索引</a:t>
+            </a:r>
+            <a:r>
+              <a:rPr lang="zh-CN" altLang="en-US" sz="3200" b="1" dirty="0">
+                <a:solidFill>
+                  <a:srgbClr val="52C018"/>
+                </a:solidFill>
+                <a:latin typeface="+mn-ea"/>
+              </a:rPr>
+              <a:t>基础</a:t>
+            </a:r>
+          </a:p>
+        </p:txBody>
+      </p:sp>
+      <p:grpSp>
+        <p:nvGrpSpPr>
+          <p:cNvPr id="5" name="组合 4"/>
+          <p:cNvGrpSpPr/>
+          <p:nvPr/>
+        </p:nvGrpSpPr>
+        <p:grpSpPr>
+          <a:xfrm>
+            <a:off x="249160" y="1025259"/>
+            <a:ext cx="10782006" cy="548914"/>
+            <a:chOff x="0" y="0"/>
+            <a:chExt cx="8656876" cy="548914"/>
+          </a:xfrm>
+        </p:grpSpPr>
+        <p:sp>
+          <p:nvSpPr>
+            <p:cNvPr id="6" name="圆角矩形 5"/>
+            <p:cNvSpPr/>
+            <p:nvPr/>
+          </p:nvSpPr>
+          <p:spPr>
+            <a:xfrm>
+              <a:off x="0" y="0"/>
+              <a:ext cx="8656876" cy="548914"/>
+            </a:xfrm>
+            <a:prstGeom prst="roundRect">
+              <a:avLst/>
+            </a:prstGeom>
+            <a:solidFill>
+              <a:schemeClr val="accent6"/>
+            </a:solidFill>
+            <a:ln>
+              <a:noFill/>
+            </a:ln>
+          </p:spPr>
+          <p:style>
+            <a:lnRef idx="0">
+              <a:scrgbClr r="0" g="0" b="0"/>
+            </a:lnRef>
+            <a:fillRef idx="0">
+              <a:scrgbClr r="0" g="0" b="0"/>
+            </a:fillRef>
+            <a:effectRef idx="0">
+              <a:scrgbClr r="0" g="0" b="0"/>
+            </a:effectRef>
+            <a:fontRef idx="minor">
+              <a:schemeClr val="lt1"/>
+            </a:fontRef>
+          </p:style>
+        </p:sp>
+        <p:sp>
+          <p:nvSpPr>
+            <p:cNvPr id="7" name="圆角矩形 4"/>
+            <p:cNvSpPr txBox="1"/>
+            <p:nvPr/>
+          </p:nvSpPr>
+          <p:spPr>
+            <a:xfrm>
+              <a:off x="53592" y="26796"/>
+              <a:ext cx="8603284" cy="495322"/>
+            </a:xfrm>
+            <a:prstGeom prst="rect">
+              <a:avLst/>
+            </a:prstGeom>
+          </p:spPr>
+          <p:style>
+            <a:lnRef idx="0">
+              <a:scrgbClr r="0" g="0" b="0"/>
+            </a:lnRef>
+            <a:fillRef idx="0">
+              <a:scrgbClr r="0" g="0" b="0"/>
+            </a:fillRef>
+            <a:effectRef idx="0">
+              <a:scrgbClr r="0" g="0" b="0"/>
+            </a:effectRef>
+            <a:fontRef idx="minor">
+              <a:schemeClr val="lt1"/>
+            </a:fontRef>
+          </p:style>
+          <p:txBody>
+            <a:bodyPr spcFirstLastPara="0" vert="horz" wrap="square" lIns="60960" tIns="60960" rIns="60960" bIns="60960" numCol="1" spcCol="1270" anchor="ctr" anchorCtr="0">
+              <a:noAutofit/>
+            </a:bodyPr>
+            <a:lstStyle/>
+            <a:p>
+              <a:pPr defTabSz="711200">
+                <a:lnSpc>
+                  <a:spcPct val="90000"/>
+                </a:lnSpc>
+                <a:spcBef>
+                  <a:spcPct val="0"/>
+                </a:spcBef>
+                <a:spcAft>
+                  <a:spcPct val="35000"/>
+                </a:spcAft>
+              </a:pPr>
+              <a:r>
+                <a:rPr lang="en-US" altLang="zh-CN" b="1" dirty="0" err="1" smtClean="0">
+                  <a:latin typeface="华文中宋" panose="02010600040101010101" pitchFamily="2" charset="-122"/>
+                  <a:ea typeface="华文中宋" panose="02010600040101010101" pitchFamily="2" charset="-122"/>
+                </a:rPr>
+                <a:t>select_type</a:t>
+              </a:r>
+              <a:r>
+                <a:rPr lang="en-US" altLang="zh-CN" b="1" dirty="0">
+                  <a:latin typeface="华文中宋" panose="02010600040101010101" pitchFamily="2" charset="-122"/>
+                  <a:ea typeface="华文中宋" panose="02010600040101010101" pitchFamily="2" charset="-122"/>
+                </a:rPr>
+                <a:t> </a:t>
+              </a:r>
+              <a:r>
+                <a:rPr lang="zh-CN" altLang="en-US" b="1" dirty="0" smtClean="0">
+                  <a:latin typeface="华文中宋" panose="02010600040101010101" pitchFamily="2" charset="-122"/>
+                  <a:ea typeface="华文中宋" panose="02010600040101010101" pitchFamily="2" charset="-122"/>
+                </a:rPr>
+                <a:t>详解</a:t>
+              </a:r>
+              <a:endParaRPr lang="zh-CN" altLang="zh-CN" b="1" dirty="0">
+                <a:latin typeface="华文中宋" panose="02010600040101010101" pitchFamily="2" charset="-122"/>
+                <a:ea typeface="华文中宋" panose="02010600040101010101" pitchFamily="2" charset="-122"/>
+              </a:endParaRPr>
+            </a:p>
+          </p:txBody>
+        </p:sp>
+      </p:grpSp>
+    </p:spTree>
+    <p:extLst>
+      <p:ext uri="{BB962C8B-B14F-4D97-AF65-F5344CB8AC3E}">
+        <p14:creationId xmlns:p14="http://schemas.microsoft.com/office/powerpoint/2010/main" val="788903170"/>
+      </p:ext>
+    </p:extLst>
+  </p:cSld>
+  <p:clrMapOvr>
+    <a:masterClrMapping/>
+  </p:clrMapOvr>
+  <p:timing>
+    <p:tnLst>
+      <p:par>
+        <p:cTn id="1" dur="indefinite" restart="never" nodeType="tmRoot"/>
+      </p:par>
+    </p:tnLst>
+  </p:timing>
+</p:sld>
+</file>
+
+<file path=ppt/slides/slide22.xml><?xml version="1.0" encoding="utf-8"?>
+<p:sld xmlns:a="http://schemas.openxmlformats.org/drawingml/2006/main" xmlns:r="http://schemas.openxmlformats.org/officeDocument/2006/relationships" xmlns:p="http://schemas.openxmlformats.org/presentationml/2006/main">
+  <p:cSld>
+    <p:spTree>
+      <p:nvGrpSpPr>
+        <p:cNvPr id="1" name=""/>
+        <p:cNvGrpSpPr/>
+        <p:nvPr/>
+      </p:nvGrpSpPr>
+      <p:grpSpPr>
+        <a:xfrm>
+          <a:off x="0" y="0"/>
+          <a:ext cx="0" cy="0"/>
+          <a:chOff x="0" y="0"/>
+          <a:chExt cx="0" cy="0"/>
+        </a:xfrm>
+      </p:grpSpPr>
+      <p:sp>
+        <p:nvSpPr>
           <p:cNvPr id="2" name="MH_Title"/>
           <p:cNvSpPr/>
           <p:nvPr>
@@ -19740,7 +19749,7 @@
 </p:sld>
 </file>
 
-<file path=ppt/slides/slide21.xml><?xml version="1.0" encoding="utf-8"?>
+<file path=ppt/slides/slide23.xml><?xml version="1.0" encoding="utf-8"?>
 <p:sld xmlns:a="http://schemas.openxmlformats.org/drawingml/2006/main" xmlns:r="http://schemas.openxmlformats.org/officeDocument/2006/relationships" xmlns:p="http://schemas.openxmlformats.org/presentationml/2006/main">
   <p:cSld>
     <p:spTree>
@@ -20654,7 +20663,7 @@
 </p:sld>
 </file>
 
-<file path=ppt/slides/slide22.xml><?xml version="1.0" encoding="utf-8"?>
+<file path=ppt/slides/slide24.xml><?xml version="1.0" encoding="utf-8"?>
 <p:sld xmlns:a="http://schemas.openxmlformats.org/drawingml/2006/main" xmlns:r="http://schemas.openxmlformats.org/officeDocument/2006/relationships" xmlns:p="http://schemas.openxmlformats.org/presentationml/2006/main">
   <p:cSld>
     <p:spTree>
@@ -21937,7 +21946,7 @@
     </p:spTree>
     <p:extLst>
       <p:ext uri="{BB962C8B-B14F-4D97-AF65-F5344CB8AC3E}">
-        <p14:creationId xmlns:p14="http://schemas.microsoft.com/office/powerpoint/2010/main" val="2264624153"/>
+        <p14:creationId xmlns:p14="http://schemas.microsoft.com/office/powerpoint/2010/main" val="3389990334"/>
       </p:ext>
     </p:extLst>
   </p:cSld>
@@ -21955,265 +21964,6 @@
 </file>
 
 <file path=ppt/slides/slide5.xml><?xml version="1.0" encoding="utf-8"?>
-<p:sld xmlns:a="http://schemas.openxmlformats.org/drawingml/2006/main" xmlns:r="http://schemas.openxmlformats.org/officeDocument/2006/relationships" xmlns:p="http://schemas.openxmlformats.org/presentationml/2006/main">
-  <p:cSld>
-    <p:spTree>
-      <p:nvGrpSpPr>
-        <p:cNvPr id="1" name=""/>
-        <p:cNvGrpSpPr/>
-        <p:nvPr/>
-      </p:nvGrpSpPr>
-      <p:grpSpPr>
-        <a:xfrm>
-          <a:off x="0" y="0"/>
-          <a:ext cx="0" cy="0"/>
-          <a:chOff x="0" y="0"/>
-          <a:chExt cx="0" cy="0"/>
-        </a:xfrm>
-      </p:grpSpPr>
-      <p:sp>
-        <p:nvSpPr>
-          <p:cNvPr id="2" name="文本框 1"/>
-          <p:cNvSpPr txBox="1"/>
-          <p:nvPr/>
-        </p:nvSpPr>
-        <p:spPr>
-          <a:xfrm flipH="1">
-            <a:off x="249160" y="177836"/>
-            <a:ext cx="6492298" cy="584775"/>
-          </a:xfrm>
-          <a:prstGeom prst="rect">
-            <a:avLst/>
-          </a:prstGeom>
-          <a:noFill/>
-        </p:spPr>
-        <p:txBody>
-          <a:bodyPr wrap="square" rtlCol="0">
-            <a:spAutoFit/>
-          </a:bodyPr>
-          <a:lstStyle/>
-          <a:p>
-            <a:r>
-              <a:rPr lang="zh-CN" altLang="en-US" sz="3200" b="1" dirty="0" smtClean="0">
-                <a:solidFill>
-                  <a:srgbClr val="52C018"/>
-                </a:solidFill>
-                <a:latin typeface="+mn-ea"/>
-              </a:rPr>
-              <a:t>索引</a:t>
-            </a:r>
-            <a:r>
-              <a:rPr lang="zh-CN" altLang="en-US" sz="3200" b="1" dirty="0">
-                <a:solidFill>
-                  <a:srgbClr val="52C018"/>
-                </a:solidFill>
-                <a:latin typeface="+mn-ea"/>
-              </a:rPr>
-              <a:t>基础</a:t>
-            </a:r>
-          </a:p>
-        </p:txBody>
-      </p:sp>
-      <p:grpSp>
-        <p:nvGrpSpPr>
-          <p:cNvPr id="5" name="组合 4"/>
-          <p:cNvGrpSpPr/>
-          <p:nvPr/>
-        </p:nvGrpSpPr>
-        <p:grpSpPr>
-          <a:xfrm>
-            <a:off x="249160" y="1025259"/>
-            <a:ext cx="10782006" cy="548914"/>
-            <a:chOff x="0" y="0"/>
-            <a:chExt cx="8656876" cy="548914"/>
-          </a:xfrm>
-        </p:grpSpPr>
-        <p:sp>
-          <p:nvSpPr>
-            <p:cNvPr id="6" name="圆角矩形 5"/>
-            <p:cNvSpPr/>
-            <p:nvPr/>
-          </p:nvSpPr>
-          <p:spPr>
-            <a:xfrm>
-              <a:off x="0" y="0"/>
-              <a:ext cx="8656876" cy="548914"/>
-            </a:xfrm>
-            <a:prstGeom prst="roundRect">
-              <a:avLst/>
-            </a:prstGeom>
-            <a:solidFill>
-              <a:schemeClr val="accent6"/>
-            </a:solidFill>
-            <a:ln>
-              <a:noFill/>
-            </a:ln>
-          </p:spPr>
-          <p:style>
-            <a:lnRef idx="0">
-              <a:scrgbClr r="0" g="0" b="0"/>
-            </a:lnRef>
-            <a:fillRef idx="0">
-              <a:scrgbClr r="0" g="0" b="0"/>
-            </a:fillRef>
-            <a:effectRef idx="0">
-              <a:scrgbClr r="0" g="0" b="0"/>
-            </a:effectRef>
-            <a:fontRef idx="minor">
-              <a:schemeClr val="lt1"/>
-            </a:fontRef>
-          </p:style>
-        </p:sp>
-        <p:sp>
-          <p:nvSpPr>
-            <p:cNvPr id="7" name="圆角矩形 4"/>
-            <p:cNvSpPr txBox="1"/>
-            <p:nvPr/>
-          </p:nvSpPr>
-          <p:spPr>
-            <a:xfrm>
-              <a:off x="53592" y="26796"/>
-              <a:ext cx="8603284" cy="495322"/>
-            </a:xfrm>
-            <a:prstGeom prst="rect">
-              <a:avLst/>
-            </a:prstGeom>
-          </p:spPr>
-          <p:style>
-            <a:lnRef idx="0">
-              <a:scrgbClr r="0" g="0" b="0"/>
-            </a:lnRef>
-            <a:fillRef idx="0">
-              <a:scrgbClr r="0" g="0" b="0"/>
-            </a:fillRef>
-            <a:effectRef idx="0">
-              <a:scrgbClr r="0" g="0" b="0"/>
-            </a:effectRef>
-            <a:fontRef idx="minor">
-              <a:schemeClr val="lt1"/>
-            </a:fontRef>
-          </p:style>
-          <p:txBody>
-            <a:bodyPr spcFirstLastPara="0" vert="horz" wrap="square" lIns="60960" tIns="60960" rIns="60960" bIns="60960" numCol="1" spcCol="1270" anchor="ctr" anchorCtr="0">
-              <a:noAutofit/>
-            </a:bodyPr>
-            <a:lstStyle/>
-            <a:p>
-              <a:pPr lvl="0" algn="l" defTabSz="711200" rtl="0">
-                <a:lnSpc>
-                  <a:spcPct val="90000"/>
-                </a:lnSpc>
-                <a:spcBef>
-                  <a:spcPct val="0"/>
-                </a:spcBef>
-                <a:spcAft>
-                  <a:spcPct val="35000"/>
-                </a:spcAft>
-              </a:pPr>
-              <a:r>
-                <a:rPr lang="en-US" altLang="zh-CN" b="1" dirty="0" smtClean="0"/>
-                <a:t>B+TREE</a:t>
-              </a:r>
-              <a:endParaRPr lang="zh-CN" b="1" dirty="0"/>
-            </a:p>
-          </p:txBody>
-        </p:sp>
-      </p:grpSp>
-      <p:sp>
-        <p:nvSpPr>
-          <p:cNvPr id="4" name="文本框 3"/>
-          <p:cNvSpPr txBox="1"/>
-          <p:nvPr/>
-        </p:nvSpPr>
-        <p:spPr>
-          <a:xfrm>
-            <a:off x="249160" y="1994171"/>
-            <a:ext cx="10081614" cy="369332"/>
-          </a:xfrm>
-          <a:prstGeom prst="rect">
-            <a:avLst/>
-          </a:prstGeom>
-          <a:noFill/>
-        </p:spPr>
-        <p:txBody>
-          <a:bodyPr wrap="square" rtlCol="0">
-            <a:spAutoFit/>
-          </a:bodyPr>
-          <a:lstStyle/>
-          <a:p>
-            <a:pPr marL="285750" indent="-285750">
-              <a:buFont typeface="Arial" panose="020B0604020202020204" pitchFamily="34" charset="0"/>
-              <a:buChar char="•"/>
-            </a:pPr>
-            <a:r>
-              <a:rPr lang="zh-CN" altLang="en-US" dirty="0" smtClean="0">
-                <a:latin typeface="+mn-ea"/>
-              </a:rPr>
-              <a:t>可为</a:t>
-            </a:r>
-            <a:r>
-              <a:rPr lang="en-US" altLang="zh-CN" dirty="0" smtClean="0">
-                <a:latin typeface="+mn-ea"/>
-              </a:rPr>
-              <a:t>NULL</a:t>
-            </a:r>
-            <a:r>
-              <a:rPr lang="zh-CN" altLang="en-US" dirty="0" smtClean="0">
-                <a:latin typeface="+mn-ea"/>
-              </a:rPr>
-              <a:t>，</a:t>
-            </a:r>
-            <a:r>
-              <a:rPr lang="en-US" altLang="zh-CN" dirty="0" smtClean="0">
-                <a:latin typeface="+mn-ea"/>
-              </a:rPr>
-              <a:t>NULL</a:t>
-            </a:r>
-            <a:r>
-              <a:rPr lang="zh-CN" altLang="en-US" dirty="0" smtClean="0">
-                <a:latin typeface="+mn-ea"/>
-              </a:rPr>
-              <a:t>时可有多列</a:t>
-            </a:r>
-            <a:r>
-              <a:rPr lang="en-US" altLang="zh-CN" dirty="0" smtClean="0">
-                <a:latin typeface="+mn-ea"/>
-              </a:rPr>
-              <a:t>NULL</a:t>
-            </a:r>
-            <a:r>
-              <a:rPr lang="zh-CN" altLang="en-US" dirty="0" smtClean="0">
-                <a:latin typeface="+mn-ea"/>
-              </a:rPr>
-              <a:t>值。</a:t>
-            </a:r>
-            <a:endParaRPr lang="en-US" altLang="zh-CN" dirty="0" smtClean="0">
-              <a:latin typeface="+mn-ea"/>
-            </a:endParaRPr>
-          </a:p>
-        </p:txBody>
-      </p:sp>
-    </p:spTree>
-    <p:extLst>
-      <p:ext uri="{BB962C8B-B14F-4D97-AF65-F5344CB8AC3E}">
-        <p14:creationId xmlns:p14="http://schemas.microsoft.com/office/powerpoint/2010/main" val="1499368865"/>
-      </p:ext>
-    </p:extLst>
-  </p:cSld>
-  <p:clrMapOvr>
-    <a:masterClrMapping/>
-  </p:clrMapOvr>
-  <p:timing>
-    <p:tnLst>
-      <p:par>
-        <p:cTn id="1" dur="indefinite" restart="never" nodeType="tmRoot"/>
-      </p:par>
-    </p:tnLst>
-  </p:timing>
-</p:sld>
-</file>
-
-<file path=ppt/slides/slide6.xml><?xml version="1.0" encoding="utf-8"?>
 <p:sld xmlns:a="http://schemas.openxmlformats.org/drawingml/2006/main" xmlns:r="http://schemas.openxmlformats.org/officeDocument/2006/relationships" xmlns:p="http://schemas.openxmlformats.org/presentationml/2006/main">
   <p:cSld>
     <p:spTree>
@@ -22597,7 +22347,7 @@
 </p:sld>
 </file>
 
-<file path=ppt/slides/slide7.xml><?xml version="1.0" encoding="utf-8"?>
+<file path=ppt/slides/slide6.xml><?xml version="1.0" encoding="utf-8"?>
 <p:sld xmlns:a="http://schemas.openxmlformats.org/drawingml/2006/main" xmlns:r="http://schemas.openxmlformats.org/officeDocument/2006/relationships" xmlns:p="http://schemas.openxmlformats.org/presentationml/2006/main">
   <p:cSld>
     <p:spTree>
@@ -22844,103 +22594,109 @@
               <a:rPr lang="zh-CN" altLang="en-US" dirty="0" smtClean="0">
                 <a:latin typeface="+mn-ea"/>
               </a:rPr>
-              <a:t>索引</a:t>
+              <a:t>索引。</a:t>
+            </a:r>
+            <a:endParaRPr lang="en-US" altLang="zh-CN" dirty="0" smtClean="0">
+              <a:latin typeface="+mn-ea"/>
+            </a:endParaRPr>
+          </a:p>
+          <a:p>
+            <a:pPr marL="342900" indent="-342900">
+              <a:buFont typeface="Arial" panose="020B0604020202020204" pitchFamily="34" charset="0"/>
+              <a:buChar char="•"/>
+            </a:pPr>
+            <a:r>
+              <a:rPr lang="zh-CN" altLang="en-US" dirty="0" smtClean="0">
+                <a:latin typeface="+mn-ea"/>
+              </a:rPr>
+              <a:t>引用</a:t>
+            </a:r>
+            <a:r>
+              <a:rPr lang="zh-CN" altLang="en-US" dirty="0">
+                <a:latin typeface="+mn-ea"/>
+              </a:rPr>
+              <a:t>主键作为</a:t>
+            </a:r>
+            <a:r>
+              <a:rPr lang="en-US" altLang="zh-CN" dirty="0">
+                <a:latin typeface="+mn-ea"/>
+              </a:rPr>
+              <a:t>data</a:t>
+            </a:r>
+            <a:r>
+              <a:rPr lang="zh-CN" altLang="en-US" dirty="0" smtClean="0">
+                <a:latin typeface="+mn-ea"/>
+              </a:rPr>
+              <a:t>域，</a:t>
+            </a:r>
+            <a:r>
+              <a:rPr lang="zh-CN" altLang="en-US" dirty="0">
+                <a:latin typeface="+mn-ea"/>
+              </a:rPr>
+              <a:t>首先检索辅助索引获得主键，然后用主键到主索引中检索获得</a:t>
+            </a:r>
+            <a:r>
+              <a:rPr lang="zh-CN" altLang="en-US" dirty="0" smtClean="0">
+                <a:latin typeface="+mn-ea"/>
+              </a:rPr>
+              <a:t>记录，</a:t>
+            </a:r>
+            <a:r>
+              <a:rPr lang="zh-CN" altLang="en-US" dirty="0">
+                <a:latin typeface="+mn-ea"/>
+              </a:rPr>
+              <a:t>避免主键使用大的</a:t>
+            </a:r>
+            <a:r>
+              <a:rPr lang="zh-CN" altLang="en-US" dirty="0" smtClean="0">
+                <a:latin typeface="+mn-ea"/>
+              </a:rPr>
+              <a:t>数据类型。</a:t>
+            </a:r>
+            <a:endParaRPr lang="en-US" altLang="zh-CN" dirty="0" smtClean="0">
+              <a:latin typeface="+mn-ea"/>
+            </a:endParaRPr>
+          </a:p>
+          <a:p>
+            <a:pPr marL="342900" indent="-342900">
+              <a:buFont typeface="Arial" panose="020B0604020202020204" pitchFamily="34" charset="0"/>
+              <a:buChar char="•"/>
+            </a:pPr>
+            <a:r>
+              <a:rPr lang="zh-CN" altLang="en-US" dirty="0" smtClean="0">
+                <a:latin typeface="+mn-ea"/>
+              </a:rPr>
+              <a:t>唯一索引，</a:t>
+            </a:r>
+            <a:r>
+              <a:rPr lang="zh-CN" altLang="en-US" dirty="0">
+                <a:latin typeface="+mn-ea"/>
+              </a:rPr>
+              <a:t>单列</a:t>
+            </a:r>
+            <a:r>
+              <a:rPr lang="zh-CN" altLang="en-US" dirty="0" smtClean="0">
+                <a:latin typeface="+mn-ea"/>
+              </a:rPr>
+              <a:t>索引，组合</a:t>
+            </a:r>
+            <a:r>
+              <a:rPr lang="zh-CN" altLang="en-US" dirty="0" smtClean="0">
+                <a:latin typeface="+mn-ea"/>
+              </a:rPr>
+              <a:t>索引，</a:t>
+            </a:r>
+            <a:r>
+              <a:rPr lang="zh-CN" altLang="en-US" dirty="0" smtClean="0">
+                <a:latin typeface="+mn-ea"/>
+              </a:rPr>
+              <a:t>前缀索引</a:t>
             </a:r>
             <a:r>
               <a:rPr lang="zh-CN" altLang="en-US" dirty="0" smtClean="0">
                 <a:latin typeface="+mn-ea"/>
               </a:rPr>
               <a:t>。</a:t>
-            </a:r>
-            <a:endParaRPr lang="en-US" altLang="zh-CN" dirty="0" smtClean="0">
-              <a:latin typeface="+mn-ea"/>
-            </a:endParaRPr>
-          </a:p>
-          <a:p>
-            <a:pPr marL="342900" indent="-342900">
-              <a:buFont typeface="Arial" panose="020B0604020202020204" pitchFamily="34" charset="0"/>
-              <a:buChar char="•"/>
-            </a:pPr>
-            <a:r>
-              <a:rPr lang="zh-CN" altLang="en-US" dirty="0" smtClean="0">
-                <a:latin typeface="+mn-ea"/>
-              </a:rPr>
-              <a:t>引用</a:t>
-            </a:r>
-            <a:r>
-              <a:rPr lang="zh-CN" altLang="en-US" dirty="0">
-                <a:latin typeface="+mn-ea"/>
-              </a:rPr>
-              <a:t>主键作为</a:t>
-            </a:r>
-            <a:r>
-              <a:rPr lang="en-US" altLang="zh-CN" dirty="0">
-                <a:latin typeface="+mn-ea"/>
-              </a:rPr>
-              <a:t>data</a:t>
-            </a:r>
-            <a:r>
-              <a:rPr lang="zh-CN" altLang="en-US" dirty="0" smtClean="0">
-                <a:latin typeface="+mn-ea"/>
-              </a:rPr>
-              <a:t>域，</a:t>
-            </a:r>
-            <a:r>
-              <a:rPr lang="zh-CN" altLang="en-US" dirty="0">
-                <a:latin typeface="+mn-ea"/>
-              </a:rPr>
-              <a:t>首先检索辅助索引获得主键，然后用主键到主索引中检索获得</a:t>
-            </a:r>
-            <a:r>
-              <a:rPr lang="zh-CN" altLang="en-US" dirty="0" smtClean="0">
-                <a:latin typeface="+mn-ea"/>
-              </a:rPr>
-              <a:t>记录，</a:t>
-            </a:r>
-            <a:r>
-              <a:rPr lang="zh-CN" altLang="en-US" dirty="0">
-                <a:latin typeface="+mn-ea"/>
-              </a:rPr>
-              <a:t>避免主键使用大的</a:t>
-            </a:r>
-            <a:r>
-              <a:rPr lang="zh-CN" altLang="en-US" dirty="0" smtClean="0">
-                <a:latin typeface="+mn-ea"/>
-              </a:rPr>
-              <a:t>数据类型。</a:t>
-            </a:r>
-            <a:endParaRPr lang="en-US" altLang="zh-CN" dirty="0" smtClean="0">
-              <a:latin typeface="+mn-ea"/>
-            </a:endParaRPr>
-          </a:p>
-          <a:p>
-            <a:pPr marL="342900" indent="-342900">
-              <a:buFont typeface="Arial" panose="020B0604020202020204" pitchFamily="34" charset="0"/>
-              <a:buChar char="•"/>
-            </a:pPr>
-            <a:r>
-              <a:rPr lang="zh-CN" altLang="en-US" dirty="0" smtClean="0">
-                <a:latin typeface="+mn-ea"/>
-              </a:rPr>
-              <a:t>唯一索引，</a:t>
-            </a:r>
-            <a:r>
-              <a:rPr lang="zh-CN" altLang="en-US" dirty="0">
-                <a:latin typeface="+mn-ea"/>
-              </a:rPr>
-              <a:t>单列</a:t>
-            </a:r>
-            <a:r>
-              <a:rPr lang="zh-CN" altLang="en-US" dirty="0" smtClean="0">
-                <a:latin typeface="+mn-ea"/>
-              </a:rPr>
-              <a:t>索引，组合</a:t>
-            </a:r>
-            <a:r>
-              <a:rPr lang="zh-CN" altLang="en-US" dirty="0" smtClean="0">
-                <a:latin typeface="+mn-ea"/>
-              </a:rPr>
-              <a:t>索引。</a:t>
             </a:r>
             <a:endParaRPr lang="zh-CN" altLang="en-US" dirty="0" smtClean="0">
               <a:latin typeface="+mn-ea"/>
@@ -22982,6 +22738,252 @@
     <p:extLst>
       <p:ext uri="{BB962C8B-B14F-4D97-AF65-F5344CB8AC3E}">
         <p14:creationId xmlns:p14="http://schemas.microsoft.com/office/powerpoint/2010/main" val="1987341350"/>
+      </p:ext>
+    </p:extLst>
+  </p:cSld>
+  <p:clrMapOvr>
+    <a:masterClrMapping/>
+  </p:clrMapOvr>
+  <p:timing>
+    <p:tnLst>
+      <p:par>
+        <p:cTn id="1" dur="indefinite" restart="never" nodeType="tmRoot"/>
+      </p:par>
+    </p:tnLst>
+  </p:timing>
+</p:sld>
+</file>
+
+<file path=ppt/slides/slide7.xml><?xml version="1.0" encoding="utf-8"?>
+<p:sld xmlns:a="http://schemas.openxmlformats.org/drawingml/2006/main" xmlns:r="http://schemas.openxmlformats.org/officeDocument/2006/relationships" xmlns:p="http://schemas.openxmlformats.org/presentationml/2006/main">
+  <p:cSld>
+    <p:spTree>
+      <p:nvGrpSpPr>
+        <p:cNvPr id="1" name=""/>
+        <p:cNvGrpSpPr/>
+        <p:nvPr/>
+      </p:nvGrpSpPr>
+      <p:grpSpPr>
+        <a:xfrm>
+          <a:off x="0" y="0"/>
+          <a:ext cx="0" cy="0"/>
+          <a:chOff x="0" y="0"/>
+          <a:chExt cx="0" cy="0"/>
+        </a:xfrm>
+      </p:grpSpPr>
+      <p:sp>
+        <p:nvSpPr>
+          <p:cNvPr id="2" name="文本框 1"/>
+          <p:cNvSpPr txBox="1"/>
+          <p:nvPr/>
+        </p:nvSpPr>
+        <p:spPr>
+          <a:xfrm flipH="1">
+            <a:off x="249160" y="177836"/>
+            <a:ext cx="6492298" cy="584775"/>
+          </a:xfrm>
+          <a:prstGeom prst="rect">
+            <a:avLst/>
+          </a:prstGeom>
+          <a:noFill/>
+        </p:spPr>
+        <p:txBody>
+          <a:bodyPr wrap="square" rtlCol="0">
+            <a:spAutoFit/>
+          </a:bodyPr>
+          <a:lstStyle/>
+          <a:p>
+            <a:r>
+              <a:rPr lang="zh-CN" altLang="en-US" sz="3200" b="1" dirty="0" smtClean="0">
+                <a:solidFill>
+                  <a:srgbClr val="52C018"/>
+                </a:solidFill>
+                <a:latin typeface="+mn-ea"/>
+              </a:rPr>
+              <a:t>索引</a:t>
+            </a:r>
+            <a:r>
+              <a:rPr lang="zh-CN" altLang="en-US" sz="3200" b="1" dirty="0">
+                <a:solidFill>
+                  <a:srgbClr val="52C018"/>
+                </a:solidFill>
+                <a:latin typeface="+mn-ea"/>
+              </a:rPr>
+              <a:t>基础</a:t>
+            </a:r>
+          </a:p>
+        </p:txBody>
+      </p:sp>
+      <p:grpSp>
+        <p:nvGrpSpPr>
+          <p:cNvPr id="5" name="组合 4"/>
+          <p:cNvGrpSpPr/>
+          <p:nvPr/>
+        </p:nvGrpSpPr>
+        <p:grpSpPr>
+          <a:xfrm>
+            <a:off x="249160" y="1025259"/>
+            <a:ext cx="10782006" cy="548914"/>
+            <a:chOff x="0" y="0"/>
+            <a:chExt cx="8656876" cy="548914"/>
+          </a:xfrm>
+        </p:grpSpPr>
+        <p:sp>
+          <p:nvSpPr>
+            <p:cNvPr id="6" name="圆角矩形 5"/>
+            <p:cNvSpPr/>
+            <p:nvPr/>
+          </p:nvSpPr>
+          <p:spPr>
+            <a:xfrm>
+              <a:off x="0" y="0"/>
+              <a:ext cx="8656876" cy="548914"/>
+            </a:xfrm>
+            <a:prstGeom prst="roundRect">
+              <a:avLst/>
+            </a:prstGeom>
+            <a:solidFill>
+              <a:schemeClr val="accent6"/>
+            </a:solidFill>
+            <a:ln>
+              <a:noFill/>
+            </a:ln>
+          </p:spPr>
+          <p:style>
+            <a:lnRef idx="0">
+              <a:scrgbClr r="0" g="0" b="0"/>
+            </a:lnRef>
+            <a:fillRef idx="0">
+              <a:scrgbClr r="0" g="0" b="0"/>
+            </a:fillRef>
+            <a:effectRef idx="0">
+              <a:scrgbClr r="0" g="0" b="0"/>
+            </a:effectRef>
+            <a:fontRef idx="minor">
+              <a:schemeClr val="lt1"/>
+            </a:fontRef>
+          </p:style>
+        </p:sp>
+        <p:sp>
+          <p:nvSpPr>
+            <p:cNvPr id="7" name="圆角矩形 4"/>
+            <p:cNvSpPr txBox="1"/>
+            <p:nvPr/>
+          </p:nvSpPr>
+          <p:spPr>
+            <a:xfrm>
+              <a:off x="53592" y="26796"/>
+              <a:ext cx="8603284" cy="495322"/>
+            </a:xfrm>
+            <a:prstGeom prst="rect">
+              <a:avLst/>
+            </a:prstGeom>
+          </p:spPr>
+          <p:style>
+            <a:lnRef idx="0">
+              <a:scrgbClr r="0" g="0" b="0"/>
+            </a:lnRef>
+            <a:fillRef idx="0">
+              <a:scrgbClr r="0" g="0" b="0"/>
+            </a:fillRef>
+            <a:effectRef idx="0">
+              <a:scrgbClr r="0" g="0" b="0"/>
+            </a:effectRef>
+            <a:fontRef idx="minor">
+              <a:schemeClr val="lt1"/>
+            </a:fontRef>
+          </p:style>
+          <p:txBody>
+            <a:bodyPr spcFirstLastPara="0" vert="horz" wrap="square" lIns="60960" tIns="60960" rIns="60960" bIns="60960" numCol="1" spcCol="1270" anchor="ctr" anchorCtr="0">
+              <a:noAutofit/>
+            </a:bodyPr>
+            <a:lstStyle/>
+            <a:p>
+              <a:pPr lvl="0" algn="l" defTabSz="711200" rtl="0">
+                <a:lnSpc>
+                  <a:spcPct val="90000"/>
+                </a:lnSpc>
+                <a:spcBef>
+                  <a:spcPct val="0"/>
+                </a:spcBef>
+                <a:spcAft>
+                  <a:spcPct val="35000"/>
+                </a:spcAft>
+              </a:pPr>
+              <a:r>
+                <a:rPr lang="zh-CN" altLang="en-US" b="1" dirty="0"/>
+                <a:t>自</a:t>
+              </a:r>
+              <a:r>
+                <a:rPr lang="zh-CN" altLang="en-US" b="1" dirty="0" smtClean="0"/>
+                <a:t>适应</a:t>
+              </a:r>
+              <a:r>
+                <a:rPr lang="en-US" altLang="zh-CN" b="1" dirty="0" smtClean="0"/>
+                <a:t>HASH</a:t>
+              </a:r>
+              <a:r>
+                <a:rPr lang="zh-CN" altLang="en-US" b="1" dirty="0" smtClean="0"/>
+                <a:t>索引</a:t>
+              </a:r>
+              <a:endParaRPr lang="zh-CN" b="1" dirty="0"/>
+            </a:p>
+          </p:txBody>
+        </p:sp>
+      </p:grpSp>
+      <p:sp>
+        <p:nvSpPr>
+          <p:cNvPr id="4" name="文本框 3"/>
+          <p:cNvSpPr txBox="1"/>
+          <p:nvPr/>
+        </p:nvSpPr>
+        <p:spPr>
+          <a:xfrm>
+            <a:off x="249160" y="1836821"/>
+            <a:ext cx="14632852" cy="369332"/>
+          </a:xfrm>
+          <a:prstGeom prst="rect">
+            <a:avLst/>
+          </a:prstGeom>
+          <a:noFill/>
+        </p:spPr>
+        <p:txBody>
+          <a:bodyPr wrap="none" rtlCol="0">
+            <a:spAutoFit/>
+          </a:bodyPr>
+          <a:lstStyle/>
+          <a:p>
+            <a:r>
+              <a:rPr lang="en-US" altLang="zh-CN" dirty="0" err="1"/>
+              <a:t>InnoDB</a:t>
+            </a:r>
+            <a:r>
+              <a:rPr lang="zh-CN" altLang="en-US" dirty="0"/>
+              <a:t>特殊功能：自适应哈希索引，当</a:t>
+            </a:r>
+            <a:r>
+              <a:rPr lang="en-US" altLang="zh-CN" dirty="0" err="1"/>
+              <a:t>InnoDB</a:t>
+            </a:r>
+            <a:r>
+              <a:rPr lang="zh-CN" altLang="en-US" dirty="0"/>
+              <a:t>注意到某些索引值被使用得非常频繁时，它会在内存中基于</a:t>
+            </a:r>
+            <a:r>
+              <a:rPr lang="en-US" altLang="zh-CN" dirty="0"/>
+              <a:t>B-Tree</a:t>
+            </a:r>
+            <a:r>
+              <a:rPr lang="zh-CN" altLang="en-US" dirty="0"/>
+              <a:t>索引之上在创建一个哈希索引。</a:t>
+            </a:r>
+          </a:p>
+        </p:txBody>
+      </p:sp>
+    </p:spTree>
+    <p:extLst>
+      <p:ext uri="{BB962C8B-B14F-4D97-AF65-F5344CB8AC3E}">
+        <p14:creationId xmlns:p14="http://schemas.microsoft.com/office/powerpoint/2010/main" val="2728534791"/>
       </p:ext>
     </p:extLst>
   </p:cSld>
@@ -23156,7 +23158,7 @@
               </a:pPr>
               <a:r>
                 <a:rPr lang="zh-CN" altLang="en-US" b="1" dirty="0" smtClean="0"/>
-                <a:t>唯一索引</a:t>
+                <a:t>添加原则</a:t>
               </a:r>
               <a:endParaRPr lang="zh-CN" b="1" dirty="0"/>
             </a:p>
@@ -23165,14 +23167,14 @@
       </p:grpSp>
       <p:sp>
         <p:nvSpPr>
-          <p:cNvPr id="4" name="文本框 3"/>
+          <p:cNvPr id="3" name="文本框 2"/>
           <p:cNvSpPr txBox="1"/>
           <p:nvPr/>
         </p:nvSpPr>
         <p:spPr>
           <a:xfrm>
-            <a:off x="249160" y="1994171"/>
-            <a:ext cx="10081614" cy="369332"/>
+            <a:off x="741145" y="2156059"/>
+            <a:ext cx="8787866" cy="369332"/>
           </a:xfrm>
           <a:prstGeom prst="rect">
             <a:avLst/>
@@ -23185,55 +23187,31 @@
           </a:bodyPr>
           <a:lstStyle/>
           <a:p>
-            <a:pPr marL="285750" indent="-285750">
-              <a:buFont typeface="Arial" panose="020B0604020202020204" pitchFamily="34" charset="0"/>
-              <a:buChar char="•"/>
+            <a:pPr marL="342900" indent="-342900">
+              <a:buFont typeface="+mj-lt"/>
+              <a:buAutoNum type="arabicPeriod"/>
             </a:pPr>
             <a:r>
-              <a:rPr lang="zh-CN" altLang="en-US" dirty="0" smtClean="0">
-                <a:latin typeface="+mn-ea"/>
-              </a:rPr>
-              <a:t>可为</a:t>
-            </a:r>
-            <a:r>
-              <a:rPr lang="en-US" altLang="zh-CN" dirty="0" smtClean="0">
-                <a:latin typeface="+mn-ea"/>
-              </a:rPr>
-              <a:t>NULL</a:t>
-            </a:r>
-            <a:r>
-              <a:rPr lang="zh-CN" altLang="en-US" dirty="0" smtClean="0">
-                <a:latin typeface="+mn-ea"/>
-              </a:rPr>
-              <a:t>，</a:t>
-            </a:r>
-            <a:r>
-              <a:rPr lang="en-US" altLang="zh-CN" dirty="0" smtClean="0">
-                <a:latin typeface="+mn-ea"/>
-              </a:rPr>
-              <a:t>NULL</a:t>
-            </a:r>
-            <a:r>
-              <a:rPr lang="zh-CN" altLang="en-US" dirty="0" smtClean="0">
-                <a:latin typeface="+mn-ea"/>
-              </a:rPr>
-              <a:t>时可有多列</a:t>
-            </a:r>
-            <a:r>
-              <a:rPr lang="en-US" altLang="zh-CN" dirty="0" smtClean="0">
-                <a:latin typeface="+mn-ea"/>
-              </a:rPr>
-              <a:t>NULL</a:t>
-            </a:r>
-            <a:r>
-              <a:rPr lang="zh-CN" altLang="en-US" dirty="0" smtClean="0">
-                <a:latin typeface="+mn-ea"/>
-              </a:rPr>
-              <a:t>值。</a:t>
-            </a:r>
-            <a:endParaRPr lang="en-US" altLang="zh-CN" dirty="0" smtClean="0">
-              <a:latin typeface="+mn-ea"/>
-            </a:endParaRPr>
+              <a:rPr lang="zh-CN" altLang="en-US" dirty="0" smtClean="0"/>
+              <a:t>只对</a:t>
+            </a:r>
+            <a:r>
+              <a:rPr lang="en-US" altLang="zh-CN" dirty="0"/>
+              <a:t>where</a:t>
+            </a:r>
+            <a:r>
+              <a:rPr lang="zh-CN" altLang="en-US" dirty="0" smtClean="0"/>
+              <a:t>和</a:t>
+            </a:r>
+            <a:r>
+              <a:rPr lang="en-US" altLang="zh-CN" dirty="0" smtClean="0"/>
+              <a:t>order by</a:t>
+            </a:r>
+            <a:r>
+              <a:rPr lang="zh-CN" altLang="en-US" dirty="0" smtClean="0"/>
+              <a:t>条件中的</a:t>
+            </a:r>
+            <a:endParaRPr lang="zh-CN" altLang="en-US" dirty="0"/>
           </a:p>
         </p:txBody>
       </p:sp>
@@ -23276,14 +23254,151 @@
       </p:grpSpPr>
       <p:sp>
         <p:nvSpPr>
-          <p:cNvPr id="2" name="文本框 1"/>
-          <p:cNvSpPr txBox="1"/>
-          <p:nvPr/>
+          <p:cNvPr id="2" name="MH_Title"/>
+          <p:cNvSpPr/>
+          <p:nvPr>
+            <p:custDataLst>
+              <p:tags r:id="rId2"/>
+            </p:custDataLst>
+          </p:nvPr>
         </p:nvSpPr>
         <p:spPr>
-          <a:xfrm flipH="1">
-            <a:off x="249160" y="177836"/>
-            <a:ext cx="6492298" cy="584775"/>
+          <a:xfrm>
+            <a:off x="4707738" y="3108897"/>
+            <a:ext cx="7484262" cy="737389"/>
+          </a:xfrm>
+          <a:custGeom>
+            <a:avLst/>
+            <a:gdLst>
+              <a:gd name="connsiteX0" fmla="*/ 0 w 5609212"/>
+              <a:gd name="connsiteY0" fmla="*/ 0 h 504056"/>
+              <a:gd name="connsiteX1" fmla="*/ 5609212 w 5609212"/>
+              <a:gd name="connsiteY1" fmla="*/ 0 h 504056"/>
+              <a:gd name="connsiteX2" fmla="*/ 5609212 w 5609212"/>
+              <a:gd name="connsiteY2" fmla="*/ 504056 h 504056"/>
+              <a:gd name="connsiteX3" fmla="*/ 0 w 5609212"/>
+              <a:gd name="connsiteY3" fmla="*/ 504056 h 504056"/>
+              <a:gd name="connsiteX4" fmla="*/ 0 w 5609212"/>
+              <a:gd name="connsiteY4" fmla="*/ 0 h 504056"/>
+              <a:gd name="connsiteX0" fmla="*/ 0 w 5609212"/>
+              <a:gd name="connsiteY0" fmla="*/ 0 h 504056"/>
+              <a:gd name="connsiteX1" fmla="*/ 5609212 w 5609212"/>
+              <a:gd name="connsiteY1" fmla="*/ 0 h 504056"/>
+              <a:gd name="connsiteX2" fmla="*/ 5609212 w 5609212"/>
+              <a:gd name="connsiteY2" fmla="*/ 504056 h 504056"/>
+              <a:gd name="connsiteX3" fmla="*/ 128954 w 5609212"/>
+              <a:gd name="connsiteY3" fmla="*/ 504056 h 504056"/>
+              <a:gd name="connsiteX4" fmla="*/ 0 w 5609212"/>
+              <a:gd name="connsiteY4" fmla="*/ 0 h 504056"/>
+            </a:gdLst>
+            <a:ahLst/>
+            <a:cxnLst>
+              <a:cxn ang="0">
+                <a:pos x="connsiteX0" y="connsiteY0"/>
+              </a:cxn>
+              <a:cxn ang="0">
+                <a:pos x="connsiteX1" y="connsiteY1"/>
+              </a:cxn>
+              <a:cxn ang="0">
+                <a:pos x="connsiteX2" y="connsiteY2"/>
+              </a:cxn>
+              <a:cxn ang="0">
+                <a:pos x="connsiteX3" y="connsiteY3"/>
+              </a:cxn>
+              <a:cxn ang="0">
+                <a:pos x="connsiteX4" y="connsiteY4"/>
+              </a:cxn>
+            </a:cxnLst>
+            <a:rect l="l" t="t" r="r" b="b"/>
+            <a:pathLst>
+              <a:path w="5609212" h="504056">
+                <a:moveTo>
+                  <a:pt x="0" y="0"/>
+                </a:moveTo>
+                <a:lnTo>
+                  <a:pt x="5609212" y="0"/>
+                </a:lnTo>
+                <a:lnTo>
+                  <a:pt x="5609212" y="504056"/>
+                </a:lnTo>
+                <a:lnTo>
+                  <a:pt x="128954" y="504056"/>
+                </a:lnTo>
+                <a:lnTo>
+                  <a:pt x="0" y="0"/>
+                </a:lnTo>
+                <a:close/>
+              </a:path>
+            </a:pathLst>
+          </a:custGeom>
+          <a:solidFill>
+            <a:srgbClr val="7EC234"/>
+          </a:solidFill>
+          <a:ln>
+            <a:noFill/>
+          </a:ln>
+        </p:spPr>
+        <p:style>
+          <a:lnRef idx="2">
+            <a:schemeClr val="accent1">
+              <a:shade val="50000"/>
+            </a:schemeClr>
+          </a:lnRef>
+          <a:fillRef idx="1">
+            <a:schemeClr val="accent1"/>
+          </a:fillRef>
+          <a:effectRef idx="0">
+            <a:schemeClr val="accent1"/>
+          </a:effectRef>
+          <a:fontRef idx="minor">
+            <a:schemeClr val="lt1"/>
+          </a:fontRef>
+        </p:style>
+        <p:txBody>
+          <a:bodyPr rot="0" spcFirstLastPara="0" vertOverflow="overflow" horzOverflow="overflow" vert="horz" wrap="square" lIns="0" tIns="0" rIns="0" bIns="36000" numCol="1" spcCol="0" rtlCol="0" fromWordArt="0" anchor="ctr" anchorCtr="0" forceAA="0" compatLnSpc="1">
+            <a:prstTxWarp prst="textNoShape">
+              <a:avLst/>
+            </a:prstTxWarp>
+            <a:normAutofit/>
+          </a:bodyPr>
+          <a:lstStyle/>
+          <a:p>
+            <a:pPr algn="ctr"/>
+            <a:r>
+              <a:rPr lang="zh-CN" altLang="en-US" sz="4000" b="1" dirty="0" smtClean="0">
+                <a:solidFill>
+                  <a:srgbClr val="FFFFFF"/>
+                </a:solidFill>
+                <a:latin typeface="+mn-ea"/>
+              </a:rPr>
+              <a:t>索引</a:t>
+            </a:r>
+            <a:r>
+              <a:rPr lang="zh-CN" altLang="en-US" sz="4000" b="1" dirty="0">
+                <a:solidFill>
+                  <a:srgbClr val="FFFFFF"/>
+                </a:solidFill>
+                <a:latin typeface="+mn-ea"/>
+              </a:rPr>
+              <a:t>应用</a:t>
+            </a:r>
+          </a:p>
+        </p:txBody>
+      </p:sp>
+      <p:sp>
+        <p:nvSpPr>
+          <p:cNvPr id="3" name="MH_Others_1"/>
+          <p:cNvSpPr txBox="1"/>
+          <p:nvPr>
+            <p:custDataLst>
+              <p:tags r:id="rId3"/>
+            </p:custDataLst>
+          </p:nvPr>
+        </p:nvSpPr>
+        <p:spPr>
+          <a:xfrm>
+            <a:off x="4635538" y="2356577"/>
+            <a:ext cx="2324157" cy="773189"/>
           </a:xfrm>
           <a:prstGeom prst="rect">
             <a:avLst/>
@@ -23292,70 +23407,739 @@
         </p:spPr>
         <p:txBody>
           <a:bodyPr wrap="square" rtlCol="0">
-            <a:spAutoFit/>
+            <a:normAutofit/>
           </a:bodyPr>
           <a:lstStyle/>
           <a:p>
-            <a:r>
-              <a:rPr lang="zh-CN" altLang="en-US" sz="3200" b="1" dirty="0" smtClean="0">
+            <a:pPr algn="r"/>
+            <a:r>
+              <a:rPr lang="en-US" altLang="zh-CN" sz="3200" b="1" dirty="0">
                 <a:solidFill>
-                  <a:srgbClr val="52C018"/>
+                  <a:srgbClr val="C2E49C"/>
                 </a:solidFill>
-                <a:latin typeface="+mn-ea"/>
+                <a:latin typeface="微软雅黑" panose="020B0503020204020204" pitchFamily="34" charset="-122"/>
+                <a:ea typeface="微软雅黑" panose="020B0503020204020204" pitchFamily="34" charset="-122"/>
               </a:rPr>
-              <a:t>索引基础</a:t>
+              <a:t>Chapter</a:t>
             </a:r>
             <a:endParaRPr lang="zh-CN" altLang="en-US" sz="3200" b="1" dirty="0">
               <a:solidFill>
-                <a:srgbClr val="52C018"/>
+                <a:srgbClr val="C2E49C"/>
               </a:solidFill>
-              <a:latin typeface="+mn-ea"/>
+              <a:latin typeface="微软雅黑" panose="020B0503020204020204" pitchFamily="34" charset="-122"/>
+              <a:ea typeface="微软雅黑" panose="020B0503020204020204" pitchFamily="34" charset="-122"/>
             </a:endParaRPr>
           </a:p>
         </p:txBody>
       </p:sp>
-      <p:graphicFrame>
-        <p:nvGraphicFramePr>
-          <p:cNvPr id="9" name="内容占位符 2"/>
-          <p:cNvGraphicFramePr>
-            <a:graphicFrameLocks/>
-          </p:cNvGraphicFramePr>
+      <p:sp>
+        <p:nvSpPr>
+          <p:cNvPr id="9" name="MH_Others_2"/>
+          <p:cNvSpPr/>
           <p:nvPr>
-            <p:extLst>
-              <p:ext uri="{D42A27DB-BD31-4B8C-83A1-F6EECF244321}">
-                <p14:modId xmlns:p14="http://schemas.microsoft.com/office/powerpoint/2010/main" val="1574332405"/>
-              </p:ext>
-            </p:extLst>
+            <p:custDataLst>
+              <p:tags r:id="rId4"/>
+            </p:custDataLst>
           </p:nvPr>
-        </p:nvGraphicFramePr>
-        <p:xfrm>
-          <a:off x="419542" y="1144397"/>
-          <a:ext cx="11137720" cy="5275257"/>
-        </p:xfrm>
-        <a:graphic>
-          <a:graphicData uri="http://schemas.openxmlformats.org/drawingml/2006/diagram">
-            <dgm:relIds xmlns:dgm="http://schemas.openxmlformats.org/drawingml/2006/diagram" xmlns:r="http://schemas.openxmlformats.org/officeDocument/2006/relationships" r:dm="rId3" r:lo="rId4" r:qs="rId5" r:cs="rId6"/>
-          </a:graphicData>
-        </a:graphic>
-      </p:graphicFrame>
+        </p:nvSpPr>
+        <p:spPr>
+          <a:xfrm>
+            <a:off x="-3365" y="2058898"/>
+            <a:ext cx="4391004" cy="1049999"/>
+          </a:xfrm>
+          <a:custGeom>
+            <a:avLst/>
+            <a:gdLst>
+              <a:gd name="connsiteX0" fmla="*/ 0 w 3297310"/>
+              <a:gd name="connsiteY0" fmla="*/ 0 h 794131"/>
+              <a:gd name="connsiteX1" fmla="*/ 3095277 w 3297310"/>
+              <a:gd name="connsiteY1" fmla="*/ 0 h 794131"/>
+              <a:gd name="connsiteX2" fmla="*/ 3297310 w 3297310"/>
+              <a:gd name="connsiteY2" fmla="*/ 794131 h 794131"/>
+              <a:gd name="connsiteX3" fmla="*/ 0 w 3297310"/>
+              <a:gd name="connsiteY3" fmla="*/ 794131 h 794131"/>
+            </a:gdLst>
+            <a:ahLst/>
+            <a:cxnLst>
+              <a:cxn ang="0">
+                <a:pos x="connsiteX0" y="connsiteY0"/>
+              </a:cxn>
+              <a:cxn ang="0">
+                <a:pos x="connsiteX1" y="connsiteY1"/>
+              </a:cxn>
+              <a:cxn ang="0">
+                <a:pos x="connsiteX2" y="connsiteY2"/>
+              </a:cxn>
+              <a:cxn ang="0">
+                <a:pos x="connsiteX3" y="connsiteY3"/>
+              </a:cxn>
+            </a:cxnLst>
+            <a:rect l="l" t="t" r="r" b="b"/>
+            <a:pathLst>
+              <a:path w="3297310" h="794131">
+                <a:moveTo>
+                  <a:pt x="0" y="0"/>
+                </a:moveTo>
+                <a:lnTo>
+                  <a:pt x="3095277" y="0"/>
+                </a:lnTo>
+                <a:lnTo>
+                  <a:pt x="3297310" y="794131"/>
+                </a:lnTo>
+                <a:lnTo>
+                  <a:pt x="0" y="794131"/>
+                </a:lnTo>
+                <a:close/>
+              </a:path>
+            </a:pathLst>
+          </a:custGeom>
+          <a:solidFill>
+            <a:srgbClr val="7EC234"/>
+          </a:solidFill>
+          <a:ln>
+            <a:noFill/>
+          </a:ln>
+        </p:spPr>
+        <p:style>
+          <a:lnRef idx="2">
+            <a:schemeClr val="accent1">
+              <a:shade val="50000"/>
+            </a:schemeClr>
+          </a:lnRef>
+          <a:fillRef idx="1">
+            <a:schemeClr val="accent1"/>
+          </a:fillRef>
+          <a:effectRef idx="0">
+            <a:schemeClr val="accent1"/>
+          </a:effectRef>
+          <a:fontRef idx="minor">
+            <a:schemeClr val="lt1"/>
+          </a:fontRef>
+        </p:style>
+        <p:txBody>
+          <a:bodyPr rot="0" spcFirstLastPara="0" vertOverflow="overflow" horzOverflow="overflow" vert="horz" wrap="square" lIns="91440" tIns="45720" rIns="91440" bIns="45720" numCol="1" spcCol="0" rtlCol="0" fromWordArt="0" anchor="ctr" anchorCtr="0" forceAA="0" compatLnSpc="1">
+            <a:prstTxWarp prst="textNoShape">
+              <a:avLst/>
+            </a:prstTxWarp>
+            <a:noAutofit/>
+          </a:bodyPr>
+          <a:lstStyle/>
+          <a:p>
+            <a:pPr algn="ctr"/>
+            <a:endParaRPr lang="zh-CN" altLang="en-US" dirty="0"/>
+          </a:p>
+        </p:txBody>
+      </p:sp>
+      <p:sp>
+        <p:nvSpPr>
+          <p:cNvPr id="5" name="MH_Others_3"/>
+          <p:cNvSpPr/>
+          <p:nvPr>
+            <p:custDataLst>
+              <p:tags r:id="rId5"/>
+            </p:custDataLst>
+          </p:nvPr>
+        </p:nvSpPr>
+        <p:spPr>
+          <a:xfrm>
+            <a:off x="-14514" y="2305236"/>
+            <a:ext cx="4065717" cy="531044"/>
+          </a:xfrm>
+          <a:custGeom>
+            <a:avLst/>
+            <a:gdLst>
+              <a:gd name="connsiteX0" fmla="*/ 1857013 w 3156552"/>
+              <a:gd name="connsiteY0" fmla="*/ 104678 h 401637"/>
+              <a:gd name="connsiteX1" fmla="*/ 1929021 w 3156552"/>
+              <a:gd name="connsiteY1" fmla="*/ 104678 h 401637"/>
+              <a:gd name="connsiteX2" fmla="*/ 1929021 w 3156552"/>
+              <a:gd name="connsiteY2" fmla="*/ 297257 h 401637"/>
+              <a:gd name="connsiteX3" fmla="*/ 1857013 w 3156552"/>
+              <a:gd name="connsiteY3" fmla="*/ 297257 h 401637"/>
+              <a:gd name="connsiteX4" fmla="*/ 1702944 w 3156552"/>
+              <a:gd name="connsiteY4" fmla="*/ 104678 h 401637"/>
+              <a:gd name="connsiteX5" fmla="*/ 1774952 w 3156552"/>
+              <a:gd name="connsiteY5" fmla="*/ 104678 h 401637"/>
+              <a:gd name="connsiteX6" fmla="*/ 1774952 w 3156552"/>
+              <a:gd name="connsiteY6" fmla="*/ 297257 h 401637"/>
+              <a:gd name="connsiteX7" fmla="*/ 1702944 w 3156552"/>
+              <a:gd name="connsiteY7" fmla="*/ 297257 h 401637"/>
+              <a:gd name="connsiteX8" fmla="*/ 1548875 w 3156552"/>
+              <a:gd name="connsiteY8" fmla="*/ 104678 h 401637"/>
+              <a:gd name="connsiteX9" fmla="*/ 1620883 w 3156552"/>
+              <a:gd name="connsiteY9" fmla="*/ 104678 h 401637"/>
+              <a:gd name="connsiteX10" fmla="*/ 1620883 w 3156552"/>
+              <a:gd name="connsiteY10" fmla="*/ 297257 h 401637"/>
+              <a:gd name="connsiteX11" fmla="*/ 1548875 w 3156552"/>
+              <a:gd name="connsiteY11" fmla="*/ 297257 h 401637"/>
+              <a:gd name="connsiteX12" fmla="*/ 1394806 w 3156552"/>
+              <a:gd name="connsiteY12" fmla="*/ 104678 h 401637"/>
+              <a:gd name="connsiteX13" fmla="*/ 1466814 w 3156552"/>
+              <a:gd name="connsiteY13" fmla="*/ 104678 h 401637"/>
+              <a:gd name="connsiteX14" fmla="*/ 1466814 w 3156552"/>
+              <a:gd name="connsiteY14" fmla="*/ 297257 h 401637"/>
+              <a:gd name="connsiteX15" fmla="*/ 1394806 w 3156552"/>
+              <a:gd name="connsiteY15" fmla="*/ 297257 h 401637"/>
+              <a:gd name="connsiteX16" fmla="*/ 1240737 w 3156552"/>
+              <a:gd name="connsiteY16" fmla="*/ 104678 h 401637"/>
+              <a:gd name="connsiteX17" fmla="*/ 1312745 w 3156552"/>
+              <a:gd name="connsiteY17" fmla="*/ 104678 h 401637"/>
+              <a:gd name="connsiteX18" fmla="*/ 1312745 w 3156552"/>
+              <a:gd name="connsiteY18" fmla="*/ 297257 h 401637"/>
+              <a:gd name="connsiteX19" fmla="*/ 1240737 w 3156552"/>
+              <a:gd name="connsiteY19" fmla="*/ 297257 h 401637"/>
+              <a:gd name="connsiteX20" fmla="*/ 1086668 w 3156552"/>
+              <a:gd name="connsiteY20" fmla="*/ 104678 h 401637"/>
+              <a:gd name="connsiteX21" fmla="*/ 1158676 w 3156552"/>
+              <a:gd name="connsiteY21" fmla="*/ 104678 h 401637"/>
+              <a:gd name="connsiteX22" fmla="*/ 1158676 w 3156552"/>
+              <a:gd name="connsiteY22" fmla="*/ 297257 h 401637"/>
+              <a:gd name="connsiteX23" fmla="*/ 1086668 w 3156552"/>
+              <a:gd name="connsiteY23" fmla="*/ 297257 h 401637"/>
+              <a:gd name="connsiteX24" fmla="*/ 932599 w 3156552"/>
+              <a:gd name="connsiteY24" fmla="*/ 104678 h 401637"/>
+              <a:gd name="connsiteX25" fmla="*/ 1004607 w 3156552"/>
+              <a:gd name="connsiteY25" fmla="*/ 104678 h 401637"/>
+              <a:gd name="connsiteX26" fmla="*/ 1004607 w 3156552"/>
+              <a:gd name="connsiteY26" fmla="*/ 297257 h 401637"/>
+              <a:gd name="connsiteX27" fmla="*/ 932599 w 3156552"/>
+              <a:gd name="connsiteY27" fmla="*/ 297257 h 401637"/>
+              <a:gd name="connsiteX28" fmla="*/ 778530 w 3156552"/>
+              <a:gd name="connsiteY28" fmla="*/ 104678 h 401637"/>
+              <a:gd name="connsiteX29" fmla="*/ 850538 w 3156552"/>
+              <a:gd name="connsiteY29" fmla="*/ 104678 h 401637"/>
+              <a:gd name="connsiteX30" fmla="*/ 850538 w 3156552"/>
+              <a:gd name="connsiteY30" fmla="*/ 297257 h 401637"/>
+              <a:gd name="connsiteX31" fmla="*/ 778530 w 3156552"/>
+              <a:gd name="connsiteY31" fmla="*/ 297257 h 401637"/>
+              <a:gd name="connsiteX32" fmla="*/ 622824 w 3156552"/>
+              <a:gd name="connsiteY32" fmla="*/ 104678 h 401637"/>
+              <a:gd name="connsiteX33" fmla="*/ 694832 w 3156552"/>
+              <a:gd name="connsiteY33" fmla="*/ 104678 h 401637"/>
+              <a:gd name="connsiteX34" fmla="*/ 694832 w 3156552"/>
+              <a:gd name="connsiteY34" fmla="*/ 297257 h 401637"/>
+              <a:gd name="connsiteX35" fmla="*/ 622824 w 3156552"/>
+              <a:gd name="connsiteY35" fmla="*/ 297257 h 401637"/>
+              <a:gd name="connsiteX36" fmla="*/ 467118 w 3156552"/>
+              <a:gd name="connsiteY36" fmla="*/ 104678 h 401637"/>
+              <a:gd name="connsiteX37" fmla="*/ 539126 w 3156552"/>
+              <a:gd name="connsiteY37" fmla="*/ 104678 h 401637"/>
+              <a:gd name="connsiteX38" fmla="*/ 539126 w 3156552"/>
+              <a:gd name="connsiteY38" fmla="*/ 297257 h 401637"/>
+              <a:gd name="connsiteX39" fmla="*/ 467118 w 3156552"/>
+              <a:gd name="connsiteY39" fmla="*/ 297257 h 401637"/>
+              <a:gd name="connsiteX40" fmla="*/ 311412 w 3156552"/>
+              <a:gd name="connsiteY40" fmla="*/ 104678 h 401637"/>
+              <a:gd name="connsiteX41" fmla="*/ 383420 w 3156552"/>
+              <a:gd name="connsiteY41" fmla="*/ 104678 h 401637"/>
+              <a:gd name="connsiteX42" fmla="*/ 383420 w 3156552"/>
+              <a:gd name="connsiteY42" fmla="*/ 297257 h 401637"/>
+              <a:gd name="connsiteX43" fmla="*/ 311412 w 3156552"/>
+              <a:gd name="connsiteY43" fmla="*/ 297257 h 401637"/>
+              <a:gd name="connsiteX44" fmla="*/ 155706 w 3156552"/>
+              <a:gd name="connsiteY44" fmla="*/ 104678 h 401637"/>
+              <a:gd name="connsiteX45" fmla="*/ 227714 w 3156552"/>
+              <a:gd name="connsiteY45" fmla="*/ 104678 h 401637"/>
+              <a:gd name="connsiteX46" fmla="*/ 227714 w 3156552"/>
+              <a:gd name="connsiteY46" fmla="*/ 297257 h 401637"/>
+              <a:gd name="connsiteX47" fmla="*/ 155706 w 3156552"/>
+              <a:gd name="connsiteY47" fmla="*/ 297257 h 401637"/>
+              <a:gd name="connsiteX48" fmla="*/ 0 w 3156552"/>
+              <a:gd name="connsiteY48" fmla="*/ 104678 h 401637"/>
+              <a:gd name="connsiteX49" fmla="*/ 72008 w 3156552"/>
+              <a:gd name="connsiteY49" fmla="*/ 104678 h 401637"/>
+              <a:gd name="connsiteX50" fmla="*/ 72008 w 3156552"/>
+              <a:gd name="connsiteY50" fmla="*/ 297257 h 401637"/>
+              <a:gd name="connsiteX51" fmla="*/ 0 w 3156552"/>
+              <a:gd name="connsiteY51" fmla="*/ 297257 h 401637"/>
+              <a:gd name="connsiteX52" fmla="*/ 2955734 w 3156552"/>
+              <a:gd name="connsiteY52" fmla="*/ 0 h 401637"/>
+              <a:gd name="connsiteX53" fmla="*/ 3156552 w 3156552"/>
+              <a:gd name="connsiteY53" fmla="*/ 200819 h 401637"/>
+              <a:gd name="connsiteX54" fmla="*/ 2955734 w 3156552"/>
+              <a:gd name="connsiteY54" fmla="*/ 401637 h 401637"/>
+              <a:gd name="connsiteX55" fmla="*/ 2955734 w 3156552"/>
+              <a:gd name="connsiteY55" fmla="*/ 301228 h 401637"/>
+              <a:gd name="connsiteX56" fmla="*/ 2004424 w 3156552"/>
+              <a:gd name="connsiteY56" fmla="*/ 301228 h 401637"/>
+              <a:gd name="connsiteX57" fmla="*/ 2004424 w 3156552"/>
+              <a:gd name="connsiteY57" fmla="*/ 100409 h 401637"/>
+              <a:gd name="connsiteX58" fmla="*/ 2955734 w 3156552"/>
+              <a:gd name="connsiteY58" fmla="*/ 100409 h 401637"/>
+            </a:gdLst>
+            <a:ahLst/>
+            <a:cxnLst>
+              <a:cxn ang="0">
+                <a:pos x="connsiteX0" y="connsiteY0"/>
+              </a:cxn>
+              <a:cxn ang="0">
+                <a:pos x="connsiteX1" y="connsiteY1"/>
+              </a:cxn>
+              <a:cxn ang="0">
+                <a:pos x="connsiteX2" y="connsiteY2"/>
+              </a:cxn>
+              <a:cxn ang="0">
+                <a:pos x="connsiteX3" y="connsiteY3"/>
+              </a:cxn>
+              <a:cxn ang="0">
+                <a:pos x="connsiteX4" y="connsiteY4"/>
+              </a:cxn>
+              <a:cxn ang="0">
+                <a:pos x="connsiteX5" y="connsiteY5"/>
+              </a:cxn>
+              <a:cxn ang="0">
+                <a:pos x="connsiteX6" y="connsiteY6"/>
+              </a:cxn>
+              <a:cxn ang="0">
+                <a:pos x="connsiteX7" y="connsiteY7"/>
+              </a:cxn>
+              <a:cxn ang="0">
+                <a:pos x="connsiteX8" y="connsiteY8"/>
+              </a:cxn>
+              <a:cxn ang="0">
+                <a:pos x="connsiteX9" y="connsiteY9"/>
+              </a:cxn>
+              <a:cxn ang="0">
+                <a:pos x="connsiteX10" y="connsiteY10"/>
+              </a:cxn>
+              <a:cxn ang="0">
+                <a:pos x="connsiteX11" y="connsiteY11"/>
+              </a:cxn>
+              <a:cxn ang="0">
+                <a:pos x="connsiteX12" y="connsiteY12"/>
+              </a:cxn>
+              <a:cxn ang="0">
+                <a:pos x="connsiteX13" y="connsiteY13"/>
+              </a:cxn>
+              <a:cxn ang="0">
+                <a:pos x="connsiteX14" y="connsiteY14"/>
+              </a:cxn>
+              <a:cxn ang="0">
+                <a:pos x="connsiteX15" y="connsiteY15"/>
+              </a:cxn>
+              <a:cxn ang="0">
+                <a:pos x="connsiteX16" y="connsiteY16"/>
+              </a:cxn>
+              <a:cxn ang="0">
+                <a:pos x="connsiteX17" y="connsiteY17"/>
+              </a:cxn>
+              <a:cxn ang="0">
+                <a:pos x="connsiteX18" y="connsiteY18"/>
+              </a:cxn>
+              <a:cxn ang="0">
+                <a:pos x="connsiteX19" y="connsiteY19"/>
+              </a:cxn>
+              <a:cxn ang="0">
+                <a:pos x="connsiteX20" y="connsiteY20"/>
+              </a:cxn>
+              <a:cxn ang="0">
+                <a:pos x="connsiteX21" y="connsiteY21"/>
+              </a:cxn>
+              <a:cxn ang="0">
+                <a:pos x="connsiteX22" y="connsiteY22"/>
+              </a:cxn>
+              <a:cxn ang="0">
+                <a:pos x="connsiteX23" y="connsiteY23"/>
+              </a:cxn>
+              <a:cxn ang="0">
+                <a:pos x="connsiteX24" y="connsiteY24"/>
+              </a:cxn>
+              <a:cxn ang="0">
+                <a:pos x="connsiteX25" y="connsiteY25"/>
+              </a:cxn>
+              <a:cxn ang="0">
+                <a:pos x="connsiteX26" y="connsiteY26"/>
+              </a:cxn>
+              <a:cxn ang="0">
+                <a:pos x="connsiteX27" y="connsiteY27"/>
+              </a:cxn>
+              <a:cxn ang="0">
+                <a:pos x="connsiteX28" y="connsiteY28"/>
+              </a:cxn>
+              <a:cxn ang="0">
+                <a:pos x="connsiteX29" y="connsiteY29"/>
+              </a:cxn>
+              <a:cxn ang="0">
+                <a:pos x="connsiteX30" y="connsiteY30"/>
+              </a:cxn>
+              <a:cxn ang="0">
+                <a:pos x="connsiteX31" y="connsiteY31"/>
+              </a:cxn>
+              <a:cxn ang="0">
+                <a:pos x="connsiteX32" y="connsiteY32"/>
+              </a:cxn>
+              <a:cxn ang="0">
+                <a:pos x="connsiteX33" y="connsiteY33"/>
+              </a:cxn>
+              <a:cxn ang="0">
+                <a:pos x="connsiteX34" y="connsiteY34"/>
+              </a:cxn>
+              <a:cxn ang="0">
+                <a:pos x="connsiteX35" y="connsiteY35"/>
+              </a:cxn>
+              <a:cxn ang="0">
+                <a:pos x="connsiteX36" y="connsiteY36"/>
+              </a:cxn>
+              <a:cxn ang="0">
+                <a:pos x="connsiteX37" y="connsiteY37"/>
+              </a:cxn>
+              <a:cxn ang="0">
+                <a:pos x="connsiteX38" y="connsiteY38"/>
+              </a:cxn>
+              <a:cxn ang="0">
+                <a:pos x="connsiteX39" y="connsiteY39"/>
+              </a:cxn>
+              <a:cxn ang="0">
+                <a:pos x="connsiteX40" y="connsiteY40"/>
+              </a:cxn>
+              <a:cxn ang="0">
+                <a:pos x="connsiteX41" y="connsiteY41"/>
+              </a:cxn>
+              <a:cxn ang="0">
+                <a:pos x="connsiteX42" y="connsiteY42"/>
+              </a:cxn>
+              <a:cxn ang="0">
+                <a:pos x="connsiteX43" y="connsiteY43"/>
+              </a:cxn>
+              <a:cxn ang="0">
+                <a:pos x="connsiteX44" y="connsiteY44"/>
+              </a:cxn>
+              <a:cxn ang="0">
+                <a:pos x="connsiteX45" y="connsiteY45"/>
+              </a:cxn>
+              <a:cxn ang="0">
+                <a:pos x="connsiteX46" y="connsiteY46"/>
+              </a:cxn>
+              <a:cxn ang="0">
+                <a:pos x="connsiteX47" y="connsiteY47"/>
+              </a:cxn>
+              <a:cxn ang="0">
+                <a:pos x="connsiteX48" y="connsiteY48"/>
+              </a:cxn>
+              <a:cxn ang="0">
+                <a:pos x="connsiteX49" y="connsiteY49"/>
+              </a:cxn>
+              <a:cxn ang="0">
+                <a:pos x="connsiteX50" y="connsiteY50"/>
+              </a:cxn>
+              <a:cxn ang="0">
+                <a:pos x="connsiteX51" y="connsiteY51"/>
+              </a:cxn>
+              <a:cxn ang="0">
+                <a:pos x="connsiteX52" y="connsiteY52"/>
+              </a:cxn>
+              <a:cxn ang="0">
+                <a:pos x="connsiteX53" y="connsiteY53"/>
+              </a:cxn>
+              <a:cxn ang="0">
+                <a:pos x="connsiteX54" y="connsiteY54"/>
+              </a:cxn>
+              <a:cxn ang="0">
+                <a:pos x="connsiteX55" y="connsiteY55"/>
+              </a:cxn>
+              <a:cxn ang="0">
+                <a:pos x="connsiteX56" y="connsiteY56"/>
+              </a:cxn>
+              <a:cxn ang="0">
+                <a:pos x="connsiteX57" y="connsiteY57"/>
+              </a:cxn>
+              <a:cxn ang="0">
+                <a:pos x="connsiteX58" y="connsiteY58"/>
+              </a:cxn>
+            </a:cxnLst>
+            <a:rect l="l" t="t" r="r" b="b"/>
+            <a:pathLst>
+              <a:path w="3156552" h="401637">
+                <a:moveTo>
+                  <a:pt x="1857013" y="104678"/>
+                </a:moveTo>
+                <a:lnTo>
+                  <a:pt x="1929021" y="104678"/>
+                </a:lnTo>
+                <a:lnTo>
+                  <a:pt x="1929021" y="297257"/>
+                </a:lnTo>
+                <a:lnTo>
+                  <a:pt x="1857013" y="297257"/>
+                </a:lnTo>
+                <a:close/>
+                <a:moveTo>
+                  <a:pt x="1702944" y="104678"/>
+                </a:moveTo>
+                <a:lnTo>
+                  <a:pt x="1774952" y="104678"/>
+                </a:lnTo>
+                <a:lnTo>
+                  <a:pt x="1774952" y="297257"/>
+                </a:lnTo>
+                <a:lnTo>
+                  <a:pt x="1702944" y="297257"/>
+                </a:lnTo>
+                <a:close/>
+                <a:moveTo>
+                  <a:pt x="1548875" y="104678"/>
+                </a:moveTo>
+                <a:lnTo>
+                  <a:pt x="1620883" y="104678"/>
+                </a:lnTo>
+                <a:lnTo>
+                  <a:pt x="1620883" y="297257"/>
+                </a:lnTo>
+                <a:lnTo>
+                  <a:pt x="1548875" y="297257"/>
+                </a:lnTo>
+                <a:close/>
+                <a:moveTo>
+                  <a:pt x="1394806" y="104678"/>
+                </a:moveTo>
+                <a:lnTo>
+                  <a:pt x="1466814" y="104678"/>
+                </a:lnTo>
+                <a:lnTo>
+                  <a:pt x="1466814" y="297257"/>
+                </a:lnTo>
+                <a:lnTo>
+                  <a:pt x="1394806" y="297257"/>
+                </a:lnTo>
+                <a:close/>
+                <a:moveTo>
+                  <a:pt x="1240737" y="104678"/>
+                </a:moveTo>
+                <a:lnTo>
+                  <a:pt x="1312745" y="104678"/>
+                </a:lnTo>
+                <a:lnTo>
+                  <a:pt x="1312745" y="297257"/>
+                </a:lnTo>
+                <a:lnTo>
+                  <a:pt x="1240737" y="297257"/>
+                </a:lnTo>
+                <a:close/>
+                <a:moveTo>
+                  <a:pt x="1086668" y="104678"/>
+                </a:moveTo>
+                <a:lnTo>
+                  <a:pt x="1158676" y="104678"/>
+                </a:lnTo>
+                <a:lnTo>
+                  <a:pt x="1158676" y="297257"/>
+                </a:lnTo>
+                <a:lnTo>
+                  <a:pt x="1086668" y="297257"/>
+                </a:lnTo>
+                <a:close/>
+                <a:moveTo>
+                  <a:pt x="932599" y="104678"/>
+                </a:moveTo>
+                <a:lnTo>
+                  <a:pt x="1004607" y="104678"/>
+                </a:lnTo>
+                <a:lnTo>
+                  <a:pt x="1004607" y="297257"/>
+                </a:lnTo>
+                <a:lnTo>
+                  <a:pt x="932599" y="297257"/>
+                </a:lnTo>
+                <a:close/>
+                <a:moveTo>
+                  <a:pt x="778530" y="104678"/>
+                </a:moveTo>
+                <a:lnTo>
+                  <a:pt x="850538" y="104678"/>
+                </a:lnTo>
+                <a:lnTo>
+                  <a:pt x="850538" y="297257"/>
+                </a:lnTo>
+                <a:lnTo>
+                  <a:pt x="778530" y="297257"/>
+                </a:lnTo>
+                <a:close/>
+                <a:moveTo>
+                  <a:pt x="622824" y="104678"/>
+                </a:moveTo>
+                <a:lnTo>
+                  <a:pt x="694832" y="104678"/>
+                </a:lnTo>
+                <a:lnTo>
+                  <a:pt x="694832" y="297257"/>
+                </a:lnTo>
+                <a:lnTo>
+                  <a:pt x="622824" y="297257"/>
+                </a:lnTo>
+                <a:close/>
+                <a:moveTo>
+                  <a:pt x="467118" y="104678"/>
+                </a:moveTo>
+                <a:lnTo>
+                  <a:pt x="539126" y="104678"/>
+                </a:lnTo>
+                <a:lnTo>
+                  <a:pt x="539126" y="297257"/>
+                </a:lnTo>
+                <a:lnTo>
+                  <a:pt x="467118" y="297257"/>
+                </a:lnTo>
+                <a:close/>
+                <a:moveTo>
+                  <a:pt x="311412" y="104678"/>
+                </a:moveTo>
+                <a:lnTo>
+                  <a:pt x="383420" y="104678"/>
+                </a:lnTo>
+                <a:lnTo>
+                  <a:pt x="383420" y="297257"/>
+                </a:lnTo>
+                <a:lnTo>
+                  <a:pt x="311412" y="297257"/>
+                </a:lnTo>
+                <a:close/>
+                <a:moveTo>
+                  <a:pt x="155706" y="104678"/>
+                </a:moveTo>
+                <a:lnTo>
+                  <a:pt x="227714" y="104678"/>
+                </a:lnTo>
+                <a:lnTo>
+                  <a:pt x="227714" y="297257"/>
+                </a:lnTo>
+                <a:lnTo>
+                  <a:pt x="155706" y="297257"/>
+                </a:lnTo>
+                <a:close/>
+                <a:moveTo>
+                  <a:pt x="0" y="104678"/>
+                </a:moveTo>
+                <a:lnTo>
+                  <a:pt x="72008" y="104678"/>
+                </a:lnTo>
+                <a:lnTo>
+                  <a:pt x="72008" y="297257"/>
+                </a:lnTo>
+                <a:lnTo>
+                  <a:pt x="0" y="297257"/>
+                </a:lnTo>
+                <a:close/>
+                <a:moveTo>
+                  <a:pt x="2955734" y="0"/>
+                </a:moveTo>
+                <a:lnTo>
+                  <a:pt x="3156552" y="200819"/>
+                </a:lnTo>
+                <a:lnTo>
+                  <a:pt x="2955734" y="401637"/>
+                </a:lnTo>
+                <a:lnTo>
+                  <a:pt x="2955734" y="301228"/>
+                </a:lnTo>
+                <a:lnTo>
+                  <a:pt x="2004424" y="301228"/>
+                </a:lnTo>
+                <a:lnTo>
+                  <a:pt x="2004424" y="100409"/>
+                </a:lnTo>
+                <a:lnTo>
+                  <a:pt x="2955734" y="100409"/>
+                </a:lnTo>
+                <a:close/>
+              </a:path>
+            </a:pathLst>
+          </a:custGeom>
+          <a:solidFill>
+            <a:srgbClr val="FFFFFF"/>
+          </a:solidFill>
+          <a:ln>
+            <a:noFill/>
+          </a:ln>
+        </p:spPr>
+        <p:style>
+          <a:lnRef idx="2">
+            <a:schemeClr val="accent1">
+              <a:shade val="50000"/>
+            </a:schemeClr>
+          </a:lnRef>
+          <a:fillRef idx="1">
+            <a:schemeClr val="accent1"/>
+          </a:fillRef>
+          <a:effectRef idx="0">
+            <a:schemeClr val="accent1"/>
+          </a:effectRef>
+          <a:fontRef idx="minor">
+            <a:schemeClr val="lt1"/>
+          </a:fontRef>
+        </p:style>
+        <p:txBody>
+          <a:bodyPr rot="0" spcFirstLastPara="0" vertOverflow="overflow" horzOverflow="overflow" vert="horz" wrap="square" lIns="91440" tIns="45720" rIns="91440" bIns="45720" numCol="1" spcCol="0" rtlCol="0" fromWordArt="0" anchor="ctr" anchorCtr="0" forceAA="0" compatLnSpc="1">
+            <a:prstTxWarp prst="textNoShape">
+              <a:avLst/>
+            </a:prstTxWarp>
+            <a:noAutofit/>
+          </a:bodyPr>
+          <a:lstStyle/>
+          <a:p>
+            <a:pPr algn="ctr"/>
+            <a:endParaRPr lang="zh-CN" altLang="en-US"/>
+          </a:p>
+        </p:txBody>
+      </p:sp>
+      <p:sp>
+        <p:nvSpPr>
+          <p:cNvPr id="10" name="MH_Number"/>
+          <p:cNvSpPr txBox="1"/>
+          <p:nvPr>
+            <p:custDataLst>
+              <p:tags r:id="rId6"/>
+            </p:custDataLst>
+          </p:nvPr>
+        </p:nvSpPr>
+        <p:spPr>
+          <a:xfrm>
+            <a:off x="6959694" y="2296793"/>
+            <a:ext cx="1396905" cy="773189"/>
+          </a:xfrm>
+          <a:prstGeom prst="rect">
+            <a:avLst/>
+          </a:prstGeom>
+          <a:noFill/>
+        </p:spPr>
+        <p:txBody>
+          <a:bodyPr wrap="square" rtlCol="0">
+            <a:noAutofit/>
+          </a:bodyPr>
+          <a:lstStyle/>
+          <a:p>
+            <a:r>
+              <a:rPr lang="en-US" altLang="zh-CN" sz="4000" b="1" dirty="0" smtClean="0">
+                <a:solidFill>
+                  <a:srgbClr val="C2E49C"/>
+                </a:solidFill>
+                <a:latin typeface="微软雅黑" panose="020B0503020204020204" pitchFamily="34" charset="-122"/>
+                <a:ea typeface="微软雅黑" panose="020B0503020204020204" pitchFamily="34" charset="-122"/>
+              </a:rPr>
+              <a:t>2</a:t>
+            </a:r>
+            <a:endParaRPr lang="zh-CN" altLang="en-US" sz="4000" b="1" dirty="0">
+              <a:solidFill>
+                <a:srgbClr val="C2E49C"/>
+              </a:solidFill>
+              <a:latin typeface="微软雅黑" panose="020B0503020204020204" pitchFamily="34" charset="-122"/>
+              <a:ea typeface="微软雅黑" panose="020B0503020204020204" pitchFamily="34" charset="-122"/>
+            </a:endParaRPr>
+          </a:p>
+        </p:txBody>
+      </p:sp>
     </p:spTree>
+    <p:custDataLst>
+      <p:tags r:id="rId1"/>
+    </p:custDataLst>
     <p:extLst>
       <p:ext uri="{BB962C8B-B14F-4D97-AF65-F5344CB8AC3E}">
-        <p14:creationId xmlns:p14="http://schemas.microsoft.com/office/powerpoint/2010/main" val="854494859"/>
+        <p14:creationId xmlns:p14="http://schemas.microsoft.com/office/powerpoint/2010/main" val="3681707752"/>
       </p:ext>
     </p:extLst>
   </p:cSld>
   <p:clrMapOvr>
     <a:masterClrMapping/>
   </p:clrMapOvr>
-  <mc:AlternateContent xmlns:mc="http://schemas.openxmlformats.org/markup-compatibility/2006" xmlns:p14="http://schemas.microsoft.com/office/powerpoint/2010/main">
-    <mc:Choice Requires="p14">
-      <p:transition spd="slow" p14:dur="2000"/>
-    </mc:Choice>
-    <mc:Fallback xmlns="">
-      <p:transition spd="slow"/>
-    </mc:Fallback>
-  </mc:AlternateContent>
   <p:timing>
     <p:tnLst>
       <p:par>

--- a/mysql-index.pptx
+++ b/mysql-index.pptx
@@ -22940,7 +22940,7 @@
         <p:spPr>
           <a:xfrm>
             <a:off x="249160" y="1836821"/>
-            <a:ext cx="14632852" cy="369332"/>
+            <a:ext cx="10605653" cy="646331"/>
           </a:xfrm>
           <a:prstGeom prst="rect">
             <a:avLst/>
@@ -22948,7 +22948,7 @@
           <a:noFill/>
         </p:spPr>
         <p:txBody>
-          <a:bodyPr wrap="none" rtlCol="0">
+          <a:bodyPr wrap="square" rtlCol="0">
             <a:spAutoFit/>
           </a:bodyPr>
           <a:lstStyle/>
@@ -22967,7 +22967,15 @@
             </a:r>
             <a:r>
               <a:rPr lang="zh-CN" altLang="en-US" dirty="0"/>
-              <a:t>注意到某些索引值被使用得非常频繁时，它会在内存中基于</a:t>
+              <a:t>注意到某些索引值被使用得非常频繁时</a:t>
+            </a:r>
+            <a:r>
+              <a:rPr lang="zh-CN" altLang="en-US" dirty="0" smtClean="0"/>
+              <a:t>，它</a:t>
+            </a:r>
+            <a:r>
+              <a:rPr lang="zh-CN" altLang="en-US" dirty="0"/>
+              <a:t>会在内存中基于</a:t>
             </a:r>
             <a:r>
               <a:rPr lang="en-US" altLang="zh-CN" dirty="0"/>
@@ -22975,8 +22983,90 @@
             </a:r>
             <a:r>
               <a:rPr lang="zh-CN" altLang="en-US" dirty="0"/>
-              <a:t>索引之上在创建一个哈希索引。</a:t>
-            </a:r>
+              <a:t>索引之上在创建一个哈希索引</a:t>
+            </a:r>
+            <a:r>
+              <a:rPr lang="zh-CN" altLang="en-US" dirty="0" smtClean="0"/>
+              <a:t>。</a:t>
+            </a:r>
+            <a:endParaRPr lang="en-US" altLang="zh-CN" dirty="0"/>
+          </a:p>
+        </p:txBody>
+      </p:sp>
+      <p:pic>
+        <p:nvPicPr>
+          <p:cNvPr id="1027" name="Picture 3" descr="https://images2017.cnblogs.com/blog/1113510/201708/1113510-20170830183917780-959160821.png"/>
+          <p:cNvPicPr>
+            <a:picLocks noChangeAspect="1" noChangeArrowheads="1"/>
+          </p:cNvPicPr>
+          <p:nvPr/>
+        </p:nvPicPr>
+        <p:blipFill>
+          <a:blip r:embed="rId3">
+            <a:extLst>
+              <a:ext uri="{28A0092B-C50C-407E-A947-70E740481C1C}">
+                <a14:useLocalDpi xmlns:a14="http://schemas.microsoft.com/office/drawing/2010/main" val="0"/>
+              </a:ext>
+            </a:extLst>
+          </a:blip>
+          <a:srcRect/>
+          <a:stretch>
+            <a:fillRect/>
+          </a:stretch>
+        </p:blipFill>
+        <p:spPr bwMode="auto">
+          <a:xfrm>
+            <a:off x="433021" y="3097668"/>
+            <a:ext cx="6124575" cy="2724151"/>
+          </a:xfrm>
+          <a:prstGeom prst="rect">
+            <a:avLst/>
+          </a:prstGeom>
+          <a:noFill/>
+          <a:extLst>
+            <a:ext uri="{909E8E84-426E-40DD-AFC4-6F175D3DCCD1}">
+              <a14:hiddenFill xmlns:a14="http://schemas.microsoft.com/office/drawing/2010/main">
+                <a:solidFill>
+                  <a:srgbClr val="FFFFFF"/>
+                </a:solidFill>
+              </a14:hiddenFill>
+            </a:ext>
+          </a:extLst>
+        </p:spPr>
+      </p:pic>
+      <p:sp>
+        <p:nvSpPr>
+          <p:cNvPr id="10" name="文本框 9"/>
+          <p:cNvSpPr txBox="1"/>
+          <p:nvPr/>
+        </p:nvSpPr>
+        <p:spPr>
+          <a:xfrm>
+            <a:off x="7074569" y="3407343"/>
+            <a:ext cx="3513221" cy="1754326"/>
+          </a:xfrm>
+          <a:prstGeom prst="rect">
+            <a:avLst/>
+          </a:prstGeom>
+          <a:noFill/>
+        </p:spPr>
+        <p:txBody>
+          <a:bodyPr wrap="square" rtlCol="0">
+            <a:spAutoFit/>
+          </a:bodyPr>
+          <a:lstStyle/>
+          <a:p>
+            <a:r>
+              <a:rPr lang="en-US" altLang="zh-CN" dirty="0" err="1"/>
+              <a:t>Innodb</a:t>
+            </a:r>
+            <a:r>
+              <a:rPr lang="zh-CN" altLang="en-US" dirty="0"/>
+              <a:t>存储引擎会监控对表上二级索引的查找，如果发现某二级索引被频繁访问，二级索引成为热数据，建立哈希索引可以带来速度的提升。</a:t>
+            </a:r>
+          </a:p>
+          <a:p>
+            <a:endParaRPr lang="zh-CN" altLang="en-US" dirty="0"/>
           </a:p>
         </p:txBody>
       </p:sp>

--- a/mysql-index.pptx
+++ b/mysql-index.pptx
@@ -5,7 +5,7 @@
     <p:sldMasterId id="2147483648" r:id="rId1"/>
   </p:sldMasterIdLst>
   <p:notesMasterIdLst>
-    <p:notesMasterId r:id="rId26"/>
+    <p:notesMasterId r:id="rId28"/>
   </p:notesMasterIdLst>
   <p:sldIdLst>
     <p:sldId id="257" r:id="rId2"/>
@@ -14,29 +14,31 @@
     <p:sldId id="291" r:id="rId5"/>
     <p:sldId id="275" r:id="rId6"/>
     <p:sldId id="277" r:id="rId7"/>
-    <p:sldId id="295" r:id="rId8"/>
-    <p:sldId id="286" r:id="rId9"/>
-    <p:sldId id="265" r:id="rId10"/>
-    <p:sldId id="278" r:id="rId11"/>
-    <p:sldId id="279" r:id="rId12"/>
-    <p:sldId id="281" r:id="rId13"/>
-    <p:sldId id="283" r:id="rId14"/>
-    <p:sldId id="284" r:id="rId15"/>
-    <p:sldId id="293" r:id="rId16"/>
+    <p:sldId id="296" r:id="rId8"/>
+    <p:sldId id="295" r:id="rId9"/>
+    <p:sldId id="286" r:id="rId10"/>
+    <p:sldId id="265" r:id="rId11"/>
+    <p:sldId id="278" r:id="rId12"/>
+    <p:sldId id="279" r:id="rId13"/>
+    <p:sldId id="281" r:id="rId14"/>
+    <p:sldId id="283" r:id="rId15"/>
+    <p:sldId id="284" r:id="rId16"/>
     <p:sldId id="294" r:id="rId17"/>
     <p:sldId id="266" r:id="rId18"/>
     <p:sldId id="282" r:id="rId19"/>
     <p:sldId id="285" r:id="rId20"/>
     <p:sldId id="290" r:id="rId21"/>
     <p:sldId id="292" r:id="rId22"/>
-    <p:sldId id="267" r:id="rId23"/>
-    <p:sldId id="268" r:id="rId24"/>
-    <p:sldId id="261" r:id="rId25"/>
+    <p:sldId id="297" r:id="rId23"/>
+    <p:sldId id="298" r:id="rId24"/>
+    <p:sldId id="267" r:id="rId25"/>
+    <p:sldId id="268" r:id="rId26"/>
+    <p:sldId id="261" r:id="rId27"/>
   </p:sldIdLst>
   <p:sldSz cx="12192000" cy="6858000"/>
   <p:notesSz cx="6858000" cy="9144000"/>
   <p:custDataLst>
-    <p:tags r:id="rId27"/>
+    <p:tags r:id="rId29"/>
   </p:custDataLst>
   <p:defaultTextStyle>
     <a:defPPr>
@@ -2457,37 +2459,37 @@
     </dgm:pt>
   </dgm:ptLst>
   <dgm:cxnLst>
-    <dgm:cxn modelId="{45B6D1F5-2F4C-4813-8775-1A2B34AA7269}" type="presOf" srcId="{0FA9E4F8-D936-44A6-8EEC-1DD8D5516831}" destId="{07140409-63E5-41F1-8748-17B5F6062E7A}" srcOrd="0" destOrd="0" presId="urn:microsoft.com/office/officeart/2005/8/layout/vList2"/>
-    <dgm:cxn modelId="{4DF9F87A-3A75-41A2-AD0E-7DE3AFC82A88}" type="presOf" srcId="{3CBA6E75-B103-4827-8B9B-E799FCA4B6A7}" destId="{4DBBB41F-80A8-4D02-AA6B-A39BDD7EC647}" srcOrd="0" destOrd="3" presId="urn:microsoft.com/office/officeart/2005/8/layout/vList2"/>
-    <dgm:cxn modelId="{6EDC2FE8-B8E3-4291-BB3A-225F6933DF63}" type="presOf" srcId="{D987A8F7-675F-4DB8-927E-4A9DFCAF598F}" destId="{07140409-63E5-41F1-8748-17B5F6062E7A}" srcOrd="0" destOrd="1" presId="urn:microsoft.com/office/officeart/2005/8/layout/vList2"/>
+    <dgm:cxn modelId="{FA579C4C-FADA-43BF-BB7F-0D652CC5B476}" type="presOf" srcId="{C49B825D-86F6-4ABB-90D4-E6397D9CCFA6}" destId="{4DBBB41F-80A8-4D02-AA6B-A39BDD7EC647}" srcOrd="0" destOrd="5" presId="urn:microsoft.com/office/officeart/2005/8/layout/vList2"/>
+    <dgm:cxn modelId="{0168EFCD-3A17-444F-9008-51A4CBE3E4B0}" type="presOf" srcId="{2CCA6318-5E9B-4A45-BE56-891ED3B49920}" destId="{6E1F3A8F-979A-4968-9990-6D26FA552F18}" srcOrd="0" destOrd="0" presId="urn:microsoft.com/office/officeart/2005/8/layout/vList2"/>
+    <dgm:cxn modelId="{1F81A74A-39C5-4944-9827-4258D764E8C2}" type="presOf" srcId="{3385ECA4-BE99-4663-A1DD-9A21EF985FD6}" destId="{2287F4FD-CD4B-4DBF-99A4-A3F5AA8590C9}" srcOrd="0" destOrd="0" presId="urn:microsoft.com/office/officeart/2005/8/layout/vList2"/>
+    <dgm:cxn modelId="{A991DB64-F76E-4392-BD26-A58FD1251BC7}" type="presOf" srcId="{3CBA6E75-B103-4827-8B9B-E799FCA4B6A7}" destId="{4DBBB41F-80A8-4D02-AA6B-A39BDD7EC647}" srcOrd="0" destOrd="3" presId="urn:microsoft.com/office/officeart/2005/8/layout/vList2"/>
+    <dgm:cxn modelId="{AC351001-A3E5-42E2-81F8-4E474EAA0814}" type="presOf" srcId="{7A969AAA-0DCE-4A18-BAFD-FA6343058C3E}" destId="{4DBBB41F-80A8-4D02-AA6B-A39BDD7EC647}" srcOrd="0" destOrd="4" presId="urn:microsoft.com/office/officeart/2005/8/layout/vList2"/>
     <dgm:cxn modelId="{25108019-C5BC-4999-8FD9-1CDD5EDED85A}" srcId="{3385ECA4-BE99-4663-A1DD-9A21EF985FD6}" destId="{C49B825D-86F6-4ABB-90D4-E6397D9CCFA6}" srcOrd="5" destOrd="0" parTransId="{E1EC66F3-B517-4466-9B25-7C48337B65C6}" sibTransId="{6CB2A0C1-BCBD-4200-9A07-12EAE76D7EC5}"/>
-    <dgm:cxn modelId="{75CF44FE-05DD-460E-A6A8-D7B612E4D763}" type="presOf" srcId="{5E5BDDA8-FD9E-472F-B9AC-D1F7D9E53285}" destId="{07140409-63E5-41F1-8748-17B5F6062E7A}" srcOrd="0" destOrd="3" presId="urn:microsoft.com/office/officeart/2005/8/layout/vList2"/>
-    <dgm:cxn modelId="{5F0DBEC5-9106-4688-BED5-C7DB9F7E6A05}" type="presOf" srcId="{3385ECA4-BE99-4663-A1DD-9A21EF985FD6}" destId="{2287F4FD-CD4B-4DBF-99A4-A3F5AA8590C9}" srcOrd="0" destOrd="0" presId="urn:microsoft.com/office/officeart/2005/8/layout/vList2"/>
-    <dgm:cxn modelId="{BDD9DD17-172B-4F62-9911-0D40E9AC7D27}" type="presOf" srcId="{2CCA6318-5E9B-4A45-BE56-891ED3B49920}" destId="{6E1F3A8F-979A-4968-9990-6D26FA552F18}" srcOrd="0" destOrd="0" presId="urn:microsoft.com/office/officeart/2005/8/layout/vList2"/>
-    <dgm:cxn modelId="{EC57E4CA-63CD-412D-B18F-5707012EA5CD}" type="presOf" srcId="{FD56C2DD-C4A2-44A5-86FC-8C4EF4796350}" destId="{4DBBB41F-80A8-4D02-AA6B-A39BDD7EC647}" srcOrd="0" destOrd="6" presId="urn:microsoft.com/office/officeart/2005/8/layout/vList2"/>
     <dgm:cxn modelId="{FC845E37-728B-4CDB-8684-1C39C7FCF165}" srcId="{7F2245EF-9A35-424B-99E0-2B6079103238}" destId="{D987A8F7-675F-4DB8-927E-4A9DFCAF598F}" srcOrd="1" destOrd="0" parTransId="{21DF3851-3B70-43ED-9D0F-E3F2B744FE5F}" sibTransId="{18576584-ADBB-4BDA-AB38-3978D691A5E3}"/>
     <dgm:cxn modelId="{71F5AC6E-8418-4DB5-81B2-01A55E2DEB8B}" srcId="{3385ECA4-BE99-4663-A1DD-9A21EF985FD6}" destId="{0133647A-87DD-4920-9547-E61D17553F6D}" srcOrd="2" destOrd="0" parTransId="{6676F62A-CCAD-4438-84FF-8E7889EAD447}" sibTransId="{8D5A0964-F5D5-4601-8CC8-2D453ACA3D50}"/>
-    <dgm:cxn modelId="{0905A968-0E0C-4482-8D8E-98D9151F48B8}" type="presOf" srcId="{7F2245EF-9A35-424B-99E0-2B6079103238}" destId="{9EF64D39-2BD6-4A08-B253-92A3AC0498DB}" srcOrd="0" destOrd="0" presId="urn:microsoft.com/office/officeart/2005/8/layout/vList2"/>
+    <dgm:cxn modelId="{64B2A1FD-9A53-4D22-B394-89705D6612DC}" type="presOf" srcId="{0133647A-87DD-4920-9547-E61D17553F6D}" destId="{4DBBB41F-80A8-4D02-AA6B-A39BDD7EC647}" srcOrd="0" destOrd="2" presId="urn:microsoft.com/office/officeart/2005/8/layout/vList2"/>
     <dgm:cxn modelId="{01E9BD75-2418-4C2D-BEBE-68B8A28D3C89}" srcId="{7F2245EF-9A35-424B-99E0-2B6079103238}" destId="{0FA9E4F8-D936-44A6-8EEC-1DD8D5516831}" srcOrd="0" destOrd="0" parTransId="{FB64B962-2F81-4D2E-AED6-0B77E723F401}" sibTransId="{ABCCE2D4-49EA-4350-84BD-C623DC166250}"/>
-    <dgm:cxn modelId="{407D4C35-BCEB-43A7-ABB7-81C1C6FC46A6}" type="presOf" srcId="{6C31571E-3342-4494-A557-A938A29921A0}" destId="{4DBBB41F-80A8-4D02-AA6B-A39BDD7EC647}" srcOrd="0" destOrd="0" presId="urn:microsoft.com/office/officeart/2005/8/layout/vList2"/>
     <dgm:cxn modelId="{92B62E78-F630-4B6C-B66E-C3C16E00C3F8}" srcId="{7F2245EF-9A35-424B-99E0-2B6079103238}" destId="{5E5BDDA8-FD9E-472F-B9AC-D1F7D9E53285}" srcOrd="3" destOrd="0" parTransId="{DB23B85C-AE51-4184-BFAD-59386AFD55AF}" sibTransId="{93AB36F6-FC50-4AE4-8D87-E2B682502D39}"/>
     <dgm:cxn modelId="{AB692C16-554C-4919-A416-4E7559E4188A}" srcId="{2CCA6318-5E9B-4A45-BE56-891ED3B49920}" destId="{7F2245EF-9A35-424B-99E0-2B6079103238}" srcOrd="0" destOrd="0" parTransId="{05FE3518-BD60-4F5F-A16A-5FD36A8E4D5D}" sibTransId="{07ED5521-3657-4F5E-A884-F7FB4F0D9425}"/>
+    <dgm:cxn modelId="{E8B9471E-B5F0-4607-ABD9-CBFEC8C46747}" type="presOf" srcId="{D37594E3-DF3B-41D6-9217-4D71F51FD930}" destId="{4DBBB41F-80A8-4D02-AA6B-A39BDD7EC647}" srcOrd="0" destOrd="1" presId="urn:microsoft.com/office/officeart/2005/8/layout/vList2"/>
+    <dgm:cxn modelId="{DCEA6814-46DB-43BC-ABE9-296E74A09C3B}" type="presOf" srcId="{D987A8F7-675F-4DB8-927E-4A9DFCAF598F}" destId="{07140409-63E5-41F1-8748-17B5F6062E7A}" srcOrd="0" destOrd="1" presId="urn:microsoft.com/office/officeart/2005/8/layout/vList2"/>
     <dgm:cxn modelId="{F24C0B7E-BC98-4583-8DD0-8F8E91CF53BE}" srcId="{3385ECA4-BE99-4663-A1DD-9A21EF985FD6}" destId="{D37594E3-DF3B-41D6-9217-4D71F51FD930}" srcOrd="1" destOrd="0" parTransId="{6A0CE409-8AA4-4593-94FF-B08BA9702D8E}" sibTransId="{EAB60271-0336-43D2-988D-73913CDF88FE}"/>
     <dgm:cxn modelId="{7D98821C-ECF9-4736-8AE4-2D7D05D81DF1}" srcId="{3385ECA4-BE99-4663-A1DD-9A21EF985FD6}" destId="{6C31571E-3342-4494-A557-A938A29921A0}" srcOrd="0" destOrd="0" parTransId="{8BBCFF37-0475-4407-B442-7083B19B2B00}" sibTransId="{1A1DA4B3-B013-4D14-8F60-4EE4E6F560FD}"/>
-    <dgm:cxn modelId="{5B46992D-976F-410A-B1FB-936B109C479C}" type="presOf" srcId="{7A969AAA-0DCE-4A18-BAFD-FA6343058C3E}" destId="{4DBBB41F-80A8-4D02-AA6B-A39BDD7EC647}" srcOrd="0" destOrd="4" presId="urn:microsoft.com/office/officeart/2005/8/layout/vList2"/>
+    <dgm:cxn modelId="{42F393AF-AB14-4F45-9CFE-0A8F9F298AD7}" type="presOf" srcId="{7F2245EF-9A35-424B-99E0-2B6079103238}" destId="{9EF64D39-2BD6-4A08-B253-92A3AC0498DB}" srcOrd="0" destOrd="0" presId="urn:microsoft.com/office/officeart/2005/8/layout/vList2"/>
     <dgm:cxn modelId="{1A0E0E22-5B74-4FDA-AE64-2E28C5F75B4B}" srcId="{7F2245EF-9A35-424B-99E0-2B6079103238}" destId="{E5CDD162-6C65-4083-A6B5-F5FBD3F468FE}" srcOrd="2" destOrd="0" parTransId="{F49F4014-EB76-435F-82F7-B5BD34D88823}" sibTransId="{2E189530-56D3-4A08-8CA8-46DE174EE077}"/>
+    <dgm:cxn modelId="{6A645F96-3C11-408F-92ED-D6BB3990EF30}" type="presOf" srcId="{5E5BDDA8-FD9E-472F-B9AC-D1F7D9E53285}" destId="{07140409-63E5-41F1-8748-17B5F6062E7A}" srcOrd="0" destOrd="3" presId="urn:microsoft.com/office/officeart/2005/8/layout/vList2"/>
+    <dgm:cxn modelId="{2A65A245-BABE-4CFB-B0DC-CF0C1C9B157E}" srcId="{3385ECA4-BE99-4663-A1DD-9A21EF985FD6}" destId="{3CBA6E75-B103-4827-8B9B-E799FCA4B6A7}" srcOrd="3" destOrd="0" parTransId="{AA04F833-B268-4B1F-9A2F-0A950ECAB920}" sibTransId="{39C2692F-49B1-4EF2-9FE1-BD3CA95DB2F1}"/>
     <dgm:cxn modelId="{2B8C36B2-ED75-4F85-9306-D503885BC68F}" srcId="{3385ECA4-BE99-4663-A1DD-9A21EF985FD6}" destId="{FD56C2DD-C4A2-44A5-86FC-8C4EF4796350}" srcOrd="6" destOrd="0" parTransId="{01A5F5C0-7601-4226-84BC-5F982F4BB2AB}" sibTransId="{23DFBDF2-877E-477D-9549-2F31ADA28667}"/>
-    <dgm:cxn modelId="{2A65A245-BABE-4CFB-B0DC-CF0C1C9B157E}" srcId="{3385ECA4-BE99-4663-A1DD-9A21EF985FD6}" destId="{3CBA6E75-B103-4827-8B9B-E799FCA4B6A7}" srcOrd="3" destOrd="0" parTransId="{AA04F833-B268-4B1F-9A2F-0A950ECAB920}" sibTransId="{39C2692F-49B1-4EF2-9FE1-BD3CA95DB2F1}"/>
     <dgm:cxn modelId="{88316963-EAC1-4D96-9CAE-0E3BEC7DB6BD}" srcId="{3385ECA4-BE99-4663-A1DD-9A21EF985FD6}" destId="{7A969AAA-0DCE-4A18-BAFD-FA6343058C3E}" srcOrd="4" destOrd="0" parTransId="{A2C69C00-6C6A-4D02-AB26-ADC82E22BAA2}" sibTransId="{8CC86EF6-ADE5-40DC-B049-D26498488975}"/>
-    <dgm:cxn modelId="{C9632BA6-17C6-4ABD-A891-144435B0D5E2}" type="presOf" srcId="{D37594E3-DF3B-41D6-9217-4D71F51FD930}" destId="{4DBBB41F-80A8-4D02-AA6B-A39BDD7EC647}" srcOrd="0" destOrd="1" presId="urn:microsoft.com/office/officeart/2005/8/layout/vList2"/>
-    <dgm:cxn modelId="{31AC7ECC-CB0E-45AC-94C1-C4122C4A6708}" type="presOf" srcId="{C49B825D-86F6-4ABB-90D4-E6397D9CCFA6}" destId="{4DBBB41F-80A8-4D02-AA6B-A39BDD7EC647}" srcOrd="0" destOrd="5" presId="urn:microsoft.com/office/officeart/2005/8/layout/vList2"/>
-    <dgm:cxn modelId="{0B60DD63-4890-42A4-B6B4-912E12D8BD8E}" type="presOf" srcId="{0133647A-87DD-4920-9547-E61D17553F6D}" destId="{4DBBB41F-80A8-4D02-AA6B-A39BDD7EC647}" srcOrd="0" destOrd="2" presId="urn:microsoft.com/office/officeart/2005/8/layout/vList2"/>
+    <dgm:cxn modelId="{CA8F8C1B-C04B-4CD2-BE0F-2287DD6357CD}" type="presOf" srcId="{6C31571E-3342-4494-A557-A938A29921A0}" destId="{4DBBB41F-80A8-4D02-AA6B-A39BDD7EC647}" srcOrd="0" destOrd="0" presId="urn:microsoft.com/office/officeart/2005/8/layout/vList2"/>
+    <dgm:cxn modelId="{E849F823-F8A5-4D07-B458-EF1CF05D7133}" type="presOf" srcId="{E5CDD162-6C65-4083-A6B5-F5FBD3F468FE}" destId="{07140409-63E5-41F1-8748-17B5F6062E7A}" srcOrd="0" destOrd="2" presId="urn:microsoft.com/office/officeart/2005/8/layout/vList2"/>
+    <dgm:cxn modelId="{69FF5014-0808-44D3-8B53-C8A46400CF24}" type="presOf" srcId="{0FA9E4F8-D936-44A6-8EEC-1DD8D5516831}" destId="{07140409-63E5-41F1-8748-17B5F6062E7A}" srcOrd="0" destOrd="0" presId="urn:microsoft.com/office/officeart/2005/8/layout/vList2"/>
+    <dgm:cxn modelId="{E6585540-3D8E-4479-96CC-2EBFD0E46469}" type="presOf" srcId="{FD56C2DD-C4A2-44A5-86FC-8C4EF4796350}" destId="{4DBBB41F-80A8-4D02-AA6B-A39BDD7EC647}" srcOrd="0" destOrd="6" presId="urn:microsoft.com/office/officeart/2005/8/layout/vList2"/>
     <dgm:cxn modelId="{2EE4BBAC-CA65-4614-9DD1-A25E34F796C0}" srcId="{2CCA6318-5E9B-4A45-BE56-891ED3B49920}" destId="{3385ECA4-BE99-4663-A1DD-9A21EF985FD6}" srcOrd="1" destOrd="0" parTransId="{EFC10703-E6D5-4F47-8100-F5835E9E68F9}" sibTransId="{689350F0-7B5E-410C-AB07-83EBC0CE06CA}"/>
-    <dgm:cxn modelId="{99A4B5F1-7E43-45E0-87C7-D3B599D12711}" type="presOf" srcId="{E5CDD162-6C65-4083-A6B5-F5FBD3F468FE}" destId="{07140409-63E5-41F1-8748-17B5F6062E7A}" srcOrd="0" destOrd="2" presId="urn:microsoft.com/office/officeart/2005/8/layout/vList2"/>
-    <dgm:cxn modelId="{076060D3-898F-412B-A12B-94BDA4C21A48}" type="presParOf" srcId="{6E1F3A8F-979A-4968-9990-6D26FA552F18}" destId="{9EF64D39-2BD6-4A08-B253-92A3AC0498DB}" srcOrd="0" destOrd="0" presId="urn:microsoft.com/office/officeart/2005/8/layout/vList2"/>
-    <dgm:cxn modelId="{F9588B4F-49E3-4CBE-A5EA-3857BD220B9E}" type="presParOf" srcId="{6E1F3A8F-979A-4968-9990-6D26FA552F18}" destId="{07140409-63E5-41F1-8748-17B5F6062E7A}" srcOrd="1" destOrd="0" presId="urn:microsoft.com/office/officeart/2005/8/layout/vList2"/>
-    <dgm:cxn modelId="{CA63CDF4-797B-4118-A174-7780522370F1}" type="presParOf" srcId="{6E1F3A8F-979A-4968-9990-6D26FA552F18}" destId="{2287F4FD-CD4B-4DBF-99A4-A3F5AA8590C9}" srcOrd="2" destOrd="0" presId="urn:microsoft.com/office/officeart/2005/8/layout/vList2"/>
-    <dgm:cxn modelId="{C39837DE-7E68-43C6-9860-C6293375AE24}" type="presParOf" srcId="{6E1F3A8F-979A-4968-9990-6D26FA552F18}" destId="{4DBBB41F-80A8-4D02-AA6B-A39BDD7EC647}" srcOrd="3" destOrd="0" presId="urn:microsoft.com/office/officeart/2005/8/layout/vList2"/>
+    <dgm:cxn modelId="{54BBE959-80B7-43CA-ABE3-652CAA5FF97A}" type="presParOf" srcId="{6E1F3A8F-979A-4968-9990-6D26FA552F18}" destId="{9EF64D39-2BD6-4A08-B253-92A3AC0498DB}" srcOrd="0" destOrd="0" presId="urn:microsoft.com/office/officeart/2005/8/layout/vList2"/>
+    <dgm:cxn modelId="{88B12FF1-784C-4200-A442-674D1482CE4C}" type="presParOf" srcId="{6E1F3A8F-979A-4968-9990-6D26FA552F18}" destId="{07140409-63E5-41F1-8748-17B5F6062E7A}" srcOrd="1" destOrd="0" presId="urn:microsoft.com/office/officeart/2005/8/layout/vList2"/>
+    <dgm:cxn modelId="{DBF3D06B-7D52-410C-877C-0DD41B6CD067}" type="presParOf" srcId="{6E1F3A8F-979A-4968-9990-6D26FA552F18}" destId="{2287F4FD-CD4B-4DBF-99A4-A3F5AA8590C9}" srcOrd="2" destOrd="0" presId="urn:microsoft.com/office/officeart/2005/8/layout/vList2"/>
+    <dgm:cxn modelId="{7A6F8BBE-4AB3-452A-BA98-C365EBE5C050}" type="presParOf" srcId="{6E1F3A8F-979A-4968-9990-6D26FA552F18}" destId="{4DBBB41F-80A8-4D02-AA6B-A39BDD7EC647}" srcOrd="3" destOrd="0" presId="urn:microsoft.com/office/officeart/2005/8/layout/vList2"/>
   </dgm:cxnLst>
   <dgm:bg/>
   <dgm:whole/>
@@ -3017,8 +3019,8 @@
     <dgm:cxn modelId="{8647795F-686D-4A57-91FF-52B5CCB233A1}" type="presOf" srcId="{CE3ED9F5-F484-4655-9517-5C029FC86C92}" destId="{A75B27A3-4934-4CB1-83B2-AA1BE44627B9}" srcOrd="0" destOrd="0" presId="urn:microsoft.com/office/officeart/2005/8/layout/vList2"/>
     <dgm:cxn modelId="{B14A9B6D-4755-4EAC-B78F-3E6C2F152250}" type="presOf" srcId="{FD934861-5BE1-4638-90AD-4BE439F88EAC}" destId="{B30CACC8-869E-4846-BE7C-1A57834182B3}" srcOrd="0" destOrd="0" presId="urn:microsoft.com/office/officeart/2005/8/layout/vList2"/>
     <dgm:cxn modelId="{37712E34-C32E-47B8-A976-27504BC1CC36}" srcId="{9D11A879-CA9F-44CB-BCA4-05EC7A62A9DB}" destId="{FD934861-5BE1-4638-90AD-4BE439F88EAC}" srcOrd="0" destOrd="0" parTransId="{5A4B0339-8A92-421A-86E2-012DC39E8C4A}" sibTransId="{3F95F3E5-7AA1-44DD-8791-A064347B8E54}"/>
+    <dgm:cxn modelId="{586E57C4-04BB-4E19-97CE-ECEB9FA823C8}" type="presOf" srcId="{38C9EA59-EC06-4208-A673-F424C869F168}" destId="{CA554754-7DFF-4D28-9E8E-4D05F4E62715}" srcOrd="0" destOrd="0" presId="urn:microsoft.com/office/officeart/2005/8/layout/vList2"/>
     <dgm:cxn modelId="{2F7505EB-F6C5-44DF-921D-A4DA30B20C57}" srcId="{51118769-7369-4E6D-863B-19E4D6A4DD57}" destId="{3A6CC848-8D82-478C-8E9C-E55B6C04B54E}" srcOrd="1" destOrd="0" parTransId="{82CF67C8-E531-4C8D-8B92-E538572DB31A}" sibTransId="{A0014EF4-C32A-4DCF-ABB3-B9A83B57D3B9}"/>
-    <dgm:cxn modelId="{586E57C4-04BB-4E19-97CE-ECEB9FA823C8}" type="presOf" srcId="{38C9EA59-EC06-4208-A673-F424C869F168}" destId="{CA554754-7DFF-4D28-9E8E-4D05F4E62715}" srcOrd="0" destOrd="0" presId="urn:microsoft.com/office/officeart/2005/8/layout/vList2"/>
     <dgm:cxn modelId="{D999F62B-12EF-4119-89F4-CE280D369B77}" type="presOf" srcId="{51118769-7369-4E6D-863B-19E4D6A4DD57}" destId="{ED8ADFA8-D73D-4B2D-AE18-C587F2E4C0E4}" srcOrd="0" destOrd="0" presId="urn:microsoft.com/office/officeart/2005/8/layout/vList2"/>
     <dgm:cxn modelId="{CAB4C91E-51BB-49A8-B6DD-2F97DCC606F2}" srcId="{38C9EA59-EC06-4208-A673-F424C869F168}" destId="{51118769-7369-4E6D-863B-19E4D6A4DD57}" srcOrd="1" destOrd="0" parTransId="{6C7825EC-CAC7-4005-805B-28192E7B0233}" sibTransId="{42EEE914-8812-48AF-8FD8-FCDF48750AE4}"/>
     <dgm:cxn modelId="{25C397E4-E566-4277-A675-21B82FACC7AB}" srcId="{9D11A879-CA9F-44CB-BCA4-05EC7A62A9DB}" destId="{1C954093-F46B-4506-99BA-92F256664AA4}" srcOrd="2" destOrd="0" parTransId="{2B20952A-4F3E-43B9-B04B-100A5A57860E}" sibTransId="{CA22BC63-C2C8-4313-8603-1093004C61F8}"/>
@@ -6966,31 +6968,6 @@
           <a:bodyPr/>
           <a:lstStyle/>
           <a:p>
-            <a:r>
-              <a:rPr lang="zh-CN" altLang="en-US" dirty="0" smtClean="0"/>
-              <a:t>过多的索引的会造成数据空间增大，查询插入变慢</a:t>
-            </a:r>
-            <a:endParaRPr lang="en-US" altLang="zh-CN" dirty="0" smtClean="0"/>
-          </a:p>
-          <a:p>
-            <a:r>
-              <a:rPr lang="en-US" altLang="zh-CN" dirty="0" smtClean="0"/>
-              <a:t>Use</a:t>
-            </a:r>
-            <a:r>
-              <a:rPr lang="en-US" altLang="zh-CN" baseline="0" dirty="0" smtClean="0"/>
-              <a:t> index</a:t>
-            </a:r>
-          </a:p>
-          <a:p>
-            <a:r>
-              <a:rPr lang="en-US" altLang="zh-CN" baseline="0" dirty="0" err="1" smtClean="0"/>
-              <a:t>Forse</a:t>
-            </a:r>
-            <a:r>
-              <a:rPr lang="en-US" altLang="zh-CN" baseline="0" dirty="0" smtClean="0"/>
-              <a:t> index</a:t>
-            </a:r>
             <a:endParaRPr lang="zh-CN" altLang="en-US" dirty="0"/>
           </a:p>
         </p:txBody>
@@ -7021,7 +6998,7 @@
     </p:spTree>
     <p:extLst>
       <p:ext uri="{BB962C8B-B14F-4D97-AF65-F5344CB8AC3E}">
-        <p14:creationId xmlns:p14="http://schemas.microsoft.com/office/powerpoint/2010/main" val="2038760665"/>
+        <p14:creationId xmlns:p14="http://schemas.microsoft.com/office/powerpoint/2010/main" val="535965594"/>
       </p:ext>
     </p:extLst>
   </p:cSld>
@@ -7077,39 +7054,30 @@
           <a:p>
             <a:r>
               <a:rPr lang="zh-CN" altLang="en-US" dirty="0" smtClean="0"/>
-              <a:t>设计索引规则：</a:t>
+              <a:t>过多的索引的会造成数据空间增大，查询插入变慢</a:t>
             </a:r>
             <a:endParaRPr lang="en-US" altLang="zh-CN" dirty="0" smtClean="0"/>
           </a:p>
           <a:p>
-            <a:pPr marL="228600" indent="-228600">
-              <a:buAutoNum type="arabicPeriod"/>
-            </a:pPr>
-            <a:r>
-              <a:rPr lang="zh-CN" altLang="en-US" dirty="0" smtClean="0"/>
-              <a:t>每张表不超过五个索引</a:t>
-            </a:r>
-            <a:endParaRPr lang="en-US" altLang="zh-CN" dirty="0" smtClean="0"/>
-          </a:p>
-          <a:p>
-            <a:pPr marL="228600" indent="-228600">
-              <a:buAutoNum type="arabicPeriod"/>
-            </a:pPr>
-            <a:r>
-              <a:rPr lang="zh-CN" altLang="en-US" dirty="0" smtClean="0"/>
-              <a:t>复合索引不超过三列</a:t>
-            </a:r>
-            <a:endParaRPr lang="en-US" altLang="zh-CN" dirty="0" smtClean="0"/>
-          </a:p>
-          <a:p>
-            <a:pPr marL="228600" indent="-228600">
-              <a:buAutoNum type="arabicPeriod"/>
-            </a:pPr>
-            <a:r>
-              <a:rPr lang="zh-CN" altLang="en-US" dirty="0" smtClean="0"/>
-              <a:t>避免重复索引和离散度低的索引</a:t>
-            </a:r>
-            <a:endParaRPr lang="en-US" altLang="zh-CN" dirty="0" smtClean="0"/>
+            <a:r>
+              <a:rPr lang="en-US" altLang="zh-CN" dirty="0" smtClean="0"/>
+              <a:t>Use</a:t>
+            </a:r>
+            <a:r>
+              <a:rPr lang="en-US" altLang="zh-CN" baseline="0" dirty="0" smtClean="0"/>
+              <a:t> index</a:t>
+            </a:r>
+          </a:p>
+          <a:p>
+            <a:r>
+              <a:rPr lang="en-US" altLang="zh-CN" baseline="0" dirty="0" err="1" smtClean="0"/>
+              <a:t>Forse</a:t>
+            </a:r>
+            <a:r>
+              <a:rPr lang="en-US" altLang="zh-CN" baseline="0" dirty="0" smtClean="0"/>
+              <a:t> index</a:t>
+            </a:r>
+            <a:endParaRPr lang="zh-CN" altLang="en-US" dirty="0"/>
           </a:p>
         </p:txBody>
       </p:sp>
@@ -7139,7 +7107,7 @@
     </p:spTree>
     <p:extLst>
       <p:ext uri="{BB962C8B-B14F-4D97-AF65-F5344CB8AC3E}">
-        <p14:creationId xmlns:p14="http://schemas.microsoft.com/office/powerpoint/2010/main" val="82197963"/>
+        <p14:creationId xmlns:p14="http://schemas.microsoft.com/office/powerpoint/2010/main" val="2038760665"/>
       </p:ext>
     </p:extLst>
   </p:cSld>
@@ -7193,22 +7161,41 @@
           <a:bodyPr/>
           <a:lstStyle/>
           <a:p>
+            <a:r>
+              <a:rPr lang="zh-CN" altLang="en-US" dirty="0" smtClean="0"/>
+              <a:t>设计索引规则：</a:t>
+            </a:r>
+            <a:endParaRPr lang="en-US" altLang="zh-CN" dirty="0" smtClean="0"/>
+          </a:p>
+          <a:p>
             <a:pPr marL="228600" indent="-228600">
-              <a:buFont typeface="+mj-lt"/>
               <a:buAutoNum type="arabicPeriod"/>
             </a:pPr>
             <a:r>
               <a:rPr lang="zh-CN" altLang="en-US" dirty="0" smtClean="0"/>
-              <a:t>逻辑删除而非物理删除</a:t>
+              <a:t>每张表不超过五个索引</a:t>
             </a:r>
             <a:endParaRPr lang="en-US" altLang="zh-CN" dirty="0" smtClean="0"/>
           </a:p>
           <a:p>
             <a:pPr marL="228600" indent="-228600">
-              <a:buFont typeface="+mj-lt"/>
               <a:buAutoNum type="arabicPeriod"/>
             </a:pPr>
-            <a:endParaRPr lang="zh-CN" altLang="en-US" dirty="0"/>
+            <a:r>
+              <a:rPr lang="zh-CN" altLang="en-US" dirty="0" smtClean="0"/>
+              <a:t>复合索引不超过三列</a:t>
+            </a:r>
+            <a:endParaRPr lang="en-US" altLang="zh-CN" dirty="0" smtClean="0"/>
+          </a:p>
+          <a:p>
+            <a:pPr marL="228600" indent="-228600">
+              <a:buAutoNum type="arabicPeriod"/>
+            </a:pPr>
+            <a:r>
+              <a:rPr lang="zh-CN" altLang="en-US" dirty="0" smtClean="0"/>
+              <a:t>避免重复索引和离散度低的索引</a:t>
+            </a:r>
+            <a:endParaRPr lang="en-US" altLang="zh-CN" dirty="0" smtClean="0"/>
           </a:p>
         </p:txBody>
       </p:sp>
@@ -7238,7 +7225,7 @@
     </p:spTree>
     <p:extLst>
       <p:ext uri="{BB962C8B-B14F-4D97-AF65-F5344CB8AC3E}">
-        <p14:creationId xmlns:p14="http://schemas.microsoft.com/office/powerpoint/2010/main" val="315115879"/>
+        <p14:creationId xmlns:p14="http://schemas.microsoft.com/office/powerpoint/2010/main" val="82197963"/>
       </p:ext>
     </p:extLst>
   </p:cSld>
@@ -7874,6 +7861,182 @@
 </p:notes>
 </file>
 
+<file path=ppt/notesSlides/notesSlide18.xml><?xml version="1.0" encoding="utf-8"?>
+<p:notes xmlns:a="http://schemas.openxmlformats.org/drawingml/2006/main" xmlns:r="http://schemas.openxmlformats.org/officeDocument/2006/relationships" xmlns:p="http://schemas.openxmlformats.org/presentationml/2006/main">
+  <p:cSld>
+    <p:spTree>
+      <p:nvGrpSpPr>
+        <p:cNvPr id="1" name=""/>
+        <p:cNvGrpSpPr/>
+        <p:nvPr/>
+      </p:nvGrpSpPr>
+      <p:grpSpPr>
+        <a:xfrm>
+          <a:off x="0" y="0"/>
+          <a:ext cx="0" cy="0"/>
+          <a:chOff x="0" y="0"/>
+          <a:chExt cx="0" cy="0"/>
+        </a:xfrm>
+      </p:grpSpPr>
+      <p:sp>
+        <p:nvSpPr>
+          <p:cNvPr id="2" name="幻灯片图像占位符 1"/>
+          <p:cNvSpPr>
+            <a:spLocks noGrp="1" noRot="1" noChangeAspect="1"/>
+          </p:cNvSpPr>
+          <p:nvPr>
+            <p:ph type="sldImg"/>
+          </p:nvPr>
+        </p:nvSpPr>
+        <p:spPr/>
+      </p:sp>
+      <p:sp>
+        <p:nvSpPr>
+          <p:cNvPr id="3" name="备注占位符 2"/>
+          <p:cNvSpPr>
+            <a:spLocks noGrp="1"/>
+          </p:cNvSpPr>
+          <p:nvPr>
+            <p:ph type="body" idx="1"/>
+          </p:nvPr>
+        </p:nvSpPr>
+        <p:spPr/>
+        <p:txBody>
+          <a:bodyPr/>
+          <a:lstStyle/>
+          <a:p>
+            <a:pPr marL="0" indent="0">
+              <a:buFont typeface="+mj-lt"/>
+              <a:buNone/>
+            </a:pPr>
+            <a:endParaRPr lang="zh-CN" altLang="en-US" dirty="0"/>
+          </a:p>
+        </p:txBody>
+      </p:sp>
+      <p:sp>
+        <p:nvSpPr>
+          <p:cNvPr id="4" name="灯片编号占位符 3"/>
+          <p:cNvSpPr>
+            <a:spLocks noGrp="1"/>
+          </p:cNvSpPr>
+          <p:nvPr>
+            <p:ph type="sldNum" sz="quarter" idx="10"/>
+          </p:nvPr>
+        </p:nvSpPr>
+        <p:spPr/>
+        <p:txBody>
+          <a:bodyPr/>
+          <a:lstStyle/>
+          <a:p>
+            <a:fld id="{469FB7A9-FBDD-4835-A7AE-7F4237A28786}" type="slidenum">
+              <a:rPr lang="zh-CN" altLang="en-US" smtClean="0"/>
+              <a:t>22</a:t>
+            </a:fld>
+            <a:endParaRPr lang="zh-CN" altLang="en-US"/>
+          </a:p>
+        </p:txBody>
+      </p:sp>
+    </p:spTree>
+    <p:extLst>
+      <p:ext uri="{BB962C8B-B14F-4D97-AF65-F5344CB8AC3E}">
+        <p14:creationId xmlns:p14="http://schemas.microsoft.com/office/powerpoint/2010/main" val="1774587096"/>
+      </p:ext>
+    </p:extLst>
+  </p:cSld>
+  <p:clrMapOvr>
+    <a:masterClrMapping/>
+  </p:clrMapOvr>
+</p:notes>
+</file>
+
+<file path=ppt/notesSlides/notesSlide19.xml><?xml version="1.0" encoding="utf-8"?>
+<p:notes xmlns:a="http://schemas.openxmlformats.org/drawingml/2006/main" xmlns:r="http://schemas.openxmlformats.org/officeDocument/2006/relationships" xmlns:p="http://schemas.openxmlformats.org/presentationml/2006/main">
+  <p:cSld>
+    <p:spTree>
+      <p:nvGrpSpPr>
+        <p:cNvPr id="1" name=""/>
+        <p:cNvGrpSpPr/>
+        <p:nvPr/>
+      </p:nvGrpSpPr>
+      <p:grpSpPr>
+        <a:xfrm>
+          <a:off x="0" y="0"/>
+          <a:ext cx="0" cy="0"/>
+          <a:chOff x="0" y="0"/>
+          <a:chExt cx="0" cy="0"/>
+        </a:xfrm>
+      </p:grpSpPr>
+      <p:sp>
+        <p:nvSpPr>
+          <p:cNvPr id="2" name="幻灯片图像占位符 1"/>
+          <p:cNvSpPr>
+            <a:spLocks noGrp="1" noRot="1" noChangeAspect="1"/>
+          </p:cNvSpPr>
+          <p:nvPr>
+            <p:ph type="sldImg"/>
+          </p:nvPr>
+        </p:nvSpPr>
+        <p:spPr/>
+      </p:sp>
+      <p:sp>
+        <p:nvSpPr>
+          <p:cNvPr id="3" name="备注占位符 2"/>
+          <p:cNvSpPr>
+            <a:spLocks noGrp="1"/>
+          </p:cNvSpPr>
+          <p:nvPr>
+            <p:ph type="body" idx="1"/>
+          </p:nvPr>
+        </p:nvSpPr>
+        <p:spPr/>
+        <p:txBody>
+          <a:bodyPr/>
+          <a:lstStyle/>
+          <a:p>
+            <a:pPr marL="0" indent="0">
+              <a:buFont typeface="+mj-lt"/>
+              <a:buNone/>
+            </a:pPr>
+            <a:endParaRPr lang="zh-CN" altLang="en-US" dirty="0"/>
+          </a:p>
+        </p:txBody>
+      </p:sp>
+      <p:sp>
+        <p:nvSpPr>
+          <p:cNvPr id="4" name="灯片编号占位符 3"/>
+          <p:cNvSpPr>
+            <a:spLocks noGrp="1"/>
+          </p:cNvSpPr>
+          <p:nvPr>
+            <p:ph type="sldNum" sz="quarter" idx="10"/>
+          </p:nvPr>
+        </p:nvSpPr>
+        <p:spPr/>
+        <p:txBody>
+          <a:bodyPr/>
+          <a:lstStyle/>
+          <a:p>
+            <a:fld id="{469FB7A9-FBDD-4835-A7AE-7F4237A28786}" type="slidenum">
+              <a:rPr lang="zh-CN" altLang="en-US" smtClean="0"/>
+              <a:t>23</a:t>
+            </a:fld>
+            <a:endParaRPr lang="zh-CN" altLang="en-US"/>
+          </a:p>
+        </p:txBody>
+      </p:sp>
+    </p:spTree>
+    <p:extLst>
+      <p:ext uri="{BB962C8B-B14F-4D97-AF65-F5344CB8AC3E}">
+        <p14:creationId xmlns:p14="http://schemas.microsoft.com/office/powerpoint/2010/main" val="2614725765"/>
+      </p:ext>
+    </p:extLst>
+  </p:cSld>
+  <p:clrMapOvr>
+    <a:masterClrMapping/>
+  </p:clrMapOvr>
+</p:notes>
+</file>
+
 <file path=ppt/notesSlides/notesSlide2.xml><?xml version="1.0" encoding="utf-8"?>
 <p:notes xmlns:a="http://schemas.openxmlformats.org/drawingml/2006/main" xmlns:r="http://schemas.openxmlformats.org/officeDocument/2006/relationships" xmlns:p="http://schemas.openxmlformats.org/presentationml/2006/main">
   <p:cSld>
@@ -8331,9 +8494,20 @@
           <a:bodyPr/>
           <a:lstStyle/>
           <a:p>
-            <a:pPr marL="0" indent="0">
+            <a:pPr marL="228600" indent="-228600">
               <a:buFont typeface="+mj-lt"/>
-              <a:buNone/>
+              <a:buAutoNum type="arabicPeriod"/>
+            </a:pPr>
+            <a:r>
+              <a:rPr lang="zh-CN" altLang="en-US" dirty="0" smtClean="0"/>
+              <a:t>逻辑删除而非物理删除</a:t>
+            </a:r>
+            <a:endParaRPr lang="en-US" altLang="zh-CN" dirty="0" smtClean="0"/>
+          </a:p>
+          <a:p>
+            <a:pPr marL="228600" indent="-228600">
+              <a:buFont typeface="+mj-lt"/>
+              <a:buAutoNum type="arabicPeriod"/>
             </a:pPr>
             <a:endParaRPr lang="zh-CN" altLang="en-US" dirty="0"/>
           </a:p>
@@ -8365,7 +8539,7 @@
     </p:spTree>
     <p:extLst>
       <p:ext uri="{BB962C8B-B14F-4D97-AF65-F5344CB8AC3E}">
-        <p14:creationId xmlns:p14="http://schemas.microsoft.com/office/powerpoint/2010/main" val="2475885646"/>
+        <p14:creationId xmlns:p14="http://schemas.microsoft.com/office/powerpoint/2010/main" val="1838055486"/>
       </p:ext>
     </p:extLst>
   </p:cSld>
@@ -8453,7 +8627,7 @@
     </p:spTree>
     <p:extLst>
       <p:ext uri="{BB962C8B-B14F-4D97-AF65-F5344CB8AC3E}">
-        <p14:creationId xmlns:p14="http://schemas.microsoft.com/office/powerpoint/2010/main" val="3303666512"/>
+        <p14:creationId xmlns:p14="http://schemas.microsoft.com/office/powerpoint/2010/main" val="2475885646"/>
       </p:ext>
     </p:extLst>
   </p:cSld>
@@ -8507,71 +8681,11 @@
           <a:bodyPr/>
           <a:lstStyle/>
           <a:p>
-            <a:r>
-              <a:rPr lang="zh-CN" altLang="en-US" dirty="0" smtClean="0"/>
-              <a:t>全列选择性：</a:t>
-            </a:r>
-            <a:br>
-              <a:rPr lang="zh-CN" altLang="en-US" dirty="0" smtClean="0"/>
-            </a:br>
-            <a:r>
-              <a:rPr lang="en-US" altLang="zh-CN" dirty="0" smtClean="0"/>
-              <a:t>SELECT COUNT(DISTINCT </a:t>
-            </a:r>
-            <a:r>
-              <a:rPr lang="en-US" altLang="zh-CN" dirty="0" err="1" smtClean="0"/>
-              <a:t>column_name</a:t>
-            </a:r>
-            <a:r>
-              <a:rPr lang="en-US" altLang="zh-CN" dirty="0" smtClean="0"/>
-              <a:t>) / COUNT(*) FROM </a:t>
-            </a:r>
-            <a:r>
-              <a:rPr lang="en-US" altLang="zh-CN" dirty="0" err="1" smtClean="0"/>
-              <a:t>table_name</a:t>
-            </a:r>
-            <a:r>
-              <a:rPr lang="en-US" altLang="zh-CN" dirty="0" smtClean="0"/>
-              <a:t>;</a:t>
-            </a:r>
-            <a:br>
-              <a:rPr lang="en-US" altLang="zh-CN" dirty="0" smtClean="0"/>
-            </a:br>
-            <a:r>
-              <a:rPr lang="zh-CN" altLang="en-US" dirty="0" smtClean="0"/>
-              <a:t>某一长度前缀的选择性</a:t>
-            </a:r>
-            <a:br>
-              <a:rPr lang="zh-CN" altLang="en-US" dirty="0" smtClean="0"/>
-            </a:br>
-            <a:r>
-              <a:rPr lang="en-US" altLang="zh-CN" dirty="0" smtClean="0"/>
-              <a:t>SELECT COUNT(DISTINCT LEFT(</a:t>
-            </a:r>
-            <a:r>
-              <a:rPr lang="en-US" altLang="zh-CN" dirty="0" err="1" smtClean="0"/>
-              <a:t>column_name</a:t>
-            </a:r>
-            <a:r>
-              <a:rPr lang="en-US" altLang="zh-CN" dirty="0" smtClean="0"/>
-              <a:t>, </a:t>
-            </a:r>
-            <a:r>
-              <a:rPr lang="en-US" altLang="zh-CN" dirty="0" err="1" smtClean="0"/>
-              <a:t>prefix_length</a:t>
-            </a:r>
-            <a:r>
-              <a:rPr lang="en-US" altLang="zh-CN" dirty="0" smtClean="0"/>
-              <a:t>)) / COUNT(*) FROM </a:t>
-            </a:r>
-            <a:r>
-              <a:rPr lang="en-US" altLang="zh-CN" dirty="0" err="1" smtClean="0"/>
-              <a:t>table_name</a:t>
-            </a:r>
-            <a:r>
-              <a:rPr lang="en-US" altLang="zh-CN" dirty="0" smtClean="0"/>
-              <a:t>;</a:t>
-            </a:r>
+            <a:pPr marL="0" indent="0">
+              <a:buFont typeface="+mj-lt"/>
+              <a:buNone/>
+            </a:pPr>
+            <a:endParaRPr lang="zh-CN" altLang="en-US" dirty="0"/>
           </a:p>
         </p:txBody>
       </p:sp>
@@ -8592,7 +8706,7 @@
           <a:p>
             <a:fld id="{469FB7A9-FBDD-4835-A7AE-7F4237A28786}" type="slidenum">
               <a:rPr lang="zh-CN" altLang="en-US" smtClean="0"/>
-              <a:t>10</a:t>
+              <a:t>9</a:t>
             </a:fld>
             <a:endParaRPr lang="zh-CN" altLang="en-US"/>
           </a:p>
@@ -8601,7 +8715,7 @@
     </p:spTree>
     <p:extLst>
       <p:ext uri="{BB962C8B-B14F-4D97-AF65-F5344CB8AC3E}">
-        <p14:creationId xmlns:p14="http://schemas.microsoft.com/office/powerpoint/2010/main" val="3706308525"/>
+        <p14:creationId xmlns:p14="http://schemas.microsoft.com/office/powerpoint/2010/main" val="3303666512"/>
       </p:ext>
     </p:extLst>
   </p:cSld>
@@ -8655,7 +8769,71 @@
           <a:bodyPr/>
           <a:lstStyle/>
           <a:p>
-            <a:endParaRPr lang="zh-CN" altLang="en-US" dirty="0"/>
+            <a:r>
+              <a:rPr lang="zh-CN" altLang="en-US" dirty="0" smtClean="0"/>
+              <a:t>全列选择性：</a:t>
+            </a:r>
+            <a:br>
+              <a:rPr lang="zh-CN" altLang="en-US" dirty="0" smtClean="0"/>
+            </a:br>
+            <a:r>
+              <a:rPr lang="en-US" altLang="zh-CN" dirty="0" smtClean="0"/>
+              <a:t>SELECT COUNT(DISTINCT </a:t>
+            </a:r>
+            <a:r>
+              <a:rPr lang="en-US" altLang="zh-CN" dirty="0" err="1" smtClean="0"/>
+              <a:t>column_name</a:t>
+            </a:r>
+            <a:r>
+              <a:rPr lang="en-US" altLang="zh-CN" dirty="0" smtClean="0"/>
+              <a:t>) / COUNT(*) FROM </a:t>
+            </a:r>
+            <a:r>
+              <a:rPr lang="en-US" altLang="zh-CN" dirty="0" err="1" smtClean="0"/>
+              <a:t>table_name</a:t>
+            </a:r>
+            <a:r>
+              <a:rPr lang="en-US" altLang="zh-CN" dirty="0" smtClean="0"/>
+              <a:t>;</a:t>
+            </a:r>
+            <a:br>
+              <a:rPr lang="en-US" altLang="zh-CN" dirty="0" smtClean="0"/>
+            </a:br>
+            <a:r>
+              <a:rPr lang="zh-CN" altLang="en-US" dirty="0" smtClean="0"/>
+              <a:t>某一长度前缀的选择性</a:t>
+            </a:r>
+            <a:br>
+              <a:rPr lang="zh-CN" altLang="en-US" dirty="0" smtClean="0"/>
+            </a:br>
+            <a:r>
+              <a:rPr lang="en-US" altLang="zh-CN" dirty="0" smtClean="0"/>
+              <a:t>SELECT COUNT(DISTINCT LEFT(</a:t>
+            </a:r>
+            <a:r>
+              <a:rPr lang="en-US" altLang="zh-CN" dirty="0" err="1" smtClean="0"/>
+              <a:t>column_name</a:t>
+            </a:r>
+            <a:r>
+              <a:rPr lang="en-US" altLang="zh-CN" dirty="0" smtClean="0"/>
+              <a:t>, </a:t>
+            </a:r>
+            <a:r>
+              <a:rPr lang="en-US" altLang="zh-CN" dirty="0" err="1" smtClean="0"/>
+              <a:t>prefix_length</a:t>
+            </a:r>
+            <a:r>
+              <a:rPr lang="en-US" altLang="zh-CN" dirty="0" smtClean="0"/>
+              <a:t>)) / COUNT(*) FROM </a:t>
+            </a:r>
+            <a:r>
+              <a:rPr lang="en-US" altLang="zh-CN" dirty="0" err="1" smtClean="0"/>
+              <a:t>table_name</a:t>
+            </a:r>
+            <a:r>
+              <a:rPr lang="en-US" altLang="zh-CN" dirty="0" smtClean="0"/>
+              <a:t>;</a:t>
+            </a:r>
           </a:p>
         </p:txBody>
       </p:sp>
@@ -8685,7 +8863,7 @@
     </p:spTree>
     <p:extLst>
       <p:ext uri="{BB962C8B-B14F-4D97-AF65-F5344CB8AC3E}">
-        <p14:creationId xmlns:p14="http://schemas.microsoft.com/office/powerpoint/2010/main" val="1645636628"/>
+        <p14:creationId xmlns:p14="http://schemas.microsoft.com/office/powerpoint/2010/main" val="3706308525"/>
       </p:ext>
     </p:extLst>
   </p:cSld>
@@ -8769,7 +8947,7 @@
     </p:spTree>
     <p:extLst>
       <p:ext uri="{BB962C8B-B14F-4D97-AF65-F5344CB8AC3E}">
-        <p14:creationId xmlns:p14="http://schemas.microsoft.com/office/powerpoint/2010/main" val="535965594"/>
+        <p14:creationId xmlns:p14="http://schemas.microsoft.com/office/powerpoint/2010/main" val="1645636628"/>
       </p:ext>
     </p:extLst>
   </p:cSld>
@@ -11945,6 +12123,921 @@
       </p:grpSpPr>
       <p:sp>
         <p:nvSpPr>
+          <p:cNvPr id="2" name="MH_Title"/>
+          <p:cNvSpPr/>
+          <p:nvPr>
+            <p:custDataLst>
+              <p:tags r:id="rId2"/>
+            </p:custDataLst>
+          </p:nvPr>
+        </p:nvSpPr>
+        <p:spPr>
+          <a:xfrm>
+            <a:off x="4707738" y="3108897"/>
+            <a:ext cx="7484262" cy="737389"/>
+          </a:xfrm>
+          <a:custGeom>
+            <a:avLst/>
+            <a:gdLst>
+              <a:gd name="connsiteX0" fmla="*/ 0 w 5609212"/>
+              <a:gd name="connsiteY0" fmla="*/ 0 h 504056"/>
+              <a:gd name="connsiteX1" fmla="*/ 5609212 w 5609212"/>
+              <a:gd name="connsiteY1" fmla="*/ 0 h 504056"/>
+              <a:gd name="connsiteX2" fmla="*/ 5609212 w 5609212"/>
+              <a:gd name="connsiteY2" fmla="*/ 504056 h 504056"/>
+              <a:gd name="connsiteX3" fmla="*/ 0 w 5609212"/>
+              <a:gd name="connsiteY3" fmla="*/ 504056 h 504056"/>
+              <a:gd name="connsiteX4" fmla="*/ 0 w 5609212"/>
+              <a:gd name="connsiteY4" fmla="*/ 0 h 504056"/>
+              <a:gd name="connsiteX0" fmla="*/ 0 w 5609212"/>
+              <a:gd name="connsiteY0" fmla="*/ 0 h 504056"/>
+              <a:gd name="connsiteX1" fmla="*/ 5609212 w 5609212"/>
+              <a:gd name="connsiteY1" fmla="*/ 0 h 504056"/>
+              <a:gd name="connsiteX2" fmla="*/ 5609212 w 5609212"/>
+              <a:gd name="connsiteY2" fmla="*/ 504056 h 504056"/>
+              <a:gd name="connsiteX3" fmla="*/ 128954 w 5609212"/>
+              <a:gd name="connsiteY3" fmla="*/ 504056 h 504056"/>
+              <a:gd name="connsiteX4" fmla="*/ 0 w 5609212"/>
+              <a:gd name="connsiteY4" fmla="*/ 0 h 504056"/>
+            </a:gdLst>
+            <a:ahLst/>
+            <a:cxnLst>
+              <a:cxn ang="0">
+                <a:pos x="connsiteX0" y="connsiteY0"/>
+              </a:cxn>
+              <a:cxn ang="0">
+                <a:pos x="connsiteX1" y="connsiteY1"/>
+              </a:cxn>
+              <a:cxn ang="0">
+                <a:pos x="connsiteX2" y="connsiteY2"/>
+              </a:cxn>
+              <a:cxn ang="0">
+                <a:pos x="connsiteX3" y="connsiteY3"/>
+              </a:cxn>
+              <a:cxn ang="0">
+                <a:pos x="connsiteX4" y="connsiteY4"/>
+              </a:cxn>
+            </a:cxnLst>
+            <a:rect l="l" t="t" r="r" b="b"/>
+            <a:pathLst>
+              <a:path w="5609212" h="504056">
+                <a:moveTo>
+                  <a:pt x="0" y="0"/>
+                </a:moveTo>
+                <a:lnTo>
+                  <a:pt x="5609212" y="0"/>
+                </a:lnTo>
+                <a:lnTo>
+                  <a:pt x="5609212" y="504056"/>
+                </a:lnTo>
+                <a:lnTo>
+                  <a:pt x="128954" y="504056"/>
+                </a:lnTo>
+                <a:lnTo>
+                  <a:pt x="0" y="0"/>
+                </a:lnTo>
+                <a:close/>
+              </a:path>
+            </a:pathLst>
+          </a:custGeom>
+          <a:solidFill>
+            <a:srgbClr val="7EC234"/>
+          </a:solidFill>
+          <a:ln>
+            <a:noFill/>
+          </a:ln>
+        </p:spPr>
+        <p:style>
+          <a:lnRef idx="2">
+            <a:schemeClr val="accent1">
+              <a:shade val="50000"/>
+            </a:schemeClr>
+          </a:lnRef>
+          <a:fillRef idx="1">
+            <a:schemeClr val="accent1"/>
+          </a:fillRef>
+          <a:effectRef idx="0">
+            <a:schemeClr val="accent1"/>
+          </a:effectRef>
+          <a:fontRef idx="minor">
+            <a:schemeClr val="lt1"/>
+          </a:fontRef>
+        </p:style>
+        <p:txBody>
+          <a:bodyPr rot="0" spcFirstLastPara="0" vertOverflow="overflow" horzOverflow="overflow" vert="horz" wrap="square" lIns="0" tIns="0" rIns="0" bIns="36000" numCol="1" spcCol="0" rtlCol="0" fromWordArt="0" anchor="ctr" anchorCtr="0" forceAA="0" compatLnSpc="1">
+            <a:prstTxWarp prst="textNoShape">
+              <a:avLst/>
+            </a:prstTxWarp>
+            <a:normAutofit/>
+          </a:bodyPr>
+          <a:lstStyle/>
+          <a:p>
+            <a:pPr algn="ctr"/>
+            <a:r>
+              <a:rPr lang="zh-CN" altLang="en-US" sz="4000" b="1" dirty="0" smtClean="0">
+                <a:solidFill>
+                  <a:srgbClr val="FFFFFF"/>
+                </a:solidFill>
+                <a:latin typeface="+mn-ea"/>
+              </a:rPr>
+              <a:t>索引</a:t>
+            </a:r>
+            <a:r>
+              <a:rPr lang="zh-CN" altLang="en-US" sz="4000" b="1" dirty="0">
+                <a:solidFill>
+                  <a:srgbClr val="FFFFFF"/>
+                </a:solidFill>
+                <a:latin typeface="+mn-ea"/>
+              </a:rPr>
+              <a:t>应用</a:t>
+            </a:r>
+          </a:p>
+        </p:txBody>
+      </p:sp>
+      <p:sp>
+        <p:nvSpPr>
+          <p:cNvPr id="3" name="MH_Others_1"/>
+          <p:cNvSpPr txBox="1"/>
+          <p:nvPr>
+            <p:custDataLst>
+              <p:tags r:id="rId3"/>
+            </p:custDataLst>
+          </p:nvPr>
+        </p:nvSpPr>
+        <p:spPr>
+          <a:xfrm>
+            <a:off x="4635538" y="2356577"/>
+            <a:ext cx="2324157" cy="773189"/>
+          </a:xfrm>
+          <a:prstGeom prst="rect">
+            <a:avLst/>
+          </a:prstGeom>
+          <a:noFill/>
+        </p:spPr>
+        <p:txBody>
+          <a:bodyPr wrap="square" rtlCol="0">
+            <a:normAutofit/>
+          </a:bodyPr>
+          <a:lstStyle/>
+          <a:p>
+            <a:pPr algn="r"/>
+            <a:r>
+              <a:rPr lang="en-US" altLang="zh-CN" sz="3200" b="1" dirty="0">
+                <a:solidFill>
+                  <a:srgbClr val="C2E49C"/>
+                </a:solidFill>
+                <a:latin typeface="微软雅黑" panose="020B0503020204020204" pitchFamily="34" charset="-122"/>
+                <a:ea typeface="微软雅黑" panose="020B0503020204020204" pitchFamily="34" charset="-122"/>
+              </a:rPr>
+              <a:t>Chapter</a:t>
+            </a:r>
+            <a:endParaRPr lang="zh-CN" altLang="en-US" sz="3200" b="1" dirty="0">
+              <a:solidFill>
+                <a:srgbClr val="C2E49C"/>
+              </a:solidFill>
+              <a:latin typeface="微软雅黑" panose="020B0503020204020204" pitchFamily="34" charset="-122"/>
+              <a:ea typeface="微软雅黑" panose="020B0503020204020204" pitchFamily="34" charset="-122"/>
+            </a:endParaRPr>
+          </a:p>
+        </p:txBody>
+      </p:sp>
+      <p:sp>
+        <p:nvSpPr>
+          <p:cNvPr id="9" name="MH_Others_2"/>
+          <p:cNvSpPr/>
+          <p:nvPr>
+            <p:custDataLst>
+              <p:tags r:id="rId4"/>
+            </p:custDataLst>
+          </p:nvPr>
+        </p:nvSpPr>
+        <p:spPr>
+          <a:xfrm>
+            <a:off x="-3365" y="2058898"/>
+            <a:ext cx="4391004" cy="1049999"/>
+          </a:xfrm>
+          <a:custGeom>
+            <a:avLst/>
+            <a:gdLst>
+              <a:gd name="connsiteX0" fmla="*/ 0 w 3297310"/>
+              <a:gd name="connsiteY0" fmla="*/ 0 h 794131"/>
+              <a:gd name="connsiteX1" fmla="*/ 3095277 w 3297310"/>
+              <a:gd name="connsiteY1" fmla="*/ 0 h 794131"/>
+              <a:gd name="connsiteX2" fmla="*/ 3297310 w 3297310"/>
+              <a:gd name="connsiteY2" fmla="*/ 794131 h 794131"/>
+              <a:gd name="connsiteX3" fmla="*/ 0 w 3297310"/>
+              <a:gd name="connsiteY3" fmla="*/ 794131 h 794131"/>
+            </a:gdLst>
+            <a:ahLst/>
+            <a:cxnLst>
+              <a:cxn ang="0">
+                <a:pos x="connsiteX0" y="connsiteY0"/>
+              </a:cxn>
+              <a:cxn ang="0">
+                <a:pos x="connsiteX1" y="connsiteY1"/>
+              </a:cxn>
+              <a:cxn ang="0">
+                <a:pos x="connsiteX2" y="connsiteY2"/>
+              </a:cxn>
+              <a:cxn ang="0">
+                <a:pos x="connsiteX3" y="connsiteY3"/>
+              </a:cxn>
+            </a:cxnLst>
+            <a:rect l="l" t="t" r="r" b="b"/>
+            <a:pathLst>
+              <a:path w="3297310" h="794131">
+                <a:moveTo>
+                  <a:pt x="0" y="0"/>
+                </a:moveTo>
+                <a:lnTo>
+                  <a:pt x="3095277" y="0"/>
+                </a:lnTo>
+                <a:lnTo>
+                  <a:pt x="3297310" y="794131"/>
+                </a:lnTo>
+                <a:lnTo>
+                  <a:pt x="0" y="794131"/>
+                </a:lnTo>
+                <a:close/>
+              </a:path>
+            </a:pathLst>
+          </a:custGeom>
+          <a:solidFill>
+            <a:srgbClr val="7EC234"/>
+          </a:solidFill>
+          <a:ln>
+            <a:noFill/>
+          </a:ln>
+        </p:spPr>
+        <p:style>
+          <a:lnRef idx="2">
+            <a:schemeClr val="accent1">
+              <a:shade val="50000"/>
+            </a:schemeClr>
+          </a:lnRef>
+          <a:fillRef idx="1">
+            <a:schemeClr val="accent1"/>
+          </a:fillRef>
+          <a:effectRef idx="0">
+            <a:schemeClr val="accent1"/>
+          </a:effectRef>
+          <a:fontRef idx="minor">
+            <a:schemeClr val="lt1"/>
+          </a:fontRef>
+        </p:style>
+        <p:txBody>
+          <a:bodyPr rot="0" spcFirstLastPara="0" vertOverflow="overflow" horzOverflow="overflow" vert="horz" wrap="square" lIns="91440" tIns="45720" rIns="91440" bIns="45720" numCol="1" spcCol="0" rtlCol="0" fromWordArt="0" anchor="ctr" anchorCtr="0" forceAA="0" compatLnSpc="1">
+            <a:prstTxWarp prst="textNoShape">
+              <a:avLst/>
+            </a:prstTxWarp>
+            <a:noAutofit/>
+          </a:bodyPr>
+          <a:lstStyle/>
+          <a:p>
+            <a:pPr algn="ctr"/>
+            <a:endParaRPr lang="zh-CN" altLang="en-US" dirty="0"/>
+          </a:p>
+        </p:txBody>
+      </p:sp>
+      <p:sp>
+        <p:nvSpPr>
+          <p:cNvPr id="5" name="MH_Others_3"/>
+          <p:cNvSpPr/>
+          <p:nvPr>
+            <p:custDataLst>
+              <p:tags r:id="rId5"/>
+            </p:custDataLst>
+          </p:nvPr>
+        </p:nvSpPr>
+        <p:spPr>
+          <a:xfrm>
+            <a:off x="-14514" y="2305236"/>
+            <a:ext cx="4065717" cy="531044"/>
+          </a:xfrm>
+          <a:custGeom>
+            <a:avLst/>
+            <a:gdLst>
+              <a:gd name="connsiteX0" fmla="*/ 1857013 w 3156552"/>
+              <a:gd name="connsiteY0" fmla="*/ 104678 h 401637"/>
+              <a:gd name="connsiteX1" fmla="*/ 1929021 w 3156552"/>
+              <a:gd name="connsiteY1" fmla="*/ 104678 h 401637"/>
+              <a:gd name="connsiteX2" fmla="*/ 1929021 w 3156552"/>
+              <a:gd name="connsiteY2" fmla="*/ 297257 h 401637"/>
+              <a:gd name="connsiteX3" fmla="*/ 1857013 w 3156552"/>
+              <a:gd name="connsiteY3" fmla="*/ 297257 h 401637"/>
+              <a:gd name="connsiteX4" fmla="*/ 1702944 w 3156552"/>
+              <a:gd name="connsiteY4" fmla="*/ 104678 h 401637"/>
+              <a:gd name="connsiteX5" fmla="*/ 1774952 w 3156552"/>
+              <a:gd name="connsiteY5" fmla="*/ 104678 h 401637"/>
+              <a:gd name="connsiteX6" fmla="*/ 1774952 w 3156552"/>
+              <a:gd name="connsiteY6" fmla="*/ 297257 h 401637"/>
+              <a:gd name="connsiteX7" fmla="*/ 1702944 w 3156552"/>
+              <a:gd name="connsiteY7" fmla="*/ 297257 h 401637"/>
+              <a:gd name="connsiteX8" fmla="*/ 1548875 w 3156552"/>
+              <a:gd name="connsiteY8" fmla="*/ 104678 h 401637"/>
+              <a:gd name="connsiteX9" fmla="*/ 1620883 w 3156552"/>
+              <a:gd name="connsiteY9" fmla="*/ 104678 h 401637"/>
+              <a:gd name="connsiteX10" fmla="*/ 1620883 w 3156552"/>
+              <a:gd name="connsiteY10" fmla="*/ 297257 h 401637"/>
+              <a:gd name="connsiteX11" fmla="*/ 1548875 w 3156552"/>
+              <a:gd name="connsiteY11" fmla="*/ 297257 h 401637"/>
+              <a:gd name="connsiteX12" fmla="*/ 1394806 w 3156552"/>
+              <a:gd name="connsiteY12" fmla="*/ 104678 h 401637"/>
+              <a:gd name="connsiteX13" fmla="*/ 1466814 w 3156552"/>
+              <a:gd name="connsiteY13" fmla="*/ 104678 h 401637"/>
+              <a:gd name="connsiteX14" fmla="*/ 1466814 w 3156552"/>
+              <a:gd name="connsiteY14" fmla="*/ 297257 h 401637"/>
+              <a:gd name="connsiteX15" fmla="*/ 1394806 w 3156552"/>
+              <a:gd name="connsiteY15" fmla="*/ 297257 h 401637"/>
+              <a:gd name="connsiteX16" fmla="*/ 1240737 w 3156552"/>
+              <a:gd name="connsiteY16" fmla="*/ 104678 h 401637"/>
+              <a:gd name="connsiteX17" fmla="*/ 1312745 w 3156552"/>
+              <a:gd name="connsiteY17" fmla="*/ 104678 h 401637"/>
+              <a:gd name="connsiteX18" fmla="*/ 1312745 w 3156552"/>
+              <a:gd name="connsiteY18" fmla="*/ 297257 h 401637"/>
+              <a:gd name="connsiteX19" fmla="*/ 1240737 w 3156552"/>
+              <a:gd name="connsiteY19" fmla="*/ 297257 h 401637"/>
+              <a:gd name="connsiteX20" fmla="*/ 1086668 w 3156552"/>
+              <a:gd name="connsiteY20" fmla="*/ 104678 h 401637"/>
+              <a:gd name="connsiteX21" fmla="*/ 1158676 w 3156552"/>
+              <a:gd name="connsiteY21" fmla="*/ 104678 h 401637"/>
+              <a:gd name="connsiteX22" fmla="*/ 1158676 w 3156552"/>
+              <a:gd name="connsiteY22" fmla="*/ 297257 h 401637"/>
+              <a:gd name="connsiteX23" fmla="*/ 1086668 w 3156552"/>
+              <a:gd name="connsiteY23" fmla="*/ 297257 h 401637"/>
+              <a:gd name="connsiteX24" fmla="*/ 932599 w 3156552"/>
+              <a:gd name="connsiteY24" fmla="*/ 104678 h 401637"/>
+              <a:gd name="connsiteX25" fmla="*/ 1004607 w 3156552"/>
+              <a:gd name="connsiteY25" fmla="*/ 104678 h 401637"/>
+              <a:gd name="connsiteX26" fmla="*/ 1004607 w 3156552"/>
+              <a:gd name="connsiteY26" fmla="*/ 297257 h 401637"/>
+              <a:gd name="connsiteX27" fmla="*/ 932599 w 3156552"/>
+              <a:gd name="connsiteY27" fmla="*/ 297257 h 401637"/>
+              <a:gd name="connsiteX28" fmla="*/ 778530 w 3156552"/>
+              <a:gd name="connsiteY28" fmla="*/ 104678 h 401637"/>
+              <a:gd name="connsiteX29" fmla="*/ 850538 w 3156552"/>
+              <a:gd name="connsiteY29" fmla="*/ 104678 h 401637"/>
+              <a:gd name="connsiteX30" fmla="*/ 850538 w 3156552"/>
+              <a:gd name="connsiteY30" fmla="*/ 297257 h 401637"/>
+              <a:gd name="connsiteX31" fmla="*/ 778530 w 3156552"/>
+              <a:gd name="connsiteY31" fmla="*/ 297257 h 401637"/>
+              <a:gd name="connsiteX32" fmla="*/ 622824 w 3156552"/>
+              <a:gd name="connsiteY32" fmla="*/ 104678 h 401637"/>
+              <a:gd name="connsiteX33" fmla="*/ 694832 w 3156552"/>
+              <a:gd name="connsiteY33" fmla="*/ 104678 h 401637"/>
+              <a:gd name="connsiteX34" fmla="*/ 694832 w 3156552"/>
+              <a:gd name="connsiteY34" fmla="*/ 297257 h 401637"/>
+              <a:gd name="connsiteX35" fmla="*/ 622824 w 3156552"/>
+              <a:gd name="connsiteY35" fmla="*/ 297257 h 401637"/>
+              <a:gd name="connsiteX36" fmla="*/ 467118 w 3156552"/>
+              <a:gd name="connsiteY36" fmla="*/ 104678 h 401637"/>
+              <a:gd name="connsiteX37" fmla="*/ 539126 w 3156552"/>
+              <a:gd name="connsiteY37" fmla="*/ 104678 h 401637"/>
+              <a:gd name="connsiteX38" fmla="*/ 539126 w 3156552"/>
+              <a:gd name="connsiteY38" fmla="*/ 297257 h 401637"/>
+              <a:gd name="connsiteX39" fmla="*/ 467118 w 3156552"/>
+              <a:gd name="connsiteY39" fmla="*/ 297257 h 401637"/>
+              <a:gd name="connsiteX40" fmla="*/ 311412 w 3156552"/>
+              <a:gd name="connsiteY40" fmla="*/ 104678 h 401637"/>
+              <a:gd name="connsiteX41" fmla="*/ 383420 w 3156552"/>
+              <a:gd name="connsiteY41" fmla="*/ 104678 h 401637"/>
+              <a:gd name="connsiteX42" fmla="*/ 383420 w 3156552"/>
+              <a:gd name="connsiteY42" fmla="*/ 297257 h 401637"/>
+              <a:gd name="connsiteX43" fmla="*/ 311412 w 3156552"/>
+              <a:gd name="connsiteY43" fmla="*/ 297257 h 401637"/>
+              <a:gd name="connsiteX44" fmla="*/ 155706 w 3156552"/>
+              <a:gd name="connsiteY44" fmla="*/ 104678 h 401637"/>
+              <a:gd name="connsiteX45" fmla="*/ 227714 w 3156552"/>
+              <a:gd name="connsiteY45" fmla="*/ 104678 h 401637"/>
+              <a:gd name="connsiteX46" fmla="*/ 227714 w 3156552"/>
+              <a:gd name="connsiteY46" fmla="*/ 297257 h 401637"/>
+              <a:gd name="connsiteX47" fmla="*/ 155706 w 3156552"/>
+              <a:gd name="connsiteY47" fmla="*/ 297257 h 401637"/>
+              <a:gd name="connsiteX48" fmla="*/ 0 w 3156552"/>
+              <a:gd name="connsiteY48" fmla="*/ 104678 h 401637"/>
+              <a:gd name="connsiteX49" fmla="*/ 72008 w 3156552"/>
+              <a:gd name="connsiteY49" fmla="*/ 104678 h 401637"/>
+              <a:gd name="connsiteX50" fmla="*/ 72008 w 3156552"/>
+              <a:gd name="connsiteY50" fmla="*/ 297257 h 401637"/>
+              <a:gd name="connsiteX51" fmla="*/ 0 w 3156552"/>
+              <a:gd name="connsiteY51" fmla="*/ 297257 h 401637"/>
+              <a:gd name="connsiteX52" fmla="*/ 2955734 w 3156552"/>
+              <a:gd name="connsiteY52" fmla="*/ 0 h 401637"/>
+              <a:gd name="connsiteX53" fmla="*/ 3156552 w 3156552"/>
+              <a:gd name="connsiteY53" fmla="*/ 200819 h 401637"/>
+              <a:gd name="connsiteX54" fmla="*/ 2955734 w 3156552"/>
+              <a:gd name="connsiteY54" fmla="*/ 401637 h 401637"/>
+              <a:gd name="connsiteX55" fmla="*/ 2955734 w 3156552"/>
+              <a:gd name="connsiteY55" fmla="*/ 301228 h 401637"/>
+              <a:gd name="connsiteX56" fmla="*/ 2004424 w 3156552"/>
+              <a:gd name="connsiteY56" fmla="*/ 301228 h 401637"/>
+              <a:gd name="connsiteX57" fmla="*/ 2004424 w 3156552"/>
+              <a:gd name="connsiteY57" fmla="*/ 100409 h 401637"/>
+              <a:gd name="connsiteX58" fmla="*/ 2955734 w 3156552"/>
+              <a:gd name="connsiteY58" fmla="*/ 100409 h 401637"/>
+            </a:gdLst>
+            <a:ahLst/>
+            <a:cxnLst>
+              <a:cxn ang="0">
+                <a:pos x="connsiteX0" y="connsiteY0"/>
+              </a:cxn>
+              <a:cxn ang="0">
+                <a:pos x="connsiteX1" y="connsiteY1"/>
+              </a:cxn>
+              <a:cxn ang="0">
+                <a:pos x="connsiteX2" y="connsiteY2"/>
+              </a:cxn>
+              <a:cxn ang="0">
+                <a:pos x="connsiteX3" y="connsiteY3"/>
+              </a:cxn>
+              <a:cxn ang="0">
+                <a:pos x="connsiteX4" y="connsiteY4"/>
+              </a:cxn>
+              <a:cxn ang="0">
+                <a:pos x="connsiteX5" y="connsiteY5"/>
+              </a:cxn>
+              <a:cxn ang="0">
+                <a:pos x="connsiteX6" y="connsiteY6"/>
+              </a:cxn>
+              <a:cxn ang="0">
+                <a:pos x="connsiteX7" y="connsiteY7"/>
+              </a:cxn>
+              <a:cxn ang="0">
+                <a:pos x="connsiteX8" y="connsiteY8"/>
+              </a:cxn>
+              <a:cxn ang="0">
+                <a:pos x="connsiteX9" y="connsiteY9"/>
+              </a:cxn>
+              <a:cxn ang="0">
+                <a:pos x="connsiteX10" y="connsiteY10"/>
+              </a:cxn>
+              <a:cxn ang="0">
+                <a:pos x="connsiteX11" y="connsiteY11"/>
+              </a:cxn>
+              <a:cxn ang="0">
+                <a:pos x="connsiteX12" y="connsiteY12"/>
+              </a:cxn>
+              <a:cxn ang="0">
+                <a:pos x="connsiteX13" y="connsiteY13"/>
+              </a:cxn>
+              <a:cxn ang="0">
+                <a:pos x="connsiteX14" y="connsiteY14"/>
+              </a:cxn>
+              <a:cxn ang="0">
+                <a:pos x="connsiteX15" y="connsiteY15"/>
+              </a:cxn>
+              <a:cxn ang="0">
+                <a:pos x="connsiteX16" y="connsiteY16"/>
+              </a:cxn>
+              <a:cxn ang="0">
+                <a:pos x="connsiteX17" y="connsiteY17"/>
+              </a:cxn>
+              <a:cxn ang="0">
+                <a:pos x="connsiteX18" y="connsiteY18"/>
+              </a:cxn>
+              <a:cxn ang="0">
+                <a:pos x="connsiteX19" y="connsiteY19"/>
+              </a:cxn>
+              <a:cxn ang="0">
+                <a:pos x="connsiteX20" y="connsiteY20"/>
+              </a:cxn>
+              <a:cxn ang="0">
+                <a:pos x="connsiteX21" y="connsiteY21"/>
+              </a:cxn>
+              <a:cxn ang="0">
+                <a:pos x="connsiteX22" y="connsiteY22"/>
+              </a:cxn>
+              <a:cxn ang="0">
+                <a:pos x="connsiteX23" y="connsiteY23"/>
+              </a:cxn>
+              <a:cxn ang="0">
+                <a:pos x="connsiteX24" y="connsiteY24"/>
+              </a:cxn>
+              <a:cxn ang="0">
+                <a:pos x="connsiteX25" y="connsiteY25"/>
+              </a:cxn>
+              <a:cxn ang="0">
+                <a:pos x="connsiteX26" y="connsiteY26"/>
+              </a:cxn>
+              <a:cxn ang="0">
+                <a:pos x="connsiteX27" y="connsiteY27"/>
+              </a:cxn>
+              <a:cxn ang="0">
+                <a:pos x="connsiteX28" y="connsiteY28"/>
+              </a:cxn>
+              <a:cxn ang="0">
+                <a:pos x="connsiteX29" y="connsiteY29"/>
+              </a:cxn>
+              <a:cxn ang="0">
+                <a:pos x="connsiteX30" y="connsiteY30"/>
+              </a:cxn>
+              <a:cxn ang="0">
+                <a:pos x="connsiteX31" y="connsiteY31"/>
+              </a:cxn>
+              <a:cxn ang="0">
+                <a:pos x="connsiteX32" y="connsiteY32"/>
+              </a:cxn>
+              <a:cxn ang="0">
+                <a:pos x="connsiteX33" y="connsiteY33"/>
+              </a:cxn>
+              <a:cxn ang="0">
+                <a:pos x="connsiteX34" y="connsiteY34"/>
+              </a:cxn>
+              <a:cxn ang="0">
+                <a:pos x="connsiteX35" y="connsiteY35"/>
+              </a:cxn>
+              <a:cxn ang="0">
+                <a:pos x="connsiteX36" y="connsiteY36"/>
+              </a:cxn>
+              <a:cxn ang="0">
+                <a:pos x="connsiteX37" y="connsiteY37"/>
+              </a:cxn>
+              <a:cxn ang="0">
+                <a:pos x="connsiteX38" y="connsiteY38"/>
+              </a:cxn>
+              <a:cxn ang="0">
+                <a:pos x="connsiteX39" y="connsiteY39"/>
+              </a:cxn>
+              <a:cxn ang="0">
+                <a:pos x="connsiteX40" y="connsiteY40"/>
+              </a:cxn>
+              <a:cxn ang="0">
+                <a:pos x="connsiteX41" y="connsiteY41"/>
+              </a:cxn>
+              <a:cxn ang="0">
+                <a:pos x="connsiteX42" y="connsiteY42"/>
+              </a:cxn>
+              <a:cxn ang="0">
+                <a:pos x="connsiteX43" y="connsiteY43"/>
+              </a:cxn>
+              <a:cxn ang="0">
+                <a:pos x="connsiteX44" y="connsiteY44"/>
+              </a:cxn>
+              <a:cxn ang="0">
+                <a:pos x="connsiteX45" y="connsiteY45"/>
+              </a:cxn>
+              <a:cxn ang="0">
+                <a:pos x="connsiteX46" y="connsiteY46"/>
+              </a:cxn>
+              <a:cxn ang="0">
+                <a:pos x="connsiteX47" y="connsiteY47"/>
+              </a:cxn>
+              <a:cxn ang="0">
+                <a:pos x="connsiteX48" y="connsiteY48"/>
+              </a:cxn>
+              <a:cxn ang="0">
+                <a:pos x="connsiteX49" y="connsiteY49"/>
+              </a:cxn>
+              <a:cxn ang="0">
+                <a:pos x="connsiteX50" y="connsiteY50"/>
+              </a:cxn>
+              <a:cxn ang="0">
+                <a:pos x="connsiteX51" y="connsiteY51"/>
+              </a:cxn>
+              <a:cxn ang="0">
+                <a:pos x="connsiteX52" y="connsiteY52"/>
+              </a:cxn>
+              <a:cxn ang="0">
+                <a:pos x="connsiteX53" y="connsiteY53"/>
+              </a:cxn>
+              <a:cxn ang="0">
+                <a:pos x="connsiteX54" y="connsiteY54"/>
+              </a:cxn>
+              <a:cxn ang="0">
+                <a:pos x="connsiteX55" y="connsiteY55"/>
+              </a:cxn>
+              <a:cxn ang="0">
+                <a:pos x="connsiteX56" y="connsiteY56"/>
+              </a:cxn>
+              <a:cxn ang="0">
+                <a:pos x="connsiteX57" y="connsiteY57"/>
+              </a:cxn>
+              <a:cxn ang="0">
+                <a:pos x="connsiteX58" y="connsiteY58"/>
+              </a:cxn>
+            </a:cxnLst>
+            <a:rect l="l" t="t" r="r" b="b"/>
+            <a:pathLst>
+              <a:path w="3156552" h="401637">
+                <a:moveTo>
+                  <a:pt x="1857013" y="104678"/>
+                </a:moveTo>
+                <a:lnTo>
+                  <a:pt x="1929021" y="104678"/>
+                </a:lnTo>
+                <a:lnTo>
+                  <a:pt x="1929021" y="297257"/>
+                </a:lnTo>
+                <a:lnTo>
+                  <a:pt x="1857013" y="297257"/>
+                </a:lnTo>
+                <a:close/>
+                <a:moveTo>
+                  <a:pt x="1702944" y="104678"/>
+                </a:moveTo>
+                <a:lnTo>
+                  <a:pt x="1774952" y="104678"/>
+                </a:lnTo>
+                <a:lnTo>
+                  <a:pt x="1774952" y="297257"/>
+                </a:lnTo>
+                <a:lnTo>
+                  <a:pt x="1702944" y="297257"/>
+                </a:lnTo>
+                <a:close/>
+                <a:moveTo>
+                  <a:pt x="1548875" y="104678"/>
+                </a:moveTo>
+                <a:lnTo>
+                  <a:pt x="1620883" y="104678"/>
+                </a:lnTo>
+                <a:lnTo>
+                  <a:pt x="1620883" y="297257"/>
+                </a:lnTo>
+                <a:lnTo>
+                  <a:pt x="1548875" y="297257"/>
+                </a:lnTo>
+                <a:close/>
+                <a:moveTo>
+                  <a:pt x="1394806" y="104678"/>
+                </a:moveTo>
+                <a:lnTo>
+                  <a:pt x="1466814" y="104678"/>
+                </a:lnTo>
+                <a:lnTo>
+                  <a:pt x="1466814" y="297257"/>
+                </a:lnTo>
+                <a:lnTo>
+                  <a:pt x="1394806" y="297257"/>
+                </a:lnTo>
+                <a:close/>
+                <a:moveTo>
+                  <a:pt x="1240737" y="104678"/>
+                </a:moveTo>
+                <a:lnTo>
+                  <a:pt x="1312745" y="104678"/>
+                </a:lnTo>
+                <a:lnTo>
+                  <a:pt x="1312745" y="297257"/>
+                </a:lnTo>
+                <a:lnTo>
+                  <a:pt x="1240737" y="297257"/>
+                </a:lnTo>
+                <a:close/>
+                <a:moveTo>
+                  <a:pt x="1086668" y="104678"/>
+                </a:moveTo>
+                <a:lnTo>
+                  <a:pt x="1158676" y="104678"/>
+                </a:lnTo>
+                <a:lnTo>
+                  <a:pt x="1158676" y="297257"/>
+                </a:lnTo>
+                <a:lnTo>
+                  <a:pt x="1086668" y="297257"/>
+                </a:lnTo>
+                <a:close/>
+                <a:moveTo>
+                  <a:pt x="932599" y="104678"/>
+                </a:moveTo>
+                <a:lnTo>
+                  <a:pt x="1004607" y="104678"/>
+                </a:lnTo>
+                <a:lnTo>
+                  <a:pt x="1004607" y="297257"/>
+                </a:lnTo>
+                <a:lnTo>
+                  <a:pt x="932599" y="297257"/>
+                </a:lnTo>
+                <a:close/>
+                <a:moveTo>
+                  <a:pt x="778530" y="104678"/>
+                </a:moveTo>
+                <a:lnTo>
+                  <a:pt x="850538" y="104678"/>
+                </a:lnTo>
+                <a:lnTo>
+                  <a:pt x="850538" y="297257"/>
+                </a:lnTo>
+                <a:lnTo>
+                  <a:pt x="778530" y="297257"/>
+                </a:lnTo>
+                <a:close/>
+                <a:moveTo>
+                  <a:pt x="622824" y="104678"/>
+                </a:moveTo>
+                <a:lnTo>
+                  <a:pt x="694832" y="104678"/>
+                </a:lnTo>
+                <a:lnTo>
+                  <a:pt x="694832" y="297257"/>
+                </a:lnTo>
+                <a:lnTo>
+                  <a:pt x="622824" y="297257"/>
+                </a:lnTo>
+                <a:close/>
+                <a:moveTo>
+                  <a:pt x="467118" y="104678"/>
+                </a:moveTo>
+                <a:lnTo>
+                  <a:pt x="539126" y="104678"/>
+                </a:lnTo>
+                <a:lnTo>
+                  <a:pt x="539126" y="297257"/>
+                </a:lnTo>
+                <a:lnTo>
+                  <a:pt x="467118" y="297257"/>
+                </a:lnTo>
+                <a:close/>
+                <a:moveTo>
+                  <a:pt x="311412" y="104678"/>
+                </a:moveTo>
+                <a:lnTo>
+                  <a:pt x="383420" y="104678"/>
+                </a:lnTo>
+                <a:lnTo>
+                  <a:pt x="383420" y="297257"/>
+                </a:lnTo>
+                <a:lnTo>
+                  <a:pt x="311412" y="297257"/>
+                </a:lnTo>
+                <a:close/>
+                <a:moveTo>
+                  <a:pt x="155706" y="104678"/>
+                </a:moveTo>
+                <a:lnTo>
+                  <a:pt x="227714" y="104678"/>
+                </a:lnTo>
+                <a:lnTo>
+                  <a:pt x="227714" y="297257"/>
+                </a:lnTo>
+                <a:lnTo>
+                  <a:pt x="155706" y="297257"/>
+                </a:lnTo>
+                <a:close/>
+                <a:moveTo>
+                  <a:pt x="0" y="104678"/>
+                </a:moveTo>
+                <a:lnTo>
+                  <a:pt x="72008" y="104678"/>
+                </a:lnTo>
+                <a:lnTo>
+                  <a:pt x="72008" y="297257"/>
+                </a:lnTo>
+                <a:lnTo>
+                  <a:pt x="0" y="297257"/>
+                </a:lnTo>
+                <a:close/>
+                <a:moveTo>
+                  <a:pt x="2955734" y="0"/>
+                </a:moveTo>
+                <a:lnTo>
+                  <a:pt x="3156552" y="200819"/>
+                </a:lnTo>
+                <a:lnTo>
+                  <a:pt x="2955734" y="401637"/>
+                </a:lnTo>
+                <a:lnTo>
+                  <a:pt x="2955734" y="301228"/>
+                </a:lnTo>
+                <a:lnTo>
+                  <a:pt x="2004424" y="301228"/>
+                </a:lnTo>
+                <a:lnTo>
+                  <a:pt x="2004424" y="100409"/>
+                </a:lnTo>
+                <a:lnTo>
+                  <a:pt x="2955734" y="100409"/>
+                </a:lnTo>
+                <a:close/>
+              </a:path>
+            </a:pathLst>
+          </a:custGeom>
+          <a:solidFill>
+            <a:srgbClr val="FFFFFF"/>
+          </a:solidFill>
+          <a:ln>
+            <a:noFill/>
+          </a:ln>
+        </p:spPr>
+        <p:style>
+          <a:lnRef idx="2">
+            <a:schemeClr val="accent1">
+              <a:shade val="50000"/>
+            </a:schemeClr>
+          </a:lnRef>
+          <a:fillRef idx="1">
+            <a:schemeClr val="accent1"/>
+          </a:fillRef>
+          <a:effectRef idx="0">
+            <a:schemeClr val="accent1"/>
+          </a:effectRef>
+          <a:fontRef idx="minor">
+            <a:schemeClr val="lt1"/>
+          </a:fontRef>
+        </p:style>
+        <p:txBody>
+          <a:bodyPr rot="0" spcFirstLastPara="0" vertOverflow="overflow" horzOverflow="overflow" vert="horz" wrap="square" lIns="91440" tIns="45720" rIns="91440" bIns="45720" numCol="1" spcCol="0" rtlCol="0" fromWordArt="0" anchor="ctr" anchorCtr="0" forceAA="0" compatLnSpc="1">
+            <a:prstTxWarp prst="textNoShape">
+              <a:avLst/>
+            </a:prstTxWarp>
+            <a:noAutofit/>
+          </a:bodyPr>
+          <a:lstStyle/>
+          <a:p>
+            <a:pPr algn="ctr"/>
+            <a:endParaRPr lang="zh-CN" altLang="en-US"/>
+          </a:p>
+        </p:txBody>
+      </p:sp>
+      <p:sp>
+        <p:nvSpPr>
+          <p:cNvPr id="10" name="MH_Number"/>
+          <p:cNvSpPr txBox="1"/>
+          <p:nvPr>
+            <p:custDataLst>
+              <p:tags r:id="rId6"/>
+            </p:custDataLst>
+          </p:nvPr>
+        </p:nvSpPr>
+        <p:spPr>
+          <a:xfrm>
+            <a:off x="6959694" y="2296793"/>
+            <a:ext cx="1396905" cy="773189"/>
+          </a:xfrm>
+          <a:prstGeom prst="rect">
+            <a:avLst/>
+          </a:prstGeom>
+          <a:noFill/>
+        </p:spPr>
+        <p:txBody>
+          <a:bodyPr wrap="square" rtlCol="0">
+            <a:noAutofit/>
+          </a:bodyPr>
+          <a:lstStyle/>
+          <a:p>
+            <a:r>
+              <a:rPr lang="en-US" altLang="zh-CN" sz="4000" b="1" dirty="0" smtClean="0">
+                <a:solidFill>
+                  <a:srgbClr val="C2E49C"/>
+                </a:solidFill>
+                <a:latin typeface="微软雅黑" panose="020B0503020204020204" pitchFamily="34" charset="-122"/>
+                <a:ea typeface="微软雅黑" panose="020B0503020204020204" pitchFamily="34" charset="-122"/>
+              </a:rPr>
+              <a:t>2</a:t>
+            </a:r>
+            <a:endParaRPr lang="zh-CN" altLang="en-US" sz="4000" b="1" dirty="0">
+              <a:solidFill>
+                <a:srgbClr val="C2E49C"/>
+              </a:solidFill>
+              <a:latin typeface="微软雅黑" panose="020B0503020204020204" pitchFamily="34" charset="-122"/>
+              <a:ea typeface="微软雅黑" panose="020B0503020204020204" pitchFamily="34" charset="-122"/>
+            </a:endParaRPr>
+          </a:p>
+        </p:txBody>
+      </p:sp>
+    </p:spTree>
+    <p:custDataLst>
+      <p:tags r:id="rId1"/>
+    </p:custDataLst>
+    <p:extLst>
+      <p:ext uri="{BB962C8B-B14F-4D97-AF65-F5344CB8AC3E}">
+        <p14:creationId xmlns:p14="http://schemas.microsoft.com/office/powerpoint/2010/main" val="3681707752"/>
+      </p:ext>
+    </p:extLst>
+  </p:cSld>
+  <p:clrMapOvr>
+    <a:masterClrMapping/>
+  </p:clrMapOvr>
+  <p:timing>
+    <p:tnLst>
+      <p:par>
+        <p:cTn id="1" dur="indefinite" restart="never" nodeType="tmRoot"/>
+      </p:par>
+    </p:tnLst>
+  </p:timing>
+</p:sld>
+</file>
+
+<file path=ppt/slides/slide11.xml><?xml version="1.0" encoding="utf-8"?>
+<p:sld xmlns:a="http://schemas.openxmlformats.org/drawingml/2006/main" xmlns:r="http://schemas.openxmlformats.org/officeDocument/2006/relationships" xmlns:p="http://schemas.openxmlformats.org/presentationml/2006/main">
+  <p:cSld>
+    <p:spTree>
+      <p:nvGrpSpPr>
+        <p:cNvPr id="1" name=""/>
+        <p:cNvGrpSpPr/>
+        <p:nvPr/>
+      </p:nvGrpSpPr>
+      <p:grpSpPr>
+        <a:xfrm>
+          <a:off x="0" y="0"/>
+          <a:ext cx="0" cy="0"/>
+          <a:chOff x="0" y="0"/>
+          <a:chExt cx="0" cy="0"/>
+        </a:xfrm>
+      </p:grpSpPr>
+      <p:sp>
+        <p:nvSpPr>
           <p:cNvPr id="2" name="文本框 1"/>
           <p:cNvSpPr txBox="1"/>
           <p:nvPr/>
@@ -12506,7 +13599,7 @@
 </p:sld>
 </file>
 
-<file path=ppt/slides/slide11.xml><?xml version="1.0" encoding="utf-8"?>
+<file path=ppt/slides/slide12.xml><?xml version="1.0" encoding="utf-8"?>
 <p:sld xmlns:a="http://schemas.openxmlformats.org/drawingml/2006/main" xmlns:r="http://schemas.openxmlformats.org/officeDocument/2006/relationships" xmlns:p="http://schemas.openxmlformats.org/presentationml/2006/main">
   <p:cSld>
     <p:spTree>
@@ -12827,7 +13920,7 @@
 </p:sld>
 </file>
 
-<file path=ppt/slides/slide12.xml><?xml version="1.0" encoding="utf-8"?>
+<file path=ppt/slides/slide13.xml><?xml version="1.0" encoding="utf-8"?>
 <p:sld xmlns:a="http://schemas.openxmlformats.org/drawingml/2006/main" xmlns:r="http://schemas.openxmlformats.org/officeDocument/2006/relationships" xmlns:p="http://schemas.openxmlformats.org/presentationml/2006/main">
   <p:cSld>
     <p:spTree>
@@ -13266,7 +14359,7 @@
 </p:sld>
 </file>
 
-<file path=ppt/slides/slide13.xml><?xml version="1.0" encoding="utf-8"?>
+<file path=ppt/slides/slide14.xml><?xml version="1.0" encoding="utf-8"?>
 <p:sld xmlns:a="http://schemas.openxmlformats.org/drawingml/2006/main" xmlns:r="http://schemas.openxmlformats.org/officeDocument/2006/relationships" xmlns:p="http://schemas.openxmlformats.org/presentationml/2006/main">
   <p:cSld>
     <p:spTree>
@@ -13333,7 +14426,7 @@
         </p:nvSpPr>
         <p:spPr>
           <a:xfrm>
-            <a:off x="386011" y="1456879"/>
+            <a:off x="249160" y="1572383"/>
             <a:ext cx="11433812" cy="3999865"/>
           </a:xfrm>
           <a:prstGeom prst="rect">
@@ -13511,7 +14604,13 @@
               <a:rPr lang="zh-CN" altLang="en-US" sz="1600" b="1" dirty="0" smtClean="0">
                 <a:latin typeface="+mn-ea"/>
               </a:rPr>
-              <a:t>冗余索引</a:t>
+              <a:t>冗余</a:t>
+            </a:r>
+            <a:r>
+              <a:rPr lang="zh-CN" altLang="en-US" sz="1600" b="1" dirty="0" smtClean="0">
+                <a:latin typeface="+mn-ea"/>
+              </a:rPr>
+              <a:t>索引</a:t>
             </a:r>
             <a:endParaRPr lang="en-US" altLang="zh-CN" sz="1600" b="1" dirty="0" smtClean="0">
               <a:latin typeface="+mn-ea"/>
@@ -13520,142 +14619,153 @@
           <a:p>
             <a:pPr lvl="1"/>
             <a:r>
+              <a:rPr lang="zh-CN" altLang="en-US" sz="1600" dirty="0">
+                <a:latin typeface="+mn-ea"/>
+              </a:rPr>
+              <a:t>如果创建了索引</a:t>
+            </a:r>
+            <a:r>
+              <a:rPr lang="en-US" altLang="zh-CN" sz="1600" dirty="0">
+                <a:latin typeface="+mn-ea"/>
+              </a:rPr>
+              <a:t>(A,B),</a:t>
+            </a:r>
+            <a:r>
+              <a:rPr lang="zh-CN" altLang="en-US" sz="1600" dirty="0">
+                <a:latin typeface="+mn-ea"/>
+              </a:rPr>
+              <a:t>再创建索引</a:t>
+            </a:r>
+            <a:r>
+              <a:rPr lang="en-US" altLang="zh-CN" sz="1600" dirty="0">
+                <a:latin typeface="+mn-ea"/>
+              </a:rPr>
+              <a:t>(A)</a:t>
+            </a:r>
+            <a:r>
+              <a:rPr lang="zh-CN" altLang="en-US" sz="1600" dirty="0">
+                <a:latin typeface="+mn-ea"/>
+              </a:rPr>
+              <a:t>就是冗余索引，因为这只是前一个索引的前缀索引。</a:t>
+            </a:r>
+            <a:endParaRPr lang="en-US" altLang="zh-CN" sz="1600" dirty="0">
+              <a:latin typeface="+mn-ea"/>
+            </a:endParaRPr>
+          </a:p>
+          <a:p>
+            <a:pPr lvl="1"/>
+            <a:r>
+              <a:rPr lang="zh-CN" altLang="en-US" sz="1600" dirty="0">
+                <a:latin typeface="+mn-ea"/>
+              </a:rPr>
+              <a:t>例如：有人可能会增加一个新的索引</a:t>
+            </a:r>
+            <a:r>
+              <a:rPr lang="en-US" altLang="zh-CN" sz="1600" dirty="0">
+                <a:latin typeface="+mn-ea"/>
+              </a:rPr>
+              <a:t>(A</a:t>
+            </a:r>
+            <a:r>
+              <a:rPr lang="zh-CN" altLang="en-US" sz="1600" dirty="0">
+                <a:latin typeface="+mn-ea"/>
+              </a:rPr>
+              <a:t>，</a:t>
+            </a:r>
+            <a:r>
+              <a:rPr lang="en-US" altLang="zh-CN" sz="1600" dirty="0">
+                <a:latin typeface="+mn-ea"/>
+              </a:rPr>
+              <a:t>B)</a:t>
+            </a:r>
+            <a:r>
+              <a:rPr lang="zh-CN" altLang="en-US" sz="1600" dirty="0">
+                <a:latin typeface="+mn-ea"/>
+              </a:rPr>
+              <a:t>而不是扩展已有的索引</a:t>
+            </a:r>
+            <a:r>
+              <a:rPr lang="en-US" altLang="zh-CN" sz="1600" dirty="0">
+                <a:latin typeface="+mn-ea"/>
+              </a:rPr>
+              <a:t>(A)</a:t>
+            </a:r>
+            <a:r>
+              <a:rPr lang="zh-CN" altLang="en-US" sz="1600" dirty="0">
+                <a:latin typeface="+mn-ea"/>
+              </a:rPr>
+              <a:t>。</a:t>
+            </a:r>
+            <a:endParaRPr lang="en-US" altLang="zh-CN" sz="1600" dirty="0">
+              <a:latin typeface="+mn-ea"/>
+            </a:endParaRPr>
+          </a:p>
+          <a:p>
+            <a:pPr lvl="1"/>
+            <a:r>
+              <a:rPr lang="zh-CN" altLang="en-US" sz="1600" dirty="0">
+                <a:latin typeface="+mn-ea"/>
+              </a:rPr>
+              <a:t>例如：还有一种情况是将一个索引扩展为</a:t>
+            </a:r>
+            <a:r>
+              <a:rPr lang="en-US" altLang="zh-CN" sz="1600" dirty="0">
+                <a:latin typeface="+mn-ea"/>
+              </a:rPr>
+              <a:t>(A,ID),</a:t>
+            </a:r>
+            <a:r>
+              <a:rPr lang="zh-CN" altLang="en-US" sz="1600" dirty="0">
+                <a:latin typeface="+mn-ea"/>
+              </a:rPr>
+              <a:t>其中</a:t>
+            </a:r>
+            <a:r>
+              <a:rPr lang="en-US" altLang="zh-CN" sz="1600" dirty="0">
+                <a:latin typeface="+mn-ea"/>
+              </a:rPr>
+              <a:t>ID</a:t>
+            </a:r>
+            <a:r>
+              <a:rPr lang="zh-CN" altLang="en-US" sz="1600" dirty="0">
+                <a:latin typeface="+mn-ea"/>
+              </a:rPr>
+              <a:t>是主键，对于</a:t>
+            </a:r>
+            <a:r>
+              <a:rPr lang="en-US" altLang="zh-CN" sz="1600" dirty="0" err="1">
+                <a:latin typeface="+mn-ea"/>
+              </a:rPr>
+              <a:t>InnoDB</a:t>
+            </a:r>
+            <a:r>
+              <a:rPr lang="zh-CN" altLang="en-US" sz="1600" dirty="0">
+                <a:latin typeface="+mn-ea"/>
+              </a:rPr>
+              <a:t>来说主键已经包含在二级索引中了，所以这也是冗余的</a:t>
+            </a:r>
+            <a:r>
               <a:rPr lang="zh-CN" altLang="en-US" sz="1600" dirty="0" smtClean="0">
                 <a:latin typeface="+mn-ea"/>
               </a:rPr>
-              <a:t>如果创建了索引</a:t>
-            </a:r>
-            <a:r>
-              <a:rPr lang="en-US" altLang="zh-CN" sz="1600" dirty="0" smtClean="0">
-                <a:latin typeface="+mn-ea"/>
-              </a:rPr>
-              <a:t>(A,B),</a:t>
-            </a:r>
-            <a:r>
-              <a:rPr lang="zh-CN" altLang="en-US" sz="1600" dirty="0" smtClean="0">
-                <a:latin typeface="+mn-ea"/>
-              </a:rPr>
-              <a:t>再创建索引</a:t>
-            </a:r>
-            <a:r>
-              <a:rPr lang="en-US" altLang="zh-CN" sz="1600" dirty="0" smtClean="0">
-                <a:latin typeface="+mn-ea"/>
-              </a:rPr>
-              <a:t>(A)</a:t>
-            </a:r>
-            <a:r>
-              <a:rPr lang="zh-CN" altLang="en-US" sz="1600" dirty="0" smtClean="0">
-                <a:latin typeface="+mn-ea"/>
-              </a:rPr>
-              <a:t>就是冗余索引，因为这只是前一个索引的前缀索引。</a:t>
-            </a:r>
-            <a:endParaRPr lang="en-US" altLang="zh-CN" sz="1600" dirty="0" smtClean="0">
+              <a:t>。</a:t>
+            </a:r>
+            <a:endParaRPr lang="en-US" altLang="zh-CN" sz="1600" b="1" dirty="0">
               <a:latin typeface="+mn-ea"/>
             </a:endParaRPr>
           </a:p>
           <a:p>
-            <a:pPr lvl="1"/>
-            <a:r>
-              <a:rPr lang="zh-CN" altLang="en-US" sz="1600" dirty="0" smtClean="0">
-                <a:latin typeface="+mn-ea"/>
-              </a:rPr>
-              <a:t>例如：有人可能会增加一个新的索引</a:t>
-            </a:r>
-            <a:r>
-              <a:rPr lang="en-US" altLang="zh-CN" sz="1600" dirty="0" smtClean="0">
-                <a:latin typeface="+mn-ea"/>
-              </a:rPr>
-              <a:t>(A</a:t>
-            </a:r>
-            <a:r>
-              <a:rPr lang="zh-CN" altLang="en-US" sz="1600" dirty="0" smtClean="0">
-                <a:latin typeface="+mn-ea"/>
-              </a:rPr>
-              <a:t>，</a:t>
-            </a:r>
-            <a:r>
-              <a:rPr lang="en-US" altLang="zh-CN" sz="1600" dirty="0" smtClean="0">
-                <a:latin typeface="+mn-ea"/>
-              </a:rPr>
-              <a:t>B)</a:t>
-            </a:r>
-            <a:r>
-              <a:rPr lang="zh-CN" altLang="en-US" sz="1600" dirty="0" smtClean="0">
-                <a:latin typeface="+mn-ea"/>
-              </a:rPr>
-              <a:t>而不是扩展已有的索引</a:t>
-            </a:r>
-            <a:r>
-              <a:rPr lang="en-US" altLang="zh-CN" sz="1600" dirty="0" smtClean="0">
-                <a:latin typeface="+mn-ea"/>
-              </a:rPr>
-              <a:t>(A)</a:t>
-            </a:r>
-            <a:r>
-              <a:rPr lang="zh-CN" altLang="en-US" sz="1600" dirty="0" smtClean="0">
-                <a:latin typeface="+mn-ea"/>
-              </a:rPr>
-              <a:t>。</a:t>
-            </a:r>
-            <a:endParaRPr lang="en-US" altLang="zh-CN" sz="1600" dirty="0" smtClean="0">
-              <a:latin typeface="+mn-ea"/>
-            </a:endParaRPr>
-          </a:p>
-          <a:p>
-            <a:pPr lvl="1"/>
-            <a:r>
-              <a:rPr lang="zh-CN" altLang="en-US" sz="1600" dirty="0" smtClean="0">
-                <a:latin typeface="+mn-ea"/>
-              </a:rPr>
-              <a:t>例如：还有一种情况是将一个索引扩展为</a:t>
-            </a:r>
-            <a:r>
-              <a:rPr lang="en-US" altLang="zh-CN" sz="1600" dirty="0" smtClean="0">
-                <a:latin typeface="+mn-ea"/>
-              </a:rPr>
-              <a:t>(A,ID),</a:t>
-            </a:r>
-            <a:r>
-              <a:rPr lang="zh-CN" altLang="en-US" sz="1600" dirty="0" smtClean="0">
-                <a:latin typeface="+mn-ea"/>
-              </a:rPr>
-              <a:t>其中</a:t>
-            </a:r>
-            <a:r>
-              <a:rPr lang="en-US" altLang="zh-CN" sz="1600" dirty="0" smtClean="0">
-                <a:latin typeface="+mn-ea"/>
-              </a:rPr>
-              <a:t>ID</a:t>
-            </a:r>
-            <a:r>
-              <a:rPr lang="zh-CN" altLang="en-US" sz="1600" dirty="0" smtClean="0">
-                <a:latin typeface="+mn-ea"/>
-              </a:rPr>
-              <a:t>是主键，对于</a:t>
-            </a:r>
-            <a:r>
-              <a:rPr lang="en-US" altLang="zh-CN" sz="1600" dirty="0" err="1" smtClean="0">
-                <a:latin typeface="+mn-ea"/>
-              </a:rPr>
-              <a:t>InnoDB</a:t>
-            </a:r>
-            <a:r>
-              <a:rPr lang="zh-CN" altLang="en-US" sz="1600" dirty="0" smtClean="0">
-                <a:latin typeface="+mn-ea"/>
-              </a:rPr>
-              <a:t>来说主键已经包含在二级索引中了，所以这也是冗余的。</a:t>
-            </a:r>
-            <a:endParaRPr lang="en-US" altLang="zh-CN" sz="1600" dirty="0" smtClean="0">
-              <a:latin typeface="+mn-ea"/>
-            </a:endParaRPr>
-          </a:p>
-          <a:p>
-            <a:pPr marL="285750" lvl="1" indent="-285750"/>
             <a:r>
               <a:rPr lang="zh-CN" altLang="en-US" sz="1600" b="1" dirty="0" smtClean="0">
                 <a:latin typeface="+mn-ea"/>
               </a:rPr>
-              <a:t>重复索引</a:t>
+              <a:t>重复</a:t>
+            </a:r>
+            <a:r>
+              <a:rPr lang="zh-CN" altLang="en-US" sz="1600" b="1" dirty="0" smtClean="0">
+                <a:latin typeface="+mn-ea"/>
+              </a:rPr>
+              <a:t>索引</a:t>
             </a:r>
             <a:endParaRPr lang="en-US" altLang="zh-CN" sz="1600" b="1" dirty="0" smtClean="0">
               <a:latin typeface="+mn-ea"/>
@@ -13748,7 +14858,7 @@
 </p:sld>
 </file>
 
-<file path=ppt/slides/slide14.xml><?xml version="1.0" encoding="utf-8"?>
+<file path=ppt/slides/slide15.xml><?xml version="1.0" encoding="utf-8"?>
 <p:sld xmlns:a="http://schemas.openxmlformats.org/drawingml/2006/main" xmlns:r="http://schemas.openxmlformats.org/officeDocument/2006/relationships" xmlns:p="http://schemas.openxmlformats.org/presentationml/2006/main">
   <p:cSld>
     <p:spTree>
@@ -13993,7 +15103,13 @@
               <a:rPr lang="zh-CN" altLang="en-US" sz="1600" b="1" dirty="0" smtClean="0">
                 <a:latin typeface="+mn-ea"/>
               </a:rPr>
-              <a:t>过滤条件</a:t>
+              <a:t>过滤</a:t>
+            </a:r>
+            <a:r>
+              <a:rPr lang="zh-CN" altLang="en-US" sz="1600" b="1" dirty="0" smtClean="0">
+                <a:latin typeface="+mn-ea"/>
+              </a:rPr>
+              <a:t>条件</a:t>
             </a:r>
             <a:endParaRPr lang="en-US" altLang="zh-CN" sz="1600" b="1" dirty="0" smtClean="0">
               <a:latin typeface="+mn-ea"/>
@@ -14002,46 +15118,129 @@
           <a:p>
             <a:pPr lvl="1"/>
             <a:r>
+              <a:rPr lang="zh-CN" altLang="en-US" sz="1600" dirty="0">
+                <a:latin typeface="+mn-ea"/>
+              </a:rPr>
+              <a:t>可以通过使用</a:t>
+            </a:r>
+            <a:r>
+              <a:rPr lang="en-US" altLang="zh-CN" sz="1600" dirty="0">
+                <a:latin typeface="+mn-ea"/>
+              </a:rPr>
+              <a:t>IN</a:t>
+            </a:r>
+            <a:r>
+              <a:rPr lang="zh-CN" altLang="en-US" sz="1600" dirty="0">
+                <a:latin typeface="+mn-ea"/>
+              </a:rPr>
+              <a:t>语句让</a:t>
+            </a:r>
+            <a:r>
+              <a:rPr lang="en-US" altLang="zh-CN" sz="1600" dirty="0">
+                <a:latin typeface="+mn-ea"/>
+              </a:rPr>
+              <a:t>MySQL</a:t>
+            </a:r>
+            <a:r>
+              <a:rPr lang="zh-CN" altLang="en-US" sz="1600" dirty="0">
+                <a:latin typeface="+mn-ea"/>
+              </a:rPr>
+              <a:t>使用索引，避免使用范围查询导致</a:t>
+            </a:r>
+            <a:r>
+              <a:rPr lang="en-US" altLang="zh-CN" sz="1600" dirty="0">
+                <a:latin typeface="+mn-ea"/>
+              </a:rPr>
+              <a:t>SQL</a:t>
+            </a:r>
+            <a:r>
+              <a:rPr lang="zh-CN" altLang="en-US" sz="1600" dirty="0">
+                <a:latin typeface="+mn-ea"/>
+              </a:rPr>
+              <a:t>语句无法使用索引。</a:t>
+            </a:r>
+            <a:endParaRPr lang="en-US" altLang="zh-CN" sz="1600" dirty="0">
+              <a:latin typeface="+mn-ea"/>
+            </a:endParaRPr>
+          </a:p>
+          <a:p>
+            <a:pPr lvl="1"/>
+            <a:r>
+              <a:rPr lang="zh-CN" altLang="en-US" sz="1600" dirty="0">
+                <a:latin typeface="+mn-ea"/>
+              </a:rPr>
+              <a:t>在有更多不同值的列上创建索引的选择性会更好。一般来说这样做都是对的，因为可以让</a:t>
+            </a:r>
+            <a:r>
+              <a:rPr lang="en-US" altLang="zh-CN" sz="1600" dirty="0">
+                <a:latin typeface="+mn-ea"/>
+              </a:rPr>
+              <a:t>MySQL</a:t>
+            </a:r>
+            <a:r>
+              <a:rPr lang="zh-CN" altLang="en-US" sz="1600" dirty="0">
+                <a:latin typeface="+mn-ea"/>
+              </a:rPr>
+              <a:t>更有效的过滤掉不需要的行。</a:t>
+            </a:r>
+            <a:endParaRPr lang="en-US" altLang="zh-CN" sz="1600" dirty="0">
+              <a:latin typeface="+mn-ea"/>
+            </a:endParaRPr>
+          </a:p>
+          <a:p>
+            <a:pPr lvl="1"/>
+            <a:r>
+              <a:rPr lang="zh-CN" altLang="en-US" sz="1600" dirty="0">
+                <a:latin typeface="+mn-ea"/>
+              </a:rPr>
+              <a:t>尽可能将需要做范围查询的列放到索引的后面，以便优化器能使用尽可能多的索引列。</a:t>
+            </a:r>
+            <a:endParaRPr lang="en-US" altLang="zh-CN" sz="1600" dirty="0">
+              <a:latin typeface="+mn-ea"/>
+            </a:endParaRPr>
+          </a:p>
+          <a:p>
+            <a:pPr lvl="1"/>
+            <a:r>
+              <a:rPr lang="zh-CN" altLang="en-US" sz="1600" dirty="0">
+                <a:latin typeface="+mn-ea"/>
+              </a:rPr>
+              <a:t>考虑表上的所有选项。当设计索引时，不要只为现有的查询考虑需要哪些索引，还需要考虑对查询进行优化</a:t>
+            </a:r>
+            <a:r>
               <a:rPr lang="zh-CN" altLang="en-US" sz="1600" dirty="0" smtClean="0">
                 <a:latin typeface="+mn-ea"/>
               </a:rPr>
-              <a:t>可以通过使用</a:t>
-            </a:r>
-            <a:r>
-              <a:rPr lang="en-US" altLang="zh-CN" sz="1600" dirty="0" smtClean="0">
+              <a:t>。</a:t>
+            </a:r>
+            <a:endParaRPr lang="en-US" altLang="zh-CN" sz="1600" b="1" dirty="0">
+              <a:latin typeface="+mn-ea"/>
+            </a:endParaRPr>
+          </a:p>
+          <a:p>
+            <a:r>
+              <a:rPr lang="zh-CN" altLang="en-US" sz="1600" b="1" dirty="0" smtClean="0">
                 <a:latin typeface="+mn-ea"/>
               </a:rPr>
-              <a:t>IN</a:t>
-            </a:r>
+              <a:t>避免</a:t>
+            </a:r>
+            <a:r>
+              <a:rPr lang="zh-CN" altLang="en-US" sz="1600" b="1" dirty="0" smtClean="0">
+                <a:latin typeface="+mn-ea"/>
+              </a:rPr>
+              <a:t>多个范围条件</a:t>
+            </a:r>
+            <a:endParaRPr lang="en-US" altLang="zh-CN" sz="1600" b="1" dirty="0" smtClean="0">
+              <a:latin typeface="+mn-ea"/>
+            </a:endParaRPr>
+          </a:p>
+          <a:p>
+            <a:pPr lvl="1"/>
             <a:r>
               <a:rPr lang="zh-CN" altLang="en-US" sz="1600" dirty="0" smtClean="0">
                 <a:latin typeface="+mn-ea"/>
               </a:rPr>
-              <a:t>语句让</a:t>
-            </a:r>
-            <a:r>
-              <a:rPr lang="en-US" altLang="zh-CN" sz="1600" dirty="0" smtClean="0">
-                <a:latin typeface="+mn-ea"/>
-              </a:rPr>
-              <a:t>MySQL</a:t>
-            </a:r>
-            <a:r>
-              <a:rPr lang="zh-CN" altLang="en-US" sz="1600" dirty="0" smtClean="0">
-                <a:latin typeface="+mn-ea"/>
-              </a:rPr>
-              <a:t>使用索引，避免使用范围查询导致</a:t>
-            </a:r>
-            <a:r>
-              <a:rPr lang="en-US" altLang="zh-CN" sz="1600" dirty="0" smtClean="0">
-                <a:latin typeface="+mn-ea"/>
-              </a:rPr>
-              <a:t>SQL</a:t>
-            </a:r>
-            <a:r>
-              <a:rPr lang="zh-CN" altLang="en-US" sz="1600" dirty="0" smtClean="0">
-                <a:latin typeface="+mn-ea"/>
-              </a:rPr>
-              <a:t>语句无法使用索引。</a:t>
+              <a:t>多个范围查找只能使用其中一个索引，无法同时使用</a:t>
             </a:r>
             <a:endParaRPr lang="en-US" altLang="zh-CN" sz="1600" dirty="0" smtClean="0">
               <a:latin typeface="+mn-ea"/>
@@ -14050,58 +15249,51 @@
           <a:p>
             <a:pPr lvl="1"/>
             <a:r>
+              <a:rPr lang="en-US" altLang="zh-CN" sz="1600" dirty="0" smtClean="0">
+                <a:latin typeface="+mn-ea"/>
+              </a:rPr>
+              <a:t>MySQL</a:t>
+            </a:r>
+            <a:r>
               <a:rPr lang="zh-CN" altLang="en-US" sz="1600" dirty="0" smtClean="0">
                 <a:latin typeface="+mn-ea"/>
               </a:rPr>
-              <a:t>在有更多不同值的列上创建索引的选择性会更好。一般来说这样做都是对的，因为可以让</a:t>
+              <a:t>无法再使用范围列后面的其他索引列了，但是对于</a:t>
             </a:r>
             <a:r>
               <a:rPr lang="en-US" altLang="zh-CN" sz="1600" dirty="0" smtClean="0">
                 <a:latin typeface="+mn-ea"/>
               </a:rPr>
-              <a:t>MySQL</a:t>
+              <a:t>"</a:t>
             </a:r>
             <a:r>
               <a:rPr lang="zh-CN" altLang="en-US" sz="1600" dirty="0" smtClean="0">
                 <a:latin typeface="+mn-ea"/>
               </a:rPr>
-              <a:t>更有效的过滤掉不需要的行。</a:t>
+              <a:t>多个等值条件查询</a:t>
+            </a:r>
+            <a:r>
+              <a:rPr lang="en-US" altLang="zh-CN" sz="1600" dirty="0" smtClean="0">
+                <a:latin typeface="+mn-ea"/>
+              </a:rPr>
+              <a:t>"</a:t>
+            </a:r>
+            <a:r>
+              <a:rPr lang="zh-CN" altLang="en-US" sz="1600" dirty="0" smtClean="0">
+                <a:latin typeface="+mn-ea"/>
+              </a:rPr>
+              <a:t>则没有这个限制。</a:t>
             </a:r>
             <a:endParaRPr lang="en-US" altLang="zh-CN" sz="1600" dirty="0" smtClean="0">
               <a:latin typeface="+mn-ea"/>
             </a:endParaRPr>
           </a:p>
           <a:p>
-            <a:pPr lvl="1"/>
-            <a:r>
-              <a:rPr lang="zh-CN" altLang="en-US" sz="1600" dirty="0" smtClean="0">
-                <a:latin typeface="+mn-ea"/>
-              </a:rPr>
-              <a:t>尽可能将需要做范围查询的列放到索引的后面，以便优化器能使用尽可能多的索引列。</a:t>
-            </a:r>
-            <a:endParaRPr lang="en-US" altLang="zh-CN" sz="1600" dirty="0" smtClean="0">
-              <a:latin typeface="+mn-ea"/>
-            </a:endParaRPr>
-          </a:p>
-          <a:p>
-            <a:pPr lvl="1"/>
-            <a:r>
-              <a:rPr lang="zh-CN" altLang="en-US" sz="1600" dirty="0" smtClean="0">
-                <a:latin typeface="+mn-ea"/>
-              </a:rPr>
-              <a:t>考虑表上的所有选项。当设计索引时，不要只为现有的查询考虑需要哪些索引，还需要考虑对查询进行优化。</a:t>
-            </a:r>
-            <a:endParaRPr lang="en-US" altLang="zh-CN" sz="1600" dirty="0" smtClean="0">
-              <a:latin typeface="+mn-ea"/>
-            </a:endParaRPr>
-          </a:p>
-          <a:p>
-            <a:pPr marL="285750" lvl="1" indent="-285750"/>
             <a:r>
               <a:rPr lang="zh-CN" altLang="en-US" sz="1600" b="1" dirty="0" smtClean="0">
                 <a:latin typeface="+mn-ea"/>
               </a:rPr>
-              <a:t>避免多个范围条件</a:t>
+              <a:t>优化排序</a:t>
             </a:r>
             <a:endParaRPr lang="en-US" altLang="zh-CN" sz="1600" b="1" dirty="0" smtClean="0">
               <a:latin typeface="+mn-ea"/>
@@ -14113,84 +15305,7 @@
               <a:rPr lang="zh-CN" altLang="en-US" sz="1600" dirty="0" smtClean="0">
                 <a:latin typeface="+mn-ea"/>
               </a:rPr>
-              <a:t>多个范围查找只能使用其中一个索引，无法同时使用</a:t>
-            </a:r>
-            <a:endParaRPr lang="en-US" altLang="zh-CN" sz="1600" dirty="0" smtClean="0">
-              <a:latin typeface="+mn-ea"/>
-            </a:endParaRPr>
-          </a:p>
-          <a:p>
-            <a:pPr lvl="1"/>
-            <a:r>
-              <a:rPr lang="en-US" altLang="zh-CN" sz="1600" dirty="0" smtClean="0">
-                <a:latin typeface="+mn-ea"/>
-              </a:rPr>
-              <a:t>MySQL</a:t>
-            </a:r>
-            <a:r>
-              <a:rPr lang="zh-CN" altLang="en-US" sz="1600" dirty="0" smtClean="0">
-                <a:latin typeface="+mn-ea"/>
-              </a:rPr>
-              <a:t>无法再使用范围列后面的其他索引列了，但是对于</a:t>
-            </a:r>
-            <a:r>
-              <a:rPr lang="en-US" altLang="zh-CN" sz="1600" dirty="0" smtClean="0">
-                <a:latin typeface="+mn-ea"/>
-              </a:rPr>
-              <a:t>"</a:t>
-            </a:r>
-            <a:r>
-              <a:rPr lang="zh-CN" altLang="en-US" sz="1600" dirty="0" smtClean="0">
-                <a:latin typeface="+mn-ea"/>
-              </a:rPr>
-              <a:t>多个等值条件查询</a:t>
-            </a:r>
-            <a:r>
-              <a:rPr lang="en-US" altLang="zh-CN" sz="1600" dirty="0" smtClean="0">
-                <a:latin typeface="+mn-ea"/>
-              </a:rPr>
-              <a:t>"</a:t>
-            </a:r>
-            <a:r>
-              <a:rPr lang="zh-CN" altLang="en-US" sz="1600" dirty="0" smtClean="0">
-                <a:latin typeface="+mn-ea"/>
-              </a:rPr>
-              <a:t>则没有这个限制。</a:t>
-            </a:r>
-            <a:endParaRPr lang="en-US" altLang="zh-CN" sz="1600" dirty="0" smtClean="0">
-              <a:latin typeface="+mn-ea"/>
-            </a:endParaRPr>
-          </a:p>
-          <a:p>
-            <a:r>
-              <a:rPr lang="zh-CN" altLang="en-US" sz="1600" b="1" dirty="0" smtClean="0">
-                <a:latin typeface="+mn-ea"/>
-              </a:rPr>
-              <a:t>优化排序</a:t>
-            </a:r>
-            <a:endParaRPr lang="en-US" altLang="zh-CN" sz="1600" b="1" dirty="0" smtClean="0">
-              <a:latin typeface="+mn-ea"/>
-            </a:endParaRPr>
-          </a:p>
-          <a:p>
-            <a:pPr lvl="1"/>
-            <a:r>
-              <a:rPr lang="zh-CN" altLang="en-US" sz="1600" dirty="0" smtClean="0">
-                <a:latin typeface="+mn-ea"/>
-              </a:rPr>
-              <a:t>对于那些选择性非常低的列，可以增加一些特殊的索引</a:t>
-            </a:r>
-            <a:r>
-              <a:rPr lang="zh-CN" altLang="en-US" sz="1600" dirty="0" smtClean="0">
-                <a:latin typeface="+mn-ea"/>
-              </a:rPr>
-              <a:t>来排序</a:t>
-            </a:r>
-            <a:r>
-              <a:rPr lang="zh-CN" altLang="en-US" sz="1600" dirty="0" smtClean="0">
-                <a:latin typeface="+mn-ea"/>
-              </a:rPr>
-              <a:t>。</a:t>
+              <a:t>对于那些选择性非常低的列，可以增加一些特殊的索引来排序。</a:t>
             </a:r>
             <a:endParaRPr lang="en-US" altLang="zh-CN" sz="1600" dirty="0" smtClean="0">
               <a:latin typeface="+mn-ea"/>
@@ -14243,111 +15358,6 @@
   <p:clrMapOvr>
     <a:masterClrMapping/>
   </p:clrMapOvr>
-  <p:timing>
-    <p:tnLst>
-      <p:par>
-        <p:cTn id="1" dur="indefinite" restart="never" nodeType="tmRoot"/>
-      </p:par>
-    </p:tnLst>
-  </p:timing>
-</p:sld>
-</file>
-
-<file path=ppt/slides/slide15.xml><?xml version="1.0" encoding="utf-8"?>
-<p:sld xmlns:a="http://schemas.openxmlformats.org/drawingml/2006/main" xmlns:r="http://schemas.openxmlformats.org/officeDocument/2006/relationships" xmlns:p="http://schemas.openxmlformats.org/presentationml/2006/main">
-  <p:cSld>
-    <p:spTree>
-      <p:nvGrpSpPr>
-        <p:cNvPr id="1" name=""/>
-        <p:cNvGrpSpPr/>
-        <p:nvPr/>
-      </p:nvGrpSpPr>
-      <p:grpSpPr>
-        <a:xfrm>
-          <a:off x="0" y="0"/>
-          <a:ext cx="0" cy="0"/>
-          <a:chOff x="0" y="0"/>
-          <a:chExt cx="0" cy="0"/>
-        </a:xfrm>
-      </p:grpSpPr>
-      <p:sp>
-        <p:nvSpPr>
-          <p:cNvPr id="2" name="文本框 1"/>
-          <p:cNvSpPr txBox="1"/>
-          <p:nvPr/>
-        </p:nvSpPr>
-        <p:spPr>
-          <a:xfrm flipH="1">
-            <a:off x="249160" y="177836"/>
-            <a:ext cx="6492298" cy="584775"/>
-          </a:xfrm>
-          <a:prstGeom prst="rect">
-            <a:avLst/>
-          </a:prstGeom>
-          <a:noFill/>
-        </p:spPr>
-        <p:txBody>
-          <a:bodyPr wrap="square" rtlCol="0">
-            <a:spAutoFit/>
-          </a:bodyPr>
-          <a:lstStyle/>
-          <a:p>
-            <a:r>
-              <a:rPr lang="zh-CN" altLang="en-US" sz="3200" b="1" dirty="0" smtClean="0">
-                <a:solidFill>
-                  <a:srgbClr val="52C018"/>
-                </a:solidFill>
-                <a:latin typeface="+mn-ea"/>
-              </a:rPr>
-              <a:t>索引基础</a:t>
-            </a:r>
-            <a:endParaRPr lang="zh-CN" altLang="en-US" sz="3200" b="1" dirty="0">
-              <a:solidFill>
-                <a:srgbClr val="52C018"/>
-              </a:solidFill>
-              <a:latin typeface="+mn-ea"/>
-            </a:endParaRPr>
-          </a:p>
-        </p:txBody>
-      </p:sp>
-      <p:graphicFrame>
-        <p:nvGraphicFramePr>
-          <p:cNvPr id="9" name="内容占位符 2"/>
-          <p:cNvGraphicFramePr>
-            <a:graphicFrameLocks/>
-          </p:cNvGraphicFramePr>
-          <p:nvPr>
-            <p:extLst/>
-          </p:nvPr>
-        </p:nvGraphicFramePr>
-        <p:xfrm>
-          <a:off x="419542" y="1144397"/>
-          <a:ext cx="11137720" cy="5275257"/>
-        </p:xfrm>
-        <a:graphic>
-          <a:graphicData uri="http://schemas.openxmlformats.org/drawingml/2006/diagram">
-            <dgm:relIds xmlns:dgm="http://schemas.openxmlformats.org/drawingml/2006/diagram" xmlns:r="http://schemas.openxmlformats.org/officeDocument/2006/relationships" r:dm="rId3" r:lo="rId4" r:qs="rId5" r:cs="rId6"/>
-          </a:graphicData>
-        </a:graphic>
-      </p:graphicFrame>
-    </p:spTree>
-    <p:extLst>
-      <p:ext uri="{BB962C8B-B14F-4D97-AF65-F5344CB8AC3E}">
-        <p14:creationId xmlns:p14="http://schemas.microsoft.com/office/powerpoint/2010/main" val="987098492"/>
-      </p:ext>
-    </p:extLst>
-  </p:cSld>
-  <p:clrMapOvr>
-    <a:masterClrMapping/>
-  </p:clrMapOvr>
-  <mc:AlternateContent xmlns:mc="http://schemas.openxmlformats.org/markup-compatibility/2006">
-    <mc:Choice xmlns:p14="http://schemas.microsoft.com/office/powerpoint/2010/main" Requires="p14">
-      <p:transition spd="slow" p14:dur="2000"/>
-    </mc:Choice>
-    <mc:Fallback>
-      <p:transition spd="slow"/>
-    </mc:Fallback>
-  </mc:AlternateContent>
   <p:timing>
     <p:tnLst>
       <p:par>
@@ -18514,15 +19524,15 @@
                     <a:lstStyle/>
                     <a:p>
                       <a:r>
-                        <a:rPr lang="zh-CN" altLang="en-US"/>
+                        <a:rPr lang="zh-CN" altLang="en-US" dirty="0"/>
                         <a:t>显示了之前的表在</a:t>
                       </a:r>
                       <a:r>
-                        <a:rPr lang="en-US" altLang="zh-CN"/>
+                        <a:rPr lang="en-US" altLang="zh-CN" dirty="0"/>
                         <a:t>key</a:t>
                       </a:r>
                       <a:r>
-                        <a:rPr lang="zh-CN" altLang="en-US"/>
+                        <a:rPr lang="zh-CN" altLang="en-US" dirty="0"/>
                         <a:t>列记录的索引中查找值所用的列或常量</a:t>
                       </a:r>
                     </a:p>
@@ -18550,15 +19560,15 @@
                     <a:lstStyle/>
                     <a:p>
                       <a:r>
-                        <a:rPr lang="zh-CN" altLang="en-US"/>
+                        <a:rPr lang="zh-CN" altLang="en-US" dirty="0"/>
                         <a:t>为了找到所需的行而需要读取的行数，估算值，不精确。通过把所有</a:t>
                       </a:r>
                       <a:r>
-                        <a:rPr lang="en-US" altLang="zh-CN"/>
+                        <a:rPr lang="en-US" altLang="zh-CN" dirty="0"/>
                         <a:t>rows</a:t>
                       </a:r>
                       <a:r>
-                        <a:rPr lang="zh-CN" altLang="en-US"/>
+                        <a:rPr lang="zh-CN" altLang="en-US" dirty="0"/>
                         <a:t>列值相乘，可粗略估算整个查询会检查的行数</a:t>
                       </a:r>
                     </a:p>
@@ -18788,33 +19798,222 @@
               </a:pPr>
               <a:r>
                 <a:rPr lang="en-US" altLang="zh-CN" b="1" dirty="0" err="1" smtClean="0">
-                  <a:latin typeface="华文中宋" panose="02010600040101010101" pitchFamily="2" charset="-122"/>
-                  <a:ea typeface="华文中宋" panose="02010600040101010101" pitchFamily="2" charset="-122"/>
+                  <a:latin typeface="+mn-ea"/>
                 </a:rPr>
                 <a:t>select_type</a:t>
               </a:r>
               <a:r>
                 <a:rPr lang="en-US" altLang="zh-CN" b="1" dirty="0">
-                  <a:latin typeface="华文中宋" panose="02010600040101010101" pitchFamily="2" charset="-122"/>
-                  <a:ea typeface="华文中宋" panose="02010600040101010101" pitchFamily="2" charset="-122"/>
+                  <a:latin typeface="+mn-ea"/>
                 </a:rPr>
                 <a:t> </a:t>
               </a:r>
               <a:r>
                 <a:rPr lang="zh-CN" altLang="en-US" b="1" dirty="0" smtClean="0">
-                  <a:latin typeface="华文中宋" panose="02010600040101010101" pitchFamily="2" charset="-122"/>
-                  <a:ea typeface="华文中宋" panose="02010600040101010101" pitchFamily="2" charset="-122"/>
+                  <a:latin typeface="+mn-ea"/>
                 </a:rPr>
                 <a:t>详解</a:t>
               </a:r>
               <a:endParaRPr lang="zh-CN" altLang="zh-CN" b="1" dirty="0">
-                <a:latin typeface="华文中宋" panose="02010600040101010101" pitchFamily="2" charset="-122"/>
-                <a:ea typeface="华文中宋" panose="02010600040101010101" pitchFamily="2" charset="-122"/>
+                <a:latin typeface="+mn-ea"/>
               </a:endParaRPr>
             </a:p>
           </p:txBody>
         </p:sp>
       </p:grpSp>
+      <p:sp>
+        <p:nvSpPr>
+          <p:cNvPr id="3" name="文本框 2"/>
+          <p:cNvSpPr txBox="1"/>
+          <p:nvPr/>
+        </p:nvSpPr>
+        <p:spPr>
+          <a:xfrm>
+            <a:off x="249160" y="1934678"/>
+            <a:ext cx="10715259" cy="2308324"/>
+          </a:xfrm>
+          <a:prstGeom prst="rect">
+            <a:avLst/>
+          </a:prstGeom>
+          <a:noFill/>
+        </p:spPr>
+        <p:txBody>
+          <a:bodyPr wrap="square" rtlCol="0">
+            <a:spAutoFit/>
+          </a:bodyPr>
+          <a:lstStyle/>
+          <a:p>
+            <a:pPr lvl="0"/>
+            <a:r>
+              <a:rPr lang="en-US" altLang="zh-CN" dirty="0"/>
+              <a:t>SIMPLE</a:t>
+            </a:r>
+            <a:r>
+              <a:rPr lang="zh-CN" altLang="zh-CN" dirty="0"/>
+              <a:t>：查询中不包含子查询或者</a:t>
+            </a:r>
+            <a:r>
+              <a:rPr lang="en-US" altLang="zh-CN" dirty="0"/>
+              <a:t>UNION</a:t>
+            </a:r>
+            <a:endParaRPr lang="zh-CN" altLang="zh-CN" dirty="0"/>
+          </a:p>
+          <a:p>
+            <a:pPr lvl="0"/>
+            <a:r>
+              <a:rPr lang="zh-CN" altLang="zh-CN" dirty="0"/>
+              <a:t>查询中若包含任何复杂的子部分，最外层查询则被标记为：</a:t>
+            </a:r>
+            <a:r>
+              <a:rPr lang="en-US" altLang="zh-CN" dirty="0"/>
+              <a:t>PRIMARY</a:t>
+            </a:r>
+            <a:endParaRPr lang="zh-CN" altLang="zh-CN" dirty="0"/>
+          </a:p>
+          <a:p>
+            <a:pPr lvl="0"/>
+            <a:r>
+              <a:rPr lang="zh-CN" altLang="zh-CN" dirty="0"/>
+              <a:t>在</a:t>
+            </a:r>
+            <a:r>
+              <a:rPr lang="en-US" altLang="zh-CN" dirty="0"/>
+              <a:t>SELECT</a:t>
+            </a:r>
+            <a:r>
+              <a:rPr lang="zh-CN" altLang="zh-CN" dirty="0"/>
+              <a:t>或</a:t>
+            </a:r>
+            <a:r>
+              <a:rPr lang="en-US" altLang="zh-CN" dirty="0"/>
+              <a:t>WHERE</a:t>
+            </a:r>
+            <a:r>
+              <a:rPr lang="zh-CN" altLang="zh-CN" dirty="0"/>
+              <a:t>列表中包含了子查询，该子查询被标记为：</a:t>
+            </a:r>
+            <a:r>
+              <a:rPr lang="en-US" altLang="zh-CN" dirty="0"/>
+              <a:t>SUBQUERY</a:t>
+            </a:r>
+            <a:endParaRPr lang="zh-CN" altLang="zh-CN" dirty="0"/>
+          </a:p>
+          <a:p>
+            <a:pPr lvl="0"/>
+            <a:r>
+              <a:rPr lang="zh-CN" altLang="zh-CN" dirty="0"/>
+              <a:t>在</a:t>
+            </a:r>
+            <a:r>
+              <a:rPr lang="en-US" altLang="zh-CN" dirty="0"/>
+              <a:t>FROM</a:t>
+            </a:r>
+            <a:r>
+              <a:rPr lang="zh-CN" altLang="zh-CN" dirty="0"/>
+              <a:t>列表中包含的子查询被标记为：</a:t>
+            </a:r>
+            <a:r>
+              <a:rPr lang="en-US" altLang="zh-CN" dirty="0"/>
+              <a:t>DERIVED</a:t>
+            </a:r>
+            <a:r>
+              <a:rPr lang="zh-CN" altLang="zh-CN" dirty="0"/>
+              <a:t>（衍生）</a:t>
+            </a:r>
+          </a:p>
+          <a:p>
+            <a:pPr lvl="0"/>
+            <a:r>
+              <a:rPr lang="zh-CN" altLang="zh-CN" dirty="0"/>
+              <a:t>若第二个</a:t>
+            </a:r>
+            <a:r>
+              <a:rPr lang="en-US" altLang="zh-CN" dirty="0"/>
+              <a:t>SELECT</a:t>
+            </a:r>
+            <a:r>
+              <a:rPr lang="zh-CN" altLang="zh-CN" dirty="0"/>
+              <a:t>出现在</a:t>
+            </a:r>
+            <a:r>
+              <a:rPr lang="en-US" altLang="zh-CN" dirty="0"/>
+              <a:t>UNION</a:t>
+            </a:r>
+            <a:r>
+              <a:rPr lang="zh-CN" altLang="zh-CN" dirty="0"/>
+              <a:t>之后，则被标记为</a:t>
+            </a:r>
+            <a:r>
+              <a:rPr lang="en-US" altLang="zh-CN" dirty="0"/>
+              <a:t>UNION</a:t>
+            </a:r>
+            <a:r>
+              <a:rPr lang="zh-CN" altLang="zh-CN" dirty="0"/>
+              <a:t>；若</a:t>
+            </a:r>
+            <a:r>
+              <a:rPr lang="en-US" altLang="zh-CN" dirty="0"/>
+              <a:t>UNION</a:t>
+            </a:r>
+            <a:r>
+              <a:rPr lang="zh-CN" altLang="zh-CN" dirty="0"/>
+              <a:t>包含在</a:t>
+            </a:r>
+            <a:r>
+              <a:rPr lang="en-US" altLang="zh-CN" dirty="0"/>
+              <a:t>  FROM</a:t>
+            </a:r>
+            <a:r>
+              <a:rPr lang="zh-CN" altLang="zh-CN" dirty="0"/>
+              <a:t>子句的子查询中，外层</a:t>
+            </a:r>
+            <a:r>
+              <a:rPr lang="en-US" altLang="zh-CN" dirty="0"/>
+              <a:t>SELECT</a:t>
+            </a:r>
+            <a:r>
+              <a:rPr lang="zh-CN" altLang="zh-CN" dirty="0"/>
+              <a:t>将被标记为：</a:t>
+            </a:r>
+            <a:r>
+              <a:rPr lang="en-US" altLang="zh-CN" dirty="0"/>
+              <a:t>DERIVED</a:t>
+            </a:r>
+            <a:endParaRPr lang="zh-CN" altLang="zh-CN" dirty="0"/>
+          </a:p>
+          <a:p>
+            <a:pPr lvl="0"/>
+            <a:r>
+              <a:rPr lang="zh-CN" altLang="zh-CN" dirty="0"/>
+              <a:t>从</a:t>
+            </a:r>
+            <a:r>
+              <a:rPr lang="en-US" altLang="zh-CN" dirty="0"/>
+              <a:t>UNION</a:t>
+            </a:r>
+            <a:r>
+              <a:rPr lang="zh-CN" altLang="zh-CN" dirty="0"/>
+              <a:t>表获取结果的</a:t>
+            </a:r>
+            <a:r>
+              <a:rPr lang="en-US" altLang="zh-CN" dirty="0"/>
+              <a:t>SELECT</a:t>
+            </a:r>
+            <a:r>
+              <a:rPr lang="zh-CN" altLang="zh-CN" dirty="0"/>
+              <a:t>被标记为：</a:t>
+            </a:r>
+            <a:r>
+              <a:rPr lang="en-US" altLang="zh-CN" dirty="0"/>
+              <a:t>UNION RESULT</a:t>
+            </a:r>
+            <a:endParaRPr lang="zh-CN" altLang="zh-CN" dirty="0"/>
+          </a:p>
+          <a:p>
+            <a:endParaRPr lang="zh-CN" altLang="en-US" dirty="0"/>
+          </a:p>
+        </p:txBody>
+      </p:sp>
     </p:spTree>
     <p:extLst>
       <p:ext uri="{BB962C8B-B14F-4D97-AF65-F5344CB8AC3E}">
@@ -18836,6 +20035,1086 @@
 </file>
 
 <file path=ppt/slides/slide22.xml><?xml version="1.0" encoding="utf-8"?>
+<p:sld xmlns:a="http://schemas.openxmlformats.org/drawingml/2006/main" xmlns:r="http://schemas.openxmlformats.org/officeDocument/2006/relationships" xmlns:p="http://schemas.openxmlformats.org/presentationml/2006/main">
+  <p:cSld>
+    <p:spTree>
+      <p:nvGrpSpPr>
+        <p:cNvPr id="1" name=""/>
+        <p:cNvGrpSpPr/>
+        <p:nvPr/>
+      </p:nvGrpSpPr>
+      <p:grpSpPr>
+        <a:xfrm>
+          <a:off x="0" y="0"/>
+          <a:ext cx="0" cy="0"/>
+          <a:chOff x="0" y="0"/>
+          <a:chExt cx="0" cy="0"/>
+        </a:xfrm>
+      </p:grpSpPr>
+      <p:sp>
+        <p:nvSpPr>
+          <p:cNvPr id="2" name="文本框 1"/>
+          <p:cNvSpPr txBox="1"/>
+          <p:nvPr/>
+        </p:nvSpPr>
+        <p:spPr>
+          <a:xfrm flipH="1">
+            <a:off x="249160" y="177836"/>
+            <a:ext cx="6492298" cy="584775"/>
+          </a:xfrm>
+          <a:prstGeom prst="rect">
+            <a:avLst/>
+          </a:prstGeom>
+          <a:noFill/>
+        </p:spPr>
+        <p:txBody>
+          <a:bodyPr wrap="square" rtlCol="0">
+            <a:spAutoFit/>
+          </a:bodyPr>
+          <a:lstStyle/>
+          <a:p>
+            <a:r>
+              <a:rPr lang="zh-CN" altLang="en-US" sz="3200" b="1" dirty="0" smtClean="0">
+                <a:solidFill>
+                  <a:srgbClr val="52C018"/>
+                </a:solidFill>
+                <a:latin typeface="+mn-ea"/>
+              </a:rPr>
+              <a:t>索引</a:t>
+            </a:r>
+            <a:r>
+              <a:rPr lang="zh-CN" altLang="en-US" sz="3200" b="1" dirty="0">
+                <a:solidFill>
+                  <a:srgbClr val="52C018"/>
+                </a:solidFill>
+                <a:latin typeface="+mn-ea"/>
+              </a:rPr>
+              <a:t>基础</a:t>
+            </a:r>
+          </a:p>
+        </p:txBody>
+      </p:sp>
+      <p:grpSp>
+        <p:nvGrpSpPr>
+          <p:cNvPr id="5" name="组合 4"/>
+          <p:cNvGrpSpPr/>
+          <p:nvPr/>
+        </p:nvGrpSpPr>
+        <p:grpSpPr>
+          <a:xfrm>
+            <a:off x="249160" y="1025259"/>
+            <a:ext cx="10782006" cy="548914"/>
+            <a:chOff x="0" y="0"/>
+            <a:chExt cx="8656876" cy="548914"/>
+          </a:xfrm>
+        </p:grpSpPr>
+        <p:sp>
+          <p:nvSpPr>
+            <p:cNvPr id="6" name="圆角矩形 5"/>
+            <p:cNvSpPr/>
+            <p:nvPr/>
+          </p:nvSpPr>
+          <p:spPr>
+            <a:xfrm>
+              <a:off x="0" y="0"/>
+              <a:ext cx="8656876" cy="548914"/>
+            </a:xfrm>
+            <a:prstGeom prst="roundRect">
+              <a:avLst/>
+            </a:prstGeom>
+            <a:solidFill>
+              <a:schemeClr val="accent6"/>
+            </a:solidFill>
+            <a:ln>
+              <a:noFill/>
+            </a:ln>
+          </p:spPr>
+          <p:style>
+            <a:lnRef idx="0">
+              <a:scrgbClr r="0" g="0" b="0"/>
+            </a:lnRef>
+            <a:fillRef idx="0">
+              <a:scrgbClr r="0" g="0" b="0"/>
+            </a:fillRef>
+            <a:effectRef idx="0">
+              <a:scrgbClr r="0" g="0" b="0"/>
+            </a:effectRef>
+            <a:fontRef idx="minor">
+              <a:schemeClr val="lt1"/>
+            </a:fontRef>
+          </p:style>
+        </p:sp>
+        <p:sp>
+          <p:nvSpPr>
+            <p:cNvPr id="7" name="圆角矩形 4"/>
+            <p:cNvSpPr txBox="1"/>
+            <p:nvPr/>
+          </p:nvSpPr>
+          <p:spPr>
+            <a:xfrm>
+              <a:off x="53592" y="26796"/>
+              <a:ext cx="8603284" cy="495322"/>
+            </a:xfrm>
+            <a:prstGeom prst="rect">
+              <a:avLst/>
+            </a:prstGeom>
+          </p:spPr>
+          <p:style>
+            <a:lnRef idx="0">
+              <a:scrgbClr r="0" g="0" b="0"/>
+            </a:lnRef>
+            <a:fillRef idx="0">
+              <a:scrgbClr r="0" g="0" b="0"/>
+            </a:fillRef>
+            <a:effectRef idx="0">
+              <a:scrgbClr r="0" g="0" b="0"/>
+            </a:effectRef>
+            <a:fontRef idx="minor">
+              <a:schemeClr val="lt1"/>
+            </a:fontRef>
+          </p:style>
+          <p:txBody>
+            <a:bodyPr spcFirstLastPara="0" vert="horz" wrap="square" lIns="60960" tIns="60960" rIns="60960" bIns="60960" numCol="1" spcCol="1270" anchor="ctr" anchorCtr="0">
+              <a:noAutofit/>
+            </a:bodyPr>
+            <a:lstStyle/>
+            <a:p>
+              <a:pPr lvl="0"/>
+              <a:r>
+                <a:rPr lang="en-US" altLang="zh-CN" b="1" dirty="0">
+                  <a:latin typeface="+mn-ea"/>
+                </a:rPr>
+                <a:t>t</a:t>
+              </a:r>
+              <a:r>
+                <a:rPr lang="en-US" altLang="zh-CN" b="1" dirty="0" smtClean="0">
+                  <a:latin typeface="+mn-ea"/>
+                </a:rPr>
+                <a:t>ype </a:t>
+              </a:r>
+              <a:r>
+                <a:rPr lang="zh-CN" altLang="en-US" b="1" dirty="0" smtClean="0">
+                  <a:latin typeface="+mn-ea"/>
+                </a:rPr>
+                <a:t>详解</a:t>
+              </a:r>
+              <a:endParaRPr lang="zh-CN" altLang="zh-CN" b="1" dirty="0">
+                <a:latin typeface="+mn-ea"/>
+              </a:endParaRPr>
+            </a:p>
+          </p:txBody>
+        </p:sp>
+      </p:grpSp>
+      <p:sp>
+        <p:nvSpPr>
+          <p:cNvPr id="3" name="文本框 2"/>
+          <p:cNvSpPr txBox="1"/>
+          <p:nvPr/>
+        </p:nvSpPr>
+        <p:spPr>
+          <a:xfrm>
+            <a:off x="249160" y="1836821"/>
+            <a:ext cx="10714015" cy="3416320"/>
+          </a:xfrm>
+          <a:prstGeom prst="rect">
+            <a:avLst/>
+          </a:prstGeom>
+          <a:noFill/>
+        </p:spPr>
+        <p:txBody>
+          <a:bodyPr wrap="square" rtlCol="0">
+            <a:spAutoFit/>
+          </a:bodyPr>
+          <a:lstStyle/>
+          <a:p>
+            <a:pPr lvl="0"/>
+            <a:r>
+              <a:rPr lang="en-US" altLang="zh-CN" dirty="0">
+                <a:latin typeface="华文中宋" panose="02010600040101010101" pitchFamily="2" charset="-122"/>
+                <a:ea typeface="华文中宋" panose="02010600040101010101" pitchFamily="2" charset="-122"/>
+              </a:rPr>
+              <a:t>all</a:t>
+            </a:r>
+            <a:r>
+              <a:rPr lang="zh-CN" altLang="zh-CN" dirty="0">
+                <a:latin typeface="华文中宋" panose="02010600040101010101" pitchFamily="2" charset="-122"/>
+                <a:ea typeface="华文中宋" panose="02010600040101010101" pitchFamily="2" charset="-122"/>
+              </a:rPr>
+              <a:t>：</a:t>
+            </a:r>
+            <a:r>
+              <a:rPr lang="en-US" altLang="zh-CN" dirty="0">
+                <a:latin typeface="华文中宋" panose="02010600040101010101" pitchFamily="2" charset="-122"/>
+                <a:ea typeface="华文中宋" panose="02010600040101010101" pitchFamily="2" charset="-122"/>
+              </a:rPr>
+              <a:t>Full Table Scan</a:t>
+            </a:r>
+            <a:r>
+              <a:rPr lang="zh-CN" altLang="zh-CN" dirty="0">
+                <a:latin typeface="华文中宋" panose="02010600040101010101" pitchFamily="2" charset="-122"/>
+                <a:ea typeface="华文中宋" panose="02010600040101010101" pitchFamily="2" charset="-122"/>
+              </a:rPr>
+              <a:t>，</a:t>
+            </a:r>
+            <a:r>
+              <a:rPr lang="en-US" altLang="zh-CN" dirty="0">
+                <a:latin typeface="华文中宋" panose="02010600040101010101" pitchFamily="2" charset="-122"/>
+                <a:ea typeface="华文中宋" panose="02010600040101010101" pitchFamily="2" charset="-122"/>
+              </a:rPr>
+              <a:t> MySQL</a:t>
+            </a:r>
+            <a:r>
+              <a:rPr lang="zh-CN" altLang="zh-CN" dirty="0">
+                <a:latin typeface="华文中宋" panose="02010600040101010101" pitchFamily="2" charset="-122"/>
+                <a:ea typeface="华文中宋" panose="02010600040101010101" pitchFamily="2" charset="-122"/>
+              </a:rPr>
+              <a:t>将遍历全表以找到匹配的行。</a:t>
+            </a:r>
+          </a:p>
+          <a:p>
+            <a:pPr lvl="0"/>
+            <a:r>
+              <a:rPr lang="en-US" altLang="zh-CN" dirty="0">
+                <a:latin typeface="华文中宋" panose="02010600040101010101" pitchFamily="2" charset="-122"/>
+                <a:ea typeface="华文中宋" panose="02010600040101010101" pitchFamily="2" charset="-122"/>
+              </a:rPr>
+              <a:t>index</a:t>
+            </a:r>
+            <a:r>
+              <a:rPr lang="zh-CN" altLang="zh-CN" dirty="0">
+                <a:latin typeface="华文中宋" panose="02010600040101010101" pitchFamily="2" charset="-122"/>
+                <a:ea typeface="华文中宋" panose="02010600040101010101" pitchFamily="2" charset="-122"/>
+              </a:rPr>
+              <a:t>：</a:t>
+            </a:r>
+            <a:r>
+              <a:rPr lang="en-US" altLang="zh-CN" dirty="0">
+                <a:latin typeface="华文中宋" panose="02010600040101010101" pitchFamily="2" charset="-122"/>
+                <a:ea typeface="华文中宋" panose="02010600040101010101" pitchFamily="2" charset="-122"/>
+              </a:rPr>
+              <a:t>Full Index Scan</a:t>
+            </a:r>
+            <a:r>
+              <a:rPr lang="zh-CN" altLang="zh-CN" dirty="0">
+                <a:latin typeface="华文中宋" panose="02010600040101010101" pitchFamily="2" charset="-122"/>
+                <a:ea typeface="华文中宋" panose="02010600040101010101" pitchFamily="2" charset="-122"/>
+              </a:rPr>
+              <a:t>，</a:t>
+            </a:r>
+            <a:r>
+              <a:rPr lang="en-US" altLang="zh-CN" dirty="0">
+                <a:latin typeface="华文中宋" panose="02010600040101010101" pitchFamily="2" charset="-122"/>
+                <a:ea typeface="华文中宋" panose="02010600040101010101" pitchFamily="2" charset="-122"/>
+              </a:rPr>
+              <a:t>index</a:t>
+            </a:r>
+            <a:r>
+              <a:rPr lang="zh-CN" altLang="zh-CN" dirty="0">
+                <a:latin typeface="华文中宋" panose="02010600040101010101" pitchFamily="2" charset="-122"/>
+                <a:ea typeface="华文中宋" panose="02010600040101010101" pitchFamily="2" charset="-122"/>
+              </a:rPr>
+              <a:t>与</a:t>
+            </a:r>
+            <a:r>
+              <a:rPr lang="en-US" altLang="zh-CN" dirty="0">
+                <a:latin typeface="华文中宋" panose="02010600040101010101" pitchFamily="2" charset="-122"/>
+                <a:ea typeface="华文中宋" panose="02010600040101010101" pitchFamily="2" charset="-122"/>
+              </a:rPr>
+              <a:t>ALL</a:t>
+            </a:r>
+            <a:r>
+              <a:rPr lang="zh-CN" altLang="zh-CN" dirty="0">
+                <a:latin typeface="华文中宋" panose="02010600040101010101" pitchFamily="2" charset="-122"/>
+                <a:ea typeface="华文中宋" panose="02010600040101010101" pitchFamily="2" charset="-122"/>
+              </a:rPr>
+              <a:t>区别为</a:t>
+            </a:r>
+            <a:r>
+              <a:rPr lang="en-US" altLang="zh-CN" dirty="0">
+                <a:latin typeface="华文中宋" panose="02010600040101010101" pitchFamily="2" charset="-122"/>
+                <a:ea typeface="华文中宋" panose="02010600040101010101" pitchFamily="2" charset="-122"/>
+              </a:rPr>
+              <a:t>index</a:t>
+            </a:r>
+            <a:r>
+              <a:rPr lang="zh-CN" altLang="zh-CN" dirty="0">
+                <a:latin typeface="华文中宋" panose="02010600040101010101" pitchFamily="2" charset="-122"/>
+                <a:ea typeface="华文中宋" panose="02010600040101010101" pitchFamily="2" charset="-122"/>
+              </a:rPr>
+              <a:t>类型只遍历索引树。</a:t>
+            </a:r>
+          </a:p>
+          <a:p>
+            <a:pPr lvl="0"/>
+            <a:r>
+              <a:rPr lang="en-US" altLang="zh-CN" dirty="0">
+                <a:latin typeface="华文中宋" panose="02010600040101010101" pitchFamily="2" charset="-122"/>
+                <a:ea typeface="华文中宋" panose="02010600040101010101" pitchFamily="2" charset="-122"/>
+              </a:rPr>
+              <a:t>range</a:t>
+            </a:r>
+            <a:r>
+              <a:rPr lang="zh-CN" altLang="zh-CN" dirty="0">
+                <a:latin typeface="华文中宋" panose="02010600040101010101" pitchFamily="2" charset="-122"/>
+                <a:ea typeface="华文中宋" panose="02010600040101010101" pitchFamily="2" charset="-122"/>
+              </a:rPr>
+              <a:t>：索引范围扫描，对索引的扫描开始于某一点，返回匹配值域的行，常见于</a:t>
+            </a:r>
+            <a:r>
+              <a:rPr lang="en-US" altLang="zh-CN" dirty="0">
+                <a:latin typeface="华文中宋" panose="02010600040101010101" pitchFamily="2" charset="-122"/>
+                <a:ea typeface="华文中宋" panose="02010600040101010101" pitchFamily="2" charset="-122"/>
+              </a:rPr>
+              <a:t>between</a:t>
+            </a:r>
+            <a:r>
+              <a:rPr lang="zh-CN" altLang="zh-CN" dirty="0">
+                <a:latin typeface="华文中宋" panose="02010600040101010101" pitchFamily="2" charset="-122"/>
+                <a:ea typeface="华文中宋" panose="02010600040101010101" pitchFamily="2" charset="-122"/>
+              </a:rPr>
+              <a:t>、</a:t>
+            </a:r>
+            <a:r>
+              <a:rPr lang="en-US" altLang="zh-CN" dirty="0">
+                <a:latin typeface="华文中宋" panose="02010600040101010101" pitchFamily="2" charset="-122"/>
+                <a:ea typeface="华文中宋" panose="02010600040101010101" pitchFamily="2" charset="-122"/>
+              </a:rPr>
+              <a:t>&lt;</a:t>
+            </a:r>
+            <a:r>
+              <a:rPr lang="zh-CN" altLang="zh-CN" dirty="0">
+                <a:latin typeface="华文中宋" panose="02010600040101010101" pitchFamily="2" charset="-122"/>
+                <a:ea typeface="华文中宋" panose="02010600040101010101" pitchFamily="2" charset="-122"/>
+              </a:rPr>
+              <a:t>、</a:t>
+            </a:r>
+            <a:r>
+              <a:rPr lang="en-US" altLang="zh-CN" dirty="0">
+                <a:latin typeface="华文中宋" panose="02010600040101010101" pitchFamily="2" charset="-122"/>
+                <a:ea typeface="华文中宋" panose="02010600040101010101" pitchFamily="2" charset="-122"/>
+              </a:rPr>
+              <a:t>&gt;</a:t>
+            </a:r>
+            <a:r>
+              <a:rPr lang="zh-CN" altLang="zh-CN" dirty="0">
+                <a:latin typeface="华文中宋" panose="02010600040101010101" pitchFamily="2" charset="-122"/>
+                <a:ea typeface="华文中宋" panose="02010600040101010101" pitchFamily="2" charset="-122"/>
+              </a:rPr>
+              <a:t>等的查询。</a:t>
+            </a:r>
+            <a:r>
+              <a:rPr lang="en-US" altLang="zh-CN" dirty="0">
+                <a:latin typeface="华文中宋" panose="02010600040101010101" pitchFamily="2" charset="-122"/>
+                <a:ea typeface="华文中宋" panose="02010600040101010101" pitchFamily="2" charset="-122"/>
+              </a:rPr>
+              <a:t>range</a:t>
+            </a:r>
+            <a:r>
+              <a:rPr lang="zh-CN" altLang="zh-CN" dirty="0">
+                <a:latin typeface="华文中宋" panose="02010600040101010101" pitchFamily="2" charset="-122"/>
+                <a:ea typeface="华文中宋" panose="02010600040101010101" pitchFamily="2" charset="-122"/>
+              </a:rPr>
+              <a:t>访问类型的不同形式的索引访问性能差异。</a:t>
+            </a:r>
+          </a:p>
+          <a:p>
+            <a:pPr lvl="0"/>
+            <a:r>
+              <a:rPr lang="en-US" altLang="zh-CN" dirty="0">
+                <a:latin typeface="华文中宋" panose="02010600040101010101" pitchFamily="2" charset="-122"/>
+                <a:ea typeface="华文中宋" panose="02010600040101010101" pitchFamily="2" charset="-122"/>
+              </a:rPr>
+              <a:t>ref</a:t>
+            </a:r>
+            <a:r>
+              <a:rPr lang="zh-CN" altLang="zh-CN" dirty="0">
+                <a:latin typeface="华文中宋" panose="02010600040101010101" pitchFamily="2" charset="-122"/>
+                <a:ea typeface="华文中宋" panose="02010600040101010101" pitchFamily="2" charset="-122"/>
+              </a:rPr>
+              <a:t>：非唯一性索引扫描，返回匹配某个单独值的所有行。常见于使用非唯一索引即唯一索引的非唯一前缀进行的查找。</a:t>
+            </a:r>
+          </a:p>
+          <a:p>
+            <a:pPr lvl="0"/>
+            <a:r>
+              <a:rPr lang="en-US" altLang="zh-CN" dirty="0" err="1">
+                <a:latin typeface="华文中宋" panose="02010600040101010101" pitchFamily="2" charset="-122"/>
+                <a:ea typeface="华文中宋" panose="02010600040101010101" pitchFamily="2" charset="-122"/>
+              </a:rPr>
+              <a:t>eq_ref</a:t>
+            </a:r>
+            <a:r>
+              <a:rPr lang="zh-CN" altLang="zh-CN" dirty="0">
+                <a:latin typeface="华文中宋" panose="02010600040101010101" pitchFamily="2" charset="-122"/>
+                <a:ea typeface="华文中宋" panose="02010600040101010101" pitchFamily="2" charset="-122"/>
+              </a:rPr>
+              <a:t>：唯一性索引扫描，对于每个索引键，表中只有一条记录与之匹配。常见于主键或唯一索引扫描。</a:t>
+            </a:r>
+          </a:p>
+          <a:p>
+            <a:pPr lvl="0"/>
+            <a:r>
+              <a:rPr lang="en-US" altLang="zh-CN" dirty="0" err="1">
+                <a:latin typeface="华文中宋" panose="02010600040101010101" pitchFamily="2" charset="-122"/>
+                <a:ea typeface="华文中宋" panose="02010600040101010101" pitchFamily="2" charset="-122"/>
+              </a:rPr>
+              <a:t>const</a:t>
+            </a:r>
+            <a:r>
+              <a:rPr lang="zh-CN" altLang="zh-CN" dirty="0">
+                <a:latin typeface="华文中宋" panose="02010600040101010101" pitchFamily="2" charset="-122"/>
+                <a:ea typeface="华文中宋" panose="02010600040101010101" pitchFamily="2" charset="-122"/>
+              </a:rPr>
+              <a:t>、</a:t>
+            </a:r>
+            <a:r>
+              <a:rPr lang="en-US" altLang="zh-CN" dirty="0">
+                <a:latin typeface="华文中宋" panose="02010600040101010101" pitchFamily="2" charset="-122"/>
+                <a:ea typeface="华文中宋" panose="02010600040101010101" pitchFamily="2" charset="-122"/>
+              </a:rPr>
+              <a:t>system</a:t>
+            </a:r>
+            <a:r>
+              <a:rPr lang="zh-CN" altLang="zh-CN" dirty="0">
+                <a:latin typeface="华文中宋" panose="02010600040101010101" pitchFamily="2" charset="-122"/>
+                <a:ea typeface="华文中宋" panose="02010600040101010101" pitchFamily="2" charset="-122"/>
+              </a:rPr>
+              <a:t>：当</a:t>
+            </a:r>
+            <a:r>
+              <a:rPr lang="en-US" altLang="zh-CN" dirty="0">
+                <a:latin typeface="华文中宋" panose="02010600040101010101" pitchFamily="2" charset="-122"/>
+                <a:ea typeface="华文中宋" panose="02010600040101010101" pitchFamily="2" charset="-122"/>
+              </a:rPr>
+              <a:t>MySQL</a:t>
+            </a:r>
+            <a:r>
+              <a:rPr lang="zh-CN" altLang="zh-CN" dirty="0">
+                <a:latin typeface="华文中宋" panose="02010600040101010101" pitchFamily="2" charset="-122"/>
+                <a:ea typeface="华文中宋" panose="02010600040101010101" pitchFamily="2" charset="-122"/>
+              </a:rPr>
+              <a:t>对查询某部分进行优化，并转换为一个常量时，使用这些类型访问。如将主键置于</a:t>
+            </a:r>
+            <a:r>
+              <a:rPr lang="en-US" altLang="zh-CN" dirty="0">
+                <a:latin typeface="华文中宋" panose="02010600040101010101" pitchFamily="2" charset="-122"/>
+                <a:ea typeface="华文中宋" panose="02010600040101010101" pitchFamily="2" charset="-122"/>
+              </a:rPr>
+              <a:t>where</a:t>
+            </a:r>
+            <a:r>
+              <a:rPr lang="zh-CN" altLang="zh-CN" dirty="0">
+                <a:latin typeface="华文中宋" panose="02010600040101010101" pitchFamily="2" charset="-122"/>
+                <a:ea typeface="华文中宋" panose="02010600040101010101" pitchFamily="2" charset="-122"/>
+              </a:rPr>
+              <a:t>列表中，</a:t>
+            </a:r>
+            <a:r>
+              <a:rPr lang="en-US" altLang="zh-CN" dirty="0">
+                <a:latin typeface="华文中宋" panose="02010600040101010101" pitchFamily="2" charset="-122"/>
+                <a:ea typeface="华文中宋" panose="02010600040101010101" pitchFamily="2" charset="-122"/>
+              </a:rPr>
+              <a:t>MySQL</a:t>
+            </a:r>
+            <a:r>
+              <a:rPr lang="zh-CN" altLang="zh-CN" dirty="0">
+                <a:latin typeface="华文中宋" panose="02010600040101010101" pitchFamily="2" charset="-122"/>
+                <a:ea typeface="华文中宋" panose="02010600040101010101" pitchFamily="2" charset="-122"/>
+              </a:rPr>
+              <a:t>就能将该查询转换为一个常量</a:t>
+            </a:r>
+            <a:r>
+              <a:rPr lang="en-US" altLang="zh-CN" dirty="0">
+                <a:latin typeface="华文中宋" panose="02010600040101010101" pitchFamily="2" charset="-122"/>
+                <a:ea typeface="华文中宋" panose="02010600040101010101" pitchFamily="2" charset="-122"/>
+              </a:rPr>
+              <a:t>system</a:t>
+            </a:r>
+            <a:r>
+              <a:rPr lang="zh-CN" altLang="zh-CN" dirty="0">
+                <a:latin typeface="华文中宋" panose="02010600040101010101" pitchFamily="2" charset="-122"/>
+                <a:ea typeface="华文中宋" panose="02010600040101010101" pitchFamily="2" charset="-122"/>
+              </a:rPr>
+              <a:t>是</a:t>
+            </a:r>
+            <a:r>
+              <a:rPr lang="en-US" altLang="zh-CN" dirty="0" err="1">
+                <a:latin typeface="华文中宋" panose="02010600040101010101" pitchFamily="2" charset="-122"/>
+                <a:ea typeface="华文中宋" panose="02010600040101010101" pitchFamily="2" charset="-122"/>
+              </a:rPr>
+              <a:t>const</a:t>
+            </a:r>
+            <a:r>
+              <a:rPr lang="zh-CN" altLang="zh-CN" dirty="0">
+                <a:latin typeface="华文中宋" panose="02010600040101010101" pitchFamily="2" charset="-122"/>
+                <a:ea typeface="华文中宋" panose="02010600040101010101" pitchFamily="2" charset="-122"/>
+              </a:rPr>
+              <a:t>类型的特例，当查询的表只有一行的情况下， 使用</a:t>
+            </a:r>
+            <a:r>
+              <a:rPr lang="en-US" altLang="zh-CN" dirty="0">
+                <a:latin typeface="华文中宋" panose="02010600040101010101" pitchFamily="2" charset="-122"/>
+                <a:ea typeface="华文中宋" panose="02010600040101010101" pitchFamily="2" charset="-122"/>
+              </a:rPr>
+              <a:t>system</a:t>
+            </a:r>
+            <a:r>
+              <a:rPr lang="zh-CN" altLang="zh-CN" dirty="0">
+                <a:latin typeface="华文中宋" panose="02010600040101010101" pitchFamily="2" charset="-122"/>
+                <a:ea typeface="华文中宋" panose="02010600040101010101" pitchFamily="2" charset="-122"/>
+              </a:rPr>
+              <a:t>。</a:t>
+            </a:r>
+          </a:p>
+          <a:p>
+            <a:pPr lvl="0"/>
+            <a:r>
+              <a:rPr lang="en-US" altLang="zh-CN" dirty="0">
+                <a:latin typeface="华文中宋" panose="02010600040101010101" pitchFamily="2" charset="-122"/>
+                <a:ea typeface="华文中宋" panose="02010600040101010101" pitchFamily="2" charset="-122"/>
+              </a:rPr>
+              <a:t>NULL</a:t>
+            </a:r>
+            <a:r>
+              <a:rPr lang="zh-CN" altLang="zh-CN" dirty="0">
+                <a:latin typeface="华文中宋" panose="02010600040101010101" pitchFamily="2" charset="-122"/>
+                <a:ea typeface="华文中宋" panose="02010600040101010101" pitchFamily="2" charset="-122"/>
+              </a:rPr>
+              <a:t>：</a:t>
+            </a:r>
+            <a:r>
+              <a:rPr lang="en-US" altLang="zh-CN" dirty="0">
+                <a:latin typeface="华文中宋" panose="02010600040101010101" pitchFamily="2" charset="-122"/>
+                <a:ea typeface="华文中宋" panose="02010600040101010101" pitchFamily="2" charset="-122"/>
+              </a:rPr>
+              <a:t>MySQL</a:t>
+            </a:r>
+            <a:r>
+              <a:rPr lang="zh-CN" altLang="zh-CN" dirty="0">
+                <a:latin typeface="华文中宋" panose="02010600040101010101" pitchFamily="2" charset="-122"/>
+                <a:ea typeface="华文中宋" panose="02010600040101010101" pitchFamily="2" charset="-122"/>
+              </a:rPr>
+              <a:t>在优化过程中分解语句，执行时甚至不用访问表或索引。</a:t>
+            </a:r>
+          </a:p>
+          <a:p>
+            <a:endParaRPr lang="zh-CN" altLang="en-US" dirty="0"/>
+          </a:p>
+        </p:txBody>
+      </p:sp>
+    </p:spTree>
+    <p:extLst>
+      <p:ext uri="{BB962C8B-B14F-4D97-AF65-F5344CB8AC3E}">
+        <p14:creationId xmlns:p14="http://schemas.microsoft.com/office/powerpoint/2010/main" val="3251954607"/>
+      </p:ext>
+    </p:extLst>
+  </p:cSld>
+  <p:clrMapOvr>
+    <a:masterClrMapping/>
+  </p:clrMapOvr>
+  <p:timing>
+    <p:tnLst>
+      <p:par>
+        <p:cTn id="1" dur="indefinite" restart="never" nodeType="tmRoot"/>
+      </p:par>
+    </p:tnLst>
+  </p:timing>
+</p:sld>
+</file>
+
+<file path=ppt/slides/slide23.xml><?xml version="1.0" encoding="utf-8"?>
+<p:sld xmlns:a="http://schemas.openxmlformats.org/drawingml/2006/main" xmlns:r="http://schemas.openxmlformats.org/officeDocument/2006/relationships" xmlns:p="http://schemas.openxmlformats.org/presentationml/2006/main">
+  <p:cSld>
+    <p:spTree>
+      <p:nvGrpSpPr>
+        <p:cNvPr id="1" name=""/>
+        <p:cNvGrpSpPr/>
+        <p:nvPr/>
+      </p:nvGrpSpPr>
+      <p:grpSpPr>
+        <a:xfrm>
+          <a:off x="0" y="0"/>
+          <a:ext cx="0" cy="0"/>
+          <a:chOff x="0" y="0"/>
+          <a:chExt cx="0" cy="0"/>
+        </a:xfrm>
+      </p:grpSpPr>
+      <p:sp>
+        <p:nvSpPr>
+          <p:cNvPr id="2" name="文本框 1"/>
+          <p:cNvSpPr txBox="1"/>
+          <p:nvPr/>
+        </p:nvSpPr>
+        <p:spPr>
+          <a:xfrm flipH="1">
+            <a:off x="249160" y="177836"/>
+            <a:ext cx="6492298" cy="584775"/>
+          </a:xfrm>
+          <a:prstGeom prst="rect">
+            <a:avLst/>
+          </a:prstGeom>
+          <a:noFill/>
+        </p:spPr>
+        <p:txBody>
+          <a:bodyPr wrap="square" rtlCol="0">
+            <a:spAutoFit/>
+          </a:bodyPr>
+          <a:lstStyle/>
+          <a:p>
+            <a:r>
+              <a:rPr lang="zh-CN" altLang="en-US" sz="3200" b="1" dirty="0" smtClean="0">
+                <a:solidFill>
+                  <a:srgbClr val="52C018"/>
+                </a:solidFill>
+                <a:latin typeface="+mn-ea"/>
+              </a:rPr>
+              <a:t>索引</a:t>
+            </a:r>
+            <a:r>
+              <a:rPr lang="zh-CN" altLang="en-US" sz="3200" b="1" dirty="0">
+                <a:solidFill>
+                  <a:srgbClr val="52C018"/>
+                </a:solidFill>
+                <a:latin typeface="+mn-ea"/>
+              </a:rPr>
+              <a:t>基础</a:t>
+            </a:r>
+          </a:p>
+        </p:txBody>
+      </p:sp>
+      <p:grpSp>
+        <p:nvGrpSpPr>
+          <p:cNvPr id="5" name="组合 4"/>
+          <p:cNvGrpSpPr/>
+          <p:nvPr/>
+        </p:nvGrpSpPr>
+        <p:grpSpPr>
+          <a:xfrm>
+            <a:off x="249160" y="1025259"/>
+            <a:ext cx="10782006" cy="548914"/>
+            <a:chOff x="0" y="0"/>
+            <a:chExt cx="8656876" cy="548914"/>
+          </a:xfrm>
+        </p:grpSpPr>
+        <p:sp>
+          <p:nvSpPr>
+            <p:cNvPr id="6" name="圆角矩形 5"/>
+            <p:cNvSpPr/>
+            <p:nvPr/>
+          </p:nvSpPr>
+          <p:spPr>
+            <a:xfrm>
+              <a:off x="0" y="0"/>
+              <a:ext cx="8656876" cy="548914"/>
+            </a:xfrm>
+            <a:prstGeom prst="roundRect">
+              <a:avLst/>
+            </a:prstGeom>
+            <a:solidFill>
+              <a:schemeClr val="accent6"/>
+            </a:solidFill>
+            <a:ln>
+              <a:noFill/>
+            </a:ln>
+          </p:spPr>
+          <p:style>
+            <a:lnRef idx="0">
+              <a:scrgbClr r="0" g="0" b="0"/>
+            </a:lnRef>
+            <a:fillRef idx="0">
+              <a:scrgbClr r="0" g="0" b="0"/>
+            </a:fillRef>
+            <a:effectRef idx="0">
+              <a:scrgbClr r="0" g="0" b="0"/>
+            </a:effectRef>
+            <a:fontRef idx="minor">
+              <a:schemeClr val="lt1"/>
+            </a:fontRef>
+          </p:style>
+        </p:sp>
+        <p:sp>
+          <p:nvSpPr>
+            <p:cNvPr id="7" name="圆角矩形 4"/>
+            <p:cNvSpPr txBox="1"/>
+            <p:nvPr/>
+          </p:nvSpPr>
+          <p:spPr>
+            <a:xfrm>
+              <a:off x="53592" y="26796"/>
+              <a:ext cx="8603284" cy="495322"/>
+            </a:xfrm>
+            <a:prstGeom prst="rect">
+              <a:avLst/>
+            </a:prstGeom>
+          </p:spPr>
+          <p:style>
+            <a:lnRef idx="0">
+              <a:scrgbClr r="0" g="0" b="0"/>
+            </a:lnRef>
+            <a:fillRef idx="0">
+              <a:scrgbClr r="0" g="0" b="0"/>
+            </a:fillRef>
+            <a:effectRef idx="0">
+              <a:scrgbClr r="0" g="0" b="0"/>
+            </a:effectRef>
+            <a:fontRef idx="minor">
+              <a:schemeClr val="lt1"/>
+            </a:fontRef>
+          </p:style>
+          <p:txBody>
+            <a:bodyPr spcFirstLastPara="0" vert="horz" wrap="square" lIns="60960" tIns="60960" rIns="60960" bIns="60960" numCol="1" spcCol="1270" anchor="ctr" anchorCtr="0">
+              <a:noAutofit/>
+            </a:bodyPr>
+            <a:lstStyle/>
+            <a:p>
+              <a:pPr defTabSz="711200">
+                <a:lnSpc>
+                  <a:spcPct val="90000"/>
+                </a:lnSpc>
+                <a:spcBef>
+                  <a:spcPct val="0"/>
+                </a:spcBef>
+                <a:spcAft>
+                  <a:spcPct val="35000"/>
+                </a:spcAft>
+              </a:pPr>
+              <a:r>
+                <a:rPr lang="en-US" altLang="zh-CN" b="1" dirty="0">
+                  <a:latin typeface="华文中宋" panose="02010600040101010101" pitchFamily="2" charset="-122"/>
+                  <a:ea typeface="华文中宋" panose="02010600040101010101" pitchFamily="2" charset="-122"/>
+                </a:rPr>
+                <a:t> </a:t>
+              </a:r>
+              <a:r>
+                <a:rPr lang="en-US" altLang="zh-CN" b="1" dirty="0" smtClean="0">
+                  <a:latin typeface="华文中宋" panose="02010600040101010101" pitchFamily="2" charset="-122"/>
+                  <a:ea typeface="华文中宋" panose="02010600040101010101" pitchFamily="2" charset="-122"/>
+                </a:rPr>
+                <a:t>Extra </a:t>
+              </a:r>
+              <a:r>
+                <a:rPr lang="zh-CN" altLang="en-US" b="1" dirty="0" smtClean="0">
+                  <a:latin typeface="华文中宋" panose="02010600040101010101" pitchFamily="2" charset="-122"/>
+                  <a:ea typeface="华文中宋" panose="02010600040101010101" pitchFamily="2" charset="-122"/>
+                </a:rPr>
+                <a:t>详解</a:t>
+              </a:r>
+              <a:endParaRPr lang="zh-CN" altLang="zh-CN" b="1" dirty="0">
+                <a:latin typeface="华文中宋" panose="02010600040101010101" pitchFamily="2" charset="-122"/>
+                <a:ea typeface="华文中宋" panose="02010600040101010101" pitchFamily="2" charset="-122"/>
+              </a:endParaRPr>
+            </a:p>
+          </p:txBody>
+        </p:sp>
+      </p:grpSp>
+      <p:sp>
+        <p:nvSpPr>
+          <p:cNvPr id="3" name="文本框 2"/>
+          <p:cNvSpPr txBox="1"/>
+          <p:nvPr/>
+        </p:nvSpPr>
+        <p:spPr>
+          <a:xfrm>
+            <a:off x="249160" y="1979803"/>
+            <a:ext cx="10782006" cy="1754326"/>
+          </a:xfrm>
+          <a:prstGeom prst="rect">
+            <a:avLst/>
+          </a:prstGeom>
+          <a:noFill/>
+        </p:spPr>
+        <p:txBody>
+          <a:bodyPr wrap="square" rtlCol="0">
+            <a:spAutoFit/>
+          </a:bodyPr>
+          <a:lstStyle/>
+          <a:p>
+            <a:pPr lvl="0"/>
+            <a:r>
+              <a:rPr lang="en-US" altLang="zh-CN" dirty="0">
+                <a:latin typeface="华文中宋" panose="02010600040101010101" pitchFamily="2" charset="-122"/>
+                <a:ea typeface="华文中宋" panose="02010600040101010101" pitchFamily="2" charset="-122"/>
+              </a:rPr>
+              <a:t>Using index </a:t>
+            </a:r>
+            <a:r>
+              <a:rPr lang="zh-CN" altLang="zh-CN" dirty="0">
+                <a:latin typeface="华文中宋" panose="02010600040101010101" pitchFamily="2" charset="-122"/>
+                <a:ea typeface="华文中宋" panose="02010600040101010101" pitchFamily="2" charset="-122"/>
+              </a:rPr>
+              <a:t>该值表示相应的</a:t>
+            </a:r>
+            <a:r>
+              <a:rPr lang="en-US" altLang="zh-CN" dirty="0">
+                <a:latin typeface="华文中宋" panose="02010600040101010101" pitchFamily="2" charset="-122"/>
+                <a:ea typeface="华文中宋" panose="02010600040101010101" pitchFamily="2" charset="-122"/>
+              </a:rPr>
+              <a:t>select</a:t>
+            </a:r>
+            <a:r>
+              <a:rPr lang="zh-CN" altLang="zh-CN" dirty="0">
+                <a:latin typeface="华文中宋" panose="02010600040101010101" pitchFamily="2" charset="-122"/>
+                <a:ea typeface="华文中宋" panose="02010600040101010101" pitchFamily="2" charset="-122"/>
+              </a:rPr>
+              <a:t>操作中使用了覆盖索引（</a:t>
+            </a:r>
+            <a:r>
+              <a:rPr lang="en-US" altLang="zh-CN" dirty="0">
+                <a:latin typeface="华文中宋" panose="02010600040101010101" pitchFamily="2" charset="-122"/>
+                <a:ea typeface="华文中宋" panose="02010600040101010101" pitchFamily="2" charset="-122"/>
+              </a:rPr>
+              <a:t>Covering Index</a:t>
+            </a:r>
+            <a:r>
+              <a:rPr lang="zh-CN" altLang="zh-CN" dirty="0">
+                <a:latin typeface="华文中宋" panose="02010600040101010101" pitchFamily="2" charset="-122"/>
+                <a:ea typeface="华文中宋" panose="02010600040101010101" pitchFamily="2" charset="-122"/>
+              </a:rPr>
+              <a:t>）</a:t>
+            </a:r>
+          </a:p>
+          <a:p>
+            <a:pPr lvl="0"/>
+            <a:r>
+              <a:rPr lang="en-US" altLang="zh-CN" dirty="0">
+                <a:latin typeface="华文中宋" panose="02010600040101010101" pitchFamily="2" charset="-122"/>
+                <a:ea typeface="华文中宋" panose="02010600040101010101" pitchFamily="2" charset="-122"/>
+              </a:rPr>
+              <a:t>Using where </a:t>
+            </a:r>
+            <a:r>
+              <a:rPr lang="zh-CN" altLang="zh-CN" dirty="0">
+                <a:latin typeface="华文中宋" panose="02010600040101010101" pitchFamily="2" charset="-122"/>
+                <a:ea typeface="华文中宋" panose="02010600040101010101" pitchFamily="2" charset="-122"/>
+              </a:rPr>
+              <a:t>表示</a:t>
+            </a:r>
+            <a:r>
+              <a:rPr lang="en-US" altLang="zh-CN" dirty="0">
+                <a:latin typeface="华文中宋" panose="02010600040101010101" pitchFamily="2" charset="-122"/>
+                <a:ea typeface="华文中宋" panose="02010600040101010101" pitchFamily="2" charset="-122"/>
+              </a:rPr>
+              <a:t>MySQL</a:t>
+            </a:r>
+            <a:r>
+              <a:rPr lang="zh-CN" altLang="zh-CN" dirty="0">
+                <a:latin typeface="华文中宋" panose="02010600040101010101" pitchFamily="2" charset="-122"/>
+                <a:ea typeface="华文中宋" panose="02010600040101010101" pitchFamily="2" charset="-122"/>
+              </a:rPr>
+              <a:t>服务器在存储引擎受到记录后进行</a:t>
+            </a:r>
+            <a:r>
+              <a:rPr lang="en-US" altLang="zh-CN" dirty="0">
+                <a:latin typeface="华文中宋" panose="02010600040101010101" pitchFamily="2" charset="-122"/>
+                <a:ea typeface="华文中宋" panose="02010600040101010101" pitchFamily="2" charset="-122"/>
+              </a:rPr>
+              <a:t>“</a:t>
+            </a:r>
+            <a:r>
+              <a:rPr lang="zh-CN" altLang="zh-CN" dirty="0">
+                <a:latin typeface="华文中宋" panose="02010600040101010101" pitchFamily="2" charset="-122"/>
+                <a:ea typeface="华文中宋" panose="02010600040101010101" pitchFamily="2" charset="-122"/>
+              </a:rPr>
+              <a:t>后过滤</a:t>
+            </a:r>
+            <a:r>
+              <a:rPr lang="en-US" altLang="zh-CN" dirty="0">
+                <a:latin typeface="华文中宋" panose="02010600040101010101" pitchFamily="2" charset="-122"/>
+                <a:ea typeface="华文中宋" panose="02010600040101010101" pitchFamily="2" charset="-122"/>
+              </a:rPr>
+              <a:t>”</a:t>
+            </a:r>
+            <a:r>
+              <a:rPr lang="zh-CN" altLang="zh-CN" dirty="0">
+                <a:latin typeface="华文中宋" panose="02010600040101010101" pitchFamily="2" charset="-122"/>
+                <a:ea typeface="华文中宋" panose="02010600040101010101" pitchFamily="2" charset="-122"/>
+              </a:rPr>
+              <a:t>（</a:t>
+            </a:r>
+            <a:r>
+              <a:rPr lang="en-US" altLang="zh-CN" dirty="0">
+                <a:latin typeface="华文中宋" panose="02010600040101010101" pitchFamily="2" charset="-122"/>
+                <a:ea typeface="华文中宋" panose="02010600040101010101" pitchFamily="2" charset="-122"/>
+              </a:rPr>
+              <a:t>Post-filter</a:t>
+            </a:r>
+            <a:r>
+              <a:rPr lang="zh-CN" altLang="zh-CN" dirty="0">
+                <a:latin typeface="华文中宋" panose="02010600040101010101" pitchFamily="2" charset="-122"/>
+                <a:ea typeface="华文中宋" panose="02010600040101010101" pitchFamily="2" charset="-122"/>
+              </a:rPr>
+              <a:t>）</a:t>
+            </a:r>
+            <a:r>
+              <a:rPr lang="en-US" altLang="zh-CN" dirty="0">
+                <a:latin typeface="华文中宋" panose="02010600040101010101" pitchFamily="2" charset="-122"/>
+                <a:ea typeface="华文中宋" panose="02010600040101010101" pitchFamily="2" charset="-122"/>
+              </a:rPr>
+              <a:t>,</a:t>
+            </a:r>
+            <a:r>
+              <a:rPr lang="zh-CN" altLang="zh-CN" dirty="0">
+                <a:latin typeface="华文中宋" panose="02010600040101010101" pitchFamily="2" charset="-122"/>
+                <a:ea typeface="华文中宋" panose="02010600040101010101" pitchFamily="2" charset="-122"/>
+              </a:rPr>
+              <a:t>如果查询未能使用索引，</a:t>
+            </a:r>
+            <a:r>
+              <a:rPr lang="en-US" altLang="zh-CN" dirty="0">
+                <a:latin typeface="华文中宋" panose="02010600040101010101" pitchFamily="2" charset="-122"/>
+                <a:ea typeface="华文中宋" panose="02010600040101010101" pitchFamily="2" charset="-122"/>
+              </a:rPr>
+              <a:t>Using where</a:t>
+            </a:r>
+            <a:r>
+              <a:rPr lang="zh-CN" altLang="zh-CN" dirty="0">
+                <a:latin typeface="华文中宋" panose="02010600040101010101" pitchFamily="2" charset="-122"/>
+                <a:ea typeface="华文中宋" panose="02010600040101010101" pitchFamily="2" charset="-122"/>
+              </a:rPr>
+              <a:t>的作用只是提醒我们</a:t>
+            </a:r>
+            <a:r>
+              <a:rPr lang="en-US" altLang="zh-CN" dirty="0">
+                <a:latin typeface="华文中宋" panose="02010600040101010101" pitchFamily="2" charset="-122"/>
+                <a:ea typeface="华文中宋" panose="02010600040101010101" pitchFamily="2" charset="-122"/>
+              </a:rPr>
+              <a:t>MySQL</a:t>
+            </a:r>
+            <a:r>
+              <a:rPr lang="zh-CN" altLang="zh-CN" dirty="0">
+                <a:latin typeface="华文中宋" panose="02010600040101010101" pitchFamily="2" charset="-122"/>
+                <a:ea typeface="华文中宋" panose="02010600040101010101" pitchFamily="2" charset="-122"/>
+              </a:rPr>
+              <a:t>将用</a:t>
+            </a:r>
+            <a:r>
+              <a:rPr lang="en-US" altLang="zh-CN" dirty="0">
+                <a:latin typeface="华文中宋" panose="02010600040101010101" pitchFamily="2" charset="-122"/>
+                <a:ea typeface="华文中宋" panose="02010600040101010101" pitchFamily="2" charset="-122"/>
+              </a:rPr>
+              <a:t>where</a:t>
+            </a:r>
+            <a:r>
+              <a:rPr lang="zh-CN" altLang="zh-CN" dirty="0">
+                <a:latin typeface="华文中宋" panose="02010600040101010101" pitchFamily="2" charset="-122"/>
+                <a:ea typeface="华文中宋" panose="02010600040101010101" pitchFamily="2" charset="-122"/>
+              </a:rPr>
+              <a:t>子句来过滤结果集</a:t>
+            </a:r>
+          </a:p>
+          <a:p>
+            <a:pPr lvl="0"/>
+            <a:r>
+              <a:rPr lang="en-US" altLang="zh-CN" dirty="0">
+                <a:latin typeface="华文中宋" panose="02010600040101010101" pitchFamily="2" charset="-122"/>
+                <a:ea typeface="华文中宋" panose="02010600040101010101" pitchFamily="2" charset="-122"/>
+              </a:rPr>
+              <a:t>Using temporary </a:t>
+            </a:r>
+            <a:r>
+              <a:rPr lang="zh-CN" altLang="zh-CN" dirty="0">
+                <a:latin typeface="华文中宋" panose="02010600040101010101" pitchFamily="2" charset="-122"/>
+                <a:ea typeface="华文中宋" panose="02010600040101010101" pitchFamily="2" charset="-122"/>
+              </a:rPr>
+              <a:t>表示</a:t>
+            </a:r>
+            <a:r>
+              <a:rPr lang="en-US" altLang="zh-CN" dirty="0">
+                <a:latin typeface="华文中宋" panose="02010600040101010101" pitchFamily="2" charset="-122"/>
+                <a:ea typeface="华文中宋" panose="02010600040101010101" pitchFamily="2" charset="-122"/>
+              </a:rPr>
+              <a:t>MySQL</a:t>
+            </a:r>
+            <a:r>
+              <a:rPr lang="zh-CN" altLang="zh-CN" dirty="0">
+                <a:latin typeface="华文中宋" panose="02010600040101010101" pitchFamily="2" charset="-122"/>
+                <a:ea typeface="华文中宋" panose="02010600040101010101" pitchFamily="2" charset="-122"/>
+              </a:rPr>
+              <a:t>需要使用临时表来存储结果集，常见于排序和分组查询</a:t>
+            </a:r>
+          </a:p>
+          <a:p>
+            <a:pPr lvl="0"/>
+            <a:r>
+              <a:rPr lang="en-US" altLang="zh-CN" dirty="0">
+                <a:latin typeface="华文中宋" panose="02010600040101010101" pitchFamily="2" charset="-122"/>
+                <a:ea typeface="华文中宋" panose="02010600040101010101" pitchFamily="2" charset="-122"/>
+              </a:rPr>
+              <a:t>Using </a:t>
+            </a:r>
+            <a:r>
+              <a:rPr lang="en-US" altLang="zh-CN" dirty="0" err="1">
+                <a:latin typeface="华文中宋" panose="02010600040101010101" pitchFamily="2" charset="-122"/>
+                <a:ea typeface="华文中宋" panose="02010600040101010101" pitchFamily="2" charset="-122"/>
+              </a:rPr>
+              <a:t>filesort</a:t>
+            </a:r>
+            <a:r>
+              <a:rPr lang="en-US" altLang="zh-CN" dirty="0">
+                <a:latin typeface="华文中宋" panose="02010600040101010101" pitchFamily="2" charset="-122"/>
+                <a:ea typeface="华文中宋" panose="02010600040101010101" pitchFamily="2" charset="-122"/>
+              </a:rPr>
+              <a:t> MySQL</a:t>
+            </a:r>
+            <a:r>
+              <a:rPr lang="zh-CN" altLang="zh-CN" dirty="0">
+                <a:latin typeface="华文中宋" panose="02010600040101010101" pitchFamily="2" charset="-122"/>
+                <a:ea typeface="华文中宋" panose="02010600040101010101" pitchFamily="2" charset="-122"/>
+              </a:rPr>
+              <a:t>中无法利用索引完成的排序操作称为</a:t>
+            </a:r>
+            <a:r>
+              <a:rPr lang="en-US" altLang="zh-CN" dirty="0">
+                <a:latin typeface="华文中宋" panose="02010600040101010101" pitchFamily="2" charset="-122"/>
+                <a:ea typeface="华文中宋" panose="02010600040101010101" pitchFamily="2" charset="-122"/>
+              </a:rPr>
+              <a:t>“</a:t>
+            </a:r>
+            <a:r>
+              <a:rPr lang="zh-CN" altLang="zh-CN" dirty="0">
+                <a:latin typeface="华文中宋" panose="02010600040101010101" pitchFamily="2" charset="-122"/>
+                <a:ea typeface="华文中宋" panose="02010600040101010101" pitchFamily="2" charset="-122"/>
+              </a:rPr>
+              <a:t>文件排序</a:t>
+            </a:r>
+            <a:r>
+              <a:rPr lang="en-US" altLang="zh-CN" dirty="0">
+                <a:latin typeface="华文中宋" panose="02010600040101010101" pitchFamily="2" charset="-122"/>
+                <a:ea typeface="华文中宋" panose="02010600040101010101" pitchFamily="2" charset="-122"/>
+              </a:rPr>
+              <a:t>”</a:t>
+            </a:r>
+            <a:endParaRPr lang="zh-CN" altLang="zh-CN" dirty="0">
+              <a:latin typeface="华文中宋" panose="02010600040101010101" pitchFamily="2" charset="-122"/>
+              <a:ea typeface="华文中宋" panose="02010600040101010101" pitchFamily="2" charset="-122"/>
+            </a:endParaRPr>
+          </a:p>
+          <a:p>
+            <a:endParaRPr lang="zh-CN" altLang="en-US" dirty="0"/>
+          </a:p>
+        </p:txBody>
+      </p:sp>
+    </p:spTree>
+    <p:extLst>
+      <p:ext uri="{BB962C8B-B14F-4D97-AF65-F5344CB8AC3E}">
+        <p14:creationId xmlns:p14="http://schemas.microsoft.com/office/powerpoint/2010/main" val="3464290397"/>
+      </p:ext>
+    </p:extLst>
+  </p:cSld>
+  <p:clrMapOvr>
+    <a:masterClrMapping/>
+  </p:clrMapOvr>
+  <p:timing>
+    <p:tnLst>
+      <p:par>
+        <p:cTn id="1" dur="indefinite" restart="never" nodeType="tmRoot"/>
+      </p:par>
+    </p:tnLst>
+  </p:timing>
+</p:sld>
+</file>
+
+<file path=ppt/slides/slide24.xml><?xml version="1.0" encoding="utf-8"?>
 <p:sld xmlns:a="http://schemas.openxmlformats.org/drawingml/2006/main" xmlns:r="http://schemas.openxmlformats.org/officeDocument/2006/relationships" xmlns:p="http://schemas.openxmlformats.org/presentationml/2006/main">
   <p:cSld>
     <p:spTree>
@@ -19749,7 +22028,7 @@
 </p:sld>
 </file>
 
-<file path=ppt/slides/slide23.xml><?xml version="1.0" encoding="utf-8"?>
+<file path=ppt/slides/slide25.xml><?xml version="1.0" encoding="utf-8"?>
 <p:sld xmlns:a="http://schemas.openxmlformats.org/drawingml/2006/main" xmlns:r="http://schemas.openxmlformats.org/officeDocument/2006/relationships" xmlns:p="http://schemas.openxmlformats.org/presentationml/2006/main">
   <p:cSld>
     <p:spTree>
@@ -20663,7 +22942,7 @@
 </p:sld>
 </file>
 
-<file path=ppt/slides/slide24.xml><?xml version="1.0" encoding="utf-8"?>
+<file path=ppt/slides/slide26.xml><?xml version="1.0" encoding="utf-8"?>
 <p:sld xmlns:a="http://schemas.openxmlformats.org/drawingml/2006/main" xmlns:r="http://schemas.openxmlformats.org/officeDocument/2006/relationships" xmlns:p="http://schemas.openxmlformats.org/presentationml/2006/main">
   <p:cSld>
     <p:spTree>
@@ -22678,29 +24957,8 @@
               <a:rPr lang="zh-CN" altLang="en-US" dirty="0" smtClean="0">
                 <a:latin typeface="+mn-ea"/>
               </a:rPr>
-              <a:t>索引，组合</a:t>
-            </a:r>
-            <a:r>
-              <a:rPr lang="zh-CN" altLang="en-US" dirty="0" smtClean="0">
-                <a:latin typeface="+mn-ea"/>
-              </a:rPr>
-              <a:t>索引，</a:t>
-            </a:r>
-            <a:r>
-              <a:rPr lang="zh-CN" altLang="en-US" dirty="0" smtClean="0">
-                <a:latin typeface="+mn-ea"/>
-              </a:rPr>
-              <a:t>前缀索引</a:t>
-            </a:r>
-            <a:r>
-              <a:rPr lang="zh-CN" altLang="en-US" dirty="0" smtClean="0">
-                <a:latin typeface="+mn-ea"/>
-              </a:rPr>
-              <a:t>。</a:t>
-            </a:r>
-            <a:endParaRPr lang="zh-CN" altLang="en-US" dirty="0" smtClean="0">
-              <a:latin typeface="+mn-ea"/>
-            </a:endParaRPr>
+              <a:t>索引，组合索引，前缀索引。</a:t>
+            </a:r>
           </a:p>
         </p:txBody>
       </p:sp>
@@ -22755,6 +25013,111 @@
 </file>
 
 <file path=ppt/slides/slide7.xml><?xml version="1.0" encoding="utf-8"?>
+<p:sld xmlns:a="http://schemas.openxmlformats.org/drawingml/2006/main" xmlns:r="http://schemas.openxmlformats.org/officeDocument/2006/relationships" xmlns:p="http://schemas.openxmlformats.org/presentationml/2006/main">
+  <p:cSld>
+    <p:spTree>
+      <p:nvGrpSpPr>
+        <p:cNvPr id="1" name=""/>
+        <p:cNvGrpSpPr/>
+        <p:nvPr/>
+      </p:nvGrpSpPr>
+      <p:grpSpPr>
+        <a:xfrm>
+          <a:off x="0" y="0"/>
+          <a:ext cx="0" cy="0"/>
+          <a:chOff x="0" y="0"/>
+          <a:chExt cx="0" cy="0"/>
+        </a:xfrm>
+      </p:grpSpPr>
+      <p:sp>
+        <p:nvSpPr>
+          <p:cNvPr id="2" name="文本框 1"/>
+          <p:cNvSpPr txBox="1"/>
+          <p:nvPr/>
+        </p:nvSpPr>
+        <p:spPr>
+          <a:xfrm flipH="1">
+            <a:off x="249160" y="177836"/>
+            <a:ext cx="6492298" cy="584775"/>
+          </a:xfrm>
+          <a:prstGeom prst="rect">
+            <a:avLst/>
+          </a:prstGeom>
+          <a:noFill/>
+        </p:spPr>
+        <p:txBody>
+          <a:bodyPr wrap="square" rtlCol="0">
+            <a:spAutoFit/>
+          </a:bodyPr>
+          <a:lstStyle/>
+          <a:p>
+            <a:r>
+              <a:rPr lang="zh-CN" altLang="en-US" sz="3200" b="1" dirty="0" smtClean="0">
+                <a:solidFill>
+                  <a:srgbClr val="52C018"/>
+                </a:solidFill>
+                <a:latin typeface="+mn-ea"/>
+              </a:rPr>
+              <a:t>索引基础</a:t>
+            </a:r>
+            <a:endParaRPr lang="zh-CN" altLang="en-US" sz="3200" b="1" dirty="0">
+              <a:solidFill>
+                <a:srgbClr val="52C018"/>
+              </a:solidFill>
+              <a:latin typeface="+mn-ea"/>
+            </a:endParaRPr>
+          </a:p>
+        </p:txBody>
+      </p:sp>
+      <p:graphicFrame>
+        <p:nvGraphicFramePr>
+          <p:cNvPr id="9" name="内容占位符 2"/>
+          <p:cNvGraphicFramePr>
+            <a:graphicFrameLocks/>
+          </p:cNvGraphicFramePr>
+          <p:nvPr>
+            <p:extLst/>
+          </p:nvPr>
+        </p:nvGraphicFramePr>
+        <p:xfrm>
+          <a:off x="419542" y="1144397"/>
+          <a:ext cx="11137720" cy="5275257"/>
+        </p:xfrm>
+        <a:graphic>
+          <a:graphicData uri="http://schemas.openxmlformats.org/drawingml/2006/diagram">
+            <dgm:relIds xmlns:dgm="http://schemas.openxmlformats.org/drawingml/2006/diagram" xmlns:r="http://schemas.openxmlformats.org/officeDocument/2006/relationships" r:dm="rId3" r:lo="rId4" r:qs="rId5" r:cs="rId6"/>
+          </a:graphicData>
+        </a:graphic>
+      </p:graphicFrame>
+    </p:spTree>
+    <p:extLst>
+      <p:ext uri="{BB962C8B-B14F-4D97-AF65-F5344CB8AC3E}">
+        <p14:creationId xmlns:p14="http://schemas.microsoft.com/office/powerpoint/2010/main" val="202095137"/>
+      </p:ext>
+    </p:extLst>
+  </p:cSld>
+  <p:clrMapOvr>
+    <a:masterClrMapping/>
+  </p:clrMapOvr>
+  <mc:AlternateContent xmlns:mc="http://schemas.openxmlformats.org/markup-compatibility/2006">
+    <mc:Choice xmlns:p14="http://schemas.microsoft.com/office/powerpoint/2010/main" Requires="p14">
+      <p:transition spd="slow" p14:dur="2000"/>
+    </mc:Choice>
+    <mc:Fallback>
+      <p:transition spd="slow"/>
+    </mc:Fallback>
+  </mc:AlternateContent>
+  <p:timing>
+    <p:tnLst>
+      <p:par>
+        <p:cTn id="1" dur="indefinite" restart="never" nodeType="tmRoot"/>
+      </p:par>
+    </p:tnLst>
+  </p:timing>
+</p:sld>
+</file>
+
+<file path=ppt/slides/slide8.xml><?xml version="1.0" encoding="utf-8"?>
 <p:sld xmlns:a="http://schemas.openxmlformats.org/drawingml/2006/main" xmlns:r="http://schemas.openxmlformats.org/officeDocument/2006/relationships" xmlns:p="http://schemas.openxmlformats.org/presentationml/2006/main">
   <p:cSld>
     <p:spTree>
@@ -23090,7 +25453,7 @@
 </p:sld>
 </file>
 
-<file path=ppt/slides/slide8.xml><?xml version="1.0" encoding="utf-8"?>
+<file path=ppt/slides/slide9.xml><?xml version="1.0" encoding="utf-8"?>
 <p:sld xmlns:a="http://schemas.openxmlformats.org/drawingml/2006/main" xmlns:r="http://schemas.openxmlformats.org/officeDocument/2006/relationships" xmlns:p="http://schemas.openxmlformats.org/presentationml/2006/main">
   <p:cSld>
     <p:spTree>
@@ -23248,7 +25611,11 @@
               </a:pPr>
               <a:r>
                 <a:rPr lang="zh-CN" altLang="en-US" b="1" dirty="0" smtClean="0"/>
-                <a:t>添加原则</a:t>
+                <a:t>索引建立</a:t>
+              </a:r>
+              <a:r>
+                <a:rPr lang="zh-CN" altLang="en-US" b="1" dirty="0" smtClean="0"/>
+                <a:t>原则</a:t>
               </a:r>
               <a:endParaRPr lang="zh-CN" b="1" dirty="0"/>
             </a:p>
@@ -23309,921 +25676,6 @@
     <p:extLst>
       <p:ext uri="{BB962C8B-B14F-4D97-AF65-F5344CB8AC3E}">
         <p14:creationId xmlns:p14="http://schemas.microsoft.com/office/powerpoint/2010/main" val="2137203916"/>
-      </p:ext>
-    </p:extLst>
-  </p:cSld>
-  <p:clrMapOvr>
-    <a:masterClrMapping/>
-  </p:clrMapOvr>
-  <p:timing>
-    <p:tnLst>
-      <p:par>
-        <p:cTn id="1" dur="indefinite" restart="never" nodeType="tmRoot"/>
-      </p:par>
-    </p:tnLst>
-  </p:timing>
-</p:sld>
-</file>
-
-<file path=ppt/slides/slide9.xml><?xml version="1.0" encoding="utf-8"?>
-<p:sld xmlns:a="http://schemas.openxmlformats.org/drawingml/2006/main" xmlns:r="http://schemas.openxmlformats.org/officeDocument/2006/relationships" xmlns:p="http://schemas.openxmlformats.org/presentationml/2006/main">
-  <p:cSld>
-    <p:spTree>
-      <p:nvGrpSpPr>
-        <p:cNvPr id="1" name=""/>
-        <p:cNvGrpSpPr/>
-        <p:nvPr/>
-      </p:nvGrpSpPr>
-      <p:grpSpPr>
-        <a:xfrm>
-          <a:off x="0" y="0"/>
-          <a:ext cx="0" cy="0"/>
-          <a:chOff x="0" y="0"/>
-          <a:chExt cx="0" cy="0"/>
-        </a:xfrm>
-      </p:grpSpPr>
-      <p:sp>
-        <p:nvSpPr>
-          <p:cNvPr id="2" name="MH_Title"/>
-          <p:cNvSpPr/>
-          <p:nvPr>
-            <p:custDataLst>
-              <p:tags r:id="rId2"/>
-            </p:custDataLst>
-          </p:nvPr>
-        </p:nvSpPr>
-        <p:spPr>
-          <a:xfrm>
-            <a:off x="4707738" y="3108897"/>
-            <a:ext cx="7484262" cy="737389"/>
-          </a:xfrm>
-          <a:custGeom>
-            <a:avLst/>
-            <a:gdLst>
-              <a:gd name="connsiteX0" fmla="*/ 0 w 5609212"/>
-              <a:gd name="connsiteY0" fmla="*/ 0 h 504056"/>
-              <a:gd name="connsiteX1" fmla="*/ 5609212 w 5609212"/>
-              <a:gd name="connsiteY1" fmla="*/ 0 h 504056"/>
-              <a:gd name="connsiteX2" fmla="*/ 5609212 w 5609212"/>
-              <a:gd name="connsiteY2" fmla="*/ 504056 h 504056"/>
-              <a:gd name="connsiteX3" fmla="*/ 0 w 5609212"/>
-              <a:gd name="connsiteY3" fmla="*/ 504056 h 504056"/>
-              <a:gd name="connsiteX4" fmla="*/ 0 w 5609212"/>
-              <a:gd name="connsiteY4" fmla="*/ 0 h 504056"/>
-              <a:gd name="connsiteX0" fmla="*/ 0 w 5609212"/>
-              <a:gd name="connsiteY0" fmla="*/ 0 h 504056"/>
-              <a:gd name="connsiteX1" fmla="*/ 5609212 w 5609212"/>
-              <a:gd name="connsiteY1" fmla="*/ 0 h 504056"/>
-              <a:gd name="connsiteX2" fmla="*/ 5609212 w 5609212"/>
-              <a:gd name="connsiteY2" fmla="*/ 504056 h 504056"/>
-              <a:gd name="connsiteX3" fmla="*/ 128954 w 5609212"/>
-              <a:gd name="connsiteY3" fmla="*/ 504056 h 504056"/>
-              <a:gd name="connsiteX4" fmla="*/ 0 w 5609212"/>
-              <a:gd name="connsiteY4" fmla="*/ 0 h 504056"/>
-            </a:gdLst>
-            <a:ahLst/>
-            <a:cxnLst>
-              <a:cxn ang="0">
-                <a:pos x="connsiteX0" y="connsiteY0"/>
-              </a:cxn>
-              <a:cxn ang="0">
-                <a:pos x="connsiteX1" y="connsiteY1"/>
-              </a:cxn>
-              <a:cxn ang="0">
-                <a:pos x="connsiteX2" y="connsiteY2"/>
-              </a:cxn>
-              <a:cxn ang="0">
-                <a:pos x="connsiteX3" y="connsiteY3"/>
-              </a:cxn>
-              <a:cxn ang="0">
-                <a:pos x="connsiteX4" y="connsiteY4"/>
-              </a:cxn>
-            </a:cxnLst>
-            <a:rect l="l" t="t" r="r" b="b"/>
-            <a:pathLst>
-              <a:path w="5609212" h="504056">
-                <a:moveTo>
-                  <a:pt x="0" y="0"/>
-                </a:moveTo>
-                <a:lnTo>
-                  <a:pt x="5609212" y="0"/>
-                </a:lnTo>
-                <a:lnTo>
-                  <a:pt x="5609212" y="504056"/>
-                </a:lnTo>
-                <a:lnTo>
-                  <a:pt x="128954" y="504056"/>
-                </a:lnTo>
-                <a:lnTo>
-                  <a:pt x="0" y="0"/>
-                </a:lnTo>
-                <a:close/>
-              </a:path>
-            </a:pathLst>
-          </a:custGeom>
-          <a:solidFill>
-            <a:srgbClr val="7EC234"/>
-          </a:solidFill>
-          <a:ln>
-            <a:noFill/>
-          </a:ln>
-        </p:spPr>
-        <p:style>
-          <a:lnRef idx="2">
-            <a:schemeClr val="accent1">
-              <a:shade val="50000"/>
-            </a:schemeClr>
-          </a:lnRef>
-          <a:fillRef idx="1">
-            <a:schemeClr val="accent1"/>
-          </a:fillRef>
-          <a:effectRef idx="0">
-            <a:schemeClr val="accent1"/>
-          </a:effectRef>
-          <a:fontRef idx="minor">
-            <a:schemeClr val="lt1"/>
-          </a:fontRef>
-        </p:style>
-        <p:txBody>
-          <a:bodyPr rot="0" spcFirstLastPara="0" vertOverflow="overflow" horzOverflow="overflow" vert="horz" wrap="square" lIns="0" tIns="0" rIns="0" bIns="36000" numCol="1" spcCol="0" rtlCol="0" fromWordArt="0" anchor="ctr" anchorCtr="0" forceAA="0" compatLnSpc="1">
-            <a:prstTxWarp prst="textNoShape">
-              <a:avLst/>
-            </a:prstTxWarp>
-            <a:normAutofit/>
-          </a:bodyPr>
-          <a:lstStyle/>
-          <a:p>
-            <a:pPr algn="ctr"/>
-            <a:r>
-              <a:rPr lang="zh-CN" altLang="en-US" sz="4000" b="1" dirty="0" smtClean="0">
-                <a:solidFill>
-                  <a:srgbClr val="FFFFFF"/>
-                </a:solidFill>
-                <a:latin typeface="+mn-ea"/>
-              </a:rPr>
-              <a:t>索引</a:t>
-            </a:r>
-            <a:r>
-              <a:rPr lang="zh-CN" altLang="en-US" sz="4000" b="1" dirty="0">
-                <a:solidFill>
-                  <a:srgbClr val="FFFFFF"/>
-                </a:solidFill>
-                <a:latin typeface="+mn-ea"/>
-              </a:rPr>
-              <a:t>应用</a:t>
-            </a:r>
-          </a:p>
-        </p:txBody>
-      </p:sp>
-      <p:sp>
-        <p:nvSpPr>
-          <p:cNvPr id="3" name="MH_Others_1"/>
-          <p:cNvSpPr txBox="1"/>
-          <p:nvPr>
-            <p:custDataLst>
-              <p:tags r:id="rId3"/>
-            </p:custDataLst>
-          </p:nvPr>
-        </p:nvSpPr>
-        <p:spPr>
-          <a:xfrm>
-            <a:off x="4635538" y="2356577"/>
-            <a:ext cx="2324157" cy="773189"/>
-          </a:xfrm>
-          <a:prstGeom prst="rect">
-            <a:avLst/>
-          </a:prstGeom>
-          <a:noFill/>
-        </p:spPr>
-        <p:txBody>
-          <a:bodyPr wrap="square" rtlCol="0">
-            <a:normAutofit/>
-          </a:bodyPr>
-          <a:lstStyle/>
-          <a:p>
-            <a:pPr algn="r"/>
-            <a:r>
-              <a:rPr lang="en-US" altLang="zh-CN" sz="3200" b="1" dirty="0">
-                <a:solidFill>
-                  <a:srgbClr val="C2E49C"/>
-                </a:solidFill>
-                <a:latin typeface="微软雅黑" panose="020B0503020204020204" pitchFamily="34" charset="-122"/>
-                <a:ea typeface="微软雅黑" panose="020B0503020204020204" pitchFamily="34" charset="-122"/>
-              </a:rPr>
-              <a:t>Chapter</a:t>
-            </a:r>
-            <a:endParaRPr lang="zh-CN" altLang="en-US" sz="3200" b="1" dirty="0">
-              <a:solidFill>
-                <a:srgbClr val="C2E49C"/>
-              </a:solidFill>
-              <a:latin typeface="微软雅黑" panose="020B0503020204020204" pitchFamily="34" charset="-122"/>
-              <a:ea typeface="微软雅黑" panose="020B0503020204020204" pitchFamily="34" charset="-122"/>
-            </a:endParaRPr>
-          </a:p>
-        </p:txBody>
-      </p:sp>
-      <p:sp>
-        <p:nvSpPr>
-          <p:cNvPr id="9" name="MH_Others_2"/>
-          <p:cNvSpPr/>
-          <p:nvPr>
-            <p:custDataLst>
-              <p:tags r:id="rId4"/>
-            </p:custDataLst>
-          </p:nvPr>
-        </p:nvSpPr>
-        <p:spPr>
-          <a:xfrm>
-            <a:off x="-3365" y="2058898"/>
-            <a:ext cx="4391004" cy="1049999"/>
-          </a:xfrm>
-          <a:custGeom>
-            <a:avLst/>
-            <a:gdLst>
-              <a:gd name="connsiteX0" fmla="*/ 0 w 3297310"/>
-              <a:gd name="connsiteY0" fmla="*/ 0 h 794131"/>
-              <a:gd name="connsiteX1" fmla="*/ 3095277 w 3297310"/>
-              <a:gd name="connsiteY1" fmla="*/ 0 h 794131"/>
-              <a:gd name="connsiteX2" fmla="*/ 3297310 w 3297310"/>
-              <a:gd name="connsiteY2" fmla="*/ 794131 h 794131"/>
-              <a:gd name="connsiteX3" fmla="*/ 0 w 3297310"/>
-              <a:gd name="connsiteY3" fmla="*/ 794131 h 794131"/>
-            </a:gdLst>
-            <a:ahLst/>
-            <a:cxnLst>
-              <a:cxn ang="0">
-                <a:pos x="connsiteX0" y="connsiteY0"/>
-              </a:cxn>
-              <a:cxn ang="0">
-                <a:pos x="connsiteX1" y="connsiteY1"/>
-              </a:cxn>
-              <a:cxn ang="0">
-                <a:pos x="connsiteX2" y="connsiteY2"/>
-              </a:cxn>
-              <a:cxn ang="0">
-                <a:pos x="connsiteX3" y="connsiteY3"/>
-              </a:cxn>
-            </a:cxnLst>
-            <a:rect l="l" t="t" r="r" b="b"/>
-            <a:pathLst>
-              <a:path w="3297310" h="794131">
-                <a:moveTo>
-                  <a:pt x="0" y="0"/>
-                </a:moveTo>
-                <a:lnTo>
-                  <a:pt x="3095277" y="0"/>
-                </a:lnTo>
-                <a:lnTo>
-                  <a:pt x="3297310" y="794131"/>
-                </a:lnTo>
-                <a:lnTo>
-                  <a:pt x="0" y="794131"/>
-                </a:lnTo>
-                <a:close/>
-              </a:path>
-            </a:pathLst>
-          </a:custGeom>
-          <a:solidFill>
-            <a:srgbClr val="7EC234"/>
-          </a:solidFill>
-          <a:ln>
-            <a:noFill/>
-          </a:ln>
-        </p:spPr>
-        <p:style>
-          <a:lnRef idx="2">
-            <a:schemeClr val="accent1">
-              <a:shade val="50000"/>
-            </a:schemeClr>
-          </a:lnRef>
-          <a:fillRef idx="1">
-            <a:schemeClr val="accent1"/>
-          </a:fillRef>
-          <a:effectRef idx="0">
-            <a:schemeClr val="accent1"/>
-          </a:effectRef>
-          <a:fontRef idx="minor">
-            <a:schemeClr val="lt1"/>
-          </a:fontRef>
-        </p:style>
-        <p:txBody>
-          <a:bodyPr rot="0" spcFirstLastPara="0" vertOverflow="overflow" horzOverflow="overflow" vert="horz" wrap="square" lIns="91440" tIns="45720" rIns="91440" bIns="45720" numCol="1" spcCol="0" rtlCol="0" fromWordArt="0" anchor="ctr" anchorCtr="0" forceAA="0" compatLnSpc="1">
-            <a:prstTxWarp prst="textNoShape">
-              <a:avLst/>
-            </a:prstTxWarp>
-            <a:noAutofit/>
-          </a:bodyPr>
-          <a:lstStyle/>
-          <a:p>
-            <a:pPr algn="ctr"/>
-            <a:endParaRPr lang="zh-CN" altLang="en-US" dirty="0"/>
-          </a:p>
-        </p:txBody>
-      </p:sp>
-      <p:sp>
-        <p:nvSpPr>
-          <p:cNvPr id="5" name="MH_Others_3"/>
-          <p:cNvSpPr/>
-          <p:nvPr>
-            <p:custDataLst>
-              <p:tags r:id="rId5"/>
-            </p:custDataLst>
-          </p:nvPr>
-        </p:nvSpPr>
-        <p:spPr>
-          <a:xfrm>
-            <a:off x="-14514" y="2305236"/>
-            <a:ext cx="4065717" cy="531044"/>
-          </a:xfrm>
-          <a:custGeom>
-            <a:avLst/>
-            <a:gdLst>
-              <a:gd name="connsiteX0" fmla="*/ 1857013 w 3156552"/>
-              <a:gd name="connsiteY0" fmla="*/ 104678 h 401637"/>
-              <a:gd name="connsiteX1" fmla="*/ 1929021 w 3156552"/>
-              <a:gd name="connsiteY1" fmla="*/ 104678 h 401637"/>
-              <a:gd name="connsiteX2" fmla="*/ 1929021 w 3156552"/>
-              <a:gd name="connsiteY2" fmla="*/ 297257 h 401637"/>
-              <a:gd name="connsiteX3" fmla="*/ 1857013 w 3156552"/>
-              <a:gd name="connsiteY3" fmla="*/ 297257 h 401637"/>
-              <a:gd name="connsiteX4" fmla="*/ 1702944 w 3156552"/>
-              <a:gd name="connsiteY4" fmla="*/ 104678 h 401637"/>
-              <a:gd name="connsiteX5" fmla="*/ 1774952 w 3156552"/>
-              <a:gd name="connsiteY5" fmla="*/ 104678 h 401637"/>
-              <a:gd name="connsiteX6" fmla="*/ 1774952 w 3156552"/>
-              <a:gd name="connsiteY6" fmla="*/ 297257 h 401637"/>
-              <a:gd name="connsiteX7" fmla="*/ 1702944 w 3156552"/>
-              <a:gd name="connsiteY7" fmla="*/ 297257 h 401637"/>
-              <a:gd name="connsiteX8" fmla="*/ 1548875 w 3156552"/>
-              <a:gd name="connsiteY8" fmla="*/ 104678 h 401637"/>
-              <a:gd name="connsiteX9" fmla="*/ 1620883 w 3156552"/>
-              <a:gd name="connsiteY9" fmla="*/ 104678 h 401637"/>
-              <a:gd name="connsiteX10" fmla="*/ 1620883 w 3156552"/>
-              <a:gd name="connsiteY10" fmla="*/ 297257 h 401637"/>
-              <a:gd name="connsiteX11" fmla="*/ 1548875 w 3156552"/>
-              <a:gd name="connsiteY11" fmla="*/ 297257 h 401637"/>
-              <a:gd name="connsiteX12" fmla="*/ 1394806 w 3156552"/>
-              <a:gd name="connsiteY12" fmla="*/ 104678 h 401637"/>
-              <a:gd name="connsiteX13" fmla="*/ 1466814 w 3156552"/>
-              <a:gd name="connsiteY13" fmla="*/ 104678 h 401637"/>
-              <a:gd name="connsiteX14" fmla="*/ 1466814 w 3156552"/>
-              <a:gd name="connsiteY14" fmla="*/ 297257 h 401637"/>
-              <a:gd name="connsiteX15" fmla="*/ 1394806 w 3156552"/>
-              <a:gd name="connsiteY15" fmla="*/ 297257 h 401637"/>
-              <a:gd name="connsiteX16" fmla="*/ 1240737 w 3156552"/>
-              <a:gd name="connsiteY16" fmla="*/ 104678 h 401637"/>
-              <a:gd name="connsiteX17" fmla="*/ 1312745 w 3156552"/>
-              <a:gd name="connsiteY17" fmla="*/ 104678 h 401637"/>
-              <a:gd name="connsiteX18" fmla="*/ 1312745 w 3156552"/>
-              <a:gd name="connsiteY18" fmla="*/ 297257 h 401637"/>
-              <a:gd name="connsiteX19" fmla="*/ 1240737 w 3156552"/>
-              <a:gd name="connsiteY19" fmla="*/ 297257 h 401637"/>
-              <a:gd name="connsiteX20" fmla="*/ 1086668 w 3156552"/>
-              <a:gd name="connsiteY20" fmla="*/ 104678 h 401637"/>
-              <a:gd name="connsiteX21" fmla="*/ 1158676 w 3156552"/>
-              <a:gd name="connsiteY21" fmla="*/ 104678 h 401637"/>
-              <a:gd name="connsiteX22" fmla="*/ 1158676 w 3156552"/>
-              <a:gd name="connsiteY22" fmla="*/ 297257 h 401637"/>
-              <a:gd name="connsiteX23" fmla="*/ 1086668 w 3156552"/>
-              <a:gd name="connsiteY23" fmla="*/ 297257 h 401637"/>
-              <a:gd name="connsiteX24" fmla="*/ 932599 w 3156552"/>
-              <a:gd name="connsiteY24" fmla="*/ 104678 h 401637"/>
-              <a:gd name="connsiteX25" fmla="*/ 1004607 w 3156552"/>
-              <a:gd name="connsiteY25" fmla="*/ 104678 h 401637"/>
-              <a:gd name="connsiteX26" fmla="*/ 1004607 w 3156552"/>
-              <a:gd name="connsiteY26" fmla="*/ 297257 h 401637"/>
-              <a:gd name="connsiteX27" fmla="*/ 932599 w 3156552"/>
-              <a:gd name="connsiteY27" fmla="*/ 297257 h 401637"/>
-              <a:gd name="connsiteX28" fmla="*/ 778530 w 3156552"/>
-              <a:gd name="connsiteY28" fmla="*/ 104678 h 401637"/>
-              <a:gd name="connsiteX29" fmla="*/ 850538 w 3156552"/>
-              <a:gd name="connsiteY29" fmla="*/ 104678 h 401637"/>
-              <a:gd name="connsiteX30" fmla="*/ 850538 w 3156552"/>
-              <a:gd name="connsiteY30" fmla="*/ 297257 h 401637"/>
-              <a:gd name="connsiteX31" fmla="*/ 778530 w 3156552"/>
-              <a:gd name="connsiteY31" fmla="*/ 297257 h 401637"/>
-              <a:gd name="connsiteX32" fmla="*/ 622824 w 3156552"/>
-              <a:gd name="connsiteY32" fmla="*/ 104678 h 401637"/>
-              <a:gd name="connsiteX33" fmla="*/ 694832 w 3156552"/>
-              <a:gd name="connsiteY33" fmla="*/ 104678 h 401637"/>
-              <a:gd name="connsiteX34" fmla="*/ 694832 w 3156552"/>
-              <a:gd name="connsiteY34" fmla="*/ 297257 h 401637"/>
-              <a:gd name="connsiteX35" fmla="*/ 622824 w 3156552"/>
-              <a:gd name="connsiteY35" fmla="*/ 297257 h 401637"/>
-              <a:gd name="connsiteX36" fmla="*/ 467118 w 3156552"/>
-              <a:gd name="connsiteY36" fmla="*/ 104678 h 401637"/>
-              <a:gd name="connsiteX37" fmla="*/ 539126 w 3156552"/>
-              <a:gd name="connsiteY37" fmla="*/ 104678 h 401637"/>
-              <a:gd name="connsiteX38" fmla="*/ 539126 w 3156552"/>
-              <a:gd name="connsiteY38" fmla="*/ 297257 h 401637"/>
-              <a:gd name="connsiteX39" fmla="*/ 467118 w 3156552"/>
-              <a:gd name="connsiteY39" fmla="*/ 297257 h 401637"/>
-              <a:gd name="connsiteX40" fmla="*/ 311412 w 3156552"/>
-              <a:gd name="connsiteY40" fmla="*/ 104678 h 401637"/>
-              <a:gd name="connsiteX41" fmla="*/ 383420 w 3156552"/>
-              <a:gd name="connsiteY41" fmla="*/ 104678 h 401637"/>
-              <a:gd name="connsiteX42" fmla="*/ 383420 w 3156552"/>
-              <a:gd name="connsiteY42" fmla="*/ 297257 h 401637"/>
-              <a:gd name="connsiteX43" fmla="*/ 311412 w 3156552"/>
-              <a:gd name="connsiteY43" fmla="*/ 297257 h 401637"/>
-              <a:gd name="connsiteX44" fmla="*/ 155706 w 3156552"/>
-              <a:gd name="connsiteY44" fmla="*/ 104678 h 401637"/>
-              <a:gd name="connsiteX45" fmla="*/ 227714 w 3156552"/>
-              <a:gd name="connsiteY45" fmla="*/ 104678 h 401637"/>
-              <a:gd name="connsiteX46" fmla="*/ 227714 w 3156552"/>
-              <a:gd name="connsiteY46" fmla="*/ 297257 h 401637"/>
-              <a:gd name="connsiteX47" fmla="*/ 155706 w 3156552"/>
-              <a:gd name="connsiteY47" fmla="*/ 297257 h 401637"/>
-              <a:gd name="connsiteX48" fmla="*/ 0 w 3156552"/>
-              <a:gd name="connsiteY48" fmla="*/ 104678 h 401637"/>
-              <a:gd name="connsiteX49" fmla="*/ 72008 w 3156552"/>
-              <a:gd name="connsiteY49" fmla="*/ 104678 h 401637"/>
-              <a:gd name="connsiteX50" fmla="*/ 72008 w 3156552"/>
-              <a:gd name="connsiteY50" fmla="*/ 297257 h 401637"/>
-              <a:gd name="connsiteX51" fmla="*/ 0 w 3156552"/>
-              <a:gd name="connsiteY51" fmla="*/ 297257 h 401637"/>
-              <a:gd name="connsiteX52" fmla="*/ 2955734 w 3156552"/>
-              <a:gd name="connsiteY52" fmla="*/ 0 h 401637"/>
-              <a:gd name="connsiteX53" fmla="*/ 3156552 w 3156552"/>
-              <a:gd name="connsiteY53" fmla="*/ 200819 h 401637"/>
-              <a:gd name="connsiteX54" fmla="*/ 2955734 w 3156552"/>
-              <a:gd name="connsiteY54" fmla="*/ 401637 h 401637"/>
-              <a:gd name="connsiteX55" fmla="*/ 2955734 w 3156552"/>
-              <a:gd name="connsiteY55" fmla="*/ 301228 h 401637"/>
-              <a:gd name="connsiteX56" fmla="*/ 2004424 w 3156552"/>
-              <a:gd name="connsiteY56" fmla="*/ 301228 h 401637"/>
-              <a:gd name="connsiteX57" fmla="*/ 2004424 w 3156552"/>
-              <a:gd name="connsiteY57" fmla="*/ 100409 h 401637"/>
-              <a:gd name="connsiteX58" fmla="*/ 2955734 w 3156552"/>
-              <a:gd name="connsiteY58" fmla="*/ 100409 h 401637"/>
-            </a:gdLst>
-            <a:ahLst/>
-            <a:cxnLst>
-              <a:cxn ang="0">
-                <a:pos x="connsiteX0" y="connsiteY0"/>
-              </a:cxn>
-              <a:cxn ang="0">
-                <a:pos x="connsiteX1" y="connsiteY1"/>
-              </a:cxn>
-              <a:cxn ang="0">
-                <a:pos x="connsiteX2" y="connsiteY2"/>
-              </a:cxn>
-              <a:cxn ang="0">
-                <a:pos x="connsiteX3" y="connsiteY3"/>
-              </a:cxn>
-              <a:cxn ang="0">
-                <a:pos x="connsiteX4" y="connsiteY4"/>
-              </a:cxn>
-              <a:cxn ang="0">
-                <a:pos x="connsiteX5" y="connsiteY5"/>
-              </a:cxn>
-              <a:cxn ang="0">
-                <a:pos x="connsiteX6" y="connsiteY6"/>
-              </a:cxn>
-              <a:cxn ang="0">
-                <a:pos x="connsiteX7" y="connsiteY7"/>
-              </a:cxn>
-              <a:cxn ang="0">
-                <a:pos x="connsiteX8" y="connsiteY8"/>
-              </a:cxn>
-              <a:cxn ang="0">
-                <a:pos x="connsiteX9" y="connsiteY9"/>
-              </a:cxn>
-              <a:cxn ang="0">
-                <a:pos x="connsiteX10" y="connsiteY10"/>
-              </a:cxn>
-              <a:cxn ang="0">
-                <a:pos x="connsiteX11" y="connsiteY11"/>
-              </a:cxn>
-              <a:cxn ang="0">
-                <a:pos x="connsiteX12" y="connsiteY12"/>
-              </a:cxn>
-              <a:cxn ang="0">
-                <a:pos x="connsiteX13" y="connsiteY13"/>
-              </a:cxn>
-              <a:cxn ang="0">
-                <a:pos x="connsiteX14" y="connsiteY14"/>
-              </a:cxn>
-              <a:cxn ang="0">
-                <a:pos x="connsiteX15" y="connsiteY15"/>
-              </a:cxn>
-              <a:cxn ang="0">
-                <a:pos x="connsiteX16" y="connsiteY16"/>
-              </a:cxn>
-              <a:cxn ang="0">
-                <a:pos x="connsiteX17" y="connsiteY17"/>
-              </a:cxn>
-              <a:cxn ang="0">
-                <a:pos x="connsiteX18" y="connsiteY18"/>
-              </a:cxn>
-              <a:cxn ang="0">
-                <a:pos x="connsiteX19" y="connsiteY19"/>
-              </a:cxn>
-              <a:cxn ang="0">
-                <a:pos x="connsiteX20" y="connsiteY20"/>
-              </a:cxn>
-              <a:cxn ang="0">
-                <a:pos x="connsiteX21" y="connsiteY21"/>
-              </a:cxn>
-              <a:cxn ang="0">
-                <a:pos x="connsiteX22" y="connsiteY22"/>
-              </a:cxn>
-              <a:cxn ang="0">
-                <a:pos x="connsiteX23" y="connsiteY23"/>
-              </a:cxn>
-              <a:cxn ang="0">
-                <a:pos x="connsiteX24" y="connsiteY24"/>
-              </a:cxn>
-              <a:cxn ang="0">
-                <a:pos x="connsiteX25" y="connsiteY25"/>
-              </a:cxn>
-              <a:cxn ang="0">
-                <a:pos x="connsiteX26" y="connsiteY26"/>
-              </a:cxn>
-              <a:cxn ang="0">
-                <a:pos x="connsiteX27" y="connsiteY27"/>
-              </a:cxn>
-              <a:cxn ang="0">
-                <a:pos x="connsiteX28" y="connsiteY28"/>
-              </a:cxn>
-              <a:cxn ang="0">
-                <a:pos x="connsiteX29" y="connsiteY29"/>
-              </a:cxn>
-              <a:cxn ang="0">
-                <a:pos x="connsiteX30" y="connsiteY30"/>
-              </a:cxn>
-              <a:cxn ang="0">
-                <a:pos x="connsiteX31" y="connsiteY31"/>
-              </a:cxn>
-              <a:cxn ang="0">
-                <a:pos x="connsiteX32" y="connsiteY32"/>
-              </a:cxn>
-              <a:cxn ang="0">
-                <a:pos x="connsiteX33" y="connsiteY33"/>
-              </a:cxn>
-              <a:cxn ang="0">
-                <a:pos x="connsiteX34" y="connsiteY34"/>
-              </a:cxn>
-              <a:cxn ang="0">
-                <a:pos x="connsiteX35" y="connsiteY35"/>
-              </a:cxn>
-              <a:cxn ang="0">
-                <a:pos x="connsiteX36" y="connsiteY36"/>
-              </a:cxn>
-              <a:cxn ang="0">
-                <a:pos x="connsiteX37" y="connsiteY37"/>
-              </a:cxn>
-              <a:cxn ang="0">
-                <a:pos x="connsiteX38" y="connsiteY38"/>
-              </a:cxn>
-              <a:cxn ang="0">
-                <a:pos x="connsiteX39" y="connsiteY39"/>
-              </a:cxn>
-              <a:cxn ang="0">
-                <a:pos x="connsiteX40" y="connsiteY40"/>
-              </a:cxn>
-              <a:cxn ang="0">
-                <a:pos x="connsiteX41" y="connsiteY41"/>
-              </a:cxn>
-              <a:cxn ang="0">
-                <a:pos x="connsiteX42" y="connsiteY42"/>
-              </a:cxn>
-              <a:cxn ang="0">
-                <a:pos x="connsiteX43" y="connsiteY43"/>
-              </a:cxn>
-              <a:cxn ang="0">
-                <a:pos x="connsiteX44" y="connsiteY44"/>
-              </a:cxn>
-              <a:cxn ang="0">
-                <a:pos x="connsiteX45" y="connsiteY45"/>
-              </a:cxn>
-              <a:cxn ang="0">
-                <a:pos x="connsiteX46" y="connsiteY46"/>
-              </a:cxn>
-              <a:cxn ang="0">
-                <a:pos x="connsiteX47" y="connsiteY47"/>
-              </a:cxn>
-              <a:cxn ang="0">
-                <a:pos x="connsiteX48" y="connsiteY48"/>
-              </a:cxn>
-              <a:cxn ang="0">
-                <a:pos x="connsiteX49" y="connsiteY49"/>
-              </a:cxn>
-              <a:cxn ang="0">
-                <a:pos x="connsiteX50" y="connsiteY50"/>
-              </a:cxn>
-              <a:cxn ang="0">
-                <a:pos x="connsiteX51" y="connsiteY51"/>
-              </a:cxn>
-              <a:cxn ang="0">
-                <a:pos x="connsiteX52" y="connsiteY52"/>
-              </a:cxn>
-              <a:cxn ang="0">
-                <a:pos x="connsiteX53" y="connsiteY53"/>
-              </a:cxn>
-              <a:cxn ang="0">
-                <a:pos x="connsiteX54" y="connsiteY54"/>
-              </a:cxn>
-              <a:cxn ang="0">
-                <a:pos x="connsiteX55" y="connsiteY55"/>
-              </a:cxn>
-              <a:cxn ang="0">
-                <a:pos x="connsiteX56" y="connsiteY56"/>
-              </a:cxn>
-              <a:cxn ang="0">
-                <a:pos x="connsiteX57" y="connsiteY57"/>
-              </a:cxn>
-              <a:cxn ang="0">
-                <a:pos x="connsiteX58" y="connsiteY58"/>
-              </a:cxn>
-            </a:cxnLst>
-            <a:rect l="l" t="t" r="r" b="b"/>
-            <a:pathLst>
-              <a:path w="3156552" h="401637">
-                <a:moveTo>
-                  <a:pt x="1857013" y="104678"/>
-                </a:moveTo>
-                <a:lnTo>
-                  <a:pt x="1929021" y="104678"/>
-                </a:lnTo>
-                <a:lnTo>
-                  <a:pt x="1929021" y="297257"/>
-                </a:lnTo>
-                <a:lnTo>
-                  <a:pt x="1857013" y="297257"/>
-                </a:lnTo>
-                <a:close/>
-                <a:moveTo>
-                  <a:pt x="1702944" y="104678"/>
-                </a:moveTo>
-                <a:lnTo>
-                  <a:pt x="1774952" y="104678"/>
-                </a:lnTo>
-                <a:lnTo>
-                  <a:pt x="1774952" y="297257"/>
-                </a:lnTo>
-                <a:lnTo>
-                  <a:pt x="1702944" y="297257"/>
-                </a:lnTo>
-                <a:close/>
-                <a:moveTo>
-                  <a:pt x="1548875" y="104678"/>
-                </a:moveTo>
-                <a:lnTo>
-                  <a:pt x="1620883" y="104678"/>
-                </a:lnTo>
-                <a:lnTo>
-                  <a:pt x="1620883" y="297257"/>
-                </a:lnTo>
-                <a:lnTo>
-                  <a:pt x="1548875" y="297257"/>
-                </a:lnTo>
-                <a:close/>
-                <a:moveTo>
-                  <a:pt x="1394806" y="104678"/>
-                </a:moveTo>
-                <a:lnTo>
-                  <a:pt x="1466814" y="104678"/>
-                </a:lnTo>
-                <a:lnTo>
-                  <a:pt x="1466814" y="297257"/>
-                </a:lnTo>
-                <a:lnTo>
-                  <a:pt x="1394806" y="297257"/>
-                </a:lnTo>
-                <a:close/>
-                <a:moveTo>
-                  <a:pt x="1240737" y="104678"/>
-                </a:moveTo>
-                <a:lnTo>
-                  <a:pt x="1312745" y="104678"/>
-                </a:lnTo>
-                <a:lnTo>
-                  <a:pt x="1312745" y="297257"/>
-                </a:lnTo>
-                <a:lnTo>
-                  <a:pt x="1240737" y="297257"/>
-                </a:lnTo>
-                <a:close/>
-                <a:moveTo>
-                  <a:pt x="1086668" y="104678"/>
-                </a:moveTo>
-                <a:lnTo>
-                  <a:pt x="1158676" y="104678"/>
-                </a:lnTo>
-                <a:lnTo>
-                  <a:pt x="1158676" y="297257"/>
-                </a:lnTo>
-                <a:lnTo>
-                  <a:pt x="1086668" y="297257"/>
-                </a:lnTo>
-                <a:close/>
-                <a:moveTo>
-                  <a:pt x="932599" y="104678"/>
-                </a:moveTo>
-                <a:lnTo>
-                  <a:pt x="1004607" y="104678"/>
-                </a:lnTo>
-                <a:lnTo>
-                  <a:pt x="1004607" y="297257"/>
-                </a:lnTo>
-                <a:lnTo>
-                  <a:pt x="932599" y="297257"/>
-                </a:lnTo>
-                <a:close/>
-                <a:moveTo>
-                  <a:pt x="778530" y="104678"/>
-                </a:moveTo>
-                <a:lnTo>
-                  <a:pt x="850538" y="104678"/>
-                </a:lnTo>
-                <a:lnTo>
-                  <a:pt x="850538" y="297257"/>
-                </a:lnTo>
-                <a:lnTo>
-                  <a:pt x="778530" y="297257"/>
-                </a:lnTo>
-                <a:close/>
-                <a:moveTo>
-                  <a:pt x="622824" y="104678"/>
-                </a:moveTo>
-                <a:lnTo>
-                  <a:pt x="694832" y="104678"/>
-                </a:lnTo>
-                <a:lnTo>
-                  <a:pt x="694832" y="297257"/>
-                </a:lnTo>
-                <a:lnTo>
-                  <a:pt x="622824" y="297257"/>
-                </a:lnTo>
-                <a:close/>
-                <a:moveTo>
-                  <a:pt x="467118" y="104678"/>
-                </a:moveTo>
-                <a:lnTo>
-                  <a:pt x="539126" y="104678"/>
-                </a:lnTo>
-                <a:lnTo>
-                  <a:pt x="539126" y="297257"/>
-                </a:lnTo>
-                <a:lnTo>
-                  <a:pt x="467118" y="297257"/>
-                </a:lnTo>
-                <a:close/>
-                <a:moveTo>
-                  <a:pt x="311412" y="104678"/>
-                </a:moveTo>
-                <a:lnTo>
-                  <a:pt x="383420" y="104678"/>
-                </a:lnTo>
-                <a:lnTo>
-                  <a:pt x="383420" y="297257"/>
-                </a:lnTo>
-                <a:lnTo>
-                  <a:pt x="311412" y="297257"/>
-                </a:lnTo>
-                <a:close/>
-                <a:moveTo>
-                  <a:pt x="155706" y="104678"/>
-                </a:moveTo>
-                <a:lnTo>
-                  <a:pt x="227714" y="104678"/>
-                </a:lnTo>
-                <a:lnTo>
-                  <a:pt x="227714" y="297257"/>
-                </a:lnTo>
-                <a:lnTo>
-                  <a:pt x="155706" y="297257"/>
-                </a:lnTo>
-                <a:close/>
-                <a:moveTo>
-                  <a:pt x="0" y="104678"/>
-                </a:moveTo>
-                <a:lnTo>
-                  <a:pt x="72008" y="104678"/>
-                </a:lnTo>
-                <a:lnTo>
-                  <a:pt x="72008" y="297257"/>
-                </a:lnTo>
-                <a:lnTo>
-                  <a:pt x="0" y="297257"/>
-                </a:lnTo>
-                <a:close/>
-                <a:moveTo>
-                  <a:pt x="2955734" y="0"/>
-                </a:moveTo>
-                <a:lnTo>
-                  <a:pt x="3156552" y="200819"/>
-                </a:lnTo>
-                <a:lnTo>
-                  <a:pt x="2955734" y="401637"/>
-                </a:lnTo>
-                <a:lnTo>
-                  <a:pt x="2955734" y="301228"/>
-                </a:lnTo>
-                <a:lnTo>
-                  <a:pt x="2004424" y="301228"/>
-                </a:lnTo>
-                <a:lnTo>
-                  <a:pt x="2004424" y="100409"/>
-                </a:lnTo>
-                <a:lnTo>
-                  <a:pt x="2955734" y="100409"/>
-                </a:lnTo>
-                <a:close/>
-              </a:path>
-            </a:pathLst>
-          </a:custGeom>
-          <a:solidFill>
-            <a:srgbClr val="FFFFFF"/>
-          </a:solidFill>
-          <a:ln>
-            <a:noFill/>
-          </a:ln>
-        </p:spPr>
-        <p:style>
-          <a:lnRef idx="2">
-            <a:schemeClr val="accent1">
-              <a:shade val="50000"/>
-            </a:schemeClr>
-          </a:lnRef>
-          <a:fillRef idx="1">
-            <a:schemeClr val="accent1"/>
-          </a:fillRef>
-          <a:effectRef idx="0">
-            <a:schemeClr val="accent1"/>
-          </a:effectRef>
-          <a:fontRef idx="minor">
-            <a:schemeClr val="lt1"/>
-          </a:fontRef>
-        </p:style>
-        <p:txBody>
-          <a:bodyPr rot="0" spcFirstLastPara="0" vertOverflow="overflow" horzOverflow="overflow" vert="horz" wrap="square" lIns="91440" tIns="45720" rIns="91440" bIns="45720" numCol="1" spcCol="0" rtlCol="0" fromWordArt="0" anchor="ctr" anchorCtr="0" forceAA="0" compatLnSpc="1">
-            <a:prstTxWarp prst="textNoShape">
-              <a:avLst/>
-            </a:prstTxWarp>
-            <a:noAutofit/>
-          </a:bodyPr>
-          <a:lstStyle/>
-          <a:p>
-            <a:pPr algn="ctr"/>
-            <a:endParaRPr lang="zh-CN" altLang="en-US"/>
-          </a:p>
-        </p:txBody>
-      </p:sp>
-      <p:sp>
-        <p:nvSpPr>
-          <p:cNvPr id="10" name="MH_Number"/>
-          <p:cNvSpPr txBox="1"/>
-          <p:nvPr>
-            <p:custDataLst>
-              <p:tags r:id="rId6"/>
-            </p:custDataLst>
-          </p:nvPr>
-        </p:nvSpPr>
-        <p:spPr>
-          <a:xfrm>
-            <a:off x="6959694" y="2296793"/>
-            <a:ext cx="1396905" cy="773189"/>
-          </a:xfrm>
-          <a:prstGeom prst="rect">
-            <a:avLst/>
-          </a:prstGeom>
-          <a:noFill/>
-        </p:spPr>
-        <p:txBody>
-          <a:bodyPr wrap="square" rtlCol="0">
-            <a:noAutofit/>
-          </a:bodyPr>
-          <a:lstStyle/>
-          <a:p>
-            <a:r>
-              <a:rPr lang="en-US" altLang="zh-CN" sz="4000" b="1" dirty="0" smtClean="0">
-                <a:solidFill>
-                  <a:srgbClr val="C2E49C"/>
-                </a:solidFill>
-                <a:latin typeface="微软雅黑" panose="020B0503020204020204" pitchFamily="34" charset="-122"/>
-                <a:ea typeface="微软雅黑" panose="020B0503020204020204" pitchFamily="34" charset="-122"/>
-              </a:rPr>
-              <a:t>2</a:t>
-            </a:r>
-            <a:endParaRPr lang="zh-CN" altLang="en-US" sz="4000" b="1" dirty="0">
-              <a:solidFill>
-                <a:srgbClr val="C2E49C"/>
-              </a:solidFill>
-              <a:latin typeface="微软雅黑" panose="020B0503020204020204" pitchFamily="34" charset="-122"/>
-              <a:ea typeface="微软雅黑" panose="020B0503020204020204" pitchFamily="34" charset="-122"/>
-            </a:endParaRPr>
-          </a:p>
-        </p:txBody>
-      </p:sp>
-    </p:spTree>
-    <p:custDataLst>
-      <p:tags r:id="rId1"/>
-    </p:custDataLst>
-    <p:extLst>
-      <p:ext uri="{BB962C8B-B14F-4D97-AF65-F5344CB8AC3E}">
-        <p14:creationId xmlns:p14="http://schemas.microsoft.com/office/powerpoint/2010/main" val="3681707752"/>
       </p:ext>
     </p:extLst>
   </p:cSld>

--- a/mysql-index.pptx
+++ b/mysql-index.pptx
@@ -5,7 +5,7 @@
     <p:sldMasterId id="2147483648" r:id="rId1"/>
   </p:sldMasterIdLst>
   <p:notesMasterIdLst>
-    <p:notesMasterId r:id="rId28"/>
+    <p:notesMasterId r:id="rId30"/>
   </p:notesMasterIdLst>
   <p:sldIdLst>
     <p:sldId id="257" r:id="rId2"/>
@@ -14,31 +14,33 @@
     <p:sldId id="291" r:id="rId5"/>
     <p:sldId id="275" r:id="rId6"/>
     <p:sldId id="277" r:id="rId7"/>
-    <p:sldId id="296" r:id="rId8"/>
-    <p:sldId id="295" r:id="rId9"/>
-    <p:sldId id="286" r:id="rId10"/>
-    <p:sldId id="265" r:id="rId11"/>
-    <p:sldId id="278" r:id="rId12"/>
-    <p:sldId id="279" r:id="rId13"/>
-    <p:sldId id="281" r:id="rId14"/>
-    <p:sldId id="283" r:id="rId15"/>
-    <p:sldId id="284" r:id="rId16"/>
-    <p:sldId id="294" r:id="rId17"/>
-    <p:sldId id="266" r:id="rId18"/>
-    <p:sldId id="282" r:id="rId19"/>
-    <p:sldId id="285" r:id="rId20"/>
-    <p:sldId id="290" r:id="rId21"/>
-    <p:sldId id="292" r:id="rId22"/>
-    <p:sldId id="297" r:id="rId23"/>
-    <p:sldId id="298" r:id="rId24"/>
-    <p:sldId id="267" r:id="rId25"/>
-    <p:sldId id="268" r:id="rId26"/>
-    <p:sldId id="261" r:id="rId27"/>
+    <p:sldId id="295" r:id="rId8"/>
+    <p:sldId id="296" r:id="rId9"/>
+    <p:sldId id="265" r:id="rId10"/>
+    <p:sldId id="278" r:id="rId11"/>
+    <p:sldId id="279" r:id="rId12"/>
+    <p:sldId id="281" r:id="rId13"/>
+    <p:sldId id="283" r:id="rId14"/>
+    <p:sldId id="284" r:id="rId15"/>
+    <p:sldId id="294" r:id="rId16"/>
+    <p:sldId id="266" r:id="rId17"/>
+    <p:sldId id="282" r:id="rId18"/>
+    <p:sldId id="285" r:id="rId19"/>
+    <p:sldId id="290" r:id="rId20"/>
+    <p:sldId id="292" r:id="rId21"/>
+    <p:sldId id="297" r:id="rId22"/>
+    <p:sldId id="298" r:id="rId23"/>
+    <p:sldId id="267" r:id="rId24"/>
+    <p:sldId id="286" r:id="rId25"/>
+    <p:sldId id="299" r:id="rId26"/>
+    <p:sldId id="300" r:id="rId27"/>
+    <p:sldId id="268" r:id="rId28"/>
+    <p:sldId id="261" r:id="rId29"/>
   </p:sldIdLst>
   <p:sldSz cx="12192000" cy="6858000"/>
   <p:notesSz cx="6858000" cy="9144000"/>
   <p:custDataLst>
-    <p:tags r:id="rId29"/>
+    <p:tags r:id="rId31"/>
   </p:custDataLst>
   <p:defaultTextStyle>
     <a:defPPr>
@@ -2461,8 +2463,8 @@
   <dgm:cxnLst>
     <dgm:cxn modelId="{FA579C4C-FADA-43BF-BB7F-0D652CC5B476}" type="presOf" srcId="{C49B825D-86F6-4ABB-90D4-E6397D9CCFA6}" destId="{4DBBB41F-80A8-4D02-AA6B-A39BDD7EC647}" srcOrd="0" destOrd="5" presId="urn:microsoft.com/office/officeart/2005/8/layout/vList2"/>
     <dgm:cxn modelId="{0168EFCD-3A17-444F-9008-51A4CBE3E4B0}" type="presOf" srcId="{2CCA6318-5E9B-4A45-BE56-891ED3B49920}" destId="{6E1F3A8F-979A-4968-9990-6D26FA552F18}" srcOrd="0" destOrd="0" presId="urn:microsoft.com/office/officeart/2005/8/layout/vList2"/>
+    <dgm:cxn modelId="{A991DB64-F76E-4392-BD26-A58FD1251BC7}" type="presOf" srcId="{3CBA6E75-B103-4827-8B9B-E799FCA4B6A7}" destId="{4DBBB41F-80A8-4D02-AA6B-A39BDD7EC647}" srcOrd="0" destOrd="3" presId="urn:microsoft.com/office/officeart/2005/8/layout/vList2"/>
     <dgm:cxn modelId="{1F81A74A-39C5-4944-9827-4258D764E8C2}" type="presOf" srcId="{3385ECA4-BE99-4663-A1DD-9A21EF985FD6}" destId="{2287F4FD-CD4B-4DBF-99A4-A3F5AA8590C9}" srcOrd="0" destOrd="0" presId="urn:microsoft.com/office/officeart/2005/8/layout/vList2"/>
-    <dgm:cxn modelId="{A991DB64-F76E-4392-BD26-A58FD1251BC7}" type="presOf" srcId="{3CBA6E75-B103-4827-8B9B-E799FCA4B6A7}" destId="{4DBBB41F-80A8-4D02-AA6B-A39BDD7EC647}" srcOrd="0" destOrd="3" presId="urn:microsoft.com/office/officeart/2005/8/layout/vList2"/>
     <dgm:cxn modelId="{AC351001-A3E5-42E2-81F8-4E474EAA0814}" type="presOf" srcId="{7A969AAA-0DCE-4A18-BAFD-FA6343058C3E}" destId="{4DBBB41F-80A8-4D02-AA6B-A39BDD7EC647}" srcOrd="0" destOrd="4" presId="urn:microsoft.com/office/officeart/2005/8/layout/vList2"/>
     <dgm:cxn modelId="{25108019-C5BC-4999-8FD9-1CDD5EDED85A}" srcId="{3385ECA4-BE99-4663-A1DD-9A21EF985FD6}" destId="{C49B825D-86F6-4ABB-90D4-E6397D9CCFA6}" srcOrd="5" destOrd="0" parTransId="{E1EC66F3-B517-4466-9B25-7C48337B65C6}" sibTransId="{6CB2A0C1-BCBD-4200-9A07-12EAE76D7EC5}"/>
     <dgm:cxn modelId="{FC845E37-728B-4CDB-8684-1C39C7FCF165}" srcId="{7F2245EF-9A35-424B-99E0-2B6079103238}" destId="{D987A8F7-675F-4DB8-927E-4A9DFCAF598F}" srcOrd="1" destOrd="0" parTransId="{21DF3851-3B70-43ED-9D0F-E3F2B744FE5F}" sibTransId="{18576584-ADBB-4BDA-AB38-3978D691A5E3}"/>
@@ -3052,620 +3054,6 @@
       <dsp:cNvGrpSpPr/>
     </dsp:nvGrpSpPr>
     <dsp:grpSpPr/>
-    <dsp:sp modelId="{9EF64D39-2BD6-4A08-B253-92A3AC0498DB}">
-      <dsp:nvSpPr>
-        <dsp:cNvPr id="0" name=""/>
-        <dsp:cNvSpPr/>
-      </dsp:nvSpPr>
-      <dsp:spPr>
-        <a:xfrm>
-          <a:off x="0" y="0"/>
-          <a:ext cx="11137720" cy="631358"/>
-        </a:xfrm>
-        <a:prstGeom prst="roundRect">
-          <a:avLst/>
-        </a:prstGeom>
-        <a:solidFill>
-          <a:schemeClr val="accent6"/>
-        </a:solidFill>
-        <a:ln>
-          <a:noFill/>
-        </a:ln>
-        <a:effectLst/>
-      </dsp:spPr>
-      <dsp:style>
-        <a:lnRef idx="0">
-          <a:scrgbClr r="0" g="0" b="0"/>
-        </a:lnRef>
-        <a:fillRef idx="0">
-          <a:scrgbClr r="0" g="0" b="0"/>
-        </a:fillRef>
-        <a:effectRef idx="0">
-          <a:scrgbClr r="0" g="0" b="0"/>
-        </a:effectRef>
-        <a:fontRef idx="minor">
-          <a:schemeClr val="lt1"/>
-        </a:fontRef>
-      </dsp:style>
-      <dsp:txBody>
-        <a:bodyPr spcFirstLastPara="0" vert="horz" wrap="square" lIns="60960" tIns="60960" rIns="60960" bIns="60960" numCol="1" spcCol="1270" anchor="ctr" anchorCtr="0">
-          <a:noAutofit/>
-        </a:bodyPr>
-        <a:lstStyle/>
-        <a:p>
-          <a:pPr lvl="0" algn="l" defTabSz="711200" rtl="0">
-            <a:lnSpc>
-              <a:spcPct val="90000"/>
-            </a:lnSpc>
-            <a:spcBef>
-              <a:spcPct val="0"/>
-            </a:spcBef>
-            <a:spcAft>
-              <a:spcPct val="35000"/>
-            </a:spcAft>
-          </a:pPr>
-          <a:r>
-            <a:rPr lang="zh-CN" sz="1600" b="1" kern="1200" dirty="0" smtClean="0">
-              <a:latin typeface="+mn-ea"/>
-              <a:ea typeface="+mn-ea"/>
-            </a:rPr>
-            <a:t>聚簇索引</a:t>
-          </a:r>
-          <a:r>
-            <a:rPr lang="zh-CN" altLang="en-US" sz="1600" b="1" kern="1200" dirty="0" smtClean="0">
-              <a:latin typeface="+mn-ea"/>
-              <a:ea typeface="+mn-ea"/>
-            </a:rPr>
-            <a:t>优点</a:t>
-          </a:r>
-          <a:endParaRPr lang="zh-CN" sz="1600" b="1" kern="1200" dirty="0">
-            <a:latin typeface="+mn-ea"/>
-            <a:ea typeface="+mn-ea"/>
-          </a:endParaRPr>
-        </a:p>
-      </dsp:txBody>
-      <dsp:txXfrm>
-        <a:off x="30820" y="30820"/>
-        <a:ext cx="11076080" cy="569718"/>
-      </dsp:txXfrm>
-    </dsp:sp>
-    <dsp:sp modelId="{07140409-63E5-41F1-8748-17B5F6062E7A}">
-      <dsp:nvSpPr>
-        <dsp:cNvPr id="0" name=""/>
-        <dsp:cNvSpPr/>
-      </dsp:nvSpPr>
-      <dsp:spPr>
-        <a:xfrm>
-          <a:off x="0" y="827008"/>
-          <a:ext cx="11137720" cy="910669"/>
-        </a:xfrm>
-        <a:prstGeom prst="rect">
-          <a:avLst/>
-        </a:prstGeom>
-        <a:noFill/>
-        <a:ln>
-          <a:noFill/>
-        </a:ln>
-        <a:effectLst/>
-      </dsp:spPr>
-      <dsp:style>
-        <a:lnRef idx="0">
-          <a:scrgbClr r="0" g="0" b="0"/>
-        </a:lnRef>
-        <a:fillRef idx="0">
-          <a:scrgbClr r="0" g="0" b="0"/>
-        </a:fillRef>
-        <a:effectRef idx="0">
-          <a:scrgbClr r="0" g="0" b="0"/>
-        </a:effectRef>
-        <a:fontRef idx="minor"/>
-      </dsp:style>
-      <dsp:txBody>
-        <a:bodyPr spcFirstLastPara="0" vert="horz" wrap="square" lIns="353623" tIns="20320" rIns="113792" bIns="20320" numCol="1" spcCol="1270" anchor="t" anchorCtr="0">
-          <a:noAutofit/>
-        </a:bodyPr>
-        <a:lstStyle/>
-        <a:p>
-          <a:pPr marL="171450" lvl="1" indent="-171450" algn="l" defTabSz="711200" rtl="0">
-            <a:lnSpc>
-              <a:spcPct val="90000"/>
-            </a:lnSpc>
-            <a:spcBef>
-              <a:spcPct val="0"/>
-            </a:spcBef>
-            <a:spcAft>
-              <a:spcPct val="20000"/>
-            </a:spcAft>
-            <a:buChar char="••"/>
-          </a:pPr>
-          <a:r>
-            <a:rPr lang="zh-CN" altLang="en-US" sz="1600" kern="1200" dirty="0" smtClean="0">
-              <a:latin typeface="+mn-ea"/>
-              <a:ea typeface="+mn-ea"/>
-            </a:rPr>
-            <a:t>可以把相关数据保存在一起。</a:t>
-          </a:r>
-          <a:endParaRPr lang="zh-CN" sz="1600" kern="1200" dirty="0">
-            <a:latin typeface="+mn-ea"/>
-            <a:ea typeface="+mn-ea"/>
-          </a:endParaRPr>
-        </a:p>
-        <a:p>
-          <a:pPr marL="171450" lvl="1" indent="-171450" algn="l" defTabSz="711200" rtl="0">
-            <a:lnSpc>
-              <a:spcPct val="90000"/>
-            </a:lnSpc>
-            <a:spcBef>
-              <a:spcPct val="0"/>
-            </a:spcBef>
-            <a:spcAft>
-              <a:spcPct val="20000"/>
-            </a:spcAft>
-            <a:buChar char="••"/>
-          </a:pPr>
-          <a:r>
-            <a:rPr lang="zh-CN" altLang="en-US" sz="1600" kern="1200" dirty="0" smtClean="0">
-              <a:latin typeface="+mn-ea"/>
-              <a:ea typeface="+mn-ea"/>
-            </a:rPr>
-            <a:t>数据访问更快。聚簇索引将索引和数据保存在同一个</a:t>
-          </a:r>
-          <a:r>
-            <a:rPr lang="en-US" altLang="en-US" sz="1600" kern="1200" dirty="0" smtClean="0">
-              <a:latin typeface="+mn-ea"/>
-              <a:ea typeface="+mn-ea"/>
-            </a:rPr>
-            <a:t>B-Tree</a:t>
-          </a:r>
-          <a:r>
-            <a:rPr lang="zh-CN" altLang="en-US" sz="1600" kern="1200" dirty="0" smtClean="0">
-              <a:latin typeface="+mn-ea"/>
-              <a:ea typeface="+mn-ea"/>
-            </a:rPr>
-            <a:t>中。</a:t>
-          </a:r>
-          <a:endParaRPr lang="zh-CN" sz="1600" kern="1200" dirty="0">
-            <a:latin typeface="+mn-ea"/>
-            <a:ea typeface="+mn-ea"/>
-          </a:endParaRPr>
-        </a:p>
-        <a:p>
-          <a:pPr marL="171450" lvl="1" indent="-171450" algn="l" defTabSz="711200" rtl="0">
-            <a:lnSpc>
-              <a:spcPct val="90000"/>
-            </a:lnSpc>
-            <a:spcBef>
-              <a:spcPct val="0"/>
-            </a:spcBef>
-            <a:spcAft>
-              <a:spcPct val="20000"/>
-            </a:spcAft>
-            <a:buChar char="••"/>
-          </a:pPr>
-          <a:r>
-            <a:rPr lang="zh-CN" altLang="en-US" sz="1600" kern="1200" dirty="0" smtClean="0">
-              <a:latin typeface="+mn-ea"/>
-              <a:ea typeface="+mn-ea"/>
-            </a:rPr>
-            <a:t>使用覆盖索引扫描的查询可以直接使用页节点中的主键值。</a:t>
-          </a:r>
-          <a:endParaRPr lang="zh-CN" sz="1600" kern="1200" dirty="0">
-            <a:latin typeface="+mn-ea"/>
-            <a:ea typeface="+mn-ea"/>
-          </a:endParaRPr>
-        </a:p>
-        <a:p>
-          <a:pPr marL="114300" lvl="1" indent="-114300" algn="l" defTabSz="622300" rtl="0">
-            <a:lnSpc>
-              <a:spcPct val="90000"/>
-            </a:lnSpc>
-            <a:spcBef>
-              <a:spcPct val="0"/>
-            </a:spcBef>
-            <a:spcAft>
-              <a:spcPct val="20000"/>
-            </a:spcAft>
-            <a:buChar char="••"/>
-          </a:pPr>
-          <a:endParaRPr lang="zh-CN" sz="1400" kern="1200" dirty="0">
-            <a:latin typeface="华文中宋" panose="02010600040101010101" pitchFamily="2" charset="-122"/>
-            <a:ea typeface="华文中宋" panose="02010600040101010101" pitchFamily="2" charset="-122"/>
-          </a:endParaRPr>
-        </a:p>
-      </dsp:txBody>
-      <dsp:txXfrm>
-        <a:off x="0" y="827008"/>
-        <a:ext cx="11137720" cy="910669"/>
-      </dsp:txXfrm>
-    </dsp:sp>
-    <dsp:sp modelId="{2287F4FD-CD4B-4DBF-99A4-A3F5AA8590C9}">
-      <dsp:nvSpPr>
-        <dsp:cNvPr id="0" name=""/>
-        <dsp:cNvSpPr/>
-      </dsp:nvSpPr>
-      <dsp:spPr>
-        <a:xfrm>
-          <a:off x="0" y="1842794"/>
-          <a:ext cx="11137720" cy="626438"/>
-        </a:xfrm>
-        <a:prstGeom prst="roundRect">
-          <a:avLst/>
-        </a:prstGeom>
-        <a:gradFill rotWithShape="1">
-          <a:gsLst>
-            <a:gs pos="0">
-              <a:schemeClr val="accent1">
-                <a:satMod val="103000"/>
-                <a:lumMod val="102000"/>
-                <a:tint val="94000"/>
-              </a:schemeClr>
-            </a:gs>
-            <a:gs pos="50000">
-              <a:schemeClr val="accent1">
-                <a:satMod val="110000"/>
-                <a:lumMod val="100000"/>
-                <a:shade val="100000"/>
-              </a:schemeClr>
-            </a:gs>
-            <a:gs pos="100000">
-              <a:schemeClr val="accent1">
-                <a:lumMod val="99000"/>
-                <a:satMod val="120000"/>
-                <a:shade val="78000"/>
-              </a:schemeClr>
-            </a:gs>
-          </a:gsLst>
-          <a:lin ang="5400000" scaled="0"/>
-        </a:gradFill>
-        <a:ln w="6350" cap="flat" cmpd="sng" algn="ctr">
-          <a:solidFill>
-            <a:schemeClr val="accent1"/>
-          </a:solidFill>
-          <a:prstDash val="solid"/>
-          <a:miter lim="800000"/>
-        </a:ln>
-        <a:effectLst/>
-      </dsp:spPr>
-      <dsp:style>
-        <a:lnRef idx="1">
-          <a:schemeClr val="accent1"/>
-        </a:lnRef>
-        <a:fillRef idx="3">
-          <a:schemeClr val="accent1"/>
-        </a:fillRef>
-        <a:effectRef idx="2">
-          <a:schemeClr val="accent1"/>
-        </a:effectRef>
-        <a:fontRef idx="minor">
-          <a:schemeClr val="lt1"/>
-        </a:fontRef>
-      </dsp:style>
-      <dsp:txBody>
-        <a:bodyPr spcFirstLastPara="0" vert="horz" wrap="square" lIns="60960" tIns="60960" rIns="60960" bIns="60960" numCol="1" spcCol="1270" anchor="ctr" anchorCtr="0">
-          <a:noAutofit/>
-        </a:bodyPr>
-        <a:lstStyle/>
-        <a:p>
-          <a:pPr lvl="0" algn="l" defTabSz="711200" rtl="0">
-            <a:lnSpc>
-              <a:spcPct val="90000"/>
-            </a:lnSpc>
-            <a:spcBef>
-              <a:spcPct val="0"/>
-            </a:spcBef>
-            <a:spcAft>
-              <a:spcPct val="35000"/>
-            </a:spcAft>
-          </a:pPr>
-          <a:r>
-            <a:rPr lang="zh-CN" altLang="en-US" sz="1600" b="1" kern="1200" dirty="0" smtClean="0">
-              <a:latin typeface="+mn-ea"/>
-              <a:ea typeface="+mn-ea"/>
-            </a:rPr>
-            <a:t>聚</a:t>
-          </a:r>
-          <a:r>
-            <a:rPr lang="zh-CN" sz="1600" b="1" kern="1200" dirty="0" smtClean="0">
-              <a:latin typeface="+mn-ea"/>
-              <a:ea typeface="+mn-ea"/>
-            </a:rPr>
-            <a:t>簇</a:t>
-          </a:r>
-          <a:r>
-            <a:rPr lang="zh-CN" altLang="en-US" sz="1600" b="1" kern="1200" dirty="0" smtClean="0">
-              <a:latin typeface="+mn-ea"/>
-              <a:ea typeface="+mn-ea"/>
-            </a:rPr>
-            <a:t>索引缺点</a:t>
-          </a:r>
-          <a:endParaRPr lang="zh-CN" sz="1600" b="1" kern="1200" dirty="0">
-            <a:latin typeface="+mn-ea"/>
-            <a:ea typeface="+mn-ea"/>
-          </a:endParaRPr>
-        </a:p>
-      </dsp:txBody>
-      <dsp:txXfrm>
-        <a:off x="30580" y="1873374"/>
-        <a:ext cx="11076560" cy="565278"/>
-      </dsp:txXfrm>
-    </dsp:sp>
-    <dsp:sp modelId="{4DBBB41F-80A8-4D02-AA6B-A39BDD7EC647}">
-      <dsp:nvSpPr>
-        <dsp:cNvPr id="0" name=""/>
-        <dsp:cNvSpPr/>
-      </dsp:nvSpPr>
-      <dsp:spPr>
-        <a:xfrm>
-          <a:off x="0" y="2693654"/>
-          <a:ext cx="11137720" cy="2581602"/>
-        </a:xfrm>
-        <a:prstGeom prst="rect">
-          <a:avLst/>
-        </a:prstGeom>
-        <a:noFill/>
-        <a:ln>
-          <a:noFill/>
-        </a:ln>
-        <a:effectLst/>
-      </dsp:spPr>
-      <dsp:style>
-        <a:lnRef idx="0">
-          <a:scrgbClr r="0" g="0" b="0"/>
-        </a:lnRef>
-        <a:fillRef idx="0">
-          <a:scrgbClr r="0" g="0" b="0"/>
-        </a:fillRef>
-        <a:effectRef idx="0">
-          <a:scrgbClr r="0" g="0" b="0"/>
-        </a:effectRef>
-        <a:fontRef idx="minor"/>
-      </dsp:style>
-      <dsp:txBody>
-        <a:bodyPr spcFirstLastPara="0" vert="horz" wrap="square" lIns="353623" tIns="20320" rIns="113792" bIns="20320" numCol="1" spcCol="1270" anchor="t" anchorCtr="0">
-          <a:noAutofit/>
-        </a:bodyPr>
-        <a:lstStyle/>
-        <a:p>
-          <a:pPr marL="171450" lvl="1" indent="-171450" algn="l" defTabSz="711200" rtl="0">
-            <a:lnSpc>
-              <a:spcPct val="90000"/>
-            </a:lnSpc>
-            <a:spcBef>
-              <a:spcPct val="0"/>
-            </a:spcBef>
-            <a:spcAft>
-              <a:spcPct val="20000"/>
-            </a:spcAft>
-            <a:buChar char="••"/>
-          </a:pPr>
-          <a:r>
-            <a:rPr lang="zh-CN" altLang="en-US" sz="1600" b="0" kern="1200" dirty="0" smtClean="0">
-              <a:latin typeface="+mn-ea"/>
-              <a:ea typeface="+mn-ea"/>
-            </a:rPr>
-            <a:t>聚簇数据最大限度地提高了</a:t>
-          </a:r>
-          <a:r>
-            <a:rPr lang="en-US" altLang="zh-CN" sz="1600" b="0" kern="1200" dirty="0" smtClean="0">
-              <a:latin typeface="+mn-ea"/>
-              <a:ea typeface="+mn-ea"/>
-            </a:rPr>
-            <a:t>I/O</a:t>
-          </a:r>
-          <a:r>
-            <a:rPr lang="zh-CN" altLang="en-US" sz="1600" b="0" kern="1200" dirty="0" smtClean="0">
-              <a:latin typeface="+mn-ea"/>
-              <a:ea typeface="+mn-ea"/>
-            </a:rPr>
-            <a:t>密集型应用的性能，但如果数据都放在内存中，则访问顺序就没那么重要了，聚簇索引也没什么优势了。</a:t>
-          </a:r>
-          <a:endParaRPr lang="zh-CN" sz="1600" b="0" kern="1200" dirty="0">
-            <a:latin typeface="+mn-ea"/>
-            <a:ea typeface="+mn-ea"/>
-          </a:endParaRPr>
-        </a:p>
-        <a:p>
-          <a:pPr marL="171450" lvl="1" indent="-171450" algn="l" defTabSz="711200">
-            <a:lnSpc>
-              <a:spcPct val="90000"/>
-            </a:lnSpc>
-            <a:spcBef>
-              <a:spcPct val="0"/>
-            </a:spcBef>
-            <a:spcAft>
-              <a:spcPct val="20000"/>
-            </a:spcAft>
-            <a:buChar char="••"/>
-          </a:pPr>
-          <a:r>
-            <a:rPr lang="zh-CN" altLang="en-US" sz="1600" b="0" kern="1200" dirty="0" smtClean="0">
-              <a:latin typeface="+mn-ea"/>
-              <a:ea typeface="+mn-ea"/>
-            </a:rPr>
-            <a:t>插入</a:t>
-          </a:r>
-          <a:r>
-            <a:rPr lang="zh-CN" altLang="en-US" sz="1600" b="0" kern="1200" dirty="0">
-              <a:latin typeface="+mn-ea"/>
-              <a:ea typeface="+mn-ea"/>
-            </a:rPr>
-            <a:t>严重依赖于插入顺序。主键顺序插入最快，如不是则使用</a:t>
-          </a:r>
-          <a:r>
-            <a:rPr lang="en-US" altLang="zh-CN" sz="1600" b="0" kern="1200" dirty="0">
-              <a:latin typeface="+mn-ea"/>
-              <a:ea typeface="+mn-ea"/>
-            </a:rPr>
-            <a:t>OPTIMIZE TABLE</a:t>
-          </a:r>
-          <a:r>
-            <a:rPr lang="zh-CN" altLang="en-US" sz="1600" b="0" kern="1200" dirty="0">
-              <a:latin typeface="+mn-ea"/>
-              <a:ea typeface="+mn-ea"/>
-            </a:rPr>
-            <a:t>重新组织表。</a:t>
-          </a:r>
-        </a:p>
-        <a:p>
-          <a:pPr marL="171450" lvl="1" indent="-171450" algn="l" defTabSz="711200">
-            <a:lnSpc>
-              <a:spcPct val="90000"/>
-            </a:lnSpc>
-            <a:spcBef>
-              <a:spcPct val="0"/>
-            </a:spcBef>
-            <a:spcAft>
-              <a:spcPct val="20000"/>
-            </a:spcAft>
-            <a:buChar char="••"/>
-          </a:pPr>
-          <a:r>
-            <a:rPr lang="zh-CN" altLang="en-US" sz="1600" b="0" kern="1200" dirty="0" smtClean="0">
-              <a:latin typeface="+mn-ea"/>
-              <a:ea typeface="+mn-ea"/>
-            </a:rPr>
-            <a:t>更新</a:t>
-          </a:r>
-          <a:r>
-            <a:rPr lang="zh-CN" altLang="en-US" sz="1600" b="0" kern="1200" dirty="0">
-              <a:latin typeface="+mn-ea"/>
-              <a:ea typeface="+mn-ea"/>
-            </a:rPr>
-            <a:t>聚簇索引列代价很高，因为会强制</a:t>
-          </a:r>
-          <a:r>
-            <a:rPr lang="en-US" altLang="zh-CN" sz="1600" b="0" kern="1200" dirty="0">
-              <a:latin typeface="+mn-ea"/>
-              <a:ea typeface="+mn-ea"/>
-            </a:rPr>
-            <a:t>InnoDB</a:t>
-          </a:r>
-          <a:r>
-            <a:rPr lang="zh-CN" altLang="en-US" sz="1600" b="0" kern="1200" dirty="0">
-              <a:latin typeface="+mn-ea"/>
-              <a:ea typeface="+mn-ea"/>
-            </a:rPr>
-            <a:t>将每个被更新的行移动到新的位置。</a:t>
-          </a:r>
-        </a:p>
-        <a:p>
-          <a:pPr marL="171450" lvl="1" indent="-171450" algn="l" defTabSz="711200">
-            <a:lnSpc>
-              <a:spcPct val="90000"/>
-            </a:lnSpc>
-            <a:spcBef>
-              <a:spcPct val="0"/>
-            </a:spcBef>
-            <a:spcAft>
-              <a:spcPct val="20000"/>
-            </a:spcAft>
-            <a:buChar char="••"/>
-          </a:pPr>
-          <a:r>
-            <a:rPr lang="zh-CN" altLang="en-US" sz="1600" b="0" kern="1200" dirty="0" smtClean="0">
-              <a:latin typeface="+mn-ea"/>
-              <a:ea typeface="+mn-ea"/>
-            </a:rPr>
-            <a:t>基于</a:t>
-          </a:r>
-          <a:r>
-            <a:rPr lang="zh-CN" altLang="en-US" sz="1600" b="0" kern="1200" dirty="0">
-              <a:latin typeface="+mn-ea"/>
-              <a:ea typeface="+mn-ea"/>
-            </a:rPr>
-            <a:t>聚簇索引的表插入新行，或者主键被更新导致需要移动行的时候，可能面临页分裂问题。页分裂会导致表占用更多的磁盘空间。</a:t>
-          </a:r>
-        </a:p>
-        <a:p>
-          <a:pPr marL="171450" lvl="1" indent="-171450" algn="l" defTabSz="711200">
-            <a:lnSpc>
-              <a:spcPct val="90000"/>
-            </a:lnSpc>
-            <a:spcBef>
-              <a:spcPct val="0"/>
-            </a:spcBef>
-            <a:spcAft>
-              <a:spcPct val="20000"/>
-            </a:spcAft>
-            <a:buChar char="••"/>
-          </a:pPr>
-          <a:r>
-            <a:rPr lang="zh-CN" altLang="en-US" sz="1600" b="0" kern="1200" dirty="0" smtClean="0">
-              <a:latin typeface="+mn-ea"/>
-              <a:ea typeface="+mn-ea"/>
-            </a:rPr>
-            <a:t>聚簇</a:t>
-          </a:r>
-          <a:r>
-            <a:rPr lang="zh-CN" altLang="en-US" sz="1600" b="0" kern="1200" dirty="0">
-              <a:latin typeface="+mn-ea"/>
-              <a:ea typeface="+mn-ea"/>
-            </a:rPr>
-            <a:t>索引可能导致全表扫描变慢，行比较稀疏或页分裂导致数据不连续的时候。</a:t>
-          </a:r>
-        </a:p>
-        <a:p>
-          <a:pPr marL="171450" lvl="1" indent="-171450" algn="l" defTabSz="711200">
-            <a:lnSpc>
-              <a:spcPct val="90000"/>
-            </a:lnSpc>
-            <a:spcBef>
-              <a:spcPct val="0"/>
-            </a:spcBef>
-            <a:spcAft>
-              <a:spcPct val="20000"/>
-            </a:spcAft>
-            <a:buChar char="••"/>
-          </a:pPr>
-          <a:r>
-            <a:rPr lang="zh-CN" altLang="en-US" sz="1600" b="0" kern="1200" dirty="0" smtClean="0">
-              <a:latin typeface="+mn-ea"/>
-              <a:ea typeface="+mn-ea"/>
-            </a:rPr>
-            <a:t>二</a:t>
-          </a:r>
-          <a:r>
-            <a:rPr lang="zh-CN" altLang="en-US" sz="1600" b="0" kern="1200" dirty="0">
-              <a:latin typeface="+mn-ea"/>
-              <a:ea typeface="+mn-ea"/>
-            </a:rPr>
-            <a:t>级索引（非聚簇索引）可能比想象的大，因为耳机索引的叶子节点包含了引用行的主键。</a:t>
-          </a:r>
-        </a:p>
-        <a:p>
-          <a:pPr marL="171450" lvl="1" indent="-171450" algn="l" defTabSz="711200">
-            <a:lnSpc>
-              <a:spcPct val="90000"/>
-            </a:lnSpc>
-            <a:spcBef>
-              <a:spcPct val="0"/>
-            </a:spcBef>
-            <a:spcAft>
-              <a:spcPct val="20000"/>
-            </a:spcAft>
-            <a:buChar char="••"/>
-          </a:pPr>
-          <a:r>
-            <a:rPr lang="zh-CN" altLang="en-US" sz="1600" b="0" kern="1200" dirty="0" smtClean="0">
-              <a:latin typeface="+mn-ea"/>
-              <a:ea typeface="+mn-ea"/>
-            </a:rPr>
-            <a:t>二</a:t>
-          </a:r>
-          <a:r>
-            <a:rPr lang="zh-CN" altLang="en-US" sz="1600" b="0" kern="1200" dirty="0">
-              <a:latin typeface="+mn-ea"/>
-              <a:ea typeface="+mn-ea"/>
-            </a:rPr>
-            <a:t>级索引访问需要两次索引查找，而不是一次。</a:t>
-          </a:r>
-        </a:p>
-      </dsp:txBody>
-      <dsp:txXfrm>
-        <a:off x="0" y="2693654"/>
-        <a:ext cx="11137720" cy="2581602"/>
-      </dsp:txXfrm>
-    </dsp:sp>
   </dsp:spTree>
 </dsp:drawing>
 </file>
@@ -3678,412 +3066,6 @@
       <dsp:cNvGrpSpPr/>
     </dsp:nvGrpSpPr>
     <dsp:grpSpPr/>
-    <dsp:sp modelId="{1207BED0-0FB0-48A1-9A04-AC4D4A2EAFBD}">
-      <dsp:nvSpPr>
-        <dsp:cNvPr id="0" name=""/>
-        <dsp:cNvSpPr/>
-      </dsp:nvSpPr>
-      <dsp:spPr>
-        <a:xfrm>
-          <a:off x="0" y="56222"/>
-          <a:ext cx="11117523" cy="625788"/>
-        </a:xfrm>
-        <a:prstGeom prst="roundRect">
-          <a:avLst/>
-        </a:prstGeom>
-        <a:solidFill>
-          <a:schemeClr val="accent6"/>
-        </a:solidFill>
-        <a:ln>
-          <a:noFill/>
-        </a:ln>
-        <a:effectLst/>
-      </dsp:spPr>
-      <dsp:style>
-        <a:lnRef idx="0">
-          <a:scrgbClr r="0" g="0" b="0"/>
-        </a:lnRef>
-        <a:fillRef idx="0">
-          <a:scrgbClr r="0" g="0" b="0"/>
-        </a:fillRef>
-        <a:effectRef idx="0">
-          <a:scrgbClr r="0" g="0" b="0"/>
-        </a:effectRef>
-        <a:fontRef idx="minor">
-          <a:schemeClr val="lt1"/>
-        </a:fontRef>
-      </dsp:style>
-      <dsp:txBody>
-        <a:bodyPr spcFirstLastPara="0" vert="horz" wrap="square" lIns="60960" tIns="60960" rIns="60960" bIns="60960" numCol="1" spcCol="1270" anchor="ctr" anchorCtr="0">
-          <a:noAutofit/>
-        </a:bodyPr>
-        <a:lstStyle/>
-        <a:p>
-          <a:pPr lvl="0" algn="l" defTabSz="711200" rtl="0">
-            <a:lnSpc>
-              <a:spcPct val="90000"/>
-            </a:lnSpc>
-            <a:spcBef>
-              <a:spcPct val="0"/>
-            </a:spcBef>
-            <a:spcAft>
-              <a:spcPct val="35000"/>
-            </a:spcAft>
-          </a:pPr>
-          <a:r>
-            <a:rPr lang="zh-CN" altLang="en-US" sz="1600" b="1" kern="1200" dirty="0" smtClean="0">
-              <a:latin typeface="+mn-ea"/>
-              <a:ea typeface="+mn-ea"/>
-            </a:rPr>
-            <a:t>索引的优点</a:t>
-          </a:r>
-          <a:endParaRPr lang="zh-CN" altLang="en-US" sz="1600" b="1" kern="1200" dirty="0">
-            <a:latin typeface="+mn-ea"/>
-            <a:ea typeface="+mn-ea"/>
-          </a:endParaRPr>
-        </a:p>
-      </dsp:txBody>
-      <dsp:txXfrm>
-        <a:off x="30548" y="86770"/>
-        <a:ext cx="11056427" cy="564692"/>
-      </dsp:txXfrm>
-    </dsp:sp>
-    <dsp:sp modelId="{B30CACC8-869E-4846-BE7C-1A57834182B3}">
-      <dsp:nvSpPr>
-        <dsp:cNvPr id="0" name=""/>
-        <dsp:cNvSpPr/>
-      </dsp:nvSpPr>
-      <dsp:spPr>
-        <a:xfrm>
-          <a:off x="0" y="783589"/>
-          <a:ext cx="11117523" cy="1076400"/>
-        </a:xfrm>
-        <a:prstGeom prst="rect">
-          <a:avLst/>
-        </a:prstGeom>
-        <a:noFill/>
-        <a:ln>
-          <a:noFill/>
-        </a:ln>
-        <a:effectLst/>
-      </dsp:spPr>
-      <dsp:style>
-        <a:lnRef idx="0">
-          <a:scrgbClr r="0" g="0" b="0"/>
-        </a:lnRef>
-        <a:fillRef idx="0">
-          <a:scrgbClr r="0" g="0" b="0"/>
-        </a:fillRef>
-        <a:effectRef idx="0">
-          <a:scrgbClr r="0" g="0" b="0"/>
-        </a:effectRef>
-        <a:fontRef idx="minor"/>
-      </dsp:style>
-      <dsp:txBody>
-        <a:bodyPr spcFirstLastPara="0" vert="horz" wrap="square" lIns="352981" tIns="20320" rIns="113792" bIns="20320" numCol="1" spcCol="1270" anchor="t" anchorCtr="0">
-          <a:noAutofit/>
-        </a:bodyPr>
-        <a:lstStyle/>
-        <a:p>
-          <a:pPr marL="171450" lvl="1" indent="-171450" algn="l" defTabSz="711200" rtl="0">
-            <a:lnSpc>
-              <a:spcPct val="90000"/>
-            </a:lnSpc>
-            <a:spcBef>
-              <a:spcPct val="0"/>
-            </a:spcBef>
-            <a:spcAft>
-              <a:spcPct val="20000"/>
-            </a:spcAft>
-            <a:buChar char="••"/>
-          </a:pPr>
-          <a:r>
-            <a:rPr lang="zh-CN" altLang="en-US" sz="1600" b="0" kern="1200" dirty="0" smtClean="0">
-              <a:latin typeface="+mn-ea"/>
-              <a:ea typeface="+mn-ea"/>
-            </a:rPr>
-            <a:t>减少服务器需要扫描的数据量。</a:t>
-          </a:r>
-          <a:endParaRPr lang="zh-CN" altLang="en-US" sz="1600" b="0" kern="1200" dirty="0">
-            <a:latin typeface="+mn-ea"/>
-            <a:ea typeface="+mn-ea"/>
-          </a:endParaRPr>
-        </a:p>
-        <a:p>
-          <a:pPr marL="171450" lvl="1" indent="-171450" algn="l" defTabSz="711200" rtl="0">
-            <a:lnSpc>
-              <a:spcPct val="90000"/>
-            </a:lnSpc>
-            <a:spcBef>
-              <a:spcPct val="0"/>
-            </a:spcBef>
-            <a:spcAft>
-              <a:spcPct val="20000"/>
-            </a:spcAft>
-            <a:buChar char="••"/>
-          </a:pPr>
-          <a:r>
-            <a:rPr lang="zh-CN" altLang="en-US" sz="1600" b="0" kern="1200" dirty="0" smtClean="0">
-              <a:latin typeface="+mn-ea"/>
-              <a:ea typeface="+mn-ea"/>
-            </a:rPr>
-            <a:t>避免排序和临时表。</a:t>
-          </a:r>
-          <a:endParaRPr lang="zh-CN" altLang="en-US" sz="1600" b="0" kern="1200" dirty="0">
-            <a:latin typeface="+mn-ea"/>
-            <a:ea typeface="+mn-ea"/>
-          </a:endParaRPr>
-        </a:p>
-        <a:p>
-          <a:pPr marL="171450" lvl="1" indent="-171450" algn="l" defTabSz="711200" rtl="0">
-            <a:lnSpc>
-              <a:spcPct val="90000"/>
-            </a:lnSpc>
-            <a:spcBef>
-              <a:spcPct val="0"/>
-            </a:spcBef>
-            <a:spcAft>
-              <a:spcPct val="20000"/>
-            </a:spcAft>
-            <a:buChar char="••"/>
-          </a:pPr>
-          <a:r>
-            <a:rPr lang="zh-CN" sz="1600" b="0" kern="1200" dirty="0" smtClean="0">
-              <a:latin typeface="+mn-ea"/>
-              <a:ea typeface="+mn-ea"/>
-            </a:rPr>
-            <a:t>将随机</a:t>
-          </a:r>
-          <a:r>
-            <a:rPr lang="en-US" sz="1600" b="0" kern="1200" dirty="0" smtClean="0">
-              <a:latin typeface="+mn-ea"/>
-              <a:ea typeface="+mn-ea"/>
-            </a:rPr>
-            <a:t>IO</a:t>
-          </a:r>
-          <a:r>
-            <a:rPr lang="zh-CN" sz="1600" b="0" kern="1200" dirty="0" smtClean="0">
-              <a:latin typeface="+mn-ea"/>
-              <a:ea typeface="+mn-ea"/>
-            </a:rPr>
-            <a:t>转化为顺序</a:t>
-          </a:r>
-          <a:r>
-            <a:rPr lang="en-US" sz="1600" b="0" kern="1200" dirty="0" smtClean="0">
-              <a:latin typeface="+mn-ea"/>
-              <a:ea typeface="+mn-ea"/>
-            </a:rPr>
-            <a:t>IO</a:t>
-          </a:r>
-          <a:r>
-            <a:rPr lang="zh-CN" altLang="en-US" sz="1600" b="0" kern="1200" dirty="0" smtClean="0">
-              <a:latin typeface="+mn-ea"/>
-              <a:ea typeface="+mn-ea"/>
-            </a:rPr>
-            <a:t>。</a:t>
-          </a:r>
-          <a:endParaRPr lang="zh-CN" sz="1600" b="0" kern="1200" dirty="0">
-            <a:latin typeface="+mn-ea"/>
-            <a:ea typeface="+mn-ea"/>
-          </a:endParaRPr>
-        </a:p>
-      </dsp:txBody>
-      <dsp:txXfrm>
-        <a:off x="0" y="783589"/>
-        <a:ext cx="11117523" cy="1076400"/>
-      </dsp:txXfrm>
-    </dsp:sp>
-    <dsp:sp modelId="{ED8ADFA8-D73D-4B2D-AE18-C587F2E4C0E4}">
-      <dsp:nvSpPr>
-        <dsp:cNvPr id="0" name=""/>
-        <dsp:cNvSpPr/>
-      </dsp:nvSpPr>
-      <dsp:spPr>
-        <a:xfrm>
-          <a:off x="0" y="1817106"/>
-          <a:ext cx="11117523" cy="618268"/>
-        </a:xfrm>
-        <a:prstGeom prst="roundRect">
-          <a:avLst/>
-        </a:prstGeom>
-        <a:solidFill>
-          <a:schemeClr val="accent1"/>
-        </a:solidFill>
-        <a:ln w="19050" cap="flat" cmpd="sng" algn="ctr">
-          <a:solidFill>
-            <a:schemeClr val="lt1"/>
-          </a:solidFill>
-          <a:prstDash val="solid"/>
-          <a:miter lim="800000"/>
-        </a:ln>
-        <a:effectLst/>
-      </dsp:spPr>
-      <dsp:style>
-        <a:lnRef idx="3">
-          <a:schemeClr val="lt1"/>
-        </a:lnRef>
-        <a:fillRef idx="1">
-          <a:schemeClr val="accent1"/>
-        </a:fillRef>
-        <a:effectRef idx="1">
-          <a:schemeClr val="accent1"/>
-        </a:effectRef>
-        <a:fontRef idx="minor">
-          <a:schemeClr val="lt1"/>
-        </a:fontRef>
-      </dsp:style>
-      <dsp:txBody>
-        <a:bodyPr spcFirstLastPara="0" vert="horz" wrap="square" lIns="60960" tIns="60960" rIns="60960" bIns="60960" numCol="1" spcCol="1270" anchor="ctr" anchorCtr="0">
-          <a:noAutofit/>
-        </a:bodyPr>
-        <a:lstStyle/>
-        <a:p>
-          <a:pPr lvl="0" algn="l" defTabSz="711200" rtl="0">
-            <a:lnSpc>
-              <a:spcPct val="90000"/>
-            </a:lnSpc>
-            <a:spcBef>
-              <a:spcPct val="0"/>
-            </a:spcBef>
-            <a:spcAft>
-              <a:spcPct val="35000"/>
-            </a:spcAft>
-          </a:pPr>
-          <a:r>
-            <a:rPr lang="zh-CN" altLang="en-US" sz="1600" b="1" kern="1200" dirty="0" smtClean="0">
-              <a:latin typeface="+mn-ea"/>
-              <a:ea typeface="+mn-ea"/>
-            </a:rPr>
-            <a:t>索引的缺点</a:t>
-          </a:r>
-          <a:endParaRPr lang="zh-CN" altLang="en-US" sz="1600" b="1" kern="1200" dirty="0">
-            <a:latin typeface="+mn-ea"/>
-            <a:ea typeface="+mn-ea"/>
-          </a:endParaRPr>
-        </a:p>
-      </dsp:txBody>
-      <dsp:txXfrm>
-        <a:off x="30181" y="1847287"/>
-        <a:ext cx="11057161" cy="557906"/>
-      </dsp:txXfrm>
-    </dsp:sp>
-    <dsp:sp modelId="{A75B27A3-4934-4CB1-83B2-AA1BE44627B9}">
-      <dsp:nvSpPr>
-        <dsp:cNvPr id="0" name=""/>
-        <dsp:cNvSpPr/>
-      </dsp:nvSpPr>
-      <dsp:spPr>
-        <a:xfrm>
-          <a:off x="0" y="2529874"/>
-          <a:ext cx="11117523" cy="1076400"/>
-        </a:xfrm>
-        <a:prstGeom prst="rect">
-          <a:avLst/>
-        </a:prstGeom>
-        <a:noFill/>
-        <a:ln>
-          <a:noFill/>
-        </a:ln>
-        <a:effectLst/>
-      </dsp:spPr>
-      <dsp:style>
-        <a:lnRef idx="0">
-          <a:scrgbClr r="0" g="0" b="0"/>
-        </a:lnRef>
-        <a:fillRef idx="0">
-          <a:scrgbClr r="0" g="0" b="0"/>
-        </a:fillRef>
-        <a:effectRef idx="0">
-          <a:scrgbClr r="0" g="0" b="0"/>
-        </a:effectRef>
-        <a:fontRef idx="minor"/>
-      </dsp:style>
-      <dsp:txBody>
-        <a:bodyPr spcFirstLastPara="0" vert="horz" wrap="square" lIns="352981" tIns="20320" rIns="113792" bIns="20320" numCol="1" spcCol="1270" anchor="t" anchorCtr="0">
-          <a:noAutofit/>
-        </a:bodyPr>
-        <a:lstStyle/>
-        <a:p>
-          <a:pPr marL="171450" lvl="1" indent="-171450" algn="l" defTabSz="711200" rtl="0">
-            <a:lnSpc>
-              <a:spcPct val="90000"/>
-            </a:lnSpc>
-            <a:spcBef>
-              <a:spcPct val="0"/>
-            </a:spcBef>
-            <a:spcAft>
-              <a:spcPct val="20000"/>
-            </a:spcAft>
-            <a:buChar char="••"/>
-          </a:pPr>
-          <a:r>
-            <a:rPr lang="zh-CN" altLang="en-US" sz="1600" kern="1200" dirty="0" smtClean="0">
-              <a:latin typeface="+mn-ea"/>
-              <a:ea typeface="+mn-ea"/>
-            </a:rPr>
-            <a:t>占用额外的磁盘存储空间。</a:t>
-          </a:r>
-          <a:endParaRPr lang="zh-CN" altLang="en-US" sz="1600" kern="1200" dirty="0">
-            <a:latin typeface="+mn-ea"/>
-            <a:ea typeface="+mn-ea"/>
-          </a:endParaRPr>
-        </a:p>
-        <a:p>
-          <a:pPr marL="171450" lvl="1" indent="-171450" algn="l" defTabSz="711200" rtl="0">
-            <a:lnSpc>
-              <a:spcPct val="90000"/>
-            </a:lnSpc>
-            <a:spcBef>
-              <a:spcPct val="0"/>
-            </a:spcBef>
-            <a:spcAft>
-              <a:spcPct val="20000"/>
-            </a:spcAft>
-            <a:buChar char="••"/>
-          </a:pPr>
-          <a:r>
-            <a:rPr lang="zh-CN" altLang="en-US" sz="1600" kern="1200" dirty="0" smtClean="0">
-              <a:latin typeface="+mn-ea"/>
-              <a:ea typeface="+mn-ea"/>
-            </a:rPr>
-            <a:t>需要对数据排序而影响插入速度。</a:t>
-          </a:r>
-          <a:endParaRPr lang="zh-CN" altLang="en-US" sz="1600" kern="1200" dirty="0">
-            <a:latin typeface="+mn-ea"/>
-            <a:ea typeface="+mn-ea"/>
-          </a:endParaRPr>
-        </a:p>
-        <a:p>
-          <a:pPr marL="171450" lvl="1" indent="-171450" algn="l" defTabSz="711200" rtl="0">
-            <a:lnSpc>
-              <a:spcPct val="90000"/>
-            </a:lnSpc>
-            <a:spcBef>
-              <a:spcPct val="0"/>
-            </a:spcBef>
-            <a:spcAft>
-              <a:spcPct val="20000"/>
-            </a:spcAft>
-            <a:buChar char="••"/>
-          </a:pPr>
-          <a:r>
-            <a:rPr lang="zh-CN" altLang="en-US" sz="1600" kern="1200" dirty="0" smtClean="0">
-              <a:latin typeface="+mn-ea"/>
-              <a:ea typeface="+mn-ea"/>
-            </a:rPr>
-            <a:t>对小表和超大表可能不适用，中大型表效果最好。</a:t>
-          </a:r>
-          <a:endParaRPr lang="zh-CN" altLang="en-US" sz="1600" kern="1200" dirty="0">
-            <a:latin typeface="+mn-ea"/>
-            <a:ea typeface="+mn-ea"/>
-          </a:endParaRPr>
-        </a:p>
-      </dsp:txBody>
-      <dsp:txXfrm>
-        <a:off x="0" y="2529874"/>
-        <a:ext cx="11117523" cy="1076400"/>
-      </dsp:txXfrm>
-    </dsp:sp>
   </dsp:spTree>
 </dsp:drawing>
 </file>
@@ -6968,6 +5950,31 @@
           <a:bodyPr/>
           <a:lstStyle/>
           <a:p>
+            <a:r>
+              <a:rPr lang="zh-CN" altLang="en-US" dirty="0" smtClean="0"/>
+              <a:t>过多的索引的会造成数据空间增大，查询插入变慢</a:t>
+            </a:r>
+            <a:endParaRPr lang="en-US" altLang="zh-CN" dirty="0" smtClean="0"/>
+          </a:p>
+          <a:p>
+            <a:r>
+              <a:rPr lang="en-US" altLang="zh-CN" dirty="0" smtClean="0"/>
+              <a:t>Use</a:t>
+            </a:r>
+            <a:r>
+              <a:rPr lang="en-US" altLang="zh-CN" baseline="0" dirty="0" smtClean="0"/>
+              <a:t> index</a:t>
+            </a:r>
+          </a:p>
+          <a:p>
+            <a:r>
+              <a:rPr lang="en-US" altLang="zh-CN" baseline="0" dirty="0" err="1" smtClean="0"/>
+              <a:t>Forse</a:t>
+            </a:r>
+            <a:r>
+              <a:rPr lang="en-US" altLang="zh-CN" baseline="0" dirty="0" smtClean="0"/>
+              <a:t> index</a:t>
+            </a:r>
             <a:endParaRPr lang="zh-CN" altLang="en-US" dirty="0"/>
           </a:p>
         </p:txBody>
@@ -6998,7 +6005,7 @@
     </p:spTree>
     <p:extLst>
       <p:ext uri="{BB962C8B-B14F-4D97-AF65-F5344CB8AC3E}">
-        <p14:creationId xmlns:p14="http://schemas.microsoft.com/office/powerpoint/2010/main" val="535965594"/>
+        <p14:creationId xmlns:p14="http://schemas.microsoft.com/office/powerpoint/2010/main" val="2038760665"/>
       </p:ext>
     </p:extLst>
   </p:cSld>
@@ -7052,32 +6059,7 @@
           <a:bodyPr/>
           <a:lstStyle/>
           <a:p>
-            <a:r>
-              <a:rPr lang="zh-CN" altLang="en-US" dirty="0" smtClean="0"/>
-              <a:t>过多的索引的会造成数据空间增大，查询插入变慢</a:t>
-            </a:r>
             <a:endParaRPr lang="en-US" altLang="zh-CN" dirty="0" smtClean="0"/>
-          </a:p>
-          <a:p>
-            <a:r>
-              <a:rPr lang="en-US" altLang="zh-CN" dirty="0" smtClean="0"/>
-              <a:t>Use</a:t>
-            </a:r>
-            <a:r>
-              <a:rPr lang="en-US" altLang="zh-CN" baseline="0" dirty="0" smtClean="0"/>
-              <a:t> index</a:t>
-            </a:r>
-          </a:p>
-          <a:p>
-            <a:r>
-              <a:rPr lang="en-US" altLang="zh-CN" baseline="0" dirty="0" err="1" smtClean="0"/>
-              <a:t>Forse</a:t>
-            </a:r>
-            <a:r>
-              <a:rPr lang="en-US" altLang="zh-CN" baseline="0" dirty="0" smtClean="0"/>
-              <a:t> index</a:t>
-            </a:r>
-            <a:endParaRPr lang="zh-CN" altLang="en-US" dirty="0"/>
           </a:p>
         </p:txBody>
       </p:sp>
@@ -7107,7 +6089,7 @@
     </p:spTree>
     <p:extLst>
       <p:ext uri="{BB962C8B-B14F-4D97-AF65-F5344CB8AC3E}">
-        <p14:creationId xmlns:p14="http://schemas.microsoft.com/office/powerpoint/2010/main" val="2038760665"/>
+        <p14:creationId xmlns:p14="http://schemas.microsoft.com/office/powerpoint/2010/main" val="82197963"/>
       </p:ext>
     </p:extLst>
   </p:cSld>
@@ -7161,41 +6143,7 @@
           <a:bodyPr/>
           <a:lstStyle/>
           <a:p>
-            <a:r>
-              <a:rPr lang="zh-CN" altLang="en-US" dirty="0" smtClean="0"/>
-              <a:t>设计索引规则：</a:t>
-            </a:r>
-            <a:endParaRPr lang="en-US" altLang="zh-CN" dirty="0" smtClean="0"/>
-          </a:p>
-          <a:p>
-            <a:pPr marL="228600" indent="-228600">
-              <a:buAutoNum type="arabicPeriod"/>
-            </a:pPr>
-            <a:r>
-              <a:rPr lang="zh-CN" altLang="en-US" dirty="0" smtClean="0"/>
-              <a:t>每张表不超过五个索引</a:t>
-            </a:r>
-            <a:endParaRPr lang="en-US" altLang="zh-CN" dirty="0" smtClean="0"/>
-          </a:p>
-          <a:p>
-            <a:pPr marL="228600" indent="-228600">
-              <a:buAutoNum type="arabicPeriod"/>
-            </a:pPr>
-            <a:r>
-              <a:rPr lang="zh-CN" altLang="en-US" dirty="0" smtClean="0"/>
-              <a:t>复合索引不超过三列</a:t>
-            </a:r>
-            <a:endParaRPr lang="en-US" altLang="zh-CN" dirty="0" smtClean="0"/>
-          </a:p>
-          <a:p>
-            <a:pPr marL="228600" indent="-228600">
-              <a:buAutoNum type="arabicPeriod"/>
-            </a:pPr>
-            <a:r>
-              <a:rPr lang="zh-CN" altLang="en-US" dirty="0" smtClean="0"/>
-              <a:t>避免重复索引和离散度低的索引</a:t>
-            </a:r>
-            <a:endParaRPr lang="en-US" altLang="zh-CN" dirty="0" smtClean="0"/>
+            <a:endParaRPr lang="zh-CN" altLang="en-US" dirty="0"/>
           </a:p>
         </p:txBody>
       </p:sp>
@@ -7225,7 +6173,7 @@
     </p:spTree>
     <p:extLst>
       <p:ext uri="{BB962C8B-B14F-4D97-AF65-F5344CB8AC3E}">
-        <p14:creationId xmlns:p14="http://schemas.microsoft.com/office/powerpoint/2010/main" val="82197963"/>
+        <p14:creationId xmlns:p14="http://schemas.microsoft.com/office/powerpoint/2010/main" val="4113132336"/>
       </p:ext>
     </p:extLst>
   </p:cSld>
@@ -7279,7 +6227,203 @@
           <a:bodyPr/>
           <a:lstStyle/>
           <a:p>
-            <a:endParaRPr lang="zh-CN" altLang="en-US" dirty="0"/>
+            <a:pPr marL="228600" indent="-228600">
+              <a:buFont typeface="+mj-lt"/>
+              <a:buAutoNum type="arabicPeriod"/>
+            </a:pPr>
+            <a:r>
+              <a:rPr lang="zh-CN" altLang="en-US" dirty="0" smtClean="0"/>
+              <a:t>客户端发送一条查询给服务器。</a:t>
+            </a:r>
+            <a:endParaRPr lang="en-US" altLang="zh-CN" dirty="0" smtClean="0"/>
+          </a:p>
+          <a:p>
+            <a:pPr marL="228600" indent="-228600">
+              <a:buFont typeface="+mj-lt"/>
+              <a:buAutoNum type="arabicPeriod"/>
+            </a:pPr>
+            <a:r>
+              <a:rPr lang="zh-CN" altLang="en-US" dirty="0" smtClean="0"/>
+              <a:t>服务器先检查查询缓存，如果命中了缓存，则立刻返回存储在缓存中的结果。否则进入下一阶段。</a:t>
+            </a:r>
+            <a:endParaRPr lang="en-US" altLang="zh-CN" dirty="0" smtClean="0"/>
+          </a:p>
+          <a:p>
+            <a:pPr marL="228600" indent="-228600">
+              <a:buFont typeface="+mj-lt"/>
+              <a:buAutoNum type="arabicPeriod"/>
+            </a:pPr>
+            <a:r>
+              <a:rPr lang="zh-CN" altLang="en-US" dirty="0" smtClean="0"/>
+              <a:t>服务器端进行</a:t>
+            </a:r>
+            <a:r>
+              <a:rPr lang="en-US" altLang="zh-CN" dirty="0" smtClean="0"/>
+              <a:t>SQL</a:t>
+            </a:r>
+            <a:r>
+              <a:rPr lang="zh-CN" altLang="en-US" dirty="0" smtClean="0"/>
+              <a:t>解析、预处理，再由优化器生成对应的执行计划。</a:t>
+            </a:r>
+            <a:endParaRPr lang="en-US" altLang="zh-CN" dirty="0" smtClean="0"/>
+          </a:p>
+          <a:p>
+            <a:pPr marL="228600" indent="-228600">
+              <a:buFont typeface="+mj-lt"/>
+              <a:buAutoNum type="arabicPeriod"/>
+            </a:pPr>
+            <a:r>
+              <a:rPr lang="en-US" altLang="zh-CN" dirty="0" smtClean="0"/>
+              <a:t>MySQL</a:t>
+            </a:r>
+            <a:r>
+              <a:rPr lang="zh-CN" altLang="en-US" dirty="0" smtClean="0"/>
+              <a:t>根据优化器生成的执行计划，再调用存储引擎的</a:t>
+            </a:r>
+            <a:r>
+              <a:rPr lang="en-US" altLang="zh-CN" dirty="0" smtClean="0"/>
+              <a:t>API</a:t>
+            </a:r>
+            <a:r>
+              <a:rPr lang="zh-CN" altLang="en-US" dirty="0" smtClean="0"/>
+              <a:t>来执行查询。</a:t>
+            </a:r>
+            <a:endParaRPr lang="en-US" altLang="zh-CN" dirty="0" smtClean="0"/>
+          </a:p>
+          <a:p>
+            <a:pPr marL="228600" indent="-228600">
+              <a:buFont typeface="+mj-lt"/>
+              <a:buAutoNum type="arabicPeriod"/>
+            </a:pPr>
+            <a:r>
+              <a:rPr lang="zh-CN" altLang="en-US" dirty="0" smtClean="0"/>
+              <a:t>将结果返回给客户端。</a:t>
+            </a:r>
+            <a:endParaRPr lang="en-US" altLang="zh-CN" dirty="0" smtClean="0"/>
+          </a:p>
+          <a:p>
+            <a:pPr marL="0" marR="0" indent="0" algn="l" defTabSz="914400" rtl="0" eaLnBrk="1" fontAlgn="auto" latinLnBrk="0" hangingPunct="1">
+              <a:lnSpc>
+                <a:spcPct val="100000"/>
+              </a:lnSpc>
+              <a:spcBef>
+                <a:spcPts val="0"/>
+              </a:spcBef>
+              <a:spcAft>
+                <a:spcPts val="0"/>
+              </a:spcAft>
+              <a:buClrTx/>
+              <a:buSzTx/>
+              <a:buFontTx/>
+              <a:buNone/>
+              <a:tabLst/>
+              <a:defRPr/>
+            </a:pPr>
+            <a:endParaRPr lang="en-US" altLang="zh-CN" dirty="0" smtClean="0"/>
+          </a:p>
+          <a:p>
+            <a:pPr marL="0" marR="0" indent="0" algn="l" defTabSz="914400" rtl="0" eaLnBrk="1" fontAlgn="auto" latinLnBrk="0" hangingPunct="1">
+              <a:lnSpc>
+                <a:spcPct val="100000"/>
+              </a:lnSpc>
+              <a:spcBef>
+                <a:spcPts val="0"/>
+              </a:spcBef>
+              <a:spcAft>
+                <a:spcPts val="0"/>
+              </a:spcAft>
+              <a:buClrTx/>
+              <a:buSzTx/>
+              <a:buFontTx/>
+              <a:buNone/>
+              <a:tabLst/>
+              <a:defRPr/>
+            </a:pPr>
+            <a:r>
+              <a:rPr lang="zh-CN" altLang="en-US" sz="1200" b="0" i="0" kern="1200" dirty="0" smtClean="0">
+                <a:solidFill>
+                  <a:schemeClr val="tx1"/>
+                </a:solidFill>
+                <a:effectLst/>
+                <a:latin typeface="+mn-lt"/>
+                <a:ea typeface="+mn-ea"/>
+                <a:cs typeface="+mn-cs"/>
+              </a:rPr>
+              <a:t>当查询语句中有一些不确定的数据时，则不会被缓存。例如包含函数</a:t>
+            </a:r>
+            <a:r>
+              <a:rPr lang="en-US" altLang="zh-CN" sz="1200" b="0" i="0" kern="1200" dirty="0" smtClean="0">
+                <a:solidFill>
+                  <a:schemeClr val="tx1"/>
+                </a:solidFill>
+                <a:effectLst/>
+                <a:latin typeface="+mn-lt"/>
+                <a:ea typeface="+mn-ea"/>
+                <a:cs typeface="+mn-cs"/>
+              </a:rPr>
+              <a:t>NOW()</a:t>
+            </a:r>
+            <a:r>
+              <a:rPr lang="zh-CN" altLang="en-US" sz="1200" b="0" i="0" kern="1200" dirty="0" smtClean="0">
+                <a:solidFill>
+                  <a:schemeClr val="tx1"/>
+                </a:solidFill>
+                <a:effectLst/>
+                <a:latin typeface="+mn-lt"/>
+                <a:ea typeface="+mn-ea"/>
+                <a:cs typeface="+mn-cs"/>
+              </a:rPr>
+              <a:t>或者</a:t>
+            </a:r>
+            <a:r>
+              <a:rPr lang="en-US" altLang="zh-CN" sz="1200" b="0" i="0" kern="1200" dirty="0" smtClean="0">
+                <a:solidFill>
+                  <a:schemeClr val="tx1"/>
+                </a:solidFill>
+                <a:effectLst/>
+                <a:latin typeface="+mn-lt"/>
+                <a:ea typeface="+mn-ea"/>
+                <a:cs typeface="+mn-cs"/>
+              </a:rPr>
+              <a:t>CURRENT_DATE()</a:t>
+            </a:r>
+            <a:r>
+              <a:rPr lang="zh-CN" altLang="en-US" sz="1200" b="0" i="0" kern="1200" dirty="0" smtClean="0">
+                <a:solidFill>
+                  <a:schemeClr val="tx1"/>
+                </a:solidFill>
+                <a:effectLst/>
+                <a:latin typeface="+mn-lt"/>
+                <a:ea typeface="+mn-ea"/>
+                <a:cs typeface="+mn-cs"/>
+              </a:rPr>
+              <a:t>的查询不会缓存。包含任何用户自定义函数，存储函数，用户变量，临时表，</a:t>
+            </a:r>
+            <a:r>
+              <a:rPr lang="en-US" altLang="zh-CN" sz="1200" b="0" i="0" kern="1200" dirty="0" err="1" smtClean="0">
+                <a:solidFill>
+                  <a:schemeClr val="tx1"/>
+                </a:solidFill>
+                <a:effectLst/>
+                <a:latin typeface="+mn-lt"/>
+                <a:ea typeface="+mn-ea"/>
+                <a:cs typeface="+mn-cs"/>
+              </a:rPr>
+              <a:t>mysql</a:t>
+            </a:r>
+            <a:r>
+              <a:rPr lang="zh-CN" altLang="en-US" sz="1200" b="0" i="0" kern="1200" dirty="0" smtClean="0">
+                <a:solidFill>
+                  <a:schemeClr val="tx1"/>
+                </a:solidFill>
+                <a:effectLst/>
+                <a:latin typeface="+mn-lt"/>
+                <a:ea typeface="+mn-ea"/>
+                <a:cs typeface="+mn-cs"/>
+              </a:rPr>
+              <a:t>数据库中的系统表或者包含任何列级别权限的表，都不会被缓存。</a:t>
+            </a:r>
+            <a:endParaRPr lang="en-US" altLang="zh-CN" dirty="0" smtClean="0"/>
           </a:p>
         </p:txBody>
       </p:sp>
@@ -7300,7 +6444,7 @@
           <a:p>
             <a:fld id="{469FB7A9-FBDD-4835-A7AE-7F4237A28786}" type="slidenum">
               <a:rPr lang="zh-CN" altLang="en-US" smtClean="0"/>
-              <a:t>16</a:t>
+              <a:t>17</a:t>
             </a:fld>
             <a:endParaRPr lang="zh-CN" altLang="en-US"/>
           </a:p>
@@ -7309,7 +6453,7 @@
     </p:spTree>
     <p:extLst>
       <p:ext uri="{BB962C8B-B14F-4D97-AF65-F5344CB8AC3E}">
-        <p14:creationId xmlns:p14="http://schemas.microsoft.com/office/powerpoint/2010/main" val="4113132336"/>
+        <p14:creationId xmlns:p14="http://schemas.microsoft.com/office/powerpoint/2010/main" val="635118880"/>
       </p:ext>
     </p:extLst>
   </p:cSld>
@@ -7363,203 +6507,7 @@
           <a:bodyPr/>
           <a:lstStyle/>
           <a:p>
-            <a:pPr marL="228600" indent="-228600">
-              <a:buFont typeface="+mj-lt"/>
-              <a:buAutoNum type="arabicPeriod"/>
-            </a:pPr>
-            <a:r>
-              <a:rPr lang="zh-CN" altLang="en-US" dirty="0" smtClean="0"/>
-              <a:t>客户端发送一条查询给服务器。</a:t>
-            </a:r>
-            <a:endParaRPr lang="en-US" altLang="zh-CN" dirty="0" smtClean="0"/>
-          </a:p>
-          <a:p>
-            <a:pPr marL="228600" indent="-228600">
-              <a:buFont typeface="+mj-lt"/>
-              <a:buAutoNum type="arabicPeriod"/>
-            </a:pPr>
-            <a:r>
-              <a:rPr lang="zh-CN" altLang="en-US" dirty="0" smtClean="0"/>
-              <a:t>服务器先检查查询缓存，如果命中了缓存，则立刻返回存储在缓存中的结果。否则进入下一阶段。</a:t>
-            </a:r>
-            <a:endParaRPr lang="en-US" altLang="zh-CN" dirty="0" smtClean="0"/>
-          </a:p>
-          <a:p>
-            <a:pPr marL="228600" indent="-228600">
-              <a:buFont typeface="+mj-lt"/>
-              <a:buAutoNum type="arabicPeriod"/>
-            </a:pPr>
-            <a:r>
-              <a:rPr lang="zh-CN" altLang="en-US" dirty="0" smtClean="0"/>
-              <a:t>服务器端进行</a:t>
-            </a:r>
-            <a:r>
-              <a:rPr lang="en-US" altLang="zh-CN" dirty="0" smtClean="0"/>
-              <a:t>SQL</a:t>
-            </a:r>
-            <a:r>
-              <a:rPr lang="zh-CN" altLang="en-US" dirty="0" smtClean="0"/>
-              <a:t>解析、预处理，再由优化器生成对应的执行计划。</a:t>
-            </a:r>
-            <a:endParaRPr lang="en-US" altLang="zh-CN" dirty="0" smtClean="0"/>
-          </a:p>
-          <a:p>
-            <a:pPr marL="228600" indent="-228600">
-              <a:buFont typeface="+mj-lt"/>
-              <a:buAutoNum type="arabicPeriod"/>
-            </a:pPr>
-            <a:r>
-              <a:rPr lang="en-US" altLang="zh-CN" dirty="0" smtClean="0"/>
-              <a:t>MySQL</a:t>
-            </a:r>
-            <a:r>
-              <a:rPr lang="zh-CN" altLang="en-US" dirty="0" smtClean="0"/>
-              <a:t>根据优化器生成的执行计划，再调用存储引擎的</a:t>
-            </a:r>
-            <a:r>
-              <a:rPr lang="en-US" altLang="zh-CN" dirty="0" smtClean="0"/>
-              <a:t>API</a:t>
-            </a:r>
-            <a:r>
-              <a:rPr lang="zh-CN" altLang="en-US" dirty="0" smtClean="0"/>
-              <a:t>来执行查询。</a:t>
-            </a:r>
-            <a:endParaRPr lang="en-US" altLang="zh-CN" dirty="0" smtClean="0"/>
-          </a:p>
-          <a:p>
-            <a:pPr marL="228600" indent="-228600">
-              <a:buFont typeface="+mj-lt"/>
-              <a:buAutoNum type="arabicPeriod"/>
-            </a:pPr>
-            <a:r>
-              <a:rPr lang="zh-CN" altLang="en-US" dirty="0" smtClean="0"/>
-              <a:t>将结果返回给客户端。</a:t>
-            </a:r>
-            <a:endParaRPr lang="en-US" altLang="zh-CN" dirty="0" smtClean="0"/>
-          </a:p>
-          <a:p>
-            <a:pPr marL="0" marR="0" indent="0" algn="l" defTabSz="914400" rtl="0" eaLnBrk="1" fontAlgn="auto" latinLnBrk="0" hangingPunct="1">
-              <a:lnSpc>
-                <a:spcPct val="100000"/>
-              </a:lnSpc>
-              <a:spcBef>
-                <a:spcPts val="0"/>
-              </a:spcBef>
-              <a:spcAft>
-                <a:spcPts val="0"/>
-              </a:spcAft>
-              <a:buClrTx/>
-              <a:buSzTx/>
-              <a:buFontTx/>
-              <a:buNone/>
-              <a:tabLst/>
-              <a:defRPr/>
-            </a:pPr>
-            <a:endParaRPr lang="en-US" altLang="zh-CN" dirty="0" smtClean="0"/>
-          </a:p>
-          <a:p>
-            <a:pPr marL="0" marR="0" indent="0" algn="l" defTabSz="914400" rtl="0" eaLnBrk="1" fontAlgn="auto" latinLnBrk="0" hangingPunct="1">
-              <a:lnSpc>
-                <a:spcPct val="100000"/>
-              </a:lnSpc>
-              <a:spcBef>
-                <a:spcPts val="0"/>
-              </a:spcBef>
-              <a:spcAft>
-                <a:spcPts val="0"/>
-              </a:spcAft>
-              <a:buClrTx/>
-              <a:buSzTx/>
-              <a:buFontTx/>
-              <a:buNone/>
-              <a:tabLst/>
-              <a:defRPr/>
-            </a:pPr>
-            <a:r>
-              <a:rPr lang="zh-CN" altLang="en-US" sz="1200" b="0" i="0" kern="1200" dirty="0" smtClean="0">
-                <a:solidFill>
-                  <a:schemeClr val="tx1"/>
-                </a:solidFill>
-                <a:effectLst/>
-                <a:latin typeface="+mn-lt"/>
-                <a:ea typeface="+mn-ea"/>
-                <a:cs typeface="+mn-cs"/>
-              </a:rPr>
-              <a:t>当查询语句中有一些不确定的数据时，则不会被缓存。例如包含函数</a:t>
-            </a:r>
-            <a:r>
-              <a:rPr lang="en-US" altLang="zh-CN" sz="1200" b="0" i="0" kern="1200" dirty="0" smtClean="0">
-                <a:solidFill>
-                  <a:schemeClr val="tx1"/>
-                </a:solidFill>
-                <a:effectLst/>
-                <a:latin typeface="+mn-lt"/>
-                <a:ea typeface="+mn-ea"/>
-                <a:cs typeface="+mn-cs"/>
-              </a:rPr>
-              <a:t>NOW()</a:t>
-            </a:r>
-            <a:r>
-              <a:rPr lang="zh-CN" altLang="en-US" sz="1200" b="0" i="0" kern="1200" dirty="0" smtClean="0">
-                <a:solidFill>
-                  <a:schemeClr val="tx1"/>
-                </a:solidFill>
-                <a:effectLst/>
-                <a:latin typeface="+mn-lt"/>
-                <a:ea typeface="+mn-ea"/>
-                <a:cs typeface="+mn-cs"/>
-              </a:rPr>
-              <a:t>或者</a:t>
-            </a:r>
-            <a:r>
-              <a:rPr lang="en-US" altLang="zh-CN" sz="1200" b="0" i="0" kern="1200" dirty="0" smtClean="0">
-                <a:solidFill>
-                  <a:schemeClr val="tx1"/>
-                </a:solidFill>
-                <a:effectLst/>
-                <a:latin typeface="+mn-lt"/>
-                <a:ea typeface="+mn-ea"/>
-                <a:cs typeface="+mn-cs"/>
-              </a:rPr>
-              <a:t>CURRENT_DATE()</a:t>
-            </a:r>
-            <a:r>
-              <a:rPr lang="zh-CN" altLang="en-US" sz="1200" b="0" i="0" kern="1200" dirty="0" smtClean="0">
-                <a:solidFill>
-                  <a:schemeClr val="tx1"/>
-                </a:solidFill>
-                <a:effectLst/>
-                <a:latin typeface="+mn-lt"/>
-                <a:ea typeface="+mn-ea"/>
-                <a:cs typeface="+mn-cs"/>
-              </a:rPr>
-              <a:t>的查询不会缓存。包含任何用户自定义函数，存储函数，用户变量，临时表，</a:t>
-            </a:r>
-            <a:r>
-              <a:rPr lang="en-US" altLang="zh-CN" sz="1200" b="0" i="0" kern="1200" dirty="0" err="1" smtClean="0">
-                <a:solidFill>
-                  <a:schemeClr val="tx1"/>
-                </a:solidFill>
-                <a:effectLst/>
-                <a:latin typeface="+mn-lt"/>
-                <a:ea typeface="+mn-ea"/>
-                <a:cs typeface="+mn-cs"/>
-              </a:rPr>
-              <a:t>mysql</a:t>
-            </a:r>
-            <a:r>
-              <a:rPr lang="zh-CN" altLang="en-US" sz="1200" b="0" i="0" kern="1200" dirty="0" smtClean="0">
-                <a:solidFill>
-                  <a:schemeClr val="tx1"/>
-                </a:solidFill>
-                <a:effectLst/>
-                <a:latin typeface="+mn-lt"/>
-                <a:ea typeface="+mn-ea"/>
-                <a:cs typeface="+mn-cs"/>
-              </a:rPr>
-              <a:t>数据库中的系统表或者包含任何列级别权限的表，都不会被缓存。</a:t>
-            </a:r>
-            <a:endParaRPr lang="en-US" altLang="zh-CN" dirty="0" smtClean="0"/>
+            <a:endParaRPr lang="zh-CN" altLang="en-US" dirty="0"/>
           </a:p>
         </p:txBody>
       </p:sp>
@@ -7589,7 +6537,7 @@
     </p:spTree>
     <p:extLst>
       <p:ext uri="{BB962C8B-B14F-4D97-AF65-F5344CB8AC3E}">
-        <p14:creationId xmlns:p14="http://schemas.microsoft.com/office/powerpoint/2010/main" val="635118880"/>
+        <p14:creationId xmlns:p14="http://schemas.microsoft.com/office/powerpoint/2010/main" val="3669327390"/>
       </p:ext>
     </p:extLst>
   </p:cSld>
@@ -7643,6 +6591,12 @@
           <a:bodyPr/>
           <a:lstStyle/>
           <a:p>
+            <a:r>
+              <a:rPr lang="en-US" altLang="zh-CN" dirty="0" smtClean="0">
+                <a:hlinkClick r:id="rId3"/>
+              </a:rPr>
+              <a:t>https://dev.mysql.com/doc/refman/8.0/en/explain-output.html</a:t>
+            </a:r>
             <a:endParaRPr lang="zh-CN" altLang="en-US" dirty="0"/>
           </a:p>
         </p:txBody>
@@ -7673,7 +6627,7 @@
     </p:spTree>
     <p:extLst>
       <p:ext uri="{BB962C8B-B14F-4D97-AF65-F5344CB8AC3E}">
-        <p14:creationId xmlns:p14="http://schemas.microsoft.com/office/powerpoint/2010/main" val="3669327390"/>
+        <p14:creationId xmlns:p14="http://schemas.microsoft.com/office/powerpoint/2010/main" val="3177753436"/>
       </p:ext>
     </p:extLst>
   </p:cSld>
@@ -7727,12 +6681,10 @@
           <a:bodyPr/>
           <a:lstStyle/>
           <a:p>
-            <a:r>
-              <a:rPr lang="en-US" altLang="zh-CN" dirty="0" smtClean="0">
-                <a:hlinkClick r:id="rId3"/>
-              </a:rPr>
-              <a:t>https://dev.mysql.com/doc/refman/8.0/en/explain-output.html</a:t>
-            </a:r>
+            <a:pPr marL="0" indent="0">
+              <a:buFont typeface="+mj-lt"/>
+              <a:buNone/>
+            </a:pPr>
             <a:endParaRPr lang="zh-CN" altLang="en-US" dirty="0"/>
           </a:p>
         </p:txBody>
@@ -7763,7 +6715,7 @@
     </p:spTree>
     <p:extLst>
       <p:ext uri="{BB962C8B-B14F-4D97-AF65-F5344CB8AC3E}">
-        <p14:creationId xmlns:p14="http://schemas.microsoft.com/office/powerpoint/2010/main" val="3177753436"/>
+        <p14:creationId xmlns:p14="http://schemas.microsoft.com/office/powerpoint/2010/main" val="2031233509"/>
       </p:ext>
     </p:extLst>
   </p:cSld>
@@ -7851,7 +6803,7 @@
     </p:spTree>
     <p:extLst>
       <p:ext uri="{BB962C8B-B14F-4D97-AF65-F5344CB8AC3E}">
-        <p14:creationId xmlns:p14="http://schemas.microsoft.com/office/powerpoint/2010/main" val="2031233509"/>
+        <p14:creationId xmlns:p14="http://schemas.microsoft.com/office/powerpoint/2010/main" val="1774587096"/>
       </p:ext>
     </p:extLst>
   </p:cSld>
@@ -7939,7 +6891,7 @@
     </p:spTree>
     <p:extLst>
       <p:ext uri="{BB962C8B-B14F-4D97-AF65-F5344CB8AC3E}">
-        <p14:creationId xmlns:p14="http://schemas.microsoft.com/office/powerpoint/2010/main" val="1774587096"/>
+        <p14:creationId xmlns:p14="http://schemas.microsoft.com/office/powerpoint/2010/main" val="2614725765"/>
       </p:ext>
     </p:extLst>
   </p:cSld>
@@ -7993,6 +6945,106 @@
           <a:bodyPr/>
           <a:lstStyle/>
           <a:p>
+            <a:r>
+              <a:rPr lang="en-US" altLang="zh-CN" dirty="0" smtClean="0"/>
+              <a:t>VARCHAR</a:t>
+            </a:r>
+            <a:r>
+              <a:rPr lang="zh-CN" altLang="en-US" dirty="0" smtClean="0"/>
+              <a:t>为主键</a:t>
+            </a:r>
+          </a:p>
+          <a:p>
+            <a:pPr marL="342900" indent="-342900">
+              <a:buFont typeface="+mj-lt"/>
+              <a:buAutoNum type="arabicPeriod"/>
+            </a:pPr>
+            <a:r>
+              <a:rPr lang="zh-CN" altLang="en-US" dirty="0" smtClean="0"/>
+              <a:t>数据是无序的， 插入数据时，页的位置会发生变化，页分裂，</a:t>
+            </a:r>
+            <a:r>
+              <a:rPr lang="zh-CN" altLang="en-US" b="1" dirty="0" smtClean="0"/>
+              <a:t>速度慢</a:t>
+            </a:r>
+            <a:r>
+              <a:rPr lang="zh-CN" altLang="en-US" dirty="0" smtClean="0"/>
+              <a:t>。</a:t>
+            </a:r>
+            <a:endParaRPr lang="en-US" altLang="zh-CN" dirty="0" smtClean="0"/>
+          </a:p>
+          <a:p>
+            <a:pPr marL="342900" indent="-342900">
+              <a:buFont typeface="+mj-lt"/>
+              <a:buAutoNum type="arabicPeriod"/>
+            </a:pPr>
+            <a:r>
+              <a:rPr lang="zh-CN" altLang="en-US" dirty="0" smtClean="0"/>
+              <a:t>占的空间大，并且</a:t>
+            </a:r>
+            <a:r>
+              <a:rPr lang="en-US" altLang="zh-CN" dirty="0" err="1" smtClean="0"/>
+              <a:t>innodb</a:t>
+            </a:r>
+            <a:r>
+              <a:rPr lang="zh-CN" altLang="en-US" dirty="0" smtClean="0"/>
+              <a:t>中，别的索引还都要包含主键的值，那么每个索引的空间也都会增大，占的空间大，需要读数据时一般会认为需要的</a:t>
+            </a:r>
+            <a:r>
+              <a:rPr lang="en-US" altLang="zh-CN" b="1" dirty="0" err="1" smtClean="0"/>
+              <a:t>io</a:t>
+            </a:r>
+            <a:r>
+              <a:rPr lang="zh-CN" altLang="en-US" b="1" dirty="0" smtClean="0"/>
+              <a:t>次数多。</a:t>
+            </a:r>
+            <a:endParaRPr lang="en-US" altLang="zh-CN" b="1" dirty="0" smtClean="0"/>
+          </a:p>
+          <a:p>
+            <a:r>
+              <a:rPr lang="en-US" altLang="zh-CN" dirty="0" smtClean="0"/>
+              <a:t>BIGINT</a:t>
+            </a:r>
+            <a:r>
+              <a:rPr lang="zh-CN" altLang="en-US" dirty="0" smtClean="0"/>
+              <a:t>为主键</a:t>
+            </a:r>
+            <a:endParaRPr lang="en-US" altLang="zh-CN" dirty="0" smtClean="0"/>
+          </a:p>
+          <a:p>
+            <a:pPr marL="342900" indent="-342900">
+              <a:buFont typeface="+mj-lt"/>
+              <a:buAutoNum type="arabicPeriod"/>
+            </a:pPr>
+            <a:r>
+              <a:rPr lang="zh-CN" altLang="en-US" dirty="0" smtClean="0"/>
+              <a:t>对于高并发的大量插入，会产生上界的锁竞争。</a:t>
+            </a:r>
+            <a:endParaRPr lang="en-US" altLang="zh-CN" dirty="0" smtClean="0"/>
+          </a:p>
+          <a:p>
+            <a:pPr marL="342900" indent="-342900">
+              <a:buFont typeface="+mj-lt"/>
+              <a:buAutoNum type="arabicPeriod"/>
+            </a:pPr>
+            <a:r>
+              <a:rPr lang="en-US" altLang="zh-CN" dirty="0" smtClean="0"/>
+              <a:t>AUTO_INCREMENT</a:t>
+            </a:r>
+            <a:r>
+              <a:rPr lang="zh-CN" altLang="en-US" dirty="0" smtClean="0"/>
+              <a:t>锁。</a:t>
+            </a:r>
+            <a:endParaRPr lang="en-US" altLang="zh-CN" dirty="0" smtClean="0"/>
+          </a:p>
+          <a:p>
+            <a:pPr marL="0" indent="0">
+              <a:buFont typeface="+mj-lt"/>
+              <a:buNone/>
+            </a:pPr>
+            <a:endParaRPr lang="en-US" altLang="zh-CN" b="1" dirty="0" smtClean="0"/>
+          </a:p>
+          <a:p>
             <a:pPr marL="0" indent="0">
               <a:buFont typeface="+mj-lt"/>
               <a:buNone/>
@@ -8018,7 +7070,7 @@
           <a:p>
             <a:fld id="{469FB7A9-FBDD-4835-A7AE-7F4237A28786}" type="slidenum">
               <a:rPr lang="zh-CN" altLang="en-US" smtClean="0"/>
-              <a:t>23</a:t>
+              <a:t>24</a:t>
             </a:fld>
             <a:endParaRPr lang="zh-CN" altLang="en-US"/>
           </a:p>
@@ -8027,7 +7079,7 @@
     </p:spTree>
     <p:extLst>
       <p:ext uri="{BB962C8B-B14F-4D97-AF65-F5344CB8AC3E}">
-        <p14:creationId xmlns:p14="http://schemas.microsoft.com/office/powerpoint/2010/main" val="2614725765"/>
+        <p14:creationId xmlns:p14="http://schemas.microsoft.com/office/powerpoint/2010/main" val="3303666512"/>
       </p:ext>
     </p:extLst>
   </p:cSld>
@@ -8245,6 +7297,266 @@
     <p:extLst>
       <p:ext uri="{BB962C8B-B14F-4D97-AF65-F5344CB8AC3E}">
         <p14:creationId xmlns:p14="http://schemas.microsoft.com/office/powerpoint/2010/main" val="3158857463"/>
+      </p:ext>
+    </p:extLst>
+  </p:cSld>
+  <p:clrMapOvr>
+    <a:masterClrMapping/>
+  </p:clrMapOvr>
+</p:notes>
+</file>
+
+<file path=ppt/notesSlides/notesSlide20.xml><?xml version="1.0" encoding="utf-8"?>
+<p:notes xmlns:a="http://schemas.openxmlformats.org/drawingml/2006/main" xmlns:r="http://schemas.openxmlformats.org/officeDocument/2006/relationships" xmlns:p="http://schemas.openxmlformats.org/presentationml/2006/main">
+  <p:cSld>
+    <p:spTree>
+      <p:nvGrpSpPr>
+        <p:cNvPr id="1" name=""/>
+        <p:cNvGrpSpPr/>
+        <p:nvPr/>
+      </p:nvGrpSpPr>
+      <p:grpSpPr>
+        <a:xfrm>
+          <a:off x="0" y="0"/>
+          <a:ext cx="0" cy="0"/>
+          <a:chOff x="0" y="0"/>
+          <a:chExt cx="0" cy="0"/>
+        </a:xfrm>
+      </p:grpSpPr>
+      <p:sp>
+        <p:nvSpPr>
+          <p:cNvPr id="2" name="幻灯片图像占位符 1"/>
+          <p:cNvSpPr>
+            <a:spLocks noGrp="1" noRot="1" noChangeAspect="1"/>
+          </p:cNvSpPr>
+          <p:nvPr>
+            <p:ph type="sldImg"/>
+          </p:nvPr>
+        </p:nvSpPr>
+        <p:spPr/>
+      </p:sp>
+      <p:sp>
+        <p:nvSpPr>
+          <p:cNvPr id="3" name="备注占位符 2"/>
+          <p:cNvSpPr>
+            <a:spLocks noGrp="1"/>
+          </p:cNvSpPr>
+          <p:nvPr>
+            <p:ph type="body" idx="1"/>
+          </p:nvPr>
+        </p:nvSpPr>
+        <p:spPr/>
+        <p:txBody>
+          <a:bodyPr/>
+          <a:lstStyle/>
+          <a:p>
+            <a:pPr marL="0" indent="0">
+              <a:buFont typeface="+mj-lt"/>
+              <a:buNone/>
+            </a:pPr>
+            <a:endParaRPr lang="zh-CN" altLang="en-US" dirty="0"/>
+          </a:p>
+        </p:txBody>
+      </p:sp>
+      <p:sp>
+        <p:nvSpPr>
+          <p:cNvPr id="4" name="灯片编号占位符 3"/>
+          <p:cNvSpPr>
+            <a:spLocks noGrp="1"/>
+          </p:cNvSpPr>
+          <p:nvPr>
+            <p:ph type="sldNum" sz="quarter" idx="10"/>
+          </p:nvPr>
+        </p:nvSpPr>
+        <p:spPr/>
+        <p:txBody>
+          <a:bodyPr/>
+          <a:lstStyle/>
+          <a:p>
+            <a:fld id="{469FB7A9-FBDD-4835-A7AE-7F4237A28786}" type="slidenum">
+              <a:rPr lang="zh-CN" altLang="en-US" smtClean="0"/>
+              <a:t>25</a:t>
+            </a:fld>
+            <a:endParaRPr lang="zh-CN" altLang="en-US"/>
+          </a:p>
+        </p:txBody>
+      </p:sp>
+    </p:spTree>
+    <p:extLst>
+      <p:ext uri="{BB962C8B-B14F-4D97-AF65-F5344CB8AC3E}">
+        <p14:creationId xmlns:p14="http://schemas.microsoft.com/office/powerpoint/2010/main" val="775539686"/>
+      </p:ext>
+    </p:extLst>
+  </p:cSld>
+  <p:clrMapOvr>
+    <a:masterClrMapping/>
+  </p:clrMapOvr>
+</p:notes>
+</file>
+
+<file path=ppt/notesSlides/notesSlide21.xml><?xml version="1.0" encoding="utf-8"?>
+<p:notes xmlns:a="http://schemas.openxmlformats.org/drawingml/2006/main" xmlns:r="http://schemas.openxmlformats.org/officeDocument/2006/relationships" xmlns:p="http://schemas.openxmlformats.org/presentationml/2006/main">
+  <p:cSld>
+    <p:spTree>
+      <p:nvGrpSpPr>
+        <p:cNvPr id="1" name=""/>
+        <p:cNvGrpSpPr/>
+        <p:nvPr/>
+      </p:nvGrpSpPr>
+      <p:grpSpPr>
+        <a:xfrm>
+          <a:off x="0" y="0"/>
+          <a:ext cx="0" cy="0"/>
+          <a:chOff x="0" y="0"/>
+          <a:chExt cx="0" cy="0"/>
+        </a:xfrm>
+      </p:grpSpPr>
+      <p:sp>
+        <p:nvSpPr>
+          <p:cNvPr id="2" name="幻灯片图像占位符 1"/>
+          <p:cNvSpPr>
+            <a:spLocks noGrp="1" noRot="1" noChangeAspect="1"/>
+          </p:cNvSpPr>
+          <p:nvPr>
+            <p:ph type="sldImg"/>
+          </p:nvPr>
+        </p:nvSpPr>
+        <p:spPr/>
+      </p:sp>
+      <p:sp>
+        <p:nvSpPr>
+          <p:cNvPr id="3" name="备注占位符 2"/>
+          <p:cNvSpPr>
+            <a:spLocks noGrp="1"/>
+          </p:cNvSpPr>
+          <p:nvPr>
+            <p:ph type="body" idx="1"/>
+          </p:nvPr>
+        </p:nvSpPr>
+        <p:spPr/>
+        <p:txBody>
+          <a:bodyPr/>
+          <a:lstStyle/>
+          <a:p>
+            <a:pPr marL="0" indent="0">
+              <a:buFont typeface="+mj-lt"/>
+              <a:buNone/>
+            </a:pPr>
+            <a:endParaRPr lang="zh-CN" altLang="en-US" dirty="0"/>
+          </a:p>
+        </p:txBody>
+      </p:sp>
+      <p:sp>
+        <p:nvSpPr>
+          <p:cNvPr id="4" name="灯片编号占位符 3"/>
+          <p:cNvSpPr>
+            <a:spLocks noGrp="1"/>
+          </p:cNvSpPr>
+          <p:nvPr>
+            <p:ph type="sldNum" sz="quarter" idx="10"/>
+          </p:nvPr>
+        </p:nvSpPr>
+        <p:spPr/>
+        <p:txBody>
+          <a:bodyPr/>
+          <a:lstStyle/>
+          <a:p>
+            <a:fld id="{469FB7A9-FBDD-4835-A7AE-7F4237A28786}" type="slidenum">
+              <a:rPr lang="zh-CN" altLang="en-US" smtClean="0"/>
+              <a:t>26</a:t>
+            </a:fld>
+            <a:endParaRPr lang="zh-CN" altLang="en-US"/>
+          </a:p>
+        </p:txBody>
+      </p:sp>
+    </p:spTree>
+    <p:extLst>
+      <p:ext uri="{BB962C8B-B14F-4D97-AF65-F5344CB8AC3E}">
+        <p14:creationId xmlns:p14="http://schemas.microsoft.com/office/powerpoint/2010/main" val="2055618173"/>
+      </p:ext>
+    </p:extLst>
+  </p:cSld>
+  <p:clrMapOvr>
+    <a:masterClrMapping/>
+  </p:clrMapOvr>
+</p:notes>
+</file>
+
+<file path=ppt/notesSlides/notesSlide22.xml><?xml version="1.0" encoding="utf-8"?>
+<p:notes xmlns:a="http://schemas.openxmlformats.org/drawingml/2006/main" xmlns:r="http://schemas.openxmlformats.org/officeDocument/2006/relationships" xmlns:p="http://schemas.openxmlformats.org/presentationml/2006/main">
+  <p:cSld>
+    <p:spTree>
+      <p:nvGrpSpPr>
+        <p:cNvPr id="1" name=""/>
+        <p:cNvGrpSpPr/>
+        <p:nvPr/>
+      </p:nvGrpSpPr>
+      <p:grpSpPr>
+        <a:xfrm>
+          <a:off x="0" y="0"/>
+          <a:ext cx="0" cy="0"/>
+          <a:chOff x="0" y="0"/>
+          <a:chExt cx="0" cy="0"/>
+        </a:xfrm>
+      </p:grpSpPr>
+      <p:sp>
+        <p:nvSpPr>
+          <p:cNvPr id="2" name="幻灯片图像占位符 1"/>
+          <p:cNvSpPr>
+            <a:spLocks noGrp="1" noRot="1" noChangeAspect="1"/>
+          </p:cNvSpPr>
+          <p:nvPr>
+            <p:ph type="sldImg"/>
+          </p:nvPr>
+        </p:nvSpPr>
+        <p:spPr/>
+      </p:sp>
+      <p:sp>
+        <p:nvSpPr>
+          <p:cNvPr id="3" name="备注占位符 2"/>
+          <p:cNvSpPr>
+            <a:spLocks noGrp="1"/>
+          </p:cNvSpPr>
+          <p:nvPr>
+            <p:ph type="body" idx="1"/>
+          </p:nvPr>
+        </p:nvSpPr>
+        <p:spPr/>
+        <p:txBody>
+          <a:bodyPr/>
+          <a:lstStyle/>
+          <a:p>
+            <a:endParaRPr lang="zh-CN" altLang="en-US" dirty="0"/>
+          </a:p>
+        </p:txBody>
+      </p:sp>
+      <p:sp>
+        <p:nvSpPr>
+          <p:cNvPr id="4" name="灯片编号占位符 3"/>
+          <p:cNvSpPr>
+            <a:spLocks noGrp="1"/>
+          </p:cNvSpPr>
+          <p:nvPr>
+            <p:ph type="sldNum" sz="quarter" idx="10"/>
+          </p:nvPr>
+        </p:nvSpPr>
+        <p:spPr/>
+        <p:txBody>
+          <a:bodyPr/>
+          <a:lstStyle/>
+          <a:p>
+            <a:fld id="{469FB7A9-FBDD-4835-A7AE-7F4237A28786}" type="slidenum">
+              <a:rPr lang="zh-CN" altLang="en-US" smtClean="0"/>
+              <a:t>27</a:t>
+            </a:fld>
+            <a:endParaRPr lang="zh-CN" altLang="en-US"/>
+          </a:p>
+        </p:txBody>
+      </p:sp>
+    </p:spTree>
+    <p:extLst>
+      <p:ext uri="{BB962C8B-B14F-4D97-AF65-F5344CB8AC3E}">
+        <p14:creationId xmlns:p14="http://schemas.microsoft.com/office/powerpoint/2010/main" val="3215275532"/>
       </p:ext>
     </p:extLst>
   </p:cSld>
@@ -8494,20 +7806,9 @@
           <a:bodyPr/>
           <a:lstStyle/>
           <a:p>
-            <a:pPr marL="228600" indent="-228600">
+            <a:pPr marL="0" indent="0">
               <a:buFont typeface="+mj-lt"/>
-              <a:buAutoNum type="arabicPeriod"/>
-            </a:pPr>
-            <a:r>
-              <a:rPr lang="zh-CN" altLang="en-US" dirty="0" smtClean="0"/>
-              <a:t>逻辑删除而非物理删除</a:t>
-            </a:r>
-            <a:endParaRPr lang="en-US" altLang="zh-CN" dirty="0" smtClean="0"/>
-          </a:p>
-          <a:p>
-            <a:pPr marL="228600" indent="-228600">
-              <a:buFont typeface="+mj-lt"/>
-              <a:buAutoNum type="arabicPeriod"/>
+              <a:buNone/>
             </a:pPr>
             <a:endParaRPr lang="zh-CN" altLang="en-US" dirty="0"/>
           </a:p>
@@ -8539,7 +7840,7 @@
     </p:spTree>
     <p:extLst>
       <p:ext uri="{BB962C8B-B14F-4D97-AF65-F5344CB8AC3E}">
-        <p14:creationId xmlns:p14="http://schemas.microsoft.com/office/powerpoint/2010/main" val="1838055486"/>
+        <p14:creationId xmlns:p14="http://schemas.microsoft.com/office/powerpoint/2010/main" val="2475885646"/>
       </p:ext>
     </p:extLst>
   </p:cSld>
@@ -8593,9 +7894,20 @@
           <a:bodyPr/>
           <a:lstStyle/>
           <a:p>
-            <a:pPr marL="0" indent="0">
+            <a:pPr marL="228600" indent="-228600">
               <a:buFont typeface="+mj-lt"/>
-              <a:buNone/>
+              <a:buAutoNum type="arabicPeriod"/>
+            </a:pPr>
+            <a:r>
+              <a:rPr lang="zh-CN" altLang="en-US" dirty="0" smtClean="0"/>
+              <a:t>逻辑删除而非物理删除</a:t>
+            </a:r>
+            <a:endParaRPr lang="en-US" altLang="zh-CN" dirty="0" smtClean="0"/>
+          </a:p>
+          <a:p>
+            <a:pPr marL="228600" indent="-228600">
+              <a:buFont typeface="+mj-lt"/>
+              <a:buAutoNum type="arabicPeriod"/>
             </a:pPr>
             <a:endParaRPr lang="zh-CN" altLang="en-US" dirty="0"/>
           </a:p>
@@ -8627,7 +7939,7 @@
     </p:spTree>
     <p:extLst>
       <p:ext uri="{BB962C8B-B14F-4D97-AF65-F5344CB8AC3E}">
-        <p14:creationId xmlns:p14="http://schemas.microsoft.com/office/powerpoint/2010/main" val="2475885646"/>
+        <p14:creationId xmlns:p14="http://schemas.microsoft.com/office/powerpoint/2010/main" val="1838055486"/>
       </p:ext>
     </p:extLst>
   </p:cSld>
@@ -8681,11 +7993,71 @@
           <a:bodyPr/>
           <a:lstStyle/>
           <a:p>
-            <a:pPr marL="0" indent="0">
-              <a:buFont typeface="+mj-lt"/>
-              <a:buNone/>
-            </a:pPr>
-            <a:endParaRPr lang="zh-CN" altLang="en-US" dirty="0"/>
+            <a:r>
+              <a:rPr lang="zh-CN" altLang="en-US" dirty="0" smtClean="0"/>
+              <a:t>全列选择性：</a:t>
+            </a:r>
+            <a:br>
+              <a:rPr lang="zh-CN" altLang="en-US" dirty="0" smtClean="0"/>
+            </a:br>
+            <a:r>
+              <a:rPr lang="en-US" altLang="zh-CN" dirty="0" smtClean="0"/>
+              <a:t>SELECT COUNT(DISTINCT </a:t>
+            </a:r>
+            <a:r>
+              <a:rPr lang="en-US" altLang="zh-CN" dirty="0" err="1" smtClean="0"/>
+              <a:t>column_name</a:t>
+            </a:r>
+            <a:r>
+              <a:rPr lang="en-US" altLang="zh-CN" dirty="0" smtClean="0"/>
+              <a:t>) / COUNT(*) FROM </a:t>
+            </a:r>
+            <a:r>
+              <a:rPr lang="en-US" altLang="zh-CN" dirty="0" err="1" smtClean="0"/>
+              <a:t>table_name</a:t>
+            </a:r>
+            <a:r>
+              <a:rPr lang="en-US" altLang="zh-CN" dirty="0" smtClean="0"/>
+              <a:t>;</a:t>
+            </a:r>
+            <a:br>
+              <a:rPr lang="en-US" altLang="zh-CN" dirty="0" smtClean="0"/>
+            </a:br>
+            <a:r>
+              <a:rPr lang="zh-CN" altLang="en-US" dirty="0" smtClean="0"/>
+              <a:t>某一长度前缀的选择性</a:t>
+            </a:r>
+            <a:br>
+              <a:rPr lang="zh-CN" altLang="en-US" dirty="0" smtClean="0"/>
+            </a:br>
+            <a:r>
+              <a:rPr lang="en-US" altLang="zh-CN" dirty="0" smtClean="0"/>
+              <a:t>SELECT COUNT(DISTINCT LEFT(</a:t>
+            </a:r>
+            <a:r>
+              <a:rPr lang="en-US" altLang="zh-CN" dirty="0" err="1" smtClean="0"/>
+              <a:t>column_name</a:t>
+            </a:r>
+            <a:r>
+              <a:rPr lang="en-US" altLang="zh-CN" dirty="0" smtClean="0"/>
+              <a:t>, </a:t>
+            </a:r>
+            <a:r>
+              <a:rPr lang="en-US" altLang="zh-CN" dirty="0" err="1" smtClean="0"/>
+              <a:t>prefix_length</a:t>
+            </a:r>
+            <a:r>
+              <a:rPr lang="en-US" altLang="zh-CN" dirty="0" smtClean="0"/>
+              <a:t>)) / COUNT(*) FROM </a:t>
+            </a:r>
+            <a:r>
+              <a:rPr lang="en-US" altLang="zh-CN" dirty="0" err="1" smtClean="0"/>
+              <a:t>table_name</a:t>
+            </a:r>
+            <a:r>
+              <a:rPr lang="en-US" altLang="zh-CN" dirty="0" smtClean="0"/>
+              <a:t>;</a:t>
+            </a:r>
           </a:p>
         </p:txBody>
       </p:sp>
@@ -8706,7 +8078,7 @@
           <a:p>
             <a:fld id="{469FB7A9-FBDD-4835-A7AE-7F4237A28786}" type="slidenum">
               <a:rPr lang="zh-CN" altLang="en-US" smtClean="0"/>
-              <a:t>9</a:t>
+              <a:t>10</a:t>
             </a:fld>
             <a:endParaRPr lang="zh-CN" altLang="en-US"/>
           </a:p>
@@ -8715,7 +8087,7 @@
     </p:spTree>
     <p:extLst>
       <p:ext uri="{BB962C8B-B14F-4D97-AF65-F5344CB8AC3E}">
-        <p14:creationId xmlns:p14="http://schemas.microsoft.com/office/powerpoint/2010/main" val="3303666512"/>
+        <p14:creationId xmlns:p14="http://schemas.microsoft.com/office/powerpoint/2010/main" val="3706308525"/>
       </p:ext>
     </p:extLst>
   </p:cSld>
@@ -8769,71 +8141,7 @@
           <a:bodyPr/>
           <a:lstStyle/>
           <a:p>
-            <a:r>
-              <a:rPr lang="zh-CN" altLang="en-US" dirty="0" smtClean="0"/>
-              <a:t>全列选择性：</a:t>
-            </a:r>
-            <a:br>
-              <a:rPr lang="zh-CN" altLang="en-US" dirty="0" smtClean="0"/>
-            </a:br>
-            <a:r>
-              <a:rPr lang="en-US" altLang="zh-CN" dirty="0" smtClean="0"/>
-              <a:t>SELECT COUNT(DISTINCT </a:t>
-            </a:r>
-            <a:r>
-              <a:rPr lang="en-US" altLang="zh-CN" dirty="0" err="1" smtClean="0"/>
-              <a:t>column_name</a:t>
-            </a:r>
-            <a:r>
-              <a:rPr lang="en-US" altLang="zh-CN" dirty="0" smtClean="0"/>
-              <a:t>) / COUNT(*) FROM </a:t>
-            </a:r>
-            <a:r>
-              <a:rPr lang="en-US" altLang="zh-CN" dirty="0" err="1" smtClean="0"/>
-              <a:t>table_name</a:t>
-            </a:r>
-            <a:r>
-              <a:rPr lang="en-US" altLang="zh-CN" dirty="0" smtClean="0"/>
-              <a:t>;</a:t>
-            </a:r>
-            <a:br>
-              <a:rPr lang="en-US" altLang="zh-CN" dirty="0" smtClean="0"/>
-            </a:br>
-            <a:r>
-              <a:rPr lang="zh-CN" altLang="en-US" dirty="0" smtClean="0"/>
-              <a:t>某一长度前缀的选择性</a:t>
-            </a:r>
-            <a:br>
-              <a:rPr lang="zh-CN" altLang="en-US" dirty="0" smtClean="0"/>
-            </a:br>
-            <a:r>
-              <a:rPr lang="en-US" altLang="zh-CN" dirty="0" smtClean="0"/>
-              <a:t>SELECT COUNT(DISTINCT LEFT(</a:t>
-            </a:r>
-            <a:r>
-              <a:rPr lang="en-US" altLang="zh-CN" dirty="0" err="1" smtClean="0"/>
-              <a:t>column_name</a:t>
-            </a:r>
-            <a:r>
-              <a:rPr lang="en-US" altLang="zh-CN" dirty="0" smtClean="0"/>
-              <a:t>, </a:t>
-            </a:r>
-            <a:r>
-              <a:rPr lang="en-US" altLang="zh-CN" dirty="0" err="1" smtClean="0"/>
-              <a:t>prefix_length</a:t>
-            </a:r>
-            <a:r>
-              <a:rPr lang="en-US" altLang="zh-CN" dirty="0" smtClean="0"/>
-              <a:t>)) / COUNT(*) FROM </a:t>
-            </a:r>
-            <a:r>
-              <a:rPr lang="en-US" altLang="zh-CN" dirty="0" err="1" smtClean="0"/>
-              <a:t>table_name</a:t>
-            </a:r>
-            <a:r>
-              <a:rPr lang="en-US" altLang="zh-CN" dirty="0" smtClean="0"/>
-              <a:t>;</a:t>
-            </a:r>
+            <a:endParaRPr lang="zh-CN" altLang="en-US" dirty="0"/>
           </a:p>
         </p:txBody>
       </p:sp>
@@ -8863,7 +8171,7 @@
     </p:spTree>
     <p:extLst>
       <p:ext uri="{BB962C8B-B14F-4D97-AF65-F5344CB8AC3E}">
-        <p14:creationId xmlns:p14="http://schemas.microsoft.com/office/powerpoint/2010/main" val="3706308525"/>
+        <p14:creationId xmlns:p14="http://schemas.microsoft.com/office/powerpoint/2010/main" val="1645636628"/>
       </p:ext>
     </p:extLst>
   </p:cSld>
@@ -8947,7 +8255,7 @@
     </p:spTree>
     <p:extLst>
       <p:ext uri="{BB962C8B-B14F-4D97-AF65-F5344CB8AC3E}">
-        <p14:creationId xmlns:p14="http://schemas.microsoft.com/office/powerpoint/2010/main" val="1645636628"/>
+        <p14:creationId xmlns:p14="http://schemas.microsoft.com/office/powerpoint/2010/main" val="535965594"/>
       </p:ext>
     </p:extLst>
   </p:cSld>
@@ -12123,921 +11431,6 @@
       </p:grpSpPr>
       <p:sp>
         <p:nvSpPr>
-          <p:cNvPr id="2" name="MH_Title"/>
-          <p:cNvSpPr/>
-          <p:nvPr>
-            <p:custDataLst>
-              <p:tags r:id="rId2"/>
-            </p:custDataLst>
-          </p:nvPr>
-        </p:nvSpPr>
-        <p:spPr>
-          <a:xfrm>
-            <a:off x="4707738" y="3108897"/>
-            <a:ext cx="7484262" cy="737389"/>
-          </a:xfrm>
-          <a:custGeom>
-            <a:avLst/>
-            <a:gdLst>
-              <a:gd name="connsiteX0" fmla="*/ 0 w 5609212"/>
-              <a:gd name="connsiteY0" fmla="*/ 0 h 504056"/>
-              <a:gd name="connsiteX1" fmla="*/ 5609212 w 5609212"/>
-              <a:gd name="connsiteY1" fmla="*/ 0 h 504056"/>
-              <a:gd name="connsiteX2" fmla="*/ 5609212 w 5609212"/>
-              <a:gd name="connsiteY2" fmla="*/ 504056 h 504056"/>
-              <a:gd name="connsiteX3" fmla="*/ 0 w 5609212"/>
-              <a:gd name="connsiteY3" fmla="*/ 504056 h 504056"/>
-              <a:gd name="connsiteX4" fmla="*/ 0 w 5609212"/>
-              <a:gd name="connsiteY4" fmla="*/ 0 h 504056"/>
-              <a:gd name="connsiteX0" fmla="*/ 0 w 5609212"/>
-              <a:gd name="connsiteY0" fmla="*/ 0 h 504056"/>
-              <a:gd name="connsiteX1" fmla="*/ 5609212 w 5609212"/>
-              <a:gd name="connsiteY1" fmla="*/ 0 h 504056"/>
-              <a:gd name="connsiteX2" fmla="*/ 5609212 w 5609212"/>
-              <a:gd name="connsiteY2" fmla="*/ 504056 h 504056"/>
-              <a:gd name="connsiteX3" fmla="*/ 128954 w 5609212"/>
-              <a:gd name="connsiteY3" fmla="*/ 504056 h 504056"/>
-              <a:gd name="connsiteX4" fmla="*/ 0 w 5609212"/>
-              <a:gd name="connsiteY4" fmla="*/ 0 h 504056"/>
-            </a:gdLst>
-            <a:ahLst/>
-            <a:cxnLst>
-              <a:cxn ang="0">
-                <a:pos x="connsiteX0" y="connsiteY0"/>
-              </a:cxn>
-              <a:cxn ang="0">
-                <a:pos x="connsiteX1" y="connsiteY1"/>
-              </a:cxn>
-              <a:cxn ang="0">
-                <a:pos x="connsiteX2" y="connsiteY2"/>
-              </a:cxn>
-              <a:cxn ang="0">
-                <a:pos x="connsiteX3" y="connsiteY3"/>
-              </a:cxn>
-              <a:cxn ang="0">
-                <a:pos x="connsiteX4" y="connsiteY4"/>
-              </a:cxn>
-            </a:cxnLst>
-            <a:rect l="l" t="t" r="r" b="b"/>
-            <a:pathLst>
-              <a:path w="5609212" h="504056">
-                <a:moveTo>
-                  <a:pt x="0" y="0"/>
-                </a:moveTo>
-                <a:lnTo>
-                  <a:pt x="5609212" y="0"/>
-                </a:lnTo>
-                <a:lnTo>
-                  <a:pt x="5609212" y="504056"/>
-                </a:lnTo>
-                <a:lnTo>
-                  <a:pt x="128954" y="504056"/>
-                </a:lnTo>
-                <a:lnTo>
-                  <a:pt x="0" y="0"/>
-                </a:lnTo>
-                <a:close/>
-              </a:path>
-            </a:pathLst>
-          </a:custGeom>
-          <a:solidFill>
-            <a:srgbClr val="7EC234"/>
-          </a:solidFill>
-          <a:ln>
-            <a:noFill/>
-          </a:ln>
-        </p:spPr>
-        <p:style>
-          <a:lnRef idx="2">
-            <a:schemeClr val="accent1">
-              <a:shade val="50000"/>
-            </a:schemeClr>
-          </a:lnRef>
-          <a:fillRef idx="1">
-            <a:schemeClr val="accent1"/>
-          </a:fillRef>
-          <a:effectRef idx="0">
-            <a:schemeClr val="accent1"/>
-          </a:effectRef>
-          <a:fontRef idx="minor">
-            <a:schemeClr val="lt1"/>
-          </a:fontRef>
-        </p:style>
-        <p:txBody>
-          <a:bodyPr rot="0" spcFirstLastPara="0" vertOverflow="overflow" horzOverflow="overflow" vert="horz" wrap="square" lIns="0" tIns="0" rIns="0" bIns="36000" numCol="1" spcCol="0" rtlCol="0" fromWordArt="0" anchor="ctr" anchorCtr="0" forceAA="0" compatLnSpc="1">
-            <a:prstTxWarp prst="textNoShape">
-              <a:avLst/>
-            </a:prstTxWarp>
-            <a:normAutofit/>
-          </a:bodyPr>
-          <a:lstStyle/>
-          <a:p>
-            <a:pPr algn="ctr"/>
-            <a:r>
-              <a:rPr lang="zh-CN" altLang="en-US" sz="4000" b="1" dirty="0" smtClean="0">
-                <a:solidFill>
-                  <a:srgbClr val="FFFFFF"/>
-                </a:solidFill>
-                <a:latin typeface="+mn-ea"/>
-              </a:rPr>
-              <a:t>索引</a:t>
-            </a:r>
-            <a:r>
-              <a:rPr lang="zh-CN" altLang="en-US" sz="4000" b="1" dirty="0">
-                <a:solidFill>
-                  <a:srgbClr val="FFFFFF"/>
-                </a:solidFill>
-                <a:latin typeface="+mn-ea"/>
-              </a:rPr>
-              <a:t>应用</a:t>
-            </a:r>
-          </a:p>
-        </p:txBody>
-      </p:sp>
-      <p:sp>
-        <p:nvSpPr>
-          <p:cNvPr id="3" name="MH_Others_1"/>
-          <p:cNvSpPr txBox="1"/>
-          <p:nvPr>
-            <p:custDataLst>
-              <p:tags r:id="rId3"/>
-            </p:custDataLst>
-          </p:nvPr>
-        </p:nvSpPr>
-        <p:spPr>
-          <a:xfrm>
-            <a:off x="4635538" y="2356577"/>
-            <a:ext cx="2324157" cy="773189"/>
-          </a:xfrm>
-          <a:prstGeom prst="rect">
-            <a:avLst/>
-          </a:prstGeom>
-          <a:noFill/>
-        </p:spPr>
-        <p:txBody>
-          <a:bodyPr wrap="square" rtlCol="0">
-            <a:normAutofit/>
-          </a:bodyPr>
-          <a:lstStyle/>
-          <a:p>
-            <a:pPr algn="r"/>
-            <a:r>
-              <a:rPr lang="en-US" altLang="zh-CN" sz="3200" b="1" dirty="0">
-                <a:solidFill>
-                  <a:srgbClr val="C2E49C"/>
-                </a:solidFill>
-                <a:latin typeface="微软雅黑" panose="020B0503020204020204" pitchFamily="34" charset="-122"/>
-                <a:ea typeface="微软雅黑" panose="020B0503020204020204" pitchFamily="34" charset="-122"/>
-              </a:rPr>
-              <a:t>Chapter</a:t>
-            </a:r>
-            <a:endParaRPr lang="zh-CN" altLang="en-US" sz="3200" b="1" dirty="0">
-              <a:solidFill>
-                <a:srgbClr val="C2E49C"/>
-              </a:solidFill>
-              <a:latin typeface="微软雅黑" panose="020B0503020204020204" pitchFamily="34" charset="-122"/>
-              <a:ea typeface="微软雅黑" panose="020B0503020204020204" pitchFamily="34" charset="-122"/>
-            </a:endParaRPr>
-          </a:p>
-        </p:txBody>
-      </p:sp>
-      <p:sp>
-        <p:nvSpPr>
-          <p:cNvPr id="9" name="MH_Others_2"/>
-          <p:cNvSpPr/>
-          <p:nvPr>
-            <p:custDataLst>
-              <p:tags r:id="rId4"/>
-            </p:custDataLst>
-          </p:nvPr>
-        </p:nvSpPr>
-        <p:spPr>
-          <a:xfrm>
-            <a:off x="-3365" y="2058898"/>
-            <a:ext cx="4391004" cy="1049999"/>
-          </a:xfrm>
-          <a:custGeom>
-            <a:avLst/>
-            <a:gdLst>
-              <a:gd name="connsiteX0" fmla="*/ 0 w 3297310"/>
-              <a:gd name="connsiteY0" fmla="*/ 0 h 794131"/>
-              <a:gd name="connsiteX1" fmla="*/ 3095277 w 3297310"/>
-              <a:gd name="connsiteY1" fmla="*/ 0 h 794131"/>
-              <a:gd name="connsiteX2" fmla="*/ 3297310 w 3297310"/>
-              <a:gd name="connsiteY2" fmla="*/ 794131 h 794131"/>
-              <a:gd name="connsiteX3" fmla="*/ 0 w 3297310"/>
-              <a:gd name="connsiteY3" fmla="*/ 794131 h 794131"/>
-            </a:gdLst>
-            <a:ahLst/>
-            <a:cxnLst>
-              <a:cxn ang="0">
-                <a:pos x="connsiteX0" y="connsiteY0"/>
-              </a:cxn>
-              <a:cxn ang="0">
-                <a:pos x="connsiteX1" y="connsiteY1"/>
-              </a:cxn>
-              <a:cxn ang="0">
-                <a:pos x="connsiteX2" y="connsiteY2"/>
-              </a:cxn>
-              <a:cxn ang="0">
-                <a:pos x="connsiteX3" y="connsiteY3"/>
-              </a:cxn>
-            </a:cxnLst>
-            <a:rect l="l" t="t" r="r" b="b"/>
-            <a:pathLst>
-              <a:path w="3297310" h="794131">
-                <a:moveTo>
-                  <a:pt x="0" y="0"/>
-                </a:moveTo>
-                <a:lnTo>
-                  <a:pt x="3095277" y="0"/>
-                </a:lnTo>
-                <a:lnTo>
-                  <a:pt x="3297310" y="794131"/>
-                </a:lnTo>
-                <a:lnTo>
-                  <a:pt x="0" y="794131"/>
-                </a:lnTo>
-                <a:close/>
-              </a:path>
-            </a:pathLst>
-          </a:custGeom>
-          <a:solidFill>
-            <a:srgbClr val="7EC234"/>
-          </a:solidFill>
-          <a:ln>
-            <a:noFill/>
-          </a:ln>
-        </p:spPr>
-        <p:style>
-          <a:lnRef idx="2">
-            <a:schemeClr val="accent1">
-              <a:shade val="50000"/>
-            </a:schemeClr>
-          </a:lnRef>
-          <a:fillRef idx="1">
-            <a:schemeClr val="accent1"/>
-          </a:fillRef>
-          <a:effectRef idx="0">
-            <a:schemeClr val="accent1"/>
-          </a:effectRef>
-          <a:fontRef idx="minor">
-            <a:schemeClr val="lt1"/>
-          </a:fontRef>
-        </p:style>
-        <p:txBody>
-          <a:bodyPr rot="0" spcFirstLastPara="0" vertOverflow="overflow" horzOverflow="overflow" vert="horz" wrap="square" lIns="91440" tIns="45720" rIns="91440" bIns="45720" numCol="1" spcCol="0" rtlCol="0" fromWordArt="0" anchor="ctr" anchorCtr="0" forceAA="0" compatLnSpc="1">
-            <a:prstTxWarp prst="textNoShape">
-              <a:avLst/>
-            </a:prstTxWarp>
-            <a:noAutofit/>
-          </a:bodyPr>
-          <a:lstStyle/>
-          <a:p>
-            <a:pPr algn="ctr"/>
-            <a:endParaRPr lang="zh-CN" altLang="en-US" dirty="0"/>
-          </a:p>
-        </p:txBody>
-      </p:sp>
-      <p:sp>
-        <p:nvSpPr>
-          <p:cNvPr id="5" name="MH_Others_3"/>
-          <p:cNvSpPr/>
-          <p:nvPr>
-            <p:custDataLst>
-              <p:tags r:id="rId5"/>
-            </p:custDataLst>
-          </p:nvPr>
-        </p:nvSpPr>
-        <p:spPr>
-          <a:xfrm>
-            <a:off x="-14514" y="2305236"/>
-            <a:ext cx="4065717" cy="531044"/>
-          </a:xfrm>
-          <a:custGeom>
-            <a:avLst/>
-            <a:gdLst>
-              <a:gd name="connsiteX0" fmla="*/ 1857013 w 3156552"/>
-              <a:gd name="connsiteY0" fmla="*/ 104678 h 401637"/>
-              <a:gd name="connsiteX1" fmla="*/ 1929021 w 3156552"/>
-              <a:gd name="connsiteY1" fmla="*/ 104678 h 401637"/>
-              <a:gd name="connsiteX2" fmla="*/ 1929021 w 3156552"/>
-              <a:gd name="connsiteY2" fmla="*/ 297257 h 401637"/>
-              <a:gd name="connsiteX3" fmla="*/ 1857013 w 3156552"/>
-              <a:gd name="connsiteY3" fmla="*/ 297257 h 401637"/>
-              <a:gd name="connsiteX4" fmla="*/ 1702944 w 3156552"/>
-              <a:gd name="connsiteY4" fmla="*/ 104678 h 401637"/>
-              <a:gd name="connsiteX5" fmla="*/ 1774952 w 3156552"/>
-              <a:gd name="connsiteY5" fmla="*/ 104678 h 401637"/>
-              <a:gd name="connsiteX6" fmla="*/ 1774952 w 3156552"/>
-              <a:gd name="connsiteY6" fmla="*/ 297257 h 401637"/>
-              <a:gd name="connsiteX7" fmla="*/ 1702944 w 3156552"/>
-              <a:gd name="connsiteY7" fmla="*/ 297257 h 401637"/>
-              <a:gd name="connsiteX8" fmla="*/ 1548875 w 3156552"/>
-              <a:gd name="connsiteY8" fmla="*/ 104678 h 401637"/>
-              <a:gd name="connsiteX9" fmla="*/ 1620883 w 3156552"/>
-              <a:gd name="connsiteY9" fmla="*/ 104678 h 401637"/>
-              <a:gd name="connsiteX10" fmla="*/ 1620883 w 3156552"/>
-              <a:gd name="connsiteY10" fmla="*/ 297257 h 401637"/>
-              <a:gd name="connsiteX11" fmla="*/ 1548875 w 3156552"/>
-              <a:gd name="connsiteY11" fmla="*/ 297257 h 401637"/>
-              <a:gd name="connsiteX12" fmla="*/ 1394806 w 3156552"/>
-              <a:gd name="connsiteY12" fmla="*/ 104678 h 401637"/>
-              <a:gd name="connsiteX13" fmla="*/ 1466814 w 3156552"/>
-              <a:gd name="connsiteY13" fmla="*/ 104678 h 401637"/>
-              <a:gd name="connsiteX14" fmla="*/ 1466814 w 3156552"/>
-              <a:gd name="connsiteY14" fmla="*/ 297257 h 401637"/>
-              <a:gd name="connsiteX15" fmla="*/ 1394806 w 3156552"/>
-              <a:gd name="connsiteY15" fmla="*/ 297257 h 401637"/>
-              <a:gd name="connsiteX16" fmla="*/ 1240737 w 3156552"/>
-              <a:gd name="connsiteY16" fmla="*/ 104678 h 401637"/>
-              <a:gd name="connsiteX17" fmla="*/ 1312745 w 3156552"/>
-              <a:gd name="connsiteY17" fmla="*/ 104678 h 401637"/>
-              <a:gd name="connsiteX18" fmla="*/ 1312745 w 3156552"/>
-              <a:gd name="connsiteY18" fmla="*/ 297257 h 401637"/>
-              <a:gd name="connsiteX19" fmla="*/ 1240737 w 3156552"/>
-              <a:gd name="connsiteY19" fmla="*/ 297257 h 401637"/>
-              <a:gd name="connsiteX20" fmla="*/ 1086668 w 3156552"/>
-              <a:gd name="connsiteY20" fmla="*/ 104678 h 401637"/>
-              <a:gd name="connsiteX21" fmla="*/ 1158676 w 3156552"/>
-              <a:gd name="connsiteY21" fmla="*/ 104678 h 401637"/>
-              <a:gd name="connsiteX22" fmla="*/ 1158676 w 3156552"/>
-              <a:gd name="connsiteY22" fmla="*/ 297257 h 401637"/>
-              <a:gd name="connsiteX23" fmla="*/ 1086668 w 3156552"/>
-              <a:gd name="connsiteY23" fmla="*/ 297257 h 401637"/>
-              <a:gd name="connsiteX24" fmla="*/ 932599 w 3156552"/>
-              <a:gd name="connsiteY24" fmla="*/ 104678 h 401637"/>
-              <a:gd name="connsiteX25" fmla="*/ 1004607 w 3156552"/>
-              <a:gd name="connsiteY25" fmla="*/ 104678 h 401637"/>
-              <a:gd name="connsiteX26" fmla="*/ 1004607 w 3156552"/>
-              <a:gd name="connsiteY26" fmla="*/ 297257 h 401637"/>
-              <a:gd name="connsiteX27" fmla="*/ 932599 w 3156552"/>
-              <a:gd name="connsiteY27" fmla="*/ 297257 h 401637"/>
-              <a:gd name="connsiteX28" fmla="*/ 778530 w 3156552"/>
-              <a:gd name="connsiteY28" fmla="*/ 104678 h 401637"/>
-              <a:gd name="connsiteX29" fmla="*/ 850538 w 3156552"/>
-              <a:gd name="connsiteY29" fmla="*/ 104678 h 401637"/>
-              <a:gd name="connsiteX30" fmla="*/ 850538 w 3156552"/>
-              <a:gd name="connsiteY30" fmla="*/ 297257 h 401637"/>
-              <a:gd name="connsiteX31" fmla="*/ 778530 w 3156552"/>
-              <a:gd name="connsiteY31" fmla="*/ 297257 h 401637"/>
-              <a:gd name="connsiteX32" fmla="*/ 622824 w 3156552"/>
-              <a:gd name="connsiteY32" fmla="*/ 104678 h 401637"/>
-              <a:gd name="connsiteX33" fmla="*/ 694832 w 3156552"/>
-              <a:gd name="connsiteY33" fmla="*/ 104678 h 401637"/>
-              <a:gd name="connsiteX34" fmla="*/ 694832 w 3156552"/>
-              <a:gd name="connsiteY34" fmla="*/ 297257 h 401637"/>
-              <a:gd name="connsiteX35" fmla="*/ 622824 w 3156552"/>
-              <a:gd name="connsiteY35" fmla="*/ 297257 h 401637"/>
-              <a:gd name="connsiteX36" fmla="*/ 467118 w 3156552"/>
-              <a:gd name="connsiteY36" fmla="*/ 104678 h 401637"/>
-              <a:gd name="connsiteX37" fmla="*/ 539126 w 3156552"/>
-              <a:gd name="connsiteY37" fmla="*/ 104678 h 401637"/>
-              <a:gd name="connsiteX38" fmla="*/ 539126 w 3156552"/>
-              <a:gd name="connsiteY38" fmla="*/ 297257 h 401637"/>
-              <a:gd name="connsiteX39" fmla="*/ 467118 w 3156552"/>
-              <a:gd name="connsiteY39" fmla="*/ 297257 h 401637"/>
-              <a:gd name="connsiteX40" fmla="*/ 311412 w 3156552"/>
-              <a:gd name="connsiteY40" fmla="*/ 104678 h 401637"/>
-              <a:gd name="connsiteX41" fmla="*/ 383420 w 3156552"/>
-              <a:gd name="connsiteY41" fmla="*/ 104678 h 401637"/>
-              <a:gd name="connsiteX42" fmla="*/ 383420 w 3156552"/>
-              <a:gd name="connsiteY42" fmla="*/ 297257 h 401637"/>
-              <a:gd name="connsiteX43" fmla="*/ 311412 w 3156552"/>
-              <a:gd name="connsiteY43" fmla="*/ 297257 h 401637"/>
-              <a:gd name="connsiteX44" fmla="*/ 155706 w 3156552"/>
-              <a:gd name="connsiteY44" fmla="*/ 104678 h 401637"/>
-              <a:gd name="connsiteX45" fmla="*/ 227714 w 3156552"/>
-              <a:gd name="connsiteY45" fmla="*/ 104678 h 401637"/>
-              <a:gd name="connsiteX46" fmla="*/ 227714 w 3156552"/>
-              <a:gd name="connsiteY46" fmla="*/ 297257 h 401637"/>
-              <a:gd name="connsiteX47" fmla="*/ 155706 w 3156552"/>
-              <a:gd name="connsiteY47" fmla="*/ 297257 h 401637"/>
-              <a:gd name="connsiteX48" fmla="*/ 0 w 3156552"/>
-              <a:gd name="connsiteY48" fmla="*/ 104678 h 401637"/>
-              <a:gd name="connsiteX49" fmla="*/ 72008 w 3156552"/>
-              <a:gd name="connsiteY49" fmla="*/ 104678 h 401637"/>
-              <a:gd name="connsiteX50" fmla="*/ 72008 w 3156552"/>
-              <a:gd name="connsiteY50" fmla="*/ 297257 h 401637"/>
-              <a:gd name="connsiteX51" fmla="*/ 0 w 3156552"/>
-              <a:gd name="connsiteY51" fmla="*/ 297257 h 401637"/>
-              <a:gd name="connsiteX52" fmla="*/ 2955734 w 3156552"/>
-              <a:gd name="connsiteY52" fmla="*/ 0 h 401637"/>
-              <a:gd name="connsiteX53" fmla="*/ 3156552 w 3156552"/>
-              <a:gd name="connsiteY53" fmla="*/ 200819 h 401637"/>
-              <a:gd name="connsiteX54" fmla="*/ 2955734 w 3156552"/>
-              <a:gd name="connsiteY54" fmla="*/ 401637 h 401637"/>
-              <a:gd name="connsiteX55" fmla="*/ 2955734 w 3156552"/>
-              <a:gd name="connsiteY55" fmla="*/ 301228 h 401637"/>
-              <a:gd name="connsiteX56" fmla="*/ 2004424 w 3156552"/>
-              <a:gd name="connsiteY56" fmla="*/ 301228 h 401637"/>
-              <a:gd name="connsiteX57" fmla="*/ 2004424 w 3156552"/>
-              <a:gd name="connsiteY57" fmla="*/ 100409 h 401637"/>
-              <a:gd name="connsiteX58" fmla="*/ 2955734 w 3156552"/>
-              <a:gd name="connsiteY58" fmla="*/ 100409 h 401637"/>
-            </a:gdLst>
-            <a:ahLst/>
-            <a:cxnLst>
-              <a:cxn ang="0">
-                <a:pos x="connsiteX0" y="connsiteY0"/>
-              </a:cxn>
-              <a:cxn ang="0">
-                <a:pos x="connsiteX1" y="connsiteY1"/>
-              </a:cxn>
-              <a:cxn ang="0">
-                <a:pos x="connsiteX2" y="connsiteY2"/>
-              </a:cxn>
-              <a:cxn ang="0">
-                <a:pos x="connsiteX3" y="connsiteY3"/>
-              </a:cxn>
-              <a:cxn ang="0">
-                <a:pos x="connsiteX4" y="connsiteY4"/>
-              </a:cxn>
-              <a:cxn ang="0">
-                <a:pos x="connsiteX5" y="connsiteY5"/>
-              </a:cxn>
-              <a:cxn ang="0">
-                <a:pos x="connsiteX6" y="connsiteY6"/>
-              </a:cxn>
-              <a:cxn ang="0">
-                <a:pos x="connsiteX7" y="connsiteY7"/>
-              </a:cxn>
-              <a:cxn ang="0">
-                <a:pos x="connsiteX8" y="connsiteY8"/>
-              </a:cxn>
-              <a:cxn ang="0">
-                <a:pos x="connsiteX9" y="connsiteY9"/>
-              </a:cxn>
-              <a:cxn ang="0">
-                <a:pos x="connsiteX10" y="connsiteY10"/>
-              </a:cxn>
-              <a:cxn ang="0">
-                <a:pos x="connsiteX11" y="connsiteY11"/>
-              </a:cxn>
-              <a:cxn ang="0">
-                <a:pos x="connsiteX12" y="connsiteY12"/>
-              </a:cxn>
-              <a:cxn ang="0">
-                <a:pos x="connsiteX13" y="connsiteY13"/>
-              </a:cxn>
-              <a:cxn ang="0">
-                <a:pos x="connsiteX14" y="connsiteY14"/>
-              </a:cxn>
-              <a:cxn ang="0">
-                <a:pos x="connsiteX15" y="connsiteY15"/>
-              </a:cxn>
-              <a:cxn ang="0">
-                <a:pos x="connsiteX16" y="connsiteY16"/>
-              </a:cxn>
-              <a:cxn ang="0">
-                <a:pos x="connsiteX17" y="connsiteY17"/>
-              </a:cxn>
-              <a:cxn ang="0">
-                <a:pos x="connsiteX18" y="connsiteY18"/>
-              </a:cxn>
-              <a:cxn ang="0">
-                <a:pos x="connsiteX19" y="connsiteY19"/>
-              </a:cxn>
-              <a:cxn ang="0">
-                <a:pos x="connsiteX20" y="connsiteY20"/>
-              </a:cxn>
-              <a:cxn ang="0">
-                <a:pos x="connsiteX21" y="connsiteY21"/>
-              </a:cxn>
-              <a:cxn ang="0">
-                <a:pos x="connsiteX22" y="connsiteY22"/>
-              </a:cxn>
-              <a:cxn ang="0">
-                <a:pos x="connsiteX23" y="connsiteY23"/>
-              </a:cxn>
-              <a:cxn ang="0">
-                <a:pos x="connsiteX24" y="connsiteY24"/>
-              </a:cxn>
-              <a:cxn ang="0">
-                <a:pos x="connsiteX25" y="connsiteY25"/>
-              </a:cxn>
-              <a:cxn ang="0">
-                <a:pos x="connsiteX26" y="connsiteY26"/>
-              </a:cxn>
-              <a:cxn ang="0">
-                <a:pos x="connsiteX27" y="connsiteY27"/>
-              </a:cxn>
-              <a:cxn ang="0">
-                <a:pos x="connsiteX28" y="connsiteY28"/>
-              </a:cxn>
-              <a:cxn ang="0">
-                <a:pos x="connsiteX29" y="connsiteY29"/>
-              </a:cxn>
-              <a:cxn ang="0">
-                <a:pos x="connsiteX30" y="connsiteY30"/>
-              </a:cxn>
-              <a:cxn ang="0">
-                <a:pos x="connsiteX31" y="connsiteY31"/>
-              </a:cxn>
-              <a:cxn ang="0">
-                <a:pos x="connsiteX32" y="connsiteY32"/>
-              </a:cxn>
-              <a:cxn ang="0">
-                <a:pos x="connsiteX33" y="connsiteY33"/>
-              </a:cxn>
-              <a:cxn ang="0">
-                <a:pos x="connsiteX34" y="connsiteY34"/>
-              </a:cxn>
-              <a:cxn ang="0">
-                <a:pos x="connsiteX35" y="connsiteY35"/>
-              </a:cxn>
-              <a:cxn ang="0">
-                <a:pos x="connsiteX36" y="connsiteY36"/>
-              </a:cxn>
-              <a:cxn ang="0">
-                <a:pos x="connsiteX37" y="connsiteY37"/>
-              </a:cxn>
-              <a:cxn ang="0">
-                <a:pos x="connsiteX38" y="connsiteY38"/>
-              </a:cxn>
-              <a:cxn ang="0">
-                <a:pos x="connsiteX39" y="connsiteY39"/>
-              </a:cxn>
-              <a:cxn ang="0">
-                <a:pos x="connsiteX40" y="connsiteY40"/>
-              </a:cxn>
-              <a:cxn ang="0">
-                <a:pos x="connsiteX41" y="connsiteY41"/>
-              </a:cxn>
-              <a:cxn ang="0">
-                <a:pos x="connsiteX42" y="connsiteY42"/>
-              </a:cxn>
-              <a:cxn ang="0">
-                <a:pos x="connsiteX43" y="connsiteY43"/>
-              </a:cxn>
-              <a:cxn ang="0">
-                <a:pos x="connsiteX44" y="connsiteY44"/>
-              </a:cxn>
-              <a:cxn ang="0">
-                <a:pos x="connsiteX45" y="connsiteY45"/>
-              </a:cxn>
-              <a:cxn ang="0">
-                <a:pos x="connsiteX46" y="connsiteY46"/>
-              </a:cxn>
-              <a:cxn ang="0">
-                <a:pos x="connsiteX47" y="connsiteY47"/>
-              </a:cxn>
-              <a:cxn ang="0">
-                <a:pos x="connsiteX48" y="connsiteY48"/>
-              </a:cxn>
-              <a:cxn ang="0">
-                <a:pos x="connsiteX49" y="connsiteY49"/>
-              </a:cxn>
-              <a:cxn ang="0">
-                <a:pos x="connsiteX50" y="connsiteY50"/>
-              </a:cxn>
-              <a:cxn ang="0">
-                <a:pos x="connsiteX51" y="connsiteY51"/>
-              </a:cxn>
-              <a:cxn ang="0">
-                <a:pos x="connsiteX52" y="connsiteY52"/>
-              </a:cxn>
-              <a:cxn ang="0">
-                <a:pos x="connsiteX53" y="connsiteY53"/>
-              </a:cxn>
-              <a:cxn ang="0">
-                <a:pos x="connsiteX54" y="connsiteY54"/>
-              </a:cxn>
-              <a:cxn ang="0">
-                <a:pos x="connsiteX55" y="connsiteY55"/>
-              </a:cxn>
-              <a:cxn ang="0">
-                <a:pos x="connsiteX56" y="connsiteY56"/>
-              </a:cxn>
-              <a:cxn ang="0">
-                <a:pos x="connsiteX57" y="connsiteY57"/>
-              </a:cxn>
-              <a:cxn ang="0">
-                <a:pos x="connsiteX58" y="connsiteY58"/>
-              </a:cxn>
-            </a:cxnLst>
-            <a:rect l="l" t="t" r="r" b="b"/>
-            <a:pathLst>
-              <a:path w="3156552" h="401637">
-                <a:moveTo>
-                  <a:pt x="1857013" y="104678"/>
-                </a:moveTo>
-                <a:lnTo>
-                  <a:pt x="1929021" y="104678"/>
-                </a:lnTo>
-                <a:lnTo>
-                  <a:pt x="1929021" y="297257"/>
-                </a:lnTo>
-                <a:lnTo>
-                  <a:pt x="1857013" y="297257"/>
-                </a:lnTo>
-                <a:close/>
-                <a:moveTo>
-                  <a:pt x="1702944" y="104678"/>
-                </a:moveTo>
-                <a:lnTo>
-                  <a:pt x="1774952" y="104678"/>
-                </a:lnTo>
-                <a:lnTo>
-                  <a:pt x="1774952" y="297257"/>
-                </a:lnTo>
-                <a:lnTo>
-                  <a:pt x="1702944" y="297257"/>
-                </a:lnTo>
-                <a:close/>
-                <a:moveTo>
-                  <a:pt x="1548875" y="104678"/>
-                </a:moveTo>
-                <a:lnTo>
-                  <a:pt x="1620883" y="104678"/>
-                </a:lnTo>
-                <a:lnTo>
-                  <a:pt x="1620883" y="297257"/>
-                </a:lnTo>
-                <a:lnTo>
-                  <a:pt x="1548875" y="297257"/>
-                </a:lnTo>
-                <a:close/>
-                <a:moveTo>
-                  <a:pt x="1394806" y="104678"/>
-                </a:moveTo>
-                <a:lnTo>
-                  <a:pt x="1466814" y="104678"/>
-                </a:lnTo>
-                <a:lnTo>
-                  <a:pt x="1466814" y="297257"/>
-                </a:lnTo>
-                <a:lnTo>
-                  <a:pt x="1394806" y="297257"/>
-                </a:lnTo>
-                <a:close/>
-                <a:moveTo>
-                  <a:pt x="1240737" y="104678"/>
-                </a:moveTo>
-                <a:lnTo>
-                  <a:pt x="1312745" y="104678"/>
-                </a:lnTo>
-                <a:lnTo>
-                  <a:pt x="1312745" y="297257"/>
-                </a:lnTo>
-                <a:lnTo>
-                  <a:pt x="1240737" y="297257"/>
-                </a:lnTo>
-                <a:close/>
-                <a:moveTo>
-                  <a:pt x="1086668" y="104678"/>
-                </a:moveTo>
-                <a:lnTo>
-                  <a:pt x="1158676" y="104678"/>
-                </a:lnTo>
-                <a:lnTo>
-                  <a:pt x="1158676" y="297257"/>
-                </a:lnTo>
-                <a:lnTo>
-                  <a:pt x="1086668" y="297257"/>
-                </a:lnTo>
-                <a:close/>
-                <a:moveTo>
-                  <a:pt x="932599" y="104678"/>
-                </a:moveTo>
-                <a:lnTo>
-                  <a:pt x="1004607" y="104678"/>
-                </a:lnTo>
-                <a:lnTo>
-                  <a:pt x="1004607" y="297257"/>
-                </a:lnTo>
-                <a:lnTo>
-                  <a:pt x="932599" y="297257"/>
-                </a:lnTo>
-                <a:close/>
-                <a:moveTo>
-                  <a:pt x="778530" y="104678"/>
-                </a:moveTo>
-                <a:lnTo>
-                  <a:pt x="850538" y="104678"/>
-                </a:lnTo>
-                <a:lnTo>
-                  <a:pt x="850538" y="297257"/>
-                </a:lnTo>
-                <a:lnTo>
-                  <a:pt x="778530" y="297257"/>
-                </a:lnTo>
-                <a:close/>
-                <a:moveTo>
-                  <a:pt x="622824" y="104678"/>
-                </a:moveTo>
-                <a:lnTo>
-                  <a:pt x="694832" y="104678"/>
-                </a:lnTo>
-                <a:lnTo>
-                  <a:pt x="694832" y="297257"/>
-                </a:lnTo>
-                <a:lnTo>
-                  <a:pt x="622824" y="297257"/>
-                </a:lnTo>
-                <a:close/>
-                <a:moveTo>
-                  <a:pt x="467118" y="104678"/>
-                </a:moveTo>
-                <a:lnTo>
-                  <a:pt x="539126" y="104678"/>
-                </a:lnTo>
-                <a:lnTo>
-                  <a:pt x="539126" y="297257"/>
-                </a:lnTo>
-                <a:lnTo>
-                  <a:pt x="467118" y="297257"/>
-                </a:lnTo>
-                <a:close/>
-                <a:moveTo>
-                  <a:pt x="311412" y="104678"/>
-                </a:moveTo>
-                <a:lnTo>
-                  <a:pt x="383420" y="104678"/>
-                </a:lnTo>
-                <a:lnTo>
-                  <a:pt x="383420" y="297257"/>
-                </a:lnTo>
-                <a:lnTo>
-                  <a:pt x="311412" y="297257"/>
-                </a:lnTo>
-                <a:close/>
-                <a:moveTo>
-                  <a:pt x="155706" y="104678"/>
-                </a:moveTo>
-                <a:lnTo>
-                  <a:pt x="227714" y="104678"/>
-                </a:lnTo>
-                <a:lnTo>
-                  <a:pt x="227714" y="297257"/>
-                </a:lnTo>
-                <a:lnTo>
-                  <a:pt x="155706" y="297257"/>
-                </a:lnTo>
-                <a:close/>
-                <a:moveTo>
-                  <a:pt x="0" y="104678"/>
-                </a:moveTo>
-                <a:lnTo>
-                  <a:pt x="72008" y="104678"/>
-                </a:lnTo>
-                <a:lnTo>
-                  <a:pt x="72008" y="297257"/>
-                </a:lnTo>
-                <a:lnTo>
-                  <a:pt x="0" y="297257"/>
-                </a:lnTo>
-                <a:close/>
-                <a:moveTo>
-                  <a:pt x="2955734" y="0"/>
-                </a:moveTo>
-                <a:lnTo>
-                  <a:pt x="3156552" y="200819"/>
-                </a:lnTo>
-                <a:lnTo>
-                  <a:pt x="2955734" y="401637"/>
-                </a:lnTo>
-                <a:lnTo>
-                  <a:pt x="2955734" y="301228"/>
-                </a:lnTo>
-                <a:lnTo>
-                  <a:pt x="2004424" y="301228"/>
-                </a:lnTo>
-                <a:lnTo>
-                  <a:pt x="2004424" y="100409"/>
-                </a:lnTo>
-                <a:lnTo>
-                  <a:pt x="2955734" y="100409"/>
-                </a:lnTo>
-                <a:close/>
-              </a:path>
-            </a:pathLst>
-          </a:custGeom>
-          <a:solidFill>
-            <a:srgbClr val="FFFFFF"/>
-          </a:solidFill>
-          <a:ln>
-            <a:noFill/>
-          </a:ln>
-        </p:spPr>
-        <p:style>
-          <a:lnRef idx="2">
-            <a:schemeClr val="accent1">
-              <a:shade val="50000"/>
-            </a:schemeClr>
-          </a:lnRef>
-          <a:fillRef idx="1">
-            <a:schemeClr val="accent1"/>
-          </a:fillRef>
-          <a:effectRef idx="0">
-            <a:schemeClr val="accent1"/>
-          </a:effectRef>
-          <a:fontRef idx="minor">
-            <a:schemeClr val="lt1"/>
-          </a:fontRef>
-        </p:style>
-        <p:txBody>
-          <a:bodyPr rot="0" spcFirstLastPara="0" vertOverflow="overflow" horzOverflow="overflow" vert="horz" wrap="square" lIns="91440" tIns="45720" rIns="91440" bIns="45720" numCol="1" spcCol="0" rtlCol="0" fromWordArt="0" anchor="ctr" anchorCtr="0" forceAA="0" compatLnSpc="1">
-            <a:prstTxWarp prst="textNoShape">
-              <a:avLst/>
-            </a:prstTxWarp>
-            <a:noAutofit/>
-          </a:bodyPr>
-          <a:lstStyle/>
-          <a:p>
-            <a:pPr algn="ctr"/>
-            <a:endParaRPr lang="zh-CN" altLang="en-US"/>
-          </a:p>
-        </p:txBody>
-      </p:sp>
-      <p:sp>
-        <p:nvSpPr>
-          <p:cNvPr id="10" name="MH_Number"/>
-          <p:cNvSpPr txBox="1"/>
-          <p:nvPr>
-            <p:custDataLst>
-              <p:tags r:id="rId6"/>
-            </p:custDataLst>
-          </p:nvPr>
-        </p:nvSpPr>
-        <p:spPr>
-          <a:xfrm>
-            <a:off x="6959694" y="2296793"/>
-            <a:ext cx="1396905" cy="773189"/>
-          </a:xfrm>
-          <a:prstGeom prst="rect">
-            <a:avLst/>
-          </a:prstGeom>
-          <a:noFill/>
-        </p:spPr>
-        <p:txBody>
-          <a:bodyPr wrap="square" rtlCol="0">
-            <a:noAutofit/>
-          </a:bodyPr>
-          <a:lstStyle/>
-          <a:p>
-            <a:r>
-              <a:rPr lang="en-US" altLang="zh-CN" sz="4000" b="1" dirty="0" smtClean="0">
-                <a:solidFill>
-                  <a:srgbClr val="C2E49C"/>
-                </a:solidFill>
-                <a:latin typeface="微软雅黑" panose="020B0503020204020204" pitchFamily="34" charset="-122"/>
-                <a:ea typeface="微软雅黑" panose="020B0503020204020204" pitchFamily="34" charset="-122"/>
-              </a:rPr>
-              <a:t>2</a:t>
-            </a:r>
-            <a:endParaRPr lang="zh-CN" altLang="en-US" sz="4000" b="1" dirty="0">
-              <a:solidFill>
-                <a:srgbClr val="C2E49C"/>
-              </a:solidFill>
-              <a:latin typeface="微软雅黑" panose="020B0503020204020204" pitchFamily="34" charset="-122"/>
-              <a:ea typeface="微软雅黑" panose="020B0503020204020204" pitchFamily="34" charset="-122"/>
-            </a:endParaRPr>
-          </a:p>
-        </p:txBody>
-      </p:sp>
-    </p:spTree>
-    <p:custDataLst>
-      <p:tags r:id="rId1"/>
-    </p:custDataLst>
-    <p:extLst>
-      <p:ext uri="{BB962C8B-B14F-4D97-AF65-F5344CB8AC3E}">
-        <p14:creationId xmlns:p14="http://schemas.microsoft.com/office/powerpoint/2010/main" val="3681707752"/>
-      </p:ext>
-    </p:extLst>
-  </p:cSld>
-  <p:clrMapOvr>
-    <a:masterClrMapping/>
-  </p:clrMapOvr>
-  <p:timing>
-    <p:tnLst>
-      <p:par>
-        <p:cTn id="1" dur="indefinite" restart="never" nodeType="tmRoot"/>
-      </p:par>
-    </p:tnLst>
-  </p:timing>
-</p:sld>
-</file>
-
-<file path=ppt/slides/slide11.xml><?xml version="1.0" encoding="utf-8"?>
-<p:sld xmlns:a="http://schemas.openxmlformats.org/drawingml/2006/main" xmlns:r="http://schemas.openxmlformats.org/officeDocument/2006/relationships" xmlns:p="http://schemas.openxmlformats.org/presentationml/2006/main">
-  <p:cSld>
-    <p:spTree>
-      <p:nvGrpSpPr>
-        <p:cNvPr id="1" name=""/>
-        <p:cNvGrpSpPr/>
-        <p:nvPr/>
-      </p:nvGrpSpPr>
-      <p:grpSpPr>
-        <a:xfrm>
-          <a:off x="0" y="0"/>
-          <a:ext cx="0" cy="0"/>
-          <a:chOff x="0" y="0"/>
-          <a:chExt cx="0" cy="0"/>
-        </a:xfrm>
-      </p:grpSpPr>
-      <p:sp>
-        <p:nvSpPr>
           <p:cNvPr id="2" name="文本框 1"/>
           <p:cNvSpPr txBox="1"/>
           <p:nvPr/>
@@ -13599,7 +11992,7 @@
 </p:sld>
 </file>
 
-<file path=ppt/slides/slide12.xml><?xml version="1.0" encoding="utf-8"?>
+<file path=ppt/slides/slide11.xml><?xml version="1.0" encoding="utf-8"?>
 <p:sld xmlns:a="http://schemas.openxmlformats.org/drawingml/2006/main" xmlns:r="http://schemas.openxmlformats.org/officeDocument/2006/relationships" xmlns:p="http://schemas.openxmlformats.org/presentationml/2006/main">
   <p:cSld>
     <p:spTree>
@@ -13920,7 +12313,7 @@
 </p:sld>
 </file>
 
-<file path=ppt/slides/slide13.xml><?xml version="1.0" encoding="utf-8"?>
+<file path=ppt/slides/slide12.xml><?xml version="1.0" encoding="utf-8"?>
 <p:sld xmlns:a="http://schemas.openxmlformats.org/drawingml/2006/main" xmlns:r="http://schemas.openxmlformats.org/officeDocument/2006/relationships" xmlns:p="http://schemas.openxmlformats.org/presentationml/2006/main">
   <p:cSld>
     <p:spTree>
@@ -14359,7 +12752,7 @@
 </p:sld>
 </file>
 
-<file path=ppt/slides/slide14.xml><?xml version="1.0" encoding="utf-8"?>
+<file path=ppt/slides/slide13.xml><?xml version="1.0" encoding="utf-8"?>
 <p:sld xmlns:a="http://schemas.openxmlformats.org/drawingml/2006/main" xmlns:r="http://schemas.openxmlformats.org/officeDocument/2006/relationships" xmlns:p="http://schemas.openxmlformats.org/presentationml/2006/main">
   <p:cSld>
     <p:spTree>
@@ -14604,13 +12997,7 @@
               <a:rPr lang="zh-CN" altLang="en-US" sz="1600" b="1" dirty="0" smtClean="0">
                 <a:latin typeface="+mn-ea"/>
               </a:rPr>
-              <a:t>冗余</a:t>
-            </a:r>
-            <a:r>
-              <a:rPr lang="zh-CN" altLang="en-US" sz="1600" b="1" dirty="0" smtClean="0">
-                <a:latin typeface="+mn-ea"/>
-              </a:rPr>
-              <a:t>索引</a:t>
+              <a:t>冗余索引</a:t>
             </a:r>
             <a:endParaRPr lang="en-US" altLang="zh-CN" sz="1600" b="1" dirty="0" smtClean="0">
               <a:latin typeface="+mn-ea"/>
@@ -14759,13 +13146,7 @@
               <a:rPr lang="zh-CN" altLang="en-US" sz="1600" b="1" dirty="0" smtClean="0">
                 <a:latin typeface="+mn-ea"/>
               </a:rPr>
-              <a:t>重复</a:t>
-            </a:r>
-            <a:r>
-              <a:rPr lang="zh-CN" altLang="en-US" sz="1600" b="1" dirty="0" smtClean="0">
-                <a:latin typeface="+mn-ea"/>
-              </a:rPr>
-              <a:t>索引</a:t>
+              <a:t>重复索引</a:t>
             </a:r>
             <a:endParaRPr lang="en-US" altLang="zh-CN" sz="1600" b="1" dirty="0" smtClean="0">
               <a:latin typeface="+mn-ea"/>
@@ -14858,7 +13239,7 @@
 </p:sld>
 </file>
 
-<file path=ppt/slides/slide15.xml><?xml version="1.0" encoding="utf-8"?>
+<file path=ppt/slides/slide14.xml><?xml version="1.0" encoding="utf-8"?>
 <p:sld xmlns:a="http://schemas.openxmlformats.org/drawingml/2006/main" xmlns:r="http://schemas.openxmlformats.org/officeDocument/2006/relationships" xmlns:p="http://schemas.openxmlformats.org/presentationml/2006/main">
   <p:cSld>
     <p:spTree>
@@ -15103,13 +13484,7 @@
               <a:rPr lang="zh-CN" altLang="en-US" sz="1600" b="1" dirty="0" smtClean="0">
                 <a:latin typeface="+mn-ea"/>
               </a:rPr>
-              <a:t>过滤</a:t>
-            </a:r>
-            <a:r>
-              <a:rPr lang="zh-CN" altLang="en-US" sz="1600" b="1" dirty="0" smtClean="0">
-                <a:latin typeface="+mn-ea"/>
-              </a:rPr>
-              <a:t>条件</a:t>
+              <a:t>过滤条件</a:t>
             </a:r>
             <a:endParaRPr lang="en-US" altLang="zh-CN" sz="1600" b="1" dirty="0" smtClean="0">
               <a:latin typeface="+mn-ea"/>
@@ -15222,13 +13597,7 @@
               <a:rPr lang="zh-CN" altLang="en-US" sz="1600" b="1" dirty="0" smtClean="0">
                 <a:latin typeface="+mn-ea"/>
               </a:rPr>
-              <a:t>避免</a:t>
-            </a:r>
-            <a:r>
-              <a:rPr lang="zh-CN" altLang="en-US" sz="1600" b="1" dirty="0" smtClean="0">
-                <a:latin typeface="+mn-ea"/>
-              </a:rPr>
-              <a:t>多个范围条件</a:t>
+              <a:t>避免多个范围条件</a:t>
             </a:r>
             <a:endParaRPr lang="en-US" altLang="zh-CN" sz="1600" b="1" dirty="0" smtClean="0">
               <a:latin typeface="+mn-ea"/>
@@ -15368,7 +13737,7 @@
 </p:sld>
 </file>
 
-<file path=ppt/slides/slide16.xml><?xml version="1.0" encoding="utf-8"?>
+<file path=ppt/slides/slide15.xml><?xml version="1.0" encoding="utf-8"?>
 <p:sld xmlns:a="http://schemas.openxmlformats.org/drawingml/2006/main" xmlns:r="http://schemas.openxmlformats.org/officeDocument/2006/relationships" xmlns:p="http://schemas.openxmlformats.org/presentationml/2006/main">
   <p:cSld>
     <p:spTree>
@@ -15691,7 +14060,7 @@
 </p:sld>
 </file>
 
-<file path=ppt/slides/slide17.xml><?xml version="1.0" encoding="utf-8"?>
+<file path=ppt/slides/slide16.xml><?xml version="1.0" encoding="utf-8"?>
 <p:sld xmlns:a="http://schemas.openxmlformats.org/drawingml/2006/main" xmlns:r="http://schemas.openxmlformats.org/officeDocument/2006/relationships" xmlns:p="http://schemas.openxmlformats.org/presentationml/2006/main">
   <p:cSld>
     <p:spTree>
@@ -15821,7 +14190,7 @@
           <a:p>
             <a:pPr algn="ctr"/>
             <a:r>
-              <a:rPr lang="zh-CN" altLang="en-US" sz="4000" b="1" smtClean="0">
+              <a:rPr lang="zh-CN" altLang="en-US" sz="4000" b="1" dirty="0" smtClean="0">
                 <a:solidFill>
                   <a:srgbClr val="FFFFFF"/>
                 </a:solidFill>
@@ -16613,7 +14982,7 @@
 </p:sld>
 </file>
 
-<file path=ppt/slides/slide18.xml><?xml version="1.0" encoding="utf-8"?>
+<file path=ppt/slides/slide17.xml><?xml version="1.0" encoding="utf-8"?>
 <p:sld xmlns:a="http://schemas.openxmlformats.org/drawingml/2006/main" xmlns:r="http://schemas.openxmlformats.org/officeDocument/2006/relationships" xmlns:p="http://schemas.openxmlformats.org/presentationml/2006/main">
   <p:cSld>
     <p:spTree>
@@ -16962,7 +15331,7 @@
 </p:sld>
 </file>
 
-<file path=ppt/slides/slide19.xml><?xml version="1.0" encoding="utf-8"?>
+<file path=ppt/slides/slide18.xml><?xml version="1.0" encoding="utf-8"?>
 <p:sld xmlns:a="http://schemas.openxmlformats.org/drawingml/2006/main" xmlns:r="http://schemas.openxmlformats.org/officeDocument/2006/relationships" xmlns:p="http://schemas.openxmlformats.org/presentationml/2006/main">
   <p:cSld>
     <p:spTree>
@@ -17215,1771 +15584,7 @@
 </p:sld>
 </file>
 
-<file path=ppt/slides/slide2.xml><?xml version="1.0" encoding="utf-8"?>
-<p:sld xmlns:a="http://schemas.openxmlformats.org/drawingml/2006/main" xmlns:r="http://schemas.openxmlformats.org/officeDocument/2006/relationships" xmlns:p="http://schemas.openxmlformats.org/presentationml/2006/main">
-  <p:cSld>
-    <p:spTree>
-      <p:nvGrpSpPr>
-        <p:cNvPr id="1" name=""/>
-        <p:cNvGrpSpPr/>
-        <p:nvPr/>
-      </p:nvGrpSpPr>
-      <p:grpSpPr>
-        <a:xfrm>
-          <a:off x="0" y="0"/>
-          <a:ext cx="0" cy="0"/>
-          <a:chOff x="0" y="0"/>
-          <a:chExt cx="0" cy="0"/>
-        </a:xfrm>
-      </p:grpSpPr>
-      <p:sp>
-        <p:nvSpPr>
-          <p:cNvPr id="2" name="MH_Number_1">
-            <a:hlinkClick r:id="rId24" action="ppaction://hlinksldjump"/>
-          </p:cNvPr>
-          <p:cNvSpPr txBox="1"/>
-          <p:nvPr>
-            <p:custDataLst>
-              <p:tags r:id="rId2"/>
-            </p:custDataLst>
-          </p:nvPr>
-        </p:nvSpPr>
-        <p:spPr>
-          <a:xfrm>
-            <a:off x="5283201" y="2590849"/>
-            <a:ext cx="615046" cy="544277"/>
-          </a:xfrm>
-          <a:prstGeom prst="rect">
-            <a:avLst/>
-          </a:prstGeom>
-          <a:noFill/>
-        </p:spPr>
-        <p:txBody>
-          <a:bodyPr wrap="square" lIns="0" tIns="0" rIns="0" bIns="0" rtlCol="0" anchor="ctr" anchorCtr="0">
-            <a:noAutofit/>
-          </a:bodyPr>
-          <a:lstStyle/>
-          <a:p>
-            <a:pPr algn="ctr"/>
-            <a:r>
-              <a:rPr lang="en-US" altLang="zh-CN" sz="2800" b="1">
-                <a:solidFill>
-                  <a:srgbClr val="7ABC32"/>
-                </a:solidFill>
-                <a:latin typeface="+mn-ea"/>
-              </a:rPr>
-              <a:t>01</a:t>
-            </a:r>
-            <a:endParaRPr lang="zh-CN" altLang="en-US" sz="2800" b="1" dirty="0">
-              <a:solidFill>
-                <a:srgbClr val="7ABC32"/>
-              </a:solidFill>
-              <a:latin typeface="+mn-ea"/>
-            </a:endParaRPr>
-          </a:p>
-        </p:txBody>
-      </p:sp>
-      <p:sp>
-        <p:nvSpPr>
-          <p:cNvPr id="34" name="MH_Entry_1">
-            <a:hlinkClick r:id="rId24" action="ppaction://hlinksldjump"/>
-          </p:cNvPr>
-          <p:cNvSpPr txBox="1"/>
-          <p:nvPr>
-            <p:custDataLst>
-              <p:tags r:id="rId3"/>
-            </p:custDataLst>
-          </p:nvPr>
-        </p:nvSpPr>
-        <p:spPr>
-          <a:xfrm>
-            <a:off x="6473375" y="2581777"/>
-            <a:ext cx="4354281" cy="544277"/>
-          </a:xfrm>
-          <a:prstGeom prst="rect">
-            <a:avLst/>
-          </a:prstGeom>
-          <a:noFill/>
-        </p:spPr>
-        <p:txBody>
-          <a:bodyPr wrap="square" lIns="0" tIns="0" rIns="0" bIns="0" rtlCol="0" anchor="ctr" anchorCtr="0">
-            <a:normAutofit/>
-          </a:bodyPr>
-          <a:lstStyle/>
-          <a:p>
-            <a:r>
-              <a:rPr lang="zh-CN" altLang="en-US" sz="2400" spc="200" dirty="0">
-                <a:solidFill>
-                  <a:srgbClr val="5F5F5F"/>
-                </a:solidFill>
-                <a:latin typeface="+mn-ea"/>
-              </a:rPr>
-              <a:t>索引基础</a:t>
-            </a:r>
-          </a:p>
-        </p:txBody>
-      </p:sp>
-      <p:sp>
-        <p:nvSpPr>
-          <p:cNvPr id="61" name="MH_Number_2">
-            <a:hlinkClick r:id="rId25" action="ppaction://hlinksldjump"/>
-          </p:cNvPr>
-          <p:cNvSpPr txBox="1"/>
-          <p:nvPr>
-            <p:custDataLst>
-              <p:tags r:id="rId4"/>
-            </p:custDataLst>
-          </p:nvPr>
-        </p:nvSpPr>
-        <p:spPr>
-          <a:xfrm>
-            <a:off x="5283201" y="3338294"/>
-            <a:ext cx="615046" cy="544277"/>
-          </a:xfrm>
-          <a:prstGeom prst="rect">
-            <a:avLst/>
-          </a:prstGeom>
-          <a:noFill/>
-        </p:spPr>
-        <p:txBody>
-          <a:bodyPr wrap="square" lIns="0" tIns="0" rIns="0" bIns="0" rtlCol="0" anchor="ctr" anchorCtr="0">
-            <a:noAutofit/>
-          </a:bodyPr>
-          <a:lstStyle>
-            <a:defPPr>
-              <a:defRPr lang="zh-CN"/>
-            </a:defPPr>
-            <a:lvl1pPr algn="ctr">
-              <a:defRPr sz="2000">
-                <a:solidFill>
-                  <a:srgbClr val="00B0F0"/>
-                </a:solidFill>
-                <a:latin typeface="华文中宋" panose="02010600040101010101" pitchFamily="2" charset="-122"/>
-                <a:ea typeface="华文中宋" panose="02010600040101010101" pitchFamily="2" charset="-122"/>
-              </a:defRPr>
-            </a:lvl1pPr>
-          </a:lstStyle>
-          <a:p>
-            <a:r>
-              <a:rPr lang="en-US" altLang="zh-CN" sz="2800" b="1">
-                <a:solidFill>
-                  <a:srgbClr val="7ABC32"/>
-                </a:solidFill>
-                <a:latin typeface="+mn-ea"/>
-                <a:ea typeface="+mn-ea"/>
-              </a:rPr>
-              <a:t>02</a:t>
-            </a:r>
-            <a:endParaRPr lang="zh-CN" altLang="en-US" sz="2800" b="1" dirty="0">
-              <a:solidFill>
-                <a:srgbClr val="7ABC32"/>
-              </a:solidFill>
-              <a:latin typeface="+mn-ea"/>
-              <a:ea typeface="+mn-ea"/>
-            </a:endParaRPr>
-          </a:p>
-        </p:txBody>
-      </p:sp>
-      <p:sp>
-        <p:nvSpPr>
-          <p:cNvPr id="62" name="MH_Entry_2">
-            <a:hlinkClick r:id="rId25" action="ppaction://hlinksldjump"/>
-          </p:cNvPr>
-          <p:cNvSpPr txBox="1"/>
-          <p:nvPr>
-            <p:custDataLst>
-              <p:tags r:id="rId5"/>
-            </p:custDataLst>
-          </p:nvPr>
-        </p:nvSpPr>
-        <p:spPr>
-          <a:xfrm>
-            <a:off x="6473375" y="3329222"/>
-            <a:ext cx="4354281" cy="544277"/>
-          </a:xfrm>
-          <a:prstGeom prst="rect">
-            <a:avLst/>
-          </a:prstGeom>
-          <a:noFill/>
-        </p:spPr>
-        <p:txBody>
-          <a:bodyPr wrap="square" lIns="0" tIns="0" rIns="0" bIns="0" rtlCol="0" anchor="ctr" anchorCtr="0">
-            <a:normAutofit/>
-          </a:bodyPr>
-          <a:lstStyle>
-            <a:defPPr>
-              <a:defRPr lang="zh-CN"/>
-            </a:defPPr>
-            <a:lvl1pPr>
-              <a:defRPr sz="1600">
-                <a:solidFill>
-                  <a:srgbClr val="333333"/>
-                </a:solidFill>
-                <a:latin typeface="华文细黑" panose="02010600040101010101" pitchFamily="2" charset="-122"/>
-                <a:ea typeface="华文细黑" panose="02010600040101010101" pitchFamily="2" charset="-122"/>
-              </a:defRPr>
-            </a:lvl1pPr>
-          </a:lstStyle>
-          <a:p>
-            <a:r>
-              <a:rPr lang="zh-CN" altLang="en-US" sz="2400" spc="200" dirty="0" smtClean="0">
-                <a:solidFill>
-                  <a:srgbClr val="5F5F5F"/>
-                </a:solidFill>
-                <a:latin typeface="+mn-ea"/>
-                <a:ea typeface="+mn-ea"/>
-              </a:rPr>
-              <a:t>索引应用</a:t>
-            </a:r>
-            <a:endParaRPr lang="zh-CN" altLang="en-US" sz="2400" spc="200" dirty="0">
-              <a:solidFill>
-                <a:srgbClr val="5F5F5F"/>
-              </a:solidFill>
-              <a:latin typeface="+mn-ea"/>
-              <a:ea typeface="+mn-ea"/>
-            </a:endParaRPr>
-          </a:p>
-        </p:txBody>
-      </p:sp>
-      <p:sp>
-        <p:nvSpPr>
-          <p:cNvPr id="64" name="MH_Number_3">
-            <a:hlinkClick r:id="rId26" action="ppaction://hlinksldjump"/>
-          </p:cNvPr>
-          <p:cNvSpPr txBox="1"/>
-          <p:nvPr>
-            <p:custDataLst>
-              <p:tags r:id="rId6"/>
-            </p:custDataLst>
-          </p:nvPr>
-        </p:nvSpPr>
-        <p:spPr>
-          <a:xfrm>
-            <a:off x="5283201" y="4085739"/>
-            <a:ext cx="615046" cy="544277"/>
-          </a:xfrm>
-          <a:prstGeom prst="rect">
-            <a:avLst/>
-          </a:prstGeom>
-          <a:noFill/>
-        </p:spPr>
-        <p:txBody>
-          <a:bodyPr wrap="square" lIns="0" tIns="0" rIns="0" bIns="0" rtlCol="0" anchor="ctr" anchorCtr="0">
-            <a:noAutofit/>
-          </a:bodyPr>
-          <a:lstStyle>
-            <a:defPPr>
-              <a:defRPr lang="zh-CN"/>
-            </a:defPPr>
-            <a:lvl1pPr algn="ctr">
-              <a:defRPr sz="2000">
-                <a:solidFill>
-                  <a:srgbClr val="00B0F0"/>
-                </a:solidFill>
-                <a:latin typeface="华文中宋" panose="02010600040101010101" pitchFamily="2" charset="-122"/>
-                <a:ea typeface="华文中宋" panose="02010600040101010101" pitchFamily="2" charset="-122"/>
-              </a:defRPr>
-            </a:lvl1pPr>
-          </a:lstStyle>
-          <a:p>
-            <a:r>
-              <a:rPr lang="en-US" altLang="zh-CN" sz="2800" b="1">
-                <a:solidFill>
-                  <a:srgbClr val="7ABC32"/>
-                </a:solidFill>
-                <a:latin typeface="+mn-ea"/>
-                <a:ea typeface="+mn-ea"/>
-              </a:rPr>
-              <a:t>03</a:t>
-            </a:r>
-            <a:endParaRPr lang="zh-CN" altLang="en-US" sz="2800" b="1" dirty="0">
-              <a:solidFill>
-                <a:srgbClr val="7ABC32"/>
-              </a:solidFill>
-              <a:latin typeface="+mn-ea"/>
-              <a:ea typeface="+mn-ea"/>
-            </a:endParaRPr>
-          </a:p>
-        </p:txBody>
-      </p:sp>
-      <p:sp>
-        <p:nvSpPr>
-          <p:cNvPr id="65" name="MH_Entry_3">
-            <a:hlinkClick r:id="rId26" action="ppaction://hlinksldjump"/>
-          </p:cNvPr>
-          <p:cNvSpPr txBox="1"/>
-          <p:nvPr>
-            <p:custDataLst>
-              <p:tags r:id="rId7"/>
-            </p:custDataLst>
-          </p:nvPr>
-        </p:nvSpPr>
-        <p:spPr>
-          <a:xfrm>
-            <a:off x="6473375" y="4076667"/>
-            <a:ext cx="4354281" cy="544277"/>
-          </a:xfrm>
-          <a:prstGeom prst="rect">
-            <a:avLst/>
-          </a:prstGeom>
-          <a:noFill/>
-        </p:spPr>
-        <p:txBody>
-          <a:bodyPr wrap="square" lIns="0" tIns="0" rIns="0" bIns="0" rtlCol="0" anchor="ctr" anchorCtr="0">
-            <a:normAutofit/>
-          </a:bodyPr>
-          <a:lstStyle>
-            <a:defPPr>
-              <a:defRPr lang="zh-CN"/>
-            </a:defPPr>
-            <a:lvl1pPr>
-              <a:defRPr sz="1600">
-                <a:solidFill>
-                  <a:srgbClr val="333333"/>
-                </a:solidFill>
-                <a:latin typeface="华文细黑" panose="02010600040101010101" pitchFamily="2" charset="-122"/>
-                <a:ea typeface="华文细黑" panose="02010600040101010101" pitchFamily="2" charset="-122"/>
-              </a:defRPr>
-            </a:lvl1pPr>
-          </a:lstStyle>
-          <a:p>
-            <a:r>
-              <a:rPr lang="zh-CN" altLang="en-US" sz="2400" spc="200" dirty="0" smtClean="0">
-                <a:solidFill>
-                  <a:srgbClr val="5F5F5F"/>
-                </a:solidFill>
-                <a:latin typeface="+mn-ea"/>
-                <a:ea typeface="+mn-ea"/>
-              </a:rPr>
-              <a:t>索引优化</a:t>
-            </a:r>
-            <a:endParaRPr lang="zh-CN" altLang="en-US" sz="2400" spc="200" dirty="0">
-              <a:solidFill>
-                <a:srgbClr val="5F5F5F"/>
-              </a:solidFill>
-              <a:latin typeface="+mn-ea"/>
-              <a:ea typeface="+mn-ea"/>
-            </a:endParaRPr>
-          </a:p>
-        </p:txBody>
-      </p:sp>
-      <p:sp>
-        <p:nvSpPr>
-          <p:cNvPr id="67" name="MH_Number_4">
-            <a:hlinkClick r:id="rId27" action="ppaction://hlinksldjump"/>
-          </p:cNvPr>
-          <p:cNvSpPr txBox="1"/>
-          <p:nvPr>
-            <p:custDataLst>
-              <p:tags r:id="rId8"/>
-            </p:custDataLst>
-          </p:nvPr>
-        </p:nvSpPr>
-        <p:spPr>
-          <a:xfrm>
-            <a:off x="5283201" y="4833184"/>
-            <a:ext cx="615046" cy="544277"/>
-          </a:xfrm>
-          <a:prstGeom prst="rect">
-            <a:avLst/>
-          </a:prstGeom>
-          <a:noFill/>
-        </p:spPr>
-        <p:txBody>
-          <a:bodyPr wrap="square" lIns="0" tIns="0" rIns="0" bIns="0" rtlCol="0" anchor="ctr" anchorCtr="0">
-            <a:noAutofit/>
-          </a:bodyPr>
-          <a:lstStyle>
-            <a:defPPr>
-              <a:defRPr lang="zh-CN"/>
-            </a:defPPr>
-            <a:lvl1pPr algn="ctr">
-              <a:defRPr sz="2000">
-                <a:solidFill>
-                  <a:srgbClr val="00B0F0"/>
-                </a:solidFill>
-                <a:latin typeface="华文中宋" panose="02010600040101010101" pitchFamily="2" charset="-122"/>
-                <a:ea typeface="华文中宋" panose="02010600040101010101" pitchFamily="2" charset="-122"/>
-              </a:defRPr>
-            </a:lvl1pPr>
-          </a:lstStyle>
-          <a:p>
-            <a:r>
-              <a:rPr lang="en-US" altLang="zh-CN" sz="2800" b="1">
-                <a:solidFill>
-                  <a:srgbClr val="7ABC32"/>
-                </a:solidFill>
-                <a:latin typeface="+mn-ea"/>
-                <a:ea typeface="+mn-ea"/>
-              </a:rPr>
-              <a:t>04</a:t>
-            </a:r>
-            <a:endParaRPr lang="zh-CN" altLang="en-US" sz="2800" b="1" dirty="0">
-              <a:solidFill>
-                <a:srgbClr val="7ABC32"/>
-              </a:solidFill>
-              <a:latin typeface="+mn-ea"/>
-              <a:ea typeface="+mn-ea"/>
-            </a:endParaRPr>
-          </a:p>
-        </p:txBody>
-      </p:sp>
-      <p:sp>
-        <p:nvSpPr>
-          <p:cNvPr id="68" name="MH_Entry_4">
-            <a:hlinkClick r:id="rId27" action="ppaction://hlinksldjump"/>
-          </p:cNvPr>
-          <p:cNvSpPr txBox="1"/>
-          <p:nvPr>
-            <p:custDataLst>
-              <p:tags r:id="rId9"/>
-            </p:custDataLst>
-          </p:nvPr>
-        </p:nvSpPr>
-        <p:spPr>
-          <a:xfrm>
-            <a:off x="6473375" y="4824112"/>
-            <a:ext cx="4354281" cy="544277"/>
-          </a:xfrm>
-          <a:prstGeom prst="rect">
-            <a:avLst/>
-          </a:prstGeom>
-          <a:noFill/>
-        </p:spPr>
-        <p:txBody>
-          <a:bodyPr wrap="square" lIns="0" tIns="0" rIns="0" bIns="0" rtlCol="0" anchor="ctr" anchorCtr="0">
-            <a:normAutofit/>
-          </a:bodyPr>
-          <a:lstStyle>
-            <a:defPPr>
-              <a:defRPr lang="zh-CN"/>
-            </a:defPPr>
-            <a:lvl1pPr>
-              <a:defRPr sz="1600">
-                <a:solidFill>
-                  <a:srgbClr val="333333"/>
-                </a:solidFill>
-                <a:latin typeface="华文细黑" panose="02010600040101010101" pitchFamily="2" charset="-122"/>
-                <a:ea typeface="华文细黑" panose="02010600040101010101" pitchFamily="2" charset="-122"/>
-              </a:defRPr>
-            </a:lvl1pPr>
-          </a:lstStyle>
-          <a:p>
-            <a:r>
-              <a:rPr lang="zh-CN" altLang="en-US" sz="2400" spc="200" dirty="0" smtClean="0">
-                <a:solidFill>
-                  <a:srgbClr val="5F5F5F"/>
-                </a:solidFill>
-                <a:latin typeface="+mn-ea"/>
-                <a:ea typeface="+mn-ea"/>
-              </a:rPr>
-              <a:t>案例分析</a:t>
-            </a:r>
-            <a:endParaRPr lang="zh-CN" altLang="en-US" sz="2400" spc="200" dirty="0">
-              <a:solidFill>
-                <a:srgbClr val="5F5F5F"/>
-              </a:solidFill>
-              <a:latin typeface="+mn-ea"/>
-              <a:ea typeface="+mn-ea"/>
-            </a:endParaRPr>
-          </a:p>
-        </p:txBody>
-      </p:sp>
-      <p:sp>
-        <p:nvSpPr>
-          <p:cNvPr id="70" name="MH_Number_5">
-            <a:hlinkClick r:id="rId28" action="ppaction://hlinksldjump"/>
-          </p:cNvPr>
-          <p:cNvSpPr txBox="1"/>
-          <p:nvPr>
-            <p:custDataLst>
-              <p:tags r:id="rId10"/>
-            </p:custDataLst>
-          </p:nvPr>
-        </p:nvSpPr>
-        <p:spPr>
-          <a:xfrm>
-            <a:off x="5283201" y="5580630"/>
-            <a:ext cx="615046" cy="544277"/>
-          </a:xfrm>
-          <a:prstGeom prst="rect">
-            <a:avLst/>
-          </a:prstGeom>
-          <a:noFill/>
-        </p:spPr>
-        <p:txBody>
-          <a:bodyPr wrap="square" lIns="0" tIns="0" rIns="0" bIns="0" rtlCol="0" anchor="ctr" anchorCtr="0">
-            <a:noAutofit/>
-          </a:bodyPr>
-          <a:lstStyle>
-            <a:defPPr>
-              <a:defRPr lang="zh-CN"/>
-            </a:defPPr>
-            <a:lvl1pPr algn="ctr">
-              <a:defRPr sz="2000">
-                <a:solidFill>
-                  <a:srgbClr val="00B0F0"/>
-                </a:solidFill>
-                <a:latin typeface="华文中宋" panose="02010600040101010101" pitchFamily="2" charset="-122"/>
-                <a:ea typeface="华文中宋" panose="02010600040101010101" pitchFamily="2" charset="-122"/>
-              </a:defRPr>
-            </a:lvl1pPr>
-          </a:lstStyle>
-          <a:p>
-            <a:r>
-              <a:rPr lang="en-US" altLang="zh-CN" sz="2800" b="1" dirty="0">
-                <a:solidFill>
-                  <a:srgbClr val="7ABC32"/>
-                </a:solidFill>
-                <a:latin typeface="+mn-ea"/>
-                <a:ea typeface="+mn-ea"/>
-              </a:rPr>
-              <a:t>05</a:t>
-            </a:r>
-            <a:endParaRPr lang="zh-CN" altLang="en-US" sz="2800" b="1" dirty="0">
-              <a:solidFill>
-                <a:srgbClr val="7ABC32"/>
-              </a:solidFill>
-              <a:latin typeface="+mn-ea"/>
-              <a:ea typeface="+mn-ea"/>
-            </a:endParaRPr>
-          </a:p>
-        </p:txBody>
-      </p:sp>
-      <p:sp>
-        <p:nvSpPr>
-          <p:cNvPr id="71" name="MH_Entry_5">
-            <a:hlinkClick r:id="rId28" action="ppaction://hlinksldjump"/>
-          </p:cNvPr>
-          <p:cNvSpPr txBox="1"/>
-          <p:nvPr>
-            <p:custDataLst>
-              <p:tags r:id="rId11"/>
-            </p:custDataLst>
-          </p:nvPr>
-        </p:nvSpPr>
-        <p:spPr>
-          <a:xfrm>
-            <a:off x="6473375" y="5571558"/>
-            <a:ext cx="4354281" cy="544277"/>
-          </a:xfrm>
-          <a:prstGeom prst="rect">
-            <a:avLst/>
-          </a:prstGeom>
-          <a:noFill/>
-        </p:spPr>
-        <p:txBody>
-          <a:bodyPr wrap="square" lIns="0" tIns="0" rIns="0" bIns="0" rtlCol="0" anchor="ctr" anchorCtr="0">
-            <a:normAutofit/>
-          </a:bodyPr>
-          <a:lstStyle>
-            <a:defPPr>
-              <a:defRPr lang="zh-CN"/>
-            </a:defPPr>
-            <a:lvl1pPr>
-              <a:defRPr sz="1600">
-                <a:solidFill>
-                  <a:srgbClr val="333333"/>
-                </a:solidFill>
-                <a:latin typeface="华文细黑" panose="02010600040101010101" pitchFamily="2" charset="-122"/>
-                <a:ea typeface="华文细黑" panose="02010600040101010101" pitchFamily="2" charset="-122"/>
-              </a:defRPr>
-            </a:lvl1pPr>
-          </a:lstStyle>
-          <a:p>
-            <a:r>
-              <a:rPr lang="en-US" altLang="zh-CN" sz="2400" spc="200" smtClean="0">
-                <a:solidFill>
-                  <a:srgbClr val="5F5F5F"/>
-                </a:solidFill>
-                <a:latin typeface="+mn-ea"/>
-                <a:ea typeface="+mn-ea"/>
-              </a:rPr>
-              <a:t>Q&amp;A</a:t>
-            </a:r>
-            <a:endParaRPr lang="zh-CN" altLang="en-US" sz="2400" spc="200" dirty="0">
-              <a:solidFill>
-                <a:srgbClr val="5F5F5F"/>
-              </a:solidFill>
-              <a:latin typeface="+mn-ea"/>
-              <a:ea typeface="+mn-ea"/>
-            </a:endParaRPr>
-          </a:p>
-        </p:txBody>
-      </p:sp>
-      <p:cxnSp>
-        <p:nvCxnSpPr>
-          <p:cNvPr id="22" name="MH_Others_1"/>
-          <p:cNvCxnSpPr/>
-          <p:nvPr>
-            <p:custDataLst>
-              <p:tags r:id="rId12"/>
-            </p:custDataLst>
-          </p:nvPr>
-        </p:nvCxnSpPr>
-        <p:spPr>
-          <a:xfrm>
-            <a:off x="6142850" y="2688810"/>
-            <a:ext cx="0" cy="319314"/>
-          </a:xfrm>
-          <a:prstGeom prst="line">
-            <a:avLst/>
-          </a:prstGeom>
-          <a:ln w="25400">
-            <a:solidFill>
-              <a:srgbClr val="D1D1D1"/>
-            </a:solidFill>
-          </a:ln>
-        </p:spPr>
-        <p:style>
-          <a:lnRef idx="1">
-            <a:schemeClr val="accent1"/>
-          </a:lnRef>
-          <a:fillRef idx="0">
-            <a:schemeClr val="accent1"/>
-          </a:fillRef>
-          <a:effectRef idx="0">
-            <a:schemeClr val="accent1"/>
-          </a:effectRef>
-          <a:fontRef idx="minor">
-            <a:schemeClr val="tx1"/>
-          </a:fontRef>
-        </p:style>
-      </p:cxnSp>
-      <p:cxnSp>
-        <p:nvCxnSpPr>
-          <p:cNvPr id="23" name="MH_Others_2"/>
-          <p:cNvCxnSpPr/>
-          <p:nvPr>
-            <p:custDataLst>
-              <p:tags r:id="rId13"/>
-            </p:custDataLst>
-          </p:nvPr>
-        </p:nvCxnSpPr>
-        <p:spPr>
-          <a:xfrm>
-            <a:off x="6142850" y="3443967"/>
-            <a:ext cx="0" cy="319314"/>
-          </a:xfrm>
-          <a:prstGeom prst="line">
-            <a:avLst/>
-          </a:prstGeom>
-          <a:ln w="25400">
-            <a:solidFill>
-              <a:srgbClr val="D1D1D1"/>
-            </a:solidFill>
-          </a:ln>
-        </p:spPr>
-        <p:style>
-          <a:lnRef idx="1">
-            <a:schemeClr val="accent1"/>
-          </a:lnRef>
-          <a:fillRef idx="0">
-            <a:schemeClr val="accent1"/>
-          </a:fillRef>
-          <a:effectRef idx="0">
-            <a:schemeClr val="accent1"/>
-          </a:effectRef>
-          <a:fontRef idx="minor">
-            <a:schemeClr val="tx1"/>
-          </a:fontRef>
-        </p:style>
-      </p:cxnSp>
-      <p:cxnSp>
-        <p:nvCxnSpPr>
-          <p:cNvPr id="24" name="MH_Others_3"/>
-          <p:cNvCxnSpPr/>
-          <p:nvPr>
-            <p:custDataLst>
-              <p:tags r:id="rId14"/>
-            </p:custDataLst>
-          </p:nvPr>
-        </p:nvCxnSpPr>
-        <p:spPr>
-          <a:xfrm>
-            <a:off x="6142850" y="4199124"/>
-            <a:ext cx="0" cy="319314"/>
-          </a:xfrm>
-          <a:prstGeom prst="line">
-            <a:avLst/>
-          </a:prstGeom>
-          <a:ln w="25400">
-            <a:solidFill>
-              <a:srgbClr val="D1D1D1"/>
-            </a:solidFill>
-          </a:ln>
-        </p:spPr>
-        <p:style>
-          <a:lnRef idx="1">
-            <a:schemeClr val="accent1"/>
-          </a:lnRef>
-          <a:fillRef idx="0">
-            <a:schemeClr val="accent1"/>
-          </a:fillRef>
-          <a:effectRef idx="0">
-            <a:schemeClr val="accent1"/>
-          </a:effectRef>
-          <a:fontRef idx="minor">
-            <a:schemeClr val="tx1"/>
-          </a:fontRef>
-        </p:style>
-      </p:cxnSp>
-      <p:cxnSp>
-        <p:nvCxnSpPr>
-          <p:cNvPr id="25" name="MH_Others_4"/>
-          <p:cNvCxnSpPr/>
-          <p:nvPr>
-            <p:custDataLst>
-              <p:tags r:id="rId15"/>
-            </p:custDataLst>
-          </p:nvPr>
-        </p:nvCxnSpPr>
-        <p:spPr>
-          <a:xfrm>
-            <a:off x="6142850" y="4954281"/>
-            <a:ext cx="0" cy="319314"/>
-          </a:xfrm>
-          <a:prstGeom prst="line">
-            <a:avLst/>
-          </a:prstGeom>
-          <a:ln w="25400">
-            <a:solidFill>
-              <a:srgbClr val="D1D1D1"/>
-            </a:solidFill>
-          </a:ln>
-        </p:spPr>
-        <p:style>
-          <a:lnRef idx="1">
-            <a:schemeClr val="accent1"/>
-          </a:lnRef>
-          <a:fillRef idx="0">
-            <a:schemeClr val="accent1"/>
-          </a:fillRef>
-          <a:effectRef idx="0">
-            <a:schemeClr val="accent1"/>
-          </a:effectRef>
-          <a:fontRef idx="minor">
-            <a:schemeClr val="tx1"/>
-          </a:fontRef>
-        </p:style>
-      </p:cxnSp>
-      <p:cxnSp>
-        <p:nvCxnSpPr>
-          <p:cNvPr id="26" name="MH_Others_5"/>
-          <p:cNvCxnSpPr/>
-          <p:nvPr>
-            <p:custDataLst>
-              <p:tags r:id="rId16"/>
-            </p:custDataLst>
-          </p:nvPr>
-        </p:nvCxnSpPr>
-        <p:spPr>
-          <a:xfrm>
-            <a:off x="6142850" y="5709436"/>
-            <a:ext cx="0" cy="319314"/>
-          </a:xfrm>
-          <a:prstGeom prst="line">
-            <a:avLst/>
-          </a:prstGeom>
-          <a:ln w="25400">
-            <a:solidFill>
-              <a:srgbClr val="D1D1D1"/>
-            </a:solidFill>
-          </a:ln>
-        </p:spPr>
-        <p:style>
-          <a:lnRef idx="1">
-            <a:schemeClr val="accent1"/>
-          </a:lnRef>
-          <a:fillRef idx="0">
-            <a:schemeClr val="accent1"/>
-          </a:fillRef>
-          <a:effectRef idx="0">
-            <a:schemeClr val="accent1"/>
-          </a:effectRef>
-          <a:fontRef idx="minor">
-            <a:schemeClr val="tx1"/>
-          </a:fontRef>
-        </p:style>
-      </p:cxnSp>
-      <p:sp>
-        <p:nvSpPr>
-          <p:cNvPr id="40" name="MH_Others_10"/>
-          <p:cNvSpPr/>
-          <p:nvPr>
-            <p:custDataLst>
-              <p:tags r:id="rId17"/>
-            </p:custDataLst>
-          </p:nvPr>
-        </p:nvSpPr>
-        <p:spPr>
-          <a:xfrm>
-            <a:off x="4715351" y="1416944"/>
-            <a:ext cx="7476649" cy="504056"/>
-          </a:xfrm>
-          <a:custGeom>
-            <a:avLst/>
-            <a:gdLst>
-              <a:gd name="connsiteX0" fmla="*/ 0 w 5609212"/>
-              <a:gd name="connsiteY0" fmla="*/ 0 h 504056"/>
-              <a:gd name="connsiteX1" fmla="*/ 5609212 w 5609212"/>
-              <a:gd name="connsiteY1" fmla="*/ 0 h 504056"/>
-              <a:gd name="connsiteX2" fmla="*/ 5609212 w 5609212"/>
-              <a:gd name="connsiteY2" fmla="*/ 504056 h 504056"/>
-              <a:gd name="connsiteX3" fmla="*/ 0 w 5609212"/>
-              <a:gd name="connsiteY3" fmla="*/ 504056 h 504056"/>
-              <a:gd name="connsiteX4" fmla="*/ 0 w 5609212"/>
-              <a:gd name="connsiteY4" fmla="*/ 0 h 504056"/>
-              <a:gd name="connsiteX0" fmla="*/ 0 w 5609212"/>
-              <a:gd name="connsiteY0" fmla="*/ 0 h 504056"/>
-              <a:gd name="connsiteX1" fmla="*/ 5609212 w 5609212"/>
-              <a:gd name="connsiteY1" fmla="*/ 0 h 504056"/>
-              <a:gd name="connsiteX2" fmla="*/ 5609212 w 5609212"/>
-              <a:gd name="connsiteY2" fmla="*/ 504056 h 504056"/>
-              <a:gd name="connsiteX3" fmla="*/ 128954 w 5609212"/>
-              <a:gd name="connsiteY3" fmla="*/ 504056 h 504056"/>
-              <a:gd name="connsiteX4" fmla="*/ 0 w 5609212"/>
-              <a:gd name="connsiteY4" fmla="*/ 0 h 504056"/>
-            </a:gdLst>
-            <a:ahLst/>
-            <a:cxnLst>
-              <a:cxn ang="0">
-                <a:pos x="connsiteX0" y="connsiteY0"/>
-              </a:cxn>
-              <a:cxn ang="0">
-                <a:pos x="connsiteX1" y="connsiteY1"/>
-              </a:cxn>
-              <a:cxn ang="0">
-                <a:pos x="connsiteX2" y="connsiteY2"/>
-              </a:cxn>
-              <a:cxn ang="0">
-                <a:pos x="connsiteX3" y="connsiteY3"/>
-              </a:cxn>
-              <a:cxn ang="0">
-                <a:pos x="connsiteX4" y="connsiteY4"/>
-              </a:cxn>
-            </a:cxnLst>
-            <a:rect l="l" t="t" r="r" b="b"/>
-            <a:pathLst>
-              <a:path w="5609212" h="504056">
-                <a:moveTo>
-                  <a:pt x="0" y="0"/>
-                </a:moveTo>
-                <a:lnTo>
-                  <a:pt x="5609212" y="0"/>
-                </a:lnTo>
-                <a:lnTo>
-                  <a:pt x="5609212" y="504056"/>
-                </a:lnTo>
-                <a:lnTo>
-                  <a:pt x="128954" y="504056"/>
-                </a:lnTo>
-                <a:lnTo>
-                  <a:pt x="0" y="0"/>
-                </a:lnTo>
-                <a:close/>
-              </a:path>
-            </a:pathLst>
-          </a:custGeom>
-          <a:solidFill>
-            <a:srgbClr val="7EC234"/>
-          </a:solidFill>
-          <a:ln>
-            <a:noFill/>
-          </a:ln>
-        </p:spPr>
-        <p:style>
-          <a:lnRef idx="2">
-            <a:schemeClr val="accent1">
-              <a:shade val="50000"/>
-            </a:schemeClr>
-          </a:lnRef>
-          <a:fillRef idx="1">
-            <a:schemeClr val="accent1"/>
-          </a:fillRef>
-          <a:effectRef idx="0">
-            <a:schemeClr val="accent1"/>
-          </a:effectRef>
-          <a:fontRef idx="minor">
-            <a:schemeClr val="lt1"/>
-          </a:fontRef>
-        </p:style>
-        <p:txBody>
-          <a:bodyPr rot="0" spcFirstLastPara="0" vertOverflow="overflow" horzOverflow="overflow" vert="horz" wrap="square" lIns="91440" tIns="45720" rIns="91440" bIns="45720" numCol="1" spcCol="0" rtlCol="0" fromWordArt="0" anchor="ctr" anchorCtr="0" forceAA="0" compatLnSpc="1">
-            <a:prstTxWarp prst="textNoShape">
-              <a:avLst/>
-            </a:prstTxWarp>
-            <a:noAutofit/>
-          </a:bodyPr>
-          <a:lstStyle/>
-          <a:p>
-            <a:pPr algn="ctr"/>
-            <a:endParaRPr lang="zh-CN" altLang="en-US"/>
-          </a:p>
-        </p:txBody>
-      </p:sp>
-      <p:sp>
-        <p:nvSpPr>
-          <p:cNvPr id="41" name="MH_Others_11"/>
-          <p:cNvSpPr txBox="1"/>
-          <p:nvPr>
-            <p:custDataLst>
-              <p:tags r:id="rId18"/>
-            </p:custDataLst>
-          </p:nvPr>
-        </p:nvSpPr>
-        <p:spPr>
-          <a:xfrm>
-            <a:off x="4643084" y="812972"/>
-            <a:ext cx="1344398" cy="584775"/>
-          </a:xfrm>
-          <a:prstGeom prst="rect">
-            <a:avLst/>
-          </a:prstGeom>
-          <a:noFill/>
-        </p:spPr>
-        <p:txBody>
-          <a:bodyPr wrap="square" rtlCol="0">
-            <a:noAutofit/>
-          </a:bodyPr>
-          <a:lstStyle/>
-          <a:p>
-            <a:pPr algn="r"/>
-            <a:r>
-              <a:rPr lang="zh-CN" altLang="en-US" sz="3200" b="1" dirty="0">
-                <a:solidFill>
-                  <a:srgbClr val="7EC234"/>
-                </a:solidFill>
-                <a:latin typeface="微软雅黑" panose="020B0503020204020204" pitchFamily="34" charset="-122"/>
-                <a:ea typeface="微软雅黑" panose="020B0503020204020204" pitchFamily="34" charset="-122"/>
-              </a:rPr>
-              <a:t>目录</a:t>
-            </a:r>
-          </a:p>
-        </p:txBody>
-      </p:sp>
-      <p:cxnSp>
-        <p:nvCxnSpPr>
-          <p:cNvPr id="42" name="MH_Others_12"/>
-          <p:cNvCxnSpPr/>
-          <p:nvPr>
-            <p:custDataLst>
-              <p:tags r:id="rId19"/>
-            </p:custDataLst>
-          </p:nvPr>
-        </p:nvCxnSpPr>
-        <p:spPr>
-          <a:xfrm>
-            <a:off x="6053385" y="946550"/>
-            <a:ext cx="5970" cy="346644"/>
-          </a:xfrm>
-          <a:prstGeom prst="line">
-            <a:avLst/>
-          </a:prstGeom>
-          <a:ln w="38100">
-            <a:solidFill>
-              <a:srgbClr val="7EC234"/>
-            </a:solidFill>
-          </a:ln>
-        </p:spPr>
-        <p:style>
-          <a:lnRef idx="1">
-            <a:schemeClr val="accent1"/>
-          </a:lnRef>
-          <a:fillRef idx="0">
-            <a:schemeClr val="accent1"/>
-          </a:fillRef>
-          <a:effectRef idx="0">
-            <a:schemeClr val="accent1"/>
-          </a:effectRef>
-          <a:fontRef idx="minor">
-            <a:schemeClr val="tx1"/>
-          </a:fontRef>
-        </p:style>
-      </p:cxnSp>
-      <p:sp>
-        <p:nvSpPr>
-          <p:cNvPr id="43" name="MH_Others_13"/>
-          <p:cNvSpPr txBox="1"/>
-          <p:nvPr>
-            <p:custDataLst>
-              <p:tags r:id="rId20"/>
-            </p:custDataLst>
-          </p:nvPr>
-        </p:nvSpPr>
-        <p:spPr>
-          <a:xfrm>
-            <a:off x="6125256" y="796708"/>
-            <a:ext cx="3350742" cy="646331"/>
-          </a:xfrm>
-          <a:prstGeom prst="rect">
-            <a:avLst/>
-          </a:prstGeom>
-          <a:noFill/>
-        </p:spPr>
-        <p:txBody>
-          <a:bodyPr wrap="square" rtlCol="0">
-            <a:noAutofit/>
-          </a:bodyPr>
-          <a:lstStyle/>
-          <a:p>
-            <a:r>
-              <a:rPr lang="en-US" altLang="zh-CN" sz="3600" dirty="0">
-                <a:solidFill>
-                  <a:srgbClr val="7EC234"/>
-                </a:solidFill>
-                <a:latin typeface="华文细黑" panose="02010600040101010101" pitchFamily="2" charset="-122"/>
-                <a:ea typeface="华文细黑" panose="02010600040101010101" pitchFamily="2" charset="-122"/>
-                <a:cs typeface="Arial" pitchFamily="34" charset="0"/>
-              </a:rPr>
-              <a:t>CONTENTS</a:t>
-            </a:r>
-            <a:endParaRPr lang="zh-CN" altLang="en-US" sz="3600" dirty="0">
-              <a:solidFill>
-                <a:srgbClr val="7EC234"/>
-              </a:solidFill>
-              <a:latin typeface="华文细黑" panose="02010600040101010101" pitchFamily="2" charset="-122"/>
-              <a:ea typeface="华文细黑" panose="02010600040101010101" pitchFamily="2" charset="-122"/>
-              <a:cs typeface="Arial" pitchFamily="34" charset="0"/>
-            </a:endParaRPr>
-          </a:p>
-        </p:txBody>
-      </p:sp>
-      <p:sp>
-        <p:nvSpPr>
-          <p:cNvPr id="44" name="MH_Others_14"/>
-          <p:cNvSpPr/>
-          <p:nvPr>
-            <p:custDataLst>
-              <p:tags r:id="rId21"/>
-            </p:custDataLst>
-          </p:nvPr>
-        </p:nvSpPr>
-        <p:spPr>
-          <a:xfrm>
-            <a:off x="-105" y="258126"/>
-            <a:ext cx="4473442" cy="1336316"/>
-          </a:xfrm>
-          <a:custGeom>
-            <a:avLst/>
-            <a:gdLst>
-              <a:gd name="connsiteX0" fmla="*/ 0 w 3356114"/>
-              <a:gd name="connsiteY0" fmla="*/ 0 h 1620180"/>
-              <a:gd name="connsiteX1" fmla="*/ 3356114 w 3356114"/>
-              <a:gd name="connsiteY1" fmla="*/ 0 h 1620180"/>
-              <a:gd name="connsiteX2" fmla="*/ 3356114 w 3356114"/>
-              <a:gd name="connsiteY2" fmla="*/ 1620180 h 1620180"/>
-              <a:gd name="connsiteX3" fmla="*/ 0 w 3356114"/>
-              <a:gd name="connsiteY3" fmla="*/ 1620180 h 1620180"/>
-              <a:gd name="connsiteX4" fmla="*/ 0 w 3356114"/>
-              <a:gd name="connsiteY4" fmla="*/ 0 h 1620180"/>
-              <a:gd name="connsiteX0" fmla="*/ 0 w 3356114"/>
-              <a:gd name="connsiteY0" fmla="*/ 0 h 1620180"/>
-              <a:gd name="connsiteX1" fmla="*/ 3027868 w 3356114"/>
-              <a:gd name="connsiteY1" fmla="*/ 23446 h 1620180"/>
-              <a:gd name="connsiteX2" fmla="*/ 3356114 w 3356114"/>
-              <a:gd name="connsiteY2" fmla="*/ 1620180 h 1620180"/>
-              <a:gd name="connsiteX3" fmla="*/ 0 w 3356114"/>
-              <a:gd name="connsiteY3" fmla="*/ 1620180 h 1620180"/>
-              <a:gd name="connsiteX4" fmla="*/ 0 w 3356114"/>
-              <a:gd name="connsiteY4" fmla="*/ 0 h 1620180"/>
-              <a:gd name="connsiteX0" fmla="*/ 0 w 3356114"/>
-              <a:gd name="connsiteY0" fmla="*/ 0 h 1620180"/>
-              <a:gd name="connsiteX1" fmla="*/ 2957529 w 3356114"/>
-              <a:gd name="connsiteY1" fmla="*/ 23446 h 1620180"/>
-              <a:gd name="connsiteX2" fmla="*/ 3356114 w 3356114"/>
-              <a:gd name="connsiteY2" fmla="*/ 1620180 h 1620180"/>
-              <a:gd name="connsiteX3" fmla="*/ 0 w 3356114"/>
-              <a:gd name="connsiteY3" fmla="*/ 1620180 h 1620180"/>
-              <a:gd name="connsiteX4" fmla="*/ 0 w 3356114"/>
-              <a:gd name="connsiteY4" fmla="*/ 0 h 1620180"/>
-              <a:gd name="connsiteX0" fmla="*/ 0 w 3356114"/>
-              <a:gd name="connsiteY0" fmla="*/ 0 h 1620180"/>
-              <a:gd name="connsiteX1" fmla="*/ 3004422 w 3356114"/>
-              <a:gd name="connsiteY1" fmla="*/ 9189 h 1620180"/>
-              <a:gd name="connsiteX2" fmla="*/ 3356114 w 3356114"/>
-              <a:gd name="connsiteY2" fmla="*/ 1620180 h 1620180"/>
-              <a:gd name="connsiteX3" fmla="*/ 0 w 3356114"/>
-              <a:gd name="connsiteY3" fmla="*/ 1620180 h 1620180"/>
-              <a:gd name="connsiteX4" fmla="*/ 0 w 3356114"/>
-              <a:gd name="connsiteY4" fmla="*/ 0 h 1620180"/>
-              <a:gd name="connsiteX0" fmla="*/ 0 w 3356114"/>
-              <a:gd name="connsiteY0" fmla="*/ 5069 h 1625249"/>
-              <a:gd name="connsiteX1" fmla="*/ 3051314 w 3356114"/>
-              <a:gd name="connsiteY1" fmla="*/ 0 h 1625249"/>
-              <a:gd name="connsiteX2" fmla="*/ 3356114 w 3356114"/>
-              <a:gd name="connsiteY2" fmla="*/ 1625249 h 1625249"/>
-              <a:gd name="connsiteX3" fmla="*/ 0 w 3356114"/>
-              <a:gd name="connsiteY3" fmla="*/ 1625249 h 1625249"/>
-              <a:gd name="connsiteX4" fmla="*/ 0 w 3356114"/>
-              <a:gd name="connsiteY4" fmla="*/ 5069 h 1625249"/>
-              <a:gd name="connsiteX0" fmla="*/ 0 w 3356114"/>
-              <a:gd name="connsiteY0" fmla="*/ 5069 h 1625249"/>
-              <a:gd name="connsiteX1" fmla="*/ 3016145 w 3356114"/>
-              <a:gd name="connsiteY1" fmla="*/ 0 h 1625249"/>
-              <a:gd name="connsiteX2" fmla="*/ 3356114 w 3356114"/>
-              <a:gd name="connsiteY2" fmla="*/ 1625249 h 1625249"/>
-              <a:gd name="connsiteX3" fmla="*/ 0 w 3356114"/>
-              <a:gd name="connsiteY3" fmla="*/ 1625249 h 1625249"/>
-              <a:gd name="connsiteX4" fmla="*/ 0 w 3356114"/>
-              <a:gd name="connsiteY4" fmla="*/ 5069 h 1625249"/>
-            </a:gdLst>
-            <a:ahLst/>
-            <a:cxnLst>
-              <a:cxn ang="0">
-                <a:pos x="connsiteX0" y="connsiteY0"/>
-              </a:cxn>
-              <a:cxn ang="0">
-                <a:pos x="connsiteX1" y="connsiteY1"/>
-              </a:cxn>
-              <a:cxn ang="0">
-                <a:pos x="connsiteX2" y="connsiteY2"/>
-              </a:cxn>
-              <a:cxn ang="0">
-                <a:pos x="connsiteX3" y="connsiteY3"/>
-              </a:cxn>
-              <a:cxn ang="0">
-                <a:pos x="connsiteX4" y="connsiteY4"/>
-              </a:cxn>
-            </a:cxnLst>
-            <a:rect l="l" t="t" r="r" b="b"/>
-            <a:pathLst>
-              <a:path w="3356114" h="1625249">
-                <a:moveTo>
-                  <a:pt x="0" y="5069"/>
-                </a:moveTo>
-                <a:lnTo>
-                  <a:pt x="3016145" y="0"/>
-                </a:lnTo>
-                <a:lnTo>
-                  <a:pt x="3356114" y="1625249"/>
-                </a:lnTo>
-                <a:lnTo>
-                  <a:pt x="0" y="1625249"/>
-                </a:lnTo>
-                <a:lnTo>
-                  <a:pt x="0" y="5069"/>
-                </a:lnTo>
-                <a:close/>
-              </a:path>
-            </a:pathLst>
-          </a:custGeom>
-          <a:solidFill>
-            <a:srgbClr val="7EC234"/>
-          </a:solidFill>
-          <a:ln>
-            <a:noFill/>
-          </a:ln>
-        </p:spPr>
-        <p:style>
-          <a:lnRef idx="2">
-            <a:schemeClr val="accent1">
-              <a:shade val="50000"/>
-            </a:schemeClr>
-          </a:lnRef>
-          <a:fillRef idx="1">
-            <a:schemeClr val="accent1"/>
-          </a:fillRef>
-          <a:effectRef idx="0">
-            <a:schemeClr val="accent1"/>
-          </a:effectRef>
-          <a:fontRef idx="minor">
-            <a:schemeClr val="lt1"/>
-          </a:fontRef>
-        </p:style>
-        <p:txBody>
-          <a:bodyPr rot="0" spcFirstLastPara="0" vertOverflow="overflow" horzOverflow="overflow" vert="horz" wrap="square" lIns="91440" tIns="45720" rIns="91440" bIns="45720" numCol="1" spcCol="0" rtlCol="0" fromWordArt="0" anchor="ctr" anchorCtr="0" forceAA="0" compatLnSpc="1">
-            <a:prstTxWarp prst="textNoShape">
-              <a:avLst/>
-            </a:prstTxWarp>
-            <a:normAutofit/>
-          </a:bodyPr>
-          <a:lstStyle/>
-          <a:p>
-            <a:pPr algn="ctr"/>
-            <a:endParaRPr lang="zh-CN" altLang="en-US" dirty="0">
-              <a:solidFill>
-                <a:srgbClr val="7EC234"/>
-              </a:solidFill>
-            </a:endParaRPr>
-          </a:p>
-        </p:txBody>
-      </p:sp>
-      <p:sp>
-        <p:nvSpPr>
-          <p:cNvPr id="45" name="MH_Others_15"/>
-          <p:cNvSpPr/>
-          <p:nvPr>
-            <p:custDataLst>
-              <p:tags r:id="rId22"/>
-            </p:custDataLst>
-          </p:nvPr>
-        </p:nvSpPr>
-        <p:spPr>
-          <a:xfrm>
-            <a:off x="-11264" y="755480"/>
-            <a:ext cx="4207441" cy="401637"/>
-          </a:xfrm>
-          <a:custGeom>
-            <a:avLst/>
-            <a:gdLst>
-              <a:gd name="connsiteX0" fmla="*/ 1857013 w 3156552"/>
-              <a:gd name="connsiteY0" fmla="*/ 104678 h 401637"/>
-              <a:gd name="connsiteX1" fmla="*/ 1929021 w 3156552"/>
-              <a:gd name="connsiteY1" fmla="*/ 104678 h 401637"/>
-              <a:gd name="connsiteX2" fmla="*/ 1929021 w 3156552"/>
-              <a:gd name="connsiteY2" fmla="*/ 297257 h 401637"/>
-              <a:gd name="connsiteX3" fmla="*/ 1857013 w 3156552"/>
-              <a:gd name="connsiteY3" fmla="*/ 297257 h 401637"/>
-              <a:gd name="connsiteX4" fmla="*/ 1702944 w 3156552"/>
-              <a:gd name="connsiteY4" fmla="*/ 104678 h 401637"/>
-              <a:gd name="connsiteX5" fmla="*/ 1774952 w 3156552"/>
-              <a:gd name="connsiteY5" fmla="*/ 104678 h 401637"/>
-              <a:gd name="connsiteX6" fmla="*/ 1774952 w 3156552"/>
-              <a:gd name="connsiteY6" fmla="*/ 297257 h 401637"/>
-              <a:gd name="connsiteX7" fmla="*/ 1702944 w 3156552"/>
-              <a:gd name="connsiteY7" fmla="*/ 297257 h 401637"/>
-              <a:gd name="connsiteX8" fmla="*/ 1548875 w 3156552"/>
-              <a:gd name="connsiteY8" fmla="*/ 104678 h 401637"/>
-              <a:gd name="connsiteX9" fmla="*/ 1620883 w 3156552"/>
-              <a:gd name="connsiteY9" fmla="*/ 104678 h 401637"/>
-              <a:gd name="connsiteX10" fmla="*/ 1620883 w 3156552"/>
-              <a:gd name="connsiteY10" fmla="*/ 297257 h 401637"/>
-              <a:gd name="connsiteX11" fmla="*/ 1548875 w 3156552"/>
-              <a:gd name="connsiteY11" fmla="*/ 297257 h 401637"/>
-              <a:gd name="connsiteX12" fmla="*/ 1394806 w 3156552"/>
-              <a:gd name="connsiteY12" fmla="*/ 104678 h 401637"/>
-              <a:gd name="connsiteX13" fmla="*/ 1466814 w 3156552"/>
-              <a:gd name="connsiteY13" fmla="*/ 104678 h 401637"/>
-              <a:gd name="connsiteX14" fmla="*/ 1466814 w 3156552"/>
-              <a:gd name="connsiteY14" fmla="*/ 297257 h 401637"/>
-              <a:gd name="connsiteX15" fmla="*/ 1394806 w 3156552"/>
-              <a:gd name="connsiteY15" fmla="*/ 297257 h 401637"/>
-              <a:gd name="connsiteX16" fmla="*/ 1240737 w 3156552"/>
-              <a:gd name="connsiteY16" fmla="*/ 104678 h 401637"/>
-              <a:gd name="connsiteX17" fmla="*/ 1312745 w 3156552"/>
-              <a:gd name="connsiteY17" fmla="*/ 104678 h 401637"/>
-              <a:gd name="connsiteX18" fmla="*/ 1312745 w 3156552"/>
-              <a:gd name="connsiteY18" fmla="*/ 297257 h 401637"/>
-              <a:gd name="connsiteX19" fmla="*/ 1240737 w 3156552"/>
-              <a:gd name="connsiteY19" fmla="*/ 297257 h 401637"/>
-              <a:gd name="connsiteX20" fmla="*/ 1086668 w 3156552"/>
-              <a:gd name="connsiteY20" fmla="*/ 104678 h 401637"/>
-              <a:gd name="connsiteX21" fmla="*/ 1158676 w 3156552"/>
-              <a:gd name="connsiteY21" fmla="*/ 104678 h 401637"/>
-              <a:gd name="connsiteX22" fmla="*/ 1158676 w 3156552"/>
-              <a:gd name="connsiteY22" fmla="*/ 297257 h 401637"/>
-              <a:gd name="connsiteX23" fmla="*/ 1086668 w 3156552"/>
-              <a:gd name="connsiteY23" fmla="*/ 297257 h 401637"/>
-              <a:gd name="connsiteX24" fmla="*/ 932599 w 3156552"/>
-              <a:gd name="connsiteY24" fmla="*/ 104678 h 401637"/>
-              <a:gd name="connsiteX25" fmla="*/ 1004607 w 3156552"/>
-              <a:gd name="connsiteY25" fmla="*/ 104678 h 401637"/>
-              <a:gd name="connsiteX26" fmla="*/ 1004607 w 3156552"/>
-              <a:gd name="connsiteY26" fmla="*/ 297257 h 401637"/>
-              <a:gd name="connsiteX27" fmla="*/ 932599 w 3156552"/>
-              <a:gd name="connsiteY27" fmla="*/ 297257 h 401637"/>
-              <a:gd name="connsiteX28" fmla="*/ 778530 w 3156552"/>
-              <a:gd name="connsiteY28" fmla="*/ 104678 h 401637"/>
-              <a:gd name="connsiteX29" fmla="*/ 850538 w 3156552"/>
-              <a:gd name="connsiteY29" fmla="*/ 104678 h 401637"/>
-              <a:gd name="connsiteX30" fmla="*/ 850538 w 3156552"/>
-              <a:gd name="connsiteY30" fmla="*/ 297257 h 401637"/>
-              <a:gd name="connsiteX31" fmla="*/ 778530 w 3156552"/>
-              <a:gd name="connsiteY31" fmla="*/ 297257 h 401637"/>
-              <a:gd name="connsiteX32" fmla="*/ 622824 w 3156552"/>
-              <a:gd name="connsiteY32" fmla="*/ 104678 h 401637"/>
-              <a:gd name="connsiteX33" fmla="*/ 694832 w 3156552"/>
-              <a:gd name="connsiteY33" fmla="*/ 104678 h 401637"/>
-              <a:gd name="connsiteX34" fmla="*/ 694832 w 3156552"/>
-              <a:gd name="connsiteY34" fmla="*/ 297257 h 401637"/>
-              <a:gd name="connsiteX35" fmla="*/ 622824 w 3156552"/>
-              <a:gd name="connsiteY35" fmla="*/ 297257 h 401637"/>
-              <a:gd name="connsiteX36" fmla="*/ 467118 w 3156552"/>
-              <a:gd name="connsiteY36" fmla="*/ 104678 h 401637"/>
-              <a:gd name="connsiteX37" fmla="*/ 539126 w 3156552"/>
-              <a:gd name="connsiteY37" fmla="*/ 104678 h 401637"/>
-              <a:gd name="connsiteX38" fmla="*/ 539126 w 3156552"/>
-              <a:gd name="connsiteY38" fmla="*/ 297257 h 401637"/>
-              <a:gd name="connsiteX39" fmla="*/ 467118 w 3156552"/>
-              <a:gd name="connsiteY39" fmla="*/ 297257 h 401637"/>
-              <a:gd name="connsiteX40" fmla="*/ 311412 w 3156552"/>
-              <a:gd name="connsiteY40" fmla="*/ 104678 h 401637"/>
-              <a:gd name="connsiteX41" fmla="*/ 383420 w 3156552"/>
-              <a:gd name="connsiteY41" fmla="*/ 104678 h 401637"/>
-              <a:gd name="connsiteX42" fmla="*/ 383420 w 3156552"/>
-              <a:gd name="connsiteY42" fmla="*/ 297257 h 401637"/>
-              <a:gd name="connsiteX43" fmla="*/ 311412 w 3156552"/>
-              <a:gd name="connsiteY43" fmla="*/ 297257 h 401637"/>
-              <a:gd name="connsiteX44" fmla="*/ 155706 w 3156552"/>
-              <a:gd name="connsiteY44" fmla="*/ 104678 h 401637"/>
-              <a:gd name="connsiteX45" fmla="*/ 227714 w 3156552"/>
-              <a:gd name="connsiteY45" fmla="*/ 104678 h 401637"/>
-              <a:gd name="connsiteX46" fmla="*/ 227714 w 3156552"/>
-              <a:gd name="connsiteY46" fmla="*/ 297257 h 401637"/>
-              <a:gd name="connsiteX47" fmla="*/ 155706 w 3156552"/>
-              <a:gd name="connsiteY47" fmla="*/ 297257 h 401637"/>
-              <a:gd name="connsiteX48" fmla="*/ 0 w 3156552"/>
-              <a:gd name="connsiteY48" fmla="*/ 104678 h 401637"/>
-              <a:gd name="connsiteX49" fmla="*/ 72008 w 3156552"/>
-              <a:gd name="connsiteY49" fmla="*/ 104678 h 401637"/>
-              <a:gd name="connsiteX50" fmla="*/ 72008 w 3156552"/>
-              <a:gd name="connsiteY50" fmla="*/ 297257 h 401637"/>
-              <a:gd name="connsiteX51" fmla="*/ 0 w 3156552"/>
-              <a:gd name="connsiteY51" fmla="*/ 297257 h 401637"/>
-              <a:gd name="connsiteX52" fmla="*/ 2955734 w 3156552"/>
-              <a:gd name="connsiteY52" fmla="*/ 0 h 401637"/>
-              <a:gd name="connsiteX53" fmla="*/ 3156552 w 3156552"/>
-              <a:gd name="connsiteY53" fmla="*/ 200819 h 401637"/>
-              <a:gd name="connsiteX54" fmla="*/ 2955734 w 3156552"/>
-              <a:gd name="connsiteY54" fmla="*/ 401637 h 401637"/>
-              <a:gd name="connsiteX55" fmla="*/ 2955734 w 3156552"/>
-              <a:gd name="connsiteY55" fmla="*/ 301228 h 401637"/>
-              <a:gd name="connsiteX56" fmla="*/ 2004424 w 3156552"/>
-              <a:gd name="connsiteY56" fmla="*/ 301228 h 401637"/>
-              <a:gd name="connsiteX57" fmla="*/ 2004424 w 3156552"/>
-              <a:gd name="connsiteY57" fmla="*/ 100409 h 401637"/>
-              <a:gd name="connsiteX58" fmla="*/ 2955734 w 3156552"/>
-              <a:gd name="connsiteY58" fmla="*/ 100409 h 401637"/>
-            </a:gdLst>
-            <a:ahLst/>
-            <a:cxnLst>
-              <a:cxn ang="0">
-                <a:pos x="connsiteX0" y="connsiteY0"/>
-              </a:cxn>
-              <a:cxn ang="0">
-                <a:pos x="connsiteX1" y="connsiteY1"/>
-              </a:cxn>
-              <a:cxn ang="0">
-                <a:pos x="connsiteX2" y="connsiteY2"/>
-              </a:cxn>
-              <a:cxn ang="0">
-                <a:pos x="connsiteX3" y="connsiteY3"/>
-              </a:cxn>
-              <a:cxn ang="0">
-                <a:pos x="connsiteX4" y="connsiteY4"/>
-              </a:cxn>
-              <a:cxn ang="0">
-                <a:pos x="connsiteX5" y="connsiteY5"/>
-              </a:cxn>
-              <a:cxn ang="0">
-                <a:pos x="connsiteX6" y="connsiteY6"/>
-              </a:cxn>
-              <a:cxn ang="0">
-                <a:pos x="connsiteX7" y="connsiteY7"/>
-              </a:cxn>
-              <a:cxn ang="0">
-                <a:pos x="connsiteX8" y="connsiteY8"/>
-              </a:cxn>
-              <a:cxn ang="0">
-                <a:pos x="connsiteX9" y="connsiteY9"/>
-              </a:cxn>
-              <a:cxn ang="0">
-                <a:pos x="connsiteX10" y="connsiteY10"/>
-              </a:cxn>
-              <a:cxn ang="0">
-                <a:pos x="connsiteX11" y="connsiteY11"/>
-              </a:cxn>
-              <a:cxn ang="0">
-                <a:pos x="connsiteX12" y="connsiteY12"/>
-              </a:cxn>
-              <a:cxn ang="0">
-                <a:pos x="connsiteX13" y="connsiteY13"/>
-              </a:cxn>
-              <a:cxn ang="0">
-                <a:pos x="connsiteX14" y="connsiteY14"/>
-              </a:cxn>
-              <a:cxn ang="0">
-                <a:pos x="connsiteX15" y="connsiteY15"/>
-              </a:cxn>
-              <a:cxn ang="0">
-                <a:pos x="connsiteX16" y="connsiteY16"/>
-              </a:cxn>
-              <a:cxn ang="0">
-                <a:pos x="connsiteX17" y="connsiteY17"/>
-              </a:cxn>
-              <a:cxn ang="0">
-                <a:pos x="connsiteX18" y="connsiteY18"/>
-              </a:cxn>
-              <a:cxn ang="0">
-                <a:pos x="connsiteX19" y="connsiteY19"/>
-              </a:cxn>
-              <a:cxn ang="0">
-                <a:pos x="connsiteX20" y="connsiteY20"/>
-              </a:cxn>
-              <a:cxn ang="0">
-                <a:pos x="connsiteX21" y="connsiteY21"/>
-              </a:cxn>
-              <a:cxn ang="0">
-                <a:pos x="connsiteX22" y="connsiteY22"/>
-              </a:cxn>
-              <a:cxn ang="0">
-                <a:pos x="connsiteX23" y="connsiteY23"/>
-              </a:cxn>
-              <a:cxn ang="0">
-                <a:pos x="connsiteX24" y="connsiteY24"/>
-              </a:cxn>
-              <a:cxn ang="0">
-                <a:pos x="connsiteX25" y="connsiteY25"/>
-              </a:cxn>
-              <a:cxn ang="0">
-                <a:pos x="connsiteX26" y="connsiteY26"/>
-              </a:cxn>
-              <a:cxn ang="0">
-                <a:pos x="connsiteX27" y="connsiteY27"/>
-              </a:cxn>
-              <a:cxn ang="0">
-                <a:pos x="connsiteX28" y="connsiteY28"/>
-              </a:cxn>
-              <a:cxn ang="0">
-                <a:pos x="connsiteX29" y="connsiteY29"/>
-              </a:cxn>
-              <a:cxn ang="0">
-                <a:pos x="connsiteX30" y="connsiteY30"/>
-              </a:cxn>
-              <a:cxn ang="0">
-                <a:pos x="connsiteX31" y="connsiteY31"/>
-              </a:cxn>
-              <a:cxn ang="0">
-                <a:pos x="connsiteX32" y="connsiteY32"/>
-              </a:cxn>
-              <a:cxn ang="0">
-                <a:pos x="connsiteX33" y="connsiteY33"/>
-              </a:cxn>
-              <a:cxn ang="0">
-                <a:pos x="connsiteX34" y="connsiteY34"/>
-              </a:cxn>
-              <a:cxn ang="0">
-                <a:pos x="connsiteX35" y="connsiteY35"/>
-              </a:cxn>
-              <a:cxn ang="0">
-                <a:pos x="connsiteX36" y="connsiteY36"/>
-              </a:cxn>
-              <a:cxn ang="0">
-                <a:pos x="connsiteX37" y="connsiteY37"/>
-              </a:cxn>
-              <a:cxn ang="0">
-                <a:pos x="connsiteX38" y="connsiteY38"/>
-              </a:cxn>
-              <a:cxn ang="0">
-                <a:pos x="connsiteX39" y="connsiteY39"/>
-              </a:cxn>
-              <a:cxn ang="0">
-                <a:pos x="connsiteX40" y="connsiteY40"/>
-              </a:cxn>
-              <a:cxn ang="0">
-                <a:pos x="connsiteX41" y="connsiteY41"/>
-              </a:cxn>
-              <a:cxn ang="0">
-                <a:pos x="connsiteX42" y="connsiteY42"/>
-              </a:cxn>
-              <a:cxn ang="0">
-                <a:pos x="connsiteX43" y="connsiteY43"/>
-              </a:cxn>
-              <a:cxn ang="0">
-                <a:pos x="connsiteX44" y="connsiteY44"/>
-              </a:cxn>
-              <a:cxn ang="0">
-                <a:pos x="connsiteX45" y="connsiteY45"/>
-              </a:cxn>
-              <a:cxn ang="0">
-                <a:pos x="connsiteX46" y="connsiteY46"/>
-              </a:cxn>
-              <a:cxn ang="0">
-                <a:pos x="connsiteX47" y="connsiteY47"/>
-              </a:cxn>
-              <a:cxn ang="0">
-                <a:pos x="connsiteX48" y="connsiteY48"/>
-              </a:cxn>
-              <a:cxn ang="0">
-                <a:pos x="connsiteX49" y="connsiteY49"/>
-              </a:cxn>
-              <a:cxn ang="0">
-                <a:pos x="connsiteX50" y="connsiteY50"/>
-              </a:cxn>
-              <a:cxn ang="0">
-                <a:pos x="connsiteX51" y="connsiteY51"/>
-              </a:cxn>
-              <a:cxn ang="0">
-                <a:pos x="connsiteX52" y="connsiteY52"/>
-              </a:cxn>
-              <a:cxn ang="0">
-                <a:pos x="connsiteX53" y="connsiteY53"/>
-              </a:cxn>
-              <a:cxn ang="0">
-                <a:pos x="connsiteX54" y="connsiteY54"/>
-              </a:cxn>
-              <a:cxn ang="0">
-                <a:pos x="connsiteX55" y="connsiteY55"/>
-              </a:cxn>
-              <a:cxn ang="0">
-                <a:pos x="connsiteX56" y="connsiteY56"/>
-              </a:cxn>
-              <a:cxn ang="0">
-                <a:pos x="connsiteX57" y="connsiteY57"/>
-              </a:cxn>
-              <a:cxn ang="0">
-                <a:pos x="connsiteX58" y="connsiteY58"/>
-              </a:cxn>
-            </a:cxnLst>
-            <a:rect l="l" t="t" r="r" b="b"/>
-            <a:pathLst>
-              <a:path w="3156552" h="401637">
-                <a:moveTo>
-                  <a:pt x="1857013" y="104678"/>
-                </a:moveTo>
-                <a:lnTo>
-                  <a:pt x="1929021" y="104678"/>
-                </a:lnTo>
-                <a:lnTo>
-                  <a:pt x="1929021" y="297257"/>
-                </a:lnTo>
-                <a:lnTo>
-                  <a:pt x="1857013" y="297257"/>
-                </a:lnTo>
-                <a:close/>
-                <a:moveTo>
-                  <a:pt x="1702944" y="104678"/>
-                </a:moveTo>
-                <a:lnTo>
-                  <a:pt x="1774952" y="104678"/>
-                </a:lnTo>
-                <a:lnTo>
-                  <a:pt x="1774952" y="297257"/>
-                </a:lnTo>
-                <a:lnTo>
-                  <a:pt x="1702944" y="297257"/>
-                </a:lnTo>
-                <a:close/>
-                <a:moveTo>
-                  <a:pt x="1548875" y="104678"/>
-                </a:moveTo>
-                <a:lnTo>
-                  <a:pt x="1620883" y="104678"/>
-                </a:lnTo>
-                <a:lnTo>
-                  <a:pt x="1620883" y="297257"/>
-                </a:lnTo>
-                <a:lnTo>
-                  <a:pt x="1548875" y="297257"/>
-                </a:lnTo>
-                <a:close/>
-                <a:moveTo>
-                  <a:pt x="1394806" y="104678"/>
-                </a:moveTo>
-                <a:lnTo>
-                  <a:pt x="1466814" y="104678"/>
-                </a:lnTo>
-                <a:lnTo>
-                  <a:pt x="1466814" y="297257"/>
-                </a:lnTo>
-                <a:lnTo>
-                  <a:pt x="1394806" y="297257"/>
-                </a:lnTo>
-                <a:close/>
-                <a:moveTo>
-                  <a:pt x="1240737" y="104678"/>
-                </a:moveTo>
-                <a:lnTo>
-                  <a:pt x="1312745" y="104678"/>
-                </a:lnTo>
-                <a:lnTo>
-                  <a:pt x="1312745" y="297257"/>
-                </a:lnTo>
-                <a:lnTo>
-                  <a:pt x="1240737" y="297257"/>
-                </a:lnTo>
-                <a:close/>
-                <a:moveTo>
-                  <a:pt x="1086668" y="104678"/>
-                </a:moveTo>
-                <a:lnTo>
-                  <a:pt x="1158676" y="104678"/>
-                </a:lnTo>
-                <a:lnTo>
-                  <a:pt x="1158676" y="297257"/>
-                </a:lnTo>
-                <a:lnTo>
-                  <a:pt x="1086668" y="297257"/>
-                </a:lnTo>
-                <a:close/>
-                <a:moveTo>
-                  <a:pt x="932599" y="104678"/>
-                </a:moveTo>
-                <a:lnTo>
-                  <a:pt x="1004607" y="104678"/>
-                </a:lnTo>
-                <a:lnTo>
-                  <a:pt x="1004607" y="297257"/>
-                </a:lnTo>
-                <a:lnTo>
-                  <a:pt x="932599" y="297257"/>
-                </a:lnTo>
-                <a:close/>
-                <a:moveTo>
-                  <a:pt x="778530" y="104678"/>
-                </a:moveTo>
-                <a:lnTo>
-                  <a:pt x="850538" y="104678"/>
-                </a:lnTo>
-                <a:lnTo>
-                  <a:pt x="850538" y="297257"/>
-                </a:lnTo>
-                <a:lnTo>
-                  <a:pt x="778530" y="297257"/>
-                </a:lnTo>
-                <a:close/>
-                <a:moveTo>
-                  <a:pt x="622824" y="104678"/>
-                </a:moveTo>
-                <a:lnTo>
-                  <a:pt x="694832" y="104678"/>
-                </a:lnTo>
-                <a:lnTo>
-                  <a:pt x="694832" y="297257"/>
-                </a:lnTo>
-                <a:lnTo>
-                  <a:pt x="622824" y="297257"/>
-                </a:lnTo>
-                <a:close/>
-                <a:moveTo>
-                  <a:pt x="467118" y="104678"/>
-                </a:moveTo>
-                <a:lnTo>
-                  <a:pt x="539126" y="104678"/>
-                </a:lnTo>
-                <a:lnTo>
-                  <a:pt x="539126" y="297257"/>
-                </a:lnTo>
-                <a:lnTo>
-                  <a:pt x="467118" y="297257"/>
-                </a:lnTo>
-                <a:close/>
-                <a:moveTo>
-                  <a:pt x="311412" y="104678"/>
-                </a:moveTo>
-                <a:lnTo>
-                  <a:pt x="383420" y="104678"/>
-                </a:lnTo>
-                <a:lnTo>
-                  <a:pt x="383420" y="297257"/>
-                </a:lnTo>
-                <a:lnTo>
-                  <a:pt x="311412" y="297257"/>
-                </a:lnTo>
-                <a:close/>
-                <a:moveTo>
-                  <a:pt x="155706" y="104678"/>
-                </a:moveTo>
-                <a:lnTo>
-                  <a:pt x="227714" y="104678"/>
-                </a:lnTo>
-                <a:lnTo>
-                  <a:pt x="227714" y="297257"/>
-                </a:lnTo>
-                <a:lnTo>
-                  <a:pt x="155706" y="297257"/>
-                </a:lnTo>
-                <a:close/>
-                <a:moveTo>
-                  <a:pt x="0" y="104678"/>
-                </a:moveTo>
-                <a:lnTo>
-                  <a:pt x="72008" y="104678"/>
-                </a:lnTo>
-                <a:lnTo>
-                  <a:pt x="72008" y="297257"/>
-                </a:lnTo>
-                <a:lnTo>
-                  <a:pt x="0" y="297257"/>
-                </a:lnTo>
-                <a:close/>
-                <a:moveTo>
-                  <a:pt x="2955734" y="0"/>
-                </a:moveTo>
-                <a:lnTo>
-                  <a:pt x="3156552" y="200819"/>
-                </a:lnTo>
-                <a:lnTo>
-                  <a:pt x="2955734" y="401637"/>
-                </a:lnTo>
-                <a:lnTo>
-                  <a:pt x="2955734" y="301228"/>
-                </a:lnTo>
-                <a:lnTo>
-                  <a:pt x="2004424" y="301228"/>
-                </a:lnTo>
-                <a:lnTo>
-                  <a:pt x="2004424" y="100409"/>
-                </a:lnTo>
-                <a:lnTo>
-                  <a:pt x="2955734" y="100409"/>
-                </a:lnTo>
-                <a:close/>
-              </a:path>
-            </a:pathLst>
-          </a:custGeom>
-          <a:solidFill>
-            <a:srgbClr val="FFFFFF"/>
-          </a:solidFill>
-          <a:ln>
-            <a:noFill/>
-          </a:ln>
-        </p:spPr>
-        <p:style>
-          <a:lnRef idx="2">
-            <a:schemeClr val="accent1">
-              <a:shade val="50000"/>
-            </a:schemeClr>
-          </a:lnRef>
-          <a:fillRef idx="1">
-            <a:schemeClr val="accent1"/>
-          </a:fillRef>
-          <a:effectRef idx="0">
-            <a:schemeClr val="accent1"/>
-          </a:effectRef>
-          <a:fontRef idx="minor">
-            <a:schemeClr val="lt1"/>
-          </a:fontRef>
-        </p:style>
-        <p:txBody>
-          <a:bodyPr rot="0" spcFirstLastPara="0" vertOverflow="overflow" horzOverflow="overflow" vert="horz" wrap="square" lIns="91440" tIns="45720" rIns="91440" bIns="45720" numCol="1" spcCol="0" rtlCol="0" fromWordArt="0" anchor="ctr" anchorCtr="0" forceAA="0" compatLnSpc="1">
-            <a:prstTxWarp prst="textNoShape">
-              <a:avLst/>
-            </a:prstTxWarp>
-            <a:normAutofit/>
-          </a:bodyPr>
-          <a:lstStyle/>
-          <a:p>
-            <a:pPr algn="ctr"/>
-            <a:endParaRPr lang="zh-CN" altLang="en-US"/>
-          </a:p>
-        </p:txBody>
-      </p:sp>
-    </p:spTree>
-    <p:custDataLst>
-      <p:tags r:id="rId1"/>
-    </p:custDataLst>
-    <p:extLst>
-      <p:ext uri="{BB962C8B-B14F-4D97-AF65-F5344CB8AC3E}">
-        <p14:creationId xmlns:p14="http://schemas.microsoft.com/office/powerpoint/2010/main" val="575105953"/>
-      </p:ext>
-    </p:extLst>
-  </p:cSld>
-  <p:clrMapOvr>
-    <a:masterClrMapping/>
-  </p:clrMapOvr>
-  <p:timing>
-    <p:tnLst>
-      <p:par>
-        <p:cTn id="1" dur="indefinite" restart="never" nodeType="tmRoot"/>
-      </p:par>
-    </p:tnLst>
-  </p:timing>
-</p:sld>
-</file>
-
-<file path=ppt/slides/slide20.xml><?xml version="1.0" encoding="utf-8"?>
+<file path=ppt/slides/slide19.xml><?xml version="1.0" encoding="utf-8"?>
 <p:sld xmlns:a="http://schemas.openxmlformats.org/drawingml/2006/main" xmlns:r="http://schemas.openxmlformats.org/officeDocument/2006/relationships" xmlns:p="http://schemas.openxmlformats.org/presentationml/2006/main">
   <p:cSld>
     <p:spTree>
@@ -19640,7 +16245,1771 @@
 </p:sld>
 </file>
 
-<file path=ppt/slides/slide21.xml><?xml version="1.0" encoding="utf-8"?>
+<file path=ppt/slides/slide2.xml><?xml version="1.0" encoding="utf-8"?>
+<p:sld xmlns:a="http://schemas.openxmlformats.org/drawingml/2006/main" xmlns:r="http://schemas.openxmlformats.org/officeDocument/2006/relationships" xmlns:p="http://schemas.openxmlformats.org/presentationml/2006/main">
+  <p:cSld>
+    <p:spTree>
+      <p:nvGrpSpPr>
+        <p:cNvPr id="1" name=""/>
+        <p:cNvGrpSpPr/>
+        <p:nvPr/>
+      </p:nvGrpSpPr>
+      <p:grpSpPr>
+        <a:xfrm>
+          <a:off x="0" y="0"/>
+          <a:ext cx="0" cy="0"/>
+          <a:chOff x="0" y="0"/>
+          <a:chExt cx="0" cy="0"/>
+        </a:xfrm>
+      </p:grpSpPr>
+      <p:sp>
+        <p:nvSpPr>
+          <p:cNvPr id="2" name="MH_Number_1">
+            <a:hlinkClick r:id="rId24" action="ppaction://hlinksldjump"/>
+          </p:cNvPr>
+          <p:cNvSpPr txBox="1"/>
+          <p:nvPr>
+            <p:custDataLst>
+              <p:tags r:id="rId2"/>
+            </p:custDataLst>
+          </p:nvPr>
+        </p:nvSpPr>
+        <p:spPr>
+          <a:xfrm>
+            <a:off x="5283201" y="2590849"/>
+            <a:ext cx="615046" cy="544277"/>
+          </a:xfrm>
+          <a:prstGeom prst="rect">
+            <a:avLst/>
+          </a:prstGeom>
+          <a:noFill/>
+        </p:spPr>
+        <p:txBody>
+          <a:bodyPr wrap="square" lIns="0" tIns="0" rIns="0" bIns="0" rtlCol="0" anchor="ctr" anchorCtr="0">
+            <a:noAutofit/>
+          </a:bodyPr>
+          <a:lstStyle/>
+          <a:p>
+            <a:pPr algn="ctr"/>
+            <a:r>
+              <a:rPr lang="en-US" altLang="zh-CN" sz="2800" b="1">
+                <a:solidFill>
+                  <a:srgbClr val="7ABC32"/>
+                </a:solidFill>
+                <a:latin typeface="+mn-ea"/>
+              </a:rPr>
+              <a:t>01</a:t>
+            </a:r>
+            <a:endParaRPr lang="zh-CN" altLang="en-US" sz="2800" b="1" dirty="0">
+              <a:solidFill>
+                <a:srgbClr val="7ABC32"/>
+              </a:solidFill>
+              <a:latin typeface="+mn-ea"/>
+            </a:endParaRPr>
+          </a:p>
+        </p:txBody>
+      </p:sp>
+      <p:sp>
+        <p:nvSpPr>
+          <p:cNvPr id="34" name="MH_Entry_1">
+            <a:hlinkClick r:id="rId24" action="ppaction://hlinksldjump"/>
+          </p:cNvPr>
+          <p:cNvSpPr txBox="1"/>
+          <p:nvPr>
+            <p:custDataLst>
+              <p:tags r:id="rId3"/>
+            </p:custDataLst>
+          </p:nvPr>
+        </p:nvSpPr>
+        <p:spPr>
+          <a:xfrm>
+            <a:off x="6473375" y="2581777"/>
+            <a:ext cx="4354281" cy="544277"/>
+          </a:xfrm>
+          <a:prstGeom prst="rect">
+            <a:avLst/>
+          </a:prstGeom>
+          <a:noFill/>
+        </p:spPr>
+        <p:txBody>
+          <a:bodyPr wrap="square" lIns="0" tIns="0" rIns="0" bIns="0" rtlCol="0" anchor="ctr" anchorCtr="0">
+            <a:normAutofit/>
+          </a:bodyPr>
+          <a:lstStyle/>
+          <a:p>
+            <a:r>
+              <a:rPr lang="zh-CN" altLang="en-US" sz="2400" spc="200" dirty="0">
+                <a:solidFill>
+                  <a:srgbClr val="5F5F5F"/>
+                </a:solidFill>
+                <a:latin typeface="+mn-ea"/>
+              </a:rPr>
+              <a:t>索引基础</a:t>
+            </a:r>
+          </a:p>
+        </p:txBody>
+      </p:sp>
+      <p:sp>
+        <p:nvSpPr>
+          <p:cNvPr id="61" name="MH_Number_2">
+            <a:hlinkClick r:id="rId25" action="ppaction://hlinksldjump"/>
+          </p:cNvPr>
+          <p:cNvSpPr txBox="1"/>
+          <p:nvPr>
+            <p:custDataLst>
+              <p:tags r:id="rId4"/>
+            </p:custDataLst>
+          </p:nvPr>
+        </p:nvSpPr>
+        <p:spPr>
+          <a:xfrm>
+            <a:off x="5283201" y="3338294"/>
+            <a:ext cx="615046" cy="544277"/>
+          </a:xfrm>
+          <a:prstGeom prst="rect">
+            <a:avLst/>
+          </a:prstGeom>
+          <a:noFill/>
+        </p:spPr>
+        <p:txBody>
+          <a:bodyPr wrap="square" lIns="0" tIns="0" rIns="0" bIns="0" rtlCol="0" anchor="ctr" anchorCtr="0">
+            <a:noAutofit/>
+          </a:bodyPr>
+          <a:lstStyle>
+            <a:defPPr>
+              <a:defRPr lang="zh-CN"/>
+            </a:defPPr>
+            <a:lvl1pPr algn="ctr">
+              <a:defRPr sz="2000">
+                <a:solidFill>
+                  <a:srgbClr val="00B0F0"/>
+                </a:solidFill>
+                <a:latin typeface="华文中宋" panose="02010600040101010101" pitchFamily="2" charset="-122"/>
+                <a:ea typeface="华文中宋" panose="02010600040101010101" pitchFamily="2" charset="-122"/>
+              </a:defRPr>
+            </a:lvl1pPr>
+          </a:lstStyle>
+          <a:p>
+            <a:r>
+              <a:rPr lang="en-US" altLang="zh-CN" sz="2800" b="1">
+                <a:solidFill>
+                  <a:srgbClr val="7ABC32"/>
+                </a:solidFill>
+                <a:latin typeface="+mn-ea"/>
+                <a:ea typeface="+mn-ea"/>
+              </a:rPr>
+              <a:t>02</a:t>
+            </a:r>
+            <a:endParaRPr lang="zh-CN" altLang="en-US" sz="2800" b="1" dirty="0">
+              <a:solidFill>
+                <a:srgbClr val="7ABC32"/>
+              </a:solidFill>
+              <a:latin typeface="+mn-ea"/>
+              <a:ea typeface="+mn-ea"/>
+            </a:endParaRPr>
+          </a:p>
+        </p:txBody>
+      </p:sp>
+      <p:sp>
+        <p:nvSpPr>
+          <p:cNvPr id="62" name="MH_Entry_2">
+            <a:hlinkClick r:id="rId25" action="ppaction://hlinksldjump"/>
+          </p:cNvPr>
+          <p:cNvSpPr txBox="1"/>
+          <p:nvPr>
+            <p:custDataLst>
+              <p:tags r:id="rId5"/>
+            </p:custDataLst>
+          </p:nvPr>
+        </p:nvSpPr>
+        <p:spPr>
+          <a:xfrm>
+            <a:off x="6473375" y="3329222"/>
+            <a:ext cx="4354281" cy="544277"/>
+          </a:xfrm>
+          <a:prstGeom prst="rect">
+            <a:avLst/>
+          </a:prstGeom>
+          <a:noFill/>
+        </p:spPr>
+        <p:txBody>
+          <a:bodyPr wrap="square" lIns="0" tIns="0" rIns="0" bIns="0" rtlCol="0" anchor="ctr" anchorCtr="0">
+            <a:normAutofit/>
+          </a:bodyPr>
+          <a:lstStyle>
+            <a:defPPr>
+              <a:defRPr lang="zh-CN"/>
+            </a:defPPr>
+            <a:lvl1pPr>
+              <a:defRPr sz="1600">
+                <a:solidFill>
+                  <a:srgbClr val="333333"/>
+                </a:solidFill>
+                <a:latin typeface="华文细黑" panose="02010600040101010101" pitchFamily="2" charset="-122"/>
+                <a:ea typeface="华文细黑" panose="02010600040101010101" pitchFamily="2" charset="-122"/>
+              </a:defRPr>
+            </a:lvl1pPr>
+          </a:lstStyle>
+          <a:p>
+            <a:r>
+              <a:rPr lang="zh-CN" altLang="en-US" sz="2400" spc="200" dirty="0" smtClean="0">
+                <a:solidFill>
+                  <a:srgbClr val="5F5F5F"/>
+                </a:solidFill>
+                <a:latin typeface="+mn-ea"/>
+                <a:ea typeface="+mn-ea"/>
+              </a:rPr>
+              <a:t>索引应用</a:t>
+            </a:r>
+            <a:endParaRPr lang="zh-CN" altLang="en-US" sz="2400" spc="200" dirty="0">
+              <a:solidFill>
+                <a:srgbClr val="5F5F5F"/>
+              </a:solidFill>
+              <a:latin typeface="+mn-ea"/>
+              <a:ea typeface="+mn-ea"/>
+            </a:endParaRPr>
+          </a:p>
+        </p:txBody>
+      </p:sp>
+      <p:sp>
+        <p:nvSpPr>
+          <p:cNvPr id="64" name="MH_Number_3">
+            <a:hlinkClick r:id="rId26" action="ppaction://hlinksldjump"/>
+          </p:cNvPr>
+          <p:cNvSpPr txBox="1"/>
+          <p:nvPr>
+            <p:custDataLst>
+              <p:tags r:id="rId6"/>
+            </p:custDataLst>
+          </p:nvPr>
+        </p:nvSpPr>
+        <p:spPr>
+          <a:xfrm>
+            <a:off x="5283201" y="4085739"/>
+            <a:ext cx="615046" cy="544277"/>
+          </a:xfrm>
+          <a:prstGeom prst="rect">
+            <a:avLst/>
+          </a:prstGeom>
+          <a:noFill/>
+        </p:spPr>
+        <p:txBody>
+          <a:bodyPr wrap="square" lIns="0" tIns="0" rIns="0" bIns="0" rtlCol="0" anchor="ctr" anchorCtr="0">
+            <a:noAutofit/>
+          </a:bodyPr>
+          <a:lstStyle>
+            <a:defPPr>
+              <a:defRPr lang="zh-CN"/>
+            </a:defPPr>
+            <a:lvl1pPr algn="ctr">
+              <a:defRPr sz="2000">
+                <a:solidFill>
+                  <a:srgbClr val="00B0F0"/>
+                </a:solidFill>
+                <a:latin typeface="华文中宋" panose="02010600040101010101" pitchFamily="2" charset="-122"/>
+                <a:ea typeface="华文中宋" panose="02010600040101010101" pitchFamily="2" charset="-122"/>
+              </a:defRPr>
+            </a:lvl1pPr>
+          </a:lstStyle>
+          <a:p>
+            <a:r>
+              <a:rPr lang="en-US" altLang="zh-CN" sz="2800" b="1">
+                <a:solidFill>
+                  <a:srgbClr val="7ABC32"/>
+                </a:solidFill>
+                <a:latin typeface="+mn-ea"/>
+                <a:ea typeface="+mn-ea"/>
+              </a:rPr>
+              <a:t>03</a:t>
+            </a:r>
+            <a:endParaRPr lang="zh-CN" altLang="en-US" sz="2800" b="1" dirty="0">
+              <a:solidFill>
+                <a:srgbClr val="7ABC32"/>
+              </a:solidFill>
+              <a:latin typeface="+mn-ea"/>
+              <a:ea typeface="+mn-ea"/>
+            </a:endParaRPr>
+          </a:p>
+        </p:txBody>
+      </p:sp>
+      <p:sp>
+        <p:nvSpPr>
+          <p:cNvPr id="65" name="MH_Entry_3">
+            <a:hlinkClick r:id="rId26" action="ppaction://hlinksldjump"/>
+          </p:cNvPr>
+          <p:cNvSpPr txBox="1"/>
+          <p:nvPr>
+            <p:custDataLst>
+              <p:tags r:id="rId7"/>
+            </p:custDataLst>
+          </p:nvPr>
+        </p:nvSpPr>
+        <p:spPr>
+          <a:xfrm>
+            <a:off x="6473375" y="4076667"/>
+            <a:ext cx="4354281" cy="544277"/>
+          </a:xfrm>
+          <a:prstGeom prst="rect">
+            <a:avLst/>
+          </a:prstGeom>
+          <a:noFill/>
+        </p:spPr>
+        <p:txBody>
+          <a:bodyPr wrap="square" lIns="0" tIns="0" rIns="0" bIns="0" rtlCol="0" anchor="ctr" anchorCtr="0">
+            <a:normAutofit/>
+          </a:bodyPr>
+          <a:lstStyle>
+            <a:defPPr>
+              <a:defRPr lang="zh-CN"/>
+            </a:defPPr>
+            <a:lvl1pPr>
+              <a:defRPr sz="1600">
+                <a:solidFill>
+                  <a:srgbClr val="333333"/>
+                </a:solidFill>
+                <a:latin typeface="华文细黑" panose="02010600040101010101" pitchFamily="2" charset="-122"/>
+                <a:ea typeface="华文细黑" panose="02010600040101010101" pitchFamily="2" charset="-122"/>
+              </a:defRPr>
+            </a:lvl1pPr>
+          </a:lstStyle>
+          <a:p>
+            <a:r>
+              <a:rPr lang="zh-CN" altLang="en-US" sz="2400" spc="200" dirty="0" smtClean="0">
+                <a:solidFill>
+                  <a:srgbClr val="5F5F5F"/>
+                </a:solidFill>
+                <a:latin typeface="+mn-ea"/>
+                <a:ea typeface="+mn-ea"/>
+              </a:rPr>
+              <a:t>索引优化</a:t>
+            </a:r>
+            <a:endParaRPr lang="zh-CN" altLang="en-US" sz="2400" spc="200" dirty="0">
+              <a:solidFill>
+                <a:srgbClr val="5F5F5F"/>
+              </a:solidFill>
+              <a:latin typeface="+mn-ea"/>
+              <a:ea typeface="+mn-ea"/>
+            </a:endParaRPr>
+          </a:p>
+        </p:txBody>
+      </p:sp>
+      <p:sp>
+        <p:nvSpPr>
+          <p:cNvPr id="67" name="MH_Number_4">
+            <a:hlinkClick r:id="rId27" action="ppaction://hlinksldjump"/>
+          </p:cNvPr>
+          <p:cNvSpPr txBox="1"/>
+          <p:nvPr>
+            <p:custDataLst>
+              <p:tags r:id="rId8"/>
+            </p:custDataLst>
+          </p:nvPr>
+        </p:nvSpPr>
+        <p:spPr>
+          <a:xfrm>
+            <a:off x="5283201" y="4833184"/>
+            <a:ext cx="615046" cy="544277"/>
+          </a:xfrm>
+          <a:prstGeom prst="rect">
+            <a:avLst/>
+          </a:prstGeom>
+          <a:noFill/>
+        </p:spPr>
+        <p:txBody>
+          <a:bodyPr wrap="square" lIns="0" tIns="0" rIns="0" bIns="0" rtlCol="0" anchor="ctr" anchorCtr="0">
+            <a:noAutofit/>
+          </a:bodyPr>
+          <a:lstStyle>
+            <a:defPPr>
+              <a:defRPr lang="zh-CN"/>
+            </a:defPPr>
+            <a:lvl1pPr algn="ctr">
+              <a:defRPr sz="2000">
+                <a:solidFill>
+                  <a:srgbClr val="00B0F0"/>
+                </a:solidFill>
+                <a:latin typeface="华文中宋" panose="02010600040101010101" pitchFamily="2" charset="-122"/>
+                <a:ea typeface="华文中宋" panose="02010600040101010101" pitchFamily="2" charset="-122"/>
+              </a:defRPr>
+            </a:lvl1pPr>
+          </a:lstStyle>
+          <a:p>
+            <a:r>
+              <a:rPr lang="en-US" altLang="zh-CN" sz="2800" b="1">
+                <a:solidFill>
+                  <a:srgbClr val="7ABC32"/>
+                </a:solidFill>
+                <a:latin typeface="+mn-ea"/>
+                <a:ea typeface="+mn-ea"/>
+              </a:rPr>
+              <a:t>04</a:t>
+            </a:r>
+            <a:endParaRPr lang="zh-CN" altLang="en-US" sz="2800" b="1" dirty="0">
+              <a:solidFill>
+                <a:srgbClr val="7ABC32"/>
+              </a:solidFill>
+              <a:latin typeface="+mn-ea"/>
+              <a:ea typeface="+mn-ea"/>
+            </a:endParaRPr>
+          </a:p>
+        </p:txBody>
+      </p:sp>
+      <p:sp>
+        <p:nvSpPr>
+          <p:cNvPr id="68" name="MH_Entry_4">
+            <a:hlinkClick r:id="rId27" action="ppaction://hlinksldjump"/>
+          </p:cNvPr>
+          <p:cNvSpPr txBox="1"/>
+          <p:nvPr>
+            <p:custDataLst>
+              <p:tags r:id="rId9"/>
+            </p:custDataLst>
+          </p:nvPr>
+        </p:nvSpPr>
+        <p:spPr>
+          <a:xfrm>
+            <a:off x="6473375" y="4824112"/>
+            <a:ext cx="4354281" cy="544277"/>
+          </a:xfrm>
+          <a:prstGeom prst="rect">
+            <a:avLst/>
+          </a:prstGeom>
+          <a:noFill/>
+        </p:spPr>
+        <p:txBody>
+          <a:bodyPr wrap="square" lIns="0" tIns="0" rIns="0" bIns="0" rtlCol="0" anchor="ctr" anchorCtr="0">
+            <a:normAutofit/>
+          </a:bodyPr>
+          <a:lstStyle>
+            <a:defPPr>
+              <a:defRPr lang="zh-CN"/>
+            </a:defPPr>
+            <a:lvl1pPr>
+              <a:defRPr sz="1600">
+                <a:solidFill>
+                  <a:srgbClr val="333333"/>
+                </a:solidFill>
+                <a:latin typeface="华文细黑" panose="02010600040101010101" pitchFamily="2" charset="-122"/>
+                <a:ea typeface="华文细黑" panose="02010600040101010101" pitchFamily="2" charset="-122"/>
+              </a:defRPr>
+            </a:lvl1pPr>
+          </a:lstStyle>
+          <a:p>
+            <a:r>
+              <a:rPr lang="zh-CN" altLang="en-US" sz="2400" spc="200" dirty="0" smtClean="0">
+                <a:solidFill>
+                  <a:srgbClr val="5F5F5F"/>
+                </a:solidFill>
+                <a:latin typeface="+mn-ea"/>
+                <a:ea typeface="+mn-ea"/>
+              </a:rPr>
+              <a:t>案例分析</a:t>
+            </a:r>
+            <a:endParaRPr lang="zh-CN" altLang="en-US" sz="2400" spc="200" dirty="0">
+              <a:solidFill>
+                <a:srgbClr val="5F5F5F"/>
+              </a:solidFill>
+              <a:latin typeface="+mn-ea"/>
+              <a:ea typeface="+mn-ea"/>
+            </a:endParaRPr>
+          </a:p>
+        </p:txBody>
+      </p:sp>
+      <p:sp>
+        <p:nvSpPr>
+          <p:cNvPr id="70" name="MH_Number_5">
+            <a:hlinkClick r:id="rId28" action="ppaction://hlinksldjump"/>
+          </p:cNvPr>
+          <p:cNvSpPr txBox="1"/>
+          <p:nvPr>
+            <p:custDataLst>
+              <p:tags r:id="rId10"/>
+            </p:custDataLst>
+          </p:nvPr>
+        </p:nvSpPr>
+        <p:spPr>
+          <a:xfrm>
+            <a:off x="5283201" y="5580630"/>
+            <a:ext cx="615046" cy="544277"/>
+          </a:xfrm>
+          <a:prstGeom prst="rect">
+            <a:avLst/>
+          </a:prstGeom>
+          <a:noFill/>
+        </p:spPr>
+        <p:txBody>
+          <a:bodyPr wrap="square" lIns="0" tIns="0" rIns="0" bIns="0" rtlCol="0" anchor="ctr" anchorCtr="0">
+            <a:noAutofit/>
+          </a:bodyPr>
+          <a:lstStyle>
+            <a:defPPr>
+              <a:defRPr lang="zh-CN"/>
+            </a:defPPr>
+            <a:lvl1pPr algn="ctr">
+              <a:defRPr sz="2000">
+                <a:solidFill>
+                  <a:srgbClr val="00B0F0"/>
+                </a:solidFill>
+                <a:latin typeface="华文中宋" panose="02010600040101010101" pitchFamily="2" charset="-122"/>
+                <a:ea typeface="华文中宋" panose="02010600040101010101" pitchFamily="2" charset="-122"/>
+              </a:defRPr>
+            </a:lvl1pPr>
+          </a:lstStyle>
+          <a:p>
+            <a:r>
+              <a:rPr lang="en-US" altLang="zh-CN" sz="2800" b="1" dirty="0">
+                <a:solidFill>
+                  <a:srgbClr val="7ABC32"/>
+                </a:solidFill>
+                <a:latin typeface="+mn-ea"/>
+                <a:ea typeface="+mn-ea"/>
+              </a:rPr>
+              <a:t>05</a:t>
+            </a:r>
+            <a:endParaRPr lang="zh-CN" altLang="en-US" sz="2800" b="1" dirty="0">
+              <a:solidFill>
+                <a:srgbClr val="7ABC32"/>
+              </a:solidFill>
+              <a:latin typeface="+mn-ea"/>
+              <a:ea typeface="+mn-ea"/>
+            </a:endParaRPr>
+          </a:p>
+        </p:txBody>
+      </p:sp>
+      <p:sp>
+        <p:nvSpPr>
+          <p:cNvPr id="71" name="MH_Entry_5">
+            <a:hlinkClick r:id="rId28" action="ppaction://hlinksldjump"/>
+          </p:cNvPr>
+          <p:cNvSpPr txBox="1"/>
+          <p:nvPr>
+            <p:custDataLst>
+              <p:tags r:id="rId11"/>
+            </p:custDataLst>
+          </p:nvPr>
+        </p:nvSpPr>
+        <p:spPr>
+          <a:xfrm>
+            <a:off x="6473375" y="5571558"/>
+            <a:ext cx="4354281" cy="544277"/>
+          </a:xfrm>
+          <a:prstGeom prst="rect">
+            <a:avLst/>
+          </a:prstGeom>
+          <a:noFill/>
+        </p:spPr>
+        <p:txBody>
+          <a:bodyPr wrap="square" lIns="0" tIns="0" rIns="0" bIns="0" rtlCol="0" anchor="ctr" anchorCtr="0">
+            <a:normAutofit/>
+          </a:bodyPr>
+          <a:lstStyle>
+            <a:defPPr>
+              <a:defRPr lang="zh-CN"/>
+            </a:defPPr>
+            <a:lvl1pPr>
+              <a:defRPr sz="1600">
+                <a:solidFill>
+                  <a:srgbClr val="333333"/>
+                </a:solidFill>
+                <a:latin typeface="华文细黑" panose="02010600040101010101" pitchFamily="2" charset="-122"/>
+                <a:ea typeface="华文细黑" panose="02010600040101010101" pitchFamily="2" charset="-122"/>
+              </a:defRPr>
+            </a:lvl1pPr>
+          </a:lstStyle>
+          <a:p>
+            <a:r>
+              <a:rPr lang="en-US" altLang="zh-CN" sz="2400" spc="200" smtClean="0">
+                <a:solidFill>
+                  <a:srgbClr val="5F5F5F"/>
+                </a:solidFill>
+                <a:latin typeface="+mn-ea"/>
+                <a:ea typeface="+mn-ea"/>
+              </a:rPr>
+              <a:t>Q&amp;A</a:t>
+            </a:r>
+            <a:endParaRPr lang="zh-CN" altLang="en-US" sz="2400" spc="200" dirty="0">
+              <a:solidFill>
+                <a:srgbClr val="5F5F5F"/>
+              </a:solidFill>
+              <a:latin typeface="+mn-ea"/>
+              <a:ea typeface="+mn-ea"/>
+            </a:endParaRPr>
+          </a:p>
+        </p:txBody>
+      </p:sp>
+      <p:cxnSp>
+        <p:nvCxnSpPr>
+          <p:cNvPr id="22" name="MH_Others_1"/>
+          <p:cNvCxnSpPr/>
+          <p:nvPr>
+            <p:custDataLst>
+              <p:tags r:id="rId12"/>
+            </p:custDataLst>
+          </p:nvPr>
+        </p:nvCxnSpPr>
+        <p:spPr>
+          <a:xfrm>
+            <a:off x="6142850" y="2688810"/>
+            <a:ext cx="0" cy="319314"/>
+          </a:xfrm>
+          <a:prstGeom prst="line">
+            <a:avLst/>
+          </a:prstGeom>
+          <a:ln w="25400">
+            <a:solidFill>
+              <a:srgbClr val="D1D1D1"/>
+            </a:solidFill>
+          </a:ln>
+        </p:spPr>
+        <p:style>
+          <a:lnRef idx="1">
+            <a:schemeClr val="accent1"/>
+          </a:lnRef>
+          <a:fillRef idx="0">
+            <a:schemeClr val="accent1"/>
+          </a:fillRef>
+          <a:effectRef idx="0">
+            <a:schemeClr val="accent1"/>
+          </a:effectRef>
+          <a:fontRef idx="minor">
+            <a:schemeClr val="tx1"/>
+          </a:fontRef>
+        </p:style>
+      </p:cxnSp>
+      <p:cxnSp>
+        <p:nvCxnSpPr>
+          <p:cNvPr id="23" name="MH_Others_2"/>
+          <p:cNvCxnSpPr/>
+          <p:nvPr>
+            <p:custDataLst>
+              <p:tags r:id="rId13"/>
+            </p:custDataLst>
+          </p:nvPr>
+        </p:nvCxnSpPr>
+        <p:spPr>
+          <a:xfrm>
+            <a:off x="6142850" y="3443967"/>
+            <a:ext cx="0" cy="319314"/>
+          </a:xfrm>
+          <a:prstGeom prst="line">
+            <a:avLst/>
+          </a:prstGeom>
+          <a:ln w="25400">
+            <a:solidFill>
+              <a:srgbClr val="D1D1D1"/>
+            </a:solidFill>
+          </a:ln>
+        </p:spPr>
+        <p:style>
+          <a:lnRef idx="1">
+            <a:schemeClr val="accent1"/>
+          </a:lnRef>
+          <a:fillRef idx="0">
+            <a:schemeClr val="accent1"/>
+          </a:fillRef>
+          <a:effectRef idx="0">
+            <a:schemeClr val="accent1"/>
+          </a:effectRef>
+          <a:fontRef idx="minor">
+            <a:schemeClr val="tx1"/>
+          </a:fontRef>
+        </p:style>
+      </p:cxnSp>
+      <p:cxnSp>
+        <p:nvCxnSpPr>
+          <p:cNvPr id="24" name="MH_Others_3"/>
+          <p:cNvCxnSpPr/>
+          <p:nvPr>
+            <p:custDataLst>
+              <p:tags r:id="rId14"/>
+            </p:custDataLst>
+          </p:nvPr>
+        </p:nvCxnSpPr>
+        <p:spPr>
+          <a:xfrm>
+            <a:off x="6142850" y="4199124"/>
+            <a:ext cx="0" cy="319314"/>
+          </a:xfrm>
+          <a:prstGeom prst="line">
+            <a:avLst/>
+          </a:prstGeom>
+          <a:ln w="25400">
+            <a:solidFill>
+              <a:srgbClr val="D1D1D1"/>
+            </a:solidFill>
+          </a:ln>
+        </p:spPr>
+        <p:style>
+          <a:lnRef idx="1">
+            <a:schemeClr val="accent1"/>
+          </a:lnRef>
+          <a:fillRef idx="0">
+            <a:schemeClr val="accent1"/>
+          </a:fillRef>
+          <a:effectRef idx="0">
+            <a:schemeClr val="accent1"/>
+          </a:effectRef>
+          <a:fontRef idx="minor">
+            <a:schemeClr val="tx1"/>
+          </a:fontRef>
+        </p:style>
+      </p:cxnSp>
+      <p:cxnSp>
+        <p:nvCxnSpPr>
+          <p:cNvPr id="25" name="MH_Others_4"/>
+          <p:cNvCxnSpPr/>
+          <p:nvPr>
+            <p:custDataLst>
+              <p:tags r:id="rId15"/>
+            </p:custDataLst>
+          </p:nvPr>
+        </p:nvCxnSpPr>
+        <p:spPr>
+          <a:xfrm>
+            <a:off x="6142850" y="4954281"/>
+            <a:ext cx="0" cy="319314"/>
+          </a:xfrm>
+          <a:prstGeom prst="line">
+            <a:avLst/>
+          </a:prstGeom>
+          <a:ln w="25400">
+            <a:solidFill>
+              <a:srgbClr val="D1D1D1"/>
+            </a:solidFill>
+          </a:ln>
+        </p:spPr>
+        <p:style>
+          <a:lnRef idx="1">
+            <a:schemeClr val="accent1"/>
+          </a:lnRef>
+          <a:fillRef idx="0">
+            <a:schemeClr val="accent1"/>
+          </a:fillRef>
+          <a:effectRef idx="0">
+            <a:schemeClr val="accent1"/>
+          </a:effectRef>
+          <a:fontRef idx="minor">
+            <a:schemeClr val="tx1"/>
+          </a:fontRef>
+        </p:style>
+      </p:cxnSp>
+      <p:cxnSp>
+        <p:nvCxnSpPr>
+          <p:cNvPr id="26" name="MH_Others_5"/>
+          <p:cNvCxnSpPr/>
+          <p:nvPr>
+            <p:custDataLst>
+              <p:tags r:id="rId16"/>
+            </p:custDataLst>
+          </p:nvPr>
+        </p:nvCxnSpPr>
+        <p:spPr>
+          <a:xfrm>
+            <a:off x="6142850" y="5709436"/>
+            <a:ext cx="0" cy="319314"/>
+          </a:xfrm>
+          <a:prstGeom prst="line">
+            <a:avLst/>
+          </a:prstGeom>
+          <a:ln w="25400">
+            <a:solidFill>
+              <a:srgbClr val="D1D1D1"/>
+            </a:solidFill>
+          </a:ln>
+        </p:spPr>
+        <p:style>
+          <a:lnRef idx="1">
+            <a:schemeClr val="accent1"/>
+          </a:lnRef>
+          <a:fillRef idx="0">
+            <a:schemeClr val="accent1"/>
+          </a:fillRef>
+          <a:effectRef idx="0">
+            <a:schemeClr val="accent1"/>
+          </a:effectRef>
+          <a:fontRef idx="minor">
+            <a:schemeClr val="tx1"/>
+          </a:fontRef>
+        </p:style>
+      </p:cxnSp>
+      <p:sp>
+        <p:nvSpPr>
+          <p:cNvPr id="40" name="MH_Others_10"/>
+          <p:cNvSpPr/>
+          <p:nvPr>
+            <p:custDataLst>
+              <p:tags r:id="rId17"/>
+            </p:custDataLst>
+          </p:nvPr>
+        </p:nvSpPr>
+        <p:spPr>
+          <a:xfrm>
+            <a:off x="4715351" y="1416944"/>
+            <a:ext cx="7476649" cy="504056"/>
+          </a:xfrm>
+          <a:custGeom>
+            <a:avLst/>
+            <a:gdLst>
+              <a:gd name="connsiteX0" fmla="*/ 0 w 5609212"/>
+              <a:gd name="connsiteY0" fmla="*/ 0 h 504056"/>
+              <a:gd name="connsiteX1" fmla="*/ 5609212 w 5609212"/>
+              <a:gd name="connsiteY1" fmla="*/ 0 h 504056"/>
+              <a:gd name="connsiteX2" fmla="*/ 5609212 w 5609212"/>
+              <a:gd name="connsiteY2" fmla="*/ 504056 h 504056"/>
+              <a:gd name="connsiteX3" fmla="*/ 0 w 5609212"/>
+              <a:gd name="connsiteY3" fmla="*/ 504056 h 504056"/>
+              <a:gd name="connsiteX4" fmla="*/ 0 w 5609212"/>
+              <a:gd name="connsiteY4" fmla="*/ 0 h 504056"/>
+              <a:gd name="connsiteX0" fmla="*/ 0 w 5609212"/>
+              <a:gd name="connsiteY0" fmla="*/ 0 h 504056"/>
+              <a:gd name="connsiteX1" fmla="*/ 5609212 w 5609212"/>
+              <a:gd name="connsiteY1" fmla="*/ 0 h 504056"/>
+              <a:gd name="connsiteX2" fmla="*/ 5609212 w 5609212"/>
+              <a:gd name="connsiteY2" fmla="*/ 504056 h 504056"/>
+              <a:gd name="connsiteX3" fmla="*/ 128954 w 5609212"/>
+              <a:gd name="connsiteY3" fmla="*/ 504056 h 504056"/>
+              <a:gd name="connsiteX4" fmla="*/ 0 w 5609212"/>
+              <a:gd name="connsiteY4" fmla="*/ 0 h 504056"/>
+            </a:gdLst>
+            <a:ahLst/>
+            <a:cxnLst>
+              <a:cxn ang="0">
+                <a:pos x="connsiteX0" y="connsiteY0"/>
+              </a:cxn>
+              <a:cxn ang="0">
+                <a:pos x="connsiteX1" y="connsiteY1"/>
+              </a:cxn>
+              <a:cxn ang="0">
+                <a:pos x="connsiteX2" y="connsiteY2"/>
+              </a:cxn>
+              <a:cxn ang="0">
+                <a:pos x="connsiteX3" y="connsiteY3"/>
+              </a:cxn>
+              <a:cxn ang="0">
+                <a:pos x="connsiteX4" y="connsiteY4"/>
+              </a:cxn>
+            </a:cxnLst>
+            <a:rect l="l" t="t" r="r" b="b"/>
+            <a:pathLst>
+              <a:path w="5609212" h="504056">
+                <a:moveTo>
+                  <a:pt x="0" y="0"/>
+                </a:moveTo>
+                <a:lnTo>
+                  <a:pt x="5609212" y="0"/>
+                </a:lnTo>
+                <a:lnTo>
+                  <a:pt x="5609212" y="504056"/>
+                </a:lnTo>
+                <a:lnTo>
+                  <a:pt x="128954" y="504056"/>
+                </a:lnTo>
+                <a:lnTo>
+                  <a:pt x="0" y="0"/>
+                </a:lnTo>
+                <a:close/>
+              </a:path>
+            </a:pathLst>
+          </a:custGeom>
+          <a:solidFill>
+            <a:srgbClr val="7EC234"/>
+          </a:solidFill>
+          <a:ln>
+            <a:noFill/>
+          </a:ln>
+        </p:spPr>
+        <p:style>
+          <a:lnRef idx="2">
+            <a:schemeClr val="accent1">
+              <a:shade val="50000"/>
+            </a:schemeClr>
+          </a:lnRef>
+          <a:fillRef idx="1">
+            <a:schemeClr val="accent1"/>
+          </a:fillRef>
+          <a:effectRef idx="0">
+            <a:schemeClr val="accent1"/>
+          </a:effectRef>
+          <a:fontRef idx="minor">
+            <a:schemeClr val="lt1"/>
+          </a:fontRef>
+        </p:style>
+        <p:txBody>
+          <a:bodyPr rot="0" spcFirstLastPara="0" vertOverflow="overflow" horzOverflow="overflow" vert="horz" wrap="square" lIns="91440" tIns="45720" rIns="91440" bIns="45720" numCol="1" spcCol="0" rtlCol="0" fromWordArt="0" anchor="ctr" anchorCtr="0" forceAA="0" compatLnSpc="1">
+            <a:prstTxWarp prst="textNoShape">
+              <a:avLst/>
+            </a:prstTxWarp>
+            <a:noAutofit/>
+          </a:bodyPr>
+          <a:lstStyle/>
+          <a:p>
+            <a:pPr algn="ctr"/>
+            <a:endParaRPr lang="zh-CN" altLang="en-US"/>
+          </a:p>
+        </p:txBody>
+      </p:sp>
+      <p:sp>
+        <p:nvSpPr>
+          <p:cNvPr id="41" name="MH_Others_11"/>
+          <p:cNvSpPr txBox="1"/>
+          <p:nvPr>
+            <p:custDataLst>
+              <p:tags r:id="rId18"/>
+            </p:custDataLst>
+          </p:nvPr>
+        </p:nvSpPr>
+        <p:spPr>
+          <a:xfrm>
+            <a:off x="4643084" y="812972"/>
+            <a:ext cx="1344398" cy="584775"/>
+          </a:xfrm>
+          <a:prstGeom prst="rect">
+            <a:avLst/>
+          </a:prstGeom>
+          <a:noFill/>
+        </p:spPr>
+        <p:txBody>
+          <a:bodyPr wrap="square" rtlCol="0">
+            <a:noAutofit/>
+          </a:bodyPr>
+          <a:lstStyle/>
+          <a:p>
+            <a:pPr algn="r"/>
+            <a:r>
+              <a:rPr lang="zh-CN" altLang="en-US" sz="3200" b="1" dirty="0">
+                <a:solidFill>
+                  <a:srgbClr val="7EC234"/>
+                </a:solidFill>
+                <a:latin typeface="微软雅黑" panose="020B0503020204020204" pitchFamily="34" charset="-122"/>
+                <a:ea typeface="微软雅黑" panose="020B0503020204020204" pitchFamily="34" charset="-122"/>
+              </a:rPr>
+              <a:t>目录</a:t>
+            </a:r>
+          </a:p>
+        </p:txBody>
+      </p:sp>
+      <p:cxnSp>
+        <p:nvCxnSpPr>
+          <p:cNvPr id="42" name="MH_Others_12"/>
+          <p:cNvCxnSpPr/>
+          <p:nvPr>
+            <p:custDataLst>
+              <p:tags r:id="rId19"/>
+            </p:custDataLst>
+          </p:nvPr>
+        </p:nvCxnSpPr>
+        <p:spPr>
+          <a:xfrm>
+            <a:off x="6053385" y="946550"/>
+            <a:ext cx="5970" cy="346644"/>
+          </a:xfrm>
+          <a:prstGeom prst="line">
+            <a:avLst/>
+          </a:prstGeom>
+          <a:ln w="38100">
+            <a:solidFill>
+              <a:srgbClr val="7EC234"/>
+            </a:solidFill>
+          </a:ln>
+        </p:spPr>
+        <p:style>
+          <a:lnRef idx="1">
+            <a:schemeClr val="accent1"/>
+          </a:lnRef>
+          <a:fillRef idx="0">
+            <a:schemeClr val="accent1"/>
+          </a:fillRef>
+          <a:effectRef idx="0">
+            <a:schemeClr val="accent1"/>
+          </a:effectRef>
+          <a:fontRef idx="minor">
+            <a:schemeClr val="tx1"/>
+          </a:fontRef>
+        </p:style>
+      </p:cxnSp>
+      <p:sp>
+        <p:nvSpPr>
+          <p:cNvPr id="43" name="MH_Others_13"/>
+          <p:cNvSpPr txBox="1"/>
+          <p:nvPr>
+            <p:custDataLst>
+              <p:tags r:id="rId20"/>
+            </p:custDataLst>
+          </p:nvPr>
+        </p:nvSpPr>
+        <p:spPr>
+          <a:xfrm>
+            <a:off x="6125256" y="796708"/>
+            <a:ext cx="3350742" cy="646331"/>
+          </a:xfrm>
+          <a:prstGeom prst="rect">
+            <a:avLst/>
+          </a:prstGeom>
+          <a:noFill/>
+        </p:spPr>
+        <p:txBody>
+          <a:bodyPr wrap="square" rtlCol="0">
+            <a:noAutofit/>
+          </a:bodyPr>
+          <a:lstStyle/>
+          <a:p>
+            <a:r>
+              <a:rPr lang="en-US" altLang="zh-CN" sz="3600" dirty="0">
+                <a:solidFill>
+                  <a:srgbClr val="7EC234"/>
+                </a:solidFill>
+                <a:latin typeface="华文细黑" panose="02010600040101010101" pitchFamily="2" charset="-122"/>
+                <a:ea typeface="华文细黑" panose="02010600040101010101" pitchFamily="2" charset="-122"/>
+                <a:cs typeface="Arial" pitchFamily="34" charset="0"/>
+              </a:rPr>
+              <a:t>CONTENTS</a:t>
+            </a:r>
+            <a:endParaRPr lang="zh-CN" altLang="en-US" sz="3600" dirty="0">
+              <a:solidFill>
+                <a:srgbClr val="7EC234"/>
+              </a:solidFill>
+              <a:latin typeface="华文细黑" panose="02010600040101010101" pitchFamily="2" charset="-122"/>
+              <a:ea typeface="华文细黑" panose="02010600040101010101" pitchFamily="2" charset="-122"/>
+              <a:cs typeface="Arial" pitchFamily="34" charset="0"/>
+            </a:endParaRPr>
+          </a:p>
+        </p:txBody>
+      </p:sp>
+      <p:sp>
+        <p:nvSpPr>
+          <p:cNvPr id="44" name="MH_Others_14"/>
+          <p:cNvSpPr/>
+          <p:nvPr>
+            <p:custDataLst>
+              <p:tags r:id="rId21"/>
+            </p:custDataLst>
+          </p:nvPr>
+        </p:nvSpPr>
+        <p:spPr>
+          <a:xfrm>
+            <a:off x="-105" y="258126"/>
+            <a:ext cx="4473442" cy="1336316"/>
+          </a:xfrm>
+          <a:custGeom>
+            <a:avLst/>
+            <a:gdLst>
+              <a:gd name="connsiteX0" fmla="*/ 0 w 3356114"/>
+              <a:gd name="connsiteY0" fmla="*/ 0 h 1620180"/>
+              <a:gd name="connsiteX1" fmla="*/ 3356114 w 3356114"/>
+              <a:gd name="connsiteY1" fmla="*/ 0 h 1620180"/>
+              <a:gd name="connsiteX2" fmla="*/ 3356114 w 3356114"/>
+              <a:gd name="connsiteY2" fmla="*/ 1620180 h 1620180"/>
+              <a:gd name="connsiteX3" fmla="*/ 0 w 3356114"/>
+              <a:gd name="connsiteY3" fmla="*/ 1620180 h 1620180"/>
+              <a:gd name="connsiteX4" fmla="*/ 0 w 3356114"/>
+              <a:gd name="connsiteY4" fmla="*/ 0 h 1620180"/>
+              <a:gd name="connsiteX0" fmla="*/ 0 w 3356114"/>
+              <a:gd name="connsiteY0" fmla="*/ 0 h 1620180"/>
+              <a:gd name="connsiteX1" fmla="*/ 3027868 w 3356114"/>
+              <a:gd name="connsiteY1" fmla="*/ 23446 h 1620180"/>
+              <a:gd name="connsiteX2" fmla="*/ 3356114 w 3356114"/>
+              <a:gd name="connsiteY2" fmla="*/ 1620180 h 1620180"/>
+              <a:gd name="connsiteX3" fmla="*/ 0 w 3356114"/>
+              <a:gd name="connsiteY3" fmla="*/ 1620180 h 1620180"/>
+              <a:gd name="connsiteX4" fmla="*/ 0 w 3356114"/>
+              <a:gd name="connsiteY4" fmla="*/ 0 h 1620180"/>
+              <a:gd name="connsiteX0" fmla="*/ 0 w 3356114"/>
+              <a:gd name="connsiteY0" fmla="*/ 0 h 1620180"/>
+              <a:gd name="connsiteX1" fmla="*/ 2957529 w 3356114"/>
+              <a:gd name="connsiteY1" fmla="*/ 23446 h 1620180"/>
+              <a:gd name="connsiteX2" fmla="*/ 3356114 w 3356114"/>
+              <a:gd name="connsiteY2" fmla="*/ 1620180 h 1620180"/>
+              <a:gd name="connsiteX3" fmla="*/ 0 w 3356114"/>
+              <a:gd name="connsiteY3" fmla="*/ 1620180 h 1620180"/>
+              <a:gd name="connsiteX4" fmla="*/ 0 w 3356114"/>
+              <a:gd name="connsiteY4" fmla="*/ 0 h 1620180"/>
+              <a:gd name="connsiteX0" fmla="*/ 0 w 3356114"/>
+              <a:gd name="connsiteY0" fmla="*/ 0 h 1620180"/>
+              <a:gd name="connsiteX1" fmla="*/ 3004422 w 3356114"/>
+              <a:gd name="connsiteY1" fmla="*/ 9189 h 1620180"/>
+              <a:gd name="connsiteX2" fmla="*/ 3356114 w 3356114"/>
+              <a:gd name="connsiteY2" fmla="*/ 1620180 h 1620180"/>
+              <a:gd name="connsiteX3" fmla="*/ 0 w 3356114"/>
+              <a:gd name="connsiteY3" fmla="*/ 1620180 h 1620180"/>
+              <a:gd name="connsiteX4" fmla="*/ 0 w 3356114"/>
+              <a:gd name="connsiteY4" fmla="*/ 0 h 1620180"/>
+              <a:gd name="connsiteX0" fmla="*/ 0 w 3356114"/>
+              <a:gd name="connsiteY0" fmla="*/ 5069 h 1625249"/>
+              <a:gd name="connsiteX1" fmla="*/ 3051314 w 3356114"/>
+              <a:gd name="connsiteY1" fmla="*/ 0 h 1625249"/>
+              <a:gd name="connsiteX2" fmla="*/ 3356114 w 3356114"/>
+              <a:gd name="connsiteY2" fmla="*/ 1625249 h 1625249"/>
+              <a:gd name="connsiteX3" fmla="*/ 0 w 3356114"/>
+              <a:gd name="connsiteY3" fmla="*/ 1625249 h 1625249"/>
+              <a:gd name="connsiteX4" fmla="*/ 0 w 3356114"/>
+              <a:gd name="connsiteY4" fmla="*/ 5069 h 1625249"/>
+              <a:gd name="connsiteX0" fmla="*/ 0 w 3356114"/>
+              <a:gd name="connsiteY0" fmla="*/ 5069 h 1625249"/>
+              <a:gd name="connsiteX1" fmla="*/ 3016145 w 3356114"/>
+              <a:gd name="connsiteY1" fmla="*/ 0 h 1625249"/>
+              <a:gd name="connsiteX2" fmla="*/ 3356114 w 3356114"/>
+              <a:gd name="connsiteY2" fmla="*/ 1625249 h 1625249"/>
+              <a:gd name="connsiteX3" fmla="*/ 0 w 3356114"/>
+              <a:gd name="connsiteY3" fmla="*/ 1625249 h 1625249"/>
+              <a:gd name="connsiteX4" fmla="*/ 0 w 3356114"/>
+              <a:gd name="connsiteY4" fmla="*/ 5069 h 1625249"/>
+            </a:gdLst>
+            <a:ahLst/>
+            <a:cxnLst>
+              <a:cxn ang="0">
+                <a:pos x="connsiteX0" y="connsiteY0"/>
+              </a:cxn>
+              <a:cxn ang="0">
+                <a:pos x="connsiteX1" y="connsiteY1"/>
+              </a:cxn>
+              <a:cxn ang="0">
+                <a:pos x="connsiteX2" y="connsiteY2"/>
+              </a:cxn>
+              <a:cxn ang="0">
+                <a:pos x="connsiteX3" y="connsiteY3"/>
+              </a:cxn>
+              <a:cxn ang="0">
+                <a:pos x="connsiteX4" y="connsiteY4"/>
+              </a:cxn>
+            </a:cxnLst>
+            <a:rect l="l" t="t" r="r" b="b"/>
+            <a:pathLst>
+              <a:path w="3356114" h="1625249">
+                <a:moveTo>
+                  <a:pt x="0" y="5069"/>
+                </a:moveTo>
+                <a:lnTo>
+                  <a:pt x="3016145" y="0"/>
+                </a:lnTo>
+                <a:lnTo>
+                  <a:pt x="3356114" y="1625249"/>
+                </a:lnTo>
+                <a:lnTo>
+                  <a:pt x="0" y="1625249"/>
+                </a:lnTo>
+                <a:lnTo>
+                  <a:pt x="0" y="5069"/>
+                </a:lnTo>
+                <a:close/>
+              </a:path>
+            </a:pathLst>
+          </a:custGeom>
+          <a:solidFill>
+            <a:srgbClr val="7EC234"/>
+          </a:solidFill>
+          <a:ln>
+            <a:noFill/>
+          </a:ln>
+        </p:spPr>
+        <p:style>
+          <a:lnRef idx="2">
+            <a:schemeClr val="accent1">
+              <a:shade val="50000"/>
+            </a:schemeClr>
+          </a:lnRef>
+          <a:fillRef idx="1">
+            <a:schemeClr val="accent1"/>
+          </a:fillRef>
+          <a:effectRef idx="0">
+            <a:schemeClr val="accent1"/>
+          </a:effectRef>
+          <a:fontRef idx="minor">
+            <a:schemeClr val="lt1"/>
+          </a:fontRef>
+        </p:style>
+        <p:txBody>
+          <a:bodyPr rot="0" spcFirstLastPara="0" vertOverflow="overflow" horzOverflow="overflow" vert="horz" wrap="square" lIns="91440" tIns="45720" rIns="91440" bIns="45720" numCol="1" spcCol="0" rtlCol="0" fromWordArt="0" anchor="ctr" anchorCtr="0" forceAA="0" compatLnSpc="1">
+            <a:prstTxWarp prst="textNoShape">
+              <a:avLst/>
+            </a:prstTxWarp>
+            <a:normAutofit/>
+          </a:bodyPr>
+          <a:lstStyle/>
+          <a:p>
+            <a:pPr algn="ctr"/>
+            <a:endParaRPr lang="zh-CN" altLang="en-US" dirty="0">
+              <a:solidFill>
+                <a:srgbClr val="7EC234"/>
+              </a:solidFill>
+            </a:endParaRPr>
+          </a:p>
+        </p:txBody>
+      </p:sp>
+      <p:sp>
+        <p:nvSpPr>
+          <p:cNvPr id="45" name="MH_Others_15"/>
+          <p:cNvSpPr/>
+          <p:nvPr>
+            <p:custDataLst>
+              <p:tags r:id="rId22"/>
+            </p:custDataLst>
+          </p:nvPr>
+        </p:nvSpPr>
+        <p:spPr>
+          <a:xfrm>
+            <a:off x="-11264" y="755480"/>
+            <a:ext cx="4207441" cy="401637"/>
+          </a:xfrm>
+          <a:custGeom>
+            <a:avLst/>
+            <a:gdLst>
+              <a:gd name="connsiteX0" fmla="*/ 1857013 w 3156552"/>
+              <a:gd name="connsiteY0" fmla="*/ 104678 h 401637"/>
+              <a:gd name="connsiteX1" fmla="*/ 1929021 w 3156552"/>
+              <a:gd name="connsiteY1" fmla="*/ 104678 h 401637"/>
+              <a:gd name="connsiteX2" fmla="*/ 1929021 w 3156552"/>
+              <a:gd name="connsiteY2" fmla="*/ 297257 h 401637"/>
+              <a:gd name="connsiteX3" fmla="*/ 1857013 w 3156552"/>
+              <a:gd name="connsiteY3" fmla="*/ 297257 h 401637"/>
+              <a:gd name="connsiteX4" fmla="*/ 1702944 w 3156552"/>
+              <a:gd name="connsiteY4" fmla="*/ 104678 h 401637"/>
+              <a:gd name="connsiteX5" fmla="*/ 1774952 w 3156552"/>
+              <a:gd name="connsiteY5" fmla="*/ 104678 h 401637"/>
+              <a:gd name="connsiteX6" fmla="*/ 1774952 w 3156552"/>
+              <a:gd name="connsiteY6" fmla="*/ 297257 h 401637"/>
+              <a:gd name="connsiteX7" fmla="*/ 1702944 w 3156552"/>
+              <a:gd name="connsiteY7" fmla="*/ 297257 h 401637"/>
+              <a:gd name="connsiteX8" fmla="*/ 1548875 w 3156552"/>
+              <a:gd name="connsiteY8" fmla="*/ 104678 h 401637"/>
+              <a:gd name="connsiteX9" fmla="*/ 1620883 w 3156552"/>
+              <a:gd name="connsiteY9" fmla="*/ 104678 h 401637"/>
+              <a:gd name="connsiteX10" fmla="*/ 1620883 w 3156552"/>
+              <a:gd name="connsiteY10" fmla="*/ 297257 h 401637"/>
+              <a:gd name="connsiteX11" fmla="*/ 1548875 w 3156552"/>
+              <a:gd name="connsiteY11" fmla="*/ 297257 h 401637"/>
+              <a:gd name="connsiteX12" fmla="*/ 1394806 w 3156552"/>
+              <a:gd name="connsiteY12" fmla="*/ 104678 h 401637"/>
+              <a:gd name="connsiteX13" fmla="*/ 1466814 w 3156552"/>
+              <a:gd name="connsiteY13" fmla="*/ 104678 h 401637"/>
+              <a:gd name="connsiteX14" fmla="*/ 1466814 w 3156552"/>
+              <a:gd name="connsiteY14" fmla="*/ 297257 h 401637"/>
+              <a:gd name="connsiteX15" fmla="*/ 1394806 w 3156552"/>
+              <a:gd name="connsiteY15" fmla="*/ 297257 h 401637"/>
+              <a:gd name="connsiteX16" fmla="*/ 1240737 w 3156552"/>
+              <a:gd name="connsiteY16" fmla="*/ 104678 h 401637"/>
+              <a:gd name="connsiteX17" fmla="*/ 1312745 w 3156552"/>
+              <a:gd name="connsiteY17" fmla="*/ 104678 h 401637"/>
+              <a:gd name="connsiteX18" fmla="*/ 1312745 w 3156552"/>
+              <a:gd name="connsiteY18" fmla="*/ 297257 h 401637"/>
+              <a:gd name="connsiteX19" fmla="*/ 1240737 w 3156552"/>
+              <a:gd name="connsiteY19" fmla="*/ 297257 h 401637"/>
+              <a:gd name="connsiteX20" fmla="*/ 1086668 w 3156552"/>
+              <a:gd name="connsiteY20" fmla="*/ 104678 h 401637"/>
+              <a:gd name="connsiteX21" fmla="*/ 1158676 w 3156552"/>
+              <a:gd name="connsiteY21" fmla="*/ 104678 h 401637"/>
+              <a:gd name="connsiteX22" fmla="*/ 1158676 w 3156552"/>
+              <a:gd name="connsiteY22" fmla="*/ 297257 h 401637"/>
+              <a:gd name="connsiteX23" fmla="*/ 1086668 w 3156552"/>
+              <a:gd name="connsiteY23" fmla="*/ 297257 h 401637"/>
+              <a:gd name="connsiteX24" fmla="*/ 932599 w 3156552"/>
+              <a:gd name="connsiteY24" fmla="*/ 104678 h 401637"/>
+              <a:gd name="connsiteX25" fmla="*/ 1004607 w 3156552"/>
+              <a:gd name="connsiteY25" fmla="*/ 104678 h 401637"/>
+              <a:gd name="connsiteX26" fmla="*/ 1004607 w 3156552"/>
+              <a:gd name="connsiteY26" fmla="*/ 297257 h 401637"/>
+              <a:gd name="connsiteX27" fmla="*/ 932599 w 3156552"/>
+              <a:gd name="connsiteY27" fmla="*/ 297257 h 401637"/>
+              <a:gd name="connsiteX28" fmla="*/ 778530 w 3156552"/>
+              <a:gd name="connsiteY28" fmla="*/ 104678 h 401637"/>
+              <a:gd name="connsiteX29" fmla="*/ 850538 w 3156552"/>
+              <a:gd name="connsiteY29" fmla="*/ 104678 h 401637"/>
+              <a:gd name="connsiteX30" fmla="*/ 850538 w 3156552"/>
+              <a:gd name="connsiteY30" fmla="*/ 297257 h 401637"/>
+              <a:gd name="connsiteX31" fmla="*/ 778530 w 3156552"/>
+              <a:gd name="connsiteY31" fmla="*/ 297257 h 401637"/>
+              <a:gd name="connsiteX32" fmla="*/ 622824 w 3156552"/>
+              <a:gd name="connsiteY32" fmla="*/ 104678 h 401637"/>
+              <a:gd name="connsiteX33" fmla="*/ 694832 w 3156552"/>
+              <a:gd name="connsiteY33" fmla="*/ 104678 h 401637"/>
+              <a:gd name="connsiteX34" fmla="*/ 694832 w 3156552"/>
+              <a:gd name="connsiteY34" fmla="*/ 297257 h 401637"/>
+              <a:gd name="connsiteX35" fmla="*/ 622824 w 3156552"/>
+              <a:gd name="connsiteY35" fmla="*/ 297257 h 401637"/>
+              <a:gd name="connsiteX36" fmla="*/ 467118 w 3156552"/>
+              <a:gd name="connsiteY36" fmla="*/ 104678 h 401637"/>
+              <a:gd name="connsiteX37" fmla="*/ 539126 w 3156552"/>
+              <a:gd name="connsiteY37" fmla="*/ 104678 h 401637"/>
+              <a:gd name="connsiteX38" fmla="*/ 539126 w 3156552"/>
+              <a:gd name="connsiteY38" fmla="*/ 297257 h 401637"/>
+              <a:gd name="connsiteX39" fmla="*/ 467118 w 3156552"/>
+              <a:gd name="connsiteY39" fmla="*/ 297257 h 401637"/>
+              <a:gd name="connsiteX40" fmla="*/ 311412 w 3156552"/>
+              <a:gd name="connsiteY40" fmla="*/ 104678 h 401637"/>
+              <a:gd name="connsiteX41" fmla="*/ 383420 w 3156552"/>
+              <a:gd name="connsiteY41" fmla="*/ 104678 h 401637"/>
+              <a:gd name="connsiteX42" fmla="*/ 383420 w 3156552"/>
+              <a:gd name="connsiteY42" fmla="*/ 297257 h 401637"/>
+              <a:gd name="connsiteX43" fmla="*/ 311412 w 3156552"/>
+              <a:gd name="connsiteY43" fmla="*/ 297257 h 401637"/>
+              <a:gd name="connsiteX44" fmla="*/ 155706 w 3156552"/>
+              <a:gd name="connsiteY44" fmla="*/ 104678 h 401637"/>
+              <a:gd name="connsiteX45" fmla="*/ 227714 w 3156552"/>
+              <a:gd name="connsiteY45" fmla="*/ 104678 h 401637"/>
+              <a:gd name="connsiteX46" fmla="*/ 227714 w 3156552"/>
+              <a:gd name="connsiteY46" fmla="*/ 297257 h 401637"/>
+              <a:gd name="connsiteX47" fmla="*/ 155706 w 3156552"/>
+              <a:gd name="connsiteY47" fmla="*/ 297257 h 401637"/>
+              <a:gd name="connsiteX48" fmla="*/ 0 w 3156552"/>
+              <a:gd name="connsiteY48" fmla="*/ 104678 h 401637"/>
+              <a:gd name="connsiteX49" fmla="*/ 72008 w 3156552"/>
+              <a:gd name="connsiteY49" fmla="*/ 104678 h 401637"/>
+              <a:gd name="connsiteX50" fmla="*/ 72008 w 3156552"/>
+              <a:gd name="connsiteY50" fmla="*/ 297257 h 401637"/>
+              <a:gd name="connsiteX51" fmla="*/ 0 w 3156552"/>
+              <a:gd name="connsiteY51" fmla="*/ 297257 h 401637"/>
+              <a:gd name="connsiteX52" fmla="*/ 2955734 w 3156552"/>
+              <a:gd name="connsiteY52" fmla="*/ 0 h 401637"/>
+              <a:gd name="connsiteX53" fmla="*/ 3156552 w 3156552"/>
+              <a:gd name="connsiteY53" fmla="*/ 200819 h 401637"/>
+              <a:gd name="connsiteX54" fmla="*/ 2955734 w 3156552"/>
+              <a:gd name="connsiteY54" fmla="*/ 401637 h 401637"/>
+              <a:gd name="connsiteX55" fmla="*/ 2955734 w 3156552"/>
+              <a:gd name="connsiteY55" fmla="*/ 301228 h 401637"/>
+              <a:gd name="connsiteX56" fmla="*/ 2004424 w 3156552"/>
+              <a:gd name="connsiteY56" fmla="*/ 301228 h 401637"/>
+              <a:gd name="connsiteX57" fmla="*/ 2004424 w 3156552"/>
+              <a:gd name="connsiteY57" fmla="*/ 100409 h 401637"/>
+              <a:gd name="connsiteX58" fmla="*/ 2955734 w 3156552"/>
+              <a:gd name="connsiteY58" fmla="*/ 100409 h 401637"/>
+            </a:gdLst>
+            <a:ahLst/>
+            <a:cxnLst>
+              <a:cxn ang="0">
+                <a:pos x="connsiteX0" y="connsiteY0"/>
+              </a:cxn>
+              <a:cxn ang="0">
+                <a:pos x="connsiteX1" y="connsiteY1"/>
+              </a:cxn>
+              <a:cxn ang="0">
+                <a:pos x="connsiteX2" y="connsiteY2"/>
+              </a:cxn>
+              <a:cxn ang="0">
+                <a:pos x="connsiteX3" y="connsiteY3"/>
+              </a:cxn>
+              <a:cxn ang="0">
+                <a:pos x="connsiteX4" y="connsiteY4"/>
+              </a:cxn>
+              <a:cxn ang="0">
+                <a:pos x="connsiteX5" y="connsiteY5"/>
+              </a:cxn>
+              <a:cxn ang="0">
+                <a:pos x="connsiteX6" y="connsiteY6"/>
+              </a:cxn>
+              <a:cxn ang="0">
+                <a:pos x="connsiteX7" y="connsiteY7"/>
+              </a:cxn>
+              <a:cxn ang="0">
+                <a:pos x="connsiteX8" y="connsiteY8"/>
+              </a:cxn>
+              <a:cxn ang="0">
+                <a:pos x="connsiteX9" y="connsiteY9"/>
+              </a:cxn>
+              <a:cxn ang="0">
+                <a:pos x="connsiteX10" y="connsiteY10"/>
+              </a:cxn>
+              <a:cxn ang="0">
+                <a:pos x="connsiteX11" y="connsiteY11"/>
+              </a:cxn>
+              <a:cxn ang="0">
+                <a:pos x="connsiteX12" y="connsiteY12"/>
+              </a:cxn>
+              <a:cxn ang="0">
+                <a:pos x="connsiteX13" y="connsiteY13"/>
+              </a:cxn>
+              <a:cxn ang="0">
+                <a:pos x="connsiteX14" y="connsiteY14"/>
+              </a:cxn>
+              <a:cxn ang="0">
+                <a:pos x="connsiteX15" y="connsiteY15"/>
+              </a:cxn>
+              <a:cxn ang="0">
+                <a:pos x="connsiteX16" y="connsiteY16"/>
+              </a:cxn>
+              <a:cxn ang="0">
+                <a:pos x="connsiteX17" y="connsiteY17"/>
+              </a:cxn>
+              <a:cxn ang="0">
+                <a:pos x="connsiteX18" y="connsiteY18"/>
+              </a:cxn>
+              <a:cxn ang="0">
+                <a:pos x="connsiteX19" y="connsiteY19"/>
+              </a:cxn>
+              <a:cxn ang="0">
+                <a:pos x="connsiteX20" y="connsiteY20"/>
+              </a:cxn>
+              <a:cxn ang="0">
+                <a:pos x="connsiteX21" y="connsiteY21"/>
+              </a:cxn>
+              <a:cxn ang="0">
+                <a:pos x="connsiteX22" y="connsiteY22"/>
+              </a:cxn>
+              <a:cxn ang="0">
+                <a:pos x="connsiteX23" y="connsiteY23"/>
+              </a:cxn>
+              <a:cxn ang="0">
+                <a:pos x="connsiteX24" y="connsiteY24"/>
+              </a:cxn>
+              <a:cxn ang="0">
+                <a:pos x="connsiteX25" y="connsiteY25"/>
+              </a:cxn>
+              <a:cxn ang="0">
+                <a:pos x="connsiteX26" y="connsiteY26"/>
+              </a:cxn>
+              <a:cxn ang="0">
+                <a:pos x="connsiteX27" y="connsiteY27"/>
+              </a:cxn>
+              <a:cxn ang="0">
+                <a:pos x="connsiteX28" y="connsiteY28"/>
+              </a:cxn>
+              <a:cxn ang="0">
+                <a:pos x="connsiteX29" y="connsiteY29"/>
+              </a:cxn>
+              <a:cxn ang="0">
+                <a:pos x="connsiteX30" y="connsiteY30"/>
+              </a:cxn>
+              <a:cxn ang="0">
+                <a:pos x="connsiteX31" y="connsiteY31"/>
+              </a:cxn>
+              <a:cxn ang="0">
+                <a:pos x="connsiteX32" y="connsiteY32"/>
+              </a:cxn>
+              <a:cxn ang="0">
+                <a:pos x="connsiteX33" y="connsiteY33"/>
+              </a:cxn>
+              <a:cxn ang="0">
+                <a:pos x="connsiteX34" y="connsiteY34"/>
+              </a:cxn>
+              <a:cxn ang="0">
+                <a:pos x="connsiteX35" y="connsiteY35"/>
+              </a:cxn>
+              <a:cxn ang="0">
+                <a:pos x="connsiteX36" y="connsiteY36"/>
+              </a:cxn>
+              <a:cxn ang="0">
+                <a:pos x="connsiteX37" y="connsiteY37"/>
+              </a:cxn>
+              <a:cxn ang="0">
+                <a:pos x="connsiteX38" y="connsiteY38"/>
+              </a:cxn>
+              <a:cxn ang="0">
+                <a:pos x="connsiteX39" y="connsiteY39"/>
+              </a:cxn>
+              <a:cxn ang="0">
+                <a:pos x="connsiteX40" y="connsiteY40"/>
+              </a:cxn>
+              <a:cxn ang="0">
+                <a:pos x="connsiteX41" y="connsiteY41"/>
+              </a:cxn>
+              <a:cxn ang="0">
+                <a:pos x="connsiteX42" y="connsiteY42"/>
+              </a:cxn>
+              <a:cxn ang="0">
+                <a:pos x="connsiteX43" y="connsiteY43"/>
+              </a:cxn>
+              <a:cxn ang="0">
+                <a:pos x="connsiteX44" y="connsiteY44"/>
+              </a:cxn>
+              <a:cxn ang="0">
+                <a:pos x="connsiteX45" y="connsiteY45"/>
+              </a:cxn>
+              <a:cxn ang="0">
+                <a:pos x="connsiteX46" y="connsiteY46"/>
+              </a:cxn>
+              <a:cxn ang="0">
+                <a:pos x="connsiteX47" y="connsiteY47"/>
+              </a:cxn>
+              <a:cxn ang="0">
+                <a:pos x="connsiteX48" y="connsiteY48"/>
+              </a:cxn>
+              <a:cxn ang="0">
+                <a:pos x="connsiteX49" y="connsiteY49"/>
+              </a:cxn>
+              <a:cxn ang="0">
+                <a:pos x="connsiteX50" y="connsiteY50"/>
+              </a:cxn>
+              <a:cxn ang="0">
+                <a:pos x="connsiteX51" y="connsiteY51"/>
+              </a:cxn>
+              <a:cxn ang="0">
+                <a:pos x="connsiteX52" y="connsiteY52"/>
+              </a:cxn>
+              <a:cxn ang="0">
+                <a:pos x="connsiteX53" y="connsiteY53"/>
+              </a:cxn>
+              <a:cxn ang="0">
+                <a:pos x="connsiteX54" y="connsiteY54"/>
+              </a:cxn>
+              <a:cxn ang="0">
+                <a:pos x="connsiteX55" y="connsiteY55"/>
+              </a:cxn>
+              <a:cxn ang="0">
+                <a:pos x="connsiteX56" y="connsiteY56"/>
+              </a:cxn>
+              <a:cxn ang="0">
+                <a:pos x="connsiteX57" y="connsiteY57"/>
+              </a:cxn>
+              <a:cxn ang="0">
+                <a:pos x="connsiteX58" y="connsiteY58"/>
+              </a:cxn>
+            </a:cxnLst>
+            <a:rect l="l" t="t" r="r" b="b"/>
+            <a:pathLst>
+              <a:path w="3156552" h="401637">
+                <a:moveTo>
+                  <a:pt x="1857013" y="104678"/>
+                </a:moveTo>
+                <a:lnTo>
+                  <a:pt x="1929021" y="104678"/>
+                </a:lnTo>
+                <a:lnTo>
+                  <a:pt x="1929021" y="297257"/>
+                </a:lnTo>
+                <a:lnTo>
+                  <a:pt x="1857013" y="297257"/>
+                </a:lnTo>
+                <a:close/>
+                <a:moveTo>
+                  <a:pt x="1702944" y="104678"/>
+                </a:moveTo>
+                <a:lnTo>
+                  <a:pt x="1774952" y="104678"/>
+                </a:lnTo>
+                <a:lnTo>
+                  <a:pt x="1774952" y="297257"/>
+                </a:lnTo>
+                <a:lnTo>
+                  <a:pt x="1702944" y="297257"/>
+                </a:lnTo>
+                <a:close/>
+                <a:moveTo>
+                  <a:pt x="1548875" y="104678"/>
+                </a:moveTo>
+                <a:lnTo>
+                  <a:pt x="1620883" y="104678"/>
+                </a:lnTo>
+                <a:lnTo>
+                  <a:pt x="1620883" y="297257"/>
+                </a:lnTo>
+                <a:lnTo>
+                  <a:pt x="1548875" y="297257"/>
+                </a:lnTo>
+                <a:close/>
+                <a:moveTo>
+                  <a:pt x="1394806" y="104678"/>
+                </a:moveTo>
+                <a:lnTo>
+                  <a:pt x="1466814" y="104678"/>
+                </a:lnTo>
+                <a:lnTo>
+                  <a:pt x="1466814" y="297257"/>
+                </a:lnTo>
+                <a:lnTo>
+                  <a:pt x="1394806" y="297257"/>
+                </a:lnTo>
+                <a:close/>
+                <a:moveTo>
+                  <a:pt x="1240737" y="104678"/>
+                </a:moveTo>
+                <a:lnTo>
+                  <a:pt x="1312745" y="104678"/>
+                </a:lnTo>
+                <a:lnTo>
+                  <a:pt x="1312745" y="297257"/>
+                </a:lnTo>
+                <a:lnTo>
+                  <a:pt x="1240737" y="297257"/>
+                </a:lnTo>
+                <a:close/>
+                <a:moveTo>
+                  <a:pt x="1086668" y="104678"/>
+                </a:moveTo>
+                <a:lnTo>
+                  <a:pt x="1158676" y="104678"/>
+                </a:lnTo>
+                <a:lnTo>
+                  <a:pt x="1158676" y="297257"/>
+                </a:lnTo>
+                <a:lnTo>
+                  <a:pt x="1086668" y="297257"/>
+                </a:lnTo>
+                <a:close/>
+                <a:moveTo>
+                  <a:pt x="932599" y="104678"/>
+                </a:moveTo>
+                <a:lnTo>
+                  <a:pt x="1004607" y="104678"/>
+                </a:lnTo>
+                <a:lnTo>
+                  <a:pt x="1004607" y="297257"/>
+                </a:lnTo>
+                <a:lnTo>
+                  <a:pt x="932599" y="297257"/>
+                </a:lnTo>
+                <a:close/>
+                <a:moveTo>
+                  <a:pt x="778530" y="104678"/>
+                </a:moveTo>
+                <a:lnTo>
+                  <a:pt x="850538" y="104678"/>
+                </a:lnTo>
+                <a:lnTo>
+                  <a:pt x="850538" y="297257"/>
+                </a:lnTo>
+                <a:lnTo>
+                  <a:pt x="778530" y="297257"/>
+                </a:lnTo>
+                <a:close/>
+                <a:moveTo>
+                  <a:pt x="622824" y="104678"/>
+                </a:moveTo>
+                <a:lnTo>
+                  <a:pt x="694832" y="104678"/>
+                </a:lnTo>
+                <a:lnTo>
+                  <a:pt x="694832" y="297257"/>
+                </a:lnTo>
+                <a:lnTo>
+                  <a:pt x="622824" y="297257"/>
+                </a:lnTo>
+                <a:close/>
+                <a:moveTo>
+                  <a:pt x="467118" y="104678"/>
+                </a:moveTo>
+                <a:lnTo>
+                  <a:pt x="539126" y="104678"/>
+                </a:lnTo>
+                <a:lnTo>
+                  <a:pt x="539126" y="297257"/>
+                </a:lnTo>
+                <a:lnTo>
+                  <a:pt x="467118" y="297257"/>
+                </a:lnTo>
+                <a:close/>
+                <a:moveTo>
+                  <a:pt x="311412" y="104678"/>
+                </a:moveTo>
+                <a:lnTo>
+                  <a:pt x="383420" y="104678"/>
+                </a:lnTo>
+                <a:lnTo>
+                  <a:pt x="383420" y="297257"/>
+                </a:lnTo>
+                <a:lnTo>
+                  <a:pt x="311412" y="297257"/>
+                </a:lnTo>
+                <a:close/>
+                <a:moveTo>
+                  <a:pt x="155706" y="104678"/>
+                </a:moveTo>
+                <a:lnTo>
+                  <a:pt x="227714" y="104678"/>
+                </a:lnTo>
+                <a:lnTo>
+                  <a:pt x="227714" y="297257"/>
+                </a:lnTo>
+                <a:lnTo>
+                  <a:pt x="155706" y="297257"/>
+                </a:lnTo>
+                <a:close/>
+                <a:moveTo>
+                  <a:pt x="0" y="104678"/>
+                </a:moveTo>
+                <a:lnTo>
+                  <a:pt x="72008" y="104678"/>
+                </a:lnTo>
+                <a:lnTo>
+                  <a:pt x="72008" y="297257"/>
+                </a:lnTo>
+                <a:lnTo>
+                  <a:pt x="0" y="297257"/>
+                </a:lnTo>
+                <a:close/>
+                <a:moveTo>
+                  <a:pt x="2955734" y="0"/>
+                </a:moveTo>
+                <a:lnTo>
+                  <a:pt x="3156552" y="200819"/>
+                </a:lnTo>
+                <a:lnTo>
+                  <a:pt x="2955734" y="401637"/>
+                </a:lnTo>
+                <a:lnTo>
+                  <a:pt x="2955734" y="301228"/>
+                </a:lnTo>
+                <a:lnTo>
+                  <a:pt x="2004424" y="301228"/>
+                </a:lnTo>
+                <a:lnTo>
+                  <a:pt x="2004424" y="100409"/>
+                </a:lnTo>
+                <a:lnTo>
+                  <a:pt x="2955734" y="100409"/>
+                </a:lnTo>
+                <a:close/>
+              </a:path>
+            </a:pathLst>
+          </a:custGeom>
+          <a:solidFill>
+            <a:srgbClr val="FFFFFF"/>
+          </a:solidFill>
+          <a:ln>
+            <a:noFill/>
+          </a:ln>
+        </p:spPr>
+        <p:style>
+          <a:lnRef idx="2">
+            <a:schemeClr val="accent1">
+              <a:shade val="50000"/>
+            </a:schemeClr>
+          </a:lnRef>
+          <a:fillRef idx="1">
+            <a:schemeClr val="accent1"/>
+          </a:fillRef>
+          <a:effectRef idx="0">
+            <a:schemeClr val="accent1"/>
+          </a:effectRef>
+          <a:fontRef idx="minor">
+            <a:schemeClr val="lt1"/>
+          </a:fontRef>
+        </p:style>
+        <p:txBody>
+          <a:bodyPr rot="0" spcFirstLastPara="0" vertOverflow="overflow" horzOverflow="overflow" vert="horz" wrap="square" lIns="91440" tIns="45720" rIns="91440" bIns="45720" numCol="1" spcCol="0" rtlCol="0" fromWordArt="0" anchor="ctr" anchorCtr="0" forceAA="0" compatLnSpc="1">
+            <a:prstTxWarp prst="textNoShape">
+              <a:avLst/>
+            </a:prstTxWarp>
+            <a:normAutofit/>
+          </a:bodyPr>
+          <a:lstStyle/>
+          <a:p>
+            <a:pPr algn="ctr"/>
+            <a:endParaRPr lang="zh-CN" altLang="en-US"/>
+          </a:p>
+        </p:txBody>
+      </p:sp>
+    </p:spTree>
+    <p:custDataLst>
+      <p:tags r:id="rId1"/>
+    </p:custDataLst>
+    <p:extLst>
+      <p:ext uri="{BB962C8B-B14F-4D97-AF65-F5344CB8AC3E}">
+        <p14:creationId xmlns:p14="http://schemas.microsoft.com/office/powerpoint/2010/main" val="575105953"/>
+      </p:ext>
+    </p:extLst>
+  </p:cSld>
+  <p:clrMapOvr>
+    <a:masterClrMapping/>
+  </p:clrMapOvr>
+  <p:timing>
+    <p:tnLst>
+      <p:par>
+        <p:cTn id="1" dur="indefinite" restart="never" nodeType="tmRoot"/>
+      </p:par>
+    </p:tnLst>
+  </p:timing>
+</p:sld>
+</file>
+
+<file path=ppt/slides/slide20.xml><?xml version="1.0" encoding="utf-8"?>
 <p:sld xmlns:a="http://schemas.openxmlformats.org/drawingml/2006/main" xmlns:r="http://schemas.openxmlformats.org/officeDocument/2006/relationships" xmlns:p="http://schemas.openxmlformats.org/presentationml/2006/main">
   <p:cSld>
     <p:spTree>
@@ -20034,7 +18403,7 @@
 </p:sld>
 </file>
 
-<file path=ppt/slides/slide22.xml><?xml version="1.0" encoding="utf-8"?>
+<file path=ppt/slides/slide21.xml><?xml version="1.0" encoding="utf-8"?>
 <p:sld xmlns:a="http://schemas.openxmlformats.org/drawingml/2006/main" xmlns:r="http://schemas.openxmlformats.org/officeDocument/2006/relationships" xmlns:p="http://schemas.openxmlformats.org/presentationml/2006/main">
   <p:cSld>
     <p:spTree>
@@ -20230,43 +18599,37 @@
             <a:pPr lvl="0"/>
             <a:r>
               <a:rPr lang="en-US" altLang="zh-CN" dirty="0">
-                <a:latin typeface="华文中宋" panose="02010600040101010101" pitchFamily="2" charset="-122"/>
-                <a:ea typeface="华文中宋" panose="02010600040101010101" pitchFamily="2" charset="-122"/>
+                <a:latin typeface="+mn-ea"/>
               </a:rPr>
               <a:t>all</a:t>
             </a:r>
             <a:r>
               <a:rPr lang="zh-CN" altLang="zh-CN" dirty="0">
-                <a:latin typeface="华文中宋" panose="02010600040101010101" pitchFamily="2" charset="-122"/>
-                <a:ea typeface="华文中宋" panose="02010600040101010101" pitchFamily="2" charset="-122"/>
+                <a:latin typeface="+mn-ea"/>
               </a:rPr>
               <a:t>：</a:t>
             </a:r>
             <a:r>
               <a:rPr lang="en-US" altLang="zh-CN" dirty="0">
-                <a:latin typeface="华文中宋" panose="02010600040101010101" pitchFamily="2" charset="-122"/>
-                <a:ea typeface="华文中宋" panose="02010600040101010101" pitchFamily="2" charset="-122"/>
+                <a:latin typeface="+mn-ea"/>
               </a:rPr>
               <a:t>Full Table Scan</a:t>
             </a:r>
             <a:r>
               <a:rPr lang="zh-CN" altLang="zh-CN" dirty="0">
-                <a:latin typeface="华文中宋" panose="02010600040101010101" pitchFamily="2" charset="-122"/>
-                <a:ea typeface="华文中宋" panose="02010600040101010101" pitchFamily="2" charset="-122"/>
+                <a:latin typeface="+mn-ea"/>
               </a:rPr>
               <a:t>，</a:t>
             </a:r>
             <a:r>
               <a:rPr lang="en-US" altLang="zh-CN" dirty="0">
-                <a:latin typeface="华文中宋" panose="02010600040101010101" pitchFamily="2" charset="-122"/>
-                <a:ea typeface="华文中宋" panose="02010600040101010101" pitchFamily="2" charset="-122"/>
+                <a:latin typeface="+mn-ea"/>
               </a:rPr>
               <a:t> MySQL</a:t>
             </a:r>
             <a:r>
               <a:rPr lang="zh-CN" altLang="zh-CN" dirty="0">
-                <a:latin typeface="华文中宋" panose="02010600040101010101" pitchFamily="2" charset="-122"/>
-                <a:ea typeface="华文中宋" panose="02010600040101010101" pitchFamily="2" charset="-122"/>
+                <a:latin typeface="+mn-ea"/>
               </a:rPr>
               <a:t>将遍历全表以找到匹配的行。</a:t>
             </a:r>
@@ -20275,71 +18638,61 @@
             <a:pPr lvl="0"/>
             <a:r>
               <a:rPr lang="en-US" altLang="zh-CN" dirty="0">
-                <a:latin typeface="华文中宋" panose="02010600040101010101" pitchFamily="2" charset="-122"/>
-                <a:ea typeface="华文中宋" panose="02010600040101010101" pitchFamily="2" charset="-122"/>
+                <a:latin typeface="+mn-ea"/>
               </a:rPr>
               <a:t>index</a:t>
             </a:r>
             <a:r>
               <a:rPr lang="zh-CN" altLang="zh-CN" dirty="0">
-                <a:latin typeface="华文中宋" panose="02010600040101010101" pitchFamily="2" charset="-122"/>
-                <a:ea typeface="华文中宋" panose="02010600040101010101" pitchFamily="2" charset="-122"/>
+                <a:latin typeface="+mn-ea"/>
               </a:rPr>
               <a:t>：</a:t>
             </a:r>
             <a:r>
               <a:rPr lang="en-US" altLang="zh-CN" dirty="0">
-                <a:latin typeface="华文中宋" panose="02010600040101010101" pitchFamily="2" charset="-122"/>
-                <a:ea typeface="华文中宋" panose="02010600040101010101" pitchFamily="2" charset="-122"/>
+                <a:latin typeface="+mn-ea"/>
               </a:rPr>
               <a:t>Full Index Scan</a:t>
             </a:r>
             <a:r>
               <a:rPr lang="zh-CN" altLang="zh-CN" dirty="0">
-                <a:latin typeface="华文中宋" panose="02010600040101010101" pitchFamily="2" charset="-122"/>
-                <a:ea typeface="华文中宋" panose="02010600040101010101" pitchFamily="2" charset="-122"/>
+                <a:latin typeface="+mn-ea"/>
               </a:rPr>
               <a:t>，</a:t>
             </a:r>
             <a:r>
               <a:rPr lang="en-US" altLang="zh-CN" dirty="0">
-                <a:latin typeface="华文中宋" panose="02010600040101010101" pitchFamily="2" charset="-122"/>
-                <a:ea typeface="华文中宋" panose="02010600040101010101" pitchFamily="2" charset="-122"/>
+                <a:latin typeface="+mn-ea"/>
               </a:rPr>
               <a:t>index</a:t>
             </a:r>
             <a:r>
               <a:rPr lang="zh-CN" altLang="zh-CN" dirty="0">
-                <a:latin typeface="华文中宋" panose="02010600040101010101" pitchFamily="2" charset="-122"/>
-                <a:ea typeface="华文中宋" panose="02010600040101010101" pitchFamily="2" charset="-122"/>
+                <a:latin typeface="+mn-ea"/>
               </a:rPr>
               <a:t>与</a:t>
             </a:r>
             <a:r>
               <a:rPr lang="en-US" altLang="zh-CN" dirty="0">
-                <a:latin typeface="华文中宋" panose="02010600040101010101" pitchFamily="2" charset="-122"/>
-                <a:ea typeface="华文中宋" panose="02010600040101010101" pitchFamily="2" charset="-122"/>
+                <a:latin typeface="+mn-ea"/>
               </a:rPr>
               <a:t>ALL</a:t>
             </a:r>
             <a:r>
               <a:rPr lang="zh-CN" altLang="zh-CN" dirty="0">
-                <a:latin typeface="华文中宋" panose="02010600040101010101" pitchFamily="2" charset="-122"/>
-                <a:ea typeface="华文中宋" panose="02010600040101010101" pitchFamily="2" charset="-122"/>
+                <a:latin typeface="+mn-ea"/>
               </a:rPr>
               <a:t>区别为</a:t>
             </a:r>
             <a:r>
               <a:rPr lang="en-US" altLang="zh-CN" dirty="0">
-                <a:latin typeface="华文中宋" panose="02010600040101010101" pitchFamily="2" charset="-122"/>
-                <a:ea typeface="华文中宋" panose="02010600040101010101" pitchFamily="2" charset="-122"/>
+                <a:latin typeface="+mn-ea"/>
               </a:rPr>
               <a:t>index</a:t>
             </a:r>
             <a:r>
               <a:rPr lang="zh-CN" altLang="zh-CN" dirty="0">
-                <a:latin typeface="华文中宋" panose="02010600040101010101" pitchFamily="2" charset="-122"/>
-                <a:ea typeface="华文中宋" panose="02010600040101010101" pitchFamily="2" charset="-122"/>
+                <a:latin typeface="+mn-ea"/>
               </a:rPr>
               <a:t>类型只遍历索引树。</a:t>
             </a:r>
@@ -20348,71 +18701,61 @@
             <a:pPr lvl="0"/>
             <a:r>
               <a:rPr lang="en-US" altLang="zh-CN" dirty="0">
-                <a:latin typeface="华文中宋" panose="02010600040101010101" pitchFamily="2" charset="-122"/>
-                <a:ea typeface="华文中宋" panose="02010600040101010101" pitchFamily="2" charset="-122"/>
+                <a:latin typeface="+mn-ea"/>
               </a:rPr>
               <a:t>range</a:t>
             </a:r>
             <a:r>
               <a:rPr lang="zh-CN" altLang="zh-CN" dirty="0">
-                <a:latin typeface="华文中宋" panose="02010600040101010101" pitchFamily="2" charset="-122"/>
-                <a:ea typeface="华文中宋" panose="02010600040101010101" pitchFamily="2" charset="-122"/>
+                <a:latin typeface="+mn-ea"/>
               </a:rPr>
               <a:t>：索引范围扫描，对索引的扫描开始于某一点，返回匹配值域的行，常见于</a:t>
             </a:r>
             <a:r>
               <a:rPr lang="en-US" altLang="zh-CN" dirty="0">
-                <a:latin typeface="华文中宋" panose="02010600040101010101" pitchFamily="2" charset="-122"/>
-                <a:ea typeface="华文中宋" panose="02010600040101010101" pitchFamily="2" charset="-122"/>
+                <a:latin typeface="+mn-ea"/>
               </a:rPr>
               <a:t>between</a:t>
             </a:r>
             <a:r>
               <a:rPr lang="zh-CN" altLang="zh-CN" dirty="0">
-                <a:latin typeface="华文中宋" panose="02010600040101010101" pitchFamily="2" charset="-122"/>
-                <a:ea typeface="华文中宋" panose="02010600040101010101" pitchFamily="2" charset="-122"/>
+                <a:latin typeface="+mn-ea"/>
               </a:rPr>
               <a:t>、</a:t>
             </a:r>
             <a:r>
               <a:rPr lang="en-US" altLang="zh-CN" dirty="0">
-                <a:latin typeface="华文中宋" panose="02010600040101010101" pitchFamily="2" charset="-122"/>
-                <a:ea typeface="华文中宋" panose="02010600040101010101" pitchFamily="2" charset="-122"/>
+                <a:latin typeface="+mn-ea"/>
               </a:rPr>
               <a:t>&lt;</a:t>
             </a:r>
             <a:r>
               <a:rPr lang="zh-CN" altLang="zh-CN" dirty="0">
-                <a:latin typeface="华文中宋" panose="02010600040101010101" pitchFamily="2" charset="-122"/>
-                <a:ea typeface="华文中宋" panose="02010600040101010101" pitchFamily="2" charset="-122"/>
+                <a:latin typeface="+mn-ea"/>
               </a:rPr>
               <a:t>、</a:t>
             </a:r>
             <a:r>
               <a:rPr lang="en-US" altLang="zh-CN" dirty="0">
-                <a:latin typeface="华文中宋" panose="02010600040101010101" pitchFamily="2" charset="-122"/>
-                <a:ea typeface="华文中宋" panose="02010600040101010101" pitchFamily="2" charset="-122"/>
+                <a:latin typeface="+mn-ea"/>
               </a:rPr>
               <a:t>&gt;</a:t>
             </a:r>
             <a:r>
               <a:rPr lang="zh-CN" altLang="zh-CN" dirty="0">
-                <a:latin typeface="华文中宋" panose="02010600040101010101" pitchFamily="2" charset="-122"/>
-                <a:ea typeface="华文中宋" panose="02010600040101010101" pitchFamily="2" charset="-122"/>
+                <a:latin typeface="+mn-ea"/>
               </a:rPr>
               <a:t>等的查询。</a:t>
             </a:r>
             <a:r>
               <a:rPr lang="en-US" altLang="zh-CN" dirty="0">
-                <a:latin typeface="华文中宋" panose="02010600040101010101" pitchFamily="2" charset="-122"/>
-                <a:ea typeface="华文中宋" panose="02010600040101010101" pitchFamily="2" charset="-122"/>
+                <a:latin typeface="+mn-ea"/>
               </a:rPr>
               <a:t>range</a:t>
             </a:r>
             <a:r>
               <a:rPr lang="zh-CN" altLang="zh-CN" dirty="0">
-                <a:latin typeface="华文中宋" panose="02010600040101010101" pitchFamily="2" charset="-122"/>
-                <a:ea typeface="华文中宋" panose="02010600040101010101" pitchFamily="2" charset="-122"/>
+                <a:latin typeface="+mn-ea"/>
               </a:rPr>
               <a:t>访问类型的不同形式的索引访问性能差异。</a:t>
             </a:r>
@@ -20421,15 +18764,13 @@
             <a:pPr lvl="0"/>
             <a:r>
               <a:rPr lang="en-US" altLang="zh-CN" dirty="0">
-                <a:latin typeface="华文中宋" panose="02010600040101010101" pitchFamily="2" charset="-122"/>
-                <a:ea typeface="华文中宋" panose="02010600040101010101" pitchFamily="2" charset="-122"/>
+                <a:latin typeface="+mn-ea"/>
               </a:rPr>
               <a:t>ref</a:t>
             </a:r>
             <a:r>
               <a:rPr lang="zh-CN" altLang="zh-CN" dirty="0">
-                <a:latin typeface="华文中宋" panose="02010600040101010101" pitchFamily="2" charset="-122"/>
-                <a:ea typeface="华文中宋" panose="02010600040101010101" pitchFamily="2" charset="-122"/>
+                <a:latin typeface="+mn-ea"/>
               </a:rPr>
               <a:t>：非唯一性索引扫描，返回匹配某个单独值的所有行。常见于使用非唯一索引即唯一索引的非唯一前缀进行的查找。</a:t>
             </a:r>
@@ -20438,15 +18779,13 @@
             <a:pPr lvl="0"/>
             <a:r>
               <a:rPr lang="en-US" altLang="zh-CN" dirty="0" err="1">
-                <a:latin typeface="华文中宋" panose="02010600040101010101" pitchFamily="2" charset="-122"/>
-                <a:ea typeface="华文中宋" panose="02010600040101010101" pitchFamily="2" charset="-122"/>
+                <a:latin typeface="+mn-ea"/>
               </a:rPr>
               <a:t>eq_ref</a:t>
             </a:r>
             <a:r>
               <a:rPr lang="zh-CN" altLang="zh-CN" dirty="0">
-                <a:latin typeface="华文中宋" panose="02010600040101010101" pitchFamily="2" charset="-122"/>
-                <a:ea typeface="华文中宋" panose="02010600040101010101" pitchFamily="2" charset="-122"/>
+                <a:latin typeface="+mn-ea"/>
               </a:rPr>
               <a:t>：唯一性索引扫描，对于每个索引键，表中只有一条记录与之匹配。常见于主键或唯一索引扫描。</a:t>
             </a:r>
@@ -20455,113 +18794,97 @@
             <a:pPr lvl="0"/>
             <a:r>
               <a:rPr lang="en-US" altLang="zh-CN" dirty="0" err="1">
-                <a:latin typeface="华文中宋" panose="02010600040101010101" pitchFamily="2" charset="-122"/>
-                <a:ea typeface="华文中宋" panose="02010600040101010101" pitchFamily="2" charset="-122"/>
+                <a:latin typeface="+mn-ea"/>
               </a:rPr>
               <a:t>const</a:t>
             </a:r>
             <a:r>
               <a:rPr lang="zh-CN" altLang="zh-CN" dirty="0">
-                <a:latin typeface="华文中宋" panose="02010600040101010101" pitchFamily="2" charset="-122"/>
-                <a:ea typeface="华文中宋" panose="02010600040101010101" pitchFamily="2" charset="-122"/>
+                <a:latin typeface="+mn-ea"/>
               </a:rPr>
               <a:t>、</a:t>
             </a:r>
             <a:r>
               <a:rPr lang="en-US" altLang="zh-CN" dirty="0">
-                <a:latin typeface="华文中宋" panose="02010600040101010101" pitchFamily="2" charset="-122"/>
-                <a:ea typeface="华文中宋" panose="02010600040101010101" pitchFamily="2" charset="-122"/>
+                <a:latin typeface="+mn-ea"/>
               </a:rPr>
               <a:t>system</a:t>
             </a:r>
             <a:r>
               <a:rPr lang="zh-CN" altLang="zh-CN" dirty="0">
-                <a:latin typeface="华文中宋" panose="02010600040101010101" pitchFamily="2" charset="-122"/>
-                <a:ea typeface="华文中宋" panose="02010600040101010101" pitchFamily="2" charset="-122"/>
+                <a:latin typeface="+mn-ea"/>
               </a:rPr>
               <a:t>：当</a:t>
             </a:r>
             <a:r>
               <a:rPr lang="en-US" altLang="zh-CN" dirty="0">
-                <a:latin typeface="华文中宋" panose="02010600040101010101" pitchFamily="2" charset="-122"/>
-                <a:ea typeface="华文中宋" panose="02010600040101010101" pitchFamily="2" charset="-122"/>
+                <a:latin typeface="+mn-ea"/>
               </a:rPr>
               <a:t>MySQL</a:t>
             </a:r>
             <a:r>
               <a:rPr lang="zh-CN" altLang="zh-CN" dirty="0">
-                <a:latin typeface="华文中宋" panose="02010600040101010101" pitchFamily="2" charset="-122"/>
-                <a:ea typeface="华文中宋" panose="02010600040101010101" pitchFamily="2" charset="-122"/>
+                <a:latin typeface="+mn-ea"/>
               </a:rPr>
               <a:t>对查询某部分进行优化，并转换为一个常量时，使用这些类型访问。如将主键置于</a:t>
             </a:r>
             <a:r>
               <a:rPr lang="en-US" altLang="zh-CN" dirty="0">
-                <a:latin typeface="华文中宋" panose="02010600040101010101" pitchFamily="2" charset="-122"/>
-                <a:ea typeface="华文中宋" panose="02010600040101010101" pitchFamily="2" charset="-122"/>
+                <a:latin typeface="+mn-ea"/>
               </a:rPr>
               <a:t>where</a:t>
             </a:r>
             <a:r>
               <a:rPr lang="zh-CN" altLang="zh-CN" dirty="0">
-                <a:latin typeface="华文中宋" panose="02010600040101010101" pitchFamily="2" charset="-122"/>
-                <a:ea typeface="华文中宋" panose="02010600040101010101" pitchFamily="2" charset="-122"/>
+                <a:latin typeface="+mn-ea"/>
               </a:rPr>
               <a:t>列表中，</a:t>
             </a:r>
             <a:r>
               <a:rPr lang="en-US" altLang="zh-CN" dirty="0">
-                <a:latin typeface="华文中宋" panose="02010600040101010101" pitchFamily="2" charset="-122"/>
-                <a:ea typeface="华文中宋" panose="02010600040101010101" pitchFamily="2" charset="-122"/>
+                <a:latin typeface="+mn-ea"/>
               </a:rPr>
               <a:t>MySQL</a:t>
             </a:r>
             <a:r>
               <a:rPr lang="zh-CN" altLang="zh-CN" dirty="0">
-                <a:latin typeface="华文中宋" panose="02010600040101010101" pitchFamily="2" charset="-122"/>
-                <a:ea typeface="华文中宋" panose="02010600040101010101" pitchFamily="2" charset="-122"/>
+                <a:latin typeface="+mn-ea"/>
               </a:rPr>
               <a:t>就能将该查询转换为一个常量</a:t>
             </a:r>
             <a:r>
               <a:rPr lang="en-US" altLang="zh-CN" dirty="0">
-                <a:latin typeface="华文中宋" panose="02010600040101010101" pitchFamily="2" charset="-122"/>
-                <a:ea typeface="华文中宋" panose="02010600040101010101" pitchFamily="2" charset="-122"/>
+                <a:latin typeface="+mn-ea"/>
               </a:rPr>
               <a:t>system</a:t>
             </a:r>
             <a:r>
               <a:rPr lang="zh-CN" altLang="zh-CN" dirty="0">
-                <a:latin typeface="华文中宋" panose="02010600040101010101" pitchFamily="2" charset="-122"/>
-                <a:ea typeface="华文中宋" panose="02010600040101010101" pitchFamily="2" charset="-122"/>
+                <a:latin typeface="+mn-ea"/>
               </a:rPr>
               <a:t>是</a:t>
             </a:r>
             <a:r>
               <a:rPr lang="en-US" altLang="zh-CN" dirty="0" err="1">
-                <a:latin typeface="华文中宋" panose="02010600040101010101" pitchFamily="2" charset="-122"/>
-                <a:ea typeface="华文中宋" panose="02010600040101010101" pitchFamily="2" charset="-122"/>
+                <a:latin typeface="+mn-ea"/>
               </a:rPr>
               <a:t>const</a:t>
             </a:r>
             <a:r>
               <a:rPr lang="zh-CN" altLang="zh-CN" dirty="0">
-                <a:latin typeface="华文中宋" panose="02010600040101010101" pitchFamily="2" charset="-122"/>
-                <a:ea typeface="华文中宋" panose="02010600040101010101" pitchFamily="2" charset="-122"/>
+                <a:latin typeface="+mn-ea"/>
               </a:rPr>
               <a:t>类型的特例，当查询的表只有一行的情况下， 使用</a:t>
             </a:r>
             <a:r>
               <a:rPr lang="en-US" altLang="zh-CN" dirty="0">
-                <a:latin typeface="华文中宋" panose="02010600040101010101" pitchFamily="2" charset="-122"/>
-                <a:ea typeface="华文中宋" panose="02010600040101010101" pitchFamily="2" charset="-122"/>
+                <a:latin typeface="+mn-ea"/>
               </a:rPr>
               <a:t>system</a:t>
             </a:r>
             <a:r>
               <a:rPr lang="zh-CN" altLang="zh-CN" dirty="0">
-                <a:latin typeface="华文中宋" panose="02010600040101010101" pitchFamily="2" charset="-122"/>
-                <a:ea typeface="华文中宋" panose="02010600040101010101" pitchFamily="2" charset="-122"/>
+                <a:latin typeface="+mn-ea"/>
               </a:rPr>
               <a:t>。</a:t>
             </a:r>
@@ -20570,35 +18893,33 @@
             <a:pPr lvl="0"/>
             <a:r>
               <a:rPr lang="en-US" altLang="zh-CN" dirty="0">
-                <a:latin typeface="华文中宋" panose="02010600040101010101" pitchFamily="2" charset="-122"/>
-                <a:ea typeface="华文中宋" panose="02010600040101010101" pitchFamily="2" charset="-122"/>
+                <a:latin typeface="+mn-ea"/>
               </a:rPr>
               <a:t>NULL</a:t>
             </a:r>
             <a:r>
               <a:rPr lang="zh-CN" altLang="zh-CN" dirty="0">
-                <a:latin typeface="华文中宋" panose="02010600040101010101" pitchFamily="2" charset="-122"/>
-                <a:ea typeface="华文中宋" panose="02010600040101010101" pitchFamily="2" charset="-122"/>
+                <a:latin typeface="+mn-ea"/>
               </a:rPr>
               <a:t>：</a:t>
             </a:r>
             <a:r>
               <a:rPr lang="en-US" altLang="zh-CN" dirty="0">
-                <a:latin typeface="华文中宋" panose="02010600040101010101" pitchFamily="2" charset="-122"/>
-                <a:ea typeface="华文中宋" panose="02010600040101010101" pitchFamily="2" charset="-122"/>
+                <a:latin typeface="+mn-ea"/>
               </a:rPr>
               <a:t>MySQL</a:t>
             </a:r>
             <a:r>
               <a:rPr lang="zh-CN" altLang="zh-CN" dirty="0">
-                <a:latin typeface="华文中宋" panose="02010600040101010101" pitchFamily="2" charset="-122"/>
-                <a:ea typeface="华文中宋" panose="02010600040101010101" pitchFamily="2" charset="-122"/>
+                <a:latin typeface="+mn-ea"/>
               </a:rPr>
               <a:t>在优化过程中分解语句，执行时甚至不用访问表或索引。</a:t>
             </a:r>
           </a:p>
           <a:p>
-            <a:endParaRPr lang="zh-CN" altLang="en-US" dirty="0"/>
+            <a:endParaRPr lang="zh-CN" altLang="en-US" dirty="0">
+              <a:latin typeface="+mn-ea"/>
+            </a:endParaRPr>
           </a:p>
         </p:txBody>
       </p:sp>
@@ -20622,7 +18943,7 @@
 </p:sld>
 </file>
 
-<file path=ppt/slides/slide23.xml><?xml version="1.0" encoding="utf-8"?>
+<file path=ppt/slides/slide22.xml><?xml version="1.0" encoding="utf-8"?>
 <p:sld xmlns:a="http://schemas.openxmlformats.org/drawingml/2006/main" xmlns:r="http://schemas.openxmlformats.org/officeDocument/2006/relationships" xmlns:p="http://schemas.openxmlformats.org/presentationml/2006/main">
   <p:cSld>
     <p:spTree>
@@ -20780,28 +19101,24 @@
               </a:pPr>
               <a:r>
                 <a:rPr lang="en-US" altLang="zh-CN" b="1" dirty="0">
-                  <a:latin typeface="华文中宋" panose="02010600040101010101" pitchFamily="2" charset="-122"/>
-                  <a:ea typeface="华文中宋" panose="02010600040101010101" pitchFamily="2" charset="-122"/>
+                  <a:latin typeface="+mn-ea"/>
                 </a:rPr>
                 <a:t> </a:t>
               </a:r>
               <a:r>
                 <a:rPr lang="en-US" altLang="zh-CN" b="1" dirty="0" smtClean="0">
-                  <a:latin typeface="华文中宋" panose="02010600040101010101" pitchFamily="2" charset="-122"/>
-                  <a:ea typeface="华文中宋" panose="02010600040101010101" pitchFamily="2" charset="-122"/>
+                  <a:latin typeface="+mn-ea"/>
                 </a:rPr>
                 <a:t>Extra </a:t>
               </a:r>
               <a:r>
                 <a:rPr lang="zh-CN" altLang="en-US" b="1" dirty="0" smtClean="0">
-                  <a:latin typeface="华文中宋" panose="02010600040101010101" pitchFamily="2" charset="-122"/>
-                  <a:ea typeface="华文中宋" panose="02010600040101010101" pitchFamily="2" charset="-122"/>
+                  <a:latin typeface="+mn-ea"/>
                 </a:rPr>
                 <a:t>详解</a:t>
               </a:r>
               <a:endParaRPr lang="zh-CN" altLang="zh-CN" b="1" dirty="0">
-                <a:latin typeface="华文中宋" panose="02010600040101010101" pitchFamily="2" charset="-122"/>
-                <a:ea typeface="华文中宋" panose="02010600040101010101" pitchFamily="2" charset="-122"/>
+                <a:latin typeface="+mn-ea"/>
               </a:endParaRPr>
             </a:p>
           </p:txBody>
@@ -20832,43 +19149,37 @@
             <a:pPr lvl="0"/>
             <a:r>
               <a:rPr lang="en-US" altLang="zh-CN" dirty="0">
-                <a:latin typeface="华文中宋" panose="02010600040101010101" pitchFamily="2" charset="-122"/>
-                <a:ea typeface="华文中宋" panose="02010600040101010101" pitchFamily="2" charset="-122"/>
+                <a:latin typeface="+mn-ea"/>
               </a:rPr>
               <a:t>Using index </a:t>
             </a:r>
             <a:r>
               <a:rPr lang="zh-CN" altLang="zh-CN" dirty="0">
-                <a:latin typeface="华文中宋" panose="02010600040101010101" pitchFamily="2" charset="-122"/>
-                <a:ea typeface="华文中宋" panose="02010600040101010101" pitchFamily="2" charset="-122"/>
+                <a:latin typeface="+mn-ea"/>
               </a:rPr>
               <a:t>该值表示相应的</a:t>
             </a:r>
             <a:r>
               <a:rPr lang="en-US" altLang="zh-CN" dirty="0">
-                <a:latin typeface="华文中宋" panose="02010600040101010101" pitchFamily="2" charset="-122"/>
-                <a:ea typeface="华文中宋" panose="02010600040101010101" pitchFamily="2" charset="-122"/>
+                <a:latin typeface="+mn-ea"/>
               </a:rPr>
               <a:t>select</a:t>
             </a:r>
             <a:r>
               <a:rPr lang="zh-CN" altLang="zh-CN" dirty="0">
-                <a:latin typeface="华文中宋" panose="02010600040101010101" pitchFamily="2" charset="-122"/>
-                <a:ea typeface="华文中宋" panose="02010600040101010101" pitchFamily="2" charset="-122"/>
+                <a:latin typeface="+mn-ea"/>
               </a:rPr>
               <a:t>操作中使用了覆盖索引（</a:t>
             </a:r>
             <a:r>
               <a:rPr lang="en-US" altLang="zh-CN" dirty="0">
-                <a:latin typeface="华文中宋" panose="02010600040101010101" pitchFamily="2" charset="-122"/>
-                <a:ea typeface="华文中宋" panose="02010600040101010101" pitchFamily="2" charset="-122"/>
+                <a:latin typeface="+mn-ea"/>
               </a:rPr>
               <a:t>Covering Index</a:t>
             </a:r>
             <a:r>
               <a:rPr lang="zh-CN" altLang="zh-CN" dirty="0">
-                <a:latin typeface="华文中宋" panose="02010600040101010101" pitchFamily="2" charset="-122"/>
-                <a:ea typeface="华文中宋" panose="02010600040101010101" pitchFamily="2" charset="-122"/>
+                <a:latin typeface="+mn-ea"/>
               </a:rPr>
               <a:t>）</a:t>
             </a:r>
@@ -20877,127 +19188,109 @@
             <a:pPr lvl="0"/>
             <a:r>
               <a:rPr lang="en-US" altLang="zh-CN" dirty="0">
-                <a:latin typeface="华文中宋" panose="02010600040101010101" pitchFamily="2" charset="-122"/>
-                <a:ea typeface="华文中宋" panose="02010600040101010101" pitchFamily="2" charset="-122"/>
+                <a:latin typeface="+mn-ea"/>
               </a:rPr>
               <a:t>Using where </a:t>
             </a:r>
             <a:r>
               <a:rPr lang="zh-CN" altLang="zh-CN" dirty="0">
-                <a:latin typeface="华文中宋" panose="02010600040101010101" pitchFamily="2" charset="-122"/>
-                <a:ea typeface="华文中宋" panose="02010600040101010101" pitchFamily="2" charset="-122"/>
+                <a:latin typeface="+mn-ea"/>
               </a:rPr>
               <a:t>表示</a:t>
             </a:r>
             <a:r>
               <a:rPr lang="en-US" altLang="zh-CN" dirty="0">
-                <a:latin typeface="华文中宋" panose="02010600040101010101" pitchFamily="2" charset="-122"/>
-                <a:ea typeface="华文中宋" panose="02010600040101010101" pitchFamily="2" charset="-122"/>
+                <a:latin typeface="+mn-ea"/>
               </a:rPr>
               <a:t>MySQL</a:t>
             </a:r>
             <a:r>
               <a:rPr lang="zh-CN" altLang="zh-CN" dirty="0">
-                <a:latin typeface="华文中宋" panose="02010600040101010101" pitchFamily="2" charset="-122"/>
-                <a:ea typeface="华文中宋" panose="02010600040101010101" pitchFamily="2" charset="-122"/>
+                <a:latin typeface="+mn-ea"/>
               </a:rPr>
               <a:t>服务器在存储引擎受到记录后进行</a:t>
             </a:r>
             <a:r>
               <a:rPr lang="en-US" altLang="zh-CN" dirty="0">
-                <a:latin typeface="华文中宋" panose="02010600040101010101" pitchFamily="2" charset="-122"/>
-                <a:ea typeface="华文中宋" panose="02010600040101010101" pitchFamily="2" charset="-122"/>
+                <a:latin typeface="+mn-ea"/>
               </a:rPr>
               <a:t>“</a:t>
             </a:r>
             <a:r>
               <a:rPr lang="zh-CN" altLang="zh-CN" dirty="0">
-                <a:latin typeface="华文中宋" panose="02010600040101010101" pitchFamily="2" charset="-122"/>
-                <a:ea typeface="华文中宋" panose="02010600040101010101" pitchFamily="2" charset="-122"/>
+                <a:latin typeface="+mn-ea"/>
               </a:rPr>
               <a:t>后过滤</a:t>
             </a:r>
             <a:r>
               <a:rPr lang="en-US" altLang="zh-CN" dirty="0">
-                <a:latin typeface="华文中宋" panose="02010600040101010101" pitchFamily="2" charset="-122"/>
-                <a:ea typeface="华文中宋" panose="02010600040101010101" pitchFamily="2" charset="-122"/>
+                <a:latin typeface="+mn-ea"/>
               </a:rPr>
               <a:t>”</a:t>
             </a:r>
             <a:r>
               <a:rPr lang="zh-CN" altLang="zh-CN" dirty="0">
-                <a:latin typeface="华文中宋" panose="02010600040101010101" pitchFamily="2" charset="-122"/>
-                <a:ea typeface="华文中宋" panose="02010600040101010101" pitchFamily="2" charset="-122"/>
+                <a:latin typeface="+mn-ea"/>
               </a:rPr>
               <a:t>（</a:t>
             </a:r>
             <a:r>
               <a:rPr lang="en-US" altLang="zh-CN" dirty="0">
-                <a:latin typeface="华文中宋" panose="02010600040101010101" pitchFamily="2" charset="-122"/>
-                <a:ea typeface="华文中宋" panose="02010600040101010101" pitchFamily="2" charset="-122"/>
+                <a:latin typeface="+mn-ea"/>
               </a:rPr>
               <a:t>Post-filter</a:t>
             </a:r>
             <a:r>
               <a:rPr lang="zh-CN" altLang="zh-CN" dirty="0">
-                <a:latin typeface="华文中宋" panose="02010600040101010101" pitchFamily="2" charset="-122"/>
-                <a:ea typeface="华文中宋" panose="02010600040101010101" pitchFamily="2" charset="-122"/>
+                <a:latin typeface="+mn-ea"/>
               </a:rPr>
               <a:t>）</a:t>
             </a:r>
             <a:r>
               <a:rPr lang="en-US" altLang="zh-CN" dirty="0">
-                <a:latin typeface="华文中宋" panose="02010600040101010101" pitchFamily="2" charset="-122"/>
-                <a:ea typeface="华文中宋" panose="02010600040101010101" pitchFamily="2" charset="-122"/>
+                <a:latin typeface="+mn-ea"/>
               </a:rPr>
               <a:t>,</a:t>
             </a:r>
             <a:r>
               <a:rPr lang="zh-CN" altLang="zh-CN" dirty="0">
-                <a:latin typeface="华文中宋" panose="02010600040101010101" pitchFamily="2" charset="-122"/>
-                <a:ea typeface="华文中宋" panose="02010600040101010101" pitchFamily="2" charset="-122"/>
+                <a:latin typeface="+mn-ea"/>
               </a:rPr>
               <a:t>如果查询未能使用索引，</a:t>
             </a:r>
             <a:r>
               <a:rPr lang="en-US" altLang="zh-CN" dirty="0">
-                <a:latin typeface="华文中宋" panose="02010600040101010101" pitchFamily="2" charset="-122"/>
-                <a:ea typeface="华文中宋" panose="02010600040101010101" pitchFamily="2" charset="-122"/>
+                <a:latin typeface="+mn-ea"/>
               </a:rPr>
               <a:t>Using where</a:t>
             </a:r>
             <a:r>
               <a:rPr lang="zh-CN" altLang="zh-CN" dirty="0">
-                <a:latin typeface="华文中宋" panose="02010600040101010101" pitchFamily="2" charset="-122"/>
-                <a:ea typeface="华文中宋" panose="02010600040101010101" pitchFamily="2" charset="-122"/>
+                <a:latin typeface="+mn-ea"/>
               </a:rPr>
               <a:t>的作用只是提醒我们</a:t>
             </a:r>
             <a:r>
               <a:rPr lang="en-US" altLang="zh-CN" dirty="0">
-                <a:latin typeface="华文中宋" panose="02010600040101010101" pitchFamily="2" charset="-122"/>
-                <a:ea typeface="华文中宋" panose="02010600040101010101" pitchFamily="2" charset="-122"/>
+                <a:latin typeface="+mn-ea"/>
               </a:rPr>
               <a:t>MySQL</a:t>
             </a:r>
             <a:r>
               <a:rPr lang="zh-CN" altLang="zh-CN" dirty="0">
-                <a:latin typeface="华文中宋" panose="02010600040101010101" pitchFamily="2" charset="-122"/>
-                <a:ea typeface="华文中宋" panose="02010600040101010101" pitchFamily="2" charset="-122"/>
+                <a:latin typeface="+mn-ea"/>
               </a:rPr>
               <a:t>将用</a:t>
             </a:r>
             <a:r>
               <a:rPr lang="en-US" altLang="zh-CN" dirty="0">
-                <a:latin typeface="华文中宋" panose="02010600040101010101" pitchFamily="2" charset="-122"/>
-                <a:ea typeface="华文中宋" panose="02010600040101010101" pitchFamily="2" charset="-122"/>
+                <a:latin typeface="+mn-ea"/>
               </a:rPr>
               <a:t>where</a:t>
             </a:r>
             <a:r>
               <a:rPr lang="zh-CN" altLang="zh-CN" dirty="0">
-                <a:latin typeface="华文中宋" panose="02010600040101010101" pitchFamily="2" charset="-122"/>
-                <a:ea typeface="华文中宋" panose="02010600040101010101" pitchFamily="2" charset="-122"/>
+                <a:latin typeface="+mn-ea"/>
               </a:rPr>
               <a:t>子句来过滤结果集</a:t>
             </a:r>
@@ -21006,29 +19299,25 @@
             <a:pPr lvl="0"/>
             <a:r>
               <a:rPr lang="en-US" altLang="zh-CN" dirty="0">
-                <a:latin typeface="华文中宋" panose="02010600040101010101" pitchFamily="2" charset="-122"/>
-                <a:ea typeface="华文中宋" panose="02010600040101010101" pitchFamily="2" charset="-122"/>
+                <a:latin typeface="+mn-ea"/>
               </a:rPr>
               <a:t>Using temporary </a:t>
             </a:r>
             <a:r>
               <a:rPr lang="zh-CN" altLang="zh-CN" dirty="0">
-                <a:latin typeface="华文中宋" panose="02010600040101010101" pitchFamily="2" charset="-122"/>
-                <a:ea typeface="华文中宋" panose="02010600040101010101" pitchFamily="2" charset="-122"/>
+                <a:latin typeface="+mn-ea"/>
               </a:rPr>
               <a:t>表示</a:t>
             </a:r>
             <a:r>
               <a:rPr lang="en-US" altLang="zh-CN" dirty="0">
-                <a:latin typeface="华文中宋" panose="02010600040101010101" pitchFamily="2" charset="-122"/>
-                <a:ea typeface="华文中宋" panose="02010600040101010101" pitchFamily="2" charset="-122"/>
+                <a:latin typeface="+mn-ea"/>
               </a:rPr>
               <a:t>MySQL</a:t>
             </a:r>
             <a:r>
               <a:rPr lang="zh-CN" altLang="zh-CN" dirty="0">
-                <a:latin typeface="华文中宋" panose="02010600040101010101" pitchFamily="2" charset="-122"/>
-                <a:ea typeface="华文中宋" panose="02010600040101010101" pitchFamily="2" charset="-122"/>
+                <a:latin typeface="+mn-ea"/>
               </a:rPr>
               <a:t>需要使用临时表来存储结果集，常见于排序和分组查询</a:t>
             </a:r>
@@ -21037,60 +19326,54 @@
             <a:pPr lvl="0"/>
             <a:r>
               <a:rPr lang="en-US" altLang="zh-CN" dirty="0">
-                <a:latin typeface="华文中宋" panose="02010600040101010101" pitchFamily="2" charset="-122"/>
-                <a:ea typeface="华文中宋" panose="02010600040101010101" pitchFamily="2" charset="-122"/>
+                <a:latin typeface="+mn-ea"/>
               </a:rPr>
               <a:t>Using </a:t>
             </a:r>
             <a:r>
               <a:rPr lang="en-US" altLang="zh-CN" dirty="0" err="1">
-                <a:latin typeface="华文中宋" panose="02010600040101010101" pitchFamily="2" charset="-122"/>
-                <a:ea typeface="华文中宋" panose="02010600040101010101" pitchFamily="2" charset="-122"/>
+                <a:latin typeface="+mn-ea"/>
               </a:rPr>
               <a:t>filesort</a:t>
             </a:r>
             <a:r>
               <a:rPr lang="en-US" altLang="zh-CN" dirty="0">
-                <a:latin typeface="华文中宋" panose="02010600040101010101" pitchFamily="2" charset="-122"/>
-                <a:ea typeface="华文中宋" panose="02010600040101010101" pitchFamily="2" charset="-122"/>
+                <a:latin typeface="+mn-ea"/>
               </a:rPr>
               <a:t> MySQL</a:t>
             </a:r>
             <a:r>
               <a:rPr lang="zh-CN" altLang="zh-CN" dirty="0">
-                <a:latin typeface="华文中宋" panose="02010600040101010101" pitchFamily="2" charset="-122"/>
-                <a:ea typeface="华文中宋" panose="02010600040101010101" pitchFamily="2" charset="-122"/>
+                <a:latin typeface="+mn-ea"/>
               </a:rPr>
               <a:t>中无法利用索引完成的排序操作称为</a:t>
             </a:r>
             <a:r>
               <a:rPr lang="en-US" altLang="zh-CN" dirty="0">
-                <a:latin typeface="华文中宋" panose="02010600040101010101" pitchFamily="2" charset="-122"/>
-                <a:ea typeface="华文中宋" panose="02010600040101010101" pitchFamily="2" charset="-122"/>
+                <a:latin typeface="+mn-ea"/>
               </a:rPr>
               <a:t>“</a:t>
             </a:r>
             <a:r>
               <a:rPr lang="zh-CN" altLang="zh-CN" dirty="0">
-                <a:latin typeface="华文中宋" panose="02010600040101010101" pitchFamily="2" charset="-122"/>
-                <a:ea typeface="华文中宋" panose="02010600040101010101" pitchFamily="2" charset="-122"/>
+                <a:latin typeface="+mn-ea"/>
               </a:rPr>
               <a:t>文件排序</a:t>
             </a:r>
             <a:r>
               <a:rPr lang="en-US" altLang="zh-CN" dirty="0">
-                <a:latin typeface="华文中宋" panose="02010600040101010101" pitchFamily="2" charset="-122"/>
-                <a:ea typeface="华文中宋" panose="02010600040101010101" pitchFamily="2" charset="-122"/>
+                <a:latin typeface="+mn-ea"/>
               </a:rPr>
               <a:t>”</a:t>
             </a:r>
             <a:endParaRPr lang="zh-CN" altLang="zh-CN" dirty="0">
-              <a:latin typeface="华文中宋" panose="02010600040101010101" pitchFamily="2" charset="-122"/>
-              <a:ea typeface="华文中宋" panose="02010600040101010101" pitchFamily="2" charset="-122"/>
+              <a:latin typeface="+mn-ea"/>
             </a:endParaRPr>
           </a:p>
           <a:p>
-            <a:endParaRPr lang="zh-CN" altLang="en-US" dirty="0"/>
+            <a:endParaRPr lang="zh-CN" altLang="en-US" dirty="0">
+              <a:latin typeface="+mn-ea"/>
+            </a:endParaRPr>
           </a:p>
         </p:txBody>
       </p:sp>
@@ -21114,7 +19397,7 @@
 </p:sld>
 </file>
 
-<file path=ppt/slides/slide24.xml><?xml version="1.0" encoding="utf-8"?>
+<file path=ppt/slides/slide23.xml><?xml version="1.0" encoding="utf-8"?>
 <p:sld xmlns:a="http://schemas.openxmlformats.org/drawingml/2006/main" xmlns:r="http://schemas.openxmlformats.org/officeDocument/2006/relationships" xmlns:p="http://schemas.openxmlformats.org/presentationml/2006/main">
   <p:cSld>
     <p:spTree>
@@ -22028,7 +20311,469 @@
 </p:sld>
 </file>
 
+<file path=ppt/slides/slide24.xml><?xml version="1.0" encoding="utf-8"?>
+<p:sld xmlns:a="http://schemas.openxmlformats.org/drawingml/2006/main" xmlns:r="http://schemas.openxmlformats.org/officeDocument/2006/relationships" xmlns:p="http://schemas.openxmlformats.org/presentationml/2006/main">
+  <p:cSld>
+    <p:spTree>
+      <p:nvGrpSpPr>
+        <p:cNvPr id="1" name=""/>
+        <p:cNvGrpSpPr/>
+        <p:nvPr/>
+      </p:nvGrpSpPr>
+      <p:grpSpPr>
+        <a:xfrm>
+          <a:off x="0" y="0"/>
+          <a:ext cx="0" cy="0"/>
+          <a:chOff x="0" y="0"/>
+          <a:chExt cx="0" cy="0"/>
+        </a:xfrm>
+      </p:grpSpPr>
+      <p:grpSp>
+        <p:nvGrpSpPr>
+          <p:cNvPr id="5" name="组合 4"/>
+          <p:cNvGrpSpPr/>
+          <p:nvPr/>
+        </p:nvGrpSpPr>
+        <p:grpSpPr>
+          <a:xfrm>
+            <a:off x="412790" y="399616"/>
+            <a:ext cx="10782006" cy="548914"/>
+            <a:chOff x="0" y="0"/>
+            <a:chExt cx="8656876" cy="548914"/>
+          </a:xfrm>
+        </p:grpSpPr>
+        <p:sp>
+          <p:nvSpPr>
+            <p:cNvPr id="6" name="圆角矩形 5"/>
+            <p:cNvSpPr/>
+            <p:nvPr/>
+          </p:nvSpPr>
+          <p:spPr>
+            <a:xfrm>
+              <a:off x="0" y="0"/>
+              <a:ext cx="8656876" cy="548914"/>
+            </a:xfrm>
+            <a:prstGeom prst="roundRect">
+              <a:avLst/>
+            </a:prstGeom>
+            <a:solidFill>
+              <a:schemeClr val="accent6"/>
+            </a:solidFill>
+            <a:ln>
+              <a:noFill/>
+            </a:ln>
+          </p:spPr>
+          <p:style>
+            <a:lnRef idx="0">
+              <a:scrgbClr r="0" g="0" b="0"/>
+            </a:lnRef>
+            <a:fillRef idx="0">
+              <a:scrgbClr r="0" g="0" b="0"/>
+            </a:fillRef>
+            <a:effectRef idx="0">
+              <a:scrgbClr r="0" g="0" b="0"/>
+            </a:effectRef>
+            <a:fontRef idx="minor">
+              <a:schemeClr val="lt1"/>
+            </a:fontRef>
+          </p:style>
+        </p:sp>
+        <p:sp>
+          <p:nvSpPr>
+            <p:cNvPr id="7" name="圆角矩形 4"/>
+            <p:cNvSpPr txBox="1"/>
+            <p:nvPr/>
+          </p:nvSpPr>
+          <p:spPr>
+            <a:xfrm>
+              <a:off x="53592" y="26796"/>
+              <a:ext cx="8603284" cy="495322"/>
+            </a:xfrm>
+            <a:prstGeom prst="rect">
+              <a:avLst/>
+            </a:prstGeom>
+          </p:spPr>
+          <p:style>
+            <a:lnRef idx="0">
+              <a:scrgbClr r="0" g="0" b="0"/>
+            </a:lnRef>
+            <a:fillRef idx="0">
+              <a:scrgbClr r="0" g="0" b="0"/>
+            </a:fillRef>
+            <a:effectRef idx="0">
+              <a:scrgbClr r="0" g="0" b="0"/>
+            </a:effectRef>
+            <a:fontRef idx="minor">
+              <a:schemeClr val="lt1"/>
+            </a:fontRef>
+          </p:style>
+          <p:txBody>
+            <a:bodyPr spcFirstLastPara="0" vert="horz" wrap="square" lIns="60960" tIns="60960" rIns="60960" bIns="60960" numCol="1" spcCol="1270" anchor="ctr" anchorCtr="0">
+              <a:noAutofit/>
+            </a:bodyPr>
+            <a:lstStyle/>
+            <a:p>
+              <a:pPr lvl="0" algn="l" defTabSz="711200" rtl="0">
+                <a:lnSpc>
+                  <a:spcPct val="90000"/>
+                </a:lnSpc>
+                <a:spcBef>
+                  <a:spcPct val="0"/>
+                </a:spcBef>
+                <a:spcAft>
+                  <a:spcPct val="35000"/>
+                </a:spcAft>
+              </a:pPr>
+              <a:r>
+                <a:rPr lang="en-US" altLang="zh-CN" b="1" dirty="0" smtClean="0"/>
+                <a:t>Q1</a:t>
+              </a:r>
+              <a:r>
+                <a:rPr lang="zh-CN" altLang="en-US" b="1" dirty="0" smtClean="0"/>
+                <a:t>：主键 </a:t>
+              </a:r>
+              <a:r>
+                <a:rPr lang="en-US" altLang="zh-CN" b="1" dirty="0" err="1" smtClean="0"/>
+                <a:t>bigint</a:t>
+              </a:r>
+              <a:r>
+                <a:rPr lang="en-US" altLang="zh-CN" b="1" dirty="0" smtClean="0"/>
+                <a:t> VS </a:t>
+              </a:r>
+              <a:r>
+                <a:rPr lang="en-US" altLang="zh-CN" b="1" dirty="0" err="1" smtClean="0"/>
+                <a:t>varchar</a:t>
+              </a:r>
+              <a:endParaRPr lang="zh-CN" b="1" dirty="0"/>
+            </a:p>
+          </p:txBody>
+        </p:sp>
+      </p:grpSp>
+    </p:spTree>
+    <p:extLst>
+      <p:ext uri="{BB962C8B-B14F-4D97-AF65-F5344CB8AC3E}">
+        <p14:creationId xmlns:p14="http://schemas.microsoft.com/office/powerpoint/2010/main" val="2137203916"/>
+      </p:ext>
+    </p:extLst>
+  </p:cSld>
+  <p:clrMapOvr>
+    <a:masterClrMapping/>
+  </p:clrMapOvr>
+  <p:timing>
+    <p:tnLst>
+      <p:par>
+        <p:cTn id="1" dur="indefinite" restart="never" nodeType="tmRoot"/>
+      </p:par>
+    </p:tnLst>
+  </p:timing>
+</p:sld>
+</file>
+
 <file path=ppt/slides/slide25.xml><?xml version="1.0" encoding="utf-8"?>
+<p:sld xmlns:a="http://schemas.openxmlformats.org/drawingml/2006/main" xmlns:r="http://schemas.openxmlformats.org/officeDocument/2006/relationships" xmlns:p="http://schemas.openxmlformats.org/presentationml/2006/main">
+  <p:cSld>
+    <p:spTree>
+      <p:nvGrpSpPr>
+        <p:cNvPr id="1" name=""/>
+        <p:cNvGrpSpPr/>
+        <p:nvPr/>
+      </p:nvGrpSpPr>
+      <p:grpSpPr>
+        <a:xfrm>
+          <a:off x="0" y="0"/>
+          <a:ext cx="0" cy="0"/>
+          <a:chOff x="0" y="0"/>
+          <a:chExt cx="0" cy="0"/>
+        </a:xfrm>
+      </p:grpSpPr>
+      <p:grpSp>
+        <p:nvGrpSpPr>
+          <p:cNvPr id="5" name="组合 4"/>
+          <p:cNvGrpSpPr/>
+          <p:nvPr/>
+        </p:nvGrpSpPr>
+        <p:grpSpPr>
+          <a:xfrm>
+            <a:off x="412790" y="399616"/>
+            <a:ext cx="10782006" cy="548914"/>
+            <a:chOff x="0" y="0"/>
+            <a:chExt cx="8656876" cy="548914"/>
+          </a:xfrm>
+        </p:grpSpPr>
+        <p:sp>
+          <p:nvSpPr>
+            <p:cNvPr id="6" name="圆角矩形 5"/>
+            <p:cNvSpPr/>
+            <p:nvPr/>
+          </p:nvSpPr>
+          <p:spPr>
+            <a:xfrm>
+              <a:off x="0" y="0"/>
+              <a:ext cx="8656876" cy="548914"/>
+            </a:xfrm>
+            <a:prstGeom prst="roundRect">
+              <a:avLst/>
+            </a:prstGeom>
+            <a:solidFill>
+              <a:schemeClr val="accent6"/>
+            </a:solidFill>
+            <a:ln>
+              <a:noFill/>
+            </a:ln>
+          </p:spPr>
+          <p:style>
+            <a:lnRef idx="0">
+              <a:scrgbClr r="0" g="0" b="0"/>
+            </a:lnRef>
+            <a:fillRef idx="0">
+              <a:scrgbClr r="0" g="0" b="0"/>
+            </a:fillRef>
+            <a:effectRef idx="0">
+              <a:scrgbClr r="0" g="0" b="0"/>
+            </a:effectRef>
+            <a:fontRef idx="minor">
+              <a:schemeClr val="lt1"/>
+            </a:fontRef>
+          </p:style>
+        </p:sp>
+        <p:sp>
+          <p:nvSpPr>
+            <p:cNvPr id="7" name="圆角矩形 4"/>
+            <p:cNvSpPr txBox="1"/>
+            <p:nvPr/>
+          </p:nvSpPr>
+          <p:spPr>
+            <a:xfrm>
+              <a:off x="53592" y="26796"/>
+              <a:ext cx="8603284" cy="495322"/>
+            </a:xfrm>
+            <a:prstGeom prst="rect">
+              <a:avLst/>
+            </a:prstGeom>
+          </p:spPr>
+          <p:style>
+            <a:lnRef idx="0">
+              <a:scrgbClr r="0" g="0" b="0"/>
+            </a:lnRef>
+            <a:fillRef idx="0">
+              <a:scrgbClr r="0" g="0" b="0"/>
+            </a:fillRef>
+            <a:effectRef idx="0">
+              <a:scrgbClr r="0" g="0" b="0"/>
+            </a:effectRef>
+            <a:fontRef idx="minor">
+              <a:schemeClr val="lt1"/>
+            </a:fontRef>
+          </p:style>
+          <p:txBody>
+            <a:bodyPr spcFirstLastPara="0" vert="horz" wrap="square" lIns="60960" tIns="60960" rIns="60960" bIns="60960" numCol="1" spcCol="1270" anchor="ctr" anchorCtr="0">
+              <a:noAutofit/>
+            </a:bodyPr>
+            <a:lstStyle/>
+            <a:p>
+              <a:pPr lvl="0" algn="l" defTabSz="711200" rtl="0">
+                <a:lnSpc>
+                  <a:spcPct val="90000"/>
+                </a:lnSpc>
+                <a:spcBef>
+                  <a:spcPct val="0"/>
+                </a:spcBef>
+                <a:spcAft>
+                  <a:spcPct val="35000"/>
+                </a:spcAft>
+              </a:pPr>
+              <a:r>
+                <a:rPr lang="en-US" altLang="zh-CN" b="1" dirty="0" smtClean="0"/>
+                <a:t>Q2</a:t>
+              </a:r>
+              <a:r>
+                <a:rPr lang="zh-CN" altLang="en-US" b="1" dirty="0" smtClean="0"/>
+                <a:t>：逻辑删除 </a:t>
+              </a:r>
+              <a:r>
+                <a:rPr lang="en-US" altLang="zh-CN" b="1" dirty="0" smtClean="0"/>
+                <a:t>VS </a:t>
+              </a:r>
+              <a:r>
+                <a:rPr lang="zh-CN" altLang="en-US" b="1" dirty="0" smtClean="0"/>
+                <a:t>物理删除</a:t>
+              </a:r>
+              <a:endParaRPr lang="zh-CN" b="1" dirty="0"/>
+            </a:p>
+          </p:txBody>
+        </p:sp>
+      </p:grpSp>
+    </p:spTree>
+    <p:extLst>
+      <p:ext uri="{BB962C8B-B14F-4D97-AF65-F5344CB8AC3E}">
+        <p14:creationId xmlns:p14="http://schemas.microsoft.com/office/powerpoint/2010/main" val="883431933"/>
+      </p:ext>
+    </p:extLst>
+  </p:cSld>
+  <p:clrMapOvr>
+    <a:masterClrMapping/>
+  </p:clrMapOvr>
+  <p:timing>
+    <p:tnLst>
+      <p:par>
+        <p:cTn id="1" dur="indefinite" restart="never" nodeType="tmRoot"/>
+      </p:par>
+    </p:tnLst>
+  </p:timing>
+</p:sld>
+</file>
+
+<file path=ppt/slides/slide26.xml><?xml version="1.0" encoding="utf-8"?>
+<p:sld xmlns:a="http://schemas.openxmlformats.org/drawingml/2006/main" xmlns:r="http://schemas.openxmlformats.org/officeDocument/2006/relationships" xmlns:p="http://schemas.openxmlformats.org/presentationml/2006/main">
+  <p:cSld>
+    <p:spTree>
+      <p:nvGrpSpPr>
+        <p:cNvPr id="1" name=""/>
+        <p:cNvGrpSpPr/>
+        <p:nvPr/>
+      </p:nvGrpSpPr>
+      <p:grpSpPr>
+        <a:xfrm>
+          <a:off x="0" y="0"/>
+          <a:ext cx="0" cy="0"/>
+          <a:chOff x="0" y="0"/>
+          <a:chExt cx="0" cy="0"/>
+        </a:xfrm>
+      </p:grpSpPr>
+      <p:grpSp>
+        <p:nvGrpSpPr>
+          <p:cNvPr id="5" name="组合 4"/>
+          <p:cNvGrpSpPr/>
+          <p:nvPr/>
+        </p:nvGrpSpPr>
+        <p:grpSpPr>
+          <a:xfrm>
+            <a:off x="412790" y="399616"/>
+            <a:ext cx="10782006" cy="548914"/>
+            <a:chOff x="0" y="0"/>
+            <a:chExt cx="8656876" cy="548914"/>
+          </a:xfrm>
+        </p:grpSpPr>
+        <p:sp>
+          <p:nvSpPr>
+            <p:cNvPr id="6" name="圆角矩形 5"/>
+            <p:cNvSpPr/>
+            <p:nvPr/>
+          </p:nvSpPr>
+          <p:spPr>
+            <a:xfrm>
+              <a:off x="0" y="0"/>
+              <a:ext cx="8656876" cy="548914"/>
+            </a:xfrm>
+            <a:prstGeom prst="roundRect">
+              <a:avLst/>
+            </a:prstGeom>
+            <a:solidFill>
+              <a:schemeClr val="accent6"/>
+            </a:solidFill>
+            <a:ln>
+              <a:noFill/>
+            </a:ln>
+          </p:spPr>
+          <p:style>
+            <a:lnRef idx="0">
+              <a:scrgbClr r="0" g="0" b="0"/>
+            </a:lnRef>
+            <a:fillRef idx="0">
+              <a:scrgbClr r="0" g="0" b="0"/>
+            </a:fillRef>
+            <a:effectRef idx="0">
+              <a:scrgbClr r="0" g="0" b="0"/>
+            </a:effectRef>
+            <a:fontRef idx="minor">
+              <a:schemeClr val="lt1"/>
+            </a:fontRef>
+          </p:style>
+        </p:sp>
+        <p:sp>
+          <p:nvSpPr>
+            <p:cNvPr id="7" name="圆角矩形 4"/>
+            <p:cNvSpPr txBox="1"/>
+            <p:nvPr/>
+          </p:nvSpPr>
+          <p:spPr>
+            <a:xfrm>
+              <a:off x="53592" y="26796"/>
+              <a:ext cx="8603284" cy="495322"/>
+            </a:xfrm>
+            <a:prstGeom prst="rect">
+              <a:avLst/>
+            </a:prstGeom>
+          </p:spPr>
+          <p:style>
+            <a:lnRef idx="0">
+              <a:scrgbClr r="0" g="0" b="0"/>
+            </a:lnRef>
+            <a:fillRef idx="0">
+              <a:scrgbClr r="0" g="0" b="0"/>
+            </a:fillRef>
+            <a:effectRef idx="0">
+              <a:scrgbClr r="0" g="0" b="0"/>
+            </a:effectRef>
+            <a:fontRef idx="minor">
+              <a:schemeClr val="lt1"/>
+            </a:fontRef>
+          </p:style>
+          <p:txBody>
+            <a:bodyPr spcFirstLastPara="0" vert="horz" wrap="square" lIns="60960" tIns="60960" rIns="60960" bIns="60960" numCol="1" spcCol="1270" anchor="ctr" anchorCtr="0">
+              <a:noAutofit/>
+            </a:bodyPr>
+            <a:lstStyle/>
+            <a:p>
+              <a:pPr lvl="0" algn="l" defTabSz="711200" rtl="0">
+                <a:lnSpc>
+                  <a:spcPct val="90000"/>
+                </a:lnSpc>
+                <a:spcBef>
+                  <a:spcPct val="0"/>
+                </a:spcBef>
+                <a:spcAft>
+                  <a:spcPct val="35000"/>
+                </a:spcAft>
+              </a:pPr>
+              <a:r>
+                <a:rPr lang="en-US" altLang="zh-CN" b="1" dirty="0" smtClean="0"/>
+                <a:t>Q3</a:t>
+              </a:r>
+              <a:r>
+                <a:rPr lang="zh-CN" altLang="en-US" b="1" smtClean="0"/>
+                <a:t>： </a:t>
+              </a:r>
+              <a:r>
+                <a:rPr lang="zh-CN" altLang="en-US" b="1" dirty="0" smtClean="0"/>
+                <a:t>页数过大如何查询数据</a:t>
+              </a:r>
+              <a:endParaRPr lang="zh-CN" b="1" dirty="0"/>
+            </a:p>
+          </p:txBody>
+        </p:sp>
+      </p:grpSp>
+    </p:spTree>
+    <p:extLst>
+      <p:ext uri="{BB962C8B-B14F-4D97-AF65-F5344CB8AC3E}">
+        <p14:creationId xmlns:p14="http://schemas.microsoft.com/office/powerpoint/2010/main" val="310321365"/>
+      </p:ext>
+    </p:extLst>
+  </p:cSld>
+  <p:clrMapOvr>
+    <a:masterClrMapping/>
+  </p:clrMapOvr>
+  <p:timing>
+    <p:tnLst>
+      <p:par>
+        <p:cTn id="1" dur="indefinite" restart="never" nodeType="tmRoot"/>
+      </p:par>
+    </p:tnLst>
+  </p:timing>
+</p:sld>
+</file>
+
+<file path=ppt/slides/slide27.xml><?xml version="1.0" encoding="utf-8"?>
 <p:sld xmlns:a="http://schemas.openxmlformats.org/drawingml/2006/main" xmlns:r="http://schemas.openxmlformats.org/officeDocument/2006/relationships" xmlns:p="http://schemas.openxmlformats.org/presentationml/2006/main">
   <p:cSld>
     <p:spTree>
@@ -22942,7 +21687,7 @@
 </p:sld>
 </file>
 
-<file path=ppt/slides/slide26.xml><?xml version="1.0" encoding="utf-8"?>
+<file path=ppt/slides/slide28.xml><?xml version="1.0" encoding="utf-8"?>
 <p:sld xmlns:a="http://schemas.openxmlformats.org/drawingml/2006/main" xmlns:r="http://schemas.openxmlformats.org/officeDocument/2006/relationships" xmlns:p="http://schemas.openxmlformats.org/presentationml/2006/main">
   <p:cSld>
     <p:spTree>
@@ -25058,111 +23803,6 @@
                 </a:solidFill>
                 <a:latin typeface="+mn-ea"/>
               </a:rPr>
-              <a:t>索引基础</a:t>
-            </a:r>
-            <a:endParaRPr lang="zh-CN" altLang="en-US" sz="3200" b="1" dirty="0">
-              <a:solidFill>
-                <a:srgbClr val="52C018"/>
-              </a:solidFill>
-              <a:latin typeface="+mn-ea"/>
-            </a:endParaRPr>
-          </a:p>
-        </p:txBody>
-      </p:sp>
-      <p:graphicFrame>
-        <p:nvGraphicFramePr>
-          <p:cNvPr id="9" name="内容占位符 2"/>
-          <p:cNvGraphicFramePr>
-            <a:graphicFrameLocks/>
-          </p:cNvGraphicFramePr>
-          <p:nvPr>
-            <p:extLst/>
-          </p:nvPr>
-        </p:nvGraphicFramePr>
-        <p:xfrm>
-          <a:off x="419542" y="1144397"/>
-          <a:ext cx="11137720" cy="5275257"/>
-        </p:xfrm>
-        <a:graphic>
-          <a:graphicData uri="http://schemas.openxmlformats.org/drawingml/2006/diagram">
-            <dgm:relIds xmlns:dgm="http://schemas.openxmlformats.org/drawingml/2006/diagram" xmlns:r="http://schemas.openxmlformats.org/officeDocument/2006/relationships" r:dm="rId3" r:lo="rId4" r:qs="rId5" r:cs="rId6"/>
-          </a:graphicData>
-        </a:graphic>
-      </p:graphicFrame>
-    </p:spTree>
-    <p:extLst>
-      <p:ext uri="{BB962C8B-B14F-4D97-AF65-F5344CB8AC3E}">
-        <p14:creationId xmlns:p14="http://schemas.microsoft.com/office/powerpoint/2010/main" val="202095137"/>
-      </p:ext>
-    </p:extLst>
-  </p:cSld>
-  <p:clrMapOvr>
-    <a:masterClrMapping/>
-  </p:clrMapOvr>
-  <mc:AlternateContent xmlns:mc="http://schemas.openxmlformats.org/markup-compatibility/2006">
-    <mc:Choice xmlns:p14="http://schemas.microsoft.com/office/powerpoint/2010/main" Requires="p14">
-      <p:transition spd="slow" p14:dur="2000"/>
-    </mc:Choice>
-    <mc:Fallback>
-      <p:transition spd="slow"/>
-    </mc:Fallback>
-  </mc:AlternateContent>
-  <p:timing>
-    <p:tnLst>
-      <p:par>
-        <p:cTn id="1" dur="indefinite" restart="never" nodeType="tmRoot"/>
-      </p:par>
-    </p:tnLst>
-  </p:timing>
-</p:sld>
-</file>
-
-<file path=ppt/slides/slide8.xml><?xml version="1.0" encoding="utf-8"?>
-<p:sld xmlns:a="http://schemas.openxmlformats.org/drawingml/2006/main" xmlns:r="http://schemas.openxmlformats.org/officeDocument/2006/relationships" xmlns:p="http://schemas.openxmlformats.org/presentationml/2006/main">
-  <p:cSld>
-    <p:spTree>
-      <p:nvGrpSpPr>
-        <p:cNvPr id="1" name=""/>
-        <p:cNvGrpSpPr/>
-        <p:nvPr/>
-      </p:nvGrpSpPr>
-      <p:grpSpPr>
-        <a:xfrm>
-          <a:off x="0" y="0"/>
-          <a:ext cx="0" cy="0"/>
-          <a:chOff x="0" y="0"/>
-          <a:chExt cx="0" cy="0"/>
-        </a:xfrm>
-      </p:grpSpPr>
-      <p:sp>
-        <p:nvSpPr>
-          <p:cNvPr id="2" name="文本框 1"/>
-          <p:cNvSpPr txBox="1"/>
-          <p:nvPr/>
-        </p:nvSpPr>
-        <p:spPr>
-          <a:xfrm flipH="1">
-            <a:off x="249160" y="177836"/>
-            <a:ext cx="6492298" cy="584775"/>
-          </a:xfrm>
-          <a:prstGeom prst="rect">
-            <a:avLst/>
-          </a:prstGeom>
-          <a:noFill/>
-        </p:spPr>
-        <p:txBody>
-          <a:bodyPr wrap="square" rtlCol="0">
-            <a:spAutoFit/>
-          </a:bodyPr>
-          <a:lstStyle/>
-          <a:p>
-            <a:r>
-              <a:rPr lang="zh-CN" altLang="en-US" sz="3200" b="1" dirty="0" smtClean="0">
-                <a:solidFill>
-                  <a:srgbClr val="52C018"/>
-                </a:solidFill>
-                <a:latin typeface="+mn-ea"/>
-              </a:rPr>
               <a:t>索引</a:t>
             </a:r>
             <a:r>
@@ -25330,7 +23970,15 @@
             </a:r>
             <a:r>
               <a:rPr lang="zh-CN" altLang="en-US" dirty="0"/>
-              <a:t>注意到某些索引值被使用得非常频繁时</a:t>
+              <a:t>注意</a:t>
+            </a:r>
+            <a:r>
+              <a:rPr lang="zh-CN" altLang="en-US" dirty="0" smtClean="0"/>
+              <a:t>到某些索引</a:t>
+            </a:r>
+            <a:r>
+              <a:rPr lang="zh-CN" altLang="en-US" dirty="0"/>
+              <a:t>值被使用得非常频繁时</a:t>
             </a:r>
             <a:r>
               <a:rPr lang="zh-CN" altLang="en-US" dirty="0" smtClean="0"/>
@@ -25405,8 +24053,8 @@
         </p:nvSpPr>
         <p:spPr>
           <a:xfrm>
-            <a:off x="7074569" y="3407343"/>
-            <a:ext cx="3513221" cy="1754326"/>
+            <a:off x="5673537" y="5014762"/>
+            <a:ext cx="4307861" cy="369332"/>
           </a:xfrm>
           <a:prstGeom prst="rect">
             <a:avLst/>
@@ -25420,15 +24068,33 @@
           <a:lstStyle/>
           <a:p>
             <a:r>
-              <a:rPr lang="en-US" altLang="zh-CN" dirty="0" err="1"/>
-              <a:t>Innodb</a:t>
+              <a:rPr lang="zh-CN" altLang="en-US" dirty="0" smtClean="0"/>
+              <a:t>使用场景：</a:t>
             </a:r>
             <a:r>
               <a:rPr lang="zh-CN" altLang="en-US" dirty="0"/>
-              <a:t>存储引擎会监控对表上二级索引的查找，如果发现某二级索引被频繁访问，二级索引成为热数据，建立哈希索引可以带来速度的提升。</a:t>
-            </a:r>
-          </a:p>
-          <a:p>
+              <a:t> </a:t>
+            </a:r>
+            <a:r>
+              <a:rPr lang="en-US" altLang="zh-CN" dirty="0"/>
+              <a:t>= </a:t>
+            </a:r>
+            <a:r>
+              <a:rPr lang="zh-CN" altLang="en-US" dirty="0"/>
+              <a:t>和 </a:t>
+            </a:r>
+            <a:r>
+              <a:rPr lang="en-US" altLang="zh-CN" dirty="0"/>
+              <a:t>IN </a:t>
+            </a:r>
+            <a:r>
+              <a:rPr lang="zh-CN" altLang="en-US" dirty="0"/>
+              <a:t>操作符的等值</a:t>
+            </a:r>
+            <a:r>
+              <a:rPr lang="zh-CN" altLang="en-US" dirty="0" smtClean="0"/>
+              <a:t>查询。</a:t>
+            </a:r>
             <a:endParaRPr lang="zh-CN" altLang="en-US" dirty="0"/>
           </a:p>
         </p:txBody>
@@ -25453,7 +24119,7 @@
 </p:sld>
 </file>
 
-<file path=ppt/slides/slide9.xml><?xml version="1.0" encoding="utf-8"?>
+<file path=ppt/slides/slide8.xml><?xml version="1.0" encoding="utf-8"?>
 <p:sld xmlns:a="http://schemas.openxmlformats.org/drawingml/2006/main" xmlns:r="http://schemas.openxmlformats.org/officeDocument/2006/relationships" xmlns:p="http://schemas.openxmlformats.org/presentationml/2006/main">
   <p:cSld>
     <p:spTree>
@@ -25499,139 +24165,229 @@
                 </a:solidFill>
                 <a:latin typeface="+mn-ea"/>
               </a:rPr>
-              <a:t>索引</a:t>
-            </a:r>
-            <a:r>
-              <a:rPr lang="zh-CN" altLang="en-US" sz="3200" b="1" dirty="0">
-                <a:solidFill>
-                  <a:srgbClr val="52C018"/>
-                </a:solidFill>
-                <a:latin typeface="+mn-ea"/>
-              </a:rPr>
-              <a:t>基础</a:t>
-            </a:r>
+              <a:t>索引基础</a:t>
+            </a:r>
+            <a:endParaRPr lang="zh-CN" altLang="en-US" sz="3200" b="1" dirty="0">
+              <a:solidFill>
+                <a:srgbClr val="52C018"/>
+              </a:solidFill>
+              <a:latin typeface="+mn-ea"/>
+            </a:endParaRPr>
           </a:p>
         </p:txBody>
       </p:sp>
-      <p:grpSp>
-        <p:nvGrpSpPr>
-          <p:cNvPr id="5" name="组合 4"/>
-          <p:cNvGrpSpPr/>
-          <p:nvPr/>
-        </p:nvGrpSpPr>
-        <p:grpSpPr>
-          <a:xfrm>
-            <a:off x="249160" y="1025259"/>
-            <a:ext cx="10782006" cy="548914"/>
-            <a:chOff x="0" y="0"/>
-            <a:chExt cx="8656876" cy="548914"/>
-          </a:xfrm>
-        </p:grpSpPr>
-        <p:sp>
-          <p:nvSpPr>
-            <p:cNvPr id="6" name="圆角矩形 5"/>
-            <p:cNvSpPr/>
-            <p:nvPr/>
-          </p:nvSpPr>
-          <p:spPr>
-            <a:xfrm>
-              <a:off x="0" y="0"/>
-              <a:ext cx="8656876" cy="548914"/>
-            </a:xfrm>
-            <a:prstGeom prst="roundRect">
-              <a:avLst/>
-            </a:prstGeom>
-            <a:solidFill>
-              <a:schemeClr val="accent6"/>
-            </a:solidFill>
-            <a:ln>
-              <a:noFill/>
-            </a:ln>
-          </p:spPr>
-          <p:style>
-            <a:lnRef idx="0">
-              <a:scrgbClr r="0" g="0" b="0"/>
-            </a:lnRef>
-            <a:fillRef idx="0">
-              <a:scrgbClr r="0" g="0" b="0"/>
-            </a:fillRef>
-            <a:effectRef idx="0">
-              <a:scrgbClr r="0" g="0" b="0"/>
-            </a:effectRef>
-            <a:fontRef idx="minor">
-              <a:schemeClr val="lt1"/>
-            </a:fontRef>
-          </p:style>
-        </p:sp>
-        <p:sp>
-          <p:nvSpPr>
-            <p:cNvPr id="7" name="圆角矩形 4"/>
-            <p:cNvSpPr txBox="1"/>
-            <p:nvPr/>
-          </p:nvSpPr>
-          <p:spPr>
-            <a:xfrm>
-              <a:off x="53592" y="26796"/>
-              <a:ext cx="8603284" cy="495322"/>
-            </a:xfrm>
-            <a:prstGeom prst="rect">
-              <a:avLst/>
-            </a:prstGeom>
-          </p:spPr>
-          <p:style>
-            <a:lnRef idx="0">
-              <a:scrgbClr r="0" g="0" b="0"/>
-            </a:lnRef>
-            <a:fillRef idx="0">
-              <a:scrgbClr r="0" g="0" b="0"/>
-            </a:fillRef>
-            <a:effectRef idx="0">
-              <a:scrgbClr r="0" g="0" b="0"/>
-            </a:effectRef>
-            <a:fontRef idx="minor">
-              <a:schemeClr val="lt1"/>
-            </a:fontRef>
-          </p:style>
-          <p:txBody>
-            <a:bodyPr spcFirstLastPara="0" vert="horz" wrap="square" lIns="60960" tIns="60960" rIns="60960" bIns="60960" numCol="1" spcCol="1270" anchor="ctr" anchorCtr="0">
-              <a:noAutofit/>
-            </a:bodyPr>
-            <a:lstStyle/>
-            <a:p>
-              <a:pPr lvl="0" algn="l" defTabSz="711200" rtl="0">
-                <a:lnSpc>
-                  <a:spcPct val="90000"/>
-                </a:lnSpc>
-                <a:spcBef>
-                  <a:spcPct val="0"/>
-                </a:spcBef>
-                <a:spcAft>
-                  <a:spcPct val="35000"/>
-                </a:spcAft>
-              </a:pPr>
-              <a:r>
-                <a:rPr lang="zh-CN" altLang="en-US" b="1" dirty="0" smtClean="0"/>
-                <a:t>索引建立</a:t>
-              </a:r>
-              <a:r>
-                <a:rPr lang="zh-CN" altLang="en-US" b="1" dirty="0" smtClean="0"/>
-                <a:t>原则</a:t>
-              </a:r>
-              <a:endParaRPr lang="zh-CN" b="1" dirty="0"/>
-            </a:p>
-          </p:txBody>
-        </p:sp>
-      </p:grpSp>
+      <p:graphicFrame>
+        <p:nvGraphicFramePr>
+          <p:cNvPr id="9" name="内容占位符 2"/>
+          <p:cNvGraphicFramePr>
+            <a:graphicFrameLocks/>
+          </p:cNvGraphicFramePr>
+          <p:nvPr>
+            <p:extLst/>
+          </p:nvPr>
+        </p:nvGraphicFramePr>
+        <p:xfrm>
+          <a:off x="419542" y="1144397"/>
+          <a:ext cx="11137720" cy="5275257"/>
+        </p:xfrm>
+        <a:graphic>
+          <a:graphicData uri="http://schemas.openxmlformats.org/drawingml/2006/diagram">
+            <dgm:relIds xmlns:dgm="http://schemas.openxmlformats.org/drawingml/2006/diagram" xmlns:r="http://schemas.openxmlformats.org/officeDocument/2006/relationships" r:dm="rId3" r:lo="rId4" r:qs="rId5" r:cs="rId6"/>
+          </a:graphicData>
+        </a:graphic>
+      </p:graphicFrame>
+    </p:spTree>
+    <p:extLst>
+      <p:ext uri="{BB962C8B-B14F-4D97-AF65-F5344CB8AC3E}">
+        <p14:creationId xmlns:p14="http://schemas.microsoft.com/office/powerpoint/2010/main" val="202095137"/>
+      </p:ext>
+    </p:extLst>
+  </p:cSld>
+  <p:clrMapOvr>
+    <a:masterClrMapping/>
+  </p:clrMapOvr>
+  <mc:AlternateContent xmlns:mc="http://schemas.openxmlformats.org/markup-compatibility/2006" xmlns:p14="http://schemas.microsoft.com/office/powerpoint/2010/main">
+    <mc:Choice Requires="p14">
+      <p:transition spd="slow" p14:dur="2000"/>
+    </mc:Choice>
+    <mc:Fallback xmlns="">
+      <p:transition spd="slow"/>
+    </mc:Fallback>
+  </mc:AlternateContent>
+  <p:timing>
+    <p:tnLst>
+      <p:par>
+        <p:cTn id="1" dur="indefinite" restart="never" nodeType="tmRoot"/>
+      </p:par>
+    </p:tnLst>
+  </p:timing>
+</p:sld>
+</file>
+
+<file path=ppt/slides/slide9.xml><?xml version="1.0" encoding="utf-8"?>
+<p:sld xmlns:a="http://schemas.openxmlformats.org/drawingml/2006/main" xmlns:r="http://schemas.openxmlformats.org/officeDocument/2006/relationships" xmlns:p="http://schemas.openxmlformats.org/presentationml/2006/main">
+  <p:cSld>
+    <p:spTree>
+      <p:nvGrpSpPr>
+        <p:cNvPr id="1" name=""/>
+        <p:cNvGrpSpPr/>
+        <p:nvPr/>
+      </p:nvGrpSpPr>
+      <p:grpSpPr>
+        <a:xfrm>
+          <a:off x="0" y="0"/>
+          <a:ext cx="0" cy="0"/>
+          <a:chOff x="0" y="0"/>
+          <a:chExt cx="0" cy="0"/>
+        </a:xfrm>
+      </p:grpSpPr>
       <p:sp>
         <p:nvSpPr>
-          <p:cNvPr id="3" name="文本框 2"/>
-          <p:cNvSpPr txBox="1"/>
-          <p:nvPr/>
+          <p:cNvPr id="2" name="MH_Title"/>
+          <p:cNvSpPr/>
+          <p:nvPr>
+            <p:custDataLst>
+              <p:tags r:id="rId2"/>
+            </p:custDataLst>
+          </p:nvPr>
         </p:nvSpPr>
         <p:spPr>
           <a:xfrm>
-            <a:off x="741145" y="2156059"/>
-            <a:ext cx="8787866" cy="369332"/>
+            <a:off x="4707738" y="3108897"/>
+            <a:ext cx="7484262" cy="737389"/>
+          </a:xfrm>
+          <a:custGeom>
+            <a:avLst/>
+            <a:gdLst>
+              <a:gd name="connsiteX0" fmla="*/ 0 w 5609212"/>
+              <a:gd name="connsiteY0" fmla="*/ 0 h 504056"/>
+              <a:gd name="connsiteX1" fmla="*/ 5609212 w 5609212"/>
+              <a:gd name="connsiteY1" fmla="*/ 0 h 504056"/>
+              <a:gd name="connsiteX2" fmla="*/ 5609212 w 5609212"/>
+              <a:gd name="connsiteY2" fmla="*/ 504056 h 504056"/>
+              <a:gd name="connsiteX3" fmla="*/ 0 w 5609212"/>
+              <a:gd name="connsiteY3" fmla="*/ 504056 h 504056"/>
+              <a:gd name="connsiteX4" fmla="*/ 0 w 5609212"/>
+              <a:gd name="connsiteY4" fmla="*/ 0 h 504056"/>
+              <a:gd name="connsiteX0" fmla="*/ 0 w 5609212"/>
+              <a:gd name="connsiteY0" fmla="*/ 0 h 504056"/>
+              <a:gd name="connsiteX1" fmla="*/ 5609212 w 5609212"/>
+              <a:gd name="connsiteY1" fmla="*/ 0 h 504056"/>
+              <a:gd name="connsiteX2" fmla="*/ 5609212 w 5609212"/>
+              <a:gd name="connsiteY2" fmla="*/ 504056 h 504056"/>
+              <a:gd name="connsiteX3" fmla="*/ 128954 w 5609212"/>
+              <a:gd name="connsiteY3" fmla="*/ 504056 h 504056"/>
+              <a:gd name="connsiteX4" fmla="*/ 0 w 5609212"/>
+              <a:gd name="connsiteY4" fmla="*/ 0 h 504056"/>
+            </a:gdLst>
+            <a:ahLst/>
+            <a:cxnLst>
+              <a:cxn ang="0">
+                <a:pos x="connsiteX0" y="connsiteY0"/>
+              </a:cxn>
+              <a:cxn ang="0">
+                <a:pos x="connsiteX1" y="connsiteY1"/>
+              </a:cxn>
+              <a:cxn ang="0">
+                <a:pos x="connsiteX2" y="connsiteY2"/>
+              </a:cxn>
+              <a:cxn ang="0">
+                <a:pos x="connsiteX3" y="connsiteY3"/>
+              </a:cxn>
+              <a:cxn ang="0">
+                <a:pos x="connsiteX4" y="connsiteY4"/>
+              </a:cxn>
+            </a:cxnLst>
+            <a:rect l="l" t="t" r="r" b="b"/>
+            <a:pathLst>
+              <a:path w="5609212" h="504056">
+                <a:moveTo>
+                  <a:pt x="0" y="0"/>
+                </a:moveTo>
+                <a:lnTo>
+                  <a:pt x="5609212" y="0"/>
+                </a:lnTo>
+                <a:lnTo>
+                  <a:pt x="5609212" y="504056"/>
+                </a:lnTo>
+                <a:lnTo>
+                  <a:pt x="128954" y="504056"/>
+                </a:lnTo>
+                <a:lnTo>
+                  <a:pt x="0" y="0"/>
+                </a:lnTo>
+                <a:close/>
+              </a:path>
+            </a:pathLst>
+          </a:custGeom>
+          <a:solidFill>
+            <a:srgbClr val="7EC234"/>
+          </a:solidFill>
+          <a:ln>
+            <a:noFill/>
+          </a:ln>
+        </p:spPr>
+        <p:style>
+          <a:lnRef idx="2">
+            <a:schemeClr val="accent1">
+              <a:shade val="50000"/>
+            </a:schemeClr>
+          </a:lnRef>
+          <a:fillRef idx="1">
+            <a:schemeClr val="accent1"/>
+          </a:fillRef>
+          <a:effectRef idx="0">
+            <a:schemeClr val="accent1"/>
+          </a:effectRef>
+          <a:fontRef idx="minor">
+            <a:schemeClr val="lt1"/>
+          </a:fontRef>
+        </p:style>
+        <p:txBody>
+          <a:bodyPr rot="0" spcFirstLastPara="0" vertOverflow="overflow" horzOverflow="overflow" vert="horz" wrap="square" lIns="0" tIns="0" rIns="0" bIns="36000" numCol="1" spcCol="0" rtlCol="0" fromWordArt="0" anchor="ctr" anchorCtr="0" forceAA="0" compatLnSpc="1">
+            <a:prstTxWarp prst="textNoShape">
+              <a:avLst/>
+            </a:prstTxWarp>
+            <a:normAutofit/>
+          </a:bodyPr>
+          <a:lstStyle/>
+          <a:p>
+            <a:pPr algn="ctr"/>
+            <a:r>
+              <a:rPr lang="zh-CN" altLang="en-US" sz="4000" b="1" dirty="0" smtClean="0">
+                <a:solidFill>
+                  <a:srgbClr val="FFFFFF"/>
+                </a:solidFill>
+                <a:latin typeface="+mn-ea"/>
+              </a:rPr>
+              <a:t>索引</a:t>
+            </a:r>
+            <a:r>
+              <a:rPr lang="zh-CN" altLang="en-US" sz="4000" b="1" dirty="0">
+                <a:solidFill>
+                  <a:srgbClr val="FFFFFF"/>
+                </a:solidFill>
+                <a:latin typeface="+mn-ea"/>
+              </a:rPr>
+              <a:t>应用</a:t>
+            </a:r>
+          </a:p>
+        </p:txBody>
+      </p:sp>
+      <p:sp>
+        <p:nvSpPr>
+          <p:cNvPr id="3" name="MH_Others_1"/>
+          <p:cNvSpPr txBox="1"/>
+          <p:nvPr>
+            <p:custDataLst>
+              <p:tags r:id="rId3"/>
+            </p:custDataLst>
+          </p:nvPr>
+        </p:nvSpPr>
+        <p:spPr>
+          <a:xfrm>
+            <a:off x="4635538" y="2356577"/>
+            <a:ext cx="2324157" cy="773189"/>
           </a:xfrm>
           <a:prstGeom prst="rect">
             <a:avLst/>
@@ -25640,42 +24396,733 @@
         </p:spPr>
         <p:txBody>
           <a:bodyPr wrap="square" rtlCol="0">
-            <a:spAutoFit/>
+            <a:normAutofit/>
           </a:bodyPr>
           <a:lstStyle/>
           <a:p>
-            <a:pPr marL="342900" indent="-342900">
-              <a:buFont typeface="+mj-lt"/>
-              <a:buAutoNum type="arabicPeriod"/>
-            </a:pPr>
-            <a:r>
-              <a:rPr lang="zh-CN" altLang="en-US" dirty="0" smtClean="0"/>
-              <a:t>只对</a:t>
-            </a:r>
-            <a:r>
-              <a:rPr lang="en-US" altLang="zh-CN" dirty="0"/>
-              <a:t>where</a:t>
-            </a:r>
-            <a:r>
-              <a:rPr lang="zh-CN" altLang="en-US" dirty="0" smtClean="0"/>
-              <a:t>和</a:t>
-            </a:r>
-            <a:r>
-              <a:rPr lang="en-US" altLang="zh-CN" dirty="0" smtClean="0"/>
-              <a:t>order by</a:t>
-            </a:r>
-            <a:r>
-              <a:rPr lang="zh-CN" altLang="en-US" dirty="0" smtClean="0"/>
-              <a:t>条件中的</a:t>
-            </a:r>
+            <a:pPr algn="r"/>
+            <a:r>
+              <a:rPr lang="en-US" altLang="zh-CN" sz="3200" b="1" dirty="0">
+                <a:solidFill>
+                  <a:srgbClr val="C2E49C"/>
+                </a:solidFill>
+                <a:latin typeface="微软雅黑" panose="020B0503020204020204" pitchFamily="34" charset="-122"/>
+                <a:ea typeface="微软雅黑" panose="020B0503020204020204" pitchFamily="34" charset="-122"/>
+              </a:rPr>
+              <a:t>Chapter</a:t>
+            </a:r>
+            <a:endParaRPr lang="zh-CN" altLang="en-US" sz="3200" b="1" dirty="0">
+              <a:solidFill>
+                <a:srgbClr val="C2E49C"/>
+              </a:solidFill>
+              <a:latin typeface="微软雅黑" panose="020B0503020204020204" pitchFamily="34" charset="-122"/>
+              <a:ea typeface="微软雅黑" panose="020B0503020204020204" pitchFamily="34" charset="-122"/>
+            </a:endParaRPr>
+          </a:p>
+        </p:txBody>
+      </p:sp>
+      <p:sp>
+        <p:nvSpPr>
+          <p:cNvPr id="9" name="MH_Others_2"/>
+          <p:cNvSpPr/>
+          <p:nvPr>
+            <p:custDataLst>
+              <p:tags r:id="rId4"/>
+            </p:custDataLst>
+          </p:nvPr>
+        </p:nvSpPr>
+        <p:spPr>
+          <a:xfrm>
+            <a:off x="-3365" y="2058898"/>
+            <a:ext cx="4391004" cy="1049999"/>
+          </a:xfrm>
+          <a:custGeom>
+            <a:avLst/>
+            <a:gdLst>
+              <a:gd name="connsiteX0" fmla="*/ 0 w 3297310"/>
+              <a:gd name="connsiteY0" fmla="*/ 0 h 794131"/>
+              <a:gd name="connsiteX1" fmla="*/ 3095277 w 3297310"/>
+              <a:gd name="connsiteY1" fmla="*/ 0 h 794131"/>
+              <a:gd name="connsiteX2" fmla="*/ 3297310 w 3297310"/>
+              <a:gd name="connsiteY2" fmla="*/ 794131 h 794131"/>
+              <a:gd name="connsiteX3" fmla="*/ 0 w 3297310"/>
+              <a:gd name="connsiteY3" fmla="*/ 794131 h 794131"/>
+            </a:gdLst>
+            <a:ahLst/>
+            <a:cxnLst>
+              <a:cxn ang="0">
+                <a:pos x="connsiteX0" y="connsiteY0"/>
+              </a:cxn>
+              <a:cxn ang="0">
+                <a:pos x="connsiteX1" y="connsiteY1"/>
+              </a:cxn>
+              <a:cxn ang="0">
+                <a:pos x="connsiteX2" y="connsiteY2"/>
+              </a:cxn>
+              <a:cxn ang="0">
+                <a:pos x="connsiteX3" y="connsiteY3"/>
+              </a:cxn>
+            </a:cxnLst>
+            <a:rect l="l" t="t" r="r" b="b"/>
+            <a:pathLst>
+              <a:path w="3297310" h="794131">
+                <a:moveTo>
+                  <a:pt x="0" y="0"/>
+                </a:moveTo>
+                <a:lnTo>
+                  <a:pt x="3095277" y="0"/>
+                </a:lnTo>
+                <a:lnTo>
+                  <a:pt x="3297310" y="794131"/>
+                </a:lnTo>
+                <a:lnTo>
+                  <a:pt x="0" y="794131"/>
+                </a:lnTo>
+                <a:close/>
+              </a:path>
+            </a:pathLst>
+          </a:custGeom>
+          <a:solidFill>
+            <a:srgbClr val="7EC234"/>
+          </a:solidFill>
+          <a:ln>
+            <a:noFill/>
+          </a:ln>
+        </p:spPr>
+        <p:style>
+          <a:lnRef idx="2">
+            <a:schemeClr val="accent1">
+              <a:shade val="50000"/>
+            </a:schemeClr>
+          </a:lnRef>
+          <a:fillRef idx="1">
+            <a:schemeClr val="accent1"/>
+          </a:fillRef>
+          <a:effectRef idx="0">
+            <a:schemeClr val="accent1"/>
+          </a:effectRef>
+          <a:fontRef idx="minor">
+            <a:schemeClr val="lt1"/>
+          </a:fontRef>
+        </p:style>
+        <p:txBody>
+          <a:bodyPr rot="0" spcFirstLastPara="0" vertOverflow="overflow" horzOverflow="overflow" vert="horz" wrap="square" lIns="91440" tIns="45720" rIns="91440" bIns="45720" numCol="1" spcCol="0" rtlCol="0" fromWordArt="0" anchor="ctr" anchorCtr="0" forceAA="0" compatLnSpc="1">
+            <a:prstTxWarp prst="textNoShape">
+              <a:avLst/>
+            </a:prstTxWarp>
+            <a:noAutofit/>
+          </a:bodyPr>
+          <a:lstStyle/>
+          <a:p>
+            <a:pPr algn="ctr"/>
             <a:endParaRPr lang="zh-CN" altLang="en-US" dirty="0"/>
+          </a:p>
+        </p:txBody>
+      </p:sp>
+      <p:sp>
+        <p:nvSpPr>
+          <p:cNvPr id="5" name="MH_Others_3"/>
+          <p:cNvSpPr/>
+          <p:nvPr>
+            <p:custDataLst>
+              <p:tags r:id="rId5"/>
+            </p:custDataLst>
+          </p:nvPr>
+        </p:nvSpPr>
+        <p:spPr>
+          <a:xfrm>
+            <a:off x="-14514" y="2305236"/>
+            <a:ext cx="4065717" cy="531044"/>
+          </a:xfrm>
+          <a:custGeom>
+            <a:avLst/>
+            <a:gdLst>
+              <a:gd name="connsiteX0" fmla="*/ 1857013 w 3156552"/>
+              <a:gd name="connsiteY0" fmla="*/ 104678 h 401637"/>
+              <a:gd name="connsiteX1" fmla="*/ 1929021 w 3156552"/>
+              <a:gd name="connsiteY1" fmla="*/ 104678 h 401637"/>
+              <a:gd name="connsiteX2" fmla="*/ 1929021 w 3156552"/>
+              <a:gd name="connsiteY2" fmla="*/ 297257 h 401637"/>
+              <a:gd name="connsiteX3" fmla="*/ 1857013 w 3156552"/>
+              <a:gd name="connsiteY3" fmla="*/ 297257 h 401637"/>
+              <a:gd name="connsiteX4" fmla="*/ 1702944 w 3156552"/>
+              <a:gd name="connsiteY4" fmla="*/ 104678 h 401637"/>
+              <a:gd name="connsiteX5" fmla="*/ 1774952 w 3156552"/>
+              <a:gd name="connsiteY5" fmla="*/ 104678 h 401637"/>
+              <a:gd name="connsiteX6" fmla="*/ 1774952 w 3156552"/>
+              <a:gd name="connsiteY6" fmla="*/ 297257 h 401637"/>
+              <a:gd name="connsiteX7" fmla="*/ 1702944 w 3156552"/>
+              <a:gd name="connsiteY7" fmla="*/ 297257 h 401637"/>
+              <a:gd name="connsiteX8" fmla="*/ 1548875 w 3156552"/>
+              <a:gd name="connsiteY8" fmla="*/ 104678 h 401637"/>
+              <a:gd name="connsiteX9" fmla="*/ 1620883 w 3156552"/>
+              <a:gd name="connsiteY9" fmla="*/ 104678 h 401637"/>
+              <a:gd name="connsiteX10" fmla="*/ 1620883 w 3156552"/>
+              <a:gd name="connsiteY10" fmla="*/ 297257 h 401637"/>
+              <a:gd name="connsiteX11" fmla="*/ 1548875 w 3156552"/>
+              <a:gd name="connsiteY11" fmla="*/ 297257 h 401637"/>
+              <a:gd name="connsiteX12" fmla="*/ 1394806 w 3156552"/>
+              <a:gd name="connsiteY12" fmla="*/ 104678 h 401637"/>
+              <a:gd name="connsiteX13" fmla="*/ 1466814 w 3156552"/>
+              <a:gd name="connsiteY13" fmla="*/ 104678 h 401637"/>
+              <a:gd name="connsiteX14" fmla="*/ 1466814 w 3156552"/>
+              <a:gd name="connsiteY14" fmla="*/ 297257 h 401637"/>
+              <a:gd name="connsiteX15" fmla="*/ 1394806 w 3156552"/>
+              <a:gd name="connsiteY15" fmla="*/ 297257 h 401637"/>
+              <a:gd name="connsiteX16" fmla="*/ 1240737 w 3156552"/>
+              <a:gd name="connsiteY16" fmla="*/ 104678 h 401637"/>
+              <a:gd name="connsiteX17" fmla="*/ 1312745 w 3156552"/>
+              <a:gd name="connsiteY17" fmla="*/ 104678 h 401637"/>
+              <a:gd name="connsiteX18" fmla="*/ 1312745 w 3156552"/>
+              <a:gd name="connsiteY18" fmla="*/ 297257 h 401637"/>
+              <a:gd name="connsiteX19" fmla="*/ 1240737 w 3156552"/>
+              <a:gd name="connsiteY19" fmla="*/ 297257 h 401637"/>
+              <a:gd name="connsiteX20" fmla="*/ 1086668 w 3156552"/>
+              <a:gd name="connsiteY20" fmla="*/ 104678 h 401637"/>
+              <a:gd name="connsiteX21" fmla="*/ 1158676 w 3156552"/>
+              <a:gd name="connsiteY21" fmla="*/ 104678 h 401637"/>
+              <a:gd name="connsiteX22" fmla="*/ 1158676 w 3156552"/>
+              <a:gd name="connsiteY22" fmla="*/ 297257 h 401637"/>
+              <a:gd name="connsiteX23" fmla="*/ 1086668 w 3156552"/>
+              <a:gd name="connsiteY23" fmla="*/ 297257 h 401637"/>
+              <a:gd name="connsiteX24" fmla="*/ 932599 w 3156552"/>
+              <a:gd name="connsiteY24" fmla="*/ 104678 h 401637"/>
+              <a:gd name="connsiteX25" fmla="*/ 1004607 w 3156552"/>
+              <a:gd name="connsiteY25" fmla="*/ 104678 h 401637"/>
+              <a:gd name="connsiteX26" fmla="*/ 1004607 w 3156552"/>
+              <a:gd name="connsiteY26" fmla="*/ 297257 h 401637"/>
+              <a:gd name="connsiteX27" fmla="*/ 932599 w 3156552"/>
+              <a:gd name="connsiteY27" fmla="*/ 297257 h 401637"/>
+              <a:gd name="connsiteX28" fmla="*/ 778530 w 3156552"/>
+              <a:gd name="connsiteY28" fmla="*/ 104678 h 401637"/>
+              <a:gd name="connsiteX29" fmla="*/ 850538 w 3156552"/>
+              <a:gd name="connsiteY29" fmla="*/ 104678 h 401637"/>
+              <a:gd name="connsiteX30" fmla="*/ 850538 w 3156552"/>
+              <a:gd name="connsiteY30" fmla="*/ 297257 h 401637"/>
+              <a:gd name="connsiteX31" fmla="*/ 778530 w 3156552"/>
+              <a:gd name="connsiteY31" fmla="*/ 297257 h 401637"/>
+              <a:gd name="connsiteX32" fmla="*/ 622824 w 3156552"/>
+              <a:gd name="connsiteY32" fmla="*/ 104678 h 401637"/>
+              <a:gd name="connsiteX33" fmla="*/ 694832 w 3156552"/>
+              <a:gd name="connsiteY33" fmla="*/ 104678 h 401637"/>
+              <a:gd name="connsiteX34" fmla="*/ 694832 w 3156552"/>
+              <a:gd name="connsiteY34" fmla="*/ 297257 h 401637"/>
+              <a:gd name="connsiteX35" fmla="*/ 622824 w 3156552"/>
+              <a:gd name="connsiteY35" fmla="*/ 297257 h 401637"/>
+              <a:gd name="connsiteX36" fmla="*/ 467118 w 3156552"/>
+              <a:gd name="connsiteY36" fmla="*/ 104678 h 401637"/>
+              <a:gd name="connsiteX37" fmla="*/ 539126 w 3156552"/>
+              <a:gd name="connsiteY37" fmla="*/ 104678 h 401637"/>
+              <a:gd name="connsiteX38" fmla="*/ 539126 w 3156552"/>
+              <a:gd name="connsiteY38" fmla="*/ 297257 h 401637"/>
+              <a:gd name="connsiteX39" fmla="*/ 467118 w 3156552"/>
+              <a:gd name="connsiteY39" fmla="*/ 297257 h 401637"/>
+              <a:gd name="connsiteX40" fmla="*/ 311412 w 3156552"/>
+              <a:gd name="connsiteY40" fmla="*/ 104678 h 401637"/>
+              <a:gd name="connsiteX41" fmla="*/ 383420 w 3156552"/>
+              <a:gd name="connsiteY41" fmla="*/ 104678 h 401637"/>
+              <a:gd name="connsiteX42" fmla="*/ 383420 w 3156552"/>
+              <a:gd name="connsiteY42" fmla="*/ 297257 h 401637"/>
+              <a:gd name="connsiteX43" fmla="*/ 311412 w 3156552"/>
+              <a:gd name="connsiteY43" fmla="*/ 297257 h 401637"/>
+              <a:gd name="connsiteX44" fmla="*/ 155706 w 3156552"/>
+              <a:gd name="connsiteY44" fmla="*/ 104678 h 401637"/>
+              <a:gd name="connsiteX45" fmla="*/ 227714 w 3156552"/>
+              <a:gd name="connsiteY45" fmla="*/ 104678 h 401637"/>
+              <a:gd name="connsiteX46" fmla="*/ 227714 w 3156552"/>
+              <a:gd name="connsiteY46" fmla="*/ 297257 h 401637"/>
+              <a:gd name="connsiteX47" fmla="*/ 155706 w 3156552"/>
+              <a:gd name="connsiteY47" fmla="*/ 297257 h 401637"/>
+              <a:gd name="connsiteX48" fmla="*/ 0 w 3156552"/>
+              <a:gd name="connsiteY48" fmla="*/ 104678 h 401637"/>
+              <a:gd name="connsiteX49" fmla="*/ 72008 w 3156552"/>
+              <a:gd name="connsiteY49" fmla="*/ 104678 h 401637"/>
+              <a:gd name="connsiteX50" fmla="*/ 72008 w 3156552"/>
+              <a:gd name="connsiteY50" fmla="*/ 297257 h 401637"/>
+              <a:gd name="connsiteX51" fmla="*/ 0 w 3156552"/>
+              <a:gd name="connsiteY51" fmla="*/ 297257 h 401637"/>
+              <a:gd name="connsiteX52" fmla="*/ 2955734 w 3156552"/>
+              <a:gd name="connsiteY52" fmla="*/ 0 h 401637"/>
+              <a:gd name="connsiteX53" fmla="*/ 3156552 w 3156552"/>
+              <a:gd name="connsiteY53" fmla="*/ 200819 h 401637"/>
+              <a:gd name="connsiteX54" fmla="*/ 2955734 w 3156552"/>
+              <a:gd name="connsiteY54" fmla="*/ 401637 h 401637"/>
+              <a:gd name="connsiteX55" fmla="*/ 2955734 w 3156552"/>
+              <a:gd name="connsiteY55" fmla="*/ 301228 h 401637"/>
+              <a:gd name="connsiteX56" fmla="*/ 2004424 w 3156552"/>
+              <a:gd name="connsiteY56" fmla="*/ 301228 h 401637"/>
+              <a:gd name="connsiteX57" fmla="*/ 2004424 w 3156552"/>
+              <a:gd name="connsiteY57" fmla="*/ 100409 h 401637"/>
+              <a:gd name="connsiteX58" fmla="*/ 2955734 w 3156552"/>
+              <a:gd name="connsiteY58" fmla="*/ 100409 h 401637"/>
+            </a:gdLst>
+            <a:ahLst/>
+            <a:cxnLst>
+              <a:cxn ang="0">
+                <a:pos x="connsiteX0" y="connsiteY0"/>
+              </a:cxn>
+              <a:cxn ang="0">
+                <a:pos x="connsiteX1" y="connsiteY1"/>
+              </a:cxn>
+              <a:cxn ang="0">
+                <a:pos x="connsiteX2" y="connsiteY2"/>
+              </a:cxn>
+              <a:cxn ang="0">
+                <a:pos x="connsiteX3" y="connsiteY3"/>
+              </a:cxn>
+              <a:cxn ang="0">
+                <a:pos x="connsiteX4" y="connsiteY4"/>
+              </a:cxn>
+              <a:cxn ang="0">
+                <a:pos x="connsiteX5" y="connsiteY5"/>
+              </a:cxn>
+              <a:cxn ang="0">
+                <a:pos x="connsiteX6" y="connsiteY6"/>
+              </a:cxn>
+              <a:cxn ang="0">
+                <a:pos x="connsiteX7" y="connsiteY7"/>
+              </a:cxn>
+              <a:cxn ang="0">
+                <a:pos x="connsiteX8" y="connsiteY8"/>
+              </a:cxn>
+              <a:cxn ang="0">
+                <a:pos x="connsiteX9" y="connsiteY9"/>
+              </a:cxn>
+              <a:cxn ang="0">
+                <a:pos x="connsiteX10" y="connsiteY10"/>
+              </a:cxn>
+              <a:cxn ang="0">
+                <a:pos x="connsiteX11" y="connsiteY11"/>
+              </a:cxn>
+              <a:cxn ang="0">
+                <a:pos x="connsiteX12" y="connsiteY12"/>
+              </a:cxn>
+              <a:cxn ang="0">
+                <a:pos x="connsiteX13" y="connsiteY13"/>
+              </a:cxn>
+              <a:cxn ang="0">
+                <a:pos x="connsiteX14" y="connsiteY14"/>
+              </a:cxn>
+              <a:cxn ang="0">
+                <a:pos x="connsiteX15" y="connsiteY15"/>
+              </a:cxn>
+              <a:cxn ang="0">
+                <a:pos x="connsiteX16" y="connsiteY16"/>
+              </a:cxn>
+              <a:cxn ang="0">
+                <a:pos x="connsiteX17" y="connsiteY17"/>
+              </a:cxn>
+              <a:cxn ang="0">
+                <a:pos x="connsiteX18" y="connsiteY18"/>
+              </a:cxn>
+              <a:cxn ang="0">
+                <a:pos x="connsiteX19" y="connsiteY19"/>
+              </a:cxn>
+              <a:cxn ang="0">
+                <a:pos x="connsiteX20" y="connsiteY20"/>
+              </a:cxn>
+              <a:cxn ang="0">
+                <a:pos x="connsiteX21" y="connsiteY21"/>
+              </a:cxn>
+              <a:cxn ang="0">
+                <a:pos x="connsiteX22" y="connsiteY22"/>
+              </a:cxn>
+              <a:cxn ang="0">
+                <a:pos x="connsiteX23" y="connsiteY23"/>
+              </a:cxn>
+              <a:cxn ang="0">
+                <a:pos x="connsiteX24" y="connsiteY24"/>
+              </a:cxn>
+              <a:cxn ang="0">
+                <a:pos x="connsiteX25" y="connsiteY25"/>
+              </a:cxn>
+              <a:cxn ang="0">
+                <a:pos x="connsiteX26" y="connsiteY26"/>
+              </a:cxn>
+              <a:cxn ang="0">
+                <a:pos x="connsiteX27" y="connsiteY27"/>
+              </a:cxn>
+              <a:cxn ang="0">
+                <a:pos x="connsiteX28" y="connsiteY28"/>
+              </a:cxn>
+              <a:cxn ang="0">
+                <a:pos x="connsiteX29" y="connsiteY29"/>
+              </a:cxn>
+              <a:cxn ang="0">
+                <a:pos x="connsiteX30" y="connsiteY30"/>
+              </a:cxn>
+              <a:cxn ang="0">
+                <a:pos x="connsiteX31" y="connsiteY31"/>
+              </a:cxn>
+              <a:cxn ang="0">
+                <a:pos x="connsiteX32" y="connsiteY32"/>
+              </a:cxn>
+              <a:cxn ang="0">
+                <a:pos x="connsiteX33" y="connsiteY33"/>
+              </a:cxn>
+              <a:cxn ang="0">
+                <a:pos x="connsiteX34" y="connsiteY34"/>
+              </a:cxn>
+              <a:cxn ang="0">
+                <a:pos x="connsiteX35" y="connsiteY35"/>
+              </a:cxn>
+              <a:cxn ang="0">
+                <a:pos x="connsiteX36" y="connsiteY36"/>
+              </a:cxn>
+              <a:cxn ang="0">
+                <a:pos x="connsiteX37" y="connsiteY37"/>
+              </a:cxn>
+              <a:cxn ang="0">
+                <a:pos x="connsiteX38" y="connsiteY38"/>
+              </a:cxn>
+              <a:cxn ang="0">
+                <a:pos x="connsiteX39" y="connsiteY39"/>
+              </a:cxn>
+              <a:cxn ang="0">
+                <a:pos x="connsiteX40" y="connsiteY40"/>
+              </a:cxn>
+              <a:cxn ang="0">
+                <a:pos x="connsiteX41" y="connsiteY41"/>
+              </a:cxn>
+              <a:cxn ang="0">
+                <a:pos x="connsiteX42" y="connsiteY42"/>
+              </a:cxn>
+              <a:cxn ang="0">
+                <a:pos x="connsiteX43" y="connsiteY43"/>
+              </a:cxn>
+              <a:cxn ang="0">
+                <a:pos x="connsiteX44" y="connsiteY44"/>
+              </a:cxn>
+              <a:cxn ang="0">
+                <a:pos x="connsiteX45" y="connsiteY45"/>
+              </a:cxn>
+              <a:cxn ang="0">
+                <a:pos x="connsiteX46" y="connsiteY46"/>
+              </a:cxn>
+              <a:cxn ang="0">
+                <a:pos x="connsiteX47" y="connsiteY47"/>
+              </a:cxn>
+              <a:cxn ang="0">
+                <a:pos x="connsiteX48" y="connsiteY48"/>
+              </a:cxn>
+              <a:cxn ang="0">
+                <a:pos x="connsiteX49" y="connsiteY49"/>
+              </a:cxn>
+              <a:cxn ang="0">
+                <a:pos x="connsiteX50" y="connsiteY50"/>
+              </a:cxn>
+              <a:cxn ang="0">
+                <a:pos x="connsiteX51" y="connsiteY51"/>
+              </a:cxn>
+              <a:cxn ang="0">
+                <a:pos x="connsiteX52" y="connsiteY52"/>
+              </a:cxn>
+              <a:cxn ang="0">
+                <a:pos x="connsiteX53" y="connsiteY53"/>
+              </a:cxn>
+              <a:cxn ang="0">
+                <a:pos x="connsiteX54" y="connsiteY54"/>
+              </a:cxn>
+              <a:cxn ang="0">
+                <a:pos x="connsiteX55" y="connsiteY55"/>
+              </a:cxn>
+              <a:cxn ang="0">
+                <a:pos x="connsiteX56" y="connsiteY56"/>
+              </a:cxn>
+              <a:cxn ang="0">
+                <a:pos x="connsiteX57" y="connsiteY57"/>
+              </a:cxn>
+              <a:cxn ang="0">
+                <a:pos x="connsiteX58" y="connsiteY58"/>
+              </a:cxn>
+            </a:cxnLst>
+            <a:rect l="l" t="t" r="r" b="b"/>
+            <a:pathLst>
+              <a:path w="3156552" h="401637">
+                <a:moveTo>
+                  <a:pt x="1857013" y="104678"/>
+                </a:moveTo>
+                <a:lnTo>
+                  <a:pt x="1929021" y="104678"/>
+                </a:lnTo>
+                <a:lnTo>
+                  <a:pt x="1929021" y="297257"/>
+                </a:lnTo>
+                <a:lnTo>
+                  <a:pt x="1857013" y="297257"/>
+                </a:lnTo>
+                <a:close/>
+                <a:moveTo>
+                  <a:pt x="1702944" y="104678"/>
+                </a:moveTo>
+                <a:lnTo>
+                  <a:pt x="1774952" y="104678"/>
+                </a:lnTo>
+                <a:lnTo>
+                  <a:pt x="1774952" y="297257"/>
+                </a:lnTo>
+                <a:lnTo>
+                  <a:pt x="1702944" y="297257"/>
+                </a:lnTo>
+                <a:close/>
+                <a:moveTo>
+                  <a:pt x="1548875" y="104678"/>
+                </a:moveTo>
+                <a:lnTo>
+                  <a:pt x="1620883" y="104678"/>
+                </a:lnTo>
+                <a:lnTo>
+                  <a:pt x="1620883" y="297257"/>
+                </a:lnTo>
+                <a:lnTo>
+                  <a:pt x="1548875" y="297257"/>
+                </a:lnTo>
+                <a:close/>
+                <a:moveTo>
+                  <a:pt x="1394806" y="104678"/>
+                </a:moveTo>
+                <a:lnTo>
+                  <a:pt x="1466814" y="104678"/>
+                </a:lnTo>
+                <a:lnTo>
+                  <a:pt x="1466814" y="297257"/>
+                </a:lnTo>
+                <a:lnTo>
+                  <a:pt x="1394806" y="297257"/>
+                </a:lnTo>
+                <a:close/>
+                <a:moveTo>
+                  <a:pt x="1240737" y="104678"/>
+                </a:moveTo>
+                <a:lnTo>
+                  <a:pt x="1312745" y="104678"/>
+                </a:lnTo>
+                <a:lnTo>
+                  <a:pt x="1312745" y="297257"/>
+                </a:lnTo>
+                <a:lnTo>
+                  <a:pt x="1240737" y="297257"/>
+                </a:lnTo>
+                <a:close/>
+                <a:moveTo>
+                  <a:pt x="1086668" y="104678"/>
+                </a:moveTo>
+                <a:lnTo>
+                  <a:pt x="1158676" y="104678"/>
+                </a:lnTo>
+                <a:lnTo>
+                  <a:pt x="1158676" y="297257"/>
+                </a:lnTo>
+                <a:lnTo>
+                  <a:pt x="1086668" y="297257"/>
+                </a:lnTo>
+                <a:close/>
+                <a:moveTo>
+                  <a:pt x="932599" y="104678"/>
+                </a:moveTo>
+                <a:lnTo>
+                  <a:pt x="1004607" y="104678"/>
+                </a:lnTo>
+                <a:lnTo>
+                  <a:pt x="1004607" y="297257"/>
+                </a:lnTo>
+                <a:lnTo>
+                  <a:pt x="932599" y="297257"/>
+                </a:lnTo>
+                <a:close/>
+                <a:moveTo>
+                  <a:pt x="778530" y="104678"/>
+                </a:moveTo>
+                <a:lnTo>
+                  <a:pt x="850538" y="104678"/>
+                </a:lnTo>
+                <a:lnTo>
+                  <a:pt x="850538" y="297257"/>
+                </a:lnTo>
+                <a:lnTo>
+                  <a:pt x="778530" y="297257"/>
+                </a:lnTo>
+                <a:close/>
+                <a:moveTo>
+                  <a:pt x="622824" y="104678"/>
+                </a:moveTo>
+                <a:lnTo>
+                  <a:pt x="694832" y="104678"/>
+                </a:lnTo>
+                <a:lnTo>
+                  <a:pt x="694832" y="297257"/>
+                </a:lnTo>
+                <a:lnTo>
+                  <a:pt x="622824" y="297257"/>
+                </a:lnTo>
+                <a:close/>
+                <a:moveTo>
+                  <a:pt x="467118" y="104678"/>
+                </a:moveTo>
+                <a:lnTo>
+                  <a:pt x="539126" y="104678"/>
+                </a:lnTo>
+                <a:lnTo>
+                  <a:pt x="539126" y="297257"/>
+                </a:lnTo>
+                <a:lnTo>
+                  <a:pt x="467118" y="297257"/>
+                </a:lnTo>
+                <a:close/>
+                <a:moveTo>
+                  <a:pt x="311412" y="104678"/>
+                </a:moveTo>
+                <a:lnTo>
+                  <a:pt x="383420" y="104678"/>
+                </a:lnTo>
+                <a:lnTo>
+                  <a:pt x="383420" y="297257"/>
+                </a:lnTo>
+                <a:lnTo>
+                  <a:pt x="311412" y="297257"/>
+                </a:lnTo>
+                <a:close/>
+                <a:moveTo>
+                  <a:pt x="155706" y="104678"/>
+                </a:moveTo>
+                <a:lnTo>
+                  <a:pt x="227714" y="104678"/>
+                </a:lnTo>
+                <a:lnTo>
+                  <a:pt x="227714" y="297257"/>
+                </a:lnTo>
+                <a:lnTo>
+                  <a:pt x="155706" y="297257"/>
+                </a:lnTo>
+                <a:close/>
+                <a:moveTo>
+                  <a:pt x="0" y="104678"/>
+                </a:moveTo>
+                <a:lnTo>
+                  <a:pt x="72008" y="104678"/>
+                </a:lnTo>
+                <a:lnTo>
+                  <a:pt x="72008" y="297257"/>
+                </a:lnTo>
+                <a:lnTo>
+                  <a:pt x="0" y="297257"/>
+                </a:lnTo>
+                <a:close/>
+                <a:moveTo>
+                  <a:pt x="2955734" y="0"/>
+                </a:moveTo>
+                <a:lnTo>
+                  <a:pt x="3156552" y="200819"/>
+                </a:lnTo>
+                <a:lnTo>
+                  <a:pt x="2955734" y="401637"/>
+                </a:lnTo>
+                <a:lnTo>
+                  <a:pt x="2955734" y="301228"/>
+                </a:lnTo>
+                <a:lnTo>
+                  <a:pt x="2004424" y="301228"/>
+                </a:lnTo>
+                <a:lnTo>
+                  <a:pt x="2004424" y="100409"/>
+                </a:lnTo>
+                <a:lnTo>
+                  <a:pt x="2955734" y="100409"/>
+                </a:lnTo>
+                <a:close/>
+              </a:path>
+            </a:pathLst>
+          </a:custGeom>
+          <a:solidFill>
+            <a:srgbClr val="FFFFFF"/>
+          </a:solidFill>
+          <a:ln>
+            <a:noFill/>
+          </a:ln>
+        </p:spPr>
+        <p:style>
+          <a:lnRef idx="2">
+            <a:schemeClr val="accent1">
+              <a:shade val="50000"/>
+            </a:schemeClr>
+          </a:lnRef>
+          <a:fillRef idx="1">
+            <a:schemeClr val="accent1"/>
+          </a:fillRef>
+          <a:effectRef idx="0">
+            <a:schemeClr val="accent1"/>
+          </a:effectRef>
+          <a:fontRef idx="minor">
+            <a:schemeClr val="lt1"/>
+          </a:fontRef>
+        </p:style>
+        <p:txBody>
+          <a:bodyPr rot="0" spcFirstLastPara="0" vertOverflow="overflow" horzOverflow="overflow" vert="horz" wrap="square" lIns="91440" tIns="45720" rIns="91440" bIns="45720" numCol="1" spcCol="0" rtlCol="0" fromWordArt="0" anchor="ctr" anchorCtr="0" forceAA="0" compatLnSpc="1">
+            <a:prstTxWarp prst="textNoShape">
+              <a:avLst/>
+            </a:prstTxWarp>
+            <a:noAutofit/>
+          </a:bodyPr>
+          <a:lstStyle/>
+          <a:p>
+            <a:pPr algn="ctr"/>
+            <a:endParaRPr lang="zh-CN" altLang="en-US"/>
+          </a:p>
+        </p:txBody>
+      </p:sp>
+      <p:sp>
+        <p:nvSpPr>
+          <p:cNvPr id="10" name="MH_Number"/>
+          <p:cNvSpPr txBox="1"/>
+          <p:nvPr>
+            <p:custDataLst>
+              <p:tags r:id="rId6"/>
+            </p:custDataLst>
+          </p:nvPr>
+        </p:nvSpPr>
+        <p:spPr>
+          <a:xfrm>
+            <a:off x="6959694" y="2296793"/>
+            <a:ext cx="1396905" cy="773189"/>
+          </a:xfrm>
+          <a:prstGeom prst="rect">
+            <a:avLst/>
+          </a:prstGeom>
+          <a:noFill/>
+        </p:spPr>
+        <p:txBody>
+          <a:bodyPr wrap="square" rtlCol="0">
+            <a:noAutofit/>
+          </a:bodyPr>
+          <a:lstStyle/>
+          <a:p>
+            <a:r>
+              <a:rPr lang="en-US" altLang="zh-CN" sz="4000" b="1" dirty="0" smtClean="0">
+                <a:solidFill>
+                  <a:srgbClr val="C2E49C"/>
+                </a:solidFill>
+                <a:latin typeface="微软雅黑" panose="020B0503020204020204" pitchFamily="34" charset="-122"/>
+                <a:ea typeface="微软雅黑" panose="020B0503020204020204" pitchFamily="34" charset="-122"/>
+              </a:rPr>
+              <a:t>2</a:t>
+            </a:r>
+            <a:endParaRPr lang="zh-CN" altLang="en-US" sz="4000" b="1" dirty="0">
+              <a:solidFill>
+                <a:srgbClr val="C2E49C"/>
+              </a:solidFill>
+              <a:latin typeface="微软雅黑" panose="020B0503020204020204" pitchFamily="34" charset="-122"/>
+              <a:ea typeface="微软雅黑" panose="020B0503020204020204" pitchFamily="34" charset="-122"/>
+            </a:endParaRPr>
           </a:p>
         </p:txBody>
       </p:sp>
     </p:spTree>
+    <p:custDataLst>
+      <p:tags r:id="rId1"/>
+    </p:custDataLst>
     <p:extLst>
       <p:ext uri="{BB962C8B-B14F-4D97-AF65-F5344CB8AC3E}">
-        <p14:creationId xmlns:p14="http://schemas.microsoft.com/office/powerpoint/2010/main" val="2137203916"/>
+        <p14:creationId xmlns:p14="http://schemas.microsoft.com/office/powerpoint/2010/main" val="3681707752"/>
       </p:ext>
     </p:extLst>
   </p:cSld>

--- a/mysql-index.pptx
+++ b/mysql-index.pptx
@@ -3054,6 +3054,620 @@
       <dsp:cNvGrpSpPr/>
     </dsp:nvGrpSpPr>
     <dsp:grpSpPr/>
+    <dsp:sp modelId="{9EF64D39-2BD6-4A08-B253-92A3AC0498DB}">
+      <dsp:nvSpPr>
+        <dsp:cNvPr id="0" name=""/>
+        <dsp:cNvSpPr/>
+      </dsp:nvSpPr>
+      <dsp:spPr>
+        <a:xfrm>
+          <a:off x="0" y="0"/>
+          <a:ext cx="11137720" cy="631358"/>
+        </a:xfrm>
+        <a:prstGeom prst="roundRect">
+          <a:avLst/>
+        </a:prstGeom>
+        <a:solidFill>
+          <a:schemeClr val="accent6"/>
+        </a:solidFill>
+        <a:ln>
+          <a:noFill/>
+        </a:ln>
+        <a:effectLst/>
+      </dsp:spPr>
+      <dsp:style>
+        <a:lnRef idx="0">
+          <a:scrgbClr r="0" g="0" b="0"/>
+        </a:lnRef>
+        <a:fillRef idx="0">
+          <a:scrgbClr r="0" g="0" b="0"/>
+        </a:fillRef>
+        <a:effectRef idx="0">
+          <a:scrgbClr r="0" g="0" b="0"/>
+        </a:effectRef>
+        <a:fontRef idx="minor">
+          <a:schemeClr val="lt1"/>
+        </a:fontRef>
+      </dsp:style>
+      <dsp:txBody>
+        <a:bodyPr spcFirstLastPara="0" vert="horz" wrap="square" lIns="60960" tIns="60960" rIns="60960" bIns="60960" numCol="1" spcCol="1270" anchor="ctr" anchorCtr="0">
+          <a:noAutofit/>
+        </a:bodyPr>
+        <a:lstStyle/>
+        <a:p>
+          <a:pPr lvl="0" algn="l" defTabSz="711200" rtl="0">
+            <a:lnSpc>
+              <a:spcPct val="90000"/>
+            </a:lnSpc>
+            <a:spcBef>
+              <a:spcPct val="0"/>
+            </a:spcBef>
+            <a:spcAft>
+              <a:spcPct val="35000"/>
+            </a:spcAft>
+          </a:pPr>
+          <a:r>
+            <a:rPr lang="zh-CN" sz="1600" b="1" kern="1200" dirty="0" smtClean="0">
+              <a:latin typeface="+mn-ea"/>
+              <a:ea typeface="+mn-ea"/>
+            </a:rPr>
+            <a:t>聚簇索引</a:t>
+          </a:r>
+          <a:r>
+            <a:rPr lang="zh-CN" altLang="en-US" sz="1600" b="1" kern="1200" dirty="0" smtClean="0">
+              <a:latin typeface="+mn-ea"/>
+              <a:ea typeface="+mn-ea"/>
+            </a:rPr>
+            <a:t>优点</a:t>
+          </a:r>
+          <a:endParaRPr lang="zh-CN" sz="1600" b="1" kern="1200" dirty="0">
+            <a:latin typeface="+mn-ea"/>
+            <a:ea typeface="+mn-ea"/>
+          </a:endParaRPr>
+        </a:p>
+      </dsp:txBody>
+      <dsp:txXfrm>
+        <a:off x="30820" y="30820"/>
+        <a:ext cx="11076080" cy="569718"/>
+      </dsp:txXfrm>
+    </dsp:sp>
+    <dsp:sp modelId="{07140409-63E5-41F1-8748-17B5F6062E7A}">
+      <dsp:nvSpPr>
+        <dsp:cNvPr id="0" name=""/>
+        <dsp:cNvSpPr/>
+      </dsp:nvSpPr>
+      <dsp:spPr>
+        <a:xfrm>
+          <a:off x="0" y="827008"/>
+          <a:ext cx="11137720" cy="910669"/>
+        </a:xfrm>
+        <a:prstGeom prst="rect">
+          <a:avLst/>
+        </a:prstGeom>
+        <a:noFill/>
+        <a:ln>
+          <a:noFill/>
+        </a:ln>
+        <a:effectLst/>
+      </dsp:spPr>
+      <dsp:style>
+        <a:lnRef idx="0">
+          <a:scrgbClr r="0" g="0" b="0"/>
+        </a:lnRef>
+        <a:fillRef idx="0">
+          <a:scrgbClr r="0" g="0" b="0"/>
+        </a:fillRef>
+        <a:effectRef idx="0">
+          <a:scrgbClr r="0" g="0" b="0"/>
+        </a:effectRef>
+        <a:fontRef idx="minor"/>
+      </dsp:style>
+      <dsp:txBody>
+        <a:bodyPr spcFirstLastPara="0" vert="horz" wrap="square" lIns="353623" tIns="20320" rIns="113792" bIns="20320" numCol="1" spcCol="1270" anchor="t" anchorCtr="0">
+          <a:noAutofit/>
+        </a:bodyPr>
+        <a:lstStyle/>
+        <a:p>
+          <a:pPr marL="171450" lvl="1" indent="-171450" algn="l" defTabSz="711200" rtl="0">
+            <a:lnSpc>
+              <a:spcPct val="90000"/>
+            </a:lnSpc>
+            <a:spcBef>
+              <a:spcPct val="0"/>
+            </a:spcBef>
+            <a:spcAft>
+              <a:spcPct val="20000"/>
+            </a:spcAft>
+            <a:buChar char="••"/>
+          </a:pPr>
+          <a:r>
+            <a:rPr lang="zh-CN" altLang="en-US" sz="1600" kern="1200" dirty="0" smtClean="0">
+              <a:latin typeface="+mn-ea"/>
+              <a:ea typeface="+mn-ea"/>
+            </a:rPr>
+            <a:t>可以把相关数据保存在一起。</a:t>
+          </a:r>
+          <a:endParaRPr lang="zh-CN" sz="1600" kern="1200" dirty="0">
+            <a:latin typeface="+mn-ea"/>
+            <a:ea typeface="+mn-ea"/>
+          </a:endParaRPr>
+        </a:p>
+        <a:p>
+          <a:pPr marL="171450" lvl="1" indent="-171450" algn="l" defTabSz="711200" rtl="0">
+            <a:lnSpc>
+              <a:spcPct val="90000"/>
+            </a:lnSpc>
+            <a:spcBef>
+              <a:spcPct val="0"/>
+            </a:spcBef>
+            <a:spcAft>
+              <a:spcPct val="20000"/>
+            </a:spcAft>
+            <a:buChar char="••"/>
+          </a:pPr>
+          <a:r>
+            <a:rPr lang="zh-CN" altLang="en-US" sz="1600" kern="1200" dirty="0" smtClean="0">
+              <a:latin typeface="+mn-ea"/>
+              <a:ea typeface="+mn-ea"/>
+            </a:rPr>
+            <a:t>数据访问更快。聚簇索引将索引和数据保存在同一个</a:t>
+          </a:r>
+          <a:r>
+            <a:rPr lang="en-US" altLang="en-US" sz="1600" kern="1200" dirty="0" smtClean="0">
+              <a:latin typeface="+mn-ea"/>
+              <a:ea typeface="+mn-ea"/>
+            </a:rPr>
+            <a:t>B-Tree</a:t>
+          </a:r>
+          <a:r>
+            <a:rPr lang="zh-CN" altLang="en-US" sz="1600" kern="1200" dirty="0" smtClean="0">
+              <a:latin typeface="+mn-ea"/>
+              <a:ea typeface="+mn-ea"/>
+            </a:rPr>
+            <a:t>中。</a:t>
+          </a:r>
+          <a:endParaRPr lang="zh-CN" sz="1600" kern="1200" dirty="0">
+            <a:latin typeface="+mn-ea"/>
+            <a:ea typeface="+mn-ea"/>
+          </a:endParaRPr>
+        </a:p>
+        <a:p>
+          <a:pPr marL="171450" lvl="1" indent="-171450" algn="l" defTabSz="711200" rtl="0">
+            <a:lnSpc>
+              <a:spcPct val="90000"/>
+            </a:lnSpc>
+            <a:spcBef>
+              <a:spcPct val="0"/>
+            </a:spcBef>
+            <a:spcAft>
+              <a:spcPct val="20000"/>
+            </a:spcAft>
+            <a:buChar char="••"/>
+          </a:pPr>
+          <a:r>
+            <a:rPr lang="zh-CN" altLang="en-US" sz="1600" kern="1200" dirty="0" smtClean="0">
+              <a:latin typeface="+mn-ea"/>
+              <a:ea typeface="+mn-ea"/>
+            </a:rPr>
+            <a:t>使用覆盖索引扫描的查询可以直接使用页节点中的主键值。</a:t>
+          </a:r>
+          <a:endParaRPr lang="zh-CN" sz="1600" kern="1200" dirty="0">
+            <a:latin typeface="+mn-ea"/>
+            <a:ea typeface="+mn-ea"/>
+          </a:endParaRPr>
+        </a:p>
+        <a:p>
+          <a:pPr marL="114300" lvl="1" indent="-114300" algn="l" defTabSz="622300" rtl="0">
+            <a:lnSpc>
+              <a:spcPct val="90000"/>
+            </a:lnSpc>
+            <a:spcBef>
+              <a:spcPct val="0"/>
+            </a:spcBef>
+            <a:spcAft>
+              <a:spcPct val="20000"/>
+            </a:spcAft>
+            <a:buChar char="••"/>
+          </a:pPr>
+          <a:endParaRPr lang="zh-CN" sz="1400" kern="1200" dirty="0">
+            <a:latin typeface="华文中宋" panose="02010600040101010101" pitchFamily="2" charset="-122"/>
+            <a:ea typeface="华文中宋" panose="02010600040101010101" pitchFamily="2" charset="-122"/>
+          </a:endParaRPr>
+        </a:p>
+      </dsp:txBody>
+      <dsp:txXfrm>
+        <a:off x="0" y="827008"/>
+        <a:ext cx="11137720" cy="910669"/>
+      </dsp:txXfrm>
+    </dsp:sp>
+    <dsp:sp modelId="{2287F4FD-CD4B-4DBF-99A4-A3F5AA8590C9}">
+      <dsp:nvSpPr>
+        <dsp:cNvPr id="0" name=""/>
+        <dsp:cNvSpPr/>
+      </dsp:nvSpPr>
+      <dsp:spPr>
+        <a:xfrm>
+          <a:off x="0" y="1842794"/>
+          <a:ext cx="11137720" cy="626438"/>
+        </a:xfrm>
+        <a:prstGeom prst="roundRect">
+          <a:avLst/>
+        </a:prstGeom>
+        <a:gradFill rotWithShape="1">
+          <a:gsLst>
+            <a:gs pos="0">
+              <a:schemeClr val="accent1">
+                <a:satMod val="103000"/>
+                <a:lumMod val="102000"/>
+                <a:tint val="94000"/>
+              </a:schemeClr>
+            </a:gs>
+            <a:gs pos="50000">
+              <a:schemeClr val="accent1">
+                <a:satMod val="110000"/>
+                <a:lumMod val="100000"/>
+                <a:shade val="100000"/>
+              </a:schemeClr>
+            </a:gs>
+            <a:gs pos="100000">
+              <a:schemeClr val="accent1">
+                <a:lumMod val="99000"/>
+                <a:satMod val="120000"/>
+                <a:shade val="78000"/>
+              </a:schemeClr>
+            </a:gs>
+          </a:gsLst>
+          <a:lin ang="5400000" scaled="0"/>
+        </a:gradFill>
+        <a:ln w="6350" cap="flat" cmpd="sng" algn="ctr">
+          <a:solidFill>
+            <a:schemeClr val="accent1"/>
+          </a:solidFill>
+          <a:prstDash val="solid"/>
+          <a:miter lim="800000"/>
+        </a:ln>
+        <a:effectLst/>
+      </dsp:spPr>
+      <dsp:style>
+        <a:lnRef idx="1">
+          <a:schemeClr val="accent1"/>
+        </a:lnRef>
+        <a:fillRef idx="3">
+          <a:schemeClr val="accent1"/>
+        </a:fillRef>
+        <a:effectRef idx="2">
+          <a:schemeClr val="accent1"/>
+        </a:effectRef>
+        <a:fontRef idx="minor">
+          <a:schemeClr val="lt1"/>
+        </a:fontRef>
+      </dsp:style>
+      <dsp:txBody>
+        <a:bodyPr spcFirstLastPara="0" vert="horz" wrap="square" lIns="60960" tIns="60960" rIns="60960" bIns="60960" numCol="1" spcCol="1270" anchor="ctr" anchorCtr="0">
+          <a:noAutofit/>
+        </a:bodyPr>
+        <a:lstStyle/>
+        <a:p>
+          <a:pPr lvl="0" algn="l" defTabSz="711200" rtl="0">
+            <a:lnSpc>
+              <a:spcPct val="90000"/>
+            </a:lnSpc>
+            <a:spcBef>
+              <a:spcPct val="0"/>
+            </a:spcBef>
+            <a:spcAft>
+              <a:spcPct val="35000"/>
+            </a:spcAft>
+          </a:pPr>
+          <a:r>
+            <a:rPr lang="zh-CN" altLang="en-US" sz="1600" b="1" kern="1200" dirty="0" smtClean="0">
+              <a:latin typeface="+mn-ea"/>
+              <a:ea typeface="+mn-ea"/>
+            </a:rPr>
+            <a:t>聚</a:t>
+          </a:r>
+          <a:r>
+            <a:rPr lang="zh-CN" sz="1600" b="1" kern="1200" dirty="0" smtClean="0">
+              <a:latin typeface="+mn-ea"/>
+              <a:ea typeface="+mn-ea"/>
+            </a:rPr>
+            <a:t>簇</a:t>
+          </a:r>
+          <a:r>
+            <a:rPr lang="zh-CN" altLang="en-US" sz="1600" b="1" kern="1200" dirty="0" smtClean="0">
+              <a:latin typeface="+mn-ea"/>
+              <a:ea typeface="+mn-ea"/>
+            </a:rPr>
+            <a:t>索引缺点</a:t>
+          </a:r>
+          <a:endParaRPr lang="zh-CN" sz="1600" b="1" kern="1200" dirty="0">
+            <a:latin typeface="+mn-ea"/>
+            <a:ea typeface="+mn-ea"/>
+          </a:endParaRPr>
+        </a:p>
+      </dsp:txBody>
+      <dsp:txXfrm>
+        <a:off x="30580" y="1873374"/>
+        <a:ext cx="11076560" cy="565278"/>
+      </dsp:txXfrm>
+    </dsp:sp>
+    <dsp:sp modelId="{4DBBB41F-80A8-4D02-AA6B-A39BDD7EC647}">
+      <dsp:nvSpPr>
+        <dsp:cNvPr id="0" name=""/>
+        <dsp:cNvSpPr/>
+      </dsp:nvSpPr>
+      <dsp:spPr>
+        <a:xfrm>
+          <a:off x="0" y="2693654"/>
+          <a:ext cx="11137720" cy="2581602"/>
+        </a:xfrm>
+        <a:prstGeom prst="rect">
+          <a:avLst/>
+        </a:prstGeom>
+        <a:noFill/>
+        <a:ln>
+          <a:noFill/>
+        </a:ln>
+        <a:effectLst/>
+      </dsp:spPr>
+      <dsp:style>
+        <a:lnRef idx="0">
+          <a:scrgbClr r="0" g="0" b="0"/>
+        </a:lnRef>
+        <a:fillRef idx="0">
+          <a:scrgbClr r="0" g="0" b="0"/>
+        </a:fillRef>
+        <a:effectRef idx="0">
+          <a:scrgbClr r="0" g="0" b="0"/>
+        </a:effectRef>
+        <a:fontRef idx="minor"/>
+      </dsp:style>
+      <dsp:txBody>
+        <a:bodyPr spcFirstLastPara="0" vert="horz" wrap="square" lIns="353623" tIns="20320" rIns="113792" bIns="20320" numCol="1" spcCol="1270" anchor="t" anchorCtr="0">
+          <a:noAutofit/>
+        </a:bodyPr>
+        <a:lstStyle/>
+        <a:p>
+          <a:pPr marL="171450" lvl="1" indent="-171450" algn="l" defTabSz="711200" rtl="0">
+            <a:lnSpc>
+              <a:spcPct val="90000"/>
+            </a:lnSpc>
+            <a:spcBef>
+              <a:spcPct val="0"/>
+            </a:spcBef>
+            <a:spcAft>
+              <a:spcPct val="20000"/>
+            </a:spcAft>
+            <a:buChar char="••"/>
+          </a:pPr>
+          <a:r>
+            <a:rPr lang="zh-CN" altLang="en-US" sz="1600" b="0" kern="1200" dirty="0" smtClean="0">
+              <a:latin typeface="+mn-ea"/>
+              <a:ea typeface="+mn-ea"/>
+            </a:rPr>
+            <a:t>聚簇数据最大限度地提高了</a:t>
+          </a:r>
+          <a:r>
+            <a:rPr lang="en-US" altLang="zh-CN" sz="1600" b="0" kern="1200" dirty="0" smtClean="0">
+              <a:latin typeface="+mn-ea"/>
+              <a:ea typeface="+mn-ea"/>
+            </a:rPr>
+            <a:t>I/O</a:t>
+          </a:r>
+          <a:r>
+            <a:rPr lang="zh-CN" altLang="en-US" sz="1600" b="0" kern="1200" dirty="0" smtClean="0">
+              <a:latin typeface="+mn-ea"/>
+              <a:ea typeface="+mn-ea"/>
+            </a:rPr>
+            <a:t>密集型应用的性能，但如果数据都放在内存中，则访问顺序就没那么重要了，聚簇索引也没什么优势了。</a:t>
+          </a:r>
+          <a:endParaRPr lang="zh-CN" sz="1600" b="0" kern="1200" dirty="0">
+            <a:latin typeface="+mn-ea"/>
+            <a:ea typeface="+mn-ea"/>
+          </a:endParaRPr>
+        </a:p>
+        <a:p>
+          <a:pPr marL="171450" lvl="1" indent="-171450" algn="l" defTabSz="711200">
+            <a:lnSpc>
+              <a:spcPct val="90000"/>
+            </a:lnSpc>
+            <a:spcBef>
+              <a:spcPct val="0"/>
+            </a:spcBef>
+            <a:spcAft>
+              <a:spcPct val="20000"/>
+            </a:spcAft>
+            <a:buChar char="••"/>
+          </a:pPr>
+          <a:r>
+            <a:rPr lang="zh-CN" altLang="en-US" sz="1600" b="0" kern="1200" dirty="0" smtClean="0">
+              <a:latin typeface="+mn-ea"/>
+              <a:ea typeface="+mn-ea"/>
+            </a:rPr>
+            <a:t>插入</a:t>
+          </a:r>
+          <a:r>
+            <a:rPr lang="zh-CN" altLang="en-US" sz="1600" b="0" kern="1200" dirty="0">
+              <a:latin typeface="+mn-ea"/>
+              <a:ea typeface="+mn-ea"/>
+            </a:rPr>
+            <a:t>严重依赖于插入顺序。主键顺序插入最快，如不是则使用</a:t>
+          </a:r>
+          <a:r>
+            <a:rPr lang="en-US" altLang="zh-CN" sz="1600" b="0" kern="1200" dirty="0">
+              <a:latin typeface="+mn-ea"/>
+              <a:ea typeface="+mn-ea"/>
+            </a:rPr>
+            <a:t>OPTIMIZE TABLE</a:t>
+          </a:r>
+          <a:r>
+            <a:rPr lang="zh-CN" altLang="en-US" sz="1600" b="0" kern="1200" dirty="0">
+              <a:latin typeface="+mn-ea"/>
+              <a:ea typeface="+mn-ea"/>
+            </a:rPr>
+            <a:t>重新组织表。</a:t>
+          </a:r>
+        </a:p>
+        <a:p>
+          <a:pPr marL="171450" lvl="1" indent="-171450" algn="l" defTabSz="711200">
+            <a:lnSpc>
+              <a:spcPct val="90000"/>
+            </a:lnSpc>
+            <a:spcBef>
+              <a:spcPct val="0"/>
+            </a:spcBef>
+            <a:spcAft>
+              <a:spcPct val="20000"/>
+            </a:spcAft>
+            <a:buChar char="••"/>
+          </a:pPr>
+          <a:r>
+            <a:rPr lang="zh-CN" altLang="en-US" sz="1600" b="0" kern="1200" dirty="0" smtClean="0">
+              <a:latin typeface="+mn-ea"/>
+              <a:ea typeface="+mn-ea"/>
+            </a:rPr>
+            <a:t>更新</a:t>
+          </a:r>
+          <a:r>
+            <a:rPr lang="zh-CN" altLang="en-US" sz="1600" b="0" kern="1200" dirty="0">
+              <a:latin typeface="+mn-ea"/>
+              <a:ea typeface="+mn-ea"/>
+            </a:rPr>
+            <a:t>聚簇索引列代价很高，因为会强制</a:t>
+          </a:r>
+          <a:r>
+            <a:rPr lang="en-US" altLang="zh-CN" sz="1600" b="0" kern="1200" dirty="0">
+              <a:latin typeface="+mn-ea"/>
+              <a:ea typeface="+mn-ea"/>
+            </a:rPr>
+            <a:t>InnoDB</a:t>
+          </a:r>
+          <a:r>
+            <a:rPr lang="zh-CN" altLang="en-US" sz="1600" b="0" kern="1200" dirty="0">
+              <a:latin typeface="+mn-ea"/>
+              <a:ea typeface="+mn-ea"/>
+            </a:rPr>
+            <a:t>将每个被更新的行移动到新的位置。</a:t>
+          </a:r>
+        </a:p>
+        <a:p>
+          <a:pPr marL="171450" lvl="1" indent="-171450" algn="l" defTabSz="711200">
+            <a:lnSpc>
+              <a:spcPct val="90000"/>
+            </a:lnSpc>
+            <a:spcBef>
+              <a:spcPct val="0"/>
+            </a:spcBef>
+            <a:spcAft>
+              <a:spcPct val="20000"/>
+            </a:spcAft>
+            <a:buChar char="••"/>
+          </a:pPr>
+          <a:r>
+            <a:rPr lang="zh-CN" altLang="en-US" sz="1600" b="0" kern="1200" dirty="0" smtClean="0">
+              <a:latin typeface="+mn-ea"/>
+              <a:ea typeface="+mn-ea"/>
+            </a:rPr>
+            <a:t>基于</a:t>
+          </a:r>
+          <a:r>
+            <a:rPr lang="zh-CN" altLang="en-US" sz="1600" b="0" kern="1200" dirty="0">
+              <a:latin typeface="+mn-ea"/>
+              <a:ea typeface="+mn-ea"/>
+            </a:rPr>
+            <a:t>聚簇索引的表插入新行，或者主键被更新导致需要移动行的时候，可能面临页分裂问题。页分裂会导致表占用更多的磁盘空间。</a:t>
+          </a:r>
+        </a:p>
+        <a:p>
+          <a:pPr marL="171450" lvl="1" indent="-171450" algn="l" defTabSz="711200">
+            <a:lnSpc>
+              <a:spcPct val="90000"/>
+            </a:lnSpc>
+            <a:spcBef>
+              <a:spcPct val="0"/>
+            </a:spcBef>
+            <a:spcAft>
+              <a:spcPct val="20000"/>
+            </a:spcAft>
+            <a:buChar char="••"/>
+          </a:pPr>
+          <a:r>
+            <a:rPr lang="zh-CN" altLang="en-US" sz="1600" b="0" kern="1200" dirty="0" smtClean="0">
+              <a:latin typeface="+mn-ea"/>
+              <a:ea typeface="+mn-ea"/>
+            </a:rPr>
+            <a:t>聚簇</a:t>
+          </a:r>
+          <a:r>
+            <a:rPr lang="zh-CN" altLang="en-US" sz="1600" b="0" kern="1200" dirty="0">
+              <a:latin typeface="+mn-ea"/>
+              <a:ea typeface="+mn-ea"/>
+            </a:rPr>
+            <a:t>索引可能导致全表扫描变慢，行比较稀疏或页分裂导致数据不连续的时候。</a:t>
+          </a:r>
+        </a:p>
+        <a:p>
+          <a:pPr marL="171450" lvl="1" indent="-171450" algn="l" defTabSz="711200">
+            <a:lnSpc>
+              <a:spcPct val="90000"/>
+            </a:lnSpc>
+            <a:spcBef>
+              <a:spcPct val="0"/>
+            </a:spcBef>
+            <a:spcAft>
+              <a:spcPct val="20000"/>
+            </a:spcAft>
+            <a:buChar char="••"/>
+          </a:pPr>
+          <a:r>
+            <a:rPr lang="zh-CN" altLang="en-US" sz="1600" b="0" kern="1200" dirty="0" smtClean="0">
+              <a:latin typeface="+mn-ea"/>
+              <a:ea typeface="+mn-ea"/>
+            </a:rPr>
+            <a:t>二</a:t>
+          </a:r>
+          <a:r>
+            <a:rPr lang="zh-CN" altLang="en-US" sz="1600" b="0" kern="1200" dirty="0">
+              <a:latin typeface="+mn-ea"/>
+              <a:ea typeface="+mn-ea"/>
+            </a:rPr>
+            <a:t>级索引（非聚簇索引）可能比想象的大，因为耳机索引的叶子节点包含了引用行的主键。</a:t>
+          </a:r>
+        </a:p>
+        <a:p>
+          <a:pPr marL="171450" lvl="1" indent="-171450" algn="l" defTabSz="711200">
+            <a:lnSpc>
+              <a:spcPct val="90000"/>
+            </a:lnSpc>
+            <a:spcBef>
+              <a:spcPct val="0"/>
+            </a:spcBef>
+            <a:spcAft>
+              <a:spcPct val="20000"/>
+            </a:spcAft>
+            <a:buChar char="••"/>
+          </a:pPr>
+          <a:r>
+            <a:rPr lang="zh-CN" altLang="en-US" sz="1600" b="0" kern="1200" dirty="0" smtClean="0">
+              <a:latin typeface="+mn-ea"/>
+              <a:ea typeface="+mn-ea"/>
+            </a:rPr>
+            <a:t>二</a:t>
+          </a:r>
+          <a:r>
+            <a:rPr lang="zh-CN" altLang="en-US" sz="1600" b="0" kern="1200" dirty="0">
+              <a:latin typeface="+mn-ea"/>
+              <a:ea typeface="+mn-ea"/>
+            </a:rPr>
+            <a:t>级索引访问需要两次索引查找，而不是一次。</a:t>
+          </a:r>
+        </a:p>
+      </dsp:txBody>
+      <dsp:txXfrm>
+        <a:off x="0" y="2693654"/>
+        <a:ext cx="11137720" cy="2581602"/>
+      </dsp:txXfrm>
+    </dsp:sp>
   </dsp:spTree>
 </dsp:drawing>
 </file>
@@ -3066,6 +3680,412 @@
       <dsp:cNvGrpSpPr/>
     </dsp:nvGrpSpPr>
     <dsp:grpSpPr/>
+    <dsp:sp modelId="{1207BED0-0FB0-48A1-9A04-AC4D4A2EAFBD}">
+      <dsp:nvSpPr>
+        <dsp:cNvPr id="0" name=""/>
+        <dsp:cNvSpPr/>
+      </dsp:nvSpPr>
+      <dsp:spPr>
+        <a:xfrm>
+          <a:off x="0" y="56222"/>
+          <a:ext cx="11117523" cy="625788"/>
+        </a:xfrm>
+        <a:prstGeom prst="roundRect">
+          <a:avLst/>
+        </a:prstGeom>
+        <a:solidFill>
+          <a:schemeClr val="accent6"/>
+        </a:solidFill>
+        <a:ln>
+          <a:noFill/>
+        </a:ln>
+        <a:effectLst/>
+      </dsp:spPr>
+      <dsp:style>
+        <a:lnRef idx="0">
+          <a:scrgbClr r="0" g="0" b="0"/>
+        </a:lnRef>
+        <a:fillRef idx="0">
+          <a:scrgbClr r="0" g="0" b="0"/>
+        </a:fillRef>
+        <a:effectRef idx="0">
+          <a:scrgbClr r="0" g="0" b="0"/>
+        </a:effectRef>
+        <a:fontRef idx="minor">
+          <a:schemeClr val="lt1"/>
+        </a:fontRef>
+      </dsp:style>
+      <dsp:txBody>
+        <a:bodyPr spcFirstLastPara="0" vert="horz" wrap="square" lIns="60960" tIns="60960" rIns="60960" bIns="60960" numCol="1" spcCol="1270" anchor="ctr" anchorCtr="0">
+          <a:noAutofit/>
+        </a:bodyPr>
+        <a:lstStyle/>
+        <a:p>
+          <a:pPr lvl="0" algn="l" defTabSz="711200" rtl="0">
+            <a:lnSpc>
+              <a:spcPct val="90000"/>
+            </a:lnSpc>
+            <a:spcBef>
+              <a:spcPct val="0"/>
+            </a:spcBef>
+            <a:spcAft>
+              <a:spcPct val="35000"/>
+            </a:spcAft>
+          </a:pPr>
+          <a:r>
+            <a:rPr lang="zh-CN" altLang="en-US" sz="1600" b="1" kern="1200" dirty="0" smtClean="0">
+              <a:latin typeface="+mn-ea"/>
+              <a:ea typeface="+mn-ea"/>
+            </a:rPr>
+            <a:t>索引的优点</a:t>
+          </a:r>
+          <a:endParaRPr lang="zh-CN" altLang="en-US" sz="1600" b="1" kern="1200" dirty="0">
+            <a:latin typeface="+mn-ea"/>
+            <a:ea typeface="+mn-ea"/>
+          </a:endParaRPr>
+        </a:p>
+      </dsp:txBody>
+      <dsp:txXfrm>
+        <a:off x="30548" y="86770"/>
+        <a:ext cx="11056427" cy="564692"/>
+      </dsp:txXfrm>
+    </dsp:sp>
+    <dsp:sp modelId="{B30CACC8-869E-4846-BE7C-1A57834182B3}">
+      <dsp:nvSpPr>
+        <dsp:cNvPr id="0" name=""/>
+        <dsp:cNvSpPr/>
+      </dsp:nvSpPr>
+      <dsp:spPr>
+        <a:xfrm>
+          <a:off x="0" y="783589"/>
+          <a:ext cx="11117523" cy="1076400"/>
+        </a:xfrm>
+        <a:prstGeom prst="rect">
+          <a:avLst/>
+        </a:prstGeom>
+        <a:noFill/>
+        <a:ln>
+          <a:noFill/>
+        </a:ln>
+        <a:effectLst/>
+      </dsp:spPr>
+      <dsp:style>
+        <a:lnRef idx="0">
+          <a:scrgbClr r="0" g="0" b="0"/>
+        </a:lnRef>
+        <a:fillRef idx="0">
+          <a:scrgbClr r="0" g="0" b="0"/>
+        </a:fillRef>
+        <a:effectRef idx="0">
+          <a:scrgbClr r="0" g="0" b="0"/>
+        </a:effectRef>
+        <a:fontRef idx="minor"/>
+      </dsp:style>
+      <dsp:txBody>
+        <a:bodyPr spcFirstLastPara="0" vert="horz" wrap="square" lIns="352981" tIns="20320" rIns="113792" bIns="20320" numCol="1" spcCol="1270" anchor="t" anchorCtr="0">
+          <a:noAutofit/>
+        </a:bodyPr>
+        <a:lstStyle/>
+        <a:p>
+          <a:pPr marL="171450" lvl="1" indent="-171450" algn="l" defTabSz="711200" rtl="0">
+            <a:lnSpc>
+              <a:spcPct val="90000"/>
+            </a:lnSpc>
+            <a:spcBef>
+              <a:spcPct val="0"/>
+            </a:spcBef>
+            <a:spcAft>
+              <a:spcPct val="20000"/>
+            </a:spcAft>
+            <a:buChar char="••"/>
+          </a:pPr>
+          <a:r>
+            <a:rPr lang="zh-CN" altLang="en-US" sz="1600" b="0" kern="1200" dirty="0" smtClean="0">
+              <a:latin typeface="+mn-ea"/>
+              <a:ea typeface="+mn-ea"/>
+            </a:rPr>
+            <a:t>减少服务器需要扫描的数据量。</a:t>
+          </a:r>
+          <a:endParaRPr lang="zh-CN" altLang="en-US" sz="1600" b="0" kern="1200" dirty="0">
+            <a:latin typeface="+mn-ea"/>
+            <a:ea typeface="+mn-ea"/>
+          </a:endParaRPr>
+        </a:p>
+        <a:p>
+          <a:pPr marL="171450" lvl="1" indent="-171450" algn="l" defTabSz="711200" rtl="0">
+            <a:lnSpc>
+              <a:spcPct val="90000"/>
+            </a:lnSpc>
+            <a:spcBef>
+              <a:spcPct val="0"/>
+            </a:spcBef>
+            <a:spcAft>
+              <a:spcPct val="20000"/>
+            </a:spcAft>
+            <a:buChar char="••"/>
+          </a:pPr>
+          <a:r>
+            <a:rPr lang="zh-CN" altLang="en-US" sz="1600" b="0" kern="1200" dirty="0" smtClean="0">
+              <a:latin typeface="+mn-ea"/>
+              <a:ea typeface="+mn-ea"/>
+            </a:rPr>
+            <a:t>避免排序和临时表。</a:t>
+          </a:r>
+          <a:endParaRPr lang="zh-CN" altLang="en-US" sz="1600" b="0" kern="1200" dirty="0">
+            <a:latin typeface="+mn-ea"/>
+            <a:ea typeface="+mn-ea"/>
+          </a:endParaRPr>
+        </a:p>
+        <a:p>
+          <a:pPr marL="171450" lvl="1" indent="-171450" algn="l" defTabSz="711200" rtl="0">
+            <a:lnSpc>
+              <a:spcPct val="90000"/>
+            </a:lnSpc>
+            <a:spcBef>
+              <a:spcPct val="0"/>
+            </a:spcBef>
+            <a:spcAft>
+              <a:spcPct val="20000"/>
+            </a:spcAft>
+            <a:buChar char="••"/>
+          </a:pPr>
+          <a:r>
+            <a:rPr lang="zh-CN" sz="1600" b="0" kern="1200" dirty="0" smtClean="0">
+              <a:latin typeface="+mn-ea"/>
+              <a:ea typeface="+mn-ea"/>
+            </a:rPr>
+            <a:t>将随机</a:t>
+          </a:r>
+          <a:r>
+            <a:rPr lang="en-US" sz="1600" b="0" kern="1200" dirty="0" smtClean="0">
+              <a:latin typeface="+mn-ea"/>
+              <a:ea typeface="+mn-ea"/>
+            </a:rPr>
+            <a:t>IO</a:t>
+          </a:r>
+          <a:r>
+            <a:rPr lang="zh-CN" sz="1600" b="0" kern="1200" dirty="0" smtClean="0">
+              <a:latin typeface="+mn-ea"/>
+              <a:ea typeface="+mn-ea"/>
+            </a:rPr>
+            <a:t>转化为顺序</a:t>
+          </a:r>
+          <a:r>
+            <a:rPr lang="en-US" sz="1600" b="0" kern="1200" dirty="0" smtClean="0">
+              <a:latin typeface="+mn-ea"/>
+              <a:ea typeface="+mn-ea"/>
+            </a:rPr>
+            <a:t>IO</a:t>
+          </a:r>
+          <a:r>
+            <a:rPr lang="zh-CN" altLang="en-US" sz="1600" b="0" kern="1200" dirty="0" smtClean="0">
+              <a:latin typeface="+mn-ea"/>
+              <a:ea typeface="+mn-ea"/>
+            </a:rPr>
+            <a:t>。</a:t>
+          </a:r>
+          <a:endParaRPr lang="zh-CN" sz="1600" b="0" kern="1200" dirty="0">
+            <a:latin typeface="+mn-ea"/>
+            <a:ea typeface="+mn-ea"/>
+          </a:endParaRPr>
+        </a:p>
+      </dsp:txBody>
+      <dsp:txXfrm>
+        <a:off x="0" y="783589"/>
+        <a:ext cx="11117523" cy="1076400"/>
+      </dsp:txXfrm>
+    </dsp:sp>
+    <dsp:sp modelId="{ED8ADFA8-D73D-4B2D-AE18-C587F2E4C0E4}">
+      <dsp:nvSpPr>
+        <dsp:cNvPr id="0" name=""/>
+        <dsp:cNvSpPr/>
+      </dsp:nvSpPr>
+      <dsp:spPr>
+        <a:xfrm>
+          <a:off x="0" y="1817106"/>
+          <a:ext cx="11117523" cy="618268"/>
+        </a:xfrm>
+        <a:prstGeom prst="roundRect">
+          <a:avLst/>
+        </a:prstGeom>
+        <a:solidFill>
+          <a:schemeClr val="accent1"/>
+        </a:solidFill>
+        <a:ln w="19050" cap="flat" cmpd="sng" algn="ctr">
+          <a:solidFill>
+            <a:schemeClr val="lt1"/>
+          </a:solidFill>
+          <a:prstDash val="solid"/>
+          <a:miter lim="800000"/>
+        </a:ln>
+        <a:effectLst/>
+      </dsp:spPr>
+      <dsp:style>
+        <a:lnRef idx="3">
+          <a:schemeClr val="lt1"/>
+        </a:lnRef>
+        <a:fillRef idx="1">
+          <a:schemeClr val="accent1"/>
+        </a:fillRef>
+        <a:effectRef idx="1">
+          <a:schemeClr val="accent1"/>
+        </a:effectRef>
+        <a:fontRef idx="minor">
+          <a:schemeClr val="lt1"/>
+        </a:fontRef>
+      </dsp:style>
+      <dsp:txBody>
+        <a:bodyPr spcFirstLastPara="0" vert="horz" wrap="square" lIns="60960" tIns="60960" rIns="60960" bIns="60960" numCol="1" spcCol="1270" anchor="ctr" anchorCtr="0">
+          <a:noAutofit/>
+        </a:bodyPr>
+        <a:lstStyle/>
+        <a:p>
+          <a:pPr lvl="0" algn="l" defTabSz="711200" rtl="0">
+            <a:lnSpc>
+              <a:spcPct val="90000"/>
+            </a:lnSpc>
+            <a:spcBef>
+              <a:spcPct val="0"/>
+            </a:spcBef>
+            <a:spcAft>
+              <a:spcPct val="35000"/>
+            </a:spcAft>
+          </a:pPr>
+          <a:r>
+            <a:rPr lang="zh-CN" altLang="en-US" sz="1600" b="1" kern="1200" dirty="0" smtClean="0">
+              <a:latin typeface="+mn-ea"/>
+              <a:ea typeface="+mn-ea"/>
+            </a:rPr>
+            <a:t>索引的缺点</a:t>
+          </a:r>
+          <a:endParaRPr lang="zh-CN" altLang="en-US" sz="1600" b="1" kern="1200" dirty="0">
+            <a:latin typeface="+mn-ea"/>
+            <a:ea typeface="+mn-ea"/>
+          </a:endParaRPr>
+        </a:p>
+      </dsp:txBody>
+      <dsp:txXfrm>
+        <a:off x="30181" y="1847287"/>
+        <a:ext cx="11057161" cy="557906"/>
+      </dsp:txXfrm>
+    </dsp:sp>
+    <dsp:sp modelId="{A75B27A3-4934-4CB1-83B2-AA1BE44627B9}">
+      <dsp:nvSpPr>
+        <dsp:cNvPr id="0" name=""/>
+        <dsp:cNvSpPr/>
+      </dsp:nvSpPr>
+      <dsp:spPr>
+        <a:xfrm>
+          <a:off x="0" y="2529874"/>
+          <a:ext cx="11117523" cy="1076400"/>
+        </a:xfrm>
+        <a:prstGeom prst="rect">
+          <a:avLst/>
+        </a:prstGeom>
+        <a:noFill/>
+        <a:ln>
+          <a:noFill/>
+        </a:ln>
+        <a:effectLst/>
+      </dsp:spPr>
+      <dsp:style>
+        <a:lnRef idx="0">
+          <a:scrgbClr r="0" g="0" b="0"/>
+        </a:lnRef>
+        <a:fillRef idx="0">
+          <a:scrgbClr r="0" g="0" b="0"/>
+        </a:fillRef>
+        <a:effectRef idx="0">
+          <a:scrgbClr r="0" g="0" b="0"/>
+        </a:effectRef>
+        <a:fontRef idx="minor"/>
+      </dsp:style>
+      <dsp:txBody>
+        <a:bodyPr spcFirstLastPara="0" vert="horz" wrap="square" lIns="352981" tIns="20320" rIns="113792" bIns="20320" numCol="1" spcCol="1270" anchor="t" anchorCtr="0">
+          <a:noAutofit/>
+        </a:bodyPr>
+        <a:lstStyle/>
+        <a:p>
+          <a:pPr marL="171450" lvl="1" indent="-171450" algn="l" defTabSz="711200" rtl="0">
+            <a:lnSpc>
+              <a:spcPct val="90000"/>
+            </a:lnSpc>
+            <a:spcBef>
+              <a:spcPct val="0"/>
+            </a:spcBef>
+            <a:spcAft>
+              <a:spcPct val="20000"/>
+            </a:spcAft>
+            <a:buChar char="••"/>
+          </a:pPr>
+          <a:r>
+            <a:rPr lang="zh-CN" altLang="en-US" sz="1600" kern="1200" dirty="0" smtClean="0">
+              <a:latin typeface="+mn-ea"/>
+              <a:ea typeface="+mn-ea"/>
+            </a:rPr>
+            <a:t>占用额外的磁盘存储空间。</a:t>
+          </a:r>
+          <a:endParaRPr lang="zh-CN" altLang="en-US" sz="1600" kern="1200" dirty="0">
+            <a:latin typeface="+mn-ea"/>
+            <a:ea typeface="+mn-ea"/>
+          </a:endParaRPr>
+        </a:p>
+        <a:p>
+          <a:pPr marL="171450" lvl="1" indent="-171450" algn="l" defTabSz="711200" rtl="0">
+            <a:lnSpc>
+              <a:spcPct val="90000"/>
+            </a:lnSpc>
+            <a:spcBef>
+              <a:spcPct val="0"/>
+            </a:spcBef>
+            <a:spcAft>
+              <a:spcPct val="20000"/>
+            </a:spcAft>
+            <a:buChar char="••"/>
+          </a:pPr>
+          <a:r>
+            <a:rPr lang="zh-CN" altLang="en-US" sz="1600" kern="1200" dirty="0" smtClean="0">
+              <a:latin typeface="+mn-ea"/>
+              <a:ea typeface="+mn-ea"/>
+            </a:rPr>
+            <a:t>需要对数据排序而影响插入速度。</a:t>
+          </a:r>
+          <a:endParaRPr lang="zh-CN" altLang="en-US" sz="1600" kern="1200" dirty="0">
+            <a:latin typeface="+mn-ea"/>
+            <a:ea typeface="+mn-ea"/>
+          </a:endParaRPr>
+        </a:p>
+        <a:p>
+          <a:pPr marL="171450" lvl="1" indent="-171450" algn="l" defTabSz="711200" rtl="0">
+            <a:lnSpc>
+              <a:spcPct val="90000"/>
+            </a:lnSpc>
+            <a:spcBef>
+              <a:spcPct val="0"/>
+            </a:spcBef>
+            <a:spcAft>
+              <a:spcPct val="20000"/>
+            </a:spcAft>
+            <a:buChar char="••"/>
+          </a:pPr>
+          <a:r>
+            <a:rPr lang="zh-CN" altLang="en-US" sz="1600" kern="1200" dirty="0" smtClean="0">
+              <a:latin typeface="+mn-ea"/>
+              <a:ea typeface="+mn-ea"/>
+            </a:rPr>
+            <a:t>对小表和超大表可能不适用，中大型表效果最好。</a:t>
+          </a:r>
+          <a:endParaRPr lang="zh-CN" altLang="en-US" sz="1600" kern="1200" dirty="0">
+            <a:latin typeface="+mn-ea"/>
+            <a:ea typeface="+mn-ea"/>
+          </a:endParaRPr>
+        </a:p>
+      </dsp:txBody>
+      <dsp:txXfrm>
+        <a:off x="0" y="2529874"/>
+        <a:ext cx="11117523" cy="1076400"/>
+      </dsp:txXfrm>
+    </dsp:sp>
   </dsp:spTree>
 </dsp:drawing>
 </file>
@@ -7354,6 +8374,10 @@
               <a:buFont typeface="+mj-lt"/>
               <a:buNone/>
             </a:pPr>
+            <a:r>
+              <a:rPr lang="zh-CN" altLang="en-US" dirty="0" smtClean="0"/>
+              <a:t>磁盘读写，裂页。</a:t>
+            </a:r>
             <a:endParaRPr lang="zh-CN" altLang="en-US" dirty="0"/>
           </a:p>
         </p:txBody>
@@ -19256,7 +20280,19 @@
               <a:rPr lang="zh-CN" altLang="zh-CN" dirty="0">
                 <a:latin typeface="+mn-ea"/>
               </a:rPr>
-              <a:t>如果查询未能使用索引，</a:t>
+              <a:t>如果查询未能</a:t>
+            </a:r>
+            <a:r>
+              <a:rPr lang="zh-CN" altLang="zh-CN" dirty="0" smtClean="0">
+                <a:latin typeface="+mn-ea"/>
+              </a:rPr>
+              <a:t>使用</a:t>
+            </a:r>
+            <a:r>
+              <a:rPr lang="zh-CN" altLang="zh-CN" dirty="0">
+                <a:latin typeface="+mn-ea"/>
+              </a:rPr>
+              <a:t>索引，</a:t>
             </a:r>
             <a:r>
               <a:rPr lang="en-US" altLang="zh-CN" dirty="0">
@@ -20596,7 +21632,7 @@
               </a:r>
               <a:r>
                 <a:rPr lang="zh-CN" altLang="en-US" b="1" dirty="0" smtClean="0"/>
-                <a:t>物理删除</a:t>
+                <a:t>物理删除（大量删除）</a:t>
               </a:r>
               <a:endParaRPr lang="zh-CN" b="1" dirty="0"/>
             </a:p>
